--- a/Presentation_Rene_Weinmann.pptx
+++ b/Presentation_Rene_Weinmann.pptx
@@ -5,30 +5,32 @@
     <p:sldMasterId id="2147483648" r:id="rId1"/>
   </p:sldMasterIdLst>
   <p:notesMasterIdLst>
-    <p:notesMasterId r:id="rId20"/>
+    <p:notesMasterId r:id="rId22"/>
   </p:notesMasterIdLst>
   <p:handoutMasterIdLst>
-    <p:handoutMasterId r:id="rId21"/>
+    <p:handoutMasterId r:id="rId23"/>
   </p:handoutMasterIdLst>
   <p:sldIdLst>
     <p:sldId id="256" r:id="rId2"/>
-    <p:sldId id="257" r:id="rId3"/>
-    <p:sldId id="258" r:id="rId4"/>
-    <p:sldId id="261" r:id="rId5"/>
-    <p:sldId id="259" r:id="rId6"/>
-    <p:sldId id="270" r:id="rId7"/>
-    <p:sldId id="260" r:id="rId8"/>
-    <p:sldId id="271" r:id="rId9"/>
-    <p:sldId id="262" r:id="rId10"/>
-    <p:sldId id="263" r:id="rId11"/>
-    <p:sldId id="264" r:id="rId12"/>
-    <p:sldId id="272" r:id="rId13"/>
-    <p:sldId id="265" r:id="rId14"/>
-    <p:sldId id="266" r:id="rId15"/>
-    <p:sldId id="267" r:id="rId16"/>
-    <p:sldId id="273" r:id="rId17"/>
-    <p:sldId id="268" r:id="rId18"/>
-    <p:sldId id="269" r:id="rId19"/>
+    <p:sldId id="258" r:id="rId3"/>
+    <p:sldId id="261" r:id="rId4"/>
+    <p:sldId id="259" r:id="rId5"/>
+    <p:sldId id="271" r:id="rId6"/>
+    <p:sldId id="260" r:id="rId7"/>
+    <p:sldId id="262" r:id="rId8"/>
+    <p:sldId id="263" r:id="rId9"/>
+    <p:sldId id="278" r:id="rId10"/>
+    <p:sldId id="275" r:id="rId11"/>
+    <p:sldId id="272" r:id="rId12"/>
+    <p:sldId id="265" r:id="rId13"/>
+    <p:sldId id="276" r:id="rId14"/>
+    <p:sldId id="273" r:id="rId15"/>
+    <p:sldId id="266" r:id="rId16"/>
+    <p:sldId id="267" r:id="rId17"/>
+    <p:sldId id="277" r:id="rId18"/>
+    <p:sldId id="274" r:id="rId19"/>
+    <p:sldId id="268" r:id="rId20"/>
+    <p:sldId id="269" r:id="rId21"/>
   </p:sldIdLst>
   <p:sldSz cx="9144000" cy="6858000" type="screen4x3"/>
   <p:notesSz cx="6797675" cy="9926638"/>
@@ -270,7 +272,7 @@
             <a:fld id="{78A3FABC-3780-4F68-84BD-39BD54B294EC}" type="datetimeFigureOut">
               <a:rPr lang="en-US" smtClean="0"/>
               <a:pPr/>
-              <a:t>10/26/2017</a:t>
+              <a:t>10/27/2017</a:t>
             </a:fld>
             <a:endParaRPr lang="en-US"/>
           </a:p>
@@ -437,7 +439,7 @@
             <a:fld id="{962D6903-D881-4FA6-A21E-ABC873CB4FE8}" type="datetimeFigureOut">
               <a:rPr lang="en-US" smtClean="0"/>
               <a:pPr/>
-              <a:t>10/26/2017</a:t>
+              <a:t>10/27/2017</a:t>
             </a:fld>
             <a:endParaRPr lang="en-US"/>
           </a:p>
@@ -791,6 +793,240 @@
 </p:notes>
 </file>
 
+<file path=ppt/notesSlides/notesSlide2.xml><?xml version="1.0" encoding="utf-8"?>
+<p:notes xmlns:a="http://schemas.openxmlformats.org/drawingml/2006/main" xmlns:r="http://schemas.openxmlformats.org/officeDocument/2006/relationships" xmlns:p="http://schemas.openxmlformats.org/presentationml/2006/main">
+  <p:cSld>
+    <p:spTree>
+      <p:nvGrpSpPr>
+        <p:cNvPr id="1" name=""/>
+        <p:cNvGrpSpPr/>
+        <p:nvPr/>
+      </p:nvGrpSpPr>
+      <p:grpSpPr>
+        <a:xfrm>
+          <a:off x="0" y="0"/>
+          <a:ext cx="0" cy="0"/>
+          <a:chOff x="0" y="0"/>
+          <a:chExt cx="0" cy="0"/>
+        </a:xfrm>
+      </p:grpSpPr>
+      <p:sp>
+        <p:nvSpPr>
+          <p:cNvPr id="2" name="Folienbildplatzhalter 1"/>
+          <p:cNvSpPr>
+            <a:spLocks noGrp="1" noRot="1" noChangeAspect="1"/>
+          </p:cNvSpPr>
+          <p:nvPr>
+            <p:ph type="sldImg"/>
+          </p:nvPr>
+        </p:nvSpPr>
+        <p:spPr/>
+      </p:sp>
+      <p:sp>
+        <p:nvSpPr>
+          <p:cNvPr id="3" name="Notizenplatzhalter 2"/>
+          <p:cNvSpPr>
+            <a:spLocks noGrp="1"/>
+          </p:cNvSpPr>
+          <p:nvPr>
+            <p:ph type="body" idx="1"/>
+          </p:nvPr>
+        </p:nvSpPr>
+        <p:spPr/>
+        <p:txBody>
+          <a:bodyPr/>
+          <a:lstStyle/>
+          <a:p>
+            <a:r>
+              <a:rPr lang="en-US" dirty="0" err="1" smtClean="0"/>
+              <a:t>Zwei</a:t>
+            </a:r>
+            <a:r>
+              <a:rPr lang="en-US" dirty="0" smtClean="0"/>
+              <a:t> </a:t>
+            </a:r>
+            <a:r>
+              <a:rPr lang="en-US" dirty="0" err="1" smtClean="0"/>
+              <a:t>testfaelle</a:t>
+            </a:r>
+            <a:r>
+              <a:rPr lang="en-US" baseline="0" dirty="0" smtClean="0"/>
+              <a:t> das </a:t>
+            </a:r>
+            <a:r>
+              <a:rPr lang="en-US" baseline="0" dirty="0" err="1" smtClean="0"/>
+              <a:t>selbe</a:t>
+            </a:r>
+            <a:r>
+              <a:rPr lang="en-US" baseline="0" dirty="0" smtClean="0"/>
+              <a:t> Scheduling </a:t>
+            </a:r>
+            <a:r>
+              <a:rPr lang="en-US" baseline="0" dirty="0" err="1" smtClean="0"/>
+              <a:t>aber</a:t>
+            </a:r>
+            <a:r>
+              <a:rPr lang="en-US" baseline="0" dirty="0" smtClean="0"/>
+              <a:t> </a:t>
+            </a:r>
+            <a:r>
+              <a:rPr lang="en-US" baseline="0" dirty="0" err="1" smtClean="0"/>
+              <a:t>unterschiedliche</a:t>
+            </a:r>
+            <a:r>
+              <a:rPr lang="en-US" baseline="0" dirty="0" smtClean="0"/>
+              <a:t> </a:t>
+            </a:r>
+            <a:r>
+              <a:rPr lang="en-US" baseline="0" dirty="0" err="1" smtClean="0"/>
+              <a:t>Adressen</a:t>
+            </a:r>
+            <a:r>
+              <a:rPr lang="en-US" baseline="0" dirty="0" smtClean="0"/>
+              <a:t>.</a:t>
+            </a:r>
+            <a:endParaRPr lang="de-DE" dirty="0"/>
+          </a:p>
+        </p:txBody>
+      </p:sp>
+      <p:sp>
+        <p:nvSpPr>
+          <p:cNvPr id="4" name="Foliennummernplatzhalter 3"/>
+          <p:cNvSpPr>
+            <a:spLocks noGrp="1"/>
+          </p:cNvSpPr>
+          <p:nvPr>
+            <p:ph type="sldNum" sz="quarter" idx="10"/>
+          </p:nvPr>
+        </p:nvSpPr>
+        <p:spPr/>
+        <p:txBody>
+          <a:bodyPr/>
+          <a:lstStyle/>
+          <a:p>
+            <a:fld id="{869E2870-AA96-4A2A-B012-8930BFB0F7BD}" type="slidenum">
+              <a:rPr lang="en-US" smtClean="0"/>
+              <a:pPr/>
+              <a:t>10</a:t>
+            </a:fld>
+            <a:endParaRPr lang="en-US"/>
+          </a:p>
+        </p:txBody>
+      </p:sp>
+    </p:spTree>
+    <p:extLst>
+      <p:ext uri="{BB962C8B-B14F-4D97-AF65-F5344CB8AC3E}">
+        <p14:creationId xmlns:p14="http://schemas.microsoft.com/office/powerpoint/2010/main" val="420471562"/>
+      </p:ext>
+    </p:extLst>
+  </p:cSld>
+  <p:clrMapOvr>
+    <a:masterClrMapping/>
+  </p:clrMapOvr>
+</p:notes>
+</file>
+
+<file path=ppt/notesSlides/notesSlide3.xml><?xml version="1.0" encoding="utf-8"?>
+<p:notes xmlns:a="http://schemas.openxmlformats.org/drawingml/2006/main" xmlns:r="http://schemas.openxmlformats.org/officeDocument/2006/relationships" xmlns:p="http://schemas.openxmlformats.org/presentationml/2006/main">
+  <p:cSld>
+    <p:spTree>
+      <p:nvGrpSpPr>
+        <p:cNvPr id="1" name=""/>
+        <p:cNvGrpSpPr/>
+        <p:nvPr/>
+      </p:nvGrpSpPr>
+      <p:grpSpPr>
+        <a:xfrm>
+          <a:off x="0" y="0"/>
+          <a:ext cx="0" cy="0"/>
+          <a:chOff x="0" y="0"/>
+          <a:chExt cx="0" cy="0"/>
+        </a:xfrm>
+      </p:grpSpPr>
+      <p:sp>
+        <p:nvSpPr>
+          <p:cNvPr id="2" name="Folienbildplatzhalter 1"/>
+          <p:cNvSpPr>
+            <a:spLocks noGrp="1" noRot="1" noChangeAspect="1"/>
+          </p:cNvSpPr>
+          <p:nvPr>
+            <p:ph type="sldImg"/>
+          </p:nvPr>
+        </p:nvSpPr>
+        <p:spPr/>
+      </p:sp>
+      <p:sp>
+        <p:nvSpPr>
+          <p:cNvPr id="3" name="Notizenplatzhalter 2"/>
+          <p:cNvSpPr>
+            <a:spLocks noGrp="1"/>
+          </p:cNvSpPr>
+          <p:nvPr>
+            <p:ph type="body" idx="1"/>
+          </p:nvPr>
+        </p:nvSpPr>
+        <p:spPr/>
+        <p:txBody>
+          <a:bodyPr/>
+          <a:lstStyle/>
+          <a:p>
+            <a:r>
+              <a:rPr lang="en-US" dirty="0" err="1" smtClean="0"/>
+              <a:t>Es</a:t>
+            </a:r>
+            <a:r>
+              <a:rPr lang="en-US" dirty="0" smtClean="0"/>
+              <a:t> </a:t>
+            </a:r>
+            <a:r>
+              <a:rPr lang="en-US" dirty="0" err="1" smtClean="0"/>
+              <a:t>sind</a:t>
+            </a:r>
+            <a:r>
+              <a:rPr lang="en-US" baseline="0" dirty="0" smtClean="0"/>
+              <a:t> </a:t>
+            </a:r>
+            <a:endParaRPr lang="de-DE" dirty="0"/>
+          </a:p>
+        </p:txBody>
+      </p:sp>
+      <p:sp>
+        <p:nvSpPr>
+          <p:cNvPr id="4" name="Foliennummernplatzhalter 3"/>
+          <p:cNvSpPr>
+            <a:spLocks noGrp="1"/>
+          </p:cNvSpPr>
+          <p:nvPr>
+            <p:ph type="sldNum" sz="quarter" idx="10"/>
+          </p:nvPr>
+        </p:nvSpPr>
+        <p:spPr/>
+        <p:txBody>
+          <a:bodyPr/>
+          <a:lstStyle/>
+          <a:p>
+            <a:fld id="{869E2870-AA96-4A2A-B012-8930BFB0F7BD}" type="slidenum">
+              <a:rPr lang="en-US" smtClean="0"/>
+              <a:pPr/>
+              <a:t>11</a:t>
+            </a:fld>
+            <a:endParaRPr lang="en-US"/>
+          </a:p>
+        </p:txBody>
+      </p:sp>
+    </p:spTree>
+    <p:extLst>
+      <p:ext uri="{BB962C8B-B14F-4D97-AF65-F5344CB8AC3E}">
+        <p14:creationId xmlns:p14="http://schemas.microsoft.com/office/powerpoint/2010/main" val="585671900"/>
+      </p:ext>
+    </p:extLst>
+  </p:cSld>
+  <p:clrMapOvr>
+    <a:masterClrMapping/>
+  </p:clrMapOvr>
+</p:notes>
+</file>
+
 <file path=ppt/slideLayouts/slideLayout1.xml><?xml version="1.0" encoding="utf-8"?>
 <p:sldLayout xmlns:a="http://schemas.openxmlformats.org/drawingml/2006/main" xmlns:r="http://schemas.openxmlformats.org/officeDocument/2006/relationships" xmlns:p="http://schemas.openxmlformats.org/presentationml/2006/main" showMasterSp="0" type="title" preserve="1">
   <p:cSld name="Titelfolie">
@@ -917,34 +1153,15 @@
               <a:defRPr/>
             </a:pPr>
             <a:r>
-              <a:rPr lang="de-DE" sz="1100" b="1" dirty="0">
+              <a:rPr lang="de-DE" sz="1100" b="0" i="0" u="none" strike="noStrike" kern="1200" baseline="0" dirty="0" smtClean="0">
+                <a:solidFill>
+                  <a:schemeClr val="tx1"/>
+                </a:solidFill>
                 <a:latin typeface="+mj-lt"/>
+                <a:ea typeface="MS PGothic" pitchFamily="34" charset="-128"/>
+                <a:cs typeface="+mn-cs"/>
               </a:rPr>
-              <a:t>Institute </a:t>
-            </a:r>
-            <a:r>
-              <a:rPr lang="de-DE" sz="1100" b="1" dirty="0" err="1">
-                <a:latin typeface="+mj-lt"/>
-              </a:rPr>
-              <a:t>of</a:t>
-            </a:r>
-            <a:r>
-              <a:rPr lang="de-DE" sz="1100" b="1" dirty="0">
-                <a:latin typeface="+mj-lt"/>
-              </a:rPr>
-              <a:t> </a:t>
-            </a:r>
-            <a:r>
-              <a:rPr lang="de-DE" sz="1100" b="1" dirty="0" err="1">
-                <a:latin typeface="+mj-lt"/>
-              </a:rPr>
-              <a:t>Microelectronic</a:t>
-            </a:r>
-            <a:r>
-              <a:rPr lang="de-DE" sz="1100" b="1" dirty="0">
-                <a:latin typeface="+mj-lt"/>
-              </a:rPr>
-              <a:t> Systems</a:t>
+              <a:t>Institut für Mikroelektronische Systeme</a:t>
             </a:r>
             <a:endParaRPr lang="de-DE" sz="1100" b="1" dirty="0">
               <a:latin typeface="+mj-lt"/>
@@ -2810,25 +3027,38 @@
               <a:t>		</a:t>
             </a:r>
             <a:r>
-              <a:rPr lang="de-DE" sz="1200" b="1" dirty="0">
+              <a:rPr lang="de-DE" sz="1200" b="1" dirty="0" smtClean="0">
                 <a:latin typeface="Agfa Rotis Sans Serif" pitchFamily="2" charset="0"/>
                 <a:ea typeface="ＭＳ Ｐゴシック" pitchFamily="1" charset="-128"/>
               </a:rPr>
-              <a:t>Name,</a:t>
-            </a:r>
-            <a:r>
-              <a:rPr lang="de-DE" sz="1200" b="1" baseline="0" dirty="0">
+              <a:t>Ren</a:t>
+            </a:r>
+            <a:r>
+              <a:rPr lang="de-DE" sz="1200" dirty="0" smtClean="0">
+                <a:latin typeface="+mj-lt"/>
+              </a:rPr>
+              <a:t>é</a:t>
+            </a:r>
+            <a:r>
+              <a:rPr lang="de-DE" sz="1200" b="1" dirty="0" smtClean="0">
+                <a:latin typeface="Agfa Rotis Sans Serif" pitchFamily="2" charset="0"/>
+                <a:ea typeface="ＭＳ Ｐゴシック" pitchFamily="1" charset="-128"/>
+              </a:rPr>
+              <a:t> Weinmann,</a:t>
+            </a:r>
+            <a:r>
+              <a:rPr lang="de-DE" sz="1200" b="1" baseline="0" dirty="0" smtClean="0">
                 <a:latin typeface="Agfa Rotis Sans Serif" pitchFamily="2" charset="0"/>
                 <a:ea typeface="ＭＳ Ｐゴシック" pitchFamily="1" charset="-128"/>
               </a:rPr>
               <a:t> </a:t>
             </a:r>
             <a:r>
-              <a:rPr lang="en-US" sz="1200" b="1" baseline="0" dirty="0">
+              <a:rPr lang="en-US" sz="1200" b="1" baseline="0" dirty="0" smtClean="0">
                 <a:latin typeface="Agfa Rotis Sans Serif" pitchFamily="2" charset="0"/>
                 <a:ea typeface="ＭＳ Ｐゴシック" pitchFamily="1" charset="-128"/>
               </a:rPr>
-              <a:t>6 May 2015</a:t>
+              <a:t>13.November 2017</a:t>
             </a:r>
             <a:r>
               <a:rPr lang="de-DE" sz="1200" dirty="0">
@@ -2910,8 +3140,8 @@
         </p:nvSpPr>
         <p:spPr bwMode="auto">
           <a:xfrm>
-            <a:off x="792956" y="482081"/>
-            <a:ext cx="6264275" cy="224357"/>
+            <a:off x="792956" y="478747"/>
+            <a:ext cx="6264275" cy="227691"/>
           </a:xfrm>
           <a:prstGeom prst="rect">
             <a:avLst/>
@@ -2938,41 +3168,22 @@
               <a:defRPr/>
             </a:pPr>
             <a:r>
-              <a:rPr lang="de-DE" sz="1100" b="1" dirty="0">
-                <a:latin typeface="Agfa Rotis Sans Serif" pitchFamily="2" charset="0"/>
+              <a:rPr lang="de-DE" sz="1200" b="1" dirty="0">
+                <a:latin typeface="+mj-lt"/>
                 <a:ea typeface="ＭＳ Ｐゴシック" pitchFamily="1" charset="-128"/>
               </a:rPr>
               <a:t>        </a:t>
             </a:r>
             <a:r>
-              <a:rPr lang="de-DE" sz="1200" b="1" dirty="0">
+              <a:rPr lang="de-DE" sz="1200" b="0" i="0" u="none" strike="noStrike" kern="1200" baseline="0" dirty="0" smtClean="0">
+                <a:solidFill>
+                  <a:schemeClr val="tx1"/>
+                </a:solidFill>
                 <a:latin typeface="+mj-lt"/>
+                <a:ea typeface="MS PGothic" pitchFamily="34" charset="-128"/>
+                <a:cs typeface="+mn-cs"/>
               </a:rPr>
-              <a:t>Institute </a:t>
-            </a:r>
-            <a:r>
-              <a:rPr lang="de-DE" sz="1200" b="1" dirty="0" err="1">
-                <a:latin typeface="+mj-lt"/>
-              </a:rPr>
-              <a:t>of</a:t>
-            </a:r>
-            <a:r>
-              <a:rPr lang="de-DE" sz="1200" b="1" dirty="0">
-                <a:latin typeface="+mj-lt"/>
-              </a:rPr>
-              <a:t> </a:t>
-            </a:r>
-            <a:r>
-              <a:rPr lang="de-DE" sz="1200" b="1" dirty="0" err="1">
-                <a:latin typeface="+mj-lt"/>
-              </a:rPr>
-              <a:t>Microelectronic</a:t>
-            </a:r>
-            <a:r>
-              <a:rPr lang="de-DE" sz="1200" b="1" dirty="0">
-                <a:latin typeface="+mj-lt"/>
-              </a:rPr>
-              <a:t> Systems</a:t>
+              <a:t>Institut für Mikroelektronische Systeme</a:t>
             </a:r>
             <a:endParaRPr lang="de-DE" sz="1200" b="1" dirty="0">
               <a:latin typeface="+mj-lt"/>
@@ -3670,7 +3881,42 @@
           <a:bodyPr/>
           <a:lstStyle/>
           <a:p>
-            <a:endParaRPr lang="de-DE"/>
+            <a:r>
+              <a:rPr lang="en-US" dirty="0" smtClean="0"/>
+              <a:t>Workflow</a:t>
+            </a:r>
+          </a:p>
+          <a:p>
+            <a:r>
+              <a:rPr lang="en-US" dirty="0" err="1" smtClean="0"/>
+              <a:t>Ausgabe</a:t>
+            </a:r>
+            <a:r>
+              <a:rPr lang="en-US" dirty="0" smtClean="0"/>
+              <a:t> des Tools</a:t>
+            </a:r>
+          </a:p>
+          <a:p>
+            <a:pPr lvl="1"/>
+            <a:r>
+              <a:rPr lang="en-US" dirty="0" smtClean="0"/>
+              <a:t>Internal</a:t>
+            </a:r>
+          </a:p>
+          <a:p>
+            <a:pPr lvl="1"/>
+            <a:r>
+              <a:rPr lang="en-US" dirty="0" smtClean="0"/>
+              <a:t>Switching</a:t>
+            </a:r>
+          </a:p>
+          <a:p>
+            <a:pPr lvl="1"/>
+            <a:r>
+              <a:rPr lang="en-US" dirty="0" smtClean="0"/>
+              <a:t>Leakage</a:t>
+            </a:r>
+            <a:endParaRPr lang="de-DE" dirty="0"/>
           </a:p>
         </p:txBody>
       </p:sp>
@@ -3690,16 +3936,47 @@
           <a:lstStyle/>
           <a:p>
             <a:r>
-              <a:rPr lang="de-DE" dirty="0"/>
-              <a:t>Genetischer Algorithmus</a:t>
-            </a:r>
-          </a:p>
-        </p:txBody>
-      </p:sp>
+              <a:rPr lang="de-DE" dirty="0" smtClean="0"/>
+              <a:t>Verlustleistungsanalyse-Tool</a:t>
+            </a:r>
+            <a:endParaRPr lang="de-DE" dirty="0"/>
+          </a:p>
+        </p:txBody>
+      </p:sp>
+      <p:pic>
+        <p:nvPicPr>
+          <p:cNvPr id="4" name="Grafik 3"/>
+          <p:cNvPicPr>
+            <a:picLocks noChangeAspect="1"/>
+          </p:cNvPicPr>
+          <p:nvPr/>
+        </p:nvPicPr>
+        <p:blipFill>
+          <a:blip r:embed="rId3">
+            <a:extLst>
+              <a:ext uri="{28A0092B-C50C-407E-A947-70E740481C1C}">
+                <a14:useLocalDpi xmlns:a14="http://schemas.microsoft.com/office/drawing/2010/main" val="0"/>
+              </a:ext>
+            </a:extLst>
+          </a:blip>
+          <a:stretch>
+            <a:fillRect/>
+          </a:stretch>
+        </p:blipFill>
+        <p:spPr>
+          <a:xfrm>
+            <a:off x="4214950" y="1306285"/>
+            <a:ext cx="4198474" cy="4532638"/>
+          </a:xfrm>
+          <a:prstGeom prst="rect">
+            <a:avLst/>
+          </a:prstGeom>
+        </p:spPr>
+      </p:pic>
     </p:spTree>
     <p:extLst>
       <p:ext uri="{BB962C8B-B14F-4D97-AF65-F5344CB8AC3E}">
-        <p14:creationId xmlns:p14="http://schemas.microsoft.com/office/powerpoint/2010/main" val="1765438522"/>
+        <p14:creationId xmlns:p14="http://schemas.microsoft.com/office/powerpoint/2010/main" val="2477344777"/>
       </p:ext>
     </p:extLst>
   </p:cSld>
@@ -3741,7 +4018,22 @@
           <a:bodyPr/>
           <a:lstStyle/>
           <a:p>
-            <a:endParaRPr lang="de-DE"/>
+            <a:r>
+              <a:rPr lang="de-DE" dirty="0" smtClean="0"/>
+              <a:t>Pipelinestufe gegen </a:t>
+            </a:r>
+            <a:r>
+              <a:rPr lang="de-DE" dirty="0" err="1" smtClean="0"/>
+              <a:t>Glitches</a:t>
+            </a:r>
+            <a:endParaRPr lang="de-DE" dirty="0" smtClean="0"/>
+          </a:p>
+          <a:p>
+            <a:r>
+              <a:rPr lang="de-DE" dirty="0" smtClean="0"/>
+              <a:t>Neuberechnung der Immediate-Adressen</a:t>
+            </a:r>
+            <a:endParaRPr lang="de-DE" dirty="0"/>
           </a:p>
         </p:txBody>
       </p:sp>
@@ -3762,15 +4054,45 @@
           <a:p>
             <a:r>
               <a:rPr lang="de-DE" dirty="0"/>
-              <a:t>Fitness-Funktionsansätze</a:t>
-            </a:r>
-          </a:p>
-        </p:txBody>
-      </p:sp>
+              <a:t>Hardware-Anpassungen</a:t>
+            </a:r>
+          </a:p>
+        </p:txBody>
+      </p:sp>
+      <p:pic>
+        <p:nvPicPr>
+          <p:cNvPr id="4" name="Grafik 3"/>
+          <p:cNvPicPr>
+            <a:picLocks noChangeAspect="1"/>
+          </p:cNvPicPr>
+          <p:nvPr/>
+        </p:nvPicPr>
+        <p:blipFill>
+          <a:blip r:embed="rId3">
+            <a:extLst>
+              <a:ext uri="{28A0092B-C50C-407E-A947-70E740481C1C}">
+                <a14:useLocalDpi xmlns:a14="http://schemas.microsoft.com/office/drawing/2010/main" val="0"/>
+              </a:ext>
+            </a:extLst>
+          </a:blip>
+          <a:stretch>
+            <a:fillRect/>
+          </a:stretch>
+        </p:blipFill>
+        <p:spPr>
+          <a:xfrm>
+            <a:off x="4758628" y="2908664"/>
+            <a:ext cx="4156772" cy="2866941"/>
+          </a:xfrm>
+          <a:prstGeom prst="rect">
+            <a:avLst/>
+          </a:prstGeom>
+        </p:spPr>
+      </p:pic>
     </p:spTree>
     <p:extLst>
       <p:ext uri="{BB962C8B-B14F-4D97-AF65-F5344CB8AC3E}">
-        <p14:creationId xmlns:p14="http://schemas.microsoft.com/office/powerpoint/2010/main" val="2953112653"/>
+        <p14:creationId xmlns:p14="http://schemas.microsoft.com/office/powerpoint/2010/main" val="1468704428"/>
       </p:ext>
     </p:extLst>
   </p:cSld>
@@ -3812,7 +4134,21 @@
           <a:bodyPr/>
           <a:lstStyle/>
           <a:p>
-            <a:endParaRPr lang="de-DE"/>
+            <a:r>
+              <a:rPr lang="de-DE" dirty="0" err="1" smtClean="0"/>
+              <a:t>Worst</a:t>
+            </a:r>
+            <a:r>
+              <a:rPr lang="de-DE" dirty="0" smtClean="0"/>
+              <a:t>-Best-Case Einsparungspotential</a:t>
+            </a:r>
+          </a:p>
+          <a:p>
+            <a:r>
+              <a:rPr lang="de-DE" dirty="0" smtClean="0"/>
+              <a:t>Beispiel</a:t>
+            </a:r>
+            <a:endParaRPr lang="de-DE" dirty="0"/>
           </a:p>
         </p:txBody>
       </p:sp>
@@ -3832,16 +4168,21 @@
           <a:lstStyle/>
           <a:p>
             <a:r>
-              <a:rPr lang="de-DE" dirty="0"/>
-              <a:t>Hardware-Anpassungen</a:t>
-            </a:r>
+              <a:rPr lang="de-DE" dirty="0" err="1" smtClean="0"/>
+              <a:t>Worst</a:t>
+            </a:r>
+            <a:r>
+              <a:rPr lang="de-DE" dirty="0" smtClean="0"/>
+              <a:t>-Best-Case Analyse</a:t>
+            </a:r>
+            <a:endParaRPr lang="de-DE" dirty="0"/>
           </a:p>
         </p:txBody>
       </p:sp>
     </p:spTree>
     <p:extLst>
       <p:ext uri="{BB962C8B-B14F-4D97-AF65-F5344CB8AC3E}">
-        <p14:creationId xmlns:p14="http://schemas.microsoft.com/office/powerpoint/2010/main" val="1468704428"/>
+        <p14:creationId xmlns:p14="http://schemas.microsoft.com/office/powerpoint/2010/main" val="3024071146"/>
       </p:ext>
     </p:extLst>
   </p:cSld>
@@ -3883,7 +4224,37 @@
           <a:bodyPr/>
           <a:lstStyle/>
           <a:p>
-            <a:endParaRPr lang="de-DE"/>
+            <a:r>
+              <a:rPr lang="en-US" dirty="0" err="1" smtClean="0"/>
+              <a:t>Testfaelle</a:t>
+            </a:r>
+            <a:r>
+              <a:rPr lang="en-US" dirty="0"/>
+              <a:t> </a:t>
+            </a:r>
+            <a:r>
+              <a:rPr lang="en-US" dirty="0" smtClean="0"/>
+              <a:t>Target +Source</a:t>
+            </a:r>
+          </a:p>
+          <a:p>
+            <a:r>
+              <a:rPr lang="en-US" dirty="0" smtClean="0"/>
+              <a:t>Sprung in </a:t>
+            </a:r>
+            <a:r>
+              <a:rPr lang="en-US" dirty="0" err="1" smtClean="0"/>
+              <a:t>Graphen</a:t>
+            </a:r>
+            <a:r>
+              <a:rPr lang="en-US" dirty="0" smtClean="0"/>
+              <a:t> -&gt; </a:t>
+            </a:r>
+            <a:r>
+              <a:rPr lang="en-US" dirty="0" err="1" smtClean="0"/>
+              <a:t>Lastkapazitaet</a:t>
+            </a:r>
+            <a:endParaRPr lang="de-DE" dirty="0"/>
           </a:p>
         </p:txBody>
       </p:sp>
@@ -3903,16 +4274,63 @@
           <a:lstStyle/>
           <a:p>
             <a:r>
-              <a:rPr lang="de-DE" dirty="0"/>
-              <a:t>Einsparungspotential</a:t>
-            </a:r>
-          </a:p>
-        </p:txBody>
-      </p:sp>
+              <a:rPr lang="en-US" dirty="0" err="1" smtClean="0"/>
+              <a:t>Einfluss</a:t>
+            </a:r>
+            <a:r>
+              <a:rPr lang="en-US" dirty="0" smtClean="0"/>
+              <a:t> der </a:t>
+            </a:r>
+            <a:r>
+              <a:rPr lang="en-US" dirty="0" err="1" smtClean="0"/>
+              <a:t>Adressierung</a:t>
+            </a:r>
+            <a:r>
+              <a:rPr lang="en-US" dirty="0" smtClean="0"/>
+              <a:t> auf die </a:t>
+            </a:r>
+            <a:r>
+              <a:rPr lang="en-US" dirty="0" err="1" smtClean="0"/>
+              <a:t>Verlustleistung</a:t>
+            </a:r>
+            <a:endParaRPr lang="de-DE" dirty="0"/>
+          </a:p>
+        </p:txBody>
+      </p:sp>
+      <p:pic>
+        <p:nvPicPr>
+          <p:cNvPr id="5" name="Grafik 4"/>
+          <p:cNvPicPr>
+            <a:picLocks noChangeAspect="1"/>
+          </p:cNvPicPr>
+          <p:nvPr/>
+        </p:nvPicPr>
+        <p:blipFill>
+          <a:blip r:embed="rId2">
+            <a:extLst>
+              <a:ext uri="{28A0092B-C50C-407E-A947-70E740481C1C}">
+                <a14:useLocalDpi xmlns:a14="http://schemas.microsoft.com/office/drawing/2010/main" val="0"/>
+              </a:ext>
+            </a:extLst>
+          </a:blip>
+          <a:stretch>
+            <a:fillRect/>
+          </a:stretch>
+        </p:blipFill>
+        <p:spPr>
+          <a:xfrm>
+            <a:off x="679268" y="2667352"/>
+            <a:ext cx="7235598" cy="3238419"/>
+          </a:xfrm>
+          <a:prstGeom prst="rect">
+            <a:avLst/>
+          </a:prstGeom>
+        </p:spPr>
+      </p:pic>
     </p:spTree>
     <p:extLst>
       <p:ext uri="{BB962C8B-B14F-4D97-AF65-F5344CB8AC3E}">
-        <p14:creationId xmlns:p14="http://schemas.microsoft.com/office/powerpoint/2010/main" val="3024071146"/>
+        <p14:creationId xmlns:p14="http://schemas.microsoft.com/office/powerpoint/2010/main" val="2695553702"/>
       </p:ext>
     </p:extLst>
   </p:cSld>
@@ -3941,12 +4359,12 @@
       </p:grpSpPr>
       <p:sp>
         <p:nvSpPr>
-          <p:cNvPr id="2" name="Inhaltsplatzhalter 1"/>
+          <p:cNvPr id="3" name="Titel 2"/>
           <p:cNvSpPr>
             <a:spLocks noGrp="1"/>
           </p:cNvSpPr>
           <p:nvPr>
-            <p:ph idx="1"/>
+            <p:ph type="title"/>
           </p:nvPr>
         </p:nvSpPr>
         <p:spPr/>
@@ -3954,36 +4372,46 @@
           <a:bodyPr/>
           <a:lstStyle/>
           <a:p>
-            <a:endParaRPr lang="de-DE"/>
-          </a:p>
-        </p:txBody>
-      </p:sp>
-      <p:sp>
-        <p:nvSpPr>
-          <p:cNvPr id="3" name="Titel 2"/>
-          <p:cNvSpPr>
-            <a:spLocks noGrp="1"/>
-          </p:cNvSpPr>
-          <p:nvPr>
-            <p:ph type="title"/>
-          </p:nvPr>
-        </p:nvSpPr>
-        <p:spPr/>
-        <p:txBody>
-          <a:bodyPr/>
-          <a:lstStyle/>
-          <a:p>
             <a:r>
               <a:rPr lang="de-DE" dirty="0"/>
-              <a:t>Synthetische Testfälle</a:t>
-            </a:r>
-          </a:p>
-        </p:txBody>
-      </p:sp>
+              <a:t>Einfluss der Lastkapazität auf die Verlustleistung</a:t>
+            </a:r>
+          </a:p>
+        </p:txBody>
+      </p:sp>
+      <p:pic>
+        <p:nvPicPr>
+          <p:cNvPr id="11" name="Inhaltsplatzhalter 10"/>
+          <p:cNvPicPr>
+            <a:picLocks noGrp="1" noChangeAspect="1"/>
+          </p:cNvPicPr>
+          <p:nvPr>
+            <p:ph idx="1"/>
+          </p:nvPr>
+        </p:nvPicPr>
+        <p:blipFill>
+          <a:blip r:embed="rId2">
+            <a:extLst>
+              <a:ext uri="{28A0092B-C50C-407E-A947-70E740481C1C}">
+                <a14:useLocalDpi xmlns:a14="http://schemas.microsoft.com/office/drawing/2010/main" val="0"/>
+              </a:ext>
+            </a:extLst>
+          </a:blip>
+          <a:stretch>
+            <a:fillRect/>
+          </a:stretch>
+        </p:blipFill>
+        <p:spPr>
+          <a:xfrm>
+            <a:off x="503238" y="2348046"/>
+            <a:ext cx="8412162" cy="3293795"/>
+          </a:xfrm>
+        </p:spPr>
+      </p:pic>
     </p:spTree>
     <p:extLst>
       <p:ext uri="{BB962C8B-B14F-4D97-AF65-F5344CB8AC3E}">
-        <p14:creationId xmlns:p14="http://schemas.microsoft.com/office/powerpoint/2010/main" val="920899438"/>
+        <p14:creationId xmlns:p14="http://schemas.microsoft.com/office/powerpoint/2010/main" val="4170954836"/>
       </p:ext>
     </p:extLst>
   </p:cSld>
@@ -4025,7 +4453,29 @@
           <a:bodyPr/>
           <a:lstStyle/>
           <a:p>
-            <a:endParaRPr lang="de-DE"/>
+            <a:r>
+              <a:rPr lang="de-DE" dirty="0" smtClean="0"/>
+              <a:t>Allokationsbeispiel</a:t>
+            </a:r>
+          </a:p>
+          <a:p>
+            <a:pPr lvl="1"/>
+            <a:r>
+              <a:rPr lang="de-DE" dirty="0" smtClean="0"/>
+              <a:t>Blockierte Register</a:t>
+            </a:r>
+          </a:p>
+          <a:p>
+            <a:pPr lvl="1"/>
+            <a:r>
+              <a:rPr lang="en-US" dirty="0" err="1" smtClean="0"/>
+              <a:t>Virtuelle</a:t>
+            </a:r>
+            <a:r>
+              <a:rPr lang="en-US" dirty="0" smtClean="0"/>
+              <a:t> Register</a:t>
+            </a:r>
+            <a:endParaRPr lang="de-DE" dirty="0"/>
           </a:p>
         </p:txBody>
       </p:sp>
@@ -4046,7 +4496,7 @@
           <a:p>
             <a:r>
               <a:rPr lang="de-DE" dirty="0"/>
-              <a:t>Verlustleistungseinsparung</a:t>
+              <a:t>Synthetische Testfälle</a:t>
             </a:r>
           </a:p>
         </p:txBody>
@@ -4054,7 +4504,7 @@
     </p:spTree>
     <p:extLst>
       <p:ext uri="{BB962C8B-B14F-4D97-AF65-F5344CB8AC3E}">
-        <p14:creationId xmlns:p14="http://schemas.microsoft.com/office/powerpoint/2010/main" val="110550169"/>
+        <p14:creationId xmlns:p14="http://schemas.microsoft.com/office/powerpoint/2010/main" val="920899438"/>
       </p:ext>
     </p:extLst>
   </p:cSld>
@@ -4096,7 +4546,66 @@
           <a:bodyPr/>
           <a:lstStyle/>
           <a:p>
-            <a:endParaRPr lang="de-DE"/>
+            <a:r>
+              <a:rPr lang="en-US" dirty="0" err="1" smtClean="0"/>
+              <a:t>Vergleich</a:t>
+            </a:r>
+            <a:r>
+              <a:rPr lang="en-US" dirty="0" smtClean="0"/>
+              <a:t> </a:t>
+            </a:r>
+            <a:r>
+              <a:rPr lang="en-US" dirty="0" err="1" smtClean="0"/>
+              <a:t>Heuristik</a:t>
+            </a:r>
+            <a:r>
+              <a:rPr lang="en-US" dirty="0" smtClean="0"/>
+              <a:t> alt/</a:t>
+            </a:r>
+            <a:r>
+              <a:rPr lang="en-US" dirty="0" err="1" smtClean="0"/>
+              <a:t>neu</a:t>
+            </a:r>
+            <a:r>
+              <a:rPr lang="en-US" dirty="0" smtClean="0"/>
+              <a:t> + </a:t>
+            </a:r>
+            <a:r>
+              <a:rPr lang="en-US" dirty="0" err="1" smtClean="0"/>
+              <a:t>genetischer</a:t>
+            </a:r>
+            <a:endParaRPr lang="en-US" dirty="0" smtClean="0"/>
+          </a:p>
+          <a:p>
+            <a:pPr lvl="1"/>
+            <a:r>
+              <a:rPr lang="en-US" dirty="0" err="1" smtClean="0"/>
+              <a:t>Verlustleistung</a:t>
+            </a:r>
+            <a:r>
+              <a:rPr lang="en-US" dirty="0" smtClean="0"/>
+              <a:t> Register-Ports</a:t>
+            </a:r>
+          </a:p>
+          <a:p>
+            <a:pPr lvl="1"/>
+            <a:r>
+              <a:rPr lang="en-US" dirty="0" err="1" smtClean="0"/>
+              <a:t>Gesamte</a:t>
+            </a:r>
+            <a:r>
+              <a:rPr lang="en-US" dirty="0" smtClean="0"/>
+              <a:t> </a:t>
+            </a:r>
+            <a:r>
+              <a:rPr lang="en-US" dirty="0" err="1" smtClean="0"/>
+              <a:t>Verlustleistung</a:t>
+            </a:r>
+            <a:endParaRPr lang="en-US" dirty="0" smtClean="0"/>
+          </a:p>
+          <a:p>
+            <a:pPr lvl="1"/>
+            <a:endParaRPr lang="de-DE" dirty="0"/>
           </a:p>
         </p:txBody>
       </p:sp>
@@ -4117,15 +4626,45 @@
           <a:p>
             <a:r>
               <a:rPr lang="de-DE" dirty="0"/>
-              <a:t>Einfluss der Lastkapazität auf die Verlustleistung</a:t>
-            </a:r>
-          </a:p>
-        </p:txBody>
-      </p:sp>
+              <a:t>Verlustleistungseinsparung</a:t>
+            </a:r>
+          </a:p>
+        </p:txBody>
+      </p:sp>
+      <p:pic>
+        <p:nvPicPr>
+          <p:cNvPr id="4" name="Grafik 3"/>
+          <p:cNvPicPr>
+            <a:picLocks noChangeAspect="1"/>
+          </p:cNvPicPr>
+          <p:nvPr/>
+        </p:nvPicPr>
+        <p:blipFill>
+          <a:blip r:embed="rId2">
+            <a:extLst>
+              <a:ext uri="{28A0092B-C50C-407E-A947-70E740481C1C}">
+                <a14:useLocalDpi xmlns:a14="http://schemas.microsoft.com/office/drawing/2010/main" val="0"/>
+              </a:ext>
+            </a:extLst>
+          </a:blip>
+          <a:stretch>
+            <a:fillRect/>
+          </a:stretch>
+        </p:blipFill>
+        <p:spPr>
+          <a:xfrm>
+            <a:off x="1887701" y="3250972"/>
+            <a:ext cx="5479750" cy="2602215"/>
+          </a:xfrm>
+          <a:prstGeom prst="rect">
+            <a:avLst/>
+          </a:prstGeom>
+        </p:spPr>
+      </p:pic>
     </p:spTree>
     <p:extLst>
       <p:ext uri="{BB962C8B-B14F-4D97-AF65-F5344CB8AC3E}">
-        <p14:creationId xmlns:p14="http://schemas.microsoft.com/office/powerpoint/2010/main" val="4170954836"/>
+        <p14:creationId xmlns:p14="http://schemas.microsoft.com/office/powerpoint/2010/main" val="110550169"/>
       </p:ext>
     </p:extLst>
   </p:cSld>
@@ -4136,7 +4675,7 @@
 </file>
 
 <file path=ppt/slides/slide17.xml><?xml version="1.0" encoding="utf-8"?>
-<p:sld xmlns:a="http://schemas.openxmlformats.org/drawingml/2006/main" xmlns:r="http://schemas.openxmlformats.org/officeDocument/2006/relationships" xmlns:p="http://schemas.openxmlformats.org/presentationml/2006/main">
+<p:sld xmlns:a="http://schemas.openxmlformats.org/drawingml/2006/main" xmlns:r="http://schemas.openxmlformats.org/officeDocument/2006/relationships" xmlns:p="http://schemas.openxmlformats.org/presentationml/2006/main" show="0">
   <p:cSld>
     <p:spTree>
       <p:nvGrpSpPr>
@@ -4167,7 +4706,18 @@
           <a:bodyPr/>
           <a:lstStyle/>
           <a:p>
-            <a:endParaRPr lang="de-DE"/>
+            <a:pPr lvl="1"/>
+            <a:r>
+              <a:rPr lang="en-US" dirty="0" err="1" smtClean="0"/>
+              <a:t>Gesamterverlustleistung</a:t>
+            </a:r>
+            <a:endParaRPr lang="en-US" dirty="0" smtClean="0"/>
+          </a:p>
+          <a:p>
+            <a:pPr marL="457200" lvl="1" indent="0">
+              <a:buNone/>
+            </a:pPr>
+            <a:endParaRPr lang="de-DE" dirty="0"/>
           </a:p>
         </p:txBody>
       </p:sp>
@@ -4188,21 +4738,59 @@
           <a:p>
             <a:r>
               <a:rPr lang="de-DE" dirty="0"/>
-              <a:t>Hörgerätealgorithmen</a:t>
-            </a:r>
-          </a:p>
-        </p:txBody>
-      </p:sp>
+              <a:t>Verlustleistungseinsparung</a:t>
+            </a:r>
+          </a:p>
+        </p:txBody>
+      </p:sp>
+      <p:pic>
+        <p:nvPicPr>
+          <p:cNvPr id="5" name="Grafik 4"/>
+          <p:cNvPicPr>
+            <a:picLocks noChangeAspect="1"/>
+          </p:cNvPicPr>
+          <p:nvPr/>
+        </p:nvPicPr>
+        <p:blipFill>
+          <a:blip r:embed="rId2">
+            <a:extLst>
+              <a:ext uri="{28A0092B-C50C-407E-A947-70E740481C1C}">
+                <a14:useLocalDpi xmlns:a14="http://schemas.microsoft.com/office/drawing/2010/main" val="0"/>
+              </a:ext>
+            </a:extLst>
+          </a:blip>
+          <a:stretch>
+            <a:fillRect/>
+          </a:stretch>
+        </p:blipFill>
+        <p:spPr>
+          <a:xfrm>
+            <a:off x="912540" y="2879605"/>
+            <a:ext cx="7256100" cy="3118424"/>
+          </a:xfrm>
+          <a:prstGeom prst="rect">
+            <a:avLst/>
+          </a:prstGeom>
+        </p:spPr>
+      </p:pic>
     </p:spTree>
     <p:extLst>
       <p:ext uri="{BB962C8B-B14F-4D97-AF65-F5344CB8AC3E}">
-        <p14:creationId xmlns:p14="http://schemas.microsoft.com/office/powerpoint/2010/main" val="3282181485"/>
+        <p14:creationId xmlns:p14="http://schemas.microsoft.com/office/powerpoint/2010/main" val="575561952"/>
       </p:ext>
     </p:extLst>
   </p:cSld>
   <p:clrMapOvr>
     <a:masterClrMapping/>
   </p:clrMapOvr>
+  <mc:AlternateContent xmlns:mc="http://schemas.openxmlformats.org/markup-compatibility/2006">
+    <mc:Choice xmlns:p14="http://schemas.microsoft.com/office/powerpoint/2010/main" Requires="p14">
+      <p:transition spd="slow" p14:dur="2000"/>
+    </mc:Choice>
+    <mc:Fallback>
+      <p:transition spd="slow"/>
+    </mc:Fallback>
+  </mc:AlternateContent>
 </p:sld>
 </file>
 
@@ -4258,16 +4846,113 @@
           <a:lstStyle/>
           <a:p>
             <a:r>
-              <a:rPr lang="de-DE" dirty="0"/>
-              <a:t>Schlussfolgerung</a:t>
-            </a:r>
+              <a:rPr lang="de-DE" dirty="0" smtClean="0"/>
+              <a:t>Einfluss der Register-Daten</a:t>
+            </a:r>
+            <a:endParaRPr lang="de-DE" dirty="0"/>
           </a:p>
         </p:txBody>
       </p:sp>
     </p:spTree>
     <p:extLst>
       <p:ext uri="{BB962C8B-B14F-4D97-AF65-F5344CB8AC3E}">
-        <p14:creationId xmlns:p14="http://schemas.microsoft.com/office/powerpoint/2010/main" val="329010870"/>
+        <p14:creationId xmlns:p14="http://schemas.microsoft.com/office/powerpoint/2010/main" val="724052620"/>
+      </p:ext>
+    </p:extLst>
+  </p:cSld>
+  <p:clrMapOvr>
+    <a:masterClrMapping/>
+  </p:clrMapOvr>
+</p:sld>
+</file>
+
+<file path=ppt/slides/slide19.xml><?xml version="1.0" encoding="utf-8"?>
+<p:sld xmlns:a="http://schemas.openxmlformats.org/drawingml/2006/main" xmlns:r="http://schemas.openxmlformats.org/officeDocument/2006/relationships" xmlns:p="http://schemas.openxmlformats.org/presentationml/2006/main">
+  <p:cSld>
+    <p:spTree>
+      <p:nvGrpSpPr>
+        <p:cNvPr id="1" name=""/>
+        <p:cNvGrpSpPr/>
+        <p:nvPr/>
+      </p:nvGrpSpPr>
+      <p:grpSpPr>
+        <a:xfrm>
+          <a:off x="0" y="0"/>
+          <a:ext cx="0" cy="0"/>
+          <a:chOff x="0" y="0"/>
+          <a:chExt cx="0" cy="0"/>
+        </a:xfrm>
+      </p:grpSpPr>
+      <p:sp>
+        <p:nvSpPr>
+          <p:cNvPr id="2" name="Inhaltsplatzhalter 1"/>
+          <p:cNvSpPr>
+            <a:spLocks noGrp="1"/>
+          </p:cNvSpPr>
+          <p:nvPr>
+            <p:ph idx="1"/>
+          </p:nvPr>
+        </p:nvSpPr>
+        <p:spPr/>
+        <p:txBody>
+          <a:bodyPr/>
+          <a:lstStyle/>
+          <a:p>
+            <a:r>
+              <a:rPr lang="en-US" dirty="0" smtClean="0"/>
+              <a:t>Emulated-</a:t>
+            </a:r>
+            <a:r>
+              <a:rPr lang="en-US" dirty="0" err="1" smtClean="0"/>
+              <a:t>Floatin</a:t>
+            </a:r>
+            <a:r>
+              <a:rPr lang="en-US" dirty="0" smtClean="0"/>
+              <a:t>-Point</a:t>
+            </a:r>
+          </a:p>
+          <a:p>
+            <a:pPr lvl="1"/>
+            <a:r>
+              <a:rPr lang="en-US" dirty="0" smtClean="0"/>
+              <a:t>FFT</a:t>
+            </a:r>
+          </a:p>
+          <a:p>
+            <a:pPr lvl="1"/>
+            <a:r>
+              <a:rPr lang="en-US" dirty="0" smtClean="0"/>
+              <a:t>Filter</a:t>
+            </a:r>
+          </a:p>
+        </p:txBody>
+      </p:sp>
+      <p:sp>
+        <p:nvSpPr>
+          <p:cNvPr id="3" name="Titel 2"/>
+          <p:cNvSpPr>
+            <a:spLocks noGrp="1"/>
+          </p:cNvSpPr>
+          <p:nvPr>
+            <p:ph type="title"/>
+          </p:nvPr>
+        </p:nvSpPr>
+        <p:spPr/>
+        <p:txBody>
+          <a:bodyPr/>
+          <a:lstStyle/>
+          <a:p>
+            <a:r>
+              <a:rPr lang="de-DE" dirty="0"/>
+              <a:t>Hörgerätealgorithmen</a:t>
+            </a:r>
+          </a:p>
+        </p:txBody>
+      </p:sp>
+    </p:spTree>
+    <p:extLst>
+      <p:ext uri="{BB962C8B-B14F-4D97-AF65-F5344CB8AC3E}">
+        <p14:creationId xmlns:p14="http://schemas.microsoft.com/office/powerpoint/2010/main" val="3282181485"/>
       </p:ext>
     </p:extLst>
   </p:cSld>
@@ -4309,6 +4994,33 @@
           <a:bodyPr/>
           <a:lstStyle/>
           <a:p>
+            <a:r>
+              <a:rPr lang="en-US" dirty="0" err="1" smtClean="0"/>
+              <a:t>Einfuehrung</a:t>
+            </a:r>
+            <a:r>
+              <a:rPr lang="en-US" dirty="0" smtClean="0"/>
+              <a:t> </a:t>
+            </a:r>
+            <a:r>
+              <a:rPr lang="en-US" dirty="0" err="1" smtClean="0"/>
+              <a:t>Hoergeraete</a:t>
+            </a:r>
+            <a:endParaRPr lang="en-US" dirty="0" smtClean="0"/>
+          </a:p>
+          <a:p>
+            <a:r>
+              <a:rPr lang="en-US" dirty="0" err="1" smtClean="0"/>
+              <a:t>Warum</a:t>
+            </a:r>
+            <a:r>
+              <a:rPr lang="en-US" dirty="0" smtClean="0"/>
+              <a:t> </a:t>
+            </a:r>
+            <a:r>
+              <a:rPr lang="en-US" dirty="0" err="1" smtClean="0"/>
+              <a:t>Verlustleistungsoptimierung</a:t>
+            </a:r>
             <a:endParaRPr lang="en-US" dirty="0"/>
           </a:p>
         </p:txBody>
@@ -4329,17 +5041,87 @@
           <a:lstStyle/>
           <a:p>
             <a:r>
-              <a:rPr lang="en-US" dirty="0" err="1"/>
-              <a:t>Gliederung</a:t>
-            </a:r>
-            <a:endParaRPr lang="en-US" dirty="0"/>
+              <a:rPr lang="en-US" dirty="0"/>
+              <a:t>Motivation</a:t>
+            </a:r>
           </a:p>
         </p:txBody>
       </p:sp>
     </p:spTree>
     <p:extLst>
       <p:ext uri="{BB962C8B-B14F-4D97-AF65-F5344CB8AC3E}">
-        <p14:creationId xmlns:p14="http://schemas.microsoft.com/office/powerpoint/2010/main" val="269573838"/>
+        <p14:creationId xmlns:p14="http://schemas.microsoft.com/office/powerpoint/2010/main" val="1619734859"/>
+      </p:ext>
+    </p:extLst>
+  </p:cSld>
+  <p:clrMapOvr>
+    <a:masterClrMapping/>
+  </p:clrMapOvr>
+</p:sld>
+</file>
+
+<file path=ppt/slides/slide20.xml><?xml version="1.0" encoding="utf-8"?>
+<p:sld xmlns:a="http://schemas.openxmlformats.org/drawingml/2006/main" xmlns:r="http://schemas.openxmlformats.org/officeDocument/2006/relationships" xmlns:p="http://schemas.openxmlformats.org/presentationml/2006/main">
+  <p:cSld>
+    <p:spTree>
+      <p:nvGrpSpPr>
+        <p:cNvPr id="1" name=""/>
+        <p:cNvGrpSpPr/>
+        <p:nvPr/>
+      </p:nvGrpSpPr>
+      <p:grpSpPr>
+        <a:xfrm>
+          <a:off x="0" y="0"/>
+          <a:ext cx="0" cy="0"/>
+          <a:chOff x="0" y="0"/>
+          <a:chExt cx="0" cy="0"/>
+        </a:xfrm>
+      </p:grpSpPr>
+      <p:sp>
+        <p:nvSpPr>
+          <p:cNvPr id="2" name="Inhaltsplatzhalter 1"/>
+          <p:cNvSpPr>
+            <a:spLocks noGrp="1"/>
+          </p:cNvSpPr>
+          <p:nvPr>
+            <p:ph idx="1"/>
+          </p:nvPr>
+        </p:nvSpPr>
+        <p:spPr/>
+        <p:txBody>
+          <a:bodyPr/>
+          <a:lstStyle/>
+          <a:p>
+            <a:endParaRPr lang="de-DE"/>
+          </a:p>
+        </p:txBody>
+      </p:sp>
+      <p:sp>
+        <p:nvSpPr>
+          <p:cNvPr id="3" name="Titel 2"/>
+          <p:cNvSpPr>
+            <a:spLocks noGrp="1"/>
+          </p:cNvSpPr>
+          <p:nvPr>
+            <p:ph type="title"/>
+          </p:nvPr>
+        </p:nvSpPr>
+        <p:spPr/>
+        <p:txBody>
+          <a:bodyPr/>
+          <a:lstStyle/>
+          <a:p>
+            <a:r>
+              <a:rPr lang="de-DE" dirty="0"/>
+              <a:t>Schlussfolgerung</a:t>
+            </a:r>
+          </a:p>
+        </p:txBody>
+      </p:sp>
+    </p:spTree>
+    <p:extLst>
+      <p:ext uri="{BB962C8B-B14F-4D97-AF65-F5344CB8AC3E}">
+        <p14:creationId xmlns:p14="http://schemas.microsoft.com/office/powerpoint/2010/main" val="329010870"/>
       </p:ext>
     </p:extLst>
   </p:cSld>
@@ -4381,7 +5163,11 @@
           <a:bodyPr/>
           <a:lstStyle/>
           <a:p>
-            <a:endParaRPr lang="en-US" dirty="0"/>
+            <a:r>
+              <a:rPr lang="de-DE" dirty="0" smtClean="0"/>
+              <a:t>Komponenten und Zusammensetzung</a:t>
+            </a:r>
+            <a:endParaRPr lang="de-DE" dirty="0"/>
           </a:p>
         </p:txBody>
       </p:sp>
@@ -4401,16 +5187,454 @@
           <a:lstStyle/>
           <a:p>
             <a:r>
-              <a:rPr lang="en-US" dirty="0"/>
-              <a:t>Motivation</a:t>
-            </a:r>
-          </a:p>
-        </p:txBody>
-      </p:sp>
+              <a:rPr lang="de-DE" dirty="0" smtClean="0"/>
+              <a:t>(Verlustleistung)</a:t>
+            </a:r>
+            <a:endParaRPr lang="de-DE" dirty="0"/>
+          </a:p>
+        </p:txBody>
+      </p:sp>
+      <mc:AlternateContent xmlns:mc="http://schemas.openxmlformats.org/markup-compatibility/2006">
+        <mc:Choice xmlns:a14="http://schemas.microsoft.com/office/drawing/2010/main" Requires="a14">
+          <p:sp>
+            <p:nvSpPr>
+              <p:cNvPr id="5" name="Textfeld 4"/>
+              <p:cNvSpPr txBox="1"/>
+              <p:nvPr/>
+            </p:nvSpPr>
+            <p:spPr>
+              <a:xfrm>
+                <a:off x="1145257" y="2191658"/>
+                <a:ext cx="4672305" cy="398507"/>
+              </a:xfrm>
+              <a:prstGeom prst="rect">
+                <a:avLst/>
+              </a:prstGeom>
+              <a:noFill/>
+            </p:spPr>
+            <p:txBody>
+              <a:bodyPr wrap="none" lIns="0" tIns="0" rIns="0" bIns="0" rtlCol="0">
+                <a:spAutoFit/>
+              </a:bodyPr>
+              <a:lstStyle/>
+              <a:p>
+                <a14:m>
+                  <m:oMathPara xmlns:m="http://schemas.openxmlformats.org/officeDocument/2006/math">
+                    <m:oMathParaPr>
+                      <m:jc m:val="centerGroup"/>
+                    </m:oMathParaPr>
+                    <m:oMath xmlns:m="http://schemas.openxmlformats.org/officeDocument/2006/math">
+                      <m:sSub>
+                        <m:sSubPr>
+                          <m:ctrlPr>
+                            <a:rPr lang="de-DE" i="1" smtClean="0">
+                              <a:latin typeface="Cambria Math" panose="02040503050406030204" pitchFamily="18" charset="0"/>
+                            </a:rPr>
+                          </m:ctrlPr>
+                        </m:sSubPr>
+                        <m:e>
+                          <m:r>
+                            <a:rPr lang="en-US" b="0" i="1" smtClean="0">
+                              <a:latin typeface="Cambria Math" panose="02040503050406030204" pitchFamily="18" charset="0"/>
+                            </a:rPr>
+                            <m:t>𝑃</m:t>
+                          </m:r>
+                        </m:e>
+                        <m:sub>
+                          <m:r>
+                            <a:rPr lang="en-US" b="0" i="1" smtClean="0">
+                              <a:latin typeface="Cambria Math" panose="02040503050406030204" pitchFamily="18" charset="0"/>
+                            </a:rPr>
+                            <m:t>𝑑𝑦𝑛</m:t>
+                          </m:r>
+                        </m:sub>
+                      </m:sSub>
+                      <m:r>
+                        <a:rPr lang="en-US" b="0" i="1" smtClean="0">
+                          <a:latin typeface="Cambria Math" panose="02040503050406030204" pitchFamily="18" charset="0"/>
+                        </a:rPr>
+                        <m:t>=</m:t>
+                      </m:r>
+                      <m:r>
+                        <a:rPr lang="en-US" i="1">
+                          <a:latin typeface="Cambria Math" panose="02040503050406030204" pitchFamily="18" charset="0"/>
+                          <a:ea typeface="Cambria Math" panose="02040503050406030204" pitchFamily="18" charset="0"/>
+                        </a:rPr>
+                        <m:t>∝</m:t>
+                      </m:r>
+                      <m:r>
+                        <m:rPr>
+                          <m:nor/>
+                        </m:rPr>
+                        <a:rPr lang="de-DE"/>
+                        <m:t>·</m:t>
+                      </m:r>
+                      <m:r>
+                        <m:rPr>
+                          <m:nor/>
+                        </m:rPr>
+                        <a:rPr lang="en-US">
+                          <a:latin typeface="Cambria Math" panose="02040503050406030204" pitchFamily="18" charset="0"/>
+                          <a:ea typeface="Cambria Math" panose="02040503050406030204" pitchFamily="18" charset="0"/>
+                        </a:rPr>
+                        <m:t>f</m:t>
+                      </m:r>
+                      <m:r>
+                        <m:rPr>
+                          <m:nor/>
+                        </m:rPr>
+                        <a:rPr lang="de-DE"/>
+                        <m:t>·(</m:t>
+                      </m:r>
+                      <m:sSub>
+                        <m:sSubPr>
+                          <m:ctrlPr>
+                            <a:rPr lang="de-DE" i="1">
+                              <a:latin typeface="Cambria Math" panose="02040503050406030204" pitchFamily="18" charset="0"/>
+                            </a:rPr>
+                          </m:ctrlPr>
+                        </m:sSubPr>
+                        <m:e>
+                          <m:r>
+                            <a:rPr lang="en-US" i="1">
+                              <a:latin typeface="Cambria Math" panose="02040503050406030204" pitchFamily="18" charset="0"/>
+                            </a:rPr>
+                            <m:t>𝐶</m:t>
+                          </m:r>
+                        </m:e>
+                        <m:sub>
+                          <m:r>
+                            <a:rPr lang="en-US" i="1">
+                              <a:latin typeface="Cambria Math" panose="02040503050406030204" pitchFamily="18" charset="0"/>
+                            </a:rPr>
+                            <m:t>𝐿</m:t>
+                          </m:r>
+                        </m:sub>
+                      </m:sSub>
+                      <m:r>
+                        <m:rPr>
+                          <m:nor/>
+                        </m:rPr>
+                        <a:rPr lang="de-DE" i="1"/>
+                        <m:t> </m:t>
+                      </m:r>
+                      <m:r>
+                        <m:rPr>
+                          <m:nor/>
+                        </m:rPr>
+                        <a:rPr lang="de-DE"/>
+                        <m:t>· </m:t>
+                      </m:r>
+                      <m:sSub>
+                        <m:sSubPr>
+                          <m:ctrlPr>
+                            <a:rPr lang="de-DE" i="1">
+                              <a:latin typeface="Cambria Math" panose="02040503050406030204" pitchFamily="18" charset="0"/>
+                            </a:rPr>
+                          </m:ctrlPr>
+                        </m:sSubPr>
+                        <m:e>
+                          <m:r>
+                            <a:rPr lang="en-US" i="1">
+                              <a:latin typeface="Cambria Math" panose="02040503050406030204" pitchFamily="18" charset="0"/>
+                            </a:rPr>
+                            <m:t>𝑉</m:t>
+                          </m:r>
+                        </m:e>
+                        <m:sub>
+                          <m:r>
+                            <a:rPr lang="en-US" i="1">
+                              <a:latin typeface="Cambria Math" panose="02040503050406030204" pitchFamily="18" charset="0"/>
+                            </a:rPr>
+                            <m:t>𝑑𝑑</m:t>
+                          </m:r>
+                        </m:sub>
+                      </m:sSub>
+                      <m:r>
+                        <m:rPr>
+                          <m:nor/>
+                        </m:rPr>
+                        <a:rPr lang="en-US">
+                          <a:latin typeface="Cambria Math" panose="02040503050406030204" pitchFamily="18" charset="0"/>
+                        </a:rPr>
+                        <m:t> </m:t>
+                      </m:r>
+                      <m:r>
+                        <m:rPr>
+                          <m:nor/>
+                        </m:rPr>
+                        <a:rPr lang="de-DE"/>
+                        <m:t>+ 2 ·</m:t>
+                      </m:r>
+                      <m:sSub>
+                        <m:sSubPr>
+                          <m:ctrlPr>
+                            <a:rPr lang="de-DE" i="1">
+                              <a:latin typeface="Cambria Math" panose="02040503050406030204" pitchFamily="18" charset="0"/>
+                            </a:rPr>
+                          </m:ctrlPr>
+                        </m:sSubPr>
+                        <m:e>
+                          <m:r>
+                            <a:rPr lang="en-US" i="1">
+                              <a:latin typeface="Cambria Math" panose="02040503050406030204" pitchFamily="18" charset="0"/>
+                            </a:rPr>
+                            <m:t>𝑄</m:t>
+                          </m:r>
+                        </m:e>
+                        <m:sub>
+                          <m:r>
+                            <a:rPr lang="en-US" i="1">
+                              <a:latin typeface="Cambria Math" panose="02040503050406030204" pitchFamily="18" charset="0"/>
+                            </a:rPr>
+                            <m:t>𝑆𝐶</m:t>
+                          </m:r>
+                        </m:sub>
+                      </m:sSub>
+                      <m:r>
+                        <m:rPr>
+                          <m:nor/>
+                        </m:rPr>
+                        <a:rPr lang="de-DE"/>
+                        <m:t>) ·</m:t>
+                      </m:r>
+                      <m:sSub>
+                        <m:sSubPr>
+                          <m:ctrlPr>
+                            <a:rPr lang="de-DE" i="1">
+                              <a:latin typeface="Cambria Math" panose="02040503050406030204" pitchFamily="18" charset="0"/>
+                            </a:rPr>
+                          </m:ctrlPr>
+                        </m:sSubPr>
+                        <m:e>
+                          <m:r>
+                            <a:rPr lang="en-US" i="1">
+                              <a:latin typeface="Cambria Math" panose="02040503050406030204" pitchFamily="18" charset="0"/>
+                            </a:rPr>
+                            <m:t>𝑉</m:t>
+                          </m:r>
+                        </m:e>
+                        <m:sub>
+                          <m:r>
+                            <a:rPr lang="en-US" i="1">
+                              <a:latin typeface="Cambria Math" panose="02040503050406030204" pitchFamily="18" charset="0"/>
+                            </a:rPr>
+                            <m:t>𝑑𝑑</m:t>
+                          </m:r>
+                        </m:sub>
+                      </m:sSub>
+                    </m:oMath>
+                  </m:oMathPara>
+                </a14:m>
+                <a:endParaRPr lang="de-DE" dirty="0"/>
+              </a:p>
+            </p:txBody>
+          </p:sp>
+        </mc:Choice>
+        <mc:Fallback>
+          <p:sp>
+            <p:nvSpPr>
+              <p:cNvPr id="5" name="Textfeld 4"/>
+              <p:cNvSpPr txBox="1">
+                <a:spLocks noRot="1" noChangeAspect="1" noMove="1" noResize="1" noEditPoints="1" noAdjustHandles="1" noChangeArrowheads="1" noChangeShapeType="1" noTextEdit="1"/>
+              </p:cNvSpPr>
+              <p:nvPr/>
+            </p:nvSpPr>
+            <p:spPr>
+              <a:xfrm>
+                <a:off x="1145257" y="2191658"/>
+                <a:ext cx="4672305" cy="398507"/>
+              </a:xfrm>
+              <a:prstGeom prst="rect">
+                <a:avLst/>
+              </a:prstGeom>
+              <a:blipFill>
+                <a:blip r:embed="rId2"/>
+                <a:stretch>
+                  <a:fillRect l="-914" r="-131" b="-24615"/>
+                </a:stretch>
+              </a:blipFill>
+            </p:spPr>
+            <p:txBody>
+              <a:bodyPr/>
+              <a:lstStyle/>
+              <a:p>
+                <a:r>
+                  <a:rPr lang="de-DE">
+                    <a:noFill/>
+                  </a:rPr>
+                  <a:t> </a:t>
+                </a:r>
+              </a:p>
+            </p:txBody>
+          </p:sp>
+        </mc:Fallback>
+      </mc:AlternateContent>
+      <mc:AlternateContent xmlns:mc="http://schemas.openxmlformats.org/markup-compatibility/2006">
+        <mc:Choice xmlns:a14="http://schemas.microsoft.com/office/drawing/2010/main" Requires="a14">
+          <p:sp>
+            <p:nvSpPr>
+              <p:cNvPr id="6" name="Textfeld 5"/>
+              <p:cNvSpPr txBox="1"/>
+              <p:nvPr/>
+            </p:nvSpPr>
+            <p:spPr>
+              <a:xfrm>
+                <a:off x="1145257" y="2619625"/>
+                <a:ext cx="2455096" cy="398507"/>
+              </a:xfrm>
+              <a:prstGeom prst="rect">
+                <a:avLst/>
+              </a:prstGeom>
+              <a:noFill/>
+            </p:spPr>
+            <p:txBody>
+              <a:bodyPr wrap="none" lIns="0" tIns="0" rIns="0" bIns="0" rtlCol="0">
+                <a:spAutoFit/>
+              </a:bodyPr>
+              <a:lstStyle/>
+              <a:p>
+                <a14:m>
+                  <m:oMath xmlns:m="http://schemas.openxmlformats.org/officeDocument/2006/math">
+                    <m:sSub>
+                      <m:sSubPr>
+                        <m:ctrlPr>
+                          <a:rPr lang="de-DE" i="1" smtClean="0">
+                            <a:latin typeface="Cambria Math" panose="02040503050406030204" pitchFamily="18" charset="0"/>
+                          </a:rPr>
+                        </m:ctrlPr>
+                      </m:sSubPr>
+                      <m:e>
+                        <m:r>
+                          <a:rPr lang="en-US" b="0" i="1" smtClean="0">
+                            <a:latin typeface="Cambria Math" panose="02040503050406030204" pitchFamily="18" charset="0"/>
+                          </a:rPr>
+                          <m:t>𝑃</m:t>
+                        </m:r>
+                      </m:e>
+                      <m:sub>
+                        <m:r>
+                          <a:rPr lang="en-US" b="0" i="1" smtClean="0">
+                            <a:latin typeface="Cambria Math" panose="02040503050406030204" pitchFamily="18" charset="0"/>
+                          </a:rPr>
+                          <m:t>𝑉𝑒𝑟𝑙</m:t>
+                        </m:r>
+                      </m:sub>
+                    </m:sSub>
+                    <m:r>
+                      <a:rPr lang="en-US" b="0" i="1" smtClean="0">
+                        <a:latin typeface="Cambria Math" panose="02040503050406030204" pitchFamily="18" charset="0"/>
+                      </a:rPr>
+                      <m:t>=</m:t>
+                    </m:r>
+                    <m:sSub>
+                      <m:sSubPr>
+                        <m:ctrlPr>
+                          <a:rPr lang="de-DE" i="1">
+                            <a:latin typeface="Cambria Math" panose="02040503050406030204" pitchFamily="18" charset="0"/>
+                          </a:rPr>
+                        </m:ctrlPr>
+                      </m:sSubPr>
+                      <m:e>
+                        <m:r>
+                          <a:rPr lang="en-US" i="1">
+                            <a:latin typeface="Cambria Math" panose="02040503050406030204" pitchFamily="18" charset="0"/>
+                          </a:rPr>
+                          <m:t>𝑃</m:t>
+                        </m:r>
+                      </m:e>
+                      <m:sub>
+                        <m:r>
+                          <a:rPr lang="en-US" i="1">
+                            <a:latin typeface="Cambria Math" panose="02040503050406030204" pitchFamily="18" charset="0"/>
+                          </a:rPr>
+                          <m:t>𝑑𝑦𝑛</m:t>
+                        </m:r>
+                      </m:sub>
+                    </m:sSub>
+                  </m:oMath>
+                </a14:m>
+                <a:r>
+                  <a:rPr lang="de-DE" dirty="0" smtClean="0"/>
+                  <a:t>+</a:t>
+                </a:r>
+                <a14:m>
+                  <m:oMath xmlns:m="http://schemas.openxmlformats.org/officeDocument/2006/math">
+                    <m:sSub>
+                      <m:sSubPr>
+                        <m:ctrlPr>
+                          <a:rPr lang="de-DE" i="1">
+                            <a:latin typeface="Cambria Math" panose="02040503050406030204" pitchFamily="18" charset="0"/>
+                          </a:rPr>
+                        </m:ctrlPr>
+                      </m:sSubPr>
+                      <m:e>
+                        <m:r>
+                          <a:rPr lang="en-US" i="1">
+                            <a:latin typeface="Cambria Math" panose="02040503050406030204" pitchFamily="18" charset="0"/>
+                          </a:rPr>
+                          <m:t>𝑃</m:t>
+                        </m:r>
+                      </m:e>
+                      <m:sub>
+                        <m:r>
+                          <a:rPr lang="en-US" b="0" i="1" smtClean="0">
+                            <a:latin typeface="Cambria Math" panose="02040503050406030204" pitchFamily="18" charset="0"/>
+                          </a:rPr>
+                          <m:t>𝑠𝑡𝑎𝑡</m:t>
+                        </m:r>
+                      </m:sub>
+                    </m:sSub>
+                  </m:oMath>
+                </a14:m>
+                <a:endParaRPr lang="de-DE" dirty="0"/>
+              </a:p>
+            </p:txBody>
+          </p:sp>
+        </mc:Choice>
+        <mc:Fallback>
+          <p:sp>
+            <p:nvSpPr>
+              <p:cNvPr id="6" name="Textfeld 5"/>
+              <p:cNvSpPr txBox="1">
+                <a:spLocks noRot="1" noChangeAspect="1" noMove="1" noResize="1" noEditPoints="1" noAdjustHandles="1" noChangeArrowheads="1" noChangeShapeType="1" noTextEdit="1"/>
+              </p:cNvSpPr>
+              <p:nvPr/>
+            </p:nvSpPr>
+            <p:spPr>
+              <a:xfrm>
+                <a:off x="1145257" y="2619625"/>
+                <a:ext cx="2455096" cy="398507"/>
+              </a:xfrm>
+              <a:prstGeom prst="rect">
+                <a:avLst/>
+              </a:prstGeom>
+              <a:blipFill>
+                <a:blip r:embed="rId3"/>
+                <a:stretch>
+                  <a:fillRect l="-4467" t="-24615" r="-1241" b="-38462"/>
+                </a:stretch>
+              </a:blipFill>
+            </p:spPr>
+            <p:txBody>
+              <a:bodyPr/>
+              <a:lstStyle/>
+              <a:p>
+                <a:r>
+                  <a:rPr lang="de-DE">
+                    <a:noFill/>
+                  </a:rPr>
+                  <a:t> </a:t>
+                </a:r>
+              </a:p>
+            </p:txBody>
+          </p:sp>
+        </mc:Fallback>
+      </mc:AlternateContent>
     </p:spTree>
     <p:extLst>
       <p:ext uri="{BB962C8B-B14F-4D97-AF65-F5344CB8AC3E}">
-        <p14:creationId xmlns:p14="http://schemas.microsoft.com/office/powerpoint/2010/main" val="1619734859"/>
+        <p14:creationId xmlns:p14="http://schemas.microsoft.com/office/powerpoint/2010/main" val="3818721936"/>
       </p:ext>
     </p:extLst>
   </p:cSld>
@@ -4452,7 +5676,11 @@
           <a:bodyPr/>
           <a:lstStyle/>
           <a:p>
-            <a:endParaRPr lang="de-DE"/>
+            <a:r>
+              <a:rPr lang="de-DE" dirty="0" smtClean="0"/>
+              <a:t>Register-Organisation (minimal Beispiel)</a:t>
+            </a:r>
+            <a:endParaRPr lang="de-DE" dirty="0"/>
           </a:p>
         </p:txBody>
       </p:sp>
@@ -4472,16 +5700,47 @@
           <a:lstStyle/>
           <a:p>
             <a:r>
-              <a:rPr lang="de-DE" dirty="0"/>
-              <a:t>Verlustleistung</a:t>
-            </a:r>
-          </a:p>
-        </p:txBody>
-      </p:sp>
+              <a:rPr lang="de-DE" dirty="0" smtClean="0"/>
+              <a:t>Prozessor-Architektur</a:t>
+            </a:r>
+            <a:endParaRPr lang="de-DE" dirty="0"/>
+          </a:p>
+        </p:txBody>
+      </p:sp>
+      <p:pic>
+        <p:nvPicPr>
+          <p:cNvPr id="6" name="Grafik 5"/>
+          <p:cNvPicPr>
+            <a:picLocks noChangeAspect="1"/>
+          </p:cNvPicPr>
+          <p:nvPr/>
+        </p:nvPicPr>
+        <p:blipFill>
+          <a:blip r:embed="rId2" cstate="print">
+            <a:extLst>
+              <a:ext uri="{28A0092B-C50C-407E-A947-70E740481C1C}">
+                <a14:useLocalDpi xmlns:a14="http://schemas.microsoft.com/office/drawing/2010/main" val="0"/>
+              </a:ext>
+            </a:extLst>
+          </a:blip>
+          <a:stretch>
+            <a:fillRect/>
+          </a:stretch>
+        </p:blipFill>
+        <p:spPr>
+          <a:xfrm>
+            <a:off x="503238" y="2664422"/>
+            <a:ext cx="5042263" cy="2221950"/>
+          </a:xfrm>
+          <a:prstGeom prst="rect">
+            <a:avLst/>
+          </a:prstGeom>
+        </p:spPr>
+      </p:pic>
     </p:spTree>
     <p:extLst>
       <p:ext uri="{BB962C8B-B14F-4D97-AF65-F5344CB8AC3E}">
-        <p14:creationId xmlns:p14="http://schemas.microsoft.com/office/powerpoint/2010/main" val="3818721936"/>
+        <p14:creationId xmlns:p14="http://schemas.microsoft.com/office/powerpoint/2010/main" val="1955985668"/>
       </p:ext>
     </p:extLst>
   </p:cSld>
@@ -4523,7 +5782,32 @@
           <a:bodyPr/>
           <a:lstStyle/>
           <a:p>
-            <a:endParaRPr lang="de-DE"/>
+            <a:r>
+              <a:rPr lang="de-DE" dirty="0" smtClean="0"/>
+              <a:t>Virtuelle Register</a:t>
+            </a:r>
+          </a:p>
+          <a:p>
+            <a:r>
+              <a:rPr lang="de-DE" dirty="0" smtClean="0"/>
+              <a:t>Beispiel zur Register-Allokation </a:t>
+            </a:r>
+            <a:r>
+              <a:rPr lang="de-DE" dirty="0" err="1" smtClean="0"/>
+              <a:t>tmp_variabeln</a:t>
+            </a:r>
+            <a:r>
+              <a:rPr lang="de-DE" dirty="0" smtClean="0"/>
+              <a:t> ( Best – </a:t>
+            </a:r>
+            <a:r>
+              <a:rPr lang="de-DE" dirty="0" err="1" smtClean="0"/>
+              <a:t>Worst</a:t>
+            </a:r>
+            <a:r>
+              <a:rPr lang="de-DE" dirty="0" smtClean="0"/>
+              <a:t>-Case)</a:t>
+            </a:r>
           </a:p>
         </p:txBody>
       </p:sp>
@@ -4543,16 +5827,17 @@
           <a:lstStyle/>
           <a:p>
             <a:r>
-              <a:rPr lang="de-DE" dirty="0"/>
-              <a:t>Prozessor-Architektur</a:t>
-            </a:r>
+              <a:rPr lang="de-DE" dirty="0" smtClean="0"/>
+              <a:t>Register-Allokation</a:t>
+            </a:r>
+            <a:endParaRPr lang="de-DE" dirty="0"/>
           </a:p>
         </p:txBody>
       </p:sp>
     </p:spTree>
     <p:extLst>
       <p:ext uri="{BB962C8B-B14F-4D97-AF65-F5344CB8AC3E}">
-        <p14:creationId xmlns:p14="http://schemas.microsoft.com/office/powerpoint/2010/main" val="1955985668"/>
+        <p14:creationId xmlns:p14="http://schemas.microsoft.com/office/powerpoint/2010/main" val="2330229722"/>
       </p:ext>
     </p:extLst>
   </p:cSld>
@@ -4594,7 +5879,18 @@
           <a:bodyPr/>
           <a:lstStyle/>
           <a:p>
-            <a:endParaRPr lang="de-DE"/>
+            <a:r>
+              <a:rPr lang="de-DE" dirty="0" err="1" smtClean="0"/>
+              <a:t>Aufbau+Funktion</a:t>
+            </a:r>
+            <a:endParaRPr lang="de-DE" dirty="0"/>
+          </a:p>
+          <a:p>
+            <a:r>
+              <a:rPr lang="de-DE" dirty="0" smtClean="0"/>
+              <a:t>Einordnung der Register-Allokation</a:t>
+            </a:r>
+            <a:endParaRPr lang="de-DE" dirty="0"/>
           </a:p>
         </p:txBody>
       </p:sp>
@@ -4615,20 +5911,45 @@
           <a:p>
             <a:r>
               <a:rPr lang="de-DE" dirty="0"/>
-              <a:t>Register-</a:t>
-            </a:r>
-            <a:r>
-              <a:rPr lang="de-DE" dirty="0" err="1"/>
-              <a:t>Organistation</a:t>
-            </a:r>
-            <a:endParaRPr lang="de-DE" dirty="0"/>
-          </a:p>
-        </p:txBody>
-      </p:sp>
+              <a:t>Scheduler</a:t>
+            </a:r>
+          </a:p>
+        </p:txBody>
+      </p:sp>
+      <p:pic>
+        <p:nvPicPr>
+          <p:cNvPr id="4" name="Grafik 3"/>
+          <p:cNvPicPr>
+            <a:picLocks noChangeAspect="1"/>
+          </p:cNvPicPr>
+          <p:nvPr/>
+        </p:nvPicPr>
+        <p:blipFill>
+          <a:blip r:embed="rId2">
+            <a:extLst>
+              <a:ext uri="{28A0092B-C50C-407E-A947-70E740481C1C}">
+                <a14:useLocalDpi xmlns:a14="http://schemas.microsoft.com/office/drawing/2010/main" val="0"/>
+              </a:ext>
+            </a:extLst>
+          </a:blip>
+          <a:stretch>
+            <a:fillRect/>
+          </a:stretch>
+        </p:blipFill>
+        <p:spPr>
+          <a:xfrm>
+            <a:off x="5529943" y="1720763"/>
+            <a:ext cx="3614057" cy="4603837"/>
+          </a:xfrm>
+          <a:prstGeom prst="rect">
+            <a:avLst/>
+          </a:prstGeom>
+        </p:spPr>
+      </p:pic>
     </p:spTree>
     <p:extLst>
       <p:ext uri="{BB962C8B-B14F-4D97-AF65-F5344CB8AC3E}">
-        <p14:creationId xmlns:p14="http://schemas.microsoft.com/office/powerpoint/2010/main" val="3026353193"/>
+        <p14:creationId xmlns:p14="http://schemas.microsoft.com/office/powerpoint/2010/main" val="2744903542"/>
       </p:ext>
     </p:extLst>
   </p:cSld>
@@ -4670,7 +5991,17 @@
           <a:bodyPr/>
           <a:lstStyle/>
           <a:p>
-            <a:endParaRPr lang="de-DE"/>
+            <a:r>
+              <a:rPr lang="de-DE" dirty="0" smtClean="0"/>
+              <a:t>Vergleich alte/neue Heuristik</a:t>
+            </a:r>
+          </a:p>
+          <a:p>
+            <a:r>
+              <a:rPr lang="de-DE" dirty="0" smtClean="0"/>
+              <a:t>Ansatz</a:t>
+            </a:r>
+            <a:endParaRPr lang="de-DE" dirty="0"/>
           </a:p>
         </p:txBody>
       </p:sp>
@@ -4690,16 +6021,25 @@
           <a:lstStyle/>
           <a:p>
             <a:r>
-              <a:rPr lang="de-DE" dirty="0"/>
-              <a:t>Scheduler</a:t>
-            </a:r>
+              <a:rPr lang="de-DE" dirty="0" smtClean="0"/>
+              <a:t>Heuristik </a:t>
+            </a:r>
+            <a:r>
+              <a:rPr lang="de-DE" dirty="0" err="1" smtClean="0"/>
+              <a:t>fuer</a:t>
+            </a:r>
+            <a:r>
+              <a:rPr lang="de-DE" dirty="0" smtClean="0"/>
+              <a:t> die Register-Allokation</a:t>
+            </a:r>
+            <a:endParaRPr lang="de-DE" dirty="0"/>
           </a:p>
         </p:txBody>
       </p:sp>
     </p:spTree>
     <p:extLst>
       <p:ext uri="{BB962C8B-B14F-4D97-AF65-F5344CB8AC3E}">
-        <p14:creationId xmlns:p14="http://schemas.microsoft.com/office/powerpoint/2010/main" val="2744903542"/>
+        <p14:creationId xmlns:p14="http://schemas.microsoft.com/office/powerpoint/2010/main" val="3381232320"/>
       </p:ext>
     </p:extLst>
   </p:cSld>
@@ -4741,7 +6081,54 @@
           <a:bodyPr/>
           <a:lstStyle/>
           <a:p>
-            <a:endParaRPr lang="de-DE"/>
+            <a:r>
+              <a:rPr lang="en-US" dirty="0" smtClean="0"/>
+              <a:t>Motivation </a:t>
+            </a:r>
+            <a:r>
+              <a:rPr lang="en-US" dirty="0" err="1" smtClean="0"/>
+              <a:t>Optimierung</a:t>
+            </a:r>
+            <a:r>
+              <a:rPr lang="en-US" dirty="0" smtClean="0"/>
+              <a:t> der Source-Register</a:t>
+            </a:r>
+            <a:endParaRPr lang="de-DE" dirty="0" smtClean="0"/>
+          </a:p>
+          <a:p>
+            <a:r>
+              <a:rPr lang="de-DE" dirty="0" smtClean="0"/>
+              <a:t>Grundlagen der genetischen Algorithmen</a:t>
+            </a:r>
+          </a:p>
+          <a:p>
+            <a:pPr lvl="1"/>
+            <a:r>
+              <a:rPr lang="de-DE" dirty="0" smtClean="0"/>
+              <a:t>Gene +Chromosomen</a:t>
+            </a:r>
+            <a:endParaRPr lang="de-DE" dirty="0" smtClean="0"/>
+          </a:p>
+          <a:p>
+            <a:pPr lvl="1"/>
+            <a:r>
+              <a:rPr lang="de-DE" dirty="0" smtClean="0"/>
+              <a:t>Fitness</a:t>
+            </a:r>
+          </a:p>
+          <a:p>
+            <a:pPr lvl="1"/>
+            <a:r>
+              <a:rPr lang="de-DE" dirty="0" smtClean="0"/>
+              <a:t>Crossover </a:t>
+            </a:r>
+          </a:p>
+          <a:p>
+            <a:pPr lvl="1"/>
+            <a:r>
+              <a:rPr lang="de-DE" dirty="0" smtClean="0"/>
+              <a:t>Mutation</a:t>
+            </a:r>
           </a:p>
         </p:txBody>
       </p:sp>
@@ -4762,15 +6149,20 @@
           <a:p>
             <a:r>
               <a:rPr lang="de-DE" dirty="0"/>
-              <a:t>Programmbeispiel</a:t>
-            </a:r>
+              <a:t>Genetischer </a:t>
+            </a:r>
+            <a:r>
+              <a:rPr lang="de-DE" dirty="0" smtClean="0"/>
+              <a:t>Optimierungsalgorithmus</a:t>
+            </a:r>
+            <a:endParaRPr lang="de-DE" dirty="0"/>
           </a:p>
         </p:txBody>
       </p:sp>
     </p:spTree>
     <p:extLst>
       <p:ext uri="{BB962C8B-B14F-4D97-AF65-F5344CB8AC3E}">
-        <p14:creationId xmlns:p14="http://schemas.microsoft.com/office/powerpoint/2010/main" val="2330229722"/>
+        <p14:creationId xmlns:p14="http://schemas.microsoft.com/office/powerpoint/2010/main" val="1765438522"/>
       </p:ext>
     </p:extLst>
   </p:cSld>
@@ -4812,7 +6204,54 @@
           <a:bodyPr/>
           <a:lstStyle/>
           <a:p>
-            <a:endParaRPr lang="de-DE"/>
+            <a:r>
+              <a:rPr lang="en-US" dirty="0" smtClean="0"/>
+              <a:t>Motivation </a:t>
+            </a:r>
+            <a:r>
+              <a:rPr lang="en-US" dirty="0" err="1" smtClean="0"/>
+              <a:t>Optimierung</a:t>
+            </a:r>
+            <a:r>
+              <a:rPr lang="en-US" dirty="0" smtClean="0"/>
+              <a:t> der Source-Register</a:t>
+            </a:r>
+            <a:endParaRPr lang="de-DE" dirty="0" smtClean="0"/>
+          </a:p>
+          <a:p>
+            <a:r>
+              <a:rPr lang="de-DE" dirty="0" smtClean="0"/>
+              <a:t>Grundlagen der genetischen Algorithmen</a:t>
+            </a:r>
+          </a:p>
+          <a:p>
+            <a:pPr lvl="1"/>
+            <a:r>
+              <a:rPr lang="de-DE" dirty="0" smtClean="0"/>
+              <a:t>Gene +Chromosomen</a:t>
+            </a:r>
+            <a:endParaRPr lang="de-DE" dirty="0" smtClean="0"/>
+          </a:p>
+          <a:p>
+            <a:pPr lvl="1"/>
+            <a:r>
+              <a:rPr lang="de-DE" dirty="0" smtClean="0"/>
+              <a:t>Fitness</a:t>
+            </a:r>
+          </a:p>
+          <a:p>
+            <a:pPr lvl="1"/>
+            <a:r>
+              <a:rPr lang="de-DE" dirty="0" smtClean="0"/>
+              <a:t>Crossover </a:t>
+            </a:r>
+          </a:p>
+          <a:p>
+            <a:pPr lvl="1"/>
+            <a:r>
+              <a:rPr lang="de-DE" dirty="0" smtClean="0"/>
+              <a:t>Mutation</a:t>
+            </a:r>
           </a:p>
         </p:txBody>
       </p:sp>
@@ -4833,15 +6272,20 @@
           <a:p>
             <a:r>
               <a:rPr lang="de-DE" dirty="0"/>
-              <a:t>Heuristik</a:t>
-            </a:r>
+              <a:t>Genetischer </a:t>
+            </a:r>
+            <a:r>
+              <a:rPr lang="de-DE" dirty="0" smtClean="0"/>
+              <a:t>Optimierungsalgorithmus</a:t>
+            </a:r>
+            <a:endParaRPr lang="de-DE" dirty="0"/>
           </a:p>
         </p:txBody>
       </p:sp>
     </p:spTree>
     <p:extLst>
       <p:ext uri="{BB962C8B-B14F-4D97-AF65-F5344CB8AC3E}">
-        <p14:creationId xmlns:p14="http://schemas.microsoft.com/office/powerpoint/2010/main" val="3381232320"/>
+        <p14:creationId xmlns:p14="http://schemas.microsoft.com/office/powerpoint/2010/main" val="1180420258"/>
       </p:ext>
     </p:extLst>
   </p:cSld>

--- a/Presentation_Rene_Weinmann.pptx
+++ b/Presentation_Rene_Weinmann.pptx
@@ -39,8 +39,8 @@
     <p:sldId id="266" r:id="rId27"/>
     <p:sldId id="267" r:id="rId28"/>
     <p:sldId id="292" r:id="rId29"/>
-    <p:sldId id="268" r:id="rId30"/>
-    <p:sldId id="269" r:id="rId31"/>
+    <p:sldId id="269" r:id="rId30"/>
+    <p:sldId id="268" r:id="rId31"/>
     <p:sldId id="277" r:id="rId32"/>
     <p:sldId id="260" r:id="rId33"/>
   </p:sldIdLst>
@@ -580,6 +580,7 @@
               </a:p>
             </c:rich>
           </c:tx>
+          <c:layout/>
           <c:overlay val="0"/>
           <c:spPr>
             <a:noFill/>
@@ -697,6 +698,7 @@
               </a:p>
             </c:rich>
           </c:tx>
+          <c:layout/>
           <c:overlay val="0"/>
           <c:spPr>
             <a:noFill/>
@@ -777,6 +779,7 @@
     </c:plotArea>
     <c:legend>
       <c:legendPos val="r"/>
+      <c:layout/>
       <c:overlay val="0"/>
       <c:spPr>
         <a:noFill/>
@@ -1192,15 +1195,17 @@
               <a:lstStyle/>
               <a:p>
                 <a:pPr>
-                  <a:defRPr/>
+                  <a:defRPr sz="1200"/>
                 </a:pPr>
                 <a:r>
-                  <a:rPr lang="de-DE"/>
-                  <a:t>Gesamtlesitung</a:t>
+                  <a:rPr lang="de-DE" sz="1200" dirty="0" smtClean="0"/>
+                  <a:t>Gesamtleistung [W]</a:t>
                 </a:r>
+                <a:endParaRPr lang="de-DE" sz="1200" dirty="0"/>
               </a:p>
             </c:rich>
           </c:tx>
+          <c:layout/>
           <c:overlay val="0"/>
         </c:title>
         <c:numFmt formatCode="0.00E+00" sourceLinked="0"/>
@@ -1219,7 +1224,7 @@
           <a:lstStyle/>
           <a:p>
             <a:pPr>
-              <a:defRPr sz="1000" b="0" baseline="0">
+              <a:defRPr sz="1200" b="0" baseline="0">
                 <a:solidFill>
                   <a:srgbClr val="000000"/>
                 </a:solidFill>
@@ -1247,15 +1252,16 @@
               <a:lstStyle/>
               <a:p>
                 <a:pPr>
-                  <a:defRPr/>
+                  <a:defRPr sz="1200"/>
                 </a:pPr>
                 <a:r>
-                  <a:rPr lang="de-DE"/>
+                  <a:rPr lang="de-DE" sz="1200"/>
                   <a:t>Hamming-Distanz</a:t>
                 </a:r>
               </a:p>
             </c:rich>
           </c:tx>
+          <c:layout/>
           <c:overlay val="0"/>
         </c:title>
         <c:numFmt formatCode="General" sourceLinked="1"/>
@@ -1274,7 +1280,7 @@
           <a:lstStyle/>
           <a:p>
             <a:pPr>
-              <a:defRPr sz="1000" b="0" baseline="0">
+              <a:defRPr sz="1200" b="0" baseline="0">
                 <a:solidFill>
                   <a:srgbClr val="000000"/>
                 </a:solidFill>
@@ -1300,6 +1306,7 @@
     </c:plotArea>
     <c:legend>
       <c:legendPos val="r"/>
+      <c:layout/>
       <c:overlay val="0"/>
       <c:spPr>
         <a:noFill/>
@@ -1312,7 +1319,7 @@
         <a:lstStyle/>
         <a:p>
           <a:pPr>
-            <a:defRPr sz="1000" b="0" baseline="0">
+            <a:defRPr sz="1200" b="0" baseline="0">
               <a:solidFill>
                 <a:srgbClr val="000000"/>
               </a:solidFill>
@@ -2039,6 +2046,7 @@
               </a:p>
             </c:rich>
           </c:tx>
+          <c:layout/>
           <c:overlay val="0"/>
           <c:spPr>
             <a:noFill/>
@@ -2161,6 +2169,7 @@
               </a:p>
             </c:rich>
           </c:tx>
+          <c:layout/>
           <c:overlay val="0"/>
           <c:spPr>
             <a:noFill/>
@@ -2328,10 +2337,10 @@
           <c:layoutTarget val="inner"/>
           <c:xMode val="edge"/>
           <c:yMode val="edge"/>
-          <c:x val="0.13464312443149762"/>
-          <c:y val="9.4661800229248833E-2"/>
-          <c:w val="0.67013850004864961"/>
-          <c:h val="0.79261171637432792"/>
+          <c:x val="0.17726255385310552"/>
+          <c:y val="5.2892009491238907E-2"/>
+          <c:w val="0.60991471515708862"/>
+          <c:h val="0.77617379334713721"/>
         </c:manualLayout>
       </c:layout>
       <c:scatterChart>
@@ -3017,8 +3026,8 @@
             <c:manualLayout>
               <c:xMode val="edge"/>
               <c:yMode val="edge"/>
-              <c:x val="0.41880541308483221"/>
-              <c:y val="0.94076296728893538"/>
+              <c:x val="0.42049353715897658"/>
+              <c:y val="0.91913436858527653"/>
             </c:manualLayout>
           </c:layout>
           <c:overlay val="0"/>
@@ -3143,8 +3152,8 @@
             <c:manualLayout>
               <c:xMode val="edge"/>
               <c:yMode val="edge"/>
-              <c:x val="8.8060034988714508E-3"/>
-              <c:y val="0.34564367089688625"/>
+              <c:x val="3.9192164145873773E-2"/>
+              <c:y val="0.24290705271015772"/>
             </c:manualLayout>
           </c:layout>
           <c:overlay val="0"/>
@@ -3247,10 +3256,10 @@
         <c:manualLayout>
           <c:xMode val="edge"/>
           <c:yMode val="edge"/>
-          <c:x val="0.82598191977030022"/>
-          <c:y val="0.3320034100596761"/>
-          <c:w val="0.174018035589588"/>
-          <c:h val="0.27834732934598011"/>
+          <c:x val="0.80478523618325215"/>
+          <c:y val="0.39485941919390488"/>
+          <c:w val="0.19521472487233427"/>
+          <c:h val="0.20206223796113743"/>
         </c:manualLayout>
       </c:layout>
       <c:overlay val="0"/>
@@ -3266,7 +3275,394 @@
         <a:lstStyle/>
         <a:p>
           <a:pPr>
-            <a:defRPr sz="1400" b="0" i="0" u="none" strike="noStrike" kern="1200" baseline="0">
+            <a:defRPr sz="900" b="0" i="0" u="none" strike="noStrike" kern="1200" baseline="0">
+              <a:solidFill>
+                <a:schemeClr val="tx1">
+                  <a:lumMod val="65000"/>
+                  <a:lumOff val="35000"/>
+                </a:schemeClr>
+              </a:solidFill>
+              <a:latin typeface="+mn-lt"/>
+              <a:ea typeface="+mn-ea"/>
+              <a:cs typeface="+mn-cs"/>
+            </a:defRPr>
+          </a:pPr>
+          <a:endParaRPr lang="de-DE"/>
+        </a:p>
+      </c:txPr>
+    </c:legend>
+    <c:plotVisOnly val="1"/>
+    <c:dispBlanksAs val="gap"/>
+    <c:showDLblsOverMax val="0"/>
+  </c:chart>
+  <c:spPr>
+    <a:noFill/>
+    <a:ln>
+      <a:noFill/>
+    </a:ln>
+    <a:effectLst/>
+  </c:spPr>
+  <c:txPr>
+    <a:bodyPr/>
+    <a:lstStyle/>
+    <a:p>
+      <a:pPr>
+        <a:defRPr/>
+      </a:pPr>
+      <a:endParaRPr lang="de-DE"/>
+    </a:p>
+  </c:txPr>
+  <c:externalData r:id="rId3">
+    <c:autoUpdate val="0"/>
+  </c:externalData>
+</c:chartSpace>
+</file>
+
+<file path=ppt/charts/chart5.xml><?xml version="1.0" encoding="utf-8"?>
+<c:chartSpace xmlns:c="http://schemas.openxmlformats.org/drawingml/2006/chart" xmlns:a="http://schemas.openxmlformats.org/drawingml/2006/main" xmlns:r="http://schemas.openxmlformats.org/officeDocument/2006/relationships" xmlns:c16r2="http://schemas.microsoft.com/office/drawing/2015/06/chart">
+  <c:date1904 val="0"/>
+  <c:lang val="de-DE"/>
+  <c:roundedCorners val="0"/>
+  <mc:AlternateContent xmlns:mc="http://schemas.openxmlformats.org/markup-compatibility/2006">
+    <mc:Choice xmlns:c14="http://schemas.microsoft.com/office/drawing/2007/8/2/chart" Requires="c14">
+      <c14:style val="102"/>
+    </mc:Choice>
+    <mc:Fallback>
+      <c:style val="2"/>
+    </mc:Fallback>
+  </mc:AlternateContent>
+  <c:chart>
+    <c:autoTitleDeleted val="1"/>
+    <c:plotArea>
+      <c:layout/>
+      <c:barChart>
+        <c:barDir val="col"/>
+        <c:grouping val="clustered"/>
+        <c:varyColors val="0"/>
+        <c:ser>
+          <c:idx val="1"/>
+          <c:order val="0"/>
+          <c:tx>
+            <c:strRef>
+              <c:f>fft_emulated_floating!$F$73</c:f>
+              <c:strCache>
+                <c:ptCount val="1"/>
+                <c:pt idx="0">
+                  <c:v>ohne Startpopulation</c:v>
+                </c:pt>
+              </c:strCache>
+            </c:strRef>
+          </c:tx>
+          <c:spPr>
+            <a:solidFill>
+              <a:schemeClr val="accent2"/>
+            </a:solidFill>
+            <a:ln>
+              <a:noFill/>
+            </a:ln>
+            <a:effectLst/>
+          </c:spPr>
+          <c:invertIfNegative val="0"/>
+          <c:cat>
+            <c:strRef>
+              <c:f>fft_emulated_floating!$E$71:$F$71</c:f>
+              <c:strCache>
+                <c:ptCount val="2"/>
+                <c:pt idx="0">
+                  <c:v>Hamming-Distanz</c:v>
+                </c:pt>
+                <c:pt idx="1">
+                  <c:v>Hamming-Distanz*Lastkapazität</c:v>
+                </c:pt>
+              </c:strCache>
+            </c:strRef>
+          </c:cat>
+          <c:val>
+            <c:numRef>
+              <c:f>(fft_emulated_floating!$F$76,fft_emulated_floating!$F$78)</c:f>
+              <c:numCache>
+                <c:formatCode>General</c:formatCode>
+                <c:ptCount val="2"/>
+                <c:pt idx="0">
+                  <c:v>1.9672956211E-7</c:v>
+                </c:pt>
+                <c:pt idx="1">
+                  <c:v>2.0069994877E-7</c:v>
+                </c:pt>
+              </c:numCache>
+            </c:numRef>
+          </c:val>
+          <c:extLst>
+            <c:ext xmlns:c16="http://schemas.microsoft.com/office/drawing/2014/chart" uri="{C3380CC4-5D6E-409C-BE32-E72D297353CC}">
+              <c16:uniqueId val="{00000000-E537-4FF3-8694-F71933016B4F}"/>
+            </c:ext>
+          </c:extLst>
+        </c:ser>
+        <c:ser>
+          <c:idx val="0"/>
+          <c:order val="1"/>
+          <c:tx>
+            <c:strRef>
+              <c:f>fft_emulated_floating!$E$73</c:f>
+              <c:strCache>
+                <c:ptCount val="1"/>
+                <c:pt idx="0">
+                  <c:v>mit Startpopulation</c:v>
+                </c:pt>
+              </c:strCache>
+            </c:strRef>
+          </c:tx>
+          <c:spPr>
+            <a:solidFill>
+              <a:schemeClr val="accent1"/>
+            </a:solidFill>
+            <a:ln>
+              <a:noFill/>
+            </a:ln>
+            <a:effectLst/>
+          </c:spPr>
+          <c:invertIfNegative val="0"/>
+          <c:cat>
+            <c:strRef>
+              <c:f>fft_emulated_floating!$E$71:$F$71</c:f>
+              <c:strCache>
+                <c:ptCount val="2"/>
+                <c:pt idx="0">
+                  <c:v>Hamming-Distanz</c:v>
+                </c:pt>
+                <c:pt idx="1">
+                  <c:v>Hamming-Distanz*Lastkapazität</c:v>
+                </c:pt>
+              </c:strCache>
+            </c:strRef>
+          </c:cat>
+          <c:val>
+            <c:numRef>
+              <c:f>(fft_emulated_floating!$F$77,fft_emulated_floating!$F$79)</c:f>
+              <c:numCache>
+                <c:formatCode>General</c:formatCode>
+                <c:ptCount val="2"/>
+                <c:pt idx="0">
+                  <c:v>1.7068264077999999E-7</c:v>
+                </c:pt>
+                <c:pt idx="1">
+                  <c:v>1.5919531E-7</c:v>
+                </c:pt>
+              </c:numCache>
+            </c:numRef>
+          </c:val>
+          <c:extLst>
+            <c:ext xmlns:c16="http://schemas.microsoft.com/office/drawing/2014/chart" uri="{C3380CC4-5D6E-409C-BE32-E72D297353CC}">
+              <c16:uniqueId val="{00000001-E537-4FF3-8694-F71933016B4F}"/>
+            </c:ext>
+          </c:extLst>
+        </c:ser>
+        <c:dLbls>
+          <c:showLegendKey val="0"/>
+          <c:showVal val="0"/>
+          <c:showCatName val="0"/>
+          <c:showSerName val="0"/>
+          <c:showPercent val="0"/>
+          <c:showBubbleSize val="0"/>
+        </c:dLbls>
+        <c:gapWidth val="219"/>
+        <c:overlap val="-27"/>
+        <c:axId val="516686584"/>
+        <c:axId val="516685272"/>
+      </c:barChart>
+      <c:catAx>
+        <c:axId val="516686584"/>
+        <c:scaling>
+          <c:orientation val="minMax"/>
+        </c:scaling>
+        <c:delete val="0"/>
+        <c:axPos val="b"/>
+        <c:numFmt formatCode="General" sourceLinked="1"/>
+        <c:majorTickMark val="none"/>
+        <c:minorTickMark val="none"/>
+        <c:tickLblPos val="nextTo"/>
+        <c:spPr>
+          <a:noFill/>
+          <a:ln w="9525" cap="flat" cmpd="sng" algn="ctr">
+            <a:solidFill>
+              <a:schemeClr val="tx1">
+                <a:lumMod val="15000"/>
+                <a:lumOff val="85000"/>
+              </a:schemeClr>
+            </a:solidFill>
+            <a:round/>
+          </a:ln>
+          <a:effectLst/>
+        </c:spPr>
+        <c:txPr>
+          <a:bodyPr rot="-60000000" spcFirstLastPara="1" vertOverflow="ellipsis" vert="horz" wrap="square" anchor="ctr" anchorCtr="1"/>
+          <a:lstStyle/>
+          <a:p>
+            <a:pPr>
+              <a:defRPr sz="900" b="0" i="0" u="none" strike="noStrike" kern="1200" baseline="0">
+                <a:solidFill>
+                  <a:schemeClr val="tx1">
+                    <a:lumMod val="65000"/>
+                    <a:lumOff val="35000"/>
+                  </a:schemeClr>
+                </a:solidFill>
+                <a:latin typeface="+mn-lt"/>
+                <a:ea typeface="+mn-ea"/>
+                <a:cs typeface="+mn-cs"/>
+              </a:defRPr>
+            </a:pPr>
+            <a:endParaRPr lang="de-DE"/>
+          </a:p>
+        </c:txPr>
+        <c:crossAx val="516685272"/>
+        <c:crosses val="autoZero"/>
+        <c:auto val="1"/>
+        <c:lblAlgn val="ctr"/>
+        <c:lblOffset val="100"/>
+        <c:noMultiLvlLbl val="0"/>
+      </c:catAx>
+      <c:valAx>
+        <c:axId val="516685272"/>
+        <c:scaling>
+          <c:orientation val="minMax"/>
+        </c:scaling>
+        <c:delete val="0"/>
+        <c:axPos val="l"/>
+        <c:majorGridlines>
+          <c:spPr>
+            <a:ln w="9525" cap="flat" cmpd="sng" algn="ctr">
+              <a:solidFill>
+                <a:schemeClr val="tx1">
+                  <a:lumMod val="15000"/>
+                  <a:lumOff val="85000"/>
+                </a:schemeClr>
+              </a:solidFill>
+              <a:round/>
+            </a:ln>
+            <a:effectLst/>
+          </c:spPr>
+        </c:majorGridlines>
+        <c:title>
+          <c:tx>
+            <c:rich>
+              <a:bodyPr rot="-5400000" spcFirstLastPara="1" vertOverflow="ellipsis" vert="horz" wrap="square" anchor="ctr" anchorCtr="1"/>
+              <a:lstStyle/>
+              <a:p>
+                <a:pPr>
+                  <a:defRPr sz="1000" b="0" i="0" u="none" strike="noStrike" kern="1200" baseline="0">
+                    <a:solidFill>
+                      <a:schemeClr val="tx1">
+                        <a:lumMod val="65000"/>
+                        <a:lumOff val="35000"/>
+                      </a:schemeClr>
+                    </a:solidFill>
+                    <a:latin typeface="+mn-lt"/>
+                    <a:ea typeface="+mn-ea"/>
+                    <a:cs typeface="+mn-cs"/>
+                  </a:defRPr>
+                </a:pPr>
+                <a:r>
+                  <a:rPr lang="de-DE"/>
+                  <a:t>Schaltleistung</a:t>
+                </a:r>
+                <a:r>
+                  <a:rPr lang="de-DE" baseline="0"/>
+                  <a:t> [W]</a:t>
+                </a:r>
+                <a:endParaRPr lang="de-DE"/>
+              </a:p>
+            </c:rich>
+          </c:tx>
+          <c:layout/>
+          <c:overlay val="0"/>
+          <c:spPr>
+            <a:noFill/>
+            <a:ln>
+              <a:noFill/>
+            </a:ln>
+            <a:effectLst/>
+          </c:spPr>
+          <c:txPr>
+            <a:bodyPr rot="-5400000" spcFirstLastPara="1" vertOverflow="ellipsis" vert="horz" wrap="square" anchor="ctr" anchorCtr="1"/>
+            <a:lstStyle/>
+            <a:p>
+              <a:pPr>
+                <a:defRPr sz="1000" b="0" i="0" u="none" strike="noStrike" kern="1200" baseline="0">
+                  <a:solidFill>
+                    <a:schemeClr val="tx1">
+                      <a:lumMod val="65000"/>
+                      <a:lumOff val="35000"/>
+                    </a:schemeClr>
+                  </a:solidFill>
+                  <a:latin typeface="+mn-lt"/>
+                  <a:ea typeface="+mn-ea"/>
+                  <a:cs typeface="+mn-cs"/>
+                </a:defRPr>
+              </a:pPr>
+              <a:endParaRPr lang="de-DE"/>
+            </a:p>
+          </c:txPr>
+        </c:title>
+        <c:numFmt formatCode="0.00E+00" sourceLinked="0"/>
+        <c:majorTickMark val="none"/>
+        <c:minorTickMark val="none"/>
+        <c:tickLblPos val="nextTo"/>
+        <c:spPr>
+          <a:noFill/>
+          <a:ln>
+            <a:noFill/>
+          </a:ln>
+          <a:effectLst/>
+        </c:spPr>
+        <c:txPr>
+          <a:bodyPr rot="-60000000" spcFirstLastPara="1" vertOverflow="ellipsis" vert="horz" wrap="square" anchor="ctr" anchorCtr="1"/>
+          <a:lstStyle/>
+          <a:p>
+            <a:pPr>
+              <a:defRPr sz="900" b="0" i="0" u="none" strike="noStrike" kern="1200" baseline="0">
+                <a:solidFill>
+                  <a:schemeClr val="tx1">
+                    <a:lumMod val="65000"/>
+                    <a:lumOff val="35000"/>
+                  </a:schemeClr>
+                </a:solidFill>
+                <a:latin typeface="+mn-lt"/>
+                <a:ea typeface="+mn-ea"/>
+                <a:cs typeface="+mn-cs"/>
+              </a:defRPr>
+            </a:pPr>
+            <a:endParaRPr lang="de-DE"/>
+          </a:p>
+        </c:txPr>
+        <c:crossAx val="516686584"/>
+        <c:crosses val="autoZero"/>
+        <c:crossBetween val="between"/>
+      </c:valAx>
+      <c:spPr>
+        <a:noFill/>
+        <a:ln>
+          <a:noFill/>
+        </a:ln>
+        <a:effectLst/>
+      </c:spPr>
+    </c:plotArea>
+    <c:legend>
+      <c:legendPos val="r"/>
+      <c:layout/>
+      <c:overlay val="0"/>
+      <c:spPr>
+        <a:noFill/>
+        <a:ln>
+          <a:noFill/>
+        </a:ln>
+        <a:effectLst/>
+      </c:spPr>
+      <c:txPr>
+        <a:bodyPr rot="0" spcFirstLastPara="1" vertOverflow="ellipsis" vert="horz" wrap="square" anchor="ctr" anchorCtr="1"/>
+        <a:lstStyle/>
+        <a:p>
+          <a:pPr>
+            <a:defRPr sz="900" b="0" i="0" u="none" strike="noStrike" kern="1200" baseline="0">
               <a:solidFill>
                 <a:schemeClr val="tx1">
                   <a:lumMod val="65000"/>
@@ -3390,6 +3786,46 @@
 </file>
 
 <file path=ppt/charts/colors3.xml><?xml version="1.0" encoding="utf-8"?>
+<cs:colorStyle xmlns:cs="http://schemas.microsoft.com/office/drawing/2012/chartStyle" xmlns:a="http://schemas.openxmlformats.org/drawingml/2006/main" meth="cycle" id="10">
+  <a:schemeClr val="accent1"/>
+  <a:schemeClr val="accent2"/>
+  <a:schemeClr val="accent3"/>
+  <a:schemeClr val="accent4"/>
+  <a:schemeClr val="accent5"/>
+  <a:schemeClr val="accent6"/>
+  <cs:variation/>
+  <cs:variation>
+    <a:lumMod val="60000"/>
+  </cs:variation>
+  <cs:variation>
+    <a:lumMod val="80000"/>
+    <a:lumOff val="20000"/>
+  </cs:variation>
+  <cs:variation>
+    <a:lumMod val="80000"/>
+  </cs:variation>
+  <cs:variation>
+    <a:lumMod val="60000"/>
+    <a:lumOff val="40000"/>
+  </cs:variation>
+  <cs:variation>
+    <a:lumMod val="50000"/>
+  </cs:variation>
+  <cs:variation>
+    <a:lumMod val="70000"/>
+    <a:lumOff val="30000"/>
+  </cs:variation>
+  <cs:variation>
+    <a:lumMod val="70000"/>
+  </cs:variation>
+  <cs:variation>
+    <a:lumMod val="50000"/>
+    <a:lumOff val="50000"/>
+  </cs:variation>
+</cs:colorStyle>
+</file>
+
+<file path=ppt/charts/colors4.xml><?xml version="1.0" encoding="utf-8"?>
 <cs:colorStyle xmlns:cs="http://schemas.microsoft.com/office/drawing/2012/chartStyle" xmlns:a="http://schemas.openxmlformats.org/drawingml/2006/main" meth="cycle" id="10">
   <a:schemeClr val="accent1"/>
   <a:schemeClr val="accent2"/>
@@ -4977,6 +5413,509 @@
 </cs:chartStyle>
 </file>
 
+<file path=ppt/charts/style4.xml><?xml version="1.0" encoding="utf-8"?>
+<cs:chartStyle xmlns:cs="http://schemas.microsoft.com/office/drawing/2012/chartStyle" xmlns:a="http://schemas.openxmlformats.org/drawingml/2006/main" id="201">
+  <cs:axisTitle>
+    <cs:lnRef idx="0"/>
+    <cs:fillRef idx="0"/>
+    <cs:effectRef idx="0"/>
+    <cs:fontRef idx="minor">
+      <a:schemeClr val="tx1">
+        <a:lumMod val="65000"/>
+        <a:lumOff val="35000"/>
+      </a:schemeClr>
+    </cs:fontRef>
+    <cs:defRPr sz="1000" kern="1200"/>
+  </cs:axisTitle>
+  <cs:categoryAxis>
+    <cs:lnRef idx="0"/>
+    <cs:fillRef idx="0"/>
+    <cs:effectRef idx="0"/>
+    <cs:fontRef idx="minor">
+      <a:schemeClr val="tx1">
+        <a:lumMod val="65000"/>
+        <a:lumOff val="35000"/>
+      </a:schemeClr>
+    </cs:fontRef>
+    <cs:spPr>
+      <a:ln w="9525" cap="flat" cmpd="sng" algn="ctr">
+        <a:solidFill>
+          <a:schemeClr val="tx1">
+            <a:lumMod val="15000"/>
+            <a:lumOff val="85000"/>
+          </a:schemeClr>
+        </a:solidFill>
+        <a:round/>
+      </a:ln>
+    </cs:spPr>
+    <cs:defRPr sz="900" kern="1200"/>
+  </cs:categoryAxis>
+  <cs:chartArea mods="allowNoFillOverride allowNoLineOverride">
+    <cs:lnRef idx="0"/>
+    <cs:fillRef idx="0"/>
+    <cs:effectRef idx="0"/>
+    <cs:fontRef idx="minor">
+      <a:schemeClr val="tx1"/>
+    </cs:fontRef>
+    <cs:spPr>
+      <a:solidFill>
+        <a:schemeClr val="bg1"/>
+      </a:solidFill>
+      <a:ln w="9525" cap="flat" cmpd="sng" algn="ctr">
+        <a:solidFill>
+          <a:schemeClr val="tx1">
+            <a:lumMod val="15000"/>
+            <a:lumOff val="85000"/>
+          </a:schemeClr>
+        </a:solidFill>
+        <a:round/>
+      </a:ln>
+    </cs:spPr>
+    <cs:defRPr sz="1000" kern="1200"/>
+  </cs:chartArea>
+  <cs:dataLabel>
+    <cs:lnRef idx="0"/>
+    <cs:fillRef idx="0"/>
+    <cs:effectRef idx="0"/>
+    <cs:fontRef idx="minor">
+      <a:schemeClr val="tx1">
+        <a:lumMod val="75000"/>
+        <a:lumOff val="25000"/>
+      </a:schemeClr>
+    </cs:fontRef>
+    <cs:defRPr sz="900" kern="1200"/>
+  </cs:dataLabel>
+  <cs:dataLabelCallout>
+    <cs:lnRef idx="0"/>
+    <cs:fillRef idx="0"/>
+    <cs:effectRef idx="0"/>
+    <cs:fontRef idx="minor">
+      <a:schemeClr val="dk1">
+        <a:lumMod val="65000"/>
+        <a:lumOff val="35000"/>
+      </a:schemeClr>
+    </cs:fontRef>
+    <cs:spPr>
+      <a:solidFill>
+        <a:schemeClr val="lt1"/>
+      </a:solidFill>
+      <a:ln>
+        <a:solidFill>
+          <a:schemeClr val="dk1">
+            <a:lumMod val="25000"/>
+            <a:lumOff val="75000"/>
+          </a:schemeClr>
+        </a:solidFill>
+      </a:ln>
+    </cs:spPr>
+    <cs:defRPr sz="900" kern="1200"/>
+    <cs:bodyPr rot="0" spcFirstLastPara="1" vertOverflow="clip" horzOverflow="clip" vert="horz" wrap="square" lIns="36576" tIns="18288" rIns="36576" bIns="18288" anchor="ctr" anchorCtr="1">
+      <a:spAutoFit/>
+    </cs:bodyPr>
+  </cs:dataLabelCallout>
+  <cs:dataPoint>
+    <cs:lnRef idx="0"/>
+    <cs:fillRef idx="1">
+      <cs:styleClr val="auto"/>
+    </cs:fillRef>
+    <cs:effectRef idx="0"/>
+    <cs:fontRef idx="minor">
+      <a:schemeClr val="tx1"/>
+    </cs:fontRef>
+  </cs:dataPoint>
+  <cs:dataPoint3D>
+    <cs:lnRef idx="0"/>
+    <cs:fillRef idx="1">
+      <cs:styleClr val="auto"/>
+    </cs:fillRef>
+    <cs:effectRef idx="0"/>
+    <cs:fontRef idx="minor">
+      <a:schemeClr val="tx1"/>
+    </cs:fontRef>
+  </cs:dataPoint3D>
+  <cs:dataPointLine>
+    <cs:lnRef idx="0">
+      <cs:styleClr val="auto"/>
+    </cs:lnRef>
+    <cs:fillRef idx="1"/>
+    <cs:effectRef idx="0"/>
+    <cs:fontRef idx="minor">
+      <a:schemeClr val="tx1"/>
+    </cs:fontRef>
+    <cs:spPr>
+      <a:ln w="28575" cap="rnd">
+        <a:solidFill>
+          <a:schemeClr val="phClr"/>
+        </a:solidFill>
+        <a:round/>
+      </a:ln>
+    </cs:spPr>
+  </cs:dataPointLine>
+  <cs:dataPointMarker>
+    <cs:lnRef idx="0">
+      <cs:styleClr val="auto"/>
+    </cs:lnRef>
+    <cs:fillRef idx="1">
+      <cs:styleClr val="auto"/>
+    </cs:fillRef>
+    <cs:effectRef idx="0"/>
+    <cs:fontRef idx="minor">
+      <a:schemeClr val="tx1"/>
+    </cs:fontRef>
+    <cs:spPr>
+      <a:ln w="9525">
+        <a:solidFill>
+          <a:schemeClr val="phClr"/>
+        </a:solidFill>
+      </a:ln>
+    </cs:spPr>
+  </cs:dataPointMarker>
+  <cs:dataPointMarkerLayout symbol="circle" size="5"/>
+  <cs:dataPointWireframe>
+    <cs:lnRef idx="0">
+      <cs:styleClr val="auto"/>
+    </cs:lnRef>
+    <cs:fillRef idx="1"/>
+    <cs:effectRef idx="0"/>
+    <cs:fontRef idx="minor">
+      <a:schemeClr val="tx1"/>
+    </cs:fontRef>
+    <cs:spPr>
+      <a:ln w="9525" cap="rnd">
+        <a:solidFill>
+          <a:schemeClr val="phClr"/>
+        </a:solidFill>
+        <a:round/>
+      </a:ln>
+    </cs:spPr>
+  </cs:dataPointWireframe>
+  <cs:dataTable>
+    <cs:lnRef idx="0"/>
+    <cs:fillRef idx="0"/>
+    <cs:effectRef idx="0"/>
+    <cs:fontRef idx="minor">
+      <a:schemeClr val="tx1">
+        <a:lumMod val="65000"/>
+        <a:lumOff val="35000"/>
+      </a:schemeClr>
+    </cs:fontRef>
+    <cs:spPr>
+      <a:noFill/>
+      <a:ln w="9525" cap="flat" cmpd="sng" algn="ctr">
+        <a:solidFill>
+          <a:schemeClr val="tx1">
+            <a:lumMod val="15000"/>
+            <a:lumOff val="85000"/>
+          </a:schemeClr>
+        </a:solidFill>
+        <a:round/>
+      </a:ln>
+    </cs:spPr>
+    <cs:defRPr sz="900" kern="1200"/>
+  </cs:dataTable>
+  <cs:downBar>
+    <cs:lnRef idx="0"/>
+    <cs:fillRef idx="0"/>
+    <cs:effectRef idx="0"/>
+    <cs:fontRef idx="minor">
+      <a:schemeClr val="dk1"/>
+    </cs:fontRef>
+    <cs:spPr>
+      <a:solidFill>
+        <a:schemeClr val="dk1">
+          <a:lumMod val="65000"/>
+          <a:lumOff val="35000"/>
+        </a:schemeClr>
+      </a:solidFill>
+      <a:ln w="9525">
+        <a:solidFill>
+          <a:schemeClr val="tx1">
+            <a:lumMod val="65000"/>
+            <a:lumOff val="35000"/>
+          </a:schemeClr>
+        </a:solidFill>
+      </a:ln>
+    </cs:spPr>
+  </cs:downBar>
+  <cs:dropLine>
+    <cs:lnRef idx="0"/>
+    <cs:fillRef idx="0"/>
+    <cs:effectRef idx="0"/>
+    <cs:fontRef idx="minor">
+      <a:schemeClr val="tx1"/>
+    </cs:fontRef>
+    <cs:spPr>
+      <a:ln w="9525" cap="flat" cmpd="sng" algn="ctr">
+        <a:solidFill>
+          <a:schemeClr val="tx1">
+            <a:lumMod val="35000"/>
+            <a:lumOff val="65000"/>
+          </a:schemeClr>
+        </a:solidFill>
+        <a:round/>
+      </a:ln>
+    </cs:spPr>
+  </cs:dropLine>
+  <cs:errorBar>
+    <cs:lnRef idx="0"/>
+    <cs:fillRef idx="0"/>
+    <cs:effectRef idx="0"/>
+    <cs:fontRef idx="minor">
+      <a:schemeClr val="tx1"/>
+    </cs:fontRef>
+    <cs:spPr>
+      <a:ln w="9525" cap="flat" cmpd="sng" algn="ctr">
+        <a:solidFill>
+          <a:schemeClr val="tx1">
+            <a:lumMod val="65000"/>
+            <a:lumOff val="35000"/>
+          </a:schemeClr>
+        </a:solidFill>
+        <a:round/>
+      </a:ln>
+    </cs:spPr>
+  </cs:errorBar>
+  <cs:floor>
+    <cs:lnRef idx="0"/>
+    <cs:fillRef idx="0"/>
+    <cs:effectRef idx="0"/>
+    <cs:fontRef idx="minor">
+      <a:schemeClr val="tx1"/>
+    </cs:fontRef>
+    <cs:spPr>
+      <a:noFill/>
+      <a:ln>
+        <a:noFill/>
+      </a:ln>
+    </cs:spPr>
+  </cs:floor>
+  <cs:gridlineMajor>
+    <cs:lnRef idx="0"/>
+    <cs:fillRef idx="0"/>
+    <cs:effectRef idx="0"/>
+    <cs:fontRef idx="minor">
+      <a:schemeClr val="tx1"/>
+    </cs:fontRef>
+    <cs:spPr>
+      <a:ln w="9525" cap="flat" cmpd="sng" algn="ctr">
+        <a:solidFill>
+          <a:schemeClr val="tx1">
+            <a:lumMod val="15000"/>
+            <a:lumOff val="85000"/>
+          </a:schemeClr>
+        </a:solidFill>
+        <a:round/>
+      </a:ln>
+    </cs:spPr>
+  </cs:gridlineMajor>
+  <cs:gridlineMinor>
+    <cs:lnRef idx="0"/>
+    <cs:fillRef idx="0"/>
+    <cs:effectRef idx="0"/>
+    <cs:fontRef idx="minor">
+      <a:schemeClr val="tx1"/>
+    </cs:fontRef>
+    <cs:spPr>
+      <a:ln w="9525" cap="flat" cmpd="sng" algn="ctr">
+        <a:solidFill>
+          <a:schemeClr val="tx1">
+            <a:lumMod val="5000"/>
+            <a:lumOff val="95000"/>
+          </a:schemeClr>
+        </a:solidFill>
+        <a:round/>
+      </a:ln>
+    </cs:spPr>
+  </cs:gridlineMinor>
+  <cs:hiLoLine>
+    <cs:lnRef idx="0"/>
+    <cs:fillRef idx="0"/>
+    <cs:effectRef idx="0"/>
+    <cs:fontRef idx="minor">
+      <a:schemeClr val="tx1"/>
+    </cs:fontRef>
+    <cs:spPr>
+      <a:ln w="9525" cap="flat" cmpd="sng" algn="ctr">
+        <a:solidFill>
+          <a:schemeClr val="tx1">
+            <a:lumMod val="75000"/>
+            <a:lumOff val="25000"/>
+          </a:schemeClr>
+        </a:solidFill>
+        <a:round/>
+      </a:ln>
+    </cs:spPr>
+  </cs:hiLoLine>
+  <cs:leaderLine>
+    <cs:lnRef idx="0"/>
+    <cs:fillRef idx="0"/>
+    <cs:effectRef idx="0"/>
+    <cs:fontRef idx="minor">
+      <a:schemeClr val="tx1"/>
+    </cs:fontRef>
+    <cs:spPr>
+      <a:ln w="9525" cap="flat" cmpd="sng" algn="ctr">
+        <a:solidFill>
+          <a:schemeClr val="tx1">
+            <a:lumMod val="35000"/>
+            <a:lumOff val="65000"/>
+          </a:schemeClr>
+        </a:solidFill>
+        <a:round/>
+      </a:ln>
+    </cs:spPr>
+  </cs:leaderLine>
+  <cs:legend>
+    <cs:lnRef idx="0"/>
+    <cs:fillRef idx="0"/>
+    <cs:effectRef idx="0"/>
+    <cs:fontRef idx="minor">
+      <a:schemeClr val="tx1">
+        <a:lumMod val="65000"/>
+        <a:lumOff val="35000"/>
+      </a:schemeClr>
+    </cs:fontRef>
+    <cs:defRPr sz="900" kern="1200"/>
+  </cs:legend>
+  <cs:plotArea mods="allowNoFillOverride allowNoLineOverride">
+    <cs:lnRef idx="0"/>
+    <cs:fillRef idx="0"/>
+    <cs:effectRef idx="0"/>
+    <cs:fontRef idx="minor">
+      <a:schemeClr val="tx1"/>
+    </cs:fontRef>
+  </cs:plotArea>
+  <cs:plotArea3D mods="allowNoFillOverride allowNoLineOverride">
+    <cs:lnRef idx="0"/>
+    <cs:fillRef idx="0"/>
+    <cs:effectRef idx="0"/>
+    <cs:fontRef idx="minor">
+      <a:schemeClr val="tx1"/>
+    </cs:fontRef>
+  </cs:plotArea3D>
+  <cs:seriesAxis>
+    <cs:lnRef idx="0"/>
+    <cs:fillRef idx="0"/>
+    <cs:effectRef idx="0"/>
+    <cs:fontRef idx="minor">
+      <a:schemeClr val="tx1">
+        <a:lumMod val="65000"/>
+        <a:lumOff val="35000"/>
+      </a:schemeClr>
+    </cs:fontRef>
+    <cs:defRPr sz="900" kern="1200"/>
+  </cs:seriesAxis>
+  <cs:seriesLine>
+    <cs:lnRef idx="0"/>
+    <cs:fillRef idx="0"/>
+    <cs:effectRef idx="0"/>
+    <cs:fontRef idx="minor">
+      <a:schemeClr val="tx1"/>
+    </cs:fontRef>
+    <cs:spPr>
+      <a:ln w="9525" cap="flat" cmpd="sng" algn="ctr">
+        <a:solidFill>
+          <a:schemeClr val="tx1">
+            <a:lumMod val="35000"/>
+            <a:lumOff val="65000"/>
+          </a:schemeClr>
+        </a:solidFill>
+        <a:round/>
+      </a:ln>
+    </cs:spPr>
+  </cs:seriesLine>
+  <cs:title>
+    <cs:lnRef idx="0"/>
+    <cs:fillRef idx="0"/>
+    <cs:effectRef idx="0"/>
+    <cs:fontRef idx="minor">
+      <a:schemeClr val="tx1">
+        <a:lumMod val="65000"/>
+        <a:lumOff val="35000"/>
+      </a:schemeClr>
+    </cs:fontRef>
+    <cs:defRPr sz="1400" b="0" kern="1200" spc="0" baseline="0"/>
+  </cs:title>
+  <cs:trendline>
+    <cs:lnRef idx="0">
+      <cs:styleClr val="auto"/>
+    </cs:lnRef>
+    <cs:fillRef idx="0"/>
+    <cs:effectRef idx="0"/>
+    <cs:fontRef idx="minor">
+      <a:schemeClr val="tx1"/>
+    </cs:fontRef>
+    <cs:spPr>
+      <a:ln w="19050" cap="rnd">
+        <a:solidFill>
+          <a:schemeClr val="phClr"/>
+        </a:solidFill>
+        <a:prstDash val="sysDot"/>
+      </a:ln>
+    </cs:spPr>
+  </cs:trendline>
+  <cs:trendlineLabel>
+    <cs:lnRef idx="0"/>
+    <cs:fillRef idx="0"/>
+    <cs:effectRef idx="0"/>
+    <cs:fontRef idx="minor">
+      <a:schemeClr val="tx1">
+        <a:lumMod val="65000"/>
+        <a:lumOff val="35000"/>
+      </a:schemeClr>
+    </cs:fontRef>
+    <cs:defRPr sz="900" kern="1200"/>
+  </cs:trendlineLabel>
+  <cs:upBar>
+    <cs:lnRef idx="0"/>
+    <cs:fillRef idx="0"/>
+    <cs:effectRef idx="0"/>
+    <cs:fontRef idx="minor">
+      <a:schemeClr val="dk1"/>
+    </cs:fontRef>
+    <cs:spPr>
+      <a:solidFill>
+        <a:schemeClr val="lt1"/>
+      </a:solidFill>
+      <a:ln w="9525">
+        <a:solidFill>
+          <a:schemeClr val="tx1">
+            <a:lumMod val="15000"/>
+            <a:lumOff val="85000"/>
+          </a:schemeClr>
+        </a:solidFill>
+      </a:ln>
+    </cs:spPr>
+  </cs:upBar>
+  <cs:valueAxis>
+    <cs:lnRef idx="0"/>
+    <cs:fillRef idx="0"/>
+    <cs:effectRef idx="0"/>
+    <cs:fontRef idx="minor">
+      <a:schemeClr val="tx1">
+        <a:lumMod val="65000"/>
+        <a:lumOff val="35000"/>
+      </a:schemeClr>
+    </cs:fontRef>
+    <cs:defRPr sz="900" kern="1200"/>
+  </cs:valueAxis>
+  <cs:wall>
+    <cs:lnRef idx="0"/>
+    <cs:fillRef idx="0"/>
+    <cs:effectRef idx="0"/>
+    <cs:fontRef idx="minor">
+      <a:schemeClr val="tx1"/>
+    </cs:fontRef>
+    <cs:spPr>
+      <a:noFill/>
+      <a:ln>
+        <a:noFill/>
+      </a:ln>
+    </cs:spPr>
+  </cs:wall>
+</cs:chartStyle>
+</file>
+
 <file path=ppt/handoutMasters/handoutMaster1.xml><?xml version="1.0" encoding="utf-8"?>
 <p:handoutMaster xmlns:a="http://schemas.openxmlformats.org/drawingml/2006/main" xmlns:r="http://schemas.openxmlformats.org/officeDocument/2006/relationships" xmlns:p="http://schemas.openxmlformats.org/presentationml/2006/main">
   <p:cSld>
@@ -5540,31 +6479,6 @@
           <a:bodyPr/>
           <a:lstStyle/>
           <a:p>
-            <a:r>
-              <a:rPr lang="de-DE" dirty="0"/>
-              <a:t>In</a:t>
-            </a:r>
-            <a:r>
-              <a:rPr lang="de-DE" baseline="0" dirty="0"/>
-              <a:t> Deutschland allein leben 1,88 Millionen mit einer Hörhilfe dazu kommen  1,39 Millionen die kein Hörgerät tragen obwohl diese darauf angewiesen wären. Warum ???</a:t>
-            </a:r>
-          </a:p>
-          <a:p>
-            <a:r>
-              <a:rPr lang="de-DE" baseline="0" dirty="0"/>
-              <a:t>Dies zeigt das dies ein immer wichtiges Themengebiet ist. Entwickler stehen dabei vor dem großen Problem dass die Geräte immer mehr  Funktionen auf weisen sollen und dem Nutzer ein noch besseres </a:t>
-            </a:r>
-            <a:r>
-              <a:rPr lang="de-DE" baseline="0" dirty="0" err="1"/>
-              <a:t>Hörerlebebnis</a:t>
-            </a:r>
-            <a:r>
-              <a:rPr lang="de-DE" baseline="0" dirty="0"/>
-              <a:t> zu ermöglichen, zeitgleich sollen die Geräte eine hohe Akkulaufzeit aufweisen . Da die Geräte immer kleiner werden ist ein Ausweichen auf eine größere Batterie nicht möglich und eine Verlustleistungsoptimierung ist notwendig und genau mit diesem Themengebiet befasst sich diese Arbeit.</a:t>
-            </a:r>
-            <a:endParaRPr lang="de-DE" noProof="0" dirty="0"/>
-          </a:p>
-          <a:p>
             <a:endParaRPr lang="de-DE" noProof="0" dirty="0"/>
           </a:p>
         </p:txBody>
@@ -6245,6 +7159,25 @@
           <a:bodyPr/>
           <a:lstStyle/>
           <a:p>
+            <a:r>
+              <a:rPr lang="de-DE" dirty="0" smtClean="0"/>
+              <a:t>Grundprinzip</a:t>
+            </a:r>
+            <a:r>
+              <a:rPr lang="de-DE" baseline="0" dirty="0" smtClean="0"/>
+              <a:t> des Genetischen </a:t>
+            </a:r>
+            <a:r>
+              <a:rPr lang="de-DE" baseline="0" dirty="0" err="1" smtClean="0"/>
+              <a:t>Algos</a:t>
+            </a:r>
+            <a:endParaRPr lang="de-DE" baseline="0" dirty="0" smtClean="0"/>
+          </a:p>
+          <a:p>
+            <a:r>
+              <a:rPr lang="de-DE" baseline="0" dirty="0" smtClean="0"/>
+              <a:t>Motivation auch Source-Register werden optimiert</a:t>
+            </a:r>
             <a:endParaRPr lang="de-DE" dirty="0"/>
           </a:p>
         </p:txBody>
@@ -6267,7 +7200,7 @@
             <a:fld id="{869E2870-AA96-4A2A-B012-8930BFB0F7BD}" type="slidenum">
               <a:rPr lang="en-US" smtClean="0"/>
               <a:pPr/>
-              <a:t>20</a:t>
+              <a:t>17</a:t>
             </a:fld>
             <a:endParaRPr lang="en-US"/>
           </a:p>
@@ -6276,7 +7209,7 @@
     </p:spTree>
     <p:extLst>
       <p:ext uri="{BB962C8B-B14F-4D97-AF65-F5344CB8AC3E}">
-        <p14:creationId xmlns:p14="http://schemas.microsoft.com/office/powerpoint/2010/main" val="420471562"/>
+        <p14:creationId xmlns:p14="http://schemas.microsoft.com/office/powerpoint/2010/main" val="3654166453"/>
       </p:ext>
     </p:extLst>
   </p:cSld>
@@ -6352,7 +7285,7 @@
             <a:fld id="{869E2870-AA96-4A2A-B012-8930BFB0F7BD}" type="slidenum">
               <a:rPr lang="en-US" smtClean="0"/>
               <a:pPr/>
-              <a:t>21</a:t>
+              <a:t>18</a:t>
             </a:fld>
             <a:endParaRPr lang="en-US"/>
           </a:p>
@@ -6361,7 +7294,7 @@
     </p:spTree>
     <p:extLst>
       <p:ext uri="{BB962C8B-B14F-4D97-AF65-F5344CB8AC3E}">
-        <p14:creationId xmlns:p14="http://schemas.microsoft.com/office/powerpoint/2010/main" val="585671900"/>
+        <p14:creationId xmlns:p14="http://schemas.microsoft.com/office/powerpoint/2010/main" val="1960759996"/>
       </p:ext>
     </p:extLst>
   </p:cSld>
@@ -6437,7 +7370,7 @@
             <a:fld id="{869E2870-AA96-4A2A-B012-8930BFB0F7BD}" type="slidenum">
               <a:rPr lang="en-US" smtClean="0"/>
               <a:pPr/>
-              <a:t>22</a:t>
+              <a:t>20</a:t>
             </a:fld>
             <a:endParaRPr lang="en-US"/>
           </a:p>
@@ -6446,7 +7379,7 @@
     </p:spTree>
     <p:extLst>
       <p:ext uri="{BB962C8B-B14F-4D97-AF65-F5344CB8AC3E}">
-        <p14:creationId xmlns:p14="http://schemas.microsoft.com/office/powerpoint/2010/main" val="4194975482"/>
+        <p14:creationId xmlns:p14="http://schemas.microsoft.com/office/powerpoint/2010/main" val="420471562"/>
       </p:ext>
     </p:extLst>
   </p:cSld>
@@ -6499,38 +7432,6 @@
         <p:txBody>
           <a:bodyPr/>
           <a:lstStyle/>
-          <a:p>
-            <a:pPr marL="0" marR="0" lvl="0" indent="0" algn="l" defTabSz="914400" rtl="0" eaLnBrk="1" fontAlgn="auto" latinLnBrk="0" hangingPunct="1">
-              <a:lnSpc>
-                <a:spcPct val="100000"/>
-              </a:lnSpc>
-              <a:spcBef>
-                <a:spcPts val="0"/>
-              </a:spcBef>
-              <a:spcAft>
-                <a:spcPts val="0"/>
-              </a:spcAft>
-              <a:buClrTx/>
-              <a:buSzTx/>
-              <a:buFontTx/>
-              <a:buNone/>
-              <a:tabLst/>
-              <a:defRPr/>
-            </a:pPr>
-            <a:r>
-              <a:rPr lang="de-DE" baseline="0" dirty="0"/>
-              <a:t>Der in dieser Arbeit verfolgte Ansatz will ich ihnen in dieser Präsentation kurz schildern. Diese Präsentation ist dabei so gegliedert, dass Zuerst auf den Ausgangsstatus und die Besonderheiten des verwendeten Prozessor eingegangen . Danach wird die zu optimierende Register-Allokation in das </a:t>
-            </a:r>
-            <a:r>
-              <a:rPr lang="de-DE" baseline="0" dirty="0" err="1"/>
-              <a:t>Scheduling</a:t>
-            </a:r>
-            <a:r>
-              <a:rPr lang="de-DE" baseline="0" dirty="0"/>
-              <a:t> eingeordnet und gezeigt wie diese funktioniert. Im Anschluss zeige ich ihnen wie ich eine Optimierung der Register-Adressierung mittels Heuristik und genetischem Algorithmus implementiert wurde. Um die Ergebnisse aus der Implementierung vergleichen zu können gehen ich auf das Verlustleistungsanalysetool ein. Im Anschluss zeige ich ihnen welche Hardware-Anpassungen am Prozessor vorgenommen wurden um die Optimierung der Software zu gewährleisten. Darauf hin wird anhand von Testfällen die implementierten Algorithmen evaluiert und gezeigt welches Einsparungspotential sich draus ergibt. Zum Ende der Präsentation werden zwei reale Testfälle und deren Einsparung aufgezeigt.</a:t>
-            </a:r>
-            <a:endParaRPr lang="de-DE" dirty="0"/>
-          </a:p>
           <a:p>
             <a:endParaRPr lang="de-DE" dirty="0"/>
           </a:p>
@@ -6639,7 +7540,7 @@
             <a:fld id="{869E2870-AA96-4A2A-B012-8930BFB0F7BD}" type="slidenum">
               <a:rPr lang="en-US" smtClean="0"/>
               <a:pPr/>
-              <a:t>26</a:t>
+              <a:t>21</a:t>
             </a:fld>
             <a:endParaRPr lang="en-US"/>
           </a:p>
@@ -6648,7 +7549,7 @@
     </p:spTree>
     <p:extLst>
       <p:ext uri="{BB962C8B-B14F-4D97-AF65-F5344CB8AC3E}">
-        <p14:creationId xmlns:p14="http://schemas.microsoft.com/office/powerpoint/2010/main" val="4119034995"/>
+        <p14:creationId xmlns:p14="http://schemas.microsoft.com/office/powerpoint/2010/main" val="585671900"/>
       </p:ext>
     </p:extLst>
   </p:cSld>
@@ -6702,22 +7603,6 @@
           <a:bodyPr/>
           <a:lstStyle/>
           <a:p>
-            <a:r>
-              <a:rPr lang="de-DE" dirty="0"/>
-              <a:t>Gewichtete </a:t>
-            </a:r>
-            <a:r>
-              <a:rPr lang="de-DE" dirty="0" err="1"/>
-              <a:t>Hamming</a:t>
-            </a:r>
-            <a:r>
-              <a:rPr lang="de-DE" dirty="0"/>
-              <a:t>-Distanz</a:t>
-            </a:r>
-            <a:r>
-              <a:rPr lang="de-DE" baseline="0" dirty="0"/>
-              <a:t> raus</a:t>
-            </a:r>
             <a:endParaRPr lang="de-DE" dirty="0"/>
           </a:p>
         </p:txBody>
@@ -6740,6 +7625,277 @@
             <a:fld id="{869E2870-AA96-4A2A-B012-8930BFB0F7BD}" type="slidenum">
               <a:rPr lang="en-US" smtClean="0"/>
               <a:pPr/>
+              <a:t>22</a:t>
+            </a:fld>
+            <a:endParaRPr lang="en-US"/>
+          </a:p>
+        </p:txBody>
+      </p:sp>
+    </p:spTree>
+    <p:extLst>
+      <p:ext uri="{BB962C8B-B14F-4D97-AF65-F5344CB8AC3E}">
+        <p14:creationId xmlns:p14="http://schemas.microsoft.com/office/powerpoint/2010/main" val="4194975482"/>
+      </p:ext>
+    </p:extLst>
+  </p:cSld>
+  <p:clrMapOvr>
+    <a:masterClrMapping/>
+  </p:clrMapOvr>
+</p:notes>
+</file>
+
+<file path=ppt/notesSlides/notesSlide22.xml><?xml version="1.0" encoding="utf-8"?>
+<p:notes xmlns:a="http://schemas.openxmlformats.org/drawingml/2006/main" xmlns:r="http://schemas.openxmlformats.org/officeDocument/2006/relationships" xmlns:p="http://schemas.openxmlformats.org/presentationml/2006/main">
+  <p:cSld>
+    <p:spTree>
+      <p:nvGrpSpPr>
+        <p:cNvPr id="1" name=""/>
+        <p:cNvGrpSpPr/>
+        <p:nvPr/>
+      </p:nvGrpSpPr>
+      <p:grpSpPr>
+        <a:xfrm>
+          <a:off x="0" y="0"/>
+          <a:ext cx="0" cy="0"/>
+          <a:chOff x="0" y="0"/>
+          <a:chExt cx="0" cy="0"/>
+        </a:xfrm>
+      </p:grpSpPr>
+      <p:sp>
+        <p:nvSpPr>
+          <p:cNvPr id="2" name="Folienbildplatzhalter 1"/>
+          <p:cNvSpPr>
+            <a:spLocks noGrp="1" noRot="1" noChangeAspect="1"/>
+          </p:cNvSpPr>
+          <p:nvPr>
+            <p:ph type="sldImg"/>
+          </p:nvPr>
+        </p:nvSpPr>
+        <p:spPr/>
+      </p:sp>
+      <p:sp>
+        <p:nvSpPr>
+          <p:cNvPr id="3" name="Notizenplatzhalter 2"/>
+          <p:cNvSpPr>
+            <a:spLocks noGrp="1"/>
+          </p:cNvSpPr>
+          <p:nvPr>
+            <p:ph type="body" idx="1"/>
+          </p:nvPr>
+        </p:nvSpPr>
+        <p:spPr/>
+        <p:txBody>
+          <a:bodyPr/>
+          <a:lstStyle/>
+          <a:p>
+            <a:endParaRPr lang="de-DE" dirty="0"/>
+          </a:p>
+        </p:txBody>
+      </p:sp>
+      <p:sp>
+        <p:nvSpPr>
+          <p:cNvPr id="4" name="Foliennummernplatzhalter 3"/>
+          <p:cNvSpPr>
+            <a:spLocks noGrp="1"/>
+          </p:cNvSpPr>
+          <p:nvPr>
+            <p:ph type="sldNum" sz="quarter" idx="10"/>
+          </p:nvPr>
+        </p:nvSpPr>
+        <p:spPr/>
+        <p:txBody>
+          <a:bodyPr/>
+          <a:lstStyle/>
+          <a:p>
+            <a:fld id="{869E2870-AA96-4A2A-B012-8930BFB0F7BD}" type="slidenum">
+              <a:rPr lang="en-US" smtClean="0"/>
+              <a:pPr/>
+              <a:t>26</a:t>
+            </a:fld>
+            <a:endParaRPr lang="en-US"/>
+          </a:p>
+        </p:txBody>
+      </p:sp>
+    </p:spTree>
+    <p:extLst>
+      <p:ext uri="{BB962C8B-B14F-4D97-AF65-F5344CB8AC3E}">
+        <p14:creationId xmlns:p14="http://schemas.microsoft.com/office/powerpoint/2010/main" val="4119034995"/>
+      </p:ext>
+    </p:extLst>
+  </p:cSld>
+  <p:clrMapOvr>
+    <a:masterClrMapping/>
+  </p:clrMapOvr>
+</p:notes>
+</file>
+
+<file path=ppt/notesSlides/notesSlide23.xml><?xml version="1.0" encoding="utf-8"?>
+<p:notes xmlns:a="http://schemas.openxmlformats.org/drawingml/2006/main" xmlns:r="http://schemas.openxmlformats.org/officeDocument/2006/relationships" xmlns:p="http://schemas.openxmlformats.org/presentationml/2006/main">
+  <p:cSld>
+    <p:spTree>
+      <p:nvGrpSpPr>
+        <p:cNvPr id="1" name=""/>
+        <p:cNvGrpSpPr/>
+        <p:nvPr/>
+      </p:nvGrpSpPr>
+      <p:grpSpPr>
+        <a:xfrm>
+          <a:off x="0" y="0"/>
+          <a:ext cx="0" cy="0"/>
+          <a:chOff x="0" y="0"/>
+          <a:chExt cx="0" cy="0"/>
+        </a:xfrm>
+      </p:grpSpPr>
+      <p:sp>
+        <p:nvSpPr>
+          <p:cNvPr id="2" name="Folienbildplatzhalter 1"/>
+          <p:cNvSpPr>
+            <a:spLocks noGrp="1" noRot="1" noChangeAspect="1"/>
+          </p:cNvSpPr>
+          <p:nvPr>
+            <p:ph type="sldImg"/>
+          </p:nvPr>
+        </p:nvSpPr>
+        <p:spPr/>
+      </p:sp>
+      <p:sp>
+        <p:nvSpPr>
+          <p:cNvPr id="3" name="Notizenplatzhalter 2"/>
+          <p:cNvSpPr>
+            <a:spLocks noGrp="1"/>
+          </p:cNvSpPr>
+          <p:nvPr>
+            <p:ph type="body" idx="1"/>
+          </p:nvPr>
+        </p:nvSpPr>
+        <p:spPr/>
+        <p:txBody>
+          <a:bodyPr/>
+          <a:lstStyle/>
+          <a:p>
+            <a:endParaRPr lang="de-DE" dirty="0"/>
+          </a:p>
+        </p:txBody>
+      </p:sp>
+      <p:sp>
+        <p:nvSpPr>
+          <p:cNvPr id="4" name="Foliennummernplatzhalter 3"/>
+          <p:cNvSpPr>
+            <a:spLocks noGrp="1"/>
+          </p:cNvSpPr>
+          <p:nvPr>
+            <p:ph type="sldNum" sz="quarter" idx="10"/>
+          </p:nvPr>
+        </p:nvSpPr>
+        <p:spPr/>
+        <p:txBody>
+          <a:bodyPr/>
+          <a:lstStyle/>
+          <a:p>
+            <a:fld id="{869E2870-AA96-4A2A-B012-8930BFB0F7BD}" type="slidenum">
+              <a:rPr lang="en-US" smtClean="0"/>
+              <a:pPr/>
+              <a:t>27</a:t>
+            </a:fld>
+            <a:endParaRPr lang="en-US"/>
+          </a:p>
+        </p:txBody>
+      </p:sp>
+    </p:spTree>
+    <p:extLst>
+      <p:ext uri="{BB962C8B-B14F-4D97-AF65-F5344CB8AC3E}">
+        <p14:creationId xmlns:p14="http://schemas.microsoft.com/office/powerpoint/2010/main" val="2967785103"/>
+      </p:ext>
+    </p:extLst>
+  </p:cSld>
+  <p:clrMapOvr>
+    <a:masterClrMapping/>
+  </p:clrMapOvr>
+</p:notes>
+</file>
+
+<file path=ppt/notesSlides/notesSlide24.xml><?xml version="1.0" encoding="utf-8"?>
+<p:notes xmlns:a="http://schemas.openxmlformats.org/drawingml/2006/main" xmlns:r="http://schemas.openxmlformats.org/officeDocument/2006/relationships" xmlns:p="http://schemas.openxmlformats.org/presentationml/2006/main">
+  <p:cSld>
+    <p:spTree>
+      <p:nvGrpSpPr>
+        <p:cNvPr id="1" name=""/>
+        <p:cNvGrpSpPr/>
+        <p:nvPr/>
+      </p:nvGrpSpPr>
+      <p:grpSpPr>
+        <a:xfrm>
+          <a:off x="0" y="0"/>
+          <a:ext cx="0" cy="0"/>
+          <a:chOff x="0" y="0"/>
+          <a:chExt cx="0" cy="0"/>
+        </a:xfrm>
+      </p:grpSpPr>
+      <p:sp>
+        <p:nvSpPr>
+          <p:cNvPr id="2" name="Folienbildplatzhalter 1"/>
+          <p:cNvSpPr>
+            <a:spLocks noGrp="1" noRot="1" noChangeAspect="1"/>
+          </p:cNvSpPr>
+          <p:nvPr>
+            <p:ph type="sldImg"/>
+          </p:nvPr>
+        </p:nvSpPr>
+        <p:spPr/>
+      </p:sp>
+      <p:sp>
+        <p:nvSpPr>
+          <p:cNvPr id="3" name="Notizenplatzhalter 2"/>
+          <p:cNvSpPr>
+            <a:spLocks noGrp="1"/>
+          </p:cNvSpPr>
+          <p:nvPr>
+            <p:ph type="body" idx="1"/>
+          </p:nvPr>
+        </p:nvSpPr>
+        <p:spPr/>
+        <p:txBody>
+          <a:bodyPr/>
+          <a:lstStyle/>
+          <a:p>
+            <a:r>
+              <a:rPr lang="de-DE" dirty="0"/>
+              <a:t>Gewichtete </a:t>
+            </a:r>
+            <a:r>
+              <a:rPr lang="de-DE" dirty="0" err="1"/>
+              <a:t>Hamming</a:t>
+            </a:r>
+            <a:r>
+              <a:rPr lang="de-DE" dirty="0"/>
+              <a:t>-Distanz</a:t>
+            </a:r>
+            <a:r>
+              <a:rPr lang="de-DE" baseline="0" dirty="0"/>
+              <a:t> raus</a:t>
+            </a:r>
+            <a:endParaRPr lang="de-DE" dirty="0"/>
+          </a:p>
+        </p:txBody>
+      </p:sp>
+      <p:sp>
+        <p:nvSpPr>
+          <p:cNvPr id="4" name="Foliennummernplatzhalter 3"/>
+          <p:cNvSpPr>
+            <a:spLocks noGrp="1"/>
+          </p:cNvSpPr>
+          <p:nvPr>
+            <p:ph type="sldNum" sz="quarter" idx="10"/>
+          </p:nvPr>
+        </p:nvSpPr>
+        <p:spPr/>
+        <p:txBody>
+          <a:bodyPr/>
+          <a:lstStyle/>
+          <a:p>
+            <a:fld id="{869E2870-AA96-4A2A-B012-8930BFB0F7BD}" type="slidenum">
+              <a:rPr lang="en-US" smtClean="0"/>
+              <a:pPr/>
               <a:t>28</a:t>
             </a:fld>
             <a:endParaRPr lang="en-US"/>
@@ -6759,7 +7915,7 @@
 </p:notes>
 </file>
 
-<file path=ppt/notesSlides/notesSlide22.xml><?xml version="1.0" encoding="utf-8"?>
+<file path=ppt/notesSlides/notesSlide25.xml><?xml version="1.0" encoding="utf-8"?>
 <p:notes xmlns:a="http://schemas.openxmlformats.org/drawingml/2006/main" xmlns:r="http://schemas.openxmlformats.org/officeDocument/2006/relationships" xmlns:p="http://schemas.openxmlformats.org/presentationml/2006/main">
   <p:cSld>
     <p:spTree>
@@ -6888,58 +8044,6 @@
           <a:bodyPr/>
           <a:lstStyle/>
           <a:p>
-            <a:pPr marL="0" marR="0" lvl="0" indent="0" algn="l" defTabSz="914400" rtl="0" eaLnBrk="1" fontAlgn="auto" latinLnBrk="0" hangingPunct="1">
-              <a:lnSpc>
-                <a:spcPct val="100000"/>
-              </a:lnSpc>
-              <a:spcBef>
-                <a:spcPts val="0"/>
-              </a:spcBef>
-              <a:spcAft>
-                <a:spcPts val="0"/>
-              </a:spcAft>
-              <a:buClrTx/>
-              <a:buSzTx/>
-              <a:buFontTx/>
-              <a:buNone/>
-              <a:tabLst/>
-              <a:defRPr/>
-            </a:pPr>
-            <a:r>
-              <a:rPr lang="de-DE" baseline="0" dirty="0" err="1"/>
-              <a:t>Fuer</a:t>
-            </a:r>
-            <a:r>
-              <a:rPr lang="de-DE" baseline="0" dirty="0"/>
-              <a:t> diese Arbeit wurde der hier am Institut entwickelte ASIP VLIW SIMD Prozessor KAVUVAKA eingesetzt. Dieser Besitzt 2 </a:t>
-            </a:r>
-            <a:r>
-              <a:rPr lang="de-DE" baseline="0" dirty="0" err="1"/>
-              <a:t>Piplinestufen</a:t>
-            </a:r>
-            <a:r>
-              <a:rPr lang="de-DE" baseline="0" dirty="0"/>
-              <a:t> und 2 </a:t>
-            </a:r>
-            <a:r>
-              <a:rPr lang="de-DE" baseline="0" dirty="0" err="1"/>
-              <a:t>Issue</a:t>
-            </a:r>
-            <a:r>
-              <a:rPr lang="de-DE" baseline="0" dirty="0"/>
-              <a:t>-Slots sowie ein 4kB Register-File. Da dieser Prozessor bereits auf in Hardware optimiert ist, befasst sich diese Arbeit mit der Optimierung der Software. Bei der Aufteilung der Gesamtleistung ist auffällig, dass das Register-File mit ca. 65 % den größten Teil des Prozessors ausmacht und demnach für eine Optimierung lukrativ macht. Das Schaubild zeigt hierbei das Register-File welches in zwei Teile geteilt wird um ein Schreiben und Lesen von zwei Instruktionen zeitgleich ermöglicht. Dadurch besitzt das Register sehr viele Adress-Ports. Genau an dieser Stelle soll eine Optimierung der Verlustleistung herbeigeführt werden. Da die Verlustleistung proportional zu den </a:t>
-            </a:r>
-            <a:r>
-              <a:rPr lang="de-DE" baseline="0" dirty="0" err="1"/>
-              <a:t>Schaltaktivitaeten</a:t>
-            </a:r>
-            <a:r>
-              <a:rPr lang="de-DE" baseline="0" dirty="0"/>
-              <a:t> steigt ist eine optimale Adressierung der Register ausschlaggebend für die Verlustleistung des Prozessors.</a:t>
-            </a:r>
-            <a:endParaRPr lang="de-DE" dirty="0"/>
-          </a:p>
-          <a:p>
             <a:endParaRPr lang="de-DE" dirty="0"/>
           </a:p>
         </p:txBody>
@@ -7024,74 +8128,6 @@
         <p:txBody>
           <a:bodyPr/>
           <a:lstStyle/>
-          <a:p>
-            <a:pPr marL="0" marR="0" lvl="0" indent="0" algn="l" defTabSz="914400" rtl="0" eaLnBrk="1" fontAlgn="auto" latinLnBrk="0" hangingPunct="1">
-              <a:lnSpc>
-                <a:spcPct val="100000"/>
-              </a:lnSpc>
-              <a:spcBef>
-                <a:spcPts val="0"/>
-              </a:spcBef>
-              <a:spcAft>
-                <a:spcPts val="0"/>
-              </a:spcAft>
-              <a:buClrTx/>
-              <a:buSzTx/>
-              <a:buFontTx/>
-              <a:buNone/>
-              <a:tabLst/>
-              <a:defRPr/>
-            </a:pPr>
-            <a:r>
-              <a:rPr lang="de-DE" dirty="0"/>
-              <a:t>Um</a:t>
-            </a:r>
-            <a:r>
-              <a:rPr lang="de-DE" baseline="0" dirty="0"/>
-              <a:t> die Adressen frei wählen zu können sind temporäre Register oder auch virtuelle Register genannt nötige. Diese Register können immer dann eingesetzt werden, wenn die Variable nur kurze Zeit im Code existiert und dem Programmierer egal ist wo im Register der Wert abgespeichert wird. Dies wird im Assembler Code mit einem x gekennzeichnet dadurch ist eine Übersichtlichkeit im Code gegeben und die Register-Allokation kann selbst ein freies Register verwenden. Dieser Freiheitsgrad wird in dieser Arbeit ausgenutzt.  Die Beiden Assembler </a:t>
-            </a:r>
-            <a:r>
-              <a:rPr lang="de-DE" baseline="0" dirty="0" err="1"/>
-              <a:t>befehele</a:t>
-            </a:r>
-            <a:r>
-              <a:rPr lang="de-DE" baseline="0" dirty="0"/>
-              <a:t> zeigen den Einsatz eines </a:t>
-            </a:r>
-            <a:r>
-              <a:rPr lang="de-DE" baseline="0" dirty="0" err="1"/>
-              <a:t>sollchen</a:t>
-            </a:r>
-            <a:r>
-              <a:rPr lang="de-DE" baseline="0" dirty="0"/>
-              <a:t> virtuellen Registers. Dort wird eine ADD </a:t>
-            </a:r>
-            <a:r>
-              <a:rPr lang="de-DE" baseline="0" dirty="0" err="1"/>
-              <a:t>operation</a:t>
-            </a:r>
-            <a:r>
-              <a:rPr lang="de-DE" baseline="0" dirty="0"/>
-              <a:t> </a:t>
-            </a:r>
-            <a:r>
-              <a:rPr lang="de-DE" baseline="0" dirty="0" err="1"/>
-              <a:t>ausgefuert</a:t>
-            </a:r>
-            <a:r>
-              <a:rPr lang="de-DE" baseline="0" dirty="0"/>
-              <a:t> und in einem virtuellen Register gespeichert. Nun kann die Register Allokation frei entscheiden wo die Variable allokiert wird. Dabei sind die Adressen gesperrt die bereits von physikalischen Registern belegt sind diese sind hier grau hinterlegt. Aus </a:t>
-            </a:r>
-            <a:r>
-              <a:rPr lang="de-DE" baseline="0" dirty="0" err="1"/>
-              <a:t>uebersichlichkeit</a:t>
-            </a:r>
-            <a:r>
-              <a:rPr lang="de-DE" baseline="0" dirty="0"/>
-              <a:t> soll hier nur ein Register mit 6 Adressen verwendet werden.</a:t>
-            </a:r>
-            <a:endParaRPr lang="de-DE" dirty="0"/>
-          </a:p>
           <a:p>
             <a:endParaRPr lang="de-DE" dirty="0"/>
           </a:p>
@@ -10383,6 +11419,13 @@
   <p:clrMapOvr>
     <a:masterClrMapping/>
   </p:clrMapOvr>
+  <p:timing>
+    <p:tnLst>
+      <p:par>
+        <p:cTn id="1" dur="indefinite" restart="never" nodeType="tmRoot"/>
+      </p:par>
+    </p:tnLst>
+  </p:timing>
 </p:sld>
 </file>
 
@@ -10892,6 +11935,41 @@
           </a:p>
         </p:txBody>
       </p:sp>
+      <p:pic>
+        <p:nvPicPr>
+          <p:cNvPr id="8" name="Grafik 7">
+            <a:extLst>
+              <a:ext uri="{FF2B5EF4-FFF2-40B4-BE49-F238E27FC236}">
+                <a16:creationId xmlns:a16="http://schemas.microsoft.com/office/drawing/2014/main" id="{CF1233BE-38DD-4ABD-9F47-78FFE0583A00}"/>
+              </a:ext>
+            </a:extLst>
+          </p:cNvPr>
+          <p:cNvPicPr>
+            <a:picLocks noChangeAspect="1"/>
+          </p:cNvPicPr>
+          <p:nvPr/>
+        </p:nvPicPr>
+        <p:blipFill rotWithShape="1">
+          <a:blip r:embed="rId3" cstate="print">
+            <a:extLst>
+              <a:ext uri="{28A0092B-C50C-407E-A947-70E740481C1C}">
+                <a14:useLocalDpi xmlns:a14="http://schemas.microsoft.com/office/drawing/2010/main" val="0"/>
+              </a:ext>
+            </a:extLst>
+          </a:blip>
+          <a:srcRect l="34730" t="1843" r="37696" b="-1"/>
+          <a:stretch/>
+        </p:blipFill>
+        <p:spPr>
+          <a:xfrm>
+            <a:off x="6121201" y="757034"/>
+            <a:ext cx="1636118" cy="2566594"/>
+          </a:xfrm>
+          <a:prstGeom prst="rect">
+            <a:avLst/>
+          </a:prstGeom>
+        </p:spPr>
+      </p:pic>
     </p:spTree>
     <p:extLst>
       <p:ext uri="{BB962C8B-B14F-4D97-AF65-F5344CB8AC3E}">
@@ -10910,6 +11988,13 @@
       <p:transition spd="slow" advClick="0" advTm="500"/>
     </mc:Fallback>
   </mc:AlternateContent>
+  <p:timing>
+    <p:tnLst>
+      <p:par>
+        <p:cTn id="1" dur="indefinite" restart="never" nodeType="tmRoot"/>
+      </p:par>
+    </p:tnLst>
+  </p:timing>
 </p:sld>
 </file>
 
@@ -11419,6 +12504,41 @@
           </a:p>
         </p:txBody>
       </p:sp>
+      <p:pic>
+        <p:nvPicPr>
+          <p:cNvPr id="8" name="Grafik 7">
+            <a:extLst>
+              <a:ext uri="{FF2B5EF4-FFF2-40B4-BE49-F238E27FC236}">
+                <a16:creationId xmlns:a16="http://schemas.microsoft.com/office/drawing/2014/main" id="{CF1233BE-38DD-4ABD-9F47-78FFE0583A00}"/>
+              </a:ext>
+            </a:extLst>
+          </p:cNvPr>
+          <p:cNvPicPr>
+            <a:picLocks noChangeAspect="1"/>
+          </p:cNvPicPr>
+          <p:nvPr/>
+        </p:nvPicPr>
+        <p:blipFill rotWithShape="1">
+          <a:blip r:embed="rId3" cstate="print">
+            <a:extLst>
+              <a:ext uri="{28A0092B-C50C-407E-A947-70E740481C1C}">
+                <a14:useLocalDpi xmlns:a14="http://schemas.microsoft.com/office/drawing/2010/main" val="0"/>
+              </a:ext>
+            </a:extLst>
+          </a:blip>
+          <a:srcRect l="34730" t="1843" r="37696" b="-1"/>
+          <a:stretch/>
+        </p:blipFill>
+        <p:spPr>
+          <a:xfrm>
+            <a:off x="6121201" y="757034"/>
+            <a:ext cx="1636118" cy="2566594"/>
+          </a:xfrm>
+          <a:prstGeom prst="rect">
+            <a:avLst/>
+          </a:prstGeom>
+        </p:spPr>
+      </p:pic>
     </p:spTree>
     <p:extLst>
       <p:ext uri="{BB962C8B-B14F-4D97-AF65-F5344CB8AC3E}">
@@ -11437,6 +12557,13 @@
       <p:transition spd="slow" advClick="0" advTm="500"/>
     </mc:Fallback>
   </mc:AlternateContent>
+  <p:timing>
+    <p:tnLst>
+      <p:par>
+        <p:cTn id="1" dur="indefinite" restart="never" nodeType="tmRoot"/>
+      </p:par>
+    </p:tnLst>
+  </p:timing>
 </p:sld>
 </file>
 
@@ -11977,6 +13104,41 @@
           </a:p>
         </p:txBody>
       </p:sp>
+      <p:pic>
+        <p:nvPicPr>
+          <p:cNvPr id="9" name="Grafik 8">
+            <a:extLst>
+              <a:ext uri="{FF2B5EF4-FFF2-40B4-BE49-F238E27FC236}">
+                <a16:creationId xmlns:a16="http://schemas.microsoft.com/office/drawing/2014/main" id="{CF1233BE-38DD-4ABD-9F47-78FFE0583A00}"/>
+              </a:ext>
+            </a:extLst>
+          </p:cNvPr>
+          <p:cNvPicPr>
+            <a:picLocks noChangeAspect="1"/>
+          </p:cNvPicPr>
+          <p:nvPr/>
+        </p:nvPicPr>
+        <p:blipFill rotWithShape="1">
+          <a:blip r:embed="rId3" cstate="print">
+            <a:extLst>
+              <a:ext uri="{28A0092B-C50C-407E-A947-70E740481C1C}">
+                <a14:useLocalDpi xmlns:a14="http://schemas.microsoft.com/office/drawing/2010/main" val="0"/>
+              </a:ext>
+            </a:extLst>
+          </a:blip>
+          <a:srcRect l="34730" t="1843" r="37696" b="-1"/>
+          <a:stretch/>
+        </p:blipFill>
+        <p:spPr>
+          <a:xfrm>
+            <a:off x="6121201" y="757034"/>
+            <a:ext cx="1636118" cy="2566594"/>
+          </a:xfrm>
+          <a:prstGeom prst="rect">
+            <a:avLst/>
+          </a:prstGeom>
+        </p:spPr>
+      </p:pic>
     </p:spTree>
     <p:extLst>
       <p:ext uri="{BB962C8B-B14F-4D97-AF65-F5344CB8AC3E}">
@@ -11987,6 +13149,13 @@
   <p:clrMapOvr>
     <a:masterClrMapping/>
   </p:clrMapOvr>
+  <p:timing>
+    <p:tnLst>
+      <p:par>
+        <p:cTn id="1" dur="indefinite" restart="never" nodeType="tmRoot"/>
+      </p:par>
+    </p:tnLst>
+  </p:timing>
 </p:sld>
 </file>
 
@@ -16682,7 +17851,7 @@
           <p:nvPr/>
         </p:nvPicPr>
         <p:blipFill>
-          <a:blip r:embed="rId2" cstate="print">
+          <a:blip r:embed="rId3" cstate="print">
             <a:extLst>
               <a:ext uri="{28A0092B-C50C-407E-A947-70E740481C1C}">
                 <a14:useLocalDpi xmlns:a14="http://schemas.microsoft.com/office/drawing/2010/main" val="0"/>
@@ -16793,7 +17962,19 @@
               <a:rPr lang="de-DE" dirty="0">
                 <a:latin typeface="+mn-lt"/>
               </a:rPr>
-              <a:t>    VxR1 V1R1 V1R3</a:t>
+              <a:t>    </a:t>
+            </a:r>
+            <a:r>
+              <a:rPr lang="de-DE" dirty="0" smtClean="0">
+                <a:latin typeface="+mn-lt"/>
+              </a:rPr>
+              <a:t>V1R1 VxR0 </a:t>
+            </a:r>
+            <a:r>
+              <a:rPr lang="de-DE" dirty="0">
+                <a:latin typeface="+mn-lt"/>
+              </a:rPr>
+              <a:t>V1R3</a:t>
             </a:r>
           </a:p>
         </p:txBody>
@@ -16808,6 +17989,13 @@
   <p:clrMapOvr>
     <a:masterClrMapping/>
   </p:clrMapOvr>
+  <p:timing>
+    <p:tnLst>
+      <p:par>
+        <p:cTn id="1" dur="indefinite" restart="never" nodeType="tmRoot"/>
+      </p:par>
+    </p:tnLst>
+  </p:timing>
 </p:sld>
 </file>
 
@@ -17103,7 +18291,7 @@
       </p:cxnSp>
       <p:sp>
         <p:nvSpPr>
-          <p:cNvPr id="21" name="Abgerundetes Rechteck 20"/>
+          <p:cNvPr id="16" name="Abgerundetes Rechteck 15"/>
           <p:cNvSpPr/>
           <p:nvPr/>
         </p:nvSpPr>
@@ -17162,7 +18350,7 @@
                   <a:schemeClr val="bg1"/>
                 </a:solidFill>
                 <a:effectLst/>
-                <a:latin typeface="Arial" charset="0"/>
+                <a:latin typeface="+mn-lt"/>
                 <a:ea typeface="ＭＳ Ｐゴシック" pitchFamily="1" charset="-128"/>
               </a:rPr>
               <a:t>Initialisierung </a:t>
@@ -17172,7 +18360,7 @@
       </p:sp>
       <p:sp>
         <p:nvSpPr>
-          <p:cNvPr id="22" name="Abgerundetes Rechteck 21"/>
+          <p:cNvPr id="17" name="Abgerundetes Rechteck 16"/>
           <p:cNvSpPr/>
           <p:nvPr/>
         </p:nvSpPr>
@@ -17231,7 +18419,7 @@
                   <a:schemeClr val="bg1"/>
                 </a:solidFill>
                 <a:effectLst/>
-                <a:latin typeface="Arial" charset="0"/>
+                <a:latin typeface="+mn-lt"/>
                 <a:ea typeface="ＭＳ Ｐゴシック" pitchFamily="1" charset="-128"/>
               </a:rPr>
               <a:t>Crossover </a:t>
@@ -17241,7 +18429,7 @@
       </p:sp>
       <p:sp>
         <p:nvSpPr>
-          <p:cNvPr id="23" name="Abgerundetes Rechteck 22"/>
+          <p:cNvPr id="18" name="Abgerundetes Rechteck 17"/>
           <p:cNvSpPr/>
           <p:nvPr/>
         </p:nvSpPr>
@@ -17300,7 +18488,7 @@
                   <a:schemeClr val="bg1"/>
                 </a:solidFill>
                 <a:effectLst/>
-                <a:latin typeface="Arial" charset="0"/>
+                <a:latin typeface="+mn-lt"/>
                 <a:ea typeface="ＭＳ Ｐゴシック" pitchFamily="1" charset="-128"/>
               </a:rPr>
               <a:t>Mutieren </a:t>
@@ -17310,7 +18498,7 @@
       </p:sp>
       <p:sp>
         <p:nvSpPr>
-          <p:cNvPr id="24" name="Abgerundetes Rechteck 23"/>
+          <p:cNvPr id="19" name="Abgerundetes Rechteck 18"/>
           <p:cNvSpPr/>
           <p:nvPr/>
         </p:nvSpPr>
@@ -17369,7 +18557,7 @@
                   <a:schemeClr val="bg1"/>
                 </a:solidFill>
                 <a:effectLst/>
-                <a:latin typeface="Arial" charset="0"/>
+                <a:latin typeface="+mn-lt"/>
                 <a:ea typeface="ＭＳ Ｐゴシック" pitchFamily="1" charset="-128"/>
               </a:rPr>
               <a:t>Bewerten </a:t>
@@ -17379,7 +18567,7 @@
       </p:sp>
       <p:sp>
         <p:nvSpPr>
-          <p:cNvPr id="25" name="Abgerundetes Rechteck 24"/>
+          <p:cNvPr id="20" name="Abgerundetes Rechteck 19"/>
           <p:cNvSpPr/>
           <p:nvPr/>
         </p:nvSpPr>
@@ -17434,6 +18622,7 @@
                 <a:solidFill>
                   <a:schemeClr val="bg1"/>
                 </a:solidFill>
+                <a:latin typeface="+mn-lt"/>
                 <a:ea typeface="ＭＳ Ｐゴシック" pitchFamily="1" charset="-128"/>
               </a:rPr>
               <a:t> Register Allokation</a:t>
@@ -17447,7 +18636,7 @@
                   <a:schemeClr val="bg1"/>
                 </a:solidFill>
                 <a:effectLst/>
-                <a:latin typeface="Arial" charset="0"/>
+                <a:latin typeface="+mn-lt"/>
                 <a:ea typeface="ＭＳ Ｐゴシック" pitchFamily="1" charset="-128"/>
               </a:rPr>
               <a:t> </a:t>
@@ -17457,10 +18646,10 @@
       </p:sp>
       <p:cxnSp>
         <p:nvCxnSpPr>
-          <p:cNvPr id="26" name="Gerade Verbindung mit Pfeil 25"/>
+          <p:cNvPr id="31" name="Gerade Verbindung mit Pfeil 30"/>
           <p:cNvCxnSpPr>
-            <a:stCxn id="24" idx="2"/>
-            <a:endCxn id="25" idx="0"/>
+            <a:stCxn id="19" idx="2"/>
+            <a:endCxn id="20" idx="0"/>
           </p:cNvCxnSpPr>
           <p:nvPr/>
         </p:nvCxnSpPr>
@@ -17489,10 +18678,10 @@
       </p:cxnSp>
       <p:cxnSp>
         <p:nvCxnSpPr>
-          <p:cNvPr id="27" name="Gerade Verbindung mit Pfeil 26"/>
+          <p:cNvPr id="32" name="Gerade Verbindung mit Pfeil 31"/>
           <p:cNvCxnSpPr>
-            <a:stCxn id="21" idx="2"/>
-            <a:endCxn id="22" idx="0"/>
+            <a:stCxn id="16" idx="2"/>
+            <a:endCxn id="17" idx="0"/>
           </p:cNvCxnSpPr>
           <p:nvPr/>
         </p:nvCxnSpPr>
@@ -17521,10 +18710,10 @@
       </p:cxnSp>
       <p:cxnSp>
         <p:nvCxnSpPr>
-          <p:cNvPr id="28" name="Gerade Verbindung mit Pfeil 27"/>
+          <p:cNvPr id="33" name="Gerade Verbindung mit Pfeil 32"/>
           <p:cNvCxnSpPr>
-            <a:stCxn id="22" idx="2"/>
-            <a:endCxn id="23" idx="0"/>
+            <a:stCxn id="17" idx="2"/>
+            <a:endCxn id="18" idx="0"/>
           </p:cNvCxnSpPr>
           <p:nvPr/>
         </p:nvCxnSpPr>
@@ -17553,10 +18742,10 @@
       </p:cxnSp>
       <p:cxnSp>
         <p:nvCxnSpPr>
-          <p:cNvPr id="29" name="Gerade Verbindung mit Pfeil 28"/>
+          <p:cNvPr id="34" name="Gerade Verbindung mit Pfeil 33"/>
           <p:cNvCxnSpPr>
-            <a:stCxn id="23" idx="2"/>
-            <a:endCxn id="24" idx="0"/>
+            <a:stCxn id="18" idx="2"/>
+            <a:endCxn id="19" idx="0"/>
           </p:cNvCxnSpPr>
           <p:nvPr/>
         </p:nvCxnSpPr>
@@ -17585,10 +18774,10 @@
       </p:cxnSp>
       <p:cxnSp>
         <p:nvCxnSpPr>
-          <p:cNvPr id="30" name="Gewinkelter Verbinder 29"/>
+          <p:cNvPr id="35" name="Gewinkelter Verbinder 34"/>
           <p:cNvCxnSpPr>
-            <a:stCxn id="24" idx="1"/>
-            <a:endCxn id="22" idx="1"/>
+            <a:stCxn id="19" idx="1"/>
+            <a:endCxn id="17" idx="1"/>
           </p:cNvCxnSpPr>
           <p:nvPr/>
         </p:nvCxnSpPr>
@@ -17627,6 +18816,13 @@
   <p:clrMapOvr>
     <a:masterClrMapping/>
   </p:clrMapOvr>
+  <p:timing>
+    <p:tnLst>
+      <p:par>
+        <p:cTn id="1" dur="indefinite" restart="never" nodeType="tmRoot"/>
+      </p:par>
+    </p:tnLst>
+  </p:timing>
 </p:sld>
 </file>
 
@@ -17668,9 +18864,10 @@
           <a:lstStyle/>
           <a:p>
             <a:r>
-              <a:rPr lang="de-DE" dirty="0"/>
+              <a:rPr lang="de-DE" dirty="0" smtClean="0"/>
               <a:t>Mutation</a:t>
             </a:r>
+            <a:endParaRPr lang="de-DE" dirty="0"/>
           </a:p>
           <a:p>
             <a:pPr marL="0" indent="0">
@@ -17682,21 +18879,15 @@
                   <a:schemeClr val="accent1"/>
                 </a:solidFill>
               </a:rPr>
-              <a:t> V0R3 | V0R9 | V1R18 V1R5</a:t>
+              <a:t> </a:t>
             </a:r>
             <a:r>
               <a:rPr lang="de-DE" sz="1800" dirty="0">
                 <a:solidFill>
-                  <a:srgbClr val="92D050"/>
+                  <a:srgbClr val="00509B"/>
                 </a:solidFill>
               </a:rPr>
-              <a:t> </a:t>
-            </a:r>
-            <a:r>
-              <a:rPr lang="de-DE" dirty="0">
-                <a:sym typeface="Wingdings" panose="05000000000000000000" pitchFamily="2" charset="2"/>
-              </a:rPr>
-              <a:t> </a:t>
+              <a:t>V1R31 | </a:t>
             </a:r>
             <a:r>
               <a:rPr lang="de-DE" sz="1800" dirty="0">
@@ -17704,7 +18895,37 @@
                   <a:schemeClr val="accent1"/>
                 </a:solidFill>
               </a:rPr>
-              <a:t>V0R3 | </a:t>
+              <a:t>V0R9 | V1R18 </a:t>
+            </a:r>
+            <a:r>
+              <a:rPr lang="de-DE" sz="1800" dirty="0" smtClean="0">
+                <a:solidFill>
+                  <a:schemeClr val="accent1"/>
+                </a:solidFill>
+              </a:rPr>
+              <a:t>V1R5</a:t>
+            </a:r>
+            <a:r>
+              <a:rPr lang="de-DE" dirty="0" smtClean="0">
+                <a:sym typeface="Wingdings" panose="05000000000000000000" pitchFamily="2" charset="2"/>
+              </a:rPr>
+              <a:t> </a:t>
+            </a:r>
+            <a:r>
+              <a:rPr lang="de-DE" sz="1800" dirty="0" smtClean="0">
+                <a:solidFill>
+                  <a:schemeClr val="accent1"/>
+                </a:solidFill>
+              </a:rPr>
+              <a:t>V1R31 </a:t>
+            </a:r>
+            <a:r>
+              <a:rPr lang="de-DE" sz="1800" dirty="0">
+                <a:solidFill>
+                  <a:schemeClr val="accent1"/>
+                </a:solidFill>
+              </a:rPr>
+              <a:t>| </a:t>
             </a:r>
             <a:r>
               <a:rPr lang="de-DE" sz="1800" dirty="0">
@@ -17720,7 +18941,15 @@
                   <a:schemeClr val="accent1"/>
                 </a:solidFill>
               </a:rPr>
-              <a:t> | V1R18 V1R5</a:t>
+              <a:t> | V1R18 </a:t>
+            </a:r>
+            <a:r>
+              <a:rPr lang="de-DE" sz="1800" dirty="0" smtClean="0">
+                <a:solidFill>
+                  <a:schemeClr val="accent1"/>
+                </a:solidFill>
+              </a:rPr>
+              <a:t>V1R5</a:t>
             </a:r>
             <a:endParaRPr lang="de-DE" dirty="0">
               <a:solidFill>
@@ -17763,32 +18992,41 @@
               <a:t>Hamming</a:t>
             </a:r>
             <a:r>
-              <a:rPr lang="de-DE"/>
-              <a:t>-Distanz</a:t>
-            </a:r>
-            <a:endParaRPr lang="de-DE" dirty="0"/>
-          </a:p>
-          <a:p>
-            <a:pPr lvl="2"/>
-            <a:r>
-              <a:rPr lang="de-DE" dirty="0"/>
-              <a:t>Gewichtete </a:t>
-            </a:r>
-            <a:r>
-              <a:rPr lang="de-DE" dirty="0" err="1"/>
-              <a:t>Hamming</a:t>
-            </a:r>
-            <a:r>
               <a:rPr lang="de-DE" dirty="0"/>
               <a:t>-Distanz</a:t>
             </a:r>
           </a:p>
           <a:p>
+            <a:r>
+              <a:rPr lang="de-DE" dirty="0" smtClean="0">
+                <a:sym typeface="Wingdings" panose="05000000000000000000" pitchFamily="2" charset="2"/>
+              </a:rPr>
+              <a:t>Startchromosom durch Heuristik</a:t>
+            </a:r>
+          </a:p>
+          <a:p>
+            <a:endParaRPr lang="de-DE" dirty="0" smtClean="0">
+              <a:sym typeface="Wingdings" panose="05000000000000000000" pitchFamily="2" charset="2"/>
+            </a:endParaRPr>
+          </a:p>
+          <a:p>
+            <a:pPr marL="0" indent="0">
+              <a:buNone/>
+            </a:pPr>
+            <a:r>
+              <a:rPr lang="de-DE" dirty="0" smtClean="0">
+                <a:solidFill>
+                  <a:schemeClr val="bg2"/>
+                </a:solidFill>
+                <a:sym typeface="Wingdings" panose="05000000000000000000" pitchFamily="2" charset="2"/>
+              </a:rPr>
+              <a:t> </a:t>
+            </a:r>
             <a:r>
               <a:rPr lang="de-DE" dirty="0">
                 <a:sym typeface="Wingdings" panose="05000000000000000000" pitchFamily="2" charset="2"/>
               </a:rPr>
-              <a:t> Verlustleistungsoptimierte</a:t>
+              <a:t>Verlustleistungsoptimierte</a:t>
             </a:r>
             <a:br>
               <a:rPr lang="de-DE" dirty="0">
@@ -17796,11 +19034,14 @@
               </a:rPr>
             </a:br>
             <a:r>
-              <a:rPr lang="de-DE" dirty="0">
+              <a:rPr lang="de-DE" dirty="0" smtClean="0">
                 <a:sym typeface="Wingdings" panose="05000000000000000000" pitchFamily="2" charset="2"/>
               </a:rPr>
-              <a:t>Register-Allokation</a:t>
-            </a:r>
+              <a:t>	Register-Allokation</a:t>
+            </a:r>
+            <a:endParaRPr lang="de-DE" dirty="0">
+              <a:sym typeface="Wingdings" panose="05000000000000000000" pitchFamily="2" charset="2"/>
+            </a:endParaRPr>
           </a:p>
         </p:txBody>
       </p:sp>
@@ -17887,7 +19128,7 @@
                   <a:schemeClr val="bg1"/>
                 </a:solidFill>
                 <a:effectLst/>
-                <a:latin typeface="Arial" charset="0"/>
+                <a:latin typeface="+mn-lt"/>
                 <a:ea typeface="ＭＳ Ｐゴシック" pitchFamily="1" charset="-128"/>
               </a:rPr>
               <a:t>Initialisierung </a:t>
@@ -17956,7 +19197,7 @@
                   <a:schemeClr val="bg1"/>
                 </a:solidFill>
                 <a:effectLst/>
-                <a:latin typeface="Arial" charset="0"/>
+                <a:latin typeface="+mn-lt"/>
                 <a:ea typeface="ＭＳ Ｐゴシック" pitchFamily="1" charset="-128"/>
               </a:rPr>
               <a:t>Crossover </a:t>
@@ -18025,7 +19266,7 @@
                   <a:schemeClr val="bg1"/>
                 </a:solidFill>
                 <a:effectLst/>
-                <a:latin typeface="Arial" charset="0"/>
+                <a:latin typeface="+mn-lt"/>
                 <a:ea typeface="ＭＳ Ｐゴシック" pitchFamily="1" charset="-128"/>
               </a:rPr>
               <a:t>Mutieren </a:t>
@@ -18094,7 +19335,7 @@
                   <a:schemeClr val="bg1"/>
                 </a:solidFill>
                 <a:effectLst/>
-                <a:latin typeface="Arial" charset="0"/>
+                <a:latin typeface="+mn-lt"/>
                 <a:ea typeface="ＭＳ Ｐゴシック" pitchFamily="1" charset="-128"/>
               </a:rPr>
               <a:t>Bewerten </a:t>
@@ -18159,6 +19400,7 @@
                 <a:solidFill>
                   <a:schemeClr val="bg1"/>
                 </a:solidFill>
+                <a:latin typeface="+mn-lt"/>
                 <a:ea typeface="ＭＳ Ｐゴシック" pitchFamily="1" charset="-128"/>
               </a:rPr>
               <a:t> Register Allokation</a:t>
@@ -18172,7 +19414,7 @@
                   <a:schemeClr val="bg1"/>
                 </a:solidFill>
                 <a:effectLst/>
-                <a:latin typeface="Arial" charset="0"/>
+                <a:latin typeface="+mn-lt"/>
                 <a:ea typeface="ＭＳ Ｐゴシック" pitchFamily="1" charset="-128"/>
               </a:rPr>
               <a:t> </a:t>
@@ -18326,6 +19568,118 @@
             <a:avLst>
               <a:gd name="adj1" fmla="val 4054543"/>
             </a:avLst>
+          </a:prstGeom>
+          <a:solidFill>
+            <a:schemeClr val="accent1"/>
+          </a:solidFill>
+          <a:ln w="9525" cap="flat" cmpd="sng" algn="ctr">
+            <a:solidFill>
+              <a:schemeClr val="tx1"/>
+            </a:solidFill>
+            <a:prstDash val="solid"/>
+            <a:round/>
+            <a:headEnd type="none" w="med" len="med"/>
+            <a:tailEnd type="triangle"/>
+          </a:ln>
+          <a:effectLst/>
+        </p:spPr>
+      </p:cxnSp>
+      <p:sp>
+        <p:nvSpPr>
+          <p:cNvPr id="14" name="Abgerundetes Rechteck 13"/>
+          <p:cNvSpPr/>
+          <p:nvPr/>
+        </p:nvSpPr>
+        <p:spPr bwMode="auto">
+          <a:xfrm>
+            <a:off x="4624750" y="1709301"/>
+            <a:ext cx="1556471" cy="378691"/>
+          </a:xfrm>
+          <a:prstGeom prst="roundRect">
+            <a:avLst/>
+          </a:prstGeom>
+          <a:solidFill>
+            <a:schemeClr val="accent1"/>
+          </a:solidFill>
+          <a:ln w="9525" cap="flat" cmpd="sng" algn="ctr">
+            <a:solidFill>
+              <a:schemeClr val="tx1"/>
+            </a:solidFill>
+            <a:prstDash val="solid"/>
+            <a:round/>
+            <a:headEnd type="none" w="med" len="med"/>
+            <a:tailEnd type="none" w="med" len="med"/>
+          </a:ln>
+          <a:effectLst/>
+        </p:spPr>
+        <p:txBody>
+          <a:bodyPr vert="horz" wrap="square" lIns="91440" tIns="45720" rIns="91440" bIns="45720" numCol="1" rtlCol="0" anchor="ctr" anchorCtr="0" compatLnSpc="1">
+            <a:prstTxWarp prst="textNoShape">
+              <a:avLst/>
+            </a:prstTxWarp>
+          </a:bodyPr>
+          <a:lstStyle/>
+          <a:p>
+            <a:pPr marL="0" marR="0" indent="0" algn="ctr" defTabSz="914400" rtl="0" eaLnBrk="0" fontAlgn="base" latinLnBrk="0" hangingPunct="0">
+              <a:lnSpc>
+                <a:spcPct val="100000"/>
+              </a:lnSpc>
+              <a:spcBef>
+                <a:spcPct val="0"/>
+              </a:spcBef>
+              <a:spcAft>
+                <a:spcPct val="0"/>
+              </a:spcAft>
+              <a:buClrTx/>
+              <a:buSzTx/>
+              <a:buFontTx/>
+              <a:buNone/>
+              <a:tabLst/>
+            </a:pPr>
+            <a:r>
+              <a:rPr kumimoji="0" lang="de-DE" sz="1800" b="0" i="0" u="none" strike="noStrike" cap="none" normalizeH="0" baseline="0" dirty="0" smtClean="0">
+                <a:ln>
+                  <a:noFill/>
+                </a:ln>
+                <a:solidFill>
+                  <a:schemeClr val="bg1"/>
+                </a:solidFill>
+                <a:effectLst/>
+                <a:latin typeface="+mn-lt"/>
+                <a:ea typeface="ＭＳ Ｐゴシック" pitchFamily="1" charset="-128"/>
+              </a:rPr>
+              <a:t>Heuristik </a:t>
+            </a:r>
+            <a:endParaRPr kumimoji="0" lang="de-DE" sz="1800" b="0" i="0" u="none" strike="noStrike" cap="none" normalizeH="0" baseline="0" dirty="0">
+              <a:ln>
+                <a:noFill/>
+              </a:ln>
+              <a:solidFill>
+                <a:schemeClr val="bg1"/>
+              </a:solidFill>
+              <a:effectLst/>
+              <a:latin typeface="+mn-lt"/>
+              <a:ea typeface="ＭＳ Ｐゴシック" pitchFamily="1" charset="-128"/>
+            </a:endParaRPr>
+          </a:p>
+        </p:txBody>
+      </p:sp>
+      <p:cxnSp>
+        <p:nvCxnSpPr>
+          <p:cNvPr id="11" name="Gerade Verbindung mit Pfeil 10"/>
+          <p:cNvCxnSpPr>
+            <a:stCxn id="14" idx="3"/>
+            <a:endCxn id="4" idx="1"/>
+          </p:cNvCxnSpPr>
+          <p:nvPr/>
+        </p:nvCxnSpPr>
+        <p:spPr bwMode="auto">
+          <a:xfrm>
+            <a:off x="6181221" y="1898647"/>
+            <a:ext cx="778234" cy="0"/>
+          </a:xfrm>
+          <a:prstGeom prst="straightConnector1">
+            <a:avLst/>
           </a:prstGeom>
           <a:solidFill>
             <a:schemeClr val="accent1"/>
@@ -18576,15 +19930,33 @@
                                   </p:childTnLst>
                                 </p:cTn>
                               </p:par>
+                            </p:childTnLst>
+                          </p:cTn>
+                        </p:par>
+                      </p:childTnLst>
+                    </p:cTn>
+                  </p:par>
+                  <p:par>
+                    <p:cTn id="19" fill="hold">
+                      <p:stCondLst>
+                        <p:cond delay="indefinite"/>
+                      </p:stCondLst>
+                      <p:childTnLst>
+                        <p:par>
+                          <p:cTn id="20" fill="hold">
+                            <p:stCondLst>
+                              <p:cond delay="0"/>
+                            </p:stCondLst>
+                            <p:childTnLst>
                               <p:par>
-                                <p:cTn id="19" presetID="1" presetClass="entr" presetSubtype="0" fill="hold" nodeType="withEffect">
+                                <p:cTn id="21" presetID="1" presetClass="entr" presetSubtype="0" fill="hold" nodeType="clickEffect">
                                   <p:stCondLst>
                                     <p:cond delay="0"/>
                                   </p:stCondLst>
                                   <p:childTnLst>
                                     <p:set>
                                       <p:cBhvr>
-                                        <p:cTn id="20" dur="1" fill="hold">
+                                        <p:cTn id="22" dur="1" fill="hold">
                                           <p:stCondLst>
                                             <p:cond delay="0"/>
                                           </p:stCondLst>
@@ -18608,14 +19980,86 @@
                                 </p:cTn>
                               </p:par>
                               <p:par>
-                                <p:cTn id="21" presetID="1" presetClass="entr" presetSubtype="0" fill="hold" nodeType="withEffect">
+                                <p:cTn id="23" presetID="1" presetClass="entr" presetSubtype="0" fill="hold" grpId="0" nodeType="withEffect">
                                   <p:stCondLst>
                                     <p:cond delay="0"/>
                                   </p:stCondLst>
                                   <p:childTnLst>
                                     <p:set>
                                       <p:cBhvr>
-                                        <p:cTn id="22" dur="1" fill="hold">
+                                        <p:cTn id="24" dur="1" fill="hold">
+                                          <p:stCondLst>
+                                            <p:cond delay="0"/>
+                                          </p:stCondLst>
+                                        </p:cTn>
+                                        <p:tgtEl>
+                                          <p:spTgt spid="14"/>
+                                        </p:tgtEl>
+                                        <p:attrNameLst>
+                                          <p:attrName>style.visibility</p:attrName>
+                                        </p:attrNameLst>
+                                      </p:cBhvr>
+                                      <p:to>
+                                        <p:strVal val="visible"/>
+                                      </p:to>
+                                    </p:set>
+                                  </p:childTnLst>
+                                </p:cTn>
+                              </p:par>
+                              <p:par>
+                                <p:cTn id="25" presetID="1" presetClass="entr" presetSubtype="0" fill="hold" nodeType="withEffect">
+                                  <p:stCondLst>
+                                    <p:cond delay="0"/>
+                                  </p:stCondLst>
+                                  <p:childTnLst>
+                                    <p:set>
+                                      <p:cBhvr>
+                                        <p:cTn id="26" dur="1" fill="hold">
+                                          <p:stCondLst>
+                                            <p:cond delay="0"/>
+                                          </p:stCondLst>
+                                        </p:cTn>
+                                        <p:tgtEl>
+                                          <p:spTgt spid="11"/>
+                                        </p:tgtEl>
+                                        <p:attrNameLst>
+                                          <p:attrName>style.visibility</p:attrName>
+                                        </p:attrNameLst>
+                                      </p:cBhvr>
+                                      <p:to>
+                                        <p:strVal val="visible"/>
+                                      </p:to>
+                                    </p:set>
+                                  </p:childTnLst>
+                                </p:cTn>
+                              </p:par>
+                            </p:childTnLst>
+                          </p:cTn>
+                        </p:par>
+                      </p:childTnLst>
+                    </p:cTn>
+                  </p:par>
+                  <p:par>
+                    <p:cTn id="27" fill="hold">
+                      <p:stCondLst>
+                        <p:cond delay="indefinite"/>
+                      </p:stCondLst>
+                      <p:childTnLst>
+                        <p:par>
+                          <p:cTn id="28" fill="hold">
+                            <p:stCondLst>
+                              <p:cond delay="0"/>
+                            </p:stCondLst>
+                            <p:childTnLst>
+                              <p:par>
+                                <p:cTn id="29" presetID="1" presetClass="entr" presetSubtype="0" fill="hold" nodeType="clickEffect">
+                                  <p:stCondLst>
+                                    <p:cond delay="0"/>
+                                  </p:stCondLst>
+                                  <p:childTnLst>
+                                    <p:set>
+                                      <p:cBhvr>
+                                        <p:cTn id="30" dur="1" fill="hold">
                                           <p:stCondLst>
                                             <p:cond delay="0"/>
                                           </p:stCondLst>
@@ -18623,7 +20067,7 @@
                                         <p:tgtEl>
                                           <p:spTgt spid="2">
                                             <p:txEl>
-                                              <p:pRg st="7" end="7"/>
+                                              <p:pRg st="8" end="8"/>
                                             </p:txEl>
                                           </p:spTgt>
                                         </p:tgtEl>
@@ -18665,6 +20109,9 @@
         </p:cTn>
       </p:par>
     </p:tnLst>
+    <p:bldLst>
+      <p:bldP spid="14" grpId="0" animBg="1"/>
+    </p:bldLst>
   </p:timing>
 </p:sld>
 </file>
@@ -18714,13 +20161,10 @@
           </a:p>
           <a:p>
             <a:r>
-              <a:rPr lang="de-DE" dirty="0" err="1"/>
-              <a:t>Scheduling</a:t>
-            </a:r>
-            <a:r>
-              <a:rPr lang="de-DE" dirty="0"/>
-              <a:t> + Register-Allokation</a:t>
-            </a:r>
+              <a:rPr lang="de-DE" dirty="0" smtClean="0"/>
+              <a:t>Register-Allokation</a:t>
+            </a:r>
+            <a:endParaRPr lang="de-DE" dirty="0"/>
           </a:p>
           <a:p>
             <a:r>
@@ -18792,6 +20236,13 @@
   <p:clrMapOvr>
     <a:masterClrMapping/>
   </p:clrMapOvr>
+  <p:timing>
+    <p:tnLst>
+      <p:par>
+        <p:cTn id="1" dur="indefinite" restart="never" nodeType="tmRoot"/>
+      </p:par>
+    </p:tnLst>
+  </p:timing>
 </p:sld>
 </file>
 
@@ -18814,59 +20265,6 @@
       </p:grpSpPr>
       <p:sp>
         <p:nvSpPr>
-          <p:cNvPr id="2" name="Inhaltsplatzhalter 1"/>
-          <p:cNvSpPr>
-            <a:spLocks noGrp="1"/>
-          </p:cNvSpPr>
-          <p:nvPr>
-            <p:ph idx="1"/>
-          </p:nvPr>
-        </p:nvSpPr>
-        <p:spPr>
-          <a:xfrm>
-            <a:off x="503238" y="2506467"/>
-            <a:ext cx="3243262" cy="3818133"/>
-          </a:xfrm>
-        </p:spPr>
-        <p:txBody>
-          <a:bodyPr/>
-          <a:lstStyle/>
-          <a:p>
-            <a:r>
-              <a:rPr lang="en-US" dirty="0" err="1"/>
-              <a:t>Ausgabe</a:t>
-            </a:r>
-            <a:r>
-              <a:rPr lang="en-US" dirty="0"/>
-              <a:t> des Tools</a:t>
-            </a:r>
-          </a:p>
-          <a:p>
-            <a:pPr lvl="1"/>
-            <a:r>
-              <a:rPr lang="en-US" dirty="0"/>
-              <a:t>Internal</a:t>
-            </a:r>
-          </a:p>
-          <a:p>
-            <a:pPr lvl="1"/>
-            <a:r>
-              <a:rPr lang="en-US" dirty="0"/>
-              <a:t>Switching</a:t>
-            </a:r>
-          </a:p>
-          <a:p>
-            <a:pPr lvl="1"/>
-            <a:r>
-              <a:rPr lang="en-US" dirty="0"/>
-              <a:t>Leakage</a:t>
-            </a:r>
-            <a:endParaRPr lang="de-DE" dirty="0"/>
-          </a:p>
-        </p:txBody>
-      </p:sp>
-      <p:sp>
-        <p:nvSpPr>
           <p:cNvPr id="3" name="Titel 2"/>
           <p:cNvSpPr>
             <a:spLocks noGrp="1"/>
@@ -18887,60 +20285,184 @@
           </a:p>
         </p:txBody>
       </p:sp>
-      <p:sp>
-        <p:nvSpPr>
-          <p:cNvPr id="5" name="Rechteck: abgerundete Ecken 4"/>
-          <p:cNvSpPr/>
+      <p:grpSp>
+        <p:nvGrpSpPr>
+          <p:cNvPr id="9" name="Gruppieren 8"/>
+          <p:cNvGrpSpPr/>
           <p:nvPr/>
-        </p:nvSpPr>
-        <p:spPr bwMode="auto">
+        </p:nvGrpSpPr>
+        <p:grpSpPr>
           <a:xfrm>
-            <a:off x="3971636" y="1853205"/>
-            <a:ext cx="1341589" cy="527663"/>
+            <a:off x="1451852" y="1734904"/>
+            <a:ext cx="5289884" cy="4087827"/>
+            <a:chOff x="3283557" y="1790322"/>
+            <a:chExt cx="5289884" cy="4087827"/>
           </a:xfrm>
-          <a:prstGeom prst="roundRect">
-            <a:avLst/>
-          </a:prstGeom>
-          <a:solidFill>
-            <a:schemeClr val="accent1"/>
-          </a:solidFill>
-          <a:ln w="9525" cap="flat" cmpd="sng" algn="ctr">
+        </p:grpSpPr>
+        <p:sp>
+          <p:nvSpPr>
+            <p:cNvPr id="5" name="Rechteck: abgerundete Ecken 4"/>
+            <p:cNvSpPr/>
+            <p:nvPr/>
+          </p:nvSpPr>
+          <p:spPr bwMode="auto">
+            <a:xfrm>
+              <a:off x="3660312" y="1797914"/>
+              <a:ext cx="1584000" cy="527663"/>
+            </a:xfrm>
+            <a:prstGeom prst="roundRect">
+              <a:avLst/>
+            </a:prstGeom>
             <a:solidFill>
-              <a:schemeClr val="tx1"/>
+              <a:schemeClr val="accent1"/>
             </a:solidFill>
-            <a:prstDash val="solid"/>
-            <a:round/>
-            <a:headEnd type="none" w="med" len="med"/>
-            <a:tailEnd type="none" w="med" len="med"/>
-          </a:ln>
-          <a:effectLst/>
-        </p:spPr>
-        <p:txBody>
-          <a:bodyPr vert="horz" wrap="square" lIns="91440" tIns="45720" rIns="91440" bIns="45720" numCol="1" rtlCol="0" anchor="ctr" anchorCtr="0" compatLnSpc="1">
-            <a:prstTxWarp prst="textNoShape">
+            <a:ln w="9525" cap="flat" cmpd="sng" algn="ctr">
+              <a:solidFill>
+                <a:schemeClr val="tx1"/>
+              </a:solidFill>
+              <a:prstDash val="solid"/>
+              <a:round/>
+              <a:headEnd type="none" w="med" len="med"/>
+              <a:tailEnd type="none" w="med" len="med"/>
+            </a:ln>
+            <a:effectLst/>
+          </p:spPr>
+          <p:txBody>
+            <a:bodyPr vert="horz" wrap="square" lIns="91440" tIns="45720" rIns="91440" bIns="45720" numCol="1" rtlCol="0" anchor="ctr" anchorCtr="0" compatLnSpc="1">
+              <a:prstTxWarp prst="textNoShape">
+                <a:avLst/>
+              </a:prstTxWarp>
+            </a:bodyPr>
+            <a:lstStyle/>
+            <a:p>
+              <a:pPr marL="0" marR="0" indent="0" algn="ctr" defTabSz="914400" rtl="0" eaLnBrk="0" fontAlgn="base" latinLnBrk="0" hangingPunct="0">
+                <a:lnSpc>
+                  <a:spcPct val="100000"/>
+                </a:lnSpc>
+                <a:spcBef>
+                  <a:spcPct val="0"/>
+                </a:spcBef>
+                <a:spcAft>
+                  <a:spcPct val="0"/>
+                </a:spcAft>
+                <a:buClrTx/>
+                <a:buSzTx/>
+                <a:buFontTx/>
+                <a:buNone/>
+                <a:tabLst/>
+              </a:pPr>
+              <a:r>
+                <a:rPr kumimoji="0" lang="de-DE" sz="1400" b="0" i="0" u="none" strike="noStrike" cap="none" normalizeH="0" baseline="0" dirty="0">
+                  <a:ln>
+                    <a:noFill/>
+                  </a:ln>
+                  <a:solidFill>
+                    <a:schemeClr val="bg1"/>
+                  </a:solidFill>
+                  <a:effectLst/>
+                  <a:latin typeface="+mn-lt"/>
+                  <a:ea typeface="ＭＳ Ｐゴシック" pitchFamily="1" charset="-128"/>
+                </a:rPr>
+                <a:t>Assembler-Programm</a:t>
+              </a:r>
+            </a:p>
+          </p:txBody>
+        </p:sp>
+        <p:sp>
+          <p:nvSpPr>
+            <p:cNvPr id="6" name="Rechteck: abgerundete Ecken 5"/>
+            <p:cNvSpPr/>
+            <p:nvPr/>
+          </p:nvSpPr>
+          <p:spPr bwMode="auto">
+            <a:xfrm>
+              <a:off x="6989441" y="1790322"/>
+              <a:ext cx="1584000" cy="542845"/>
+            </a:xfrm>
+            <a:prstGeom prst="roundRect">
               <a:avLst/>
-            </a:prstTxWarp>
-          </a:bodyPr>
-          <a:lstStyle/>
-          <a:p>
-            <a:pPr marL="0" marR="0" indent="0" algn="ctr" defTabSz="914400" rtl="0" eaLnBrk="0" fontAlgn="base" latinLnBrk="0" hangingPunct="0">
-              <a:lnSpc>
-                <a:spcPct val="100000"/>
-              </a:lnSpc>
-              <a:spcBef>
-                <a:spcPct val="0"/>
-              </a:spcBef>
-              <a:spcAft>
-                <a:spcPct val="0"/>
-              </a:spcAft>
-              <a:buClrTx/>
-              <a:buSzTx/>
-              <a:buFontTx/>
-              <a:buNone/>
-              <a:tabLst/>
-            </a:pPr>
-            <a:r>
-              <a:rPr kumimoji="0" lang="de-DE" sz="1400" b="0" i="0" u="none" strike="noStrike" cap="none" normalizeH="0" baseline="0" dirty="0">
+            </a:prstGeom>
+            <a:solidFill>
+              <a:schemeClr val="accent1"/>
+            </a:solidFill>
+            <a:ln w="9525" cap="flat" cmpd="sng" algn="ctr">
+              <a:solidFill>
+                <a:schemeClr val="tx1"/>
+              </a:solidFill>
+              <a:prstDash val="solid"/>
+              <a:round/>
+              <a:headEnd type="none" w="med" len="med"/>
+              <a:tailEnd type="none" w="med" len="med"/>
+            </a:ln>
+            <a:effectLst/>
+          </p:spPr>
+          <p:txBody>
+            <a:bodyPr vert="horz" wrap="square" lIns="91440" tIns="45720" rIns="91440" bIns="45720" numCol="1" rtlCol="0" anchor="ctr" anchorCtr="0" compatLnSpc="1">
+              <a:prstTxWarp prst="textNoShape">
+                <a:avLst/>
+              </a:prstTxWarp>
+            </a:bodyPr>
+            <a:lstStyle/>
+            <a:p>
+              <a:pPr marL="0" marR="0" indent="0" algn="ctr" defTabSz="914400" rtl="0" eaLnBrk="0" fontAlgn="base" latinLnBrk="0" hangingPunct="0">
+                <a:lnSpc>
+                  <a:spcPct val="100000"/>
+                </a:lnSpc>
+                <a:spcBef>
+                  <a:spcPct val="0"/>
+                </a:spcBef>
+                <a:spcAft>
+                  <a:spcPct val="0"/>
+                </a:spcAft>
+                <a:buClrTx/>
+                <a:buSzTx/>
+                <a:buFontTx/>
+                <a:buNone/>
+                <a:tabLst/>
+              </a:pPr>
+              <a:r>
+                <a:rPr kumimoji="0" lang="de-DE" sz="1400" b="0" i="0" u="none" strike="noStrike" cap="none" normalizeH="0" baseline="0" dirty="0">
+                  <a:ln>
+                    <a:noFill/>
+                  </a:ln>
+                  <a:solidFill>
+                    <a:schemeClr val="bg1"/>
+                  </a:solidFill>
+                  <a:effectLst/>
+                  <a:latin typeface="+mn-lt"/>
+                  <a:ea typeface="ＭＳ Ｐゴシック" pitchFamily="1" charset="-128"/>
+                </a:rPr>
+                <a:t>Prozessor- </a:t>
+              </a:r>
+            </a:p>
+            <a:p>
+              <a:pPr marL="0" marR="0" indent="0" algn="ctr" defTabSz="914400" rtl="0" eaLnBrk="0" fontAlgn="base" latinLnBrk="0" hangingPunct="0">
+                <a:lnSpc>
+                  <a:spcPct val="100000"/>
+                </a:lnSpc>
+                <a:spcBef>
+                  <a:spcPct val="0"/>
+                </a:spcBef>
+                <a:spcAft>
+                  <a:spcPct val="0"/>
+                </a:spcAft>
+                <a:buClrTx/>
+                <a:buSzTx/>
+                <a:buFontTx/>
+                <a:buNone/>
+                <a:tabLst/>
+              </a:pPr>
+              <a:r>
+                <a:rPr lang="de-DE" sz="1400" dirty="0">
+                  <a:solidFill>
+                    <a:schemeClr val="bg1"/>
+                  </a:solidFill>
+                  <a:latin typeface="+mn-lt"/>
+                  <a:ea typeface="ＭＳ Ｐゴシック" pitchFamily="1" charset="-128"/>
+                </a:rPr>
+                <a:t>Konfiguration</a:t>
+              </a:r>
+              <a:endParaRPr kumimoji="0" lang="de-DE" sz="1400" b="0" i="0" u="none" strike="noStrike" cap="none" normalizeH="0" baseline="0" dirty="0">
                 <a:ln>
                   <a:noFill/>
                 </a:ln>
@@ -18948,68 +20470,75 @@
                   <a:schemeClr val="bg1"/>
                 </a:solidFill>
                 <a:effectLst/>
-                <a:latin typeface="Arial" charset="0"/>
+                <a:latin typeface="+mn-lt"/>
                 <a:ea typeface="ＭＳ Ｐゴシック" pitchFamily="1" charset="-128"/>
-              </a:rPr>
-              <a:t>Assembler-Programm</a:t>
-            </a:r>
-          </a:p>
-        </p:txBody>
-      </p:sp>
-      <p:sp>
-        <p:nvSpPr>
-          <p:cNvPr id="6" name="Rechteck: abgerundete Ecken 5"/>
-          <p:cNvSpPr/>
-          <p:nvPr/>
-        </p:nvSpPr>
-        <p:spPr bwMode="auto">
-          <a:xfrm>
-            <a:off x="7238788" y="1845613"/>
-            <a:ext cx="1469841" cy="542845"/>
-          </a:xfrm>
-          <a:prstGeom prst="roundRect">
-            <a:avLst/>
-          </a:prstGeom>
-          <a:solidFill>
-            <a:schemeClr val="accent1"/>
-          </a:solidFill>
-          <a:ln w="9525" cap="flat" cmpd="sng" algn="ctr">
+              </a:endParaRPr>
+            </a:p>
+          </p:txBody>
+        </p:sp>
+        <p:sp>
+          <p:nvSpPr>
+            <p:cNvPr id="7" name="Rechteck: abgerundete Ecken 6"/>
+            <p:cNvSpPr/>
+            <p:nvPr/>
+          </p:nvSpPr>
+          <p:spPr bwMode="auto">
+            <a:xfrm>
+              <a:off x="5313106" y="2540364"/>
+              <a:ext cx="1584000" cy="407134"/>
+            </a:xfrm>
+            <a:prstGeom prst="roundRect">
+              <a:avLst/>
+            </a:prstGeom>
             <a:solidFill>
-              <a:schemeClr val="tx1"/>
+              <a:schemeClr val="accent1"/>
             </a:solidFill>
-            <a:prstDash val="solid"/>
-            <a:round/>
-            <a:headEnd type="none" w="med" len="med"/>
-            <a:tailEnd type="none" w="med" len="med"/>
-          </a:ln>
-          <a:effectLst/>
-        </p:spPr>
-        <p:txBody>
-          <a:bodyPr vert="horz" wrap="square" lIns="91440" tIns="45720" rIns="91440" bIns="45720" numCol="1" rtlCol="0" anchor="ctr" anchorCtr="0" compatLnSpc="1">
-            <a:prstTxWarp prst="textNoShape">
-              <a:avLst/>
-            </a:prstTxWarp>
-          </a:bodyPr>
-          <a:lstStyle/>
-          <a:p>
-            <a:pPr marL="0" marR="0" indent="0" algn="ctr" defTabSz="914400" rtl="0" eaLnBrk="0" fontAlgn="base" latinLnBrk="0" hangingPunct="0">
-              <a:lnSpc>
-                <a:spcPct val="100000"/>
-              </a:lnSpc>
-              <a:spcBef>
-                <a:spcPct val="0"/>
-              </a:spcBef>
-              <a:spcAft>
-                <a:spcPct val="0"/>
-              </a:spcAft>
-              <a:buClrTx/>
-              <a:buSzTx/>
-              <a:buFontTx/>
-              <a:buNone/>
-              <a:tabLst/>
-            </a:pPr>
-            <a:r>
-              <a:rPr kumimoji="0" lang="de-DE" sz="1400" b="0" i="0" u="none" strike="noStrike" cap="none" normalizeH="0" baseline="0" dirty="0">
+            <a:ln w="9525" cap="flat" cmpd="sng" algn="ctr">
+              <a:solidFill>
+                <a:schemeClr val="tx1"/>
+              </a:solidFill>
+              <a:prstDash val="solid"/>
+              <a:round/>
+              <a:headEnd type="none" w="med" len="med"/>
+              <a:tailEnd type="none" w="med" len="med"/>
+            </a:ln>
+            <a:effectLst/>
+          </p:spPr>
+          <p:txBody>
+            <a:bodyPr vert="horz" wrap="square" lIns="91440" tIns="45720" rIns="91440" bIns="45720" numCol="1" rtlCol="0" anchor="ctr" anchorCtr="0" compatLnSpc="1">
+              <a:prstTxWarp prst="textNoShape">
+                <a:avLst/>
+              </a:prstTxWarp>
+            </a:bodyPr>
+            <a:lstStyle/>
+            <a:p>
+              <a:pPr marL="0" marR="0" indent="0" algn="ctr" defTabSz="914400" rtl="0" eaLnBrk="0" fontAlgn="base" latinLnBrk="0" hangingPunct="0">
+                <a:lnSpc>
+                  <a:spcPct val="100000"/>
+                </a:lnSpc>
+                <a:spcBef>
+                  <a:spcPct val="0"/>
+                </a:spcBef>
+                <a:spcAft>
+                  <a:spcPct val="0"/>
+                </a:spcAft>
+                <a:buClrTx/>
+                <a:buSzTx/>
+                <a:buFontTx/>
+                <a:buNone/>
+                <a:tabLst/>
+              </a:pPr>
+              <a:r>
+                <a:rPr lang="de-DE" sz="2000" b="1" dirty="0">
+                  <a:solidFill>
+                    <a:schemeClr val="bg1"/>
+                  </a:solidFill>
+                  <a:latin typeface="+mn-lt"/>
+                  <a:ea typeface="ＭＳ Ｐゴシック" pitchFamily="1" charset="-128"/>
+                </a:rPr>
+                <a:t>Scheduler</a:t>
+              </a:r>
+              <a:endParaRPr kumimoji="0" lang="de-DE" sz="2000" b="1" i="0" u="none" strike="noStrike" cap="none" normalizeH="0" baseline="0" dirty="0">
                 <a:ln>
                   <a:noFill/>
                 </a:ln>
@@ -19017,805 +20546,708 @@
                   <a:schemeClr val="bg1"/>
                 </a:solidFill>
                 <a:effectLst/>
+                <a:latin typeface="+mn-lt"/>
                 <a:ea typeface="ＭＳ Ｐゴシック" pitchFamily="1" charset="-128"/>
-              </a:rPr>
-              <a:t>Prozessor- </a:t>
-            </a:r>
-          </a:p>
-          <a:p>
-            <a:pPr marL="0" marR="0" indent="0" algn="ctr" defTabSz="914400" rtl="0" eaLnBrk="0" fontAlgn="base" latinLnBrk="0" hangingPunct="0">
-              <a:lnSpc>
-                <a:spcPct val="100000"/>
-              </a:lnSpc>
-              <a:spcBef>
-                <a:spcPct val="0"/>
-              </a:spcBef>
-              <a:spcAft>
-                <a:spcPct val="0"/>
-              </a:spcAft>
-              <a:buClrTx/>
-              <a:buSzTx/>
-              <a:buFontTx/>
-              <a:buNone/>
-              <a:tabLst/>
-            </a:pPr>
-            <a:r>
-              <a:rPr lang="de-DE" sz="1400" dirty="0">
+              </a:endParaRPr>
+            </a:p>
+          </p:txBody>
+        </p:sp>
+        <p:sp>
+          <p:nvSpPr>
+            <p:cNvPr id="8" name="Rechteck: abgerundete Ecken 7"/>
+            <p:cNvSpPr/>
+            <p:nvPr/>
+          </p:nvSpPr>
+          <p:spPr bwMode="auto">
+            <a:xfrm>
+              <a:off x="5313106" y="3257205"/>
+              <a:ext cx="1584000" cy="271423"/>
+            </a:xfrm>
+            <a:prstGeom prst="roundRect">
+              <a:avLst/>
+            </a:prstGeom>
+            <a:solidFill>
+              <a:schemeClr val="accent1"/>
+            </a:solidFill>
+            <a:ln w="9525" cap="flat" cmpd="sng" algn="ctr">
+              <a:solidFill>
+                <a:schemeClr val="tx1"/>
+              </a:solidFill>
+              <a:prstDash val="solid"/>
+              <a:round/>
+              <a:headEnd type="none" w="med" len="med"/>
+              <a:tailEnd type="none" w="med" len="med"/>
+            </a:ln>
+            <a:effectLst/>
+          </p:spPr>
+          <p:txBody>
+            <a:bodyPr vert="horz" wrap="square" lIns="91440" tIns="45720" rIns="91440" bIns="45720" numCol="1" rtlCol="0" anchor="ctr" anchorCtr="0" compatLnSpc="1">
+              <a:prstTxWarp prst="textNoShape">
+                <a:avLst/>
+              </a:prstTxWarp>
+            </a:bodyPr>
+            <a:lstStyle/>
+            <a:p>
+              <a:pPr marL="0" marR="0" indent="0" algn="ctr" defTabSz="914400" rtl="0" eaLnBrk="0" fontAlgn="base" latinLnBrk="0" hangingPunct="0">
+                <a:lnSpc>
+                  <a:spcPct val="100000"/>
+                </a:lnSpc>
+                <a:spcBef>
+                  <a:spcPct val="0"/>
+                </a:spcBef>
+                <a:spcAft>
+                  <a:spcPct val="0"/>
+                </a:spcAft>
+                <a:buClrTx/>
+                <a:buSzTx/>
+                <a:buFontTx/>
+                <a:buNone/>
+                <a:tabLst/>
+              </a:pPr>
+              <a:r>
+                <a:rPr lang="de-DE" sz="1400" dirty="0">
+                  <a:solidFill>
+                    <a:schemeClr val="bg1"/>
+                  </a:solidFill>
+                  <a:latin typeface="+mn-lt"/>
+                  <a:ea typeface="ＭＳ Ｐゴシック" pitchFamily="1" charset="-128"/>
+                </a:rPr>
+                <a:t>Binary-Datei</a:t>
+              </a:r>
+              <a:endParaRPr kumimoji="0" lang="de-DE" sz="1400" b="0" i="0" u="none" strike="noStrike" cap="none" normalizeH="0" baseline="0" dirty="0">
+                <a:ln>
+                  <a:noFill/>
+                </a:ln>
                 <a:solidFill>
                   <a:schemeClr val="bg1"/>
                 </a:solidFill>
+                <a:effectLst/>
+                <a:latin typeface="+mn-lt"/>
                 <a:ea typeface="ＭＳ Ｐゴシック" pitchFamily="1" charset="-128"/>
-              </a:rPr>
-              <a:t>Konfiguration</a:t>
-            </a:r>
-            <a:endParaRPr kumimoji="0" lang="de-DE" sz="1400" b="0" i="0" u="none" strike="noStrike" cap="none" normalizeH="0" baseline="0" dirty="0">
-              <a:ln>
-                <a:noFill/>
-              </a:ln>
+              </a:endParaRPr>
+            </a:p>
+          </p:txBody>
+        </p:sp>
+        <p:sp>
+          <p:nvSpPr>
+            <p:cNvPr id="11" name="Rechteck: abgerundete Ecken 10"/>
+            <p:cNvSpPr/>
+            <p:nvPr/>
+          </p:nvSpPr>
+          <p:spPr bwMode="auto">
+            <a:xfrm>
+              <a:off x="3660312" y="4166935"/>
+              <a:ext cx="1584000" cy="271423"/>
+            </a:xfrm>
+            <a:prstGeom prst="roundRect">
+              <a:avLst/>
+            </a:prstGeom>
+            <a:solidFill>
+              <a:schemeClr val="accent1"/>
+            </a:solidFill>
+            <a:ln w="9525" cap="flat" cmpd="sng" algn="ctr">
               <a:solidFill>
-                <a:schemeClr val="bg1"/>
+                <a:schemeClr val="tx1"/>
               </a:solidFill>
-              <a:effectLst/>
-              <a:ea typeface="ＭＳ Ｐゴシック" pitchFamily="1" charset="-128"/>
-            </a:endParaRPr>
-          </a:p>
-        </p:txBody>
-      </p:sp>
-      <p:sp>
-        <p:nvSpPr>
-          <p:cNvPr id="7" name="Rechteck: abgerundete Ecken 6"/>
-          <p:cNvSpPr/>
-          <p:nvPr/>
-        </p:nvSpPr>
-        <p:spPr bwMode="auto">
-          <a:xfrm>
-            <a:off x="5388731" y="2540364"/>
-            <a:ext cx="1772654" cy="407134"/>
-          </a:xfrm>
-          <a:prstGeom prst="roundRect">
-            <a:avLst/>
-          </a:prstGeom>
-          <a:solidFill>
-            <a:schemeClr val="accent1"/>
-          </a:solidFill>
-          <a:ln w="9525" cap="flat" cmpd="sng" algn="ctr">
-            <a:solidFill>
-              <a:schemeClr val="tx1"/>
-            </a:solidFill>
-            <a:prstDash val="solid"/>
-            <a:round/>
-            <a:headEnd type="none" w="med" len="med"/>
-            <a:tailEnd type="none" w="med" len="med"/>
-          </a:ln>
-          <a:effectLst/>
-        </p:spPr>
-        <p:txBody>
-          <a:bodyPr vert="horz" wrap="square" lIns="91440" tIns="45720" rIns="91440" bIns="45720" numCol="1" rtlCol="0" anchor="ctr" anchorCtr="0" compatLnSpc="1">
-            <a:prstTxWarp prst="textNoShape">
-              <a:avLst/>
-            </a:prstTxWarp>
-          </a:bodyPr>
-          <a:lstStyle/>
-          <a:p>
-            <a:pPr marL="0" marR="0" indent="0" algn="ctr" defTabSz="914400" rtl="0" eaLnBrk="0" fontAlgn="base" latinLnBrk="0" hangingPunct="0">
-              <a:lnSpc>
-                <a:spcPct val="100000"/>
-              </a:lnSpc>
-              <a:spcBef>
-                <a:spcPct val="0"/>
-              </a:spcBef>
-              <a:spcAft>
-                <a:spcPct val="0"/>
-              </a:spcAft>
-              <a:buClrTx/>
-              <a:buSzTx/>
-              <a:buFontTx/>
-              <a:buNone/>
-              <a:tabLst/>
-            </a:pPr>
-            <a:r>
-              <a:rPr lang="de-DE" sz="2000" b="1" dirty="0">
+              <a:prstDash val="solid"/>
+              <a:round/>
+              <a:headEnd type="none" w="med" len="med"/>
+              <a:tailEnd type="none" w="med" len="med"/>
+            </a:ln>
+            <a:effectLst/>
+          </p:spPr>
+          <p:txBody>
+            <a:bodyPr vert="horz" wrap="square" lIns="91440" tIns="45720" rIns="91440" bIns="45720" numCol="1" rtlCol="0" anchor="ctr" anchorCtr="0" compatLnSpc="1">
+              <a:prstTxWarp prst="textNoShape">
+                <a:avLst/>
+              </a:prstTxWarp>
+            </a:bodyPr>
+            <a:lstStyle/>
+            <a:p>
+              <a:pPr marL="0" marR="0" indent="0" algn="ctr" defTabSz="914400" rtl="0" eaLnBrk="0" fontAlgn="base" latinLnBrk="0" hangingPunct="0">
+                <a:lnSpc>
+                  <a:spcPct val="100000"/>
+                </a:lnSpc>
+                <a:spcBef>
+                  <a:spcPct val="0"/>
+                </a:spcBef>
+                <a:spcAft>
+                  <a:spcPct val="0"/>
+                </a:spcAft>
+                <a:buClrTx/>
+                <a:buSzTx/>
+                <a:buFontTx/>
+                <a:buNone/>
+                <a:tabLst/>
+              </a:pPr>
+              <a:r>
+                <a:rPr lang="de-DE" sz="1400" dirty="0">
+                  <a:solidFill>
+                    <a:schemeClr val="bg1"/>
+                  </a:solidFill>
+                  <a:latin typeface="+mn-lt"/>
+                  <a:ea typeface="ＭＳ Ｐゴシック" pitchFamily="1" charset="-128"/>
+                </a:rPr>
+                <a:t>Schaltaktivität</a:t>
+              </a:r>
+              <a:endParaRPr kumimoji="0" lang="de-DE" sz="1400" b="0" i="0" u="none" strike="noStrike" cap="none" normalizeH="0" baseline="0" dirty="0">
+                <a:ln>
+                  <a:noFill/>
+                </a:ln>
                 <a:solidFill>
                   <a:schemeClr val="bg1"/>
                 </a:solidFill>
+                <a:effectLst/>
+                <a:latin typeface="+mn-lt"/>
                 <a:ea typeface="ＭＳ Ｐゴシック" pitchFamily="1" charset="-128"/>
-              </a:rPr>
-              <a:t>Scheduler</a:t>
-            </a:r>
-            <a:endParaRPr kumimoji="0" lang="de-DE" sz="2000" b="1" i="0" u="none" strike="noStrike" cap="none" normalizeH="0" baseline="0" dirty="0">
-              <a:ln>
-                <a:noFill/>
-              </a:ln>
+              </a:endParaRPr>
+            </a:p>
+          </p:txBody>
+        </p:sp>
+        <p:sp>
+          <p:nvSpPr>
+            <p:cNvPr id="12" name="Rechteck: abgerundete Ecken 11"/>
+            <p:cNvSpPr/>
+            <p:nvPr/>
+          </p:nvSpPr>
+          <p:spPr bwMode="auto">
+            <a:xfrm>
+              <a:off x="6989441" y="4166935"/>
+              <a:ext cx="1584000" cy="271423"/>
+            </a:xfrm>
+            <a:prstGeom prst="roundRect">
+              <a:avLst/>
+            </a:prstGeom>
+            <a:solidFill>
+              <a:schemeClr val="accent1"/>
+            </a:solidFill>
+            <a:ln w="9525" cap="flat" cmpd="sng" algn="ctr">
               <a:solidFill>
-                <a:schemeClr val="bg1"/>
+                <a:schemeClr val="tx1"/>
               </a:solidFill>
-              <a:effectLst/>
-              <a:ea typeface="ＭＳ Ｐゴシック" pitchFamily="1" charset="-128"/>
-            </a:endParaRPr>
-          </a:p>
-        </p:txBody>
-      </p:sp>
-      <p:sp>
-        <p:nvSpPr>
-          <p:cNvPr id="8" name="Rechteck: abgerundete Ecken 7"/>
-          <p:cNvSpPr/>
-          <p:nvPr/>
-        </p:nvSpPr>
-        <p:spPr bwMode="auto">
-          <a:xfrm>
-            <a:off x="5477630" y="3257205"/>
-            <a:ext cx="1599085" cy="271423"/>
-          </a:xfrm>
-          <a:prstGeom prst="roundRect">
-            <a:avLst/>
-          </a:prstGeom>
-          <a:solidFill>
-            <a:schemeClr val="accent1"/>
-          </a:solidFill>
-          <a:ln w="9525" cap="flat" cmpd="sng" algn="ctr">
-            <a:solidFill>
-              <a:schemeClr val="tx1"/>
-            </a:solidFill>
-            <a:prstDash val="solid"/>
-            <a:round/>
-            <a:headEnd type="none" w="med" len="med"/>
-            <a:tailEnd type="none" w="med" len="med"/>
-          </a:ln>
-          <a:effectLst/>
-        </p:spPr>
-        <p:txBody>
-          <a:bodyPr vert="horz" wrap="square" lIns="91440" tIns="45720" rIns="91440" bIns="45720" numCol="1" rtlCol="0" anchor="ctr" anchorCtr="0" compatLnSpc="1">
-            <a:prstTxWarp prst="textNoShape">
-              <a:avLst/>
-            </a:prstTxWarp>
-          </a:bodyPr>
-          <a:lstStyle/>
-          <a:p>
-            <a:pPr marL="0" marR="0" indent="0" algn="ctr" defTabSz="914400" rtl="0" eaLnBrk="0" fontAlgn="base" latinLnBrk="0" hangingPunct="0">
-              <a:lnSpc>
-                <a:spcPct val="100000"/>
-              </a:lnSpc>
-              <a:spcBef>
-                <a:spcPct val="0"/>
-              </a:spcBef>
-              <a:spcAft>
-                <a:spcPct val="0"/>
-              </a:spcAft>
-              <a:buClrTx/>
-              <a:buSzTx/>
-              <a:buFontTx/>
-              <a:buNone/>
-              <a:tabLst/>
-            </a:pPr>
-            <a:r>
-              <a:rPr lang="de-DE" sz="1400" dirty="0">
+              <a:prstDash val="solid"/>
+              <a:round/>
+              <a:headEnd type="none" w="med" len="med"/>
+              <a:tailEnd type="none" w="med" len="med"/>
+            </a:ln>
+            <a:effectLst/>
+          </p:spPr>
+          <p:txBody>
+            <a:bodyPr vert="horz" wrap="square" lIns="91440" tIns="45720" rIns="91440" bIns="45720" numCol="1" rtlCol="0" anchor="ctr" anchorCtr="0" compatLnSpc="1">
+              <a:prstTxWarp prst="textNoShape">
+                <a:avLst/>
+              </a:prstTxWarp>
+            </a:bodyPr>
+            <a:lstStyle/>
+            <a:p>
+              <a:pPr marL="0" marR="0" indent="0" algn="ctr" defTabSz="914400" rtl="0" eaLnBrk="0" fontAlgn="base" latinLnBrk="0" hangingPunct="0">
+                <a:lnSpc>
+                  <a:spcPct val="100000"/>
+                </a:lnSpc>
+                <a:spcBef>
+                  <a:spcPct val="0"/>
+                </a:spcBef>
+                <a:spcAft>
+                  <a:spcPct val="0"/>
+                </a:spcAft>
+                <a:buClrTx/>
+                <a:buSzTx/>
+                <a:buFontTx/>
+                <a:buNone/>
+                <a:tabLst/>
+              </a:pPr>
+              <a:r>
+                <a:rPr lang="de-DE" sz="1400" dirty="0">
+                  <a:solidFill>
+                    <a:schemeClr val="bg1"/>
+                  </a:solidFill>
+                  <a:latin typeface="+mn-lt"/>
+                  <a:ea typeface="ＭＳ Ｐゴシック" pitchFamily="1" charset="-128"/>
+                </a:rPr>
+                <a:t>Netzliste</a:t>
+              </a:r>
+              <a:endParaRPr kumimoji="0" lang="de-DE" sz="1400" b="0" i="0" u="none" strike="noStrike" cap="none" normalizeH="0" baseline="0" dirty="0">
+                <a:ln>
+                  <a:noFill/>
+                </a:ln>
                 <a:solidFill>
                   <a:schemeClr val="bg1"/>
                 </a:solidFill>
+                <a:effectLst/>
+                <a:latin typeface="+mn-lt"/>
                 <a:ea typeface="ＭＳ Ｐゴシック" pitchFamily="1" charset="-128"/>
-              </a:rPr>
-              <a:t>Binary-Datei</a:t>
-            </a:r>
-            <a:endParaRPr kumimoji="0" lang="de-DE" sz="1400" b="0" i="0" u="none" strike="noStrike" cap="none" normalizeH="0" baseline="0" dirty="0">
-              <a:ln>
-                <a:noFill/>
-              </a:ln>
+              </a:endParaRPr>
+            </a:p>
+          </p:txBody>
+        </p:sp>
+        <p:sp>
+          <p:nvSpPr>
+            <p:cNvPr id="13" name="Rechteck: abgerundete Ecken 12"/>
+            <p:cNvSpPr/>
+            <p:nvPr/>
+          </p:nvSpPr>
+          <p:spPr bwMode="auto">
+            <a:xfrm>
+              <a:off x="5313106" y="4612467"/>
+              <a:ext cx="1584000" cy="678556"/>
+            </a:xfrm>
+            <a:prstGeom prst="roundRect">
+              <a:avLst/>
+            </a:prstGeom>
+            <a:solidFill>
+              <a:schemeClr val="accent1"/>
+            </a:solidFill>
+            <a:ln w="9525" cap="flat" cmpd="sng" algn="ctr">
               <a:solidFill>
-                <a:schemeClr val="bg1"/>
+                <a:schemeClr val="tx1"/>
               </a:solidFill>
-              <a:effectLst/>
-              <a:ea typeface="ＭＳ Ｐゴシック" pitchFamily="1" charset="-128"/>
-            </a:endParaRPr>
-          </a:p>
-        </p:txBody>
-      </p:sp>
-      <p:sp>
-        <p:nvSpPr>
-          <p:cNvPr id="11" name="Rechteck: abgerundete Ecken 10"/>
-          <p:cNvSpPr/>
-          <p:nvPr/>
-        </p:nvSpPr>
-        <p:spPr bwMode="auto">
-          <a:xfrm>
-            <a:off x="3835802" y="4166935"/>
-            <a:ext cx="1603755" cy="271423"/>
-          </a:xfrm>
-          <a:prstGeom prst="roundRect">
-            <a:avLst/>
-          </a:prstGeom>
-          <a:solidFill>
-            <a:schemeClr val="accent1"/>
-          </a:solidFill>
-          <a:ln w="9525" cap="flat" cmpd="sng" algn="ctr">
-            <a:solidFill>
-              <a:schemeClr val="tx1"/>
-            </a:solidFill>
-            <a:prstDash val="solid"/>
-            <a:round/>
-            <a:headEnd type="none" w="med" len="med"/>
-            <a:tailEnd type="none" w="med" len="med"/>
-          </a:ln>
-          <a:effectLst/>
-        </p:spPr>
-        <p:txBody>
-          <a:bodyPr vert="horz" wrap="square" lIns="91440" tIns="45720" rIns="91440" bIns="45720" numCol="1" rtlCol="0" anchor="ctr" anchorCtr="0" compatLnSpc="1">
-            <a:prstTxWarp prst="textNoShape">
-              <a:avLst/>
-            </a:prstTxWarp>
-          </a:bodyPr>
-          <a:lstStyle/>
-          <a:p>
-            <a:pPr marL="0" marR="0" indent="0" algn="ctr" defTabSz="914400" rtl="0" eaLnBrk="0" fontAlgn="base" latinLnBrk="0" hangingPunct="0">
-              <a:lnSpc>
-                <a:spcPct val="100000"/>
-              </a:lnSpc>
-              <a:spcBef>
-                <a:spcPct val="0"/>
-              </a:spcBef>
-              <a:spcAft>
-                <a:spcPct val="0"/>
-              </a:spcAft>
-              <a:buClrTx/>
-              <a:buSzTx/>
-              <a:buFontTx/>
-              <a:buNone/>
-              <a:tabLst/>
-            </a:pPr>
-            <a:r>
-              <a:rPr lang="de-DE" sz="1400" dirty="0">
+              <a:prstDash val="solid"/>
+              <a:round/>
+              <a:headEnd type="none" w="med" len="med"/>
+              <a:tailEnd type="none" w="med" len="med"/>
+            </a:ln>
+            <a:effectLst/>
+          </p:spPr>
+          <p:txBody>
+            <a:bodyPr vert="horz" wrap="square" lIns="91440" tIns="45720" rIns="91440" bIns="45720" numCol="1" rtlCol="0" anchor="ctr" anchorCtr="0" compatLnSpc="1">
+              <a:prstTxWarp prst="textNoShape">
+                <a:avLst/>
+              </a:prstTxWarp>
+            </a:bodyPr>
+            <a:lstStyle/>
+            <a:p>
+              <a:pPr marL="0" marR="0" indent="0" algn="ctr" defTabSz="914400" rtl="0" eaLnBrk="0" fontAlgn="base" latinLnBrk="0" hangingPunct="0">
+                <a:lnSpc>
+                  <a:spcPct val="100000"/>
+                </a:lnSpc>
+                <a:spcBef>
+                  <a:spcPct val="0"/>
+                </a:spcBef>
+                <a:spcAft>
+                  <a:spcPct val="0"/>
+                </a:spcAft>
+                <a:buClrTx/>
+                <a:buSzTx/>
+                <a:buFontTx/>
+                <a:buNone/>
+                <a:tabLst/>
+              </a:pPr>
+              <a:r>
+                <a:rPr lang="de-DE" sz="2000" b="1" dirty="0">
+                  <a:solidFill>
+                    <a:schemeClr val="bg1"/>
+                  </a:solidFill>
+                  <a:latin typeface="+mn-lt"/>
+                  <a:ea typeface="ＭＳ Ｐゴシック" pitchFamily="1" charset="-128"/>
+                </a:rPr>
+                <a:t>Power-Analyse</a:t>
+              </a:r>
+              <a:endParaRPr kumimoji="0" lang="de-DE" sz="2000" b="1" i="0" u="none" strike="noStrike" cap="none" normalizeH="0" baseline="0" dirty="0">
+                <a:ln>
+                  <a:noFill/>
+                </a:ln>
                 <a:solidFill>
                   <a:schemeClr val="bg1"/>
                 </a:solidFill>
+                <a:effectLst/>
+                <a:latin typeface="+mn-lt"/>
                 <a:ea typeface="ＭＳ Ｐゴシック" pitchFamily="1" charset="-128"/>
-              </a:rPr>
-              <a:t>Schaltaktivität</a:t>
-            </a:r>
-            <a:endParaRPr kumimoji="0" lang="de-DE" sz="1400" b="0" i="0" u="none" strike="noStrike" cap="none" normalizeH="0" baseline="0" dirty="0">
-              <a:ln>
-                <a:noFill/>
-              </a:ln>
+              </a:endParaRPr>
+            </a:p>
+          </p:txBody>
+        </p:sp>
+        <p:sp>
+          <p:nvSpPr>
+            <p:cNvPr id="14" name="Rechteck: abgerundete Ecken 13"/>
+            <p:cNvSpPr/>
+            <p:nvPr/>
+          </p:nvSpPr>
+          <p:spPr bwMode="auto">
+            <a:xfrm>
+              <a:off x="5313106" y="5606726"/>
+              <a:ext cx="1584000" cy="271423"/>
+            </a:xfrm>
+            <a:prstGeom prst="roundRect">
+              <a:avLst/>
+            </a:prstGeom>
+            <a:solidFill>
+              <a:schemeClr val="accent1"/>
+            </a:solidFill>
+            <a:ln w="9525" cap="flat" cmpd="sng" algn="ctr">
               <a:solidFill>
-                <a:schemeClr val="bg1"/>
+                <a:schemeClr val="tx1"/>
               </a:solidFill>
-              <a:effectLst/>
-              <a:ea typeface="ＭＳ Ｐゴシック" pitchFamily="1" charset="-128"/>
-            </a:endParaRPr>
-          </a:p>
-        </p:txBody>
-      </p:sp>
-      <p:sp>
-        <p:nvSpPr>
-          <p:cNvPr id="12" name="Rechteck: abgerundete Ecken 11"/>
-          <p:cNvSpPr/>
-          <p:nvPr/>
-        </p:nvSpPr>
-        <p:spPr bwMode="auto">
-          <a:xfrm>
-            <a:off x="7174167" y="4166935"/>
-            <a:ext cx="1599085" cy="271423"/>
-          </a:xfrm>
-          <a:prstGeom prst="roundRect">
-            <a:avLst/>
-          </a:prstGeom>
-          <a:solidFill>
-            <a:schemeClr val="accent1"/>
-          </a:solidFill>
-          <a:ln w="9525" cap="flat" cmpd="sng" algn="ctr">
-            <a:solidFill>
-              <a:schemeClr val="tx1"/>
-            </a:solidFill>
-            <a:prstDash val="solid"/>
-            <a:round/>
-            <a:headEnd type="none" w="med" len="med"/>
-            <a:tailEnd type="none" w="med" len="med"/>
-          </a:ln>
-          <a:effectLst/>
-        </p:spPr>
-        <p:txBody>
-          <a:bodyPr vert="horz" wrap="square" lIns="91440" tIns="45720" rIns="91440" bIns="45720" numCol="1" rtlCol="0" anchor="ctr" anchorCtr="0" compatLnSpc="1">
-            <a:prstTxWarp prst="textNoShape">
-              <a:avLst/>
-            </a:prstTxWarp>
-          </a:bodyPr>
-          <a:lstStyle/>
-          <a:p>
-            <a:pPr marL="0" marR="0" indent="0" algn="ctr" defTabSz="914400" rtl="0" eaLnBrk="0" fontAlgn="base" latinLnBrk="0" hangingPunct="0">
-              <a:lnSpc>
-                <a:spcPct val="100000"/>
-              </a:lnSpc>
-              <a:spcBef>
-                <a:spcPct val="0"/>
-              </a:spcBef>
-              <a:spcAft>
-                <a:spcPct val="0"/>
-              </a:spcAft>
-              <a:buClrTx/>
-              <a:buSzTx/>
-              <a:buFontTx/>
-              <a:buNone/>
-              <a:tabLst/>
-            </a:pPr>
-            <a:r>
-              <a:rPr lang="de-DE" sz="1400" dirty="0">
+              <a:prstDash val="solid"/>
+              <a:round/>
+              <a:headEnd type="none" w="med" len="med"/>
+              <a:tailEnd type="none" w="med" len="med"/>
+            </a:ln>
+            <a:effectLst/>
+          </p:spPr>
+          <p:txBody>
+            <a:bodyPr vert="horz" wrap="square" lIns="91440" tIns="45720" rIns="91440" bIns="45720" numCol="1" rtlCol="0" anchor="ctr" anchorCtr="0" compatLnSpc="1">
+              <a:prstTxWarp prst="textNoShape">
+                <a:avLst/>
+              </a:prstTxWarp>
+            </a:bodyPr>
+            <a:lstStyle/>
+            <a:p>
+              <a:pPr marL="0" marR="0" indent="0" algn="ctr" defTabSz="914400" rtl="0" eaLnBrk="0" fontAlgn="base" latinLnBrk="0" hangingPunct="0">
+                <a:lnSpc>
+                  <a:spcPct val="100000"/>
+                </a:lnSpc>
+                <a:spcBef>
+                  <a:spcPct val="0"/>
+                </a:spcBef>
+                <a:spcAft>
+                  <a:spcPct val="0"/>
+                </a:spcAft>
+                <a:buClrTx/>
+                <a:buSzTx/>
+                <a:buFontTx/>
+                <a:buNone/>
+                <a:tabLst/>
+              </a:pPr>
+              <a:r>
+                <a:rPr lang="de-DE" sz="1400" dirty="0">
+                  <a:solidFill>
+                    <a:schemeClr val="bg1"/>
+                  </a:solidFill>
+                  <a:latin typeface="+mn-lt"/>
+                  <a:ea typeface="ＭＳ Ｐゴシック" pitchFamily="1" charset="-128"/>
+                </a:rPr>
+                <a:t>Power-Reports</a:t>
+              </a:r>
+              <a:endParaRPr kumimoji="0" lang="de-DE" sz="1400" b="0" i="0" u="none" strike="noStrike" cap="none" normalizeH="0" baseline="0" dirty="0">
+                <a:ln>
+                  <a:noFill/>
+                </a:ln>
                 <a:solidFill>
                   <a:schemeClr val="bg1"/>
                 </a:solidFill>
+                <a:effectLst/>
+                <a:latin typeface="+mn-lt"/>
                 <a:ea typeface="ＭＳ Ｐゴシック" pitchFamily="1" charset="-128"/>
-              </a:rPr>
-              <a:t>Netzliste</a:t>
-            </a:r>
-            <a:endParaRPr kumimoji="0" lang="de-DE" sz="1400" b="0" i="0" u="none" strike="noStrike" cap="none" normalizeH="0" baseline="0" dirty="0">
-              <a:ln>
-                <a:noFill/>
-              </a:ln>
+              </a:endParaRPr>
+            </a:p>
+          </p:txBody>
+        </p:sp>
+        <p:cxnSp>
+          <p:nvCxnSpPr>
+            <p:cNvPr id="16" name="Gerade Verbindung mit Pfeil 15"/>
+            <p:cNvCxnSpPr>
+              <a:stCxn id="5" idx="2"/>
+              <a:endCxn id="7" idx="1"/>
+            </p:cNvCxnSpPr>
+            <p:nvPr/>
+          </p:nvCxnSpPr>
+          <p:spPr bwMode="auto">
+            <a:xfrm>
+              <a:off x="4452312" y="2325577"/>
+              <a:ext cx="860794" cy="418354"/>
+            </a:xfrm>
+            <a:prstGeom prst="straightConnector1">
+              <a:avLst/>
+            </a:prstGeom>
+            <a:solidFill>
+              <a:schemeClr val="accent1"/>
+            </a:solidFill>
+            <a:ln w="9525" cap="flat" cmpd="sng" algn="ctr">
               <a:solidFill>
-                <a:schemeClr val="bg1"/>
+                <a:schemeClr val="tx1"/>
               </a:solidFill>
-              <a:effectLst/>
-              <a:ea typeface="ＭＳ Ｐゴシック" pitchFamily="1" charset="-128"/>
-            </a:endParaRPr>
-          </a:p>
-        </p:txBody>
-      </p:sp>
-      <p:sp>
-        <p:nvSpPr>
-          <p:cNvPr id="13" name="Rechteck: abgerundete Ecken 12"/>
-          <p:cNvSpPr/>
-          <p:nvPr/>
-        </p:nvSpPr>
-        <p:spPr bwMode="auto">
-          <a:xfrm>
-            <a:off x="5477630" y="4612467"/>
-            <a:ext cx="1578066" cy="678556"/>
-          </a:xfrm>
-          <a:prstGeom prst="roundRect">
-            <a:avLst/>
-          </a:prstGeom>
-          <a:solidFill>
-            <a:schemeClr val="accent1"/>
-          </a:solidFill>
-          <a:ln w="9525" cap="flat" cmpd="sng" algn="ctr">
+              <a:prstDash val="solid"/>
+              <a:round/>
+              <a:headEnd type="none" w="med" len="med"/>
+              <a:tailEnd type="triangle"/>
+            </a:ln>
+            <a:effectLst/>
+          </p:spPr>
+        </p:cxnSp>
+        <p:cxnSp>
+          <p:nvCxnSpPr>
+            <p:cNvPr id="19" name="Gerade Verbindung mit Pfeil 18"/>
+            <p:cNvCxnSpPr>
+              <a:stCxn id="6" idx="2"/>
+              <a:endCxn id="7" idx="3"/>
+            </p:cNvCxnSpPr>
+            <p:nvPr/>
+          </p:nvCxnSpPr>
+          <p:spPr bwMode="auto">
+            <a:xfrm flipH="1">
+              <a:off x="6897106" y="2333167"/>
+              <a:ext cx="884335" cy="410764"/>
+            </a:xfrm>
+            <a:prstGeom prst="straightConnector1">
+              <a:avLst/>
+            </a:prstGeom>
             <a:solidFill>
-              <a:schemeClr val="tx1"/>
+              <a:schemeClr val="accent1"/>
             </a:solidFill>
-            <a:prstDash val="solid"/>
-            <a:round/>
-            <a:headEnd type="none" w="med" len="med"/>
-            <a:tailEnd type="none" w="med" len="med"/>
-          </a:ln>
-          <a:effectLst/>
-        </p:spPr>
-        <p:txBody>
-          <a:bodyPr vert="horz" wrap="square" lIns="91440" tIns="45720" rIns="91440" bIns="45720" numCol="1" rtlCol="0" anchor="ctr" anchorCtr="0" compatLnSpc="1">
-            <a:prstTxWarp prst="textNoShape">
+            <a:ln w="9525" cap="flat" cmpd="sng" algn="ctr">
+              <a:solidFill>
+                <a:schemeClr val="tx1"/>
+              </a:solidFill>
+              <a:prstDash val="solid"/>
+              <a:round/>
+              <a:headEnd type="none" w="med" len="med"/>
+              <a:tailEnd type="triangle"/>
+            </a:ln>
+            <a:effectLst/>
+          </p:spPr>
+        </p:cxnSp>
+        <p:cxnSp>
+          <p:nvCxnSpPr>
+            <p:cNvPr id="26" name="Gerade Verbindung mit Pfeil 25"/>
+            <p:cNvCxnSpPr>
+              <a:stCxn id="7" idx="2"/>
+              <a:endCxn id="8" idx="0"/>
+            </p:cNvCxnSpPr>
+            <p:nvPr/>
+          </p:nvCxnSpPr>
+          <p:spPr bwMode="auto">
+            <a:xfrm>
+              <a:off x="6105106" y="2947498"/>
+              <a:ext cx="0" cy="309707"/>
+            </a:xfrm>
+            <a:prstGeom prst="straightConnector1">
               <a:avLst/>
-            </a:prstTxWarp>
-          </a:bodyPr>
-          <a:lstStyle/>
-          <a:p>
-            <a:pPr marL="0" marR="0" indent="0" algn="ctr" defTabSz="914400" rtl="0" eaLnBrk="0" fontAlgn="base" latinLnBrk="0" hangingPunct="0">
-              <a:lnSpc>
-                <a:spcPct val="100000"/>
-              </a:lnSpc>
-              <a:spcBef>
-                <a:spcPct val="0"/>
-              </a:spcBef>
-              <a:spcAft>
-                <a:spcPct val="0"/>
-              </a:spcAft>
-              <a:buClrTx/>
-              <a:buSzTx/>
-              <a:buFontTx/>
-              <a:buNone/>
-              <a:tabLst/>
-            </a:pPr>
-            <a:r>
-              <a:rPr lang="de-DE" sz="2000" b="1" dirty="0">
-                <a:solidFill>
-                  <a:schemeClr val="bg1"/>
-                </a:solidFill>
-                <a:ea typeface="ＭＳ Ｐゴシック" pitchFamily="1" charset="-128"/>
-              </a:rPr>
-              <a:t>Power-Analyse</a:t>
-            </a:r>
-            <a:endParaRPr kumimoji="0" lang="de-DE" sz="2000" b="1" i="0" u="none" strike="noStrike" cap="none" normalizeH="0" baseline="0" dirty="0">
-              <a:ln>
-                <a:noFill/>
-              </a:ln>
+            </a:prstGeom>
+            <a:solidFill>
+              <a:schemeClr val="accent1"/>
+            </a:solidFill>
+            <a:ln w="9525" cap="flat" cmpd="sng" algn="ctr">
               <a:solidFill>
-                <a:schemeClr val="bg1"/>
+                <a:schemeClr val="tx1"/>
               </a:solidFill>
-              <a:effectLst/>
-              <a:ea typeface="ＭＳ Ｐゴシック" pitchFamily="1" charset="-128"/>
-            </a:endParaRPr>
-          </a:p>
-        </p:txBody>
-      </p:sp>
-      <p:sp>
-        <p:nvSpPr>
-          <p:cNvPr id="14" name="Rechteck: abgerundete Ecken 13"/>
-          <p:cNvSpPr/>
-          <p:nvPr/>
-        </p:nvSpPr>
-        <p:spPr bwMode="auto">
-          <a:xfrm>
-            <a:off x="5477630" y="5606726"/>
-            <a:ext cx="1578066" cy="271423"/>
-          </a:xfrm>
-          <a:prstGeom prst="roundRect">
-            <a:avLst/>
-          </a:prstGeom>
-          <a:solidFill>
-            <a:schemeClr val="accent1"/>
-          </a:solidFill>
-          <a:ln w="9525" cap="flat" cmpd="sng" algn="ctr">
+              <a:prstDash val="solid"/>
+              <a:round/>
+              <a:headEnd type="none" w="med" len="med"/>
+              <a:tailEnd type="triangle"/>
+            </a:ln>
+            <a:effectLst/>
+          </p:spPr>
+        </p:cxnSp>
+        <p:cxnSp>
+          <p:nvCxnSpPr>
+            <p:cNvPr id="32" name="Gerade Verbindung mit Pfeil 31"/>
+            <p:cNvCxnSpPr>
+              <a:stCxn id="8" idx="2"/>
+              <a:endCxn id="13" idx="0"/>
+            </p:cNvCxnSpPr>
+            <p:nvPr/>
+          </p:nvCxnSpPr>
+          <p:spPr bwMode="auto">
+            <a:xfrm>
+              <a:off x="6105106" y="3528628"/>
+              <a:ext cx="0" cy="1083839"/>
+            </a:xfrm>
+            <a:prstGeom prst="straightConnector1">
+              <a:avLst/>
+            </a:prstGeom>
             <a:solidFill>
-              <a:schemeClr val="tx1"/>
+              <a:schemeClr val="accent1"/>
             </a:solidFill>
-            <a:prstDash val="solid"/>
-            <a:round/>
-            <a:headEnd type="none" w="med" len="med"/>
-            <a:tailEnd type="none" w="med" len="med"/>
-          </a:ln>
-          <a:effectLst/>
-        </p:spPr>
-        <p:txBody>
-          <a:bodyPr vert="horz" wrap="square" lIns="91440" tIns="45720" rIns="91440" bIns="45720" numCol="1" rtlCol="0" anchor="ctr" anchorCtr="0" compatLnSpc="1">
-            <a:prstTxWarp prst="textNoShape">
+            <a:ln w="9525" cap="flat" cmpd="sng" algn="ctr">
+              <a:solidFill>
+                <a:schemeClr val="tx1"/>
+              </a:solidFill>
+              <a:prstDash val="solid"/>
+              <a:round/>
+              <a:headEnd type="none" w="med" len="med"/>
+              <a:tailEnd type="triangle"/>
+            </a:ln>
+            <a:effectLst/>
+          </p:spPr>
+        </p:cxnSp>
+        <p:cxnSp>
+          <p:nvCxnSpPr>
+            <p:cNvPr id="41" name="Gerade Verbindung mit Pfeil 40"/>
+            <p:cNvCxnSpPr>
+              <a:stCxn id="11" idx="2"/>
+              <a:endCxn id="13" idx="1"/>
+            </p:cNvCxnSpPr>
+            <p:nvPr/>
+          </p:nvCxnSpPr>
+          <p:spPr bwMode="auto">
+            <a:xfrm>
+              <a:off x="4452312" y="4438358"/>
+              <a:ext cx="860794" cy="513387"/>
+            </a:xfrm>
+            <a:prstGeom prst="straightConnector1">
               <a:avLst/>
-            </a:prstTxWarp>
-          </a:bodyPr>
-          <a:lstStyle/>
-          <a:p>
-            <a:pPr marL="0" marR="0" indent="0" algn="ctr" defTabSz="914400" rtl="0" eaLnBrk="0" fontAlgn="base" latinLnBrk="0" hangingPunct="0">
-              <a:lnSpc>
-                <a:spcPct val="100000"/>
-              </a:lnSpc>
-              <a:spcBef>
-                <a:spcPct val="0"/>
-              </a:spcBef>
-              <a:spcAft>
-                <a:spcPct val="0"/>
-              </a:spcAft>
-              <a:buClrTx/>
-              <a:buSzTx/>
-              <a:buFontTx/>
-              <a:buNone/>
-              <a:tabLst/>
-            </a:pPr>
-            <a:r>
-              <a:rPr lang="de-DE" sz="1400" dirty="0">
-                <a:solidFill>
-                  <a:schemeClr val="bg1"/>
-                </a:solidFill>
-                <a:ea typeface="ＭＳ Ｐゴシック" pitchFamily="1" charset="-128"/>
-              </a:rPr>
-              <a:t>Power-Reports</a:t>
-            </a:r>
-            <a:endParaRPr kumimoji="0" lang="de-DE" sz="1400" b="0" i="0" u="none" strike="noStrike" cap="none" normalizeH="0" baseline="0" dirty="0">
-              <a:ln>
-                <a:noFill/>
-              </a:ln>
+            </a:prstGeom>
+            <a:solidFill>
+              <a:schemeClr val="accent1"/>
+            </a:solidFill>
+            <a:ln w="9525" cap="flat" cmpd="sng" algn="ctr">
               <a:solidFill>
-                <a:schemeClr val="bg1"/>
+                <a:schemeClr val="tx1"/>
               </a:solidFill>
-              <a:effectLst/>
-              <a:ea typeface="ＭＳ Ｐゴシック" pitchFamily="1" charset="-128"/>
-            </a:endParaRPr>
-          </a:p>
-        </p:txBody>
-      </p:sp>
-      <p:cxnSp>
-        <p:nvCxnSpPr>
-          <p:cNvPr id="16" name="Gerade Verbindung mit Pfeil 15"/>
-          <p:cNvCxnSpPr>
-            <a:stCxn id="5" idx="2"/>
-            <a:endCxn id="7" idx="1"/>
-          </p:cNvCxnSpPr>
-          <p:nvPr/>
-        </p:nvCxnSpPr>
-        <p:spPr bwMode="auto">
-          <a:xfrm>
-            <a:off x="4642431" y="2380868"/>
-            <a:ext cx="746300" cy="363063"/>
-          </a:xfrm>
-          <a:prstGeom prst="straightConnector1">
-            <a:avLst/>
-          </a:prstGeom>
-          <a:solidFill>
-            <a:schemeClr val="accent1"/>
-          </a:solidFill>
-          <a:ln w="9525" cap="flat" cmpd="sng" algn="ctr">
+              <a:prstDash val="solid"/>
+              <a:round/>
+              <a:headEnd type="none" w="med" len="med"/>
+              <a:tailEnd type="triangle"/>
+            </a:ln>
+            <a:effectLst/>
+          </p:spPr>
+        </p:cxnSp>
+        <p:cxnSp>
+          <p:nvCxnSpPr>
+            <p:cNvPr id="44" name="Gerade Verbindung mit Pfeil 43"/>
+            <p:cNvCxnSpPr>
+              <a:stCxn id="12" idx="2"/>
+              <a:endCxn id="13" idx="3"/>
+            </p:cNvCxnSpPr>
+            <p:nvPr/>
+          </p:nvCxnSpPr>
+          <p:spPr bwMode="auto">
+            <a:xfrm flipH="1">
+              <a:off x="6897106" y="4438358"/>
+              <a:ext cx="884335" cy="513387"/>
+            </a:xfrm>
+            <a:prstGeom prst="straightConnector1">
+              <a:avLst/>
+            </a:prstGeom>
             <a:solidFill>
-              <a:schemeClr val="tx1"/>
+              <a:schemeClr val="accent1"/>
             </a:solidFill>
-            <a:prstDash val="solid"/>
-            <a:round/>
-            <a:headEnd type="none" w="med" len="med"/>
-            <a:tailEnd type="triangle"/>
-          </a:ln>
-          <a:effectLst/>
-        </p:spPr>
-      </p:cxnSp>
-      <p:cxnSp>
-        <p:nvCxnSpPr>
-          <p:cNvPr id="19" name="Gerade Verbindung mit Pfeil 18"/>
-          <p:cNvCxnSpPr>
-            <a:stCxn id="6" idx="2"/>
-            <a:endCxn id="7" idx="3"/>
-          </p:cNvCxnSpPr>
-          <p:nvPr/>
-        </p:nvCxnSpPr>
-        <p:spPr bwMode="auto">
-          <a:xfrm flipH="1">
-            <a:off x="7161385" y="2388458"/>
-            <a:ext cx="812324" cy="355473"/>
-          </a:xfrm>
-          <a:prstGeom prst="straightConnector1">
-            <a:avLst/>
-          </a:prstGeom>
-          <a:solidFill>
-            <a:schemeClr val="accent1"/>
-          </a:solidFill>
-          <a:ln w="9525" cap="flat" cmpd="sng" algn="ctr">
+            <a:ln w="9525" cap="flat" cmpd="sng" algn="ctr">
+              <a:solidFill>
+                <a:schemeClr val="tx1"/>
+              </a:solidFill>
+              <a:prstDash val="solid"/>
+              <a:round/>
+              <a:headEnd type="none" w="med" len="med"/>
+              <a:tailEnd type="triangle"/>
+            </a:ln>
+            <a:effectLst/>
+          </p:spPr>
+        </p:cxnSp>
+        <p:cxnSp>
+          <p:nvCxnSpPr>
+            <p:cNvPr id="47" name="Gerade Verbindung mit Pfeil 46"/>
+            <p:cNvCxnSpPr>
+              <a:stCxn id="13" idx="2"/>
+              <a:endCxn id="14" idx="0"/>
+            </p:cNvCxnSpPr>
+            <p:nvPr/>
+          </p:nvCxnSpPr>
+          <p:spPr bwMode="auto">
+            <a:xfrm>
+              <a:off x="6105106" y="5291023"/>
+              <a:ext cx="0" cy="315703"/>
+            </a:xfrm>
+            <a:prstGeom prst="straightConnector1">
+              <a:avLst/>
+            </a:prstGeom>
             <a:solidFill>
-              <a:schemeClr val="tx1"/>
+              <a:schemeClr val="accent1"/>
             </a:solidFill>
-            <a:prstDash val="solid"/>
-            <a:round/>
-            <a:headEnd type="none" w="med" len="med"/>
-            <a:tailEnd type="triangle"/>
-          </a:ln>
-          <a:effectLst/>
-        </p:spPr>
-      </p:cxnSp>
-      <p:cxnSp>
-        <p:nvCxnSpPr>
-          <p:cNvPr id="26" name="Gerade Verbindung mit Pfeil 25"/>
-          <p:cNvCxnSpPr>
-            <a:stCxn id="7" idx="2"/>
-            <a:endCxn id="8" idx="0"/>
-          </p:cNvCxnSpPr>
-          <p:nvPr/>
-        </p:nvCxnSpPr>
-        <p:spPr bwMode="auto">
-          <a:xfrm>
-            <a:off x="6275058" y="2947498"/>
-            <a:ext cx="2115" cy="309707"/>
-          </a:xfrm>
-          <a:prstGeom prst="straightConnector1">
-            <a:avLst/>
-          </a:prstGeom>
-          <a:solidFill>
-            <a:schemeClr val="accent1"/>
-          </a:solidFill>
-          <a:ln w="9525" cap="flat" cmpd="sng" algn="ctr">
+            <a:ln w="9525" cap="flat" cmpd="sng" algn="ctr">
+              <a:solidFill>
+                <a:schemeClr val="tx1"/>
+              </a:solidFill>
+              <a:prstDash val="solid"/>
+              <a:round/>
+              <a:headEnd type="none" w="med" len="med"/>
+              <a:tailEnd type="triangle"/>
+            </a:ln>
+            <a:effectLst/>
+          </p:spPr>
+        </p:cxnSp>
+        <p:cxnSp>
+          <p:nvCxnSpPr>
+            <p:cNvPr id="57" name="Gerader Verbinder 56"/>
+            <p:cNvCxnSpPr/>
+            <p:nvPr/>
+          </p:nvCxnSpPr>
+          <p:spPr bwMode="auto">
+            <a:xfrm>
+              <a:off x="3571010" y="3860801"/>
+              <a:ext cx="4973824" cy="3125"/>
+            </a:xfrm>
+            <a:prstGeom prst="line">
+              <a:avLst/>
+            </a:prstGeom>
             <a:solidFill>
-              <a:schemeClr val="tx1"/>
+              <a:schemeClr val="accent1"/>
             </a:solidFill>
-            <a:prstDash val="solid"/>
-            <a:round/>
-            <a:headEnd type="none" w="med" len="med"/>
-            <a:tailEnd type="triangle"/>
-          </a:ln>
-          <a:effectLst/>
-        </p:spPr>
-      </p:cxnSp>
-      <p:cxnSp>
-        <p:nvCxnSpPr>
-          <p:cNvPr id="32" name="Gerade Verbindung mit Pfeil 31"/>
-          <p:cNvCxnSpPr>
-            <a:stCxn id="8" idx="2"/>
-            <a:endCxn id="13" idx="0"/>
-          </p:cNvCxnSpPr>
-          <p:nvPr/>
-        </p:nvCxnSpPr>
-        <p:spPr bwMode="auto">
-          <a:xfrm flipH="1">
-            <a:off x="6266663" y="3528628"/>
-            <a:ext cx="10510" cy="1083839"/>
-          </a:xfrm>
-          <a:prstGeom prst="straightConnector1">
-            <a:avLst/>
-          </a:prstGeom>
-          <a:solidFill>
-            <a:schemeClr val="accent1"/>
-          </a:solidFill>
-          <a:ln w="9525" cap="flat" cmpd="sng" algn="ctr">
-            <a:solidFill>
-              <a:schemeClr val="tx1"/>
-            </a:solidFill>
-            <a:prstDash val="solid"/>
-            <a:round/>
-            <a:headEnd type="none" w="med" len="med"/>
-            <a:tailEnd type="triangle"/>
-          </a:ln>
-          <a:effectLst/>
-        </p:spPr>
-      </p:cxnSp>
-      <p:cxnSp>
-        <p:nvCxnSpPr>
-          <p:cNvPr id="41" name="Gerade Verbindung mit Pfeil 40"/>
-          <p:cNvCxnSpPr>
-            <a:stCxn id="11" idx="2"/>
-            <a:endCxn id="13" idx="1"/>
-          </p:cNvCxnSpPr>
-          <p:nvPr/>
-        </p:nvCxnSpPr>
-        <p:spPr bwMode="auto">
-          <a:xfrm>
-            <a:off x="4637680" y="4438358"/>
-            <a:ext cx="839950" cy="513387"/>
-          </a:xfrm>
-          <a:prstGeom prst="straightConnector1">
-            <a:avLst/>
-          </a:prstGeom>
-          <a:solidFill>
-            <a:schemeClr val="accent1"/>
-          </a:solidFill>
-          <a:ln w="9525" cap="flat" cmpd="sng" algn="ctr">
-            <a:solidFill>
-              <a:schemeClr val="tx1"/>
-            </a:solidFill>
-            <a:prstDash val="solid"/>
-            <a:round/>
-            <a:headEnd type="none" w="med" len="med"/>
-            <a:tailEnd type="triangle"/>
-          </a:ln>
-          <a:effectLst/>
-        </p:spPr>
-      </p:cxnSp>
-      <p:cxnSp>
-        <p:nvCxnSpPr>
-          <p:cNvPr id="44" name="Gerade Verbindung mit Pfeil 43"/>
-          <p:cNvCxnSpPr>
-            <a:stCxn id="12" idx="2"/>
-            <a:endCxn id="13" idx="3"/>
-          </p:cNvCxnSpPr>
-          <p:nvPr/>
-        </p:nvCxnSpPr>
-        <p:spPr bwMode="auto">
-          <a:xfrm flipH="1">
-            <a:off x="7055696" y="4438358"/>
-            <a:ext cx="918014" cy="513387"/>
-          </a:xfrm>
-          <a:prstGeom prst="straightConnector1">
-            <a:avLst/>
-          </a:prstGeom>
-          <a:solidFill>
-            <a:schemeClr val="accent1"/>
-          </a:solidFill>
-          <a:ln w="9525" cap="flat" cmpd="sng" algn="ctr">
-            <a:solidFill>
-              <a:schemeClr val="tx1"/>
-            </a:solidFill>
-            <a:prstDash val="solid"/>
-            <a:round/>
-            <a:headEnd type="none" w="med" len="med"/>
-            <a:tailEnd type="triangle"/>
-          </a:ln>
-          <a:effectLst/>
-        </p:spPr>
-      </p:cxnSp>
-      <p:cxnSp>
-        <p:nvCxnSpPr>
-          <p:cNvPr id="47" name="Gerade Verbindung mit Pfeil 46"/>
-          <p:cNvCxnSpPr>
-            <a:stCxn id="13" idx="2"/>
-            <a:endCxn id="14" idx="0"/>
-          </p:cNvCxnSpPr>
-          <p:nvPr/>
-        </p:nvCxnSpPr>
-        <p:spPr bwMode="auto">
-          <a:xfrm>
-            <a:off x="6266663" y="5291023"/>
-            <a:ext cx="0" cy="315703"/>
-          </a:xfrm>
-          <a:prstGeom prst="straightConnector1">
-            <a:avLst/>
-          </a:prstGeom>
-          <a:solidFill>
-            <a:schemeClr val="accent1"/>
-          </a:solidFill>
-          <a:ln w="9525" cap="flat" cmpd="sng" algn="ctr">
-            <a:solidFill>
-              <a:schemeClr val="tx1"/>
-            </a:solidFill>
-            <a:prstDash val="solid"/>
-            <a:round/>
-            <a:headEnd type="none" w="med" len="med"/>
-            <a:tailEnd type="triangle"/>
-          </a:ln>
-          <a:effectLst/>
-        </p:spPr>
-      </p:cxnSp>
-      <p:cxnSp>
-        <p:nvCxnSpPr>
-          <p:cNvPr id="57" name="Gerader Verbinder 56"/>
-          <p:cNvCxnSpPr/>
-          <p:nvPr/>
-        </p:nvCxnSpPr>
-        <p:spPr bwMode="auto">
-          <a:xfrm>
-            <a:off x="3746500" y="3860801"/>
-            <a:ext cx="4973824" cy="3125"/>
-          </a:xfrm>
-          <a:prstGeom prst="line">
-            <a:avLst/>
-          </a:prstGeom>
-          <a:solidFill>
-            <a:schemeClr val="accent1"/>
-          </a:solidFill>
-          <a:ln w="9525" cap="flat" cmpd="sng" algn="ctr">
-            <a:solidFill>
-              <a:schemeClr val="tx1"/>
-            </a:solidFill>
-            <a:prstDash val="dash"/>
-            <a:round/>
-            <a:headEnd type="none" w="med" len="med"/>
-            <a:tailEnd type="none" w="med" len="med"/>
-          </a:ln>
-          <a:effectLst/>
-        </p:spPr>
-      </p:cxnSp>
-      <p:sp>
-        <p:nvSpPr>
-          <p:cNvPr id="59" name="Textfeld 58"/>
-          <p:cNvSpPr txBox="1"/>
-          <p:nvPr/>
-        </p:nvSpPr>
-        <p:spPr>
-          <a:xfrm rot="16200000">
-            <a:off x="2855686" y="4864947"/>
-            <a:ext cx="1606832" cy="400110"/>
-          </a:xfrm>
-          <a:prstGeom prst="rect">
-            <a:avLst/>
-          </a:prstGeom>
-          <a:noFill/>
-        </p:spPr>
-        <p:txBody>
-          <a:bodyPr wrap="square" rtlCol="0" anchor="ctr">
-            <a:spAutoFit/>
-          </a:bodyPr>
-          <a:lstStyle/>
-          <a:p>
-            <a:r>
-              <a:rPr lang="de-DE" sz="2000" dirty="0"/>
-              <a:t>Hardware</a:t>
-            </a:r>
-          </a:p>
-        </p:txBody>
-      </p:sp>
-      <p:sp>
-        <p:nvSpPr>
-          <p:cNvPr id="60" name="Textfeld 59"/>
-          <p:cNvSpPr txBox="1"/>
-          <p:nvPr/>
-        </p:nvSpPr>
-        <p:spPr>
-          <a:xfrm rot="16200000">
-            <a:off x="2860437" y="2831194"/>
-            <a:ext cx="1606832" cy="400110"/>
-          </a:xfrm>
-          <a:prstGeom prst="rect">
-            <a:avLst/>
-          </a:prstGeom>
-          <a:noFill/>
-        </p:spPr>
-        <p:txBody>
-          <a:bodyPr wrap="square" rtlCol="0" anchor="ctr">
-            <a:spAutoFit/>
-          </a:bodyPr>
-          <a:lstStyle/>
-          <a:p>
-            <a:r>
-              <a:rPr lang="de-DE" sz="2000" dirty="0"/>
-              <a:t>Software</a:t>
-            </a:r>
-          </a:p>
-        </p:txBody>
-      </p:sp>
+            <a:ln w="9525" cap="flat" cmpd="sng" algn="ctr">
+              <a:solidFill>
+                <a:schemeClr val="tx1"/>
+              </a:solidFill>
+              <a:prstDash val="dash"/>
+              <a:round/>
+              <a:headEnd type="none" w="med" len="med"/>
+              <a:tailEnd type="none" w="med" len="med"/>
+            </a:ln>
+            <a:effectLst/>
+          </p:spPr>
+        </p:cxnSp>
+        <p:sp>
+          <p:nvSpPr>
+            <p:cNvPr id="59" name="Textfeld 58"/>
+            <p:cNvSpPr txBox="1"/>
+            <p:nvPr/>
+          </p:nvSpPr>
+          <p:spPr>
+            <a:xfrm rot="16200000">
+              <a:off x="2680196" y="4874678"/>
+              <a:ext cx="1606832" cy="400110"/>
+            </a:xfrm>
+            <a:prstGeom prst="rect">
+              <a:avLst/>
+            </a:prstGeom>
+            <a:noFill/>
+          </p:spPr>
+          <p:txBody>
+            <a:bodyPr wrap="square" rtlCol="0" anchor="ctr">
+              <a:spAutoFit/>
+            </a:bodyPr>
+            <a:lstStyle/>
+            <a:p>
+              <a:r>
+                <a:rPr lang="de-DE" sz="2000" dirty="0">
+                  <a:latin typeface="+mn-lt"/>
+                </a:rPr>
+                <a:t>Hardware</a:t>
+              </a:r>
+            </a:p>
+          </p:txBody>
+        </p:sp>
+        <p:sp>
+          <p:nvSpPr>
+            <p:cNvPr id="60" name="Textfeld 59"/>
+            <p:cNvSpPr txBox="1"/>
+            <p:nvPr/>
+          </p:nvSpPr>
+          <p:spPr>
+            <a:xfrm rot="16200000">
+              <a:off x="2680196" y="2583347"/>
+              <a:ext cx="1606832" cy="400110"/>
+            </a:xfrm>
+            <a:prstGeom prst="rect">
+              <a:avLst/>
+            </a:prstGeom>
+            <a:noFill/>
+          </p:spPr>
+          <p:txBody>
+            <a:bodyPr wrap="square" rtlCol="0" anchor="ctr">
+              <a:spAutoFit/>
+            </a:bodyPr>
+            <a:lstStyle/>
+            <a:p>
+              <a:r>
+                <a:rPr lang="de-DE" sz="2000" dirty="0">
+                  <a:latin typeface="+mn-lt"/>
+                </a:rPr>
+                <a:t>Software</a:t>
+              </a:r>
+            </a:p>
+          </p:txBody>
+        </p:sp>
+      </p:grpSp>
     </p:spTree>
     <p:extLst>
       <p:ext uri="{BB962C8B-B14F-4D97-AF65-F5344CB8AC3E}">
@@ -19826,6 +21258,13 @@
   <p:clrMapOvr>
     <a:masterClrMapping/>
   </p:clrMapOvr>
+  <p:timing>
+    <p:tnLst>
+      <p:par>
+        <p:cTn id="1" dur="indefinite" restart="never" nodeType="tmRoot"/>
+      </p:par>
+    </p:tnLst>
+  </p:timing>
 </p:sld>
 </file>
 
@@ -19977,6 +21416,13 @@
   <p:clrMapOvr>
     <a:masterClrMapping/>
   </p:clrMapOvr>
+  <p:timing>
+    <p:tnLst>
+      <p:par>
+        <p:cTn id="1" dur="indefinite" restart="never" nodeType="tmRoot"/>
+      </p:par>
+    </p:tnLst>
+  </p:timing>
 </p:sld>
 </file>
 
@@ -20013,6 +21459,35 @@
           <a:lstStyle/>
           <a:p>
             <a:r>
+              <a:rPr lang="de-DE" dirty="0" smtClean="0"/>
+              <a:t>Initialisieren der Register mit Nullen</a:t>
+            </a:r>
+          </a:p>
+          <a:p>
+            <a:r>
+              <a:rPr lang="de-DE" dirty="0" smtClean="0"/>
+              <a:t>Manuelles </a:t>
+            </a:r>
+            <a:r>
+              <a:rPr lang="de-DE" dirty="0" err="1" smtClean="0"/>
+              <a:t>Scheduling</a:t>
+            </a:r>
+            <a:endParaRPr lang="de-DE" dirty="0"/>
+          </a:p>
+          <a:p>
+            <a:r>
+              <a:rPr lang="de-DE" dirty="0" smtClean="0"/>
+              <a:t>Nur physikalische Register</a:t>
+            </a:r>
+          </a:p>
+          <a:p>
+            <a:r>
+              <a:rPr lang="de-DE" dirty="0" smtClean="0"/>
+              <a:t>Zwei Testfälle mit schlechtester und bester Adressierung</a:t>
+            </a:r>
+          </a:p>
+          <a:p>
+            <a:r>
               <a:rPr lang="de-DE" dirty="0" err="1"/>
               <a:t>Worst</a:t>
             </a:r>
@@ -20022,14 +21497,29 @@
             </a:r>
           </a:p>
           <a:p>
+            <a:pPr marL="0" indent="0">
+              <a:buNone/>
+            </a:pPr>
             <a:endParaRPr lang="de-DE" dirty="0"/>
           </a:p>
           <a:p>
+            <a:pPr marL="0" indent="0">
+              <a:buNone/>
+            </a:pPr>
+            <a:r>
+              <a:rPr lang="de-DE" dirty="0">
+                <a:solidFill>
+                  <a:schemeClr val="bg2"/>
+                </a:solidFill>
+                <a:sym typeface="Wingdings" panose="05000000000000000000" pitchFamily="2" charset="2"/>
+              </a:rPr>
+              <a:t></a:t>
+            </a:r>
             <a:r>
               <a:rPr lang="de-DE" dirty="0">
                 <a:sym typeface="Wingdings" panose="05000000000000000000" pitchFamily="2" charset="2"/>
               </a:rPr>
-              <a:t>maximale Einsparung: </a:t>
+              <a:t>maximale Einsparung: </a:t>
             </a:r>
           </a:p>
           <a:p>
@@ -20038,16 +21528,40 @@
               <a:rPr lang="de-DE" dirty="0">
                 <a:sym typeface="Wingdings" panose="05000000000000000000" pitchFamily="2" charset="2"/>
               </a:rPr>
-              <a:t>Leistung Register-File: 18,33%</a:t>
-            </a:r>
-          </a:p>
-          <a:p>
-            <a:pPr lvl="1"/>
+              <a:t>Leistung Register-File: </a:t>
+            </a:r>
+            <a:r>
+              <a:rPr lang="de-DE" dirty="0" smtClean="0">
+                <a:sym typeface="Wingdings" panose="05000000000000000000" pitchFamily="2" charset="2"/>
+              </a:rPr>
+              <a:t>-18,33</a:t>
+            </a:r>
             <a:r>
               <a:rPr lang="de-DE" dirty="0">
                 <a:sym typeface="Wingdings" panose="05000000000000000000" pitchFamily="2" charset="2"/>
               </a:rPr>
-              <a:t>Gesamtleistung: 7,87%</a:t>
+              <a:t>%</a:t>
+            </a:r>
+          </a:p>
+          <a:p>
+            <a:pPr lvl="1"/>
+            <a:r>
+              <a:rPr lang="de-DE" dirty="0">
+                <a:sym typeface="Wingdings" panose="05000000000000000000" pitchFamily="2" charset="2"/>
+              </a:rPr>
+              <a:t>Gesamtleistung: </a:t>
+            </a:r>
+            <a:r>
+              <a:rPr lang="de-DE" dirty="0" smtClean="0">
+                <a:sym typeface="Wingdings" panose="05000000000000000000" pitchFamily="2" charset="2"/>
+              </a:rPr>
+              <a:t>-7,87</a:t>
+            </a:r>
+            <a:r>
+              <a:rPr lang="de-DE" dirty="0">
+                <a:sym typeface="Wingdings" panose="05000000000000000000" pitchFamily="2" charset="2"/>
+              </a:rPr>
+              <a:t>%</a:t>
             </a:r>
           </a:p>
         </p:txBody>
@@ -20088,6 +21602,13 @@
   <p:clrMapOvr>
     <a:masterClrMapping/>
   </p:clrMapOvr>
+  <p:timing>
+    <p:tnLst>
+      <p:par>
+        <p:cTn id="1" dur="indefinite" restart="never" nodeType="tmRoot"/>
+      </p:par>
+    </p:tnLst>
+  </p:timing>
 </p:sld>
 </file>
 
@@ -20110,6 +21631,105 @@
       </p:grpSpPr>
       <p:sp>
         <p:nvSpPr>
+          <p:cNvPr id="6" name="Inhaltsplatzhalter 1"/>
+          <p:cNvSpPr>
+            <a:spLocks noGrp="1"/>
+          </p:cNvSpPr>
+          <p:nvPr>
+            <p:ph idx="1"/>
+          </p:nvPr>
+        </p:nvSpPr>
+        <p:spPr>
+          <a:xfrm>
+            <a:off x="503238" y="1508275"/>
+            <a:ext cx="8412162" cy="4606197"/>
+          </a:xfrm>
+        </p:spPr>
+        <p:txBody>
+          <a:bodyPr/>
+          <a:lstStyle/>
+          <a:p>
+            <a:r>
+              <a:rPr lang="de-DE" dirty="0" err="1" smtClean="0"/>
+              <a:t>Hamming</a:t>
+            </a:r>
+            <a:r>
+              <a:rPr lang="de-DE" dirty="0" smtClean="0"/>
+              <a:t>-Distanzen für Schreib- und Lese-Register identisch</a:t>
+            </a:r>
+          </a:p>
+          <a:p>
+            <a:r>
+              <a:rPr lang="de-DE" dirty="0" smtClean="0"/>
+              <a:t>Linearer Verlauf der Schaltleistungen über der </a:t>
+            </a:r>
+            <a:r>
+              <a:rPr lang="de-DE" dirty="0" err="1" smtClean="0"/>
+              <a:t>Hamming</a:t>
+            </a:r>
+            <a:r>
+              <a:rPr lang="de-DE" dirty="0" smtClean="0"/>
+              <a:t>-Distanz</a:t>
+            </a:r>
+          </a:p>
+          <a:p>
+            <a:endParaRPr lang="de-DE" dirty="0" smtClean="0"/>
+          </a:p>
+          <a:p>
+            <a:endParaRPr lang="de-DE" dirty="0"/>
+          </a:p>
+          <a:p>
+            <a:endParaRPr lang="de-DE" dirty="0" smtClean="0"/>
+          </a:p>
+          <a:p>
+            <a:endParaRPr lang="de-DE" dirty="0"/>
+          </a:p>
+          <a:p>
+            <a:endParaRPr lang="de-DE" dirty="0" smtClean="0"/>
+          </a:p>
+          <a:p>
+            <a:endParaRPr lang="de-DE" dirty="0"/>
+          </a:p>
+          <a:p>
+            <a:endParaRPr lang="de-DE" dirty="0" smtClean="0"/>
+          </a:p>
+          <a:p>
+            <a:pPr marL="0" indent="0">
+              <a:buNone/>
+            </a:pPr>
+            <a:endParaRPr lang="de-DE" dirty="0" smtClean="0"/>
+          </a:p>
+          <a:p>
+            <a:pPr marL="0" indent="0">
+              <a:buNone/>
+            </a:pPr>
+            <a:r>
+              <a:rPr lang="de-DE" dirty="0" smtClean="0">
+                <a:solidFill>
+                  <a:schemeClr val="bg2"/>
+                </a:solidFill>
+                <a:sym typeface="Wingdings" panose="05000000000000000000" pitchFamily="2" charset="2"/>
+              </a:rPr>
+              <a:t></a:t>
+            </a:r>
+            <a:r>
+              <a:rPr lang="de-DE" dirty="0" smtClean="0">
+                <a:sym typeface="Wingdings" panose="05000000000000000000" pitchFamily="2" charset="2"/>
+              </a:rPr>
+              <a:t>Einfluss </a:t>
+            </a:r>
+            <a:r>
+              <a:rPr lang="de-DE" dirty="0">
+                <a:sym typeface="Wingdings" panose="05000000000000000000" pitchFamily="2" charset="2"/>
+              </a:rPr>
+              <a:t>der Lastkapazität auf die Verlustleistung</a:t>
+            </a:r>
+            <a:endParaRPr lang="de-DE" dirty="0" smtClean="0"/>
+          </a:p>
+        </p:txBody>
+      </p:sp>
+      <p:sp>
+        <p:nvSpPr>
           <p:cNvPr id="3" name="Titel 2"/>
           <p:cNvSpPr>
             <a:spLocks noGrp="1"/>
@@ -20139,14 +21759,14 @@
           <p:nvPr>
             <p:extLst>
               <p:ext uri="{D42A27DB-BD31-4B8C-83A1-F6EECF244321}">
-                <p14:modId xmlns:p14="http://schemas.microsoft.com/office/powerpoint/2010/main" val="1142016276"/>
+                <p14:modId xmlns:p14="http://schemas.microsoft.com/office/powerpoint/2010/main" val="3234466567"/>
               </p:ext>
             </p:extLst>
           </p:nvPr>
         </p:nvGraphicFramePr>
         <p:xfrm>
-          <a:off x="638175" y="1676399"/>
-          <a:ext cx="7620000" cy="3743326"/>
+          <a:off x="1199934" y="2576944"/>
+          <a:ext cx="7018770" cy="3272841"/>
         </p:xfrm>
         <a:graphic>
           <a:graphicData uri="http://schemas.openxmlformats.org/drawingml/2006/chart">
@@ -20154,38 +21774,6 @@
           </a:graphicData>
         </a:graphic>
       </p:graphicFrame>
-      <p:sp>
-        <p:nvSpPr>
-          <p:cNvPr id="2" name="Textfeld 1"/>
-          <p:cNvSpPr txBox="1"/>
-          <p:nvPr/>
-        </p:nvSpPr>
-        <p:spPr>
-          <a:xfrm>
-            <a:off x="503238" y="5387974"/>
-            <a:ext cx="8153400" cy="461665"/>
-          </a:xfrm>
-          <a:prstGeom prst="rect">
-            <a:avLst/>
-          </a:prstGeom>
-          <a:noFill/>
-        </p:spPr>
-        <p:txBody>
-          <a:bodyPr wrap="square" rtlCol="0">
-            <a:spAutoFit/>
-          </a:bodyPr>
-          <a:lstStyle/>
-          <a:p>
-            <a:r>
-              <a:rPr lang="de-DE" dirty="0">
-                <a:sym typeface="Wingdings" panose="05000000000000000000" pitchFamily="2" charset="2"/>
-              </a:rPr>
-              <a:t> Einfluss der Lastkapazität auf die Verlustleistung </a:t>
-            </a:r>
-            <a:endParaRPr lang="de-DE" dirty="0"/>
-          </a:p>
-        </p:txBody>
-      </p:sp>
     </p:spTree>
     <p:extLst>
       <p:ext uri="{BB962C8B-B14F-4D97-AF65-F5344CB8AC3E}">
@@ -20196,6 +21784,13 @@
   <p:clrMapOvr>
     <a:masterClrMapping/>
   </p:clrMapOvr>
+  <p:timing>
+    <p:tnLst>
+      <p:par>
+        <p:cTn id="1" dur="indefinite" restart="never" nodeType="tmRoot"/>
+      </p:par>
+    </p:tnLst>
+  </p:timing>
 </p:sld>
 </file>
 
@@ -20216,6 +21811,284 @@
           <a:chExt cx="0" cy="0"/>
         </a:xfrm>
       </p:grpSpPr>
+      <p:sp>
+        <p:nvSpPr>
+          <p:cNvPr id="4" name="Inhaltsplatzhalter 1"/>
+          <p:cNvSpPr txBox="1">
+            <a:spLocks/>
+          </p:cNvSpPr>
+          <p:nvPr/>
+        </p:nvSpPr>
+        <p:spPr bwMode="auto">
+          <a:xfrm>
+            <a:off x="503238" y="1508275"/>
+            <a:ext cx="8412162" cy="4606197"/>
+          </a:xfrm>
+          <a:prstGeom prst="rect">
+            <a:avLst/>
+          </a:prstGeom>
+          <a:noFill/>
+          <a:ln w="9525">
+            <a:noFill/>
+            <a:miter lim="800000"/>
+            <a:headEnd/>
+            <a:tailEnd/>
+          </a:ln>
+        </p:spPr>
+        <p:txBody>
+          <a:bodyPr vert="horz" wrap="square" lIns="91440" tIns="45720" rIns="91440" bIns="45720" numCol="1" anchor="t" anchorCtr="0" compatLnSpc="1">
+            <a:prstTxWarp prst="textNoShape">
+              <a:avLst/>
+            </a:prstTxWarp>
+          </a:bodyPr>
+          <a:lstStyle>
+            <a:lvl1pPr marL="342900" indent="-342900" algn="l" rtl="0" eaLnBrk="1" fontAlgn="base" hangingPunct="1">
+              <a:spcBef>
+                <a:spcPct val="20000"/>
+              </a:spcBef>
+              <a:spcAft>
+                <a:spcPct val="0"/>
+              </a:spcAft>
+              <a:buClr>
+                <a:schemeClr val="bg2"/>
+              </a:buClr>
+              <a:buFont typeface="Wingdings" pitchFamily="2" charset="2"/>
+              <a:buChar char="§"/>
+              <a:defRPr sz="2400">
+                <a:solidFill>
+                  <a:schemeClr val="tx1"/>
+                </a:solidFill>
+                <a:latin typeface="+mn-lt"/>
+                <a:ea typeface="MS PGothic" pitchFamily="34" charset="-128"/>
+                <a:cs typeface="+mn-cs"/>
+              </a:defRPr>
+            </a:lvl1pPr>
+            <a:lvl2pPr marL="742950" indent="-285750" algn="l" rtl="0" eaLnBrk="1" fontAlgn="base" hangingPunct="1">
+              <a:spcBef>
+                <a:spcPct val="20000"/>
+              </a:spcBef>
+              <a:spcAft>
+                <a:spcPct val="0"/>
+              </a:spcAft>
+              <a:buClr>
+                <a:schemeClr val="bg2"/>
+              </a:buClr>
+              <a:buFont typeface="Wingdings" pitchFamily="2" charset="2"/>
+              <a:buChar char="§"/>
+              <a:defRPr sz="2400">
+                <a:solidFill>
+                  <a:schemeClr val="tx1"/>
+                </a:solidFill>
+                <a:latin typeface="+mn-lt"/>
+                <a:ea typeface="MS PGothic" pitchFamily="34" charset="-128"/>
+              </a:defRPr>
+            </a:lvl2pPr>
+            <a:lvl3pPr marL="1143000" indent="-228600" algn="l" rtl="0" eaLnBrk="1" fontAlgn="base" hangingPunct="1">
+              <a:spcBef>
+                <a:spcPct val="20000"/>
+              </a:spcBef>
+              <a:spcAft>
+                <a:spcPct val="0"/>
+              </a:spcAft>
+              <a:buClr>
+                <a:schemeClr val="bg2"/>
+              </a:buClr>
+              <a:buFont typeface="Wingdings" pitchFamily="2" charset="2"/>
+              <a:buChar char="§"/>
+              <a:defRPr sz="2400">
+                <a:solidFill>
+                  <a:schemeClr val="tx1"/>
+                </a:solidFill>
+                <a:latin typeface="+mn-lt"/>
+                <a:ea typeface="MS PGothic" pitchFamily="34" charset="-128"/>
+              </a:defRPr>
+            </a:lvl3pPr>
+            <a:lvl4pPr marL="1600200" indent="-228600" algn="l" rtl="0" eaLnBrk="1" fontAlgn="base" hangingPunct="1">
+              <a:spcBef>
+                <a:spcPct val="20000"/>
+              </a:spcBef>
+              <a:spcAft>
+                <a:spcPct val="0"/>
+              </a:spcAft>
+              <a:buClr>
+                <a:schemeClr val="bg2"/>
+              </a:buClr>
+              <a:buFont typeface="Wingdings" pitchFamily="2" charset="2"/>
+              <a:buChar char="§"/>
+              <a:defRPr sz="2000">
+                <a:solidFill>
+                  <a:schemeClr val="tx1"/>
+                </a:solidFill>
+                <a:latin typeface="+mn-lt"/>
+                <a:ea typeface="MS PGothic" pitchFamily="34" charset="-128"/>
+              </a:defRPr>
+            </a:lvl4pPr>
+            <a:lvl5pPr marL="2057400" indent="-228600" algn="l" rtl="0" eaLnBrk="1" fontAlgn="base" hangingPunct="1">
+              <a:spcBef>
+                <a:spcPct val="20000"/>
+              </a:spcBef>
+              <a:spcAft>
+                <a:spcPct val="0"/>
+              </a:spcAft>
+              <a:buClr>
+                <a:schemeClr val="bg2"/>
+              </a:buClr>
+              <a:buFont typeface="Wingdings" pitchFamily="2" charset="2"/>
+              <a:buChar char="§"/>
+              <a:defRPr sz="2000">
+                <a:solidFill>
+                  <a:schemeClr val="tx1"/>
+                </a:solidFill>
+                <a:latin typeface="+mn-lt"/>
+                <a:ea typeface="MS PGothic" pitchFamily="34" charset="-128"/>
+              </a:defRPr>
+            </a:lvl5pPr>
+            <a:lvl6pPr marL="2514600" indent="-228600" algn="l" rtl="0" eaLnBrk="1" fontAlgn="base" hangingPunct="1">
+              <a:spcBef>
+                <a:spcPct val="20000"/>
+              </a:spcBef>
+              <a:spcAft>
+                <a:spcPct val="0"/>
+              </a:spcAft>
+              <a:buClr>
+                <a:schemeClr val="bg2"/>
+              </a:buClr>
+              <a:buFont typeface="Wingdings" pitchFamily="2" charset="2"/>
+              <a:buChar char="§"/>
+              <a:defRPr sz="2000">
+                <a:solidFill>
+                  <a:schemeClr val="tx1"/>
+                </a:solidFill>
+                <a:latin typeface="+mn-lt"/>
+                <a:ea typeface="+mn-ea"/>
+              </a:defRPr>
+            </a:lvl6pPr>
+            <a:lvl7pPr marL="2971800" indent="-228600" algn="l" rtl="0" eaLnBrk="1" fontAlgn="base" hangingPunct="1">
+              <a:spcBef>
+                <a:spcPct val="20000"/>
+              </a:spcBef>
+              <a:spcAft>
+                <a:spcPct val="0"/>
+              </a:spcAft>
+              <a:buClr>
+                <a:schemeClr val="bg2"/>
+              </a:buClr>
+              <a:buFont typeface="Wingdings" pitchFamily="2" charset="2"/>
+              <a:buChar char="§"/>
+              <a:defRPr sz="2000">
+                <a:solidFill>
+                  <a:schemeClr val="tx1"/>
+                </a:solidFill>
+                <a:latin typeface="+mn-lt"/>
+                <a:ea typeface="+mn-ea"/>
+              </a:defRPr>
+            </a:lvl7pPr>
+            <a:lvl8pPr marL="3429000" indent="-228600" algn="l" rtl="0" eaLnBrk="1" fontAlgn="base" hangingPunct="1">
+              <a:spcBef>
+                <a:spcPct val="20000"/>
+              </a:spcBef>
+              <a:spcAft>
+                <a:spcPct val="0"/>
+              </a:spcAft>
+              <a:buClr>
+                <a:schemeClr val="bg2"/>
+              </a:buClr>
+              <a:buFont typeface="Wingdings" pitchFamily="2" charset="2"/>
+              <a:buChar char="§"/>
+              <a:defRPr sz="2000">
+                <a:solidFill>
+                  <a:schemeClr val="tx1"/>
+                </a:solidFill>
+                <a:latin typeface="+mn-lt"/>
+                <a:ea typeface="+mn-ea"/>
+              </a:defRPr>
+            </a:lvl8pPr>
+            <a:lvl9pPr marL="3886200" indent="-228600" algn="l" rtl="0" eaLnBrk="1" fontAlgn="base" hangingPunct="1">
+              <a:spcBef>
+                <a:spcPct val="20000"/>
+              </a:spcBef>
+              <a:spcAft>
+                <a:spcPct val="0"/>
+              </a:spcAft>
+              <a:buClr>
+                <a:schemeClr val="bg2"/>
+              </a:buClr>
+              <a:buFont typeface="Wingdings" pitchFamily="2" charset="2"/>
+              <a:buChar char="§"/>
+              <a:defRPr sz="2000">
+                <a:solidFill>
+                  <a:schemeClr val="tx1"/>
+                </a:solidFill>
+                <a:latin typeface="+mn-lt"/>
+                <a:ea typeface="+mn-ea"/>
+              </a:defRPr>
+            </a:lvl9pPr>
+          </a:lstStyle>
+          <a:p>
+            <a:r>
+              <a:rPr lang="de-DE" kern="0" dirty="0" smtClean="0"/>
+              <a:t>Adressen </a:t>
+            </a:r>
+            <a:r>
+              <a:rPr lang="de-DE" kern="0" dirty="0"/>
+              <a:t>w</a:t>
+            </a:r>
+            <a:r>
+              <a:rPr lang="de-DE" kern="0" dirty="0" smtClean="0"/>
+              <a:t>eisen unterschiedliche Lastkapazitäten auf </a:t>
+            </a:r>
+          </a:p>
+          <a:p>
+            <a:endParaRPr lang="de-DE" kern="0" dirty="0" smtClean="0"/>
+          </a:p>
+          <a:p>
+            <a:endParaRPr lang="de-DE" kern="0" dirty="0" smtClean="0"/>
+          </a:p>
+          <a:p>
+            <a:endParaRPr lang="de-DE" kern="0" dirty="0" smtClean="0"/>
+          </a:p>
+          <a:p>
+            <a:endParaRPr lang="de-DE" kern="0" dirty="0" smtClean="0"/>
+          </a:p>
+          <a:p>
+            <a:endParaRPr lang="de-DE" kern="0" dirty="0" smtClean="0"/>
+          </a:p>
+          <a:p>
+            <a:endParaRPr lang="de-DE" kern="0" dirty="0" smtClean="0"/>
+          </a:p>
+          <a:p>
+            <a:endParaRPr lang="de-DE" kern="0" dirty="0" smtClean="0"/>
+          </a:p>
+          <a:p>
+            <a:pPr marL="0" indent="0">
+              <a:buFont typeface="Wingdings" pitchFamily="2" charset="2"/>
+              <a:buNone/>
+            </a:pPr>
+            <a:endParaRPr lang="de-DE" kern="0" dirty="0" smtClean="0"/>
+          </a:p>
+          <a:p>
+            <a:pPr marL="0" indent="0">
+              <a:buNone/>
+            </a:pPr>
+            <a:r>
+              <a:rPr lang="de-DE" kern="0" dirty="0" smtClean="0">
+                <a:solidFill>
+                  <a:schemeClr val="bg2"/>
+                </a:solidFill>
+                <a:sym typeface="Wingdings" panose="05000000000000000000" pitchFamily="2" charset="2"/>
+              </a:rPr>
+              <a:t> </a:t>
+            </a:r>
+            <a:r>
+              <a:rPr lang="de-DE" kern="0" dirty="0" smtClean="0">
+                <a:sym typeface="Wingdings" panose="05000000000000000000" pitchFamily="2" charset="2"/>
+              </a:rPr>
+              <a:t>Berücksichtigung der Lastkapazität sinnvoll</a:t>
+            </a:r>
+            <a:endParaRPr lang="de-DE" kern="0" dirty="0" smtClean="0"/>
+          </a:p>
+        </p:txBody>
+      </p:sp>
       <p:pic>
         <p:nvPicPr>
           <p:cNvPr id="11" name="Inhaltsplatzhalter 10"/>
@@ -20240,8 +22113,8 @@
         </p:blipFill>
         <p:spPr>
           <a:xfrm>
-            <a:off x="503238" y="2094046"/>
-            <a:ext cx="8412162" cy="3293795"/>
+            <a:off x="782710" y="2273903"/>
+            <a:ext cx="7853218" cy="3074940"/>
           </a:xfrm>
         </p:spPr>
       </p:pic>
@@ -20277,6 +22150,13 @@
   <p:clrMapOvr>
     <a:masterClrMapping/>
   </p:clrMapOvr>
+  <p:timing>
+    <p:tnLst>
+      <p:par>
+        <p:cTn id="1" dur="indefinite" restart="never" nodeType="tmRoot"/>
+      </p:par>
+    </p:tnLst>
+  </p:timing>
 </p:sld>
 </file>
 
@@ -20299,6 +22179,282 @@
       </p:grpSpPr>
       <p:sp>
         <p:nvSpPr>
+          <p:cNvPr id="5" name="Inhaltsplatzhalter 1"/>
+          <p:cNvSpPr txBox="1">
+            <a:spLocks/>
+          </p:cNvSpPr>
+          <p:nvPr/>
+        </p:nvSpPr>
+        <p:spPr bwMode="auto">
+          <a:xfrm>
+            <a:off x="503238" y="1508275"/>
+            <a:ext cx="8412162" cy="4606197"/>
+          </a:xfrm>
+          <a:prstGeom prst="rect">
+            <a:avLst/>
+          </a:prstGeom>
+          <a:noFill/>
+          <a:ln w="9525">
+            <a:noFill/>
+            <a:miter lim="800000"/>
+            <a:headEnd/>
+            <a:tailEnd/>
+          </a:ln>
+        </p:spPr>
+        <p:txBody>
+          <a:bodyPr vert="horz" wrap="square" lIns="91440" tIns="45720" rIns="91440" bIns="45720" numCol="1" anchor="t" anchorCtr="0" compatLnSpc="1">
+            <a:prstTxWarp prst="textNoShape">
+              <a:avLst/>
+            </a:prstTxWarp>
+          </a:bodyPr>
+          <a:lstStyle>
+            <a:lvl1pPr marL="342900" indent="-342900" algn="l" rtl="0" eaLnBrk="1" fontAlgn="base" hangingPunct="1">
+              <a:spcBef>
+                <a:spcPct val="20000"/>
+              </a:spcBef>
+              <a:spcAft>
+                <a:spcPct val="0"/>
+              </a:spcAft>
+              <a:buClr>
+                <a:schemeClr val="bg2"/>
+              </a:buClr>
+              <a:buFont typeface="Wingdings" pitchFamily="2" charset="2"/>
+              <a:buChar char="§"/>
+              <a:defRPr sz="2400">
+                <a:solidFill>
+                  <a:schemeClr val="tx1"/>
+                </a:solidFill>
+                <a:latin typeface="+mn-lt"/>
+                <a:ea typeface="MS PGothic" pitchFamily="34" charset="-128"/>
+                <a:cs typeface="+mn-cs"/>
+              </a:defRPr>
+            </a:lvl1pPr>
+            <a:lvl2pPr marL="742950" indent="-285750" algn="l" rtl="0" eaLnBrk="1" fontAlgn="base" hangingPunct="1">
+              <a:spcBef>
+                <a:spcPct val="20000"/>
+              </a:spcBef>
+              <a:spcAft>
+                <a:spcPct val="0"/>
+              </a:spcAft>
+              <a:buClr>
+                <a:schemeClr val="bg2"/>
+              </a:buClr>
+              <a:buFont typeface="Wingdings" pitchFamily="2" charset="2"/>
+              <a:buChar char="§"/>
+              <a:defRPr sz="2400">
+                <a:solidFill>
+                  <a:schemeClr val="tx1"/>
+                </a:solidFill>
+                <a:latin typeface="+mn-lt"/>
+                <a:ea typeface="MS PGothic" pitchFamily="34" charset="-128"/>
+              </a:defRPr>
+            </a:lvl2pPr>
+            <a:lvl3pPr marL="1143000" indent="-228600" algn="l" rtl="0" eaLnBrk="1" fontAlgn="base" hangingPunct="1">
+              <a:spcBef>
+                <a:spcPct val="20000"/>
+              </a:spcBef>
+              <a:spcAft>
+                <a:spcPct val="0"/>
+              </a:spcAft>
+              <a:buClr>
+                <a:schemeClr val="bg2"/>
+              </a:buClr>
+              <a:buFont typeface="Wingdings" pitchFamily="2" charset="2"/>
+              <a:buChar char="§"/>
+              <a:defRPr sz="2400">
+                <a:solidFill>
+                  <a:schemeClr val="tx1"/>
+                </a:solidFill>
+                <a:latin typeface="+mn-lt"/>
+                <a:ea typeface="MS PGothic" pitchFamily="34" charset="-128"/>
+              </a:defRPr>
+            </a:lvl3pPr>
+            <a:lvl4pPr marL="1600200" indent="-228600" algn="l" rtl="0" eaLnBrk="1" fontAlgn="base" hangingPunct="1">
+              <a:spcBef>
+                <a:spcPct val="20000"/>
+              </a:spcBef>
+              <a:spcAft>
+                <a:spcPct val="0"/>
+              </a:spcAft>
+              <a:buClr>
+                <a:schemeClr val="bg2"/>
+              </a:buClr>
+              <a:buFont typeface="Wingdings" pitchFamily="2" charset="2"/>
+              <a:buChar char="§"/>
+              <a:defRPr sz="2000">
+                <a:solidFill>
+                  <a:schemeClr val="tx1"/>
+                </a:solidFill>
+                <a:latin typeface="+mn-lt"/>
+                <a:ea typeface="MS PGothic" pitchFamily="34" charset="-128"/>
+              </a:defRPr>
+            </a:lvl4pPr>
+            <a:lvl5pPr marL="2057400" indent="-228600" algn="l" rtl="0" eaLnBrk="1" fontAlgn="base" hangingPunct="1">
+              <a:spcBef>
+                <a:spcPct val="20000"/>
+              </a:spcBef>
+              <a:spcAft>
+                <a:spcPct val="0"/>
+              </a:spcAft>
+              <a:buClr>
+                <a:schemeClr val="bg2"/>
+              </a:buClr>
+              <a:buFont typeface="Wingdings" pitchFamily="2" charset="2"/>
+              <a:buChar char="§"/>
+              <a:defRPr sz="2000">
+                <a:solidFill>
+                  <a:schemeClr val="tx1"/>
+                </a:solidFill>
+                <a:latin typeface="+mn-lt"/>
+                <a:ea typeface="MS PGothic" pitchFamily="34" charset="-128"/>
+              </a:defRPr>
+            </a:lvl5pPr>
+            <a:lvl6pPr marL="2514600" indent="-228600" algn="l" rtl="0" eaLnBrk="1" fontAlgn="base" hangingPunct="1">
+              <a:spcBef>
+                <a:spcPct val="20000"/>
+              </a:spcBef>
+              <a:spcAft>
+                <a:spcPct val="0"/>
+              </a:spcAft>
+              <a:buClr>
+                <a:schemeClr val="bg2"/>
+              </a:buClr>
+              <a:buFont typeface="Wingdings" pitchFamily="2" charset="2"/>
+              <a:buChar char="§"/>
+              <a:defRPr sz="2000">
+                <a:solidFill>
+                  <a:schemeClr val="tx1"/>
+                </a:solidFill>
+                <a:latin typeface="+mn-lt"/>
+                <a:ea typeface="+mn-ea"/>
+              </a:defRPr>
+            </a:lvl6pPr>
+            <a:lvl7pPr marL="2971800" indent="-228600" algn="l" rtl="0" eaLnBrk="1" fontAlgn="base" hangingPunct="1">
+              <a:spcBef>
+                <a:spcPct val="20000"/>
+              </a:spcBef>
+              <a:spcAft>
+                <a:spcPct val="0"/>
+              </a:spcAft>
+              <a:buClr>
+                <a:schemeClr val="bg2"/>
+              </a:buClr>
+              <a:buFont typeface="Wingdings" pitchFamily="2" charset="2"/>
+              <a:buChar char="§"/>
+              <a:defRPr sz="2000">
+                <a:solidFill>
+                  <a:schemeClr val="tx1"/>
+                </a:solidFill>
+                <a:latin typeface="+mn-lt"/>
+                <a:ea typeface="+mn-ea"/>
+              </a:defRPr>
+            </a:lvl7pPr>
+            <a:lvl8pPr marL="3429000" indent="-228600" algn="l" rtl="0" eaLnBrk="1" fontAlgn="base" hangingPunct="1">
+              <a:spcBef>
+                <a:spcPct val="20000"/>
+              </a:spcBef>
+              <a:spcAft>
+                <a:spcPct val="0"/>
+              </a:spcAft>
+              <a:buClr>
+                <a:schemeClr val="bg2"/>
+              </a:buClr>
+              <a:buFont typeface="Wingdings" pitchFamily="2" charset="2"/>
+              <a:buChar char="§"/>
+              <a:defRPr sz="2000">
+                <a:solidFill>
+                  <a:schemeClr val="tx1"/>
+                </a:solidFill>
+                <a:latin typeface="+mn-lt"/>
+                <a:ea typeface="+mn-ea"/>
+              </a:defRPr>
+            </a:lvl8pPr>
+            <a:lvl9pPr marL="3886200" indent="-228600" algn="l" rtl="0" eaLnBrk="1" fontAlgn="base" hangingPunct="1">
+              <a:spcBef>
+                <a:spcPct val="20000"/>
+              </a:spcBef>
+              <a:spcAft>
+                <a:spcPct val="0"/>
+              </a:spcAft>
+              <a:buClr>
+                <a:schemeClr val="bg2"/>
+              </a:buClr>
+              <a:buFont typeface="Wingdings" pitchFamily="2" charset="2"/>
+              <a:buChar char="§"/>
+              <a:defRPr sz="2000">
+                <a:solidFill>
+                  <a:schemeClr val="tx1"/>
+                </a:solidFill>
+                <a:latin typeface="+mn-lt"/>
+                <a:ea typeface="+mn-ea"/>
+              </a:defRPr>
+            </a:lvl9pPr>
+          </a:lstStyle>
+          <a:p>
+            <a:r>
+              <a:rPr lang="de-DE" dirty="0"/>
+              <a:t>Initialisieren der Register mit Zufallszahlen</a:t>
+            </a:r>
+          </a:p>
+          <a:p>
+            <a:r>
+              <a:rPr lang="de-DE" dirty="0"/>
+              <a:t>Mehrfaches Ausführen der Register-Allokationen</a:t>
+            </a:r>
+          </a:p>
+          <a:p>
+            <a:endParaRPr lang="de-DE" kern="0" dirty="0" smtClean="0"/>
+          </a:p>
+          <a:p>
+            <a:endParaRPr lang="de-DE" kern="0" dirty="0" smtClean="0"/>
+          </a:p>
+          <a:p>
+            <a:endParaRPr lang="de-DE" kern="0" dirty="0" smtClean="0"/>
+          </a:p>
+          <a:p>
+            <a:endParaRPr lang="de-DE" kern="0" dirty="0" smtClean="0"/>
+          </a:p>
+          <a:p>
+            <a:endParaRPr lang="de-DE" kern="0" dirty="0" smtClean="0"/>
+          </a:p>
+          <a:p>
+            <a:endParaRPr lang="de-DE" kern="0" dirty="0" smtClean="0"/>
+          </a:p>
+          <a:p>
+            <a:endParaRPr lang="de-DE" kern="0" dirty="0" smtClean="0"/>
+          </a:p>
+          <a:p>
+            <a:pPr marL="0" indent="0">
+              <a:buFont typeface="Wingdings" pitchFamily="2" charset="2"/>
+              <a:buNone/>
+            </a:pPr>
+            <a:endParaRPr lang="de-DE" kern="0" dirty="0" smtClean="0"/>
+          </a:p>
+          <a:p>
+            <a:pPr marL="0" indent="0">
+              <a:buNone/>
+            </a:pPr>
+            <a:r>
+              <a:rPr lang="de-DE" kern="0" dirty="0" smtClean="0">
+                <a:solidFill>
+                  <a:schemeClr val="bg2"/>
+                </a:solidFill>
+                <a:sym typeface="Wingdings" panose="05000000000000000000" pitchFamily="2" charset="2"/>
+              </a:rPr>
+              <a:t> </a:t>
+            </a:r>
+            <a:r>
+              <a:rPr lang="de-DE" kern="0" dirty="0" smtClean="0">
+                <a:sym typeface="Wingdings" panose="05000000000000000000" pitchFamily="2" charset="2"/>
+              </a:rPr>
+              <a:t>Verlauf trotz Einfluss der Register-Daten erkennbar</a:t>
+            </a:r>
+            <a:endParaRPr lang="de-DE" kern="0" dirty="0" smtClean="0"/>
+          </a:p>
+        </p:txBody>
+      </p:sp>
+      <p:sp>
+        <p:nvSpPr>
           <p:cNvPr id="3" name="Titel 2"/>
           <p:cNvSpPr>
             <a:spLocks noGrp="1"/>
@@ -20334,14 +22490,14 @@
           <p:nvPr>
             <p:extLst>
               <p:ext uri="{D42A27DB-BD31-4B8C-83A1-F6EECF244321}">
-                <p14:modId xmlns:p14="http://schemas.microsoft.com/office/powerpoint/2010/main" val="2935996195"/>
+                <p14:modId xmlns:p14="http://schemas.microsoft.com/office/powerpoint/2010/main" val="1640213171"/>
               </p:ext>
             </p:extLst>
           </p:nvPr>
         </p:nvGraphicFramePr>
         <p:xfrm>
-          <a:off x="1139975" y="2053914"/>
-          <a:ext cx="6513067" cy="3729228"/>
+          <a:off x="1237673" y="2549236"/>
+          <a:ext cx="6105236" cy="3387783"/>
         </p:xfrm>
         <a:graphic>
           <a:graphicData uri="http://schemas.openxmlformats.org/drawingml/2006/chart">
@@ -20359,6 +22515,13 @@
   <p:clrMapOvr>
     <a:masterClrMapping/>
   </p:clrMapOvr>
+  <p:timing>
+    <p:tnLst>
+      <p:par>
+        <p:cTn id="1" dur="indefinite" restart="never" nodeType="tmRoot"/>
+      </p:par>
+    </p:tnLst>
+  </p:timing>
 </p:sld>
 </file>
 
@@ -20381,6 +22544,330 @@
       </p:grpSpPr>
       <p:sp>
         <p:nvSpPr>
+          <p:cNvPr id="7" name="Inhaltsplatzhalter 1"/>
+          <p:cNvSpPr txBox="1">
+            <a:spLocks/>
+          </p:cNvSpPr>
+          <p:nvPr/>
+        </p:nvSpPr>
+        <p:spPr bwMode="auto">
+          <a:xfrm>
+            <a:off x="420110" y="1496296"/>
+            <a:ext cx="8412162" cy="4606197"/>
+          </a:xfrm>
+          <a:prstGeom prst="rect">
+            <a:avLst/>
+          </a:prstGeom>
+          <a:noFill/>
+          <a:ln w="9525">
+            <a:noFill/>
+            <a:miter lim="800000"/>
+            <a:headEnd/>
+            <a:tailEnd/>
+          </a:ln>
+        </p:spPr>
+        <p:txBody>
+          <a:bodyPr vert="horz" wrap="square" lIns="91440" tIns="45720" rIns="91440" bIns="45720" numCol="1" anchor="t" anchorCtr="0" compatLnSpc="1">
+            <a:prstTxWarp prst="textNoShape">
+              <a:avLst/>
+            </a:prstTxWarp>
+          </a:bodyPr>
+          <a:lstStyle>
+            <a:lvl1pPr marL="342900" indent="-342900" algn="l" rtl="0" eaLnBrk="1" fontAlgn="base" hangingPunct="1">
+              <a:spcBef>
+                <a:spcPct val="20000"/>
+              </a:spcBef>
+              <a:spcAft>
+                <a:spcPct val="0"/>
+              </a:spcAft>
+              <a:buClr>
+                <a:schemeClr val="bg2"/>
+              </a:buClr>
+              <a:buFont typeface="Wingdings" pitchFamily="2" charset="2"/>
+              <a:buChar char="§"/>
+              <a:defRPr sz="2400">
+                <a:solidFill>
+                  <a:schemeClr val="tx1"/>
+                </a:solidFill>
+                <a:latin typeface="+mn-lt"/>
+                <a:ea typeface="MS PGothic" pitchFamily="34" charset="-128"/>
+                <a:cs typeface="+mn-cs"/>
+              </a:defRPr>
+            </a:lvl1pPr>
+            <a:lvl2pPr marL="742950" indent="-285750" algn="l" rtl="0" eaLnBrk="1" fontAlgn="base" hangingPunct="1">
+              <a:spcBef>
+                <a:spcPct val="20000"/>
+              </a:spcBef>
+              <a:spcAft>
+                <a:spcPct val="0"/>
+              </a:spcAft>
+              <a:buClr>
+                <a:schemeClr val="bg2"/>
+              </a:buClr>
+              <a:buFont typeface="Wingdings" pitchFamily="2" charset="2"/>
+              <a:buChar char="§"/>
+              <a:defRPr sz="2400">
+                <a:solidFill>
+                  <a:schemeClr val="tx1"/>
+                </a:solidFill>
+                <a:latin typeface="+mn-lt"/>
+                <a:ea typeface="MS PGothic" pitchFamily="34" charset="-128"/>
+              </a:defRPr>
+            </a:lvl2pPr>
+            <a:lvl3pPr marL="1143000" indent="-228600" algn="l" rtl="0" eaLnBrk="1" fontAlgn="base" hangingPunct="1">
+              <a:spcBef>
+                <a:spcPct val="20000"/>
+              </a:spcBef>
+              <a:spcAft>
+                <a:spcPct val="0"/>
+              </a:spcAft>
+              <a:buClr>
+                <a:schemeClr val="bg2"/>
+              </a:buClr>
+              <a:buFont typeface="Wingdings" pitchFamily="2" charset="2"/>
+              <a:buChar char="§"/>
+              <a:defRPr sz="2400">
+                <a:solidFill>
+                  <a:schemeClr val="tx1"/>
+                </a:solidFill>
+                <a:latin typeface="+mn-lt"/>
+                <a:ea typeface="MS PGothic" pitchFamily="34" charset="-128"/>
+              </a:defRPr>
+            </a:lvl3pPr>
+            <a:lvl4pPr marL="1600200" indent="-228600" algn="l" rtl="0" eaLnBrk="1" fontAlgn="base" hangingPunct="1">
+              <a:spcBef>
+                <a:spcPct val="20000"/>
+              </a:spcBef>
+              <a:spcAft>
+                <a:spcPct val="0"/>
+              </a:spcAft>
+              <a:buClr>
+                <a:schemeClr val="bg2"/>
+              </a:buClr>
+              <a:buFont typeface="Wingdings" pitchFamily="2" charset="2"/>
+              <a:buChar char="§"/>
+              <a:defRPr sz="2000">
+                <a:solidFill>
+                  <a:schemeClr val="tx1"/>
+                </a:solidFill>
+                <a:latin typeface="+mn-lt"/>
+                <a:ea typeface="MS PGothic" pitchFamily="34" charset="-128"/>
+              </a:defRPr>
+            </a:lvl4pPr>
+            <a:lvl5pPr marL="2057400" indent="-228600" algn="l" rtl="0" eaLnBrk="1" fontAlgn="base" hangingPunct="1">
+              <a:spcBef>
+                <a:spcPct val="20000"/>
+              </a:spcBef>
+              <a:spcAft>
+                <a:spcPct val="0"/>
+              </a:spcAft>
+              <a:buClr>
+                <a:schemeClr val="bg2"/>
+              </a:buClr>
+              <a:buFont typeface="Wingdings" pitchFamily="2" charset="2"/>
+              <a:buChar char="§"/>
+              <a:defRPr sz="2000">
+                <a:solidFill>
+                  <a:schemeClr val="tx1"/>
+                </a:solidFill>
+                <a:latin typeface="+mn-lt"/>
+                <a:ea typeface="MS PGothic" pitchFamily="34" charset="-128"/>
+              </a:defRPr>
+            </a:lvl5pPr>
+            <a:lvl6pPr marL="2514600" indent="-228600" algn="l" rtl="0" eaLnBrk="1" fontAlgn="base" hangingPunct="1">
+              <a:spcBef>
+                <a:spcPct val="20000"/>
+              </a:spcBef>
+              <a:spcAft>
+                <a:spcPct val="0"/>
+              </a:spcAft>
+              <a:buClr>
+                <a:schemeClr val="bg2"/>
+              </a:buClr>
+              <a:buFont typeface="Wingdings" pitchFamily="2" charset="2"/>
+              <a:buChar char="§"/>
+              <a:defRPr sz="2000">
+                <a:solidFill>
+                  <a:schemeClr val="tx1"/>
+                </a:solidFill>
+                <a:latin typeface="+mn-lt"/>
+                <a:ea typeface="+mn-ea"/>
+              </a:defRPr>
+            </a:lvl6pPr>
+            <a:lvl7pPr marL="2971800" indent="-228600" algn="l" rtl="0" eaLnBrk="1" fontAlgn="base" hangingPunct="1">
+              <a:spcBef>
+                <a:spcPct val="20000"/>
+              </a:spcBef>
+              <a:spcAft>
+                <a:spcPct val="0"/>
+              </a:spcAft>
+              <a:buClr>
+                <a:schemeClr val="bg2"/>
+              </a:buClr>
+              <a:buFont typeface="Wingdings" pitchFamily="2" charset="2"/>
+              <a:buChar char="§"/>
+              <a:defRPr sz="2000">
+                <a:solidFill>
+                  <a:schemeClr val="tx1"/>
+                </a:solidFill>
+                <a:latin typeface="+mn-lt"/>
+                <a:ea typeface="+mn-ea"/>
+              </a:defRPr>
+            </a:lvl7pPr>
+            <a:lvl8pPr marL="3429000" indent="-228600" algn="l" rtl="0" eaLnBrk="1" fontAlgn="base" hangingPunct="1">
+              <a:spcBef>
+                <a:spcPct val="20000"/>
+              </a:spcBef>
+              <a:spcAft>
+                <a:spcPct val="0"/>
+              </a:spcAft>
+              <a:buClr>
+                <a:schemeClr val="bg2"/>
+              </a:buClr>
+              <a:buFont typeface="Wingdings" pitchFamily="2" charset="2"/>
+              <a:buChar char="§"/>
+              <a:defRPr sz="2000">
+                <a:solidFill>
+                  <a:schemeClr val="tx1"/>
+                </a:solidFill>
+                <a:latin typeface="+mn-lt"/>
+                <a:ea typeface="+mn-ea"/>
+              </a:defRPr>
+            </a:lvl8pPr>
+            <a:lvl9pPr marL="3886200" indent="-228600" algn="l" rtl="0" eaLnBrk="1" fontAlgn="base" hangingPunct="1">
+              <a:spcBef>
+                <a:spcPct val="20000"/>
+              </a:spcBef>
+              <a:spcAft>
+                <a:spcPct val="0"/>
+              </a:spcAft>
+              <a:buClr>
+                <a:schemeClr val="bg2"/>
+              </a:buClr>
+              <a:buFont typeface="Wingdings" pitchFamily="2" charset="2"/>
+              <a:buChar char="§"/>
+              <a:defRPr sz="2000">
+                <a:solidFill>
+                  <a:schemeClr val="tx1"/>
+                </a:solidFill>
+                <a:latin typeface="+mn-lt"/>
+                <a:ea typeface="+mn-ea"/>
+              </a:defRPr>
+            </a:lvl9pPr>
+          </a:lstStyle>
+          <a:p>
+            <a:r>
+              <a:rPr lang="de-DE" sz="2000" kern="0" dirty="0" smtClean="0"/>
+              <a:t>Einsatz von virtuellen Register</a:t>
+            </a:r>
+          </a:p>
+          <a:p>
+            <a:r>
+              <a:rPr lang="de-DE" sz="2000" kern="0" dirty="0" smtClean="0"/>
+              <a:t>Unterschiedliche physikalische Register </a:t>
+            </a:r>
+          </a:p>
+          <a:p>
+            <a:endParaRPr lang="de-DE" sz="2000" kern="0" dirty="0"/>
+          </a:p>
+          <a:p>
+            <a:endParaRPr lang="de-DE" sz="2000" kern="0" dirty="0" smtClean="0"/>
+          </a:p>
+          <a:p>
+            <a:endParaRPr lang="de-DE" sz="2000" kern="0" dirty="0" smtClean="0"/>
+          </a:p>
+          <a:p>
+            <a:endParaRPr lang="de-DE" sz="2000" kern="0" dirty="0" smtClean="0"/>
+          </a:p>
+          <a:p>
+            <a:endParaRPr lang="de-DE" sz="2000" kern="0" dirty="0" smtClean="0"/>
+          </a:p>
+          <a:p>
+            <a:endParaRPr lang="de-DE" sz="2000" kern="0" dirty="0"/>
+          </a:p>
+          <a:p>
+            <a:endParaRPr lang="de-DE" sz="2000" kern="0" dirty="0" smtClean="0"/>
+          </a:p>
+          <a:p>
+            <a:pPr marL="0" indent="0">
+              <a:buFont typeface="Wingdings" pitchFamily="2" charset="2"/>
+              <a:buNone/>
+            </a:pPr>
+            <a:endParaRPr lang="de-DE" sz="2000" kern="0" dirty="0" smtClean="0"/>
+          </a:p>
+          <a:p>
+            <a:pPr marL="0" indent="0">
+              <a:buNone/>
+            </a:pPr>
+            <a:r>
+              <a:rPr lang="de-DE" sz="2000" kern="0" dirty="0" smtClean="0">
+                <a:solidFill>
+                  <a:schemeClr val="bg2"/>
+                </a:solidFill>
+                <a:sym typeface="Wingdings" panose="05000000000000000000" pitchFamily="2" charset="2"/>
+              </a:rPr>
+              <a:t></a:t>
+            </a:r>
+            <a:r>
+              <a:rPr lang="de-DE" sz="2000" dirty="0">
+                <a:sym typeface="Wingdings" panose="05000000000000000000" pitchFamily="2" charset="2"/>
+              </a:rPr>
+              <a:t> Einsparung: </a:t>
+            </a:r>
+          </a:p>
+          <a:p>
+            <a:pPr lvl="1"/>
+            <a:r>
+              <a:rPr lang="de-DE" sz="2000" dirty="0" smtClean="0">
+                <a:sym typeface="Wingdings" panose="05000000000000000000" pitchFamily="2" charset="2"/>
+              </a:rPr>
+              <a:t>Leistung Register-File</a:t>
+            </a:r>
+            <a:r>
+              <a:rPr lang="de-DE" sz="2000" dirty="0">
+                <a:sym typeface="Wingdings" panose="05000000000000000000" pitchFamily="2" charset="2"/>
+              </a:rPr>
+              <a:t>: </a:t>
+            </a:r>
+            <a:r>
+              <a:rPr lang="de-DE" sz="2000" dirty="0" smtClean="0">
+                <a:sym typeface="Wingdings" panose="05000000000000000000" pitchFamily="2" charset="2"/>
+              </a:rPr>
+              <a:t>-8,54</a:t>
+            </a:r>
+            <a:r>
+              <a:rPr lang="de-DE" sz="2000" dirty="0">
+                <a:sym typeface="Wingdings" panose="05000000000000000000" pitchFamily="2" charset="2"/>
+              </a:rPr>
+              <a:t>%</a:t>
+            </a:r>
+          </a:p>
+          <a:p>
+            <a:pPr lvl="1"/>
+            <a:r>
+              <a:rPr lang="de-DE" sz="2000" dirty="0">
+                <a:sym typeface="Wingdings" panose="05000000000000000000" pitchFamily="2" charset="2"/>
+              </a:rPr>
+              <a:t>Gesamtleistung </a:t>
+            </a:r>
+            <a:r>
+              <a:rPr lang="de-DE" sz="2000" dirty="0" smtClean="0">
+                <a:sym typeface="Wingdings" panose="05000000000000000000" pitchFamily="2" charset="2"/>
+              </a:rPr>
+              <a:t>-2,56</a:t>
+            </a:r>
+            <a:r>
+              <a:rPr lang="de-DE" sz="2000" dirty="0">
+                <a:sym typeface="Wingdings" panose="05000000000000000000" pitchFamily="2" charset="2"/>
+              </a:rPr>
+              <a:t>%</a:t>
+            </a:r>
+            <a:endParaRPr lang="de-DE" sz="2000" kern="0" dirty="0" smtClean="0"/>
+          </a:p>
+        </p:txBody>
+      </p:sp>
+      <p:sp>
+        <p:nvSpPr>
           <p:cNvPr id="3" name="Titel 2"/>
           <p:cNvSpPr>
             <a:spLocks noGrp="1"/>
@@ -20410,14 +22897,14 @@
           <p:nvPr>
             <p:extLst>
               <p:ext uri="{D42A27DB-BD31-4B8C-83A1-F6EECF244321}">
-                <p14:modId xmlns:p14="http://schemas.microsoft.com/office/powerpoint/2010/main" val="830343774"/>
+                <p14:modId xmlns:p14="http://schemas.microsoft.com/office/powerpoint/2010/main" val="547505507"/>
               </p:ext>
             </p:extLst>
           </p:nvPr>
         </p:nvGraphicFramePr>
         <p:xfrm>
-          <a:off x="700665" y="996949"/>
-          <a:ext cx="7758545" cy="4264891"/>
+          <a:off x="637309" y="2216727"/>
+          <a:ext cx="7821901" cy="3045113"/>
         </p:xfrm>
         <a:graphic>
           <a:graphicData uri="http://schemas.openxmlformats.org/drawingml/2006/chart">
@@ -20425,68 +22912,6 @@
           </a:graphicData>
         </a:graphic>
       </p:graphicFrame>
-      <p:sp>
-        <p:nvSpPr>
-          <p:cNvPr id="6" name="Textfeld 5"/>
-          <p:cNvSpPr txBox="1"/>
-          <p:nvPr/>
-        </p:nvSpPr>
-        <p:spPr>
-          <a:xfrm>
-            <a:off x="503238" y="5159374"/>
-            <a:ext cx="8153400" cy="1569660"/>
-          </a:xfrm>
-          <a:prstGeom prst="rect">
-            <a:avLst/>
-          </a:prstGeom>
-          <a:noFill/>
-        </p:spPr>
-        <p:txBody>
-          <a:bodyPr wrap="square" rtlCol="0">
-            <a:spAutoFit/>
-          </a:bodyPr>
-          <a:lstStyle/>
-          <a:p>
-            <a:pPr marL="342900" indent="-342900">
-              <a:buFont typeface="Wingdings" panose="05000000000000000000" pitchFamily="2" charset="2"/>
-              <a:buChar char="à"/>
-            </a:pPr>
-            <a:r>
-              <a:rPr lang="de-DE" dirty="0">
-                <a:sym typeface="Wingdings" panose="05000000000000000000" pitchFamily="2" charset="2"/>
-              </a:rPr>
-              <a:t>Einsparung: </a:t>
-            </a:r>
-          </a:p>
-          <a:p>
-            <a:pPr lvl="1"/>
-            <a:r>
-              <a:rPr lang="de-DE" dirty="0">
-                <a:sym typeface="Wingdings" panose="05000000000000000000" pitchFamily="2" charset="2"/>
-              </a:rPr>
-              <a:t>Register-File: 8,54%</a:t>
-            </a:r>
-          </a:p>
-          <a:p>
-            <a:pPr lvl="1"/>
-            <a:r>
-              <a:rPr lang="de-DE" dirty="0">
-                <a:sym typeface="Wingdings" panose="05000000000000000000" pitchFamily="2" charset="2"/>
-              </a:rPr>
-              <a:t>Gesamtleistung 2,56%</a:t>
-            </a:r>
-          </a:p>
-          <a:p>
-            <a:r>
-              <a:rPr lang="de-DE" dirty="0">
-                <a:sym typeface="Wingdings" panose="05000000000000000000" pitchFamily="2" charset="2"/>
-              </a:rPr>
-              <a:t> </a:t>
-            </a:r>
-            <a:endParaRPr lang="de-DE" dirty="0"/>
-          </a:p>
-        </p:txBody>
-      </p:sp>
     </p:spTree>
     <p:extLst>
       <p:ext uri="{BB962C8B-B14F-4D97-AF65-F5344CB8AC3E}">
@@ -20497,6 +22922,13 @@
   <p:clrMapOvr>
     <a:masterClrMapping/>
   </p:clrMapOvr>
+  <p:timing>
+    <p:tnLst>
+      <p:par>
+        <p:cTn id="1" dur="indefinite" restart="never" nodeType="tmRoot"/>
+      </p:par>
+    </p:tnLst>
+  </p:timing>
 </p:sld>
 </file>
 
@@ -20548,80 +22980,332 @@
           <p:nvPr>
             <p:extLst>
               <p:ext uri="{D42A27DB-BD31-4B8C-83A1-F6EECF244321}">
-                <p14:modId xmlns:p14="http://schemas.microsoft.com/office/powerpoint/2010/main" val="4215825713"/>
+                <p14:modId xmlns:p14="http://schemas.microsoft.com/office/powerpoint/2010/main" val="4184929247"/>
               </p:ext>
             </p:extLst>
           </p:nvPr>
         </p:nvGraphicFramePr>
         <p:xfrm>
-          <a:off x="366769" y="965200"/>
-          <a:ext cx="8685100" cy="4329793"/>
+          <a:off x="503238" y="2254179"/>
+          <a:ext cx="8412163" cy="3090429"/>
         </p:xfrm>
         <a:graphic>
           <a:graphicData uri="http://schemas.openxmlformats.org/drawingml/2006/chart">
-            <c:chart xmlns:c="http://schemas.openxmlformats.org/drawingml/2006/chart" xmlns:r="http://schemas.openxmlformats.org/officeDocument/2006/relationships" r:id="rId2"/>
+            <c:chart xmlns:c="http://schemas.openxmlformats.org/drawingml/2006/chart" xmlns:r="http://schemas.openxmlformats.org/officeDocument/2006/relationships" r:id="rId3"/>
           </a:graphicData>
         </a:graphic>
       </p:graphicFrame>
       <p:sp>
         <p:nvSpPr>
-          <p:cNvPr id="6" name="Textfeld 5"/>
-          <p:cNvSpPr txBox="1"/>
+          <p:cNvPr id="7" name="Inhaltsplatzhalter 1"/>
+          <p:cNvSpPr txBox="1">
+            <a:spLocks/>
+          </p:cNvSpPr>
           <p:nvPr/>
         </p:nvSpPr>
-        <p:spPr>
+        <p:spPr bwMode="auto">
           <a:xfrm>
-            <a:off x="503238" y="5159374"/>
-            <a:ext cx="8153400" cy="1569660"/>
+            <a:off x="420110" y="1496296"/>
+            <a:ext cx="8412162" cy="4606197"/>
           </a:xfrm>
           <a:prstGeom prst="rect">
             <a:avLst/>
           </a:prstGeom>
           <a:noFill/>
+          <a:ln w="9525">
+            <a:noFill/>
+            <a:miter lim="800000"/>
+            <a:headEnd/>
+            <a:tailEnd/>
+          </a:ln>
         </p:spPr>
         <p:txBody>
-          <a:bodyPr wrap="square" rtlCol="0">
-            <a:spAutoFit/>
+          <a:bodyPr vert="horz" wrap="square" lIns="91440" tIns="45720" rIns="91440" bIns="45720" numCol="1" anchor="t" anchorCtr="0" compatLnSpc="1">
+            <a:prstTxWarp prst="textNoShape">
+              <a:avLst/>
+            </a:prstTxWarp>
           </a:bodyPr>
-          <a:lstStyle/>
-          <a:p>
-            <a:pPr marL="342900" indent="-342900">
-              <a:buFont typeface="Wingdings" panose="05000000000000000000" pitchFamily="2" charset="2"/>
-              <a:buChar char="à"/>
+          <a:lstStyle>
+            <a:lvl1pPr marL="342900" indent="-342900" algn="l" rtl="0" eaLnBrk="1" fontAlgn="base" hangingPunct="1">
+              <a:spcBef>
+                <a:spcPct val="20000"/>
+              </a:spcBef>
+              <a:spcAft>
+                <a:spcPct val="0"/>
+              </a:spcAft>
+              <a:buClr>
+                <a:schemeClr val="bg2"/>
+              </a:buClr>
+              <a:buFont typeface="Wingdings" pitchFamily="2" charset="2"/>
+              <a:buChar char="§"/>
+              <a:defRPr sz="2400">
+                <a:solidFill>
+                  <a:schemeClr val="tx1"/>
+                </a:solidFill>
+                <a:latin typeface="+mn-lt"/>
+                <a:ea typeface="MS PGothic" pitchFamily="34" charset="-128"/>
+                <a:cs typeface="+mn-cs"/>
+              </a:defRPr>
+            </a:lvl1pPr>
+            <a:lvl2pPr marL="742950" indent="-285750" algn="l" rtl="0" eaLnBrk="1" fontAlgn="base" hangingPunct="1">
+              <a:spcBef>
+                <a:spcPct val="20000"/>
+              </a:spcBef>
+              <a:spcAft>
+                <a:spcPct val="0"/>
+              </a:spcAft>
+              <a:buClr>
+                <a:schemeClr val="bg2"/>
+              </a:buClr>
+              <a:buFont typeface="Wingdings" pitchFamily="2" charset="2"/>
+              <a:buChar char="§"/>
+              <a:defRPr sz="2400">
+                <a:solidFill>
+                  <a:schemeClr val="tx1"/>
+                </a:solidFill>
+                <a:latin typeface="+mn-lt"/>
+                <a:ea typeface="MS PGothic" pitchFamily="34" charset="-128"/>
+              </a:defRPr>
+            </a:lvl2pPr>
+            <a:lvl3pPr marL="1143000" indent="-228600" algn="l" rtl="0" eaLnBrk="1" fontAlgn="base" hangingPunct="1">
+              <a:spcBef>
+                <a:spcPct val="20000"/>
+              </a:spcBef>
+              <a:spcAft>
+                <a:spcPct val="0"/>
+              </a:spcAft>
+              <a:buClr>
+                <a:schemeClr val="bg2"/>
+              </a:buClr>
+              <a:buFont typeface="Wingdings" pitchFamily="2" charset="2"/>
+              <a:buChar char="§"/>
+              <a:defRPr sz="2400">
+                <a:solidFill>
+                  <a:schemeClr val="tx1"/>
+                </a:solidFill>
+                <a:latin typeface="+mn-lt"/>
+                <a:ea typeface="MS PGothic" pitchFamily="34" charset="-128"/>
+              </a:defRPr>
+            </a:lvl3pPr>
+            <a:lvl4pPr marL="1600200" indent="-228600" algn="l" rtl="0" eaLnBrk="1" fontAlgn="base" hangingPunct="1">
+              <a:spcBef>
+                <a:spcPct val="20000"/>
+              </a:spcBef>
+              <a:spcAft>
+                <a:spcPct val="0"/>
+              </a:spcAft>
+              <a:buClr>
+                <a:schemeClr val="bg2"/>
+              </a:buClr>
+              <a:buFont typeface="Wingdings" pitchFamily="2" charset="2"/>
+              <a:buChar char="§"/>
+              <a:defRPr sz="2000">
+                <a:solidFill>
+                  <a:schemeClr val="tx1"/>
+                </a:solidFill>
+                <a:latin typeface="+mn-lt"/>
+                <a:ea typeface="MS PGothic" pitchFamily="34" charset="-128"/>
+              </a:defRPr>
+            </a:lvl4pPr>
+            <a:lvl5pPr marL="2057400" indent="-228600" algn="l" rtl="0" eaLnBrk="1" fontAlgn="base" hangingPunct="1">
+              <a:spcBef>
+                <a:spcPct val="20000"/>
+              </a:spcBef>
+              <a:spcAft>
+                <a:spcPct val="0"/>
+              </a:spcAft>
+              <a:buClr>
+                <a:schemeClr val="bg2"/>
+              </a:buClr>
+              <a:buFont typeface="Wingdings" pitchFamily="2" charset="2"/>
+              <a:buChar char="§"/>
+              <a:defRPr sz="2000">
+                <a:solidFill>
+                  <a:schemeClr val="tx1"/>
+                </a:solidFill>
+                <a:latin typeface="+mn-lt"/>
+                <a:ea typeface="MS PGothic" pitchFamily="34" charset="-128"/>
+              </a:defRPr>
+            </a:lvl5pPr>
+            <a:lvl6pPr marL="2514600" indent="-228600" algn="l" rtl="0" eaLnBrk="1" fontAlgn="base" hangingPunct="1">
+              <a:spcBef>
+                <a:spcPct val="20000"/>
+              </a:spcBef>
+              <a:spcAft>
+                <a:spcPct val="0"/>
+              </a:spcAft>
+              <a:buClr>
+                <a:schemeClr val="bg2"/>
+              </a:buClr>
+              <a:buFont typeface="Wingdings" pitchFamily="2" charset="2"/>
+              <a:buChar char="§"/>
+              <a:defRPr sz="2000">
+                <a:solidFill>
+                  <a:schemeClr val="tx1"/>
+                </a:solidFill>
+                <a:latin typeface="+mn-lt"/>
+                <a:ea typeface="+mn-ea"/>
+              </a:defRPr>
+            </a:lvl6pPr>
+            <a:lvl7pPr marL="2971800" indent="-228600" algn="l" rtl="0" eaLnBrk="1" fontAlgn="base" hangingPunct="1">
+              <a:spcBef>
+                <a:spcPct val="20000"/>
+              </a:spcBef>
+              <a:spcAft>
+                <a:spcPct val="0"/>
+              </a:spcAft>
+              <a:buClr>
+                <a:schemeClr val="bg2"/>
+              </a:buClr>
+              <a:buFont typeface="Wingdings" pitchFamily="2" charset="2"/>
+              <a:buChar char="§"/>
+              <a:defRPr sz="2000">
+                <a:solidFill>
+                  <a:schemeClr val="tx1"/>
+                </a:solidFill>
+                <a:latin typeface="+mn-lt"/>
+                <a:ea typeface="+mn-ea"/>
+              </a:defRPr>
+            </a:lvl7pPr>
+            <a:lvl8pPr marL="3429000" indent="-228600" algn="l" rtl="0" eaLnBrk="1" fontAlgn="base" hangingPunct="1">
+              <a:spcBef>
+                <a:spcPct val="20000"/>
+              </a:spcBef>
+              <a:spcAft>
+                <a:spcPct val="0"/>
+              </a:spcAft>
+              <a:buClr>
+                <a:schemeClr val="bg2"/>
+              </a:buClr>
+              <a:buFont typeface="Wingdings" pitchFamily="2" charset="2"/>
+              <a:buChar char="§"/>
+              <a:defRPr sz="2000">
+                <a:solidFill>
+                  <a:schemeClr val="tx1"/>
+                </a:solidFill>
+                <a:latin typeface="+mn-lt"/>
+                <a:ea typeface="+mn-ea"/>
+              </a:defRPr>
+            </a:lvl8pPr>
+            <a:lvl9pPr marL="3886200" indent="-228600" algn="l" rtl="0" eaLnBrk="1" fontAlgn="base" hangingPunct="1">
+              <a:spcBef>
+                <a:spcPct val="20000"/>
+              </a:spcBef>
+              <a:spcAft>
+                <a:spcPct val="0"/>
+              </a:spcAft>
+              <a:buClr>
+                <a:schemeClr val="bg2"/>
+              </a:buClr>
+              <a:buFont typeface="Wingdings" pitchFamily="2" charset="2"/>
+              <a:buChar char="§"/>
+              <a:defRPr sz="2000">
+                <a:solidFill>
+                  <a:schemeClr val="tx1"/>
+                </a:solidFill>
+                <a:latin typeface="+mn-lt"/>
+                <a:ea typeface="+mn-ea"/>
+              </a:defRPr>
+            </a:lvl9pPr>
+          </a:lstStyle>
+          <a:p>
+            <a:r>
+              <a:rPr lang="de-DE" sz="2000" kern="0" dirty="0" smtClean="0"/>
+              <a:t>Einsatz von virtuellen Register</a:t>
+            </a:r>
+          </a:p>
+          <a:p>
+            <a:r>
+              <a:rPr lang="de-DE" sz="2000" kern="0" dirty="0" smtClean="0"/>
+              <a:t>Unterschiedliche physikalische Register </a:t>
+            </a:r>
+          </a:p>
+          <a:p>
+            <a:endParaRPr lang="de-DE" sz="2000" kern="0" dirty="0"/>
+          </a:p>
+          <a:p>
+            <a:endParaRPr lang="de-DE" sz="2000" kern="0" dirty="0" smtClean="0"/>
+          </a:p>
+          <a:p>
+            <a:endParaRPr lang="de-DE" sz="2000" kern="0" dirty="0" smtClean="0"/>
+          </a:p>
+          <a:p>
+            <a:endParaRPr lang="de-DE" sz="2000" kern="0" dirty="0" smtClean="0"/>
+          </a:p>
+          <a:p>
+            <a:endParaRPr lang="de-DE" sz="2000" kern="0" dirty="0" smtClean="0"/>
+          </a:p>
+          <a:p>
+            <a:endParaRPr lang="de-DE" sz="2000" kern="0" dirty="0"/>
+          </a:p>
+          <a:p>
+            <a:endParaRPr lang="de-DE" sz="2000" kern="0" dirty="0" smtClean="0"/>
+          </a:p>
+          <a:p>
+            <a:pPr marL="0" indent="0">
+              <a:buFont typeface="Wingdings" pitchFamily="2" charset="2"/>
+              <a:buNone/>
             </a:pPr>
-            <a:r>
-              <a:rPr lang="de-DE" dirty="0">
+            <a:endParaRPr lang="de-DE" sz="2000" kern="0" dirty="0" smtClean="0"/>
+          </a:p>
+          <a:p>
+            <a:pPr marL="0" indent="0">
+              <a:buNone/>
+            </a:pPr>
+            <a:r>
+              <a:rPr lang="de-DE" sz="2000" kern="0" dirty="0" smtClean="0">
+                <a:solidFill>
+                  <a:schemeClr val="bg2"/>
+                </a:solidFill>
                 <a:sym typeface="Wingdings" panose="05000000000000000000" pitchFamily="2" charset="2"/>
               </a:rPr>
-              <a:t>Einsparung: </a:t>
-            </a:r>
-          </a:p>
-          <a:p>
-            <a:pPr lvl="1"/>
-            <a:r>
-              <a:rPr lang="de-DE" dirty="0">
+              <a:t></a:t>
+            </a:r>
+            <a:r>
+              <a:rPr lang="de-DE" sz="2000" dirty="0">
                 <a:sym typeface="Wingdings" panose="05000000000000000000" pitchFamily="2" charset="2"/>
               </a:rPr>
-              <a:t>Register-File: 9,04%</a:t>
+              <a:t> Einsparung: </a:t>
             </a:r>
           </a:p>
           <a:p>
             <a:pPr lvl="1"/>
             <a:r>
-              <a:rPr lang="de-DE" dirty="0">
+              <a:rPr lang="de-DE" sz="2000" dirty="0">
                 <a:sym typeface="Wingdings" panose="05000000000000000000" pitchFamily="2" charset="2"/>
               </a:rPr>
-              <a:t>Gesamtleistung 2,56%</a:t>
-            </a:r>
-          </a:p>
-          <a:p>
-            <a:r>
-              <a:rPr lang="de-DE" dirty="0">
+              <a:t>Leistung </a:t>
+            </a:r>
+            <a:r>
+              <a:rPr lang="de-DE" sz="2000" dirty="0" smtClean="0">
                 <a:sym typeface="Wingdings" panose="05000000000000000000" pitchFamily="2" charset="2"/>
               </a:rPr>
-              <a:t> </a:t>
-            </a:r>
-            <a:endParaRPr lang="de-DE" dirty="0"/>
+              <a:t>Register-File: -9,04</a:t>
+            </a:r>
+            <a:r>
+              <a:rPr lang="de-DE" sz="2000" dirty="0">
+                <a:sym typeface="Wingdings" panose="05000000000000000000" pitchFamily="2" charset="2"/>
+              </a:rPr>
+              <a:t>%</a:t>
+            </a:r>
+          </a:p>
+          <a:p>
+            <a:pPr lvl="1"/>
+            <a:r>
+              <a:rPr lang="de-DE" sz="2000" dirty="0">
+                <a:sym typeface="Wingdings" panose="05000000000000000000" pitchFamily="2" charset="2"/>
+              </a:rPr>
+              <a:t>Gesamtleistung: </a:t>
+            </a:r>
+            <a:r>
+              <a:rPr lang="de-DE" sz="2000" dirty="0" smtClean="0">
+                <a:sym typeface="Wingdings" panose="05000000000000000000" pitchFamily="2" charset="2"/>
+              </a:rPr>
+              <a:t>-2,56%</a:t>
+            </a:r>
+            <a:endParaRPr lang="de-DE" sz="2000" dirty="0">
+              <a:sym typeface="Wingdings" panose="05000000000000000000" pitchFamily="2" charset="2"/>
+            </a:endParaRPr>
           </a:p>
         </p:txBody>
       </p:sp>
@@ -20635,10 +23319,399 @@
   <p:clrMapOvr>
     <a:masterClrMapping/>
   </p:clrMapOvr>
+  <p:timing>
+    <p:tnLst>
+      <p:par>
+        <p:cTn id="1" dur="indefinite" restart="never" nodeType="tmRoot"/>
+      </p:par>
+    </p:tnLst>
+  </p:timing>
 </p:sld>
 </file>
 
 <file path=ppt/slides/slide28.xml><?xml version="1.0" encoding="utf-8"?>
+<p:sld xmlns:a="http://schemas.openxmlformats.org/drawingml/2006/main" xmlns:r="http://schemas.openxmlformats.org/officeDocument/2006/relationships" xmlns:p="http://schemas.openxmlformats.org/presentationml/2006/main">
+  <p:cSld>
+    <p:spTree>
+      <p:nvGrpSpPr>
+        <p:cNvPr id="1" name=""/>
+        <p:cNvGrpSpPr/>
+        <p:nvPr/>
+      </p:nvGrpSpPr>
+      <p:grpSpPr>
+        <a:xfrm>
+          <a:off x="0" y="0"/>
+          <a:ext cx="0" cy="0"/>
+          <a:chOff x="0" y="0"/>
+          <a:chExt cx="0" cy="0"/>
+        </a:xfrm>
+      </p:grpSpPr>
+      <p:sp>
+        <p:nvSpPr>
+          <p:cNvPr id="6" name="Inhaltsplatzhalter 1"/>
+          <p:cNvSpPr txBox="1">
+            <a:spLocks/>
+          </p:cNvSpPr>
+          <p:nvPr/>
+        </p:nvSpPr>
+        <p:spPr bwMode="auto">
+          <a:xfrm>
+            <a:off x="420110" y="1496296"/>
+            <a:ext cx="8412162" cy="4606197"/>
+          </a:xfrm>
+          <a:prstGeom prst="rect">
+            <a:avLst/>
+          </a:prstGeom>
+          <a:noFill/>
+          <a:ln w="9525">
+            <a:noFill/>
+            <a:miter lim="800000"/>
+            <a:headEnd/>
+            <a:tailEnd/>
+          </a:ln>
+        </p:spPr>
+        <p:txBody>
+          <a:bodyPr vert="horz" wrap="square" lIns="91440" tIns="45720" rIns="91440" bIns="45720" numCol="1" anchor="t" anchorCtr="0" compatLnSpc="1">
+            <a:prstTxWarp prst="textNoShape">
+              <a:avLst/>
+            </a:prstTxWarp>
+          </a:bodyPr>
+          <a:lstStyle>
+            <a:lvl1pPr marL="342900" indent="-342900" algn="l" rtl="0" eaLnBrk="1" fontAlgn="base" hangingPunct="1">
+              <a:spcBef>
+                <a:spcPct val="20000"/>
+              </a:spcBef>
+              <a:spcAft>
+                <a:spcPct val="0"/>
+              </a:spcAft>
+              <a:buClr>
+                <a:schemeClr val="bg2"/>
+              </a:buClr>
+              <a:buFont typeface="Wingdings" pitchFamily="2" charset="2"/>
+              <a:buChar char="§"/>
+              <a:defRPr sz="2400">
+                <a:solidFill>
+                  <a:schemeClr val="tx1"/>
+                </a:solidFill>
+                <a:latin typeface="+mn-lt"/>
+                <a:ea typeface="MS PGothic" pitchFamily="34" charset="-128"/>
+                <a:cs typeface="+mn-cs"/>
+              </a:defRPr>
+            </a:lvl1pPr>
+            <a:lvl2pPr marL="742950" indent="-285750" algn="l" rtl="0" eaLnBrk="1" fontAlgn="base" hangingPunct="1">
+              <a:spcBef>
+                <a:spcPct val="20000"/>
+              </a:spcBef>
+              <a:spcAft>
+                <a:spcPct val="0"/>
+              </a:spcAft>
+              <a:buClr>
+                <a:schemeClr val="bg2"/>
+              </a:buClr>
+              <a:buFont typeface="Wingdings" pitchFamily="2" charset="2"/>
+              <a:buChar char="§"/>
+              <a:defRPr sz="2400">
+                <a:solidFill>
+                  <a:schemeClr val="tx1"/>
+                </a:solidFill>
+                <a:latin typeface="+mn-lt"/>
+                <a:ea typeface="MS PGothic" pitchFamily="34" charset="-128"/>
+              </a:defRPr>
+            </a:lvl2pPr>
+            <a:lvl3pPr marL="1143000" indent="-228600" algn="l" rtl="0" eaLnBrk="1" fontAlgn="base" hangingPunct="1">
+              <a:spcBef>
+                <a:spcPct val="20000"/>
+              </a:spcBef>
+              <a:spcAft>
+                <a:spcPct val="0"/>
+              </a:spcAft>
+              <a:buClr>
+                <a:schemeClr val="bg2"/>
+              </a:buClr>
+              <a:buFont typeface="Wingdings" pitchFamily="2" charset="2"/>
+              <a:buChar char="§"/>
+              <a:defRPr sz="2400">
+                <a:solidFill>
+                  <a:schemeClr val="tx1"/>
+                </a:solidFill>
+                <a:latin typeface="+mn-lt"/>
+                <a:ea typeface="MS PGothic" pitchFamily="34" charset="-128"/>
+              </a:defRPr>
+            </a:lvl3pPr>
+            <a:lvl4pPr marL="1600200" indent="-228600" algn="l" rtl="0" eaLnBrk="1" fontAlgn="base" hangingPunct="1">
+              <a:spcBef>
+                <a:spcPct val="20000"/>
+              </a:spcBef>
+              <a:spcAft>
+                <a:spcPct val="0"/>
+              </a:spcAft>
+              <a:buClr>
+                <a:schemeClr val="bg2"/>
+              </a:buClr>
+              <a:buFont typeface="Wingdings" pitchFamily="2" charset="2"/>
+              <a:buChar char="§"/>
+              <a:defRPr sz="2000">
+                <a:solidFill>
+                  <a:schemeClr val="tx1"/>
+                </a:solidFill>
+                <a:latin typeface="+mn-lt"/>
+                <a:ea typeface="MS PGothic" pitchFamily="34" charset="-128"/>
+              </a:defRPr>
+            </a:lvl4pPr>
+            <a:lvl5pPr marL="2057400" indent="-228600" algn="l" rtl="0" eaLnBrk="1" fontAlgn="base" hangingPunct="1">
+              <a:spcBef>
+                <a:spcPct val="20000"/>
+              </a:spcBef>
+              <a:spcAft>
+                <a:spcPct val="0"/>
+              </a:spcAft>
+              <a:buClr>
+                <a:schemeClr val="bg2"/>
+              </a:buClr>
+              <a:buFont typeface="Wingdings" pitchFamily="2" charset="2"/>
+              <a:buChar char="§"/>
+              <a:defRPr sz="2000">
+                <a:solidFill>
+                  <a:schemeClr val="tx1"/>
+                </a:solidFill>
+                <a:latin typeface="+mn-lt"/>
+                <a:ea typeface="MS PGothic" pitchFamily="34" charset="-128"/>
+              </a:defRPr>
+            </a:lvl5pPr>
+            <a:lvl6pPr marL="2514600" indent="-228600" algn="l" rtl="0" eaLnBrk="1" fontAlgn="base" hangingPunct="1">
+              <a:spcBef>
+                <a:spcPct val="20000"/>
+              </a:spcBef>
+              <a:spcAft>
+                <a:spcPct val="0"/>
+              </a:spcAft>
+              <a:buClr>
+                <a:schemeClr val="bg2"/>
+              </a:buClr>
+              <a:buFont typeface="Wingdings" pitchFamily="2" charset="2"/>
+              <a:buChar char="§"/>
+              <a:defRPr sz="2000">
+                <a:solidFill>
+                  <a:schemeClr val="tx1"/>
+                </a:solidFill>
+                <a:latin typeface="+mn-lt"/>
+                <a:ea typeface="+mn-ea"/>
+              </a:defRPr>
+            </a:lvl6pPr>
+            <a:lvl7pPr marL="2971800" indent="-228600" algn="l" rtl="0" eaLnBrk="1" fontAlgn="base" hangingPunct="1">
+              <a:spcBef>
+                <a:spcPct val="20000"/>
+              </a:spcBef>
+              <a:spcAft>
+                <a:spcPct val="0"/>
+              </a:spcAft>
+              <a:buClr>
+                <a:schemeClr val="bg2"/>
+              </a:buClr>
+              <a:buFont typeface="Wingdings" pitchFamily="2" charset="2"/>
+              <a:buChar char="§"/>
+              <a:defRPr sz="2000">
+                <a:solidFill>
+                  <a:schemeClr val="tx1"/>
+                </a:solidFill>
+                <a:latin typeface="+mn-lt"/>
+                <a:ea typeface="+mn-ea"/>
+              </a:defRPr>
+            </a:lvl7pPr>
+            <a:lvl8pPr marL="3429000" indent="-228600" algn="l" rtl="0" eaLnBrk="1" fontAlgn="base" hangingPunct="1">
+              <a:spcBef>
+                <a:spcPct val="20000"/>
+              </a:spcBef>
+              <a:spcAft>
+                <a:spcPct val="0"/>
+              </a:spcAft>
+              <a:buClr>
+                <a:schemeClr val="bg2"/>
+              </a:buClr>
+              <a:buFont typeface="Wingdings" pitchFamily="2" charset="2"/>
+              <a:buChar char="§"/>
+              <a:defRPr sz="2000">
+                <a:solidFill>
+                  <a:schemeClr val="tx1"/>
+                </a:solidFill>
+                <a:latin typeface="+mn-lt"/>
+                <a:ea typeface="+mn-ea"/>
+              </a:defRPr>
+            </a:lvl8pPr>
+            <a:lvl9pPr marL="3886200" indent="-228600" algn="l" rtl="0" eaLnBrk="1" fontAlgn="base" hangingPunct="1">
+              <a:spcBef>
+                <a:spcPct val="20000"/>
+              </a:spcBef>
+              <a:spcAft>
+                <a:spcPct val="0"/>
+              </a:spcAft>
+              <a:buClr>
+                <a:schemeClr val="bg2"/>
+              </a:buClr>
+              <a:buFont typeface="Wingdings" pitchFamily="2" charset="2"/>
+              <a:buChar char="§"/>
+              <a:defRPr sz="2000">
+                <a:solidFill>
+                  <a:schemeClr val="tx1"/>
+                </a:solidFill>
+                <a:latin typeface="+mn-lt"/>
+                <a:ea typeface="+mn-ea"/>
+              </a:defRPr>
+            </a:lvl9pPr>
+          </a:lstStyle>
+          <a:p>
+            <a:r>
+              <a:rPr lang="de-DE" sz="2000" kern="0" dirty="0" smtClean="0"/>
+              <a:t>Ausführen des selben Testfalls mit dem selben </a:t>
+            </a:r>
+            <a:r>
+              <a:rPr lang="de-DE" sz="2000" kern="0" dirty="0" err="1" smtClean="0"/>
+              <a:t>Seed</a:t>
+            </a:r>
+            <a:r>
+              <a:rPr lang="de-DE" sz="2000" kern="0" dirty="0" smtClean="0"/>
+              <a:t> und unterschiedlichen Fitness-Ansätzen</a:t>
+            </a:r>
+          </a:p>
+          <a:p>
+            <a:endParaRPr lang="de-DE" sz="2000" kern="0" dirty="0"/>
+          </a:p>
+          <a:p>
+            <a:endParaRPr lang="de-DE" sz="2000" kern="0" dirty="0" smtClean="0"/>
+          </a:p>
+          <a:p>
+            <a:endParaRPr lang="de-DE" sz="2000" kern="0" dirty="0" smtClean="0"/>
+          </a:p>
+          <a:p>
+            <a:endParaRPr lang="de-DE" sz="2000" kern="0" dirty="0" smtClean="0"/>
+          </a:p>
+          <a:p>
+            <a:endParaRPr lang="de-DE" sz="2000" kern="0" dirty="0" smtClean="0"/>
+          </a:p>
+          <a:p>
+            <a:endParaRPr lang="de-DE" sz="2000" kern="0" dirty="0"/>
+          </a:p>
+          <a:p>
+            <a:endParaRPr lang="de-DE" sz="2000" kern="0" dirty="0" smtClean="0"/>
+          </a:p>
+          <a:p>
+            <a:pPr marL="0" indent="0">
+              <a:buFont typeface="Wingdings" pitchFamily="2" charset="2"/>
+              <a:buNone/>
+            </a:pPr>
+            <a:endParaRPr lang="de-DE" sz="2000" kern="0" dirty="0" smtClean="0"/>
+          </a:p>
+          <a:p>
+            <a:pPr marL="0" indent="0">
+              <a:buFont typeface="Wingdings" pitchFamily="2" charset="2"/>
+              <a:buNone/>
+            </a:pPr>
+            <a:endParaRPr lang="de-DE" sz="2000" kern="0" dirty="0" smtClean="0"/>
+          </a:p>
+          <a:p>
+            <a:pPr marL="0" indent="0">
+              <a:buNone/>
+            </a:pPr>
+            <a:r>
+              <a:rPr lang="de-DE" sz="2000" kern="0" dirty="0" smtClean="0">
+                <a:solidFill>
+                  <a:schemeClr val="bg2"/>
+                </a:solidFill>
+                <a:sym typeface="Wingdings" panose="05000000000000000000" pitchFamily="2" charset="2"/>
+              </a:rPr>
+              <a:t></a:t>
+            </a:r>
+            <a:r>
+              <a:rPr lang="de-DE" sz="2000" kern="0" dirty="0" smtClean="0">
+                <a:sym typeface="Wingdings" panose="05000000000000000000" pitchFamily="2" charset="2"/>
+              </a:rPr>
+              <a:t> Fitness-Wert mit </a:t>
+            </a:r>
+            <a:r>
+              <a:rPr lang="de-DE" sz="2000" kern="0" dirty="0" err="1" smtClean="0">
+                <a:sym typeface="Wingdings" panose="05000000000000000000" pitchFamily="2" charset="2"/>
+              </a:rPr>
+              <a:t>Hamming</a:t>
+            </a:r>
+            <a:r>
+              <a:rPr lang="de-DE" sz="2000" kern="0" dirty="0" smtClean="0">
+                <a:sym typeface="Wingdings" panose="05000000000000000000" pitchFamily="2" charset="2"/>
+              </a:rPr>
+              <a:t>-Distanz und Startpopulation aus Heuristik sinnvoll </a:t>
+            </a:r>
+            <a:endParaRPr lang="de-DE" sz="2000" dirty="0">
+              <a:sym typeface="Wingdings" panose="05000000000000000000" pitchFamily="2" charset="2"/>
+            </a:endParaRPr>
+          </a:p>
+        </p:txBody>
+      </p:sp>
+      <p:sp>
+        <p:nvSpPr>
+          <p:cNvPr id="3" name="Titel 2"/>
+          <p:cNvSpPr>
+            <a:spLocks noGrp="1"/>
+          </p:cNvSpPr>
+          <p:nvPr>
+            <p:ph type="title"/>
+          </p:nvPr>
+        </p:nvSpPr>
+        <p:spPr/>
+        <p:txBody>
+          <a:bodyPr/>
+          <a:lstStyle/>
+          <a:p>
+            <a:r>
+              <a:rPr lang="de-DE" dirty="0"/>
+              <a:t>Fitness-Funktionsansätze</a:t>
+            </a:r>
+          </a:p>
+        </p:txBody>
+      </p:sp>
+      <p:graphicFrame>
+        <p:nvGraphicFramePr>
+          <p:cNvPr id="5" name="Diagramm 4"/>
+          <p:cNvGraphicFramePr>
+            <a:graphicFrameLocks/>
+          </p:cNvGraphicFramePr>
+          <p:nvPr>
+            <p:extLst>
+              <p:ext uri="{D42A27DB-BD31-4B8C-83A1-F6EECF244321}">
+                <p14:modId xmlns:p14="http://schemas.microsoft.com/office/powerpoint/2010/main" val="176098950"/>
+              </p:ext>
+            </p:extLst>
+          </p:nvPr>
+        </p:nvGraphicFramePr>
+        <p:xfrm>
+          <a:off x="1874524" y="2349477"/>
+          <a:ext cx="5503334" cy="2899833"/>
+        </p:xfrm>
+        <a:graphic>
+          <a:graphicData uri="http://schemas.openxmlformats.org/drawingml/2006/chart">
+            <c:chart xmlns:c="http://schemas.openxmlformats.org/drawingml/2006/chart" xmlns:r="http://schemas.openxmlformats.org/officeDocument/2006/relationships" r:id="rId3"/>
+          </a:graphicData>
+        </a:graphic>
+      </p:graphicFrame>
+    </p:spTree>
+    <p:extLst>
+      <p:ext uri="{BB962C8B-B14F-4D97-AF65-F5344CB8AC3E}">
+        <p14:creationId xmlns:p14="http://schemas.microsoft.com/office/powerpoint/2010/main" val="4289979596"/>
+      </p:ext>
+    </p:extLst>
+  </p:cSld>
+  <p:clrMapOvr>
+    <a:masterClrMapping/>
+  </p:clrMapOvr>
+  <p:timing>
+    <p:tnLst>
+      <p:par>
+        <p:cTn id="1" dur="indefinite" restart="never" nodeType="tmRoot"/>
+      </p:par>
+    </p:tnLst>
+  </p:timing>
+</p:sld>
+</file>
+
+<file path=ppt/slides/slide29.xml><?xml version="1.0" encoding="utf-8"?>
 <p:sld xmlns:a="http://schemas.openxmlformats.org/drawingml/2006/main" xmlns:r="http://schemas.openxmlformats.org/officeDocument/2006/relationships" xmlns:p="http://schemas.openxmlformats.org/presentationml/2006/main">
   <p:cSld>
     <p:spTree>
@@ -20672,73 +23745,14 @@
           <a:p>
             <a:r>
               <a:rPr lang="de-DE" dirty="0"/>
-              <a:t>Fitness-Funktionsansätze</a:t>
+              <a:t>Fazit</a:t>
             </a:r>
           </a:p>
         </p:txBody>
       </p:sp>
-      <p:pic>
-        <p:nvPicPr>
-          <p:cNvPr id="7" name="Inhaltsplatzhalter 6"/>
-          <p:cNvPicPr>
-            <a:picLocks noGrp="1" noChangeAspect="1"/>
-          </p:cNvPicPr>
-          <p:nvPr>
-            <p:ph idx="1"/>
-          </p:nvPr>
-        </p:nvPicPr>
-        <p:blipFill>
-          <a:blip r:embed="rId3">
-            <a:extLst>
-              <a:ext uri="{28A0092B-C50C-407E-A947-70E740481C1C}">
-                <a14:useLocalDpi xmlns:a14="http://schemas.microsoft.com/office/drawing/2010/main" val="0"/>
-              </a:ext>
-            </a:extLst>
-          </a:blip>
-          <a:stretch>
-            <a:fillRect/>
-          </a:stretch>
-        </p:blipFill>
-        <p:spPr>
-          <a:xfrm>
-            <a:off x="737394" y="1807616"/>
-            <a:ext cx="7943849" cy="4216153"/>
-          </a:xfrm>
-        </p:spPr>
-      </p:pic>
-    </p:spTree>
-    <p:extLst>
-      <p:ext uri="{BB962C8B-B14F-4D97-AF65-F5344CB8AC3E}">
-        <p14:creationId xmlns:p14="http://schemas.microsoft.com/office/powerpoint/2010/main" val="4289979596"/>
-      </p:ext>
-    </p:extLst>
-  </p:cSld>
-  <p:clrMapOvr>
-    <a:masterClrMapping/>
-  </p:clrMapOvr>
-</p:sld>
-</file>
-
-<file path=ppt/slides/slide29.xml><?xml version="1.0" encoding="utf-8"?>
-<p:sld xmlns:a="http://schemas.openxmlformats.org/drawingml/2006/main" xmlns:r="http://schemas.openxmlformats.org/officeDocument/2006/relationships" xmlns:p="http://schemas.openxmlformats.org/presentationml/2006/main" show="0">
-  <p:cSld>
-    <p:spTree>
-      <p:nvGrpSpPr>
-        <p:cNvPr id="1" name=""/>
-        <p:cNvGrpSpPr/>
-        <p:nvPr/>
-      </p:nvGrpSpPr>
-      <p:grpSpPr>
-        <a:xfrm>
-          <a:off x="0" y="0"/>
-          <a:ext cx="0" cy="0"/>
-          <a:chOff x="0" y="0"/>
-          <a:chExt cx="0" cy="0"/>
-        </a:xfrm>
-      </p:grpSpPr>
       <p:sp>
         <p:nvSpPr>
-          <p:cNvPr id="2" name="Inhaltsplatzhalter 1"/>
+          <p:cNvPr id="5" name="Inhaltsplatzhalter 4"/>
           <p:cNvSpPr>
             <a:spLocks noGrp="1"/>
           </p:cNvSpPr>
@@ -20746,72 +23760,78 @@
             <p:ph idx="1"/>
           </p:nvPr>
         </p:nvSpPr>
-        <p:spPr/>
+        <p:spPr>
+          <a:xfrm>
+            <a:off x="503238" y="1392574"/>
+            <a:ext cx="8412162" cy="4659312"/>
+          </a:xfrm>
+        </p:spPr>
         <p:txBody>
           <a:bodyPr/>
           <a:lstStyle/>
           <a:p>
             <a:r>
-              <a:rPr lang="en-US" dirty="0"/>
-              <a:t>Emulated-</a:t>
-            </a:r>
-            <a:r>
-              <a:rPr lang="en-US" dirty="0" err="1"/>
-              <a:t>Floatin</a:t>
-            </a:r>
-            <a:r>
-              <a:rPr lang="en-US" dirty="0"/>
-              <a:t>-Point</a:t>
-            </a:r>
-          </a:p>
-          <a:p>
-            <a:pPr lvl="1"/>
-            <a:r>
-              <a:rPr lang="en-US" dirty="0"/>
-              <a:t>FFT</a:t>
-            </a:r>
-          </a:p>
-          <a:p>
-            <a:pPr lvl="1"/>
-            <a:r>
-              <a:rPr lang="en-US" dirty="0"/>
-              <a:t>Filter</a:t>
-            </a:r>
-          </a:p>
-        </p:txBody>
-      </p:sp>
-      <p:sp>
-        <p:nvSpPr>
-          <p:cNvPr id="3" name="Titel 2"/>
-          <p:cNvSpPr>
-            <a:spLocks noGrp="1"/>
-          </p:cNvSpPr>
-          <p:nvPr>
-            <p:ph type="title"/>
-          </p:nvPr>
-        </p:nvSpPr>
-        <p:spPr/>
-        <p:txBody>
-          <a:bodyPr/>
-          <a:lstStyle/>
-          <a:p>
-            <a:r>
               <a:rPr lang="de-DE" dirty="0"/>
-              <a:t>Hörgerätealgorithmen</a:t>
-            </a:r>
+              <a:t>Optimieren der Registerzugriffe zur Verlustleistungsoptimierung sinnvoll</a:t>
+            </a:r>
+          </a:p>
+          <a:p>
+            <a:r>
+              <a:rPr lang="de-DE" dirty="0"/>
+              <a:t>Im Best-Case ist eine Einsparung der Leistung von 18,33% im Register-File möglich</a:t>
+            </a:r>
+          </a:p>
+          <a:p>
+            <a:r>
+              <a:rPr lang="de-DE" dirty="0"/>
+              <a:t>Bei dem Einsatz eines genetischen Algorithmus ist eine Kombination aus Lastkapazität und </a:t>
+            </a:r>
+            <a:r>
+              <a:rPr lang="de-DE" dirty="0" err="1"/>
+              <a:t>Hamming</a:t>
+            </a:r>
+            <a:r>
+              <a:rPr lang="de-DE" dirty="0"/>
+              <a:t>-Distanz als Fitness-Wert und eine Startpopulation durch eine Heuristik sinnvoll</a:t>
+            </a:r>
+          </a:p>
+          <a:p>
+            <a:r>
+              <a:rPr lang="de-DE" dirty="0"/>
+              <a:t>Optimierung der Verlustleistung des Prozessors ist dadurch ohne  aufwendige Hardware-Optimierung oder Performance-Einbuße möglich</a:t>
+            </a:r>
+          </a:p>
+          <a:p>
+            <a:r>
+              <a:rPr lang="de-DE" dirty="0"/>
+              <a:t>Prinzip ist auf andere DSPs übertragbar</a:t>
+            </a:r>
+          </a:p>
+          <a:p>
+            <a:endParaRPr lang="de-DE" dirty="0"/>
+          </a:p>
+          <a:p>
+            <a:endParaRPr lang="de-DE" dirty="0"/>
           </a:p>
         </p:txBody>
       </p:sp>
     </p:spTree>
     <p:extLst>
       <p:ext uri="{BB962C8B-B14F-4D97-AF65-F5344CB8AC3E}">
-        <p14:creationId xmlns:p14="http://schemas.microsoft.com/office/powerpoint/2010/main" val="3282181485"/>
+        <p14:creationId xmlns:p14="http://schemas.microsoft.com/office/powerpoint/2010/main" val="329010870"/>
       </p:ext>
     </p:extLst>
   </p:cSld>
   <p:clrMapOvr>
     <a:masterClrMapping/>
   </p:clrMapOvr>
+  <p:timing>
+    <p:tnLst>
+      <p:par>
+        <p:cTn id="1" dur="indefinite" restart="never" nodeType="tmRoot"/>
+      </p:par>
+    </p:tnLst>
+  </p:timing>
 </p:sld>
 </file>
 
@@ -21083,7 +24103,7 @@
 </file>
 
 <file path=ppt/slides/slide30.xml><?xml version="1.0" encoding="utf-8"?>
-<p:sld xmlns:a="http://schemas.openxmlformats.org/drawingml/2006/main" xmlns:r="http://schemas.openxmlformats.org/officeDocument/2006/relationships" xmlns:p="http://schemas.openxmlformats.org/presentationml/2006/main">
+<p:sld xmlns:a="http://schemas.openxmlformats.org/drawingml/2006/main" xmlns:r="http://schemas.openxmlformats.org/officeDocument/2006/relationships" xmlns:p="http://schemas.openxmlformats.org/presentationml/2006/main" show="0">
   <p:cSld>
     <p:spTree>
       <p:nvGrpSpPr>
@@ -21101,6 +24121,50 @@
       </p:grpSpPr>
       <p:sp>
         <p:nvSpPr>
+          <p:cNvPr id="2" name="Inhaltsplatzhalter 1"/>
+          <p:cNvSpPr>
+            <a:spLocks noGrp="1"/>
+          </p:cNvSpPr>
+          <p:nvPr>
+            <p:ph idx="1"/>
+          </p:nvPr>
+        </p:nvSpPr>
+        <p:spPr/>
+        <p:txBody>
+          <a:bodyPr/>
+          <a:lstStyle/>
+          <a:p>
+            <a:r>
+              <a:rPr lang="en-US" dirty="0"/>
+              <a:t>Emulated-</a:t>
+            </a:r>
+            <a:r>
+              <a:rPr lang="en-US" dirty="0" err="1"/>
+              <a:t>Floatin</a:t>
+            </a:r>
+            <a:r>
+              <a:rPr lang="en-US" dirty="0"/>
+              <a:t>-Point</a:t>
+            </a:r>
+          </a:p>
+          <a:p>
+            <a:pPr lvl="1"/>
+            <a:r>
+              <a:rPr lang="en-US" dirty="0"/>
+              <a:t>FFT</a:t>
+            </a:r>
+          </a:p>
+          <a:p>
+            <a:pPr lvl="1"/>
+            <a:r>
+              <a:rPr lang="en-US" dirty="0"/>
+              <a:t>Filter</a:t>
+            </a:r>
+          </a:p>
+        </p:txBody>
+      </p:sp>
+      <p:sp>
+        <p:nvSpPr>
           <p:cNvPr id="3" name="Titel 2"/>
           <p:cNvSpPr>
             <a:spLocks noGrp="1"/>
@@ -21116,86 +24180,36 @@
           <a:p>
             <a:r>
               <a:rPr lang="de-DE" dirty="0"/>
-              <a:t>Fazit</a:t>
-            </a:r>
-          </a:p>
-        </p:txBody>
-      </p:sp>
-      <p:sp>
-        <p:nvSpPr>
-          <p:cNvPr id="5" name="Inhaltsplatzhalter 4"/>
-          <p:cNvSpPr>
-            <a:spLocks noGrp="1"/>
-          </p:cNvSpPr>
-          <p:nvPr>
-            <p:ph idx="1"/>
-          </p:nvPr>
-        </p:nvSpPr>
-        <p:spPr>
-          <a:xfrm>
-            <a:off x="503238" y="1392574"/>
-            <a:ext cx="8412162" cy="4659312"/>
-          </a:xfrm>
-        </p:spPr>
-        <p:txBody>
-          <a:bodyPr/>
-          <a:lstStyle/>
-          <a:p>
-            <a:r>
-              <a:rPr lang="de-DE" dirty="0"/>
-              <a:t>Optimieren der Registerzugriffe zur Verlustleistungsoptimierung sinnvoll</a:t>
-            </a:r>
-          </a:p>
-          <a:p>
-            <a:r>
-              <a:rPr lang="de-DE" dirty="0"/>
-              <a:t>Im Best-Case ist eine Einsparung der Leistung von 18,33% im Register-File möglich</a:t>
-            </a:r>
-          </a:p>
-          <a:p>
-            <a:r>
-              <a:rPr lang="de-DE" dirty="0"/>
-              <a:t>Bei dem Einsatz eines genetischen Algorithmus ist eine Kombination aus Lastkapazität und </a:t>
-            </a:r>
-            <a:r>
-              <a:rPr lang="de-DE" dirty="0" err="1"/>
-              <a:t>Hamming</a:t>
-            </a:r>
-            <a:r>
-              <a:rPr lang="de-DE" dirty="0"/>
-              <a:t>-Distanz als Fitness-Wert und eine Startpopulation durch eine Heuristik sinnvoll</a:t>
-            </a:r>
-          </a:p>
-          <a:p>
-            <a:r>
-              <a:rPr lang="de-DE" dirty="0"/>
-              <a:t>Optimierung der Verlustleistung des Prozessors ist dadurch ohne  aufwendige Hardware-Optimierung oder Performance-Einbuße möglich</a:t>
-            </a:r>
-          </a:p>
-          <a:p>
-            <a:r>
-              <a:rPr lang="de-DE" dirty="0"/>
-              <a:t>Prinzip ist auf andere DSPs übertragbar</a:t>
-            </a:r>
-          </a:p>
-          <a:p>
-            <a:endParaRPr lang="de-DE" dirty="0"/>
-          </a:p>
-          <a:p>
-            <a:endParaRPr lang="de-DE" dirty="0"/>
+              <a:t>Hörgerätealgorithmen</a:t>
+            </a:r>
           </a:p>
         </p:txBody>
       </p:sp>
     </p:spTree>
     <p:extLst>
       <p:ext uri="{BB962C8B-B14F-4D97-AF65-F5344CB8AC3E}">
-        <p14:creationId xmlns:p14="http://schemas.microsoft.com/office/powerpoint/2010/main" val="329010870"/>
+        <p14:creationId xmlns:p14="http://schemas.microsoft.com/office/powerpoint/2010/main" val="3282181485"/>
       </p:ext>
     </p:extLst>
   </p:cSld>
   <p:clrMapOvr>
     <a:masterClrMapping/>
   </p:clrMapOvr>
+  <mc:AlternateContent xmlns:mc="http://schemas.openxmlformats.org/markup-compatibility/2006">
+    <mc:Choice xmlns:p14="http://schemas.microsoft.com/office/powerpoint/2010/main" Requires="p14">
+      <p:transition spd="slow" p14:dur="2000"/>
+    </mc:Choice>
+    <mc:Fallback>
+      <p:transition spd="slow"/>
+    </mc:Fallback>
+  </mc:AlternateContent>
+  <p:timing>
+    <p:tnLst>
+      <p:par>
+        <p:cTn id="1" dur="indefinite" restart="never" nodeType="tmRoot"/>
+      </p:par>
+    </p:tnLst>
+  </p:timing>
 </p:sld>
 </file>
 
@@ -21308,6 +24322,21 @@
   <p:clrMapOvr>
     <a:masterClrMapping/>
   </p:clrMapOvr>
+  <mc:AlternateContent xmlns:mc="http://schemas.openxmlformats.org/markup-compatibility/2006">
+    <mc:Choice xmlns:p14="http://schemas.microsoft.com/office/powerpoint/2010/main" Requires="p14">
+      <p:transition spd="slow" p14:dur="2000"/>
+    </mc:Choice>
+    <mc:Fallback>
+      <p:transition spd="slow"/>
+    </mc:Fallback>
+  </mc:AlternateContent>
+  <p:timing>
+    <p:tnLst>
+      <p:par>
+        <p:cTn id="1" dur="indefinite" restart="never" nodeType="tmRoot"/>
+      </p:par>
+    </p:tnLst>
+  </p:timing>
 </p:sld>
 </file>
 
@@ -22666,6 +25695,21 @@
   <p:clrMapOvr>
     <a:masterClrMapping/>
   </p:clrMapOvr>
+  <mc:AlternateContent xmlns:mc="http://schemas.openxmlformats.org/markup-compatibility/2006">
+    <mc:Choice xmlns:p14="http://schemas.microsoft.com/office/powerpoint/2010/main" Requires="p14">
+      <p:transition spd="slow" p14:dur="2000"/>
+    </mc:Choice>
+    <mc:Fallback>
+      <p:transition spd="slow"/>
+    </mc:Fallback>
+  </mc:AlternateContent>
+  <p:timing>
+    <p:tnLst>
+      <p:par>
+        <p:cTn id="1" dur="indefinite" restart="never" nodeType="tmRoot"/>
+      </p:par>
+    </p:tnLst>
+  </p:timing>
 </p:sld>
 </file>
 
@@ -23168,6 +26212,41 @@
           </a:p>
         </p:txBody>
       </p:sp>
+      <p:pic>
+        <p:nvPicPr>
+          <p:cNvPr id="8" name="Grafik 7">
+            <a:extLst>
+              <a:ext uri="{FF2B5EF4-FFF2-40B4-BE49-F238E27FC236}">
+                <a16:creationId xmlns:a16="http://schemas.microsoft.com/office/drawing/2014/main" id="{CF1233BE-38DD-4ABD-9F47-78FFE0583A00}"/>
+              </a:ext>
+            </a:extLst>
+          </p:cNvPr>
+          <p:cNvPicPr>
+            <a:picLocks noChangeAspect="1"/>
+          </p:cNvPicPr>
+          <p:nvPr/>
+        </p:nvPicPr>
+        <p:blipFill rotWithShape="1">
+          <a:blip r:embed="rId3" cstate="print">
+            <a:extLst>
+              <a:ext uri="{28A0092B-C50C-407E-A947-70E740481C1C}">
+                <a14:useLocalDpi xmlns:a14="http://schemas.microsoft.com/office/drawing/2010/main" val="0"/>
+              </a:ext>
+            </a:extLst>
+          </a:blip>
+          <a:srcRect l="34730" t="1843" r="37696" b="-1"/>
+          <a:stretch/>
+        </p:blipFill>
+        <p:spPr>
+          <a:xfrm>
+            <a:off x="6121201" y="757034"/>
+            <a:ext cx="1636118" cy="2566594"/>
+          </a:xfrm>
+          <a:prstGeom prst="rect">
+            <a:avLst/>
+          </a:prstGeom>
+        </p:spPr>
+      </p:pic>
     </p:spTree>
     <p:extLst>
       <p:ext uri="{BB962C8B-B14F-4D97-AF65-F5344CB8AC3E}">
@@ -23178,6 +26257,13 @@
   <p:clrMapOvr>
     <a:masterClrMapping/>
   </p:clrMapOvr>
+  <p:timing>
+    <p:tnLst>
+      <p:par>
+        <p:cTn id="1" dur="indefinite" restart="never" nodeType="tmRoot"/>
+      </p:par>
+    </p:tnLst>
+  </p:timing>
 </p:sld>
 </file>
 
@@ -23687,6 +26773,41 @@
           </a:p>
         </p:txBody>
       </p:sp>
+      <p:pic>
+        <p:nvPicPr>
+          <p:cNvPr id="8" name="Grafik 7">
+            <a:extLst>
+              <a:ext uri="{FF2B5EF4-FFF2-40B4-BE49-F238E27FC236}">
+                <a16:creationId xmlns:a16="http://schemas.microsoft.com/office/drawing/2014/main" id="{CF1233BE-38DD-4ABD-9F47-78FFE0583A00}"/>
+              </a:ext>
+            </a:extLst>
+          </p:cNvPr>
+          <p:cNvPicPr>
+            <a:picLocks noChangeAspect="1"/>
+          </p:cNvPicPr>
+          <p:nvPr/>
+        </p:nvPicPr>
+        <p:blipFill rotWithShape="1">
+          <a:blip r:embed="rId3" cstate="print">
+            <a:extLst>
+              <a:ext uri="{28A0092B-C50C-407E-A947-70E740481C1C}">
+                <a14:useLocalDpi xmlns:a14="http://schemas.microsoft.com/office/drawing/2010/main" val="0"/>
+              </a:ext>
+            </a:extLst>
+          </a:blip>
+          <a:srcRect l="34730" t="1843" r="37696" b="-1"/>
+          <a:stretch/>
+        </p:blipFill>
+        <p:spPr>
+          <a:xfrm>
+            <a:off x="6121201" y="757034"/>
+            <a:ext cx="1636118" cy="2566594"/>
+          </a:xfrm>
+          <a:prstGeom prst="rect">
+            <a:avLst/>
+          </a:prstGeom>
+        </p:spPr>
+      </p:pic>
     </p:spTree>
     <p:extLst>
       <p:ext uri="{BB962C8B-B14F-4D97-AF65-F5344CB8AC3E}">
@@ -23705,6 +26826,13 @@
       <p:transition spd="slow" advClick="0" advTm="500"/>
     </mc:Fallback>
   </mc:AlternateContent>
+  <p:timing>
+    <p:tnLst>
+      <p:par>
+        <p:cTn id="1" dur="indefinite" restart="never" nodeType="tmRoot"/>
+      </p:par>
+    </p:tnLst>
+  </p:timing>
 </p:sld>
 </file>
 
@@ -24214,6 +27342,41 @@
           </a:p>
         </p:txBody>
       </p:sp>
+      <p:pic>
+        <p:nvPicPr>
+          <p:cNvPr id="8" name="Grafik 7">
+            <a:extLst>
+              <a:ext uri="{FF2B5EF4-FFF2-40B4-BE49-F238E27FC236}">
+                <a16:creationId xmlns:a16="http://schemas.microsoft.com/office/drawing/2014/main" id="{CF1233BE-38DD-4ABD-9F47-78FFE0583A00}"/>
+              </a:ext>
+            </a:extLst>
+          </p:cNvPr>
+          <p:cNvPicPr>
+            <a:picLocks noChangeAspect="1"/>
+          </p:cNvPicPr>
+          <p:nvPr/>
+        </p:nvPicPr>
+        <p:blipFill rotWithShape="1">
+          <a:blip r:embed="rId3" cstate="print">
+            <a:extLst>
+              <a:ext uri="{28A0092B-C50C-407E-A947-70E740481C1C}">
+                <a14:useLocalDpi xmlns:a14="http://schemas.microsoft.com/office/drawing/2010/main" val="0"/>
+              </a:ext>
+            </a:extLst>
+          </a:blip>
+          <a:srcRect l="34730" t="1843" r="37696" b="-1"/>
+          <a:stretch/>
+        </p:blipFill>
+        <p:spPr>
+          <a:xfrm>
+            <a:off x="6121201" y="757034"/>
+            <a:ext cx="1636118" cy="2566594"/>
+          </a:xfrm>
+          <a:prstGeom prst="rect">
+            <a:avLst/>
+          </a:prstGeom>
+        </p:spPr>
+      </p:pic>
     </p:spTree>
     <p:extLst>
       <p:ext uri="{BB962C8B-B14F-4D97-AF65-F5344CB8AC3E}">
@@ -24232,6 +27395,13 @@
       <p:transition spd="slow" advClick="0" advTm="500"/>
     </mc:Fallback>
   </mc:AlternateContent>
+  <p:timing>
+    <p:tnLst>
+      <p:par>
+        <p:cTn id="1" dur="indefinite" restart="never" nodeType="tmRoot"/>
+      </p:par>
+    </p:tnLst>
+  </p:timing>
 </p:sld>
 </file>
 
@@ -24741,6 +27911,41 @@
           </a:p>
         </p:txBody>
       </p:sp>
+      <p:pic>
+        <p:nvPicPr>
+          <p:cNvPr id="8" name="Grafik 7">
+            <a:extLst>
+              <a:ext uri="{FF2B5EF4-FFF2-40B4-BE49-F238E27FC236}">
+                <a16:creationId xmlns:a16="http://schemas.microsoft.com/office/drawing/2014/main" id="{CF1233BE-38DD-4ABD-9F47-78FFE0583A00}"/>
+              </a:ext>
+            </a:extLst>
+          </p:cNvPr>
+          <p:cNvPicPr>
+            <a:picLocks noChangeAspect="1"/>
+          </p:cNvPicPr>
+          <p:nvPr/>
+        </p:nvPicPr>
+        <p:blipFill rotWithShape="1">
+          <a:blip r:embed="rId3" cstate="print">
+            <a:extLst>
+              <a:ext uri="{28A0092B-C50C-407E-A947-70E740481C1C}">
+                <a14:useLocalDpi xmlns:a14="http://schemas.microsoft.com/office/drawing/2010/main" val="0"/>
+              </a:ext>
+            </a:extLst>
+          </a:blip>
+          <a:srcRect l="34730" t="1843" r="37696" b="-1"/>
+          <a:stretch/>
+        </p:blipFill>
+        <p:spPr>
+          <a:xfrm>
+            <a:off x="6121201" y="757034"/>
+            <a:ext cx="1636118" cy="2566594"/>
+          </a:xfrm>
+          <a:prstGeom prst="rect">
+            <a:avLst/>
+          </a:prstGeom>
+        </p:spPr>
+      </p:pic>
     </p:spTree>
     <p:extLst>
       <p:ext uri="{BB962C8B-B14F-4D97-AF65-F5344CB8AC3E}">
@@ -24759,6 +27964,13 @@
       <p:transition spd="slow" advClick="0" advTm="500"/>
     </mc:Fallback>
   </mc:AlternateContent>
+  <p:timing>
+    <p:tnLst>
+      <p:par>
+        <p:cTn id="1" dur="indefinite" restart="never" nodeType="tmRoot"/>
+      </p:par>
+    </p:tnLst>
+  </p:timing>
 </p:sld>
 </file>
 
@@ -25268,6 +28480,41 @@
           </a:p>
         </p:txBody>
       </p:sp>
+      <p:pic>
+        <p:nvPicPr>
+          <p:cNvPr id="8" name="Grafik 7">
+            <a:extLst>
+              <a:ext uri="{FF2B5EF4-FFF2-40B4-BE49-F238E27FC236}">
+                <a16:creationId xmlns:a16="http://schemas.microsoft.com/office/drawing/2014/main" id="{CF1233BE-38DD-4ABD-9F47-78FFE0583A00}"/>
+              </a:ext>
+            </a:extLst>
+          </p:cNvPr>
+          <p:cNvPicPr>
+            <a:picLocks noChangeAspect="1"/>
+          </p:cNvPicPr>
+          <p:nvPr/>
+        </p:nvPicPr>
+        <p:blipFill rotWithShape="1">
+          <a:blip r:embed="rId3" cstate="print">
+            <a:extLst>
+              <a:ext uri="{28A0092B-C50C-407E-A947-70E740481C1C}">
+                <a14:useLocalDpi xmlns:a14="http://schemas.microsoft.com/office/drawing/2010/main" val="0"/>
+              </a:ext>
+            </a:extLst>
+          </a:blip>
+          <a:srcRect l="34730" t="1843" r="37696" b="-1"/>
+          <a:stretch/>
+        </p:blipFill>
+        <p:spPr>
+          <a:xfrm>
+            <a:off x="6121201" y="757034"/>
+            <a:ext cx="1636118" cy="2566594"/>
+          </a:xfrm>
+          <a:prstGeom prst="rect">
+            <a:avLst/>
+          </a:prstGeom>
+        </p:spPr>
+      </p:pic>
     </p:spTree>
     <p:extLst>
       <p:ext uri="{BB962C8B-B14F-4D97-AF65-F5344CB8AC3E}">
@@ -25286,6 +28533,13 @@
       <p:transition spd="slow" advClick="0" advTm="500"/>
     </mc:Fallback>
   </mc:AlternateContent>
+  <p:timing>
+    <p:tnLst>
+      <p:par>
+        <p:cTn id="1" dur="indefinite" restart="never" nodeType="tmRoot"/>
+      </p:par>
+    </p:tnLst>
+  </p:timing>
 </p:sld>
 </file>
 
@@ -25795,6 +29049,41 @@
           </a:p>
         </p:txBody>
       </p:sp>
+      <p:pic>
+        <p:nvPicPr>
+          <p:cNvPr id="8" name="Grafik 7">
+            <a:extLst>
+              <a:ext uri="{FF2B5EF4-FFF2-40B4-BE49-F238E27FC236}">
+                <a16:creationId xmlns:a16="http://schemas.microsoft.com/office/drawing/2014/main" id="{CF1233BE-38DD-4ABD-9F47-78FFE0583A00}"/>
+              </a:ext>
+            </a:extLst>
+          </p:cNvPr>
+          <p:cNvPicPr>
+            <a:picLocks noChangeAspect="1"/>
+          </p:cNvPicPr>
+          <p:nvPr/>
+        </p:nvPicPr>
+        <p:blipFill rotWithShape="1">
+          <a:blip r:embed="rId3" cstate="print">
+            <a:extLst>
+              <a:ext uri="{28A0092B-C50C-407E-A947-70E740481C1C}">
+                <a14:useLocalDpi xmlns:a14="http://schemas.microsoft.com/office/drawing/2010/main" val="0"/>
+              </a:ext>
+            </a:extLst>
+          </a:blip>
+          <a:srcRect l="34730" t="1843" r="37696" b="-1"/>
+          <a:stretch/>
+        </p:blipFill>
+        <p:spPr>
+          <a:xfrm>
+            <a:off x="6121201" y="757034"/>
+            <a:ext cx="1636118" cy="2566594"/>
+          </a:xfrm>
+          <a:prstGeom prst="rect">
+            <a:avLst/>
+          </a:prstGeom>
+        </p:spPr>
+      </p:pic>
     </p:spTree>
     <p:extLst>
       <p:ext uri="{BB962C8B-B14F-4D97-AF65-F5344CB8AC3E}">
@@ -25813,6 +29102,13 @@
       <p:transition spd="slow" advClick="0" advTm="500"/>
     </mc:Fallback>
   </mc:AlternateContent>
+  <p:timing>
+    <p:tnLst>
+      <p:par>
+        <p:cTn id="1" dur="indefinite" restart="never" nodeType="tmRoot"/>
+      </p:par>
+    </p:tnLst>
+  </p:timing>
 </p:sld>
 </file>
 

--- a/Presentation_Rene_Weinmann.pptx
+++ b/Presentation_Rene_Weinmann.pptx
@@ -233,7 +233,6 @@
           </a:p>
         </c:rich>
       </c:tx>
-      <c:layout/>
       <c:overlay val="1"/>
     </c:title>
     <c:autoTitleDeleted val="0"/>
@@ -465,7 +464,6 @@
               </a:p>
             </c:rich>
           </c:tx>
-          <c:layout/>
           <c:overlay val="0"/>
         </c:title>
         <c:numFmt formatCode="General" sourceLinked="1"/>
@@ -879,7 +877,6 @@
               </a:p>
             </c:rich>
           </c:tx>
-          <c:layout/>
           <c:overlay val="0"/>
           <c:spPr>
             <a:noFill/>
@@ -997,7 +994,6 @@
               </a:p>
             </c:rich>
           </c:tx>
-          <c:layout/>
           <c:overlay val="0"/>
           <c:spPr>
             <a:noFill/>
@@ -1078,7 +1074,6 @@
     </c:plotArea>
     <c:legend>
       <c:legendPos val="r"/>
-      <c:layout/>
       <c:overlay val="0"/>
       <c:spPr>
         <a:noFill/>
@@ -1176,7 +1171,7 @@
           </c:spPr>
           <c:marker>
             <c:symbol val="circle"/>
-            <c:size val="7"/>
+            <c:size val="5"/>
           </c:marker>
           <c:xVal>
             <c:numRef>
@@ -1260,7 +1255,7 @@
           </c:spPr>
           <c:marker>
             <c:symbol val="circle"/>
-            <c:size val="7"/>
+            <c:size val="5"/>
           </c:marker>
           <c:xVal>
             <c:numRef>
@@ -1524,7 +1519,6 @@
               </a:p>
             </c:rich>
           </c:tx>
-          <c:layout/>
           <c:overlay val="0"/>
         </c:title>
         <c:numFmt formatCode="General" sourceLinked="0"/>
@@ -1579,7 +1573,6 @@
               </a:p>
             </c:rich>
           </c:tx>
-          <c:layout/>
           <c:overlay val="0"/>
         </c:title>
         <c:numFmt formatCode="General" sourceLinked="1"/>
@@ -1619,7 +1612,6 @@
     </c:plotArea>
     <c:legend>
       <c:legendPos val="r"/>
-      <c:layout/>
       <c:overlay val="0"/>
       <c:spPr>
         <a:noFill/>
@@ -2059,7 +2051,6 @@
               </a:p>
             </c:rich>
           </c:tx>
-          <c:layout/>
           <c:overlay val="0"/>
           <c:spPr>
             <a:noFill/>
@@ -2176,32 +2167,23 @@
                 </a:r>
                 <a:r>
                   <a:rPr lang="de-DE" sz="1400" baseline="0" dirty="0"/>
-                  <a:t> </a:t>
+                  <a:t> [</a:t>
                 </a:r>
                 <a:r>
-                  <a:rPr lang="de-DE" sz="1400" baseline="0" dirty="0" smtClean="0"/>
-                  <a:t>[</a:t>
-                </a:r>
-                <a:r>
-                  <a:rPr lang="de-DE" sz="1400" baseline="0" dirty="0" smtClean="0">
+                  <a:rPr lang="de-DE" sz="1400" baseline="0" dirty="0">
                     <a:latin typeface="Times New Roman" panose="02020603050405020304" pitchFamily="18" charset="0"/>
                     <a:cs typeface="Times New Roman" panose="02020603050405020304" pitchFamily="18" charset="0"/>
                   </a:rPr>
                   <a:t>µ</a:t>
                 </a:r>
                 <a:r>
-                  <a:rPr lang="de-DE" sz="1400" baseline="0" dirty="0" smtClean="0"/>
-                  <a:t>W</a:t>
-                </a:r>
-                <a:r>
                   <a:rPr lang="de-DE" sz="1400" baseline="0" dirty="0"/>
-                  <a:t>]</a:t>
+                  <a:t>W]</a:t>
                 </a:r>
                 <a:endParaRPr lang="de-DE" sz="1400" dirty="0"/>
               </a:p>
             </c:rich>
           </c:tx>
-          <c:layout/>
           <c:overlay val="0"/>
           <c:spPr>
             <a:noFill/>
@@ -3049,7 +3031,6 @@
               </a:p>
             </c:rich>
           </c:tx>
-          <c:layout/>
           <c:overlay val="0"/>
           <c:spPr>
             <a:noFill/>
@@ -3166,21 +3147,12 @@
                 </a:r>
                 <a:r>
                   <a:rPr lang="de-DE" sz="1400" baseline="0" dirty="0"/>
-                  <a:t> </a:t>
-                </a:r>
-                <a:r>
-                  <a:rPr lang="de-DE" sz="1400" baseline="0" dirty="0" smtClean="0"/>
-                  <a:t>[µW</a:t>
-                </a:r>
-                <a:r>
-                  <a:rPr lang="de-DE" sz="1400" baseline="0" dirty="0"/>
-                  <a:t>]</a:t>
+                  <a:t> [µW]</a:t>
                 </a:r>
                 <a:endParaRPr lang="de-DE" sz="1400" dirty="0"/>
               </a:p>
             </c:rich>
           </c:tx>
-          <c:layout/>
           <c:overlay val="0"/>
           <c:spPr>
             <a:noFill/>
@@ -3779,20 +3751,6 @@
             </c:ext>
           </c:extLst>
         </c:ser>
-        <c:dLbls>
-          <c:showLegendKey val="0"/>
-          <c:showVal val="0"/>
-          <c:showCatName val="0"/>
-          <c:showSerName val="0"/>
-          <c:showPercent val="0"/>
-          <c:showBubbleSize val="0"/>
-        </c:dLbls>
-        <c:axId val="598676592"/>
-        <c:axId val="598681184"/>
-      </c:scatterChart>
-      <c:scatterChart>
-        <c:scatterStyle val="smoothMarker"/>
-        <c:varyColors val="0"/>
         <c:ser>
           <c:idx val="6"/>
           <c:order val="5"/>
@@ -3808,12 +3766,8 @@
             </c:strRef>
           </c:tx>
           <c:spPr>
-            <a:ln w="19050" cap="rnd">
-              <a:solidFill>
-                <a:schemeClr val="accent1">
-                  <a:lumMod val="60000"/>
-                </a:schemeClr>
-              </a:solidFill>
+            <a:ln w="25400" cap="rnd">
+              <a:noFill/>
               <a:round/>
             </a:ln>
             <a:effectLst/>
@@ -3879,7 +3833,7 @@
               </c:numCache>
             </c:numRef>
           </c:yVal>
-          <c:smooth val="1"/>
+          <c:smooth val="0"/>
           <c:extLst>
             <c:ext xmlns:c16="http://schemas.microsoft.com/office/drawing/2014/chart" uri="{C3380CC4-5D6E-409C-BE32-E72D297353CC}">
               <c16:uniqueId val="{00000005-482A-4153-96C4-02BFDB9222A5}"/>
@@ -3901,10 +3855,8 @@
             </c:strRef>
           </c:tx>
           <c:spPr>
-            <a:ln w="19050" cap="rnd">
-              <a:solidFill>
-                <a:srgbClr val="C00000"/>
-              </a:solidFill>
+            <a:ln w="25400" cap="rnd">
+              <a:noFill/>
               <a:round/>
             </a:ln>
             <a:effectLst/>
@@ -3966,7 +3918,7 @@
               </c:numCache>
             </c:numRef>
           </c:yVal>
-          <c:smooth val="1"/>
+          <c:smooth val="0"/>
           <c:extLst>
             <c:ext xmlns:c16="http://schemas.microsoft.com/office/drawing/2014/chart" uri="{C3380CC4-5D6E-409C-BE32-E72D297353CC}">
               <c16:uniqueId val="{00000006-482A-4153-96C4-02BFDB9222A5}"/>
@@ -4154,26 +4106,18 @@
                 </a:pPr>
                 <a:r>
                   <a:rPr lang="de-DE" sz="1400" dirty="0"/>
-                  <a:t>Schaltleistung </a:t>
+                  <a:t>Schaltleistung [</a:t>
                 </a:r>
                 <a:r>
-                  <a:rPr lang="de-DE" sz="1400" dirty="0" smtClean="0"/>
-                  <a:t>[</a:t>
-                </a:r>
-                <a:r>
-                  <a:rPr lang="de-DE" sz="1400" dirty="0" smtClean="0">
+                  <a:rPr lang="de-DE" sz="1400" dirty="0">
                     <a:latin typeface="Times New Roman" panose="02020603050405020304" pitchFamily="18" charset="0"/>
                     <a:cs typeface="Times New Roman" panose="02020603050405020304" pitchFamily="18" charset="0"/>
                   </a:rPr>
                   <a:t>µ</a:t>
                 </a:r>
                 <a:r>
-                  <a:rPr lang="de-DE" sz="1400" dirty="0" smtClean="0"/>
-                  <a:t>W</a:t>
-                </a:r>
-                <a:r>
                   <a:rPr lang="de-DE" sz="1400" dirty="0"/>
-                  <a:t>]</a:t>
+                  <a:t>W]</a:t>
                 </a:r>
               </a:p>
             </c:rich>
@@ -4597,32 +4541,23 @@
                 </a:r>
                 <a:r>
                   <a:rPr lang="de-DE" baseline="0" dirty="0"/>
-                  <a:t> </a:t>
+                  <a:t> [</a:t>
                 </a:r>
                 <a:r>
-                  <a:rPr lang="de-DE" baseline="0" dirty="0" smtClean="0"/>
-                  <a:t>[</a:t>
-                </a:r>
-                <a:r>
-                  <a:rPr lang="de-DE" baseline="0" dirty="0" smtClean="0">
+                  <a:rPr lang="de-DE" baseline="0" dirty="0">
                     <a:latin typeface="Times New Roman" panose="02020603050405020304" pitchFamily="18" charset="0"/>
                     <a:cs typeface="Times New Roman" panose="02020603050405020304" pitchFamily="18" charset="0"/>
                   </a:rPr>
                   <a:t>µ</a:t>
                 </a:r>
                 <a:r>
-                  <a:rPr lang="de-DE" baseline="0" dirty="0" smtClean="0"/>
-                  <a:t>W</a:t>
-                </a:r>
-                <a:r>
                   <a:rPr lang="de-DE" baseline="0" dirty="0"/>
-                  <a:t>]</a:t>
+                  <a:t>W]</a:t>
                 </a:r>
                 <a:endParaRPr lang="de-DE" dirty="0"/>
               </a:p>
             </c:rich>
           </c:tx>
-          <c:layout/>
           <c:overlay val="0"/>
           <c:spPr>
             <a:noFill/>
@@ -4697,7 +4632,6 @@
     </c:plotArea>
     <c:legend>
       <c:legendPos val="r"/>
-      <c:layout/>
       <c:overlay val="0"/>
       <c:spPr>
         <a:noFill/>
@@ -7604,7 +7538,7 @@
             <a:fld id="{78A3FABC-3780-4F68-84BD-39BD54B294EC}" type="datetimeFigureOut">
               <a:rPr lang="en-US" smtClean="0"/>
               <a:pPr/>
-              <a:t>11/6/2017</a:t>
+              <a:t>11/7/2017</a:t>
             </a:fld>
             <a:endParaRPr lang="en-US"/>
           </a:p>
@@ -7771,7 +7705,7 @@
             <a:fld id="{962D6903-D881-4FA6-A21E-ABC873CB4FE8}" type="datetimeFigureOut">
               <a:rPr lang="en-US" smtClean="0"/>
               <a:pPr/>
-              <a:t>11/6/2017</a:t>
+              <a:t>11/7/2017</a:t>
             </a:fld>
             <a:endParaRPr lang="en-US"/>
           </a:p>
@@ -13024,13 +12958,6 @@
   <p:clrMapOvr>
     <a:masterClrMapping/>
   </p:clrMapOvr>
-  <p:timing>
-    <p:tnLst>
-      <p:par>
-        <p:cTn id="1" dur="indefinite" restart="never" nodeType="tmRoot"/>
-      </p:par>
-    </p:tnLst>
-  </p:timing>
 </p:sld>
 </file>
 
@@ -13794,13 +13721,6 @@
       <p:transition spd="slow" advClick="0" advTm="500"/>
     </mc:Fallback>
   </mc:AlternateContent>
-  <p:timing>
-    <p:tnLst>
-      <p:par>
-        <p:cTn id="1" dur="indefinite" restart="never" nodeType="tmRoot"/>
-      </p:par>
-    </p:tnLst>
-  </p:timing>
 </p:sld>
 </file>
 
@@ -13821,84 +13741,6 @@
           <a:chExt cx="0" cy="0"/>
         </a:xfrm>
       </p:grpSpPr>
-      <p:sp>
-        <p:nvSpPr>
-          <p:cNvPr id="2" name="Inhaltsplatzhalter 1"/>
-          <p:cNvSpPr>
-            <a:spLocks noGrp="1"/>
-          </p:cNvSpPr>
-          <p:nvPr>
-            <p:ph idx="1"/>
-          </p:nvPr>
-        </p:nvSpPr>
-        <p:spPr/>
-        <p:txBody>
-          <a:bodyPr/>
-          <a:lstStyle/>
-          <a:p>
-            <a:pPr marL="0" indent="0">
-              <a:buNone/>
-            </a:pPr>
-            <a:r>
-              <a:rPr lang="de-DE" b="1" dirty="0"/>
-              <a:t>ADD</a:t>
-            </a:r>
-            <a:r>
-              <a:rPr lang="de-DE" dirty="0"/>
-              <a:t> </a:t>
-            </a:r>
-            <a:r>
-              <a:rPr lang="de-DE" dirty="0">
-                <a:solidFill>
-                  <a:srgbClr val="FF0000"/>
-                </a:solidFill>
-              </a:rPr>
-              <a:t>VxR0</a:t>
-            </a:r>
-            <a:r>
-              <a:rPr lang="de-DE" dirty="0"/>
-              <a:t> V0R0 V0R2</a:t>
-            </a:r>
-          </a:p>
-          <a:p>
-            <a:pPr marL="0" indent="0">
-              <a:buNone/>
-            </a:pPr>
-            <a:r>
-              <a:rPr lang="de-DE" b="1" dirty="0"/>
-              <a:t>OR</a:t>
-            </a:r>
-            <a:r>
-              <a:rPr lang="de-DE" dirty="0"/>
-              <a:t>   V1R1 </a:t>
-            </a:r>
-            <a:r>
-              <a:rPr lang="de-DE" dirty="0">
-                <a:solidFill>
-                  <a:srgbClr val="FF0000"/>
-                </a:solidFill>
-              </a:rPr>
-              <a:t>VxR0</a:t>
-            </a:r>
-            <a:r>
-              <a:rPr lang="de-DE" dirty="0"/>
-              <a:t> V1R3</a:t>
-            </a:r>
-          </a:p>
-          <a:p>
-            <a:pPr marL="0" indent="0">
-              <a:buNone/>
-            </a:pPr>
-            <a:endParaRPr lang="de-DE" dirty="0"/>
-          </a:p>
-          <a:p>
-            <a:pPr marL="0" indent="0">
-              <a:buNone/>
-            </a:pPr>
-            <a:endParaRPr lang="de-DE" dirty="0"/>
-          </a:p>
-        </p:txBody>
-      </p:sp>
       <p:sp>
         <p:nvSpPr>
           <p:cNvPr id="3" name="Titel 2"/>
@@ -14520,6 +14362,121 @@
           </a:graphicData>
         </a:graphic>
       </p:graphicFrame>
+      <p:sp>
+        <p:nvSpPr>
+          <p:cNvPr id="13" name="Inhaltsplatzhalter 1">
+            <a:extLst>
+              <a:ext uri="{FF2B5EF4-FFF2-40B4-BE49-F238E27FC236}">
+                <a16:creationId xmlns:a16="http://schemas.microsoft.com/office/drawing/2014/main" id="{D05013B2-6F6D-472F-B2E1-561CE2474884}"/>
+              </a:ext>
+            </a:extLst>
+          </p:cNvPr>
+          <p:cNvSpPr>
+            <a:spLocks noGrp="1"/>
+          </p:cNvSpPr>
+          <p:nvPr>
+            <p:ph idx="1"/>
+          </p:nvPr>
+        </p:nvSpPr>
+        <p:spPr>
+          <a:xfrm>
+            <a:off x="503238" y="1665288"/>
+            <a:ext cx="8412162" cy="4659312"/>
+          </a:xfrm>
+        </p:spPr>
+        <p:txBody>
+          <a:bodyPr/>
+          <a:lstStyle/>
+          <a:p>
+            <a:pPr marL="0" indent="0">
+              <a:buNone/>
+            </a:pPr>
+            <a:r>
+              <a:rPr lang="de-DE" b="1" dirty="0"/>
+              <a:t>ADD</a:t>
+            </a:r>
+            <a:r>
+              <a:rPr lang="de-DE" dirty="0"/>
+              <a:t> V0R0 </a:t>
+            </a:r>
+            <a:r>
+              <a:rPr lang="de-DE" dirty="0" err="1"/>
+              <a:t>V0R0</a:t>
+            </a:r>
+            <a:r>
+              <a:rPr lang="de-DE" dirty="0"/>
+              <a:t> </a:t>
+            </a:r>
+            <a:r>
+              <a:rPr lang="de-DE" dirty="0" err="1"/>
+              <a:t>V0R0</a:t>
+            </a:r>
+            <a:endParaRPr lang="de-DE" b="1" dirty="0"/>
+          </a:p>
+          <a:p>
+            <a:pPr marL="0" indent="0">
+              <a:buNone/>
+            </a:pPr>
+            <a:r>
+              <a:rPr lang="de-DE" b="1" dirty="0"/>
+              <a:t>ADD</a:t>
+            </a:r>
+            <a:r>
+              <a:rPr lang="de-DE" dirty="0"/>
+              <a:t> </a:t>
+            </a:r>
+            <a:r>
+              <a:rPr lang="de-DE" dirty="0">
+                <a:solidFill>
+                  <a:srgbClr val="FF0000"/>
+                </a:solidFill>
+              </a:rPr>
+              <a:t>VxR0</a:t>
+            </a:r>
+            <a:r>
+              <a:rPr lang="de-DE" dirty="0"/>
+              <a:t> V0R0 V0R2</a:t>
+            </a:r>
+          </a:p>
+          <a:p>
+            <a:pPr marL="0" indent="0">
+              <a:buNone/>
+            </a:pPr>
+            <a:r>
+              <a:rPr lang="de-DE" b="1" dirty="0"/>
+              <a:t>OR</a:t>
+            </a:r>
+            <a:r>
+              <a:rPr lang="de-DE" dirty="0"/>
+              <a:t>   V1R1 </a:t>
+            </a:r>
+            <a:r>
+              <a:rPr lang="de-DE" dirty="0">
+                <a:solidFill>
+                  <a:srgbClr val="FF0000"/>
+                </a:solidFill>
+              </a:rPr>
+              <a:t>VxR0</a:t>
+            </a:r>
+            <a:r>
+              <a:rPr lang="de-DE" dirty="0"/>
+              <a:t> V1R3</a:t>
+            </a:r>
+          </a:p>
+          <a:p>
+            <a:pPr marL="0" indent="0">
+              <a:buNone/>
+            </a:pPr>
+            <a:endParaRPr lang="de-DE" dirty="0"/>
+          </a:p>
+          <a:p>
+            <a:pPr marL="0" indent="0">
+              <a:buNone/>
+            </a:pPr>
+            <a:endParaRPr lang="de-DE" dirty="0"/>
+          </a:p>
+        </p:txBody>
+      </p:sp>
     </p:spTree>
     <p:extLst>
       <p:ext uri="{BB962C8B-B14F-4D97-AF65-F5344CB8AC3E}">
@@ -14538,13 +14495,6 @@
       <p:transition spd="slow" advClick="0" advTm="500"/>
     </mc:Fallback>
   </mc:AlternateContent>
-  <p:timing>
-    <p:tnLst>
-      <p:par>
-        <p:cTn id="1" dur="indefinite" restart="never" nodeType="tmRoot"/>
-      </p:par>
-    </p:tnLst>
-  </p:timing>
 </p:sld>
 </file>
 
@@ -15308,13 +15258,6 @@
       <p:transition spd="slow" advClick="0" advTm="500"/>
     </mc:Fallback>
   </mc:AlternateContent>
-  <p:timing>
-    <p:tnLst>
-      <p:par>
-        <p:cTn id="1" dur="indefinite" restart="never" nodeType="tmRoot"/>
-      </p:par>
-    </p:tnLst>
-  </p:timing>
 </p:sld>
 </file>
 
@@ -16101,13 +16044,6 @@
   <p:clrMapOvr>
     <a:masterClrMapping/>
   </p:clrMapOvr>
-  <p:timing>
-    <p:tnLst>
-      <p:par>
-        <p:cTn id="1" dur="indefinite" restart="never" nodeType="tmRoot"/>
-      </p:par>
-    </p:tnLst>
-  </p:timing>
 </p:sld>
 </file>
 
@@ -16144,12 +16080,8 @@
           <a:lstStyle/>
           <a:p>
             <a:r>
-              <a:rPr lang="de-DE" dirty="0" smtClean="0"/>
-              <a:t>Alte Heuristik </a:t>
-            </a:r>
-            <a:r>
               <a:rPr lang="de-DE" dirty="0"/>
-              <a:t>für die Register-Allokation</a:t>
+              <a:t>Alte Heuristik für die Register-Allokation</a:t>
             </a:r>
           </a:p>
         </p:txBody>
@@ -16185,51 +16117,33 @@
               <a:rPr lang="de-DE" dirty="0">
                 <a:latin typeface="+mn-lt"/>
               </a:rPr>
-              <a:t> </a:t>
-            </a:r>
-            <a:r>
-              <a:rPr lang="de-DE" dirty="0" smtClean="0">
+              <a:t> V0R0 V0R0 </a:t>
+            </a:r>
+            <a:r>
+              <a:rPr lang="de-DE" dirty="0" err="1">
                 <a:latin typeface="+mn-lt"/>
               </a:rPr>
-              <a:t>V0R0 </a:t>
+              <a:t>V0R0</a:t>
+            </a:r>
+            <a:endParaRPr lang="de-DE" dirty="0">
+              <a:latin typeface="+mn-lt"/>
+            </a:endParaRPr>
+          </a:p>
+          <a:p>
+            <a:pPr marL="0" indent="0">
+              <a:buNone/>
+            </a:pPr>
+            <a:r>
+              <a:rPr lang="de-DE" b="1" dirty="0">
+                <a:latin typeface="+mn-lt"/>
+              </a:rPr>
+              <a:t>ADD</a:t>
             </a:r>
             <a:r>
               <a:rPr lang="de-DE" dirty="0">
                 <a:latin typeface="+mn-lt"/>
               </a:rPr>
-              <a:t>V0R0 </a:t>
-            </a:r>
-            <a:r>
-              <a:rPr lang="de-DE" dirty="0" err="1" smtClean="0">
-                <a:latin typeface="+mn-lt"/>
-              </a:rPr>
-              <a:t>V0R0</a:t>
-            </a:r>
-            <a:endParaRPr lang="de-DE" dirty="0">
-              <a:latin typeface="+mn-lt"/>
-            </a:endParaRPr>
-          </a:p>
-          <a:p>
-            <a:pPr marL="0" indent="0">
-              <a:buNone/>
-            </a:pPr>
-            <a:r>
-              <a:rPr lang="de-DE" b="1" dirty="0" smtClean="0">
-                <a:latin typeface="+mn-lt"/>
-              </a:rPr>
-              <a:t>ADD</a:t>
-            </a:r>
-            <a:r>
-              <a:rPr lang="de-DE" dirty="0" smtClean="0">
-                <a:latin typeface="+mn-lt"/>
-              </a:rPr>
-              <a:t> </a:t>
-            </a:r>
-            <a:r>
-              <a:rPr lang="de-DE" dirty="0">
-                <a:latin typeface="+mn-lt"/>
-              </a:rPr>
-              <a:t>VxR0 V0R0 V0R2</a:t>
+              <a:t> VxR0 V0R0 V0R2</a:t>
             </a:r>
           </a:p>
           <a:p>
@@ -16742,19 +16656,7 @@
               <a:rPr lang="de-DE" dirty="0">
                 <a:latin typeface="+mn-lt"/>
               </a:rPr>
-              <a:t>	  </a:t>
-            </a:r>
-            <a:r>
-              <a:rPr lang="de-DE" dirty="0" smtClean="0">
-                <a:latin typeface="+mn-lt"/>
-              </a:rPr>
-              <a:t>000 </a:t>
-            </a:r>
-            <a:r>
-              <a:rPr lang="de-DE" dirty="0">
-                <a:latin typeface="+mn-lt"/>
-              </a:rPr>
-              <a:t>	 </a:t>
+              <a:t>	  000 	 </a:t>
             </a:r>
             <a:r>
               <a:rPr lang="de-DE" dirty="0">
@@ -17047,12 +16949,12 @@
               <a:t> </a:t>
             </a:r>
             <a:r>
-              <a:rPr lang="de-DE" dirty="0" err="1" smtClean="0">
+              <a:rPr lang="de-DE" dirty="0" err="1">
                 <a:latin typeface="+mn-lt"/>
               </a:rPr>
               <a:t>V0R0</a:t>
             </a:r>
-            <a:endParaRPr lang="de-DE" b="1" dirty="0" smtClean="0">
+            <a:endParaRPr lang="de-DE" b="1" dirty="0">
               <a:latin typeface="+mn-lt"/>
             </a:endParaRPr>
           </a:p>
@@ -17061,22 +16963,16 @@
               <a:buNone/>
             </a:pPr>
             <a:r>
-              <a:rPr lang="de-DE" b="1" dirty="0" smtClean="0">
+              <a:rPr lang="de-DE" b="1" dirty="0">
                 <a:latin typeface="+mn-lt"/>
               </a:rPr>
               <a:t>ADD</a:t>
             </a:r>
             <a:r>
-              <a:rPr lang="de-DE" dirty="0" smtClean="0">
-                <a:latin typeface="+mn-lt"/>
-              </a:rPr>
-              <a:t> </a:t>
-            </a:r>
-            <a:r>
               <a:rPr lang="de-DE" dirty="0">
                 <a:latin typeface="+mn-lt"/>
               </a:rPr>
-              <a:t>V0R5 V0R0 V0R2</a:t>
+              <a:t> V0R5 V0R0 V0R2</a:t>
             </a:r>
           </a:p>
           <a:p>
@@ -17093,19 +16989,7 @@
               <a:rPr lang="de-DE" dirty="0">
                 <a:latin typeface="+mn-lt"/>
               </a:rPr>
-              <a:t>    V1R1 </a:t>
-            </a:r>
-            <a:r>
-              <a:rPr lang="de-DE" dirty="0" smtClean="0">
-                <a:latin typeface="+mn-lt"/>
-              </a:rPr>
-              <a:t>V0R5 </a:t>
-            </a:r>
-            <a:r>
-              <a:rPr lang="de-DE" dirty="0">
-                <a:latin typeface="+mn-lt"/>
-              </a:rPr>
-              <a:t>V1R3</a:t>
+              <a:t>    V1R1 V0R5 V1R3</a:t>
             </a:r>
           </a:p>
         </p:txBody>
@@ -17445,12 +17329,8 @@
           <a:lstStyle/>
           <a:p>
             <a:r>
-              <a:rPr lang="de-DE" dirty="0" smtClean="0"/>
-              <a:t>Neue Heuristik </a:t>
-            </a:r>
-            <a:r>
               <a:rPr lang="de-DE" dirty="0"/>
-              <a:t>für die Register-Allokation</a:t>
+              <a:t>Neue Heuristik für die Register-Allokation</a:t>
             </a:r>
           </a:p>
         </p:txBody>
@@ -17501,12 +17381,12 @@
               <a:t> </a:t>
             </a:r>
             <a:r>
-              <a:rPr lang="de-DE" dirty="0" err="1" smtClean="0">
+              <a:rPr lang="de-DE" dirty="0" err="1">
                 <a:latin typeface="+mn-lt"/>
               </a:rPr>
               <a:t>V0R0</a:t>
             </a:r>
-            <a:endParaRPr lang="de-DE" b="1" dirty="0" smtClean="0">
+            <a:endParaRPr lang="de-DE" b="1" dirty="0">
               <a:latin typeface="+mn-lt"/>
             </a:endParaRPr>
           </a:p>
@@ -17515,22 +17395,16 @@
               <a:buNone/>
             </a:pPr>
             <a:r>
-              <a:rPr lang="de-DE" b="1" dirty="0" smtClean="0">
+              <a:rPr lang="de-DE" b="1" dirty="0">
                 <a:latin typeface="+mn-lt"/>
               </a:rPr>
               <a:t>ADD</a:t>
             </a:r>
             <a:r>
-              <a:rPr lang="de-DE" dirty="0" smtClean="0">
-                <a:latin typeface="+mn-lt"/>
-              </a:rPr>
-              <a:t> </a:t>
-            </a:r>
-            <a:r>
               <a:rPr lang="de-DE" dirty="0">
                 <a:latin typeface="+mn-lt"/>
               </a:rPr>
-              <a:t>VxR0 V0R0 V0R2</a:t>
+              <a:t> VxR0 V0R0 V0R2</a:t>
             </a:r>
           </a:p>
           <a:p>
@@ -18043,19 +17917,7 @@
               <a:rPr lang="de-DE" dirty="0">
                 <a:latin typeface="+mn-lt"/>
               </a:rPr>
-              <a:t>	  </a:t>
-            </a:r>
-            <a:r>
-              <a:rPr lang="de-DE" dirty="0" smtClean="0">
-                <a:latin typeface="+mn-lt"/>
-              </a:rPr>
-              <a:t>000 </a:t>
-            </a:r>
-            <a:r>
-              <a:rPr lang="de-DE" dirty="0">
-                <a:latin typeface="+mn-lt"/>
-              </a:rPr>
-              <a:t>	 </a:t>
+              <a:t>	  000 	 </a:t>
             </a:r>
             <a:r>
               <a:rPr lang="de-DE" dirty="0">
@@ -18348,12 +18210,12 @@
               <a:t> </a:t>
             </a:r>
             <a:r>
-              <a:rPr lang="de-DE" dirty="0" err="1" smtClean="0">
+              <a:rPr lang="de-DE" dirty="0" err="1">
                 <a:latin typeface="+mn-lt"/>
               </a:rPr>
               <a:t>V0R0</a:t>
             </a:r>
-            <a:endParaRPr lang="de-DE" b="1" dirty="0" smtClean="0">
+            <a:endParaRPr lang="de-DE" b="1" dirty="0">
               <a:latin typeface="+mn-lt"/>
             </a:endParaRPr>
           </a:p>
@@ -18362,22 +18224,16 @@
               <a:buNone/>
             </a:pPr>
             <a:r>
-              <a:rPr lang="de-DE" b="1" dirty="0" smtClean="0">
+              <a:rPr lang="de-DE" b="1" dirty="0">
                 <a:latin typeface="+mn-lt"/>
               </a:rPr>
               <a:t>ADD</a:t>
             </a:r>
             <a:r>
-              <a:rPr lang="de-DE" dirty="0" smtClean="0">
-                <a:latin typeface="+mn-lt"/>
-              </a:rPr>
-              <a:t> </a:t>
-            </a:r>
-            <a:r>
               <a:rPr lang="de-DE" dirty="0">
                 <a:latin typeface="+mn-lt"/>
               </a:rPr>
-              <a:t>V0R1 V0R0 V0R2</a:t>
+              <a:t> V0R1 V0R0 V0R2</a:t>
             </a:r>
           </a:p>
           <a:p>
@@ -18394,19 +18250,7 @@
               <a:rPr lang="de-DE" dirty="0">
                 <a:latin typeface="+mn-lt"/>
               </a:rPr>
-              <a:t>    V1R1 </a:t>
-            </a:r>
-            <a:r>
-              <a:rPr lang="de-DE" dirty="0" smtClean="0">
-                <a:latin typeface="+mn-lt"/>
-              </a:rPr>
-              <a:t>V0R5 </a:t>
-            </a:r>
-            <a:r>
-              <a:rPr lang="de-DE" dirty="0">
-                <a:latin typeface="+mn-lt"/>
-              </a:rPr>
-              <a:t>V1R3</a:t>
+              <a:t>    V1R1 V0R5 V1R3</a:t>
             </a:r>
           </a:p>
         </p:txBody>
@@ -18922,13 +18766,6 @@
   <p:clrMapOvr>
     <a:masterClrMapping/>
   </p:clrMapOvr>
-  <p:timing>
-    <p:tnLst>
-      <p:par>
-        <p:cTn id="1" dur="indefinite" restart="never" nodeType="tmRoot"/>
-      </p:par>
-    </p:tnLst>
-  </p:timing>
 </p:sld>
 </file>
 
@@ -18949,313 +18786,21 @@
           <a:chExt cx="0" cy="0"/>
         </a:xfrm>
       </p:grpSpPr>
-      <p:sp>
-        <p:nvSpPr>
-          <p:cNvPr id="2" name="Inhaltsplatzhalter 1"/>
-          <p:cNvSpPr>
-            <a:spLocks noGrp="1"/>
-          </p:cNvSpPr>
-          <p:nvPr>
-            <p:ph idx="1"/>
-          </p:nvPr>
-        </p:nvSpPr>
-        <p:spPr>
-          <a:xfrm>
-            <a:off x="503238" y="1353339"/>
-            <a:ext cx="8412162" cy="4659312"/>
-          </a:xfrm>
-        </p:spPr>
-        <p:txBody>
-          <a:bodyPr/>
-          <a:lstStyle/>
-          <a:p>
-            <a:pPr marL="0" indent="0">
-              <a:buNone/>
-            </a:pPr>
-            <a:r>
-              <a:rPr lang="de-DE" b="1" dirty="0"/>
-              <a:t>ADD</a:t>
-            </a:r>
-            <a:r>
-              <a:rPr lang="de-DE" dirty="0"/>
-              <a:t> VxR0 V0R0 V0R2</a:t>
-            </a:r>
-          </a:p>
-          <a:p>
-            <a:pPr marL="0" indent="0">
-              <a:buNone/>
-            </a:pPr>
-            <a:r>
-              <a:rPr lang="de-DE" b="1" dirty="0"/>
-              <a:t>OR</a:t>
-            </a:r>
-            <a:r>
-              <a:rPr lang="de-DE" dirty="0"/>
-              <a:t>   V1R1 VxR0 V1R3</a:t>
-            </a:r>
-          </a:p>
-          <a:p>
-            <a:r>
-              <a:rPr lang="de-DE" dirty="0"/>
-              <a:t>Gene: VxR0-&gt; V0R1</a:t>
-            </a:r>
-          </a:p>
-          <a:p>
-            <a:r>
-              <a:rPr lang="de-DE" dirty="0"/>
-              <a:t>Chromosom: Satz an Genen</a:t>
-            </a:r>
-          </a:p>
-          <a:p>
-            <a:r>
-              <a:rPr lang="de-DE" dirty="0"/>
-              <a:t>Population: Satz an Chromosomen</a:t>
-            </a:r>
-          </a:p>
-          <a:p>
-            <a:r>
-              <a:rPr lang="de-DE" dirty="0" smtClean="0"/>
-              <a:t>Crossover</a:t>
-            </a:r>
-          </a:p>
-          <a:p>
-            <a:endParaRPr lang="de-DE" dirty="0"/>
-          </a:p>
-          <a:p>
-            <a:pPr marL="0" indent="0">
-              <a:buNone/>
-            </a:pPr>
-            <a:r>
-              <a:rPr lang="de-DE" sz="1800" dirty="0" smtClean="0">
-                <a:solidFill>
-                  <a:srgbClr val="FF0000"/>
-                </a:solidFill>
-              </a:rPr>
-              <a:t>V1R31 </a:t>
-            </a:r>
-            <a:r>
-              <a:rPr lang="de-DE" sz="1800" dirty="0">
-                <a:solidFill>
-                  <a:srgbClr val="FF0000"/>
-                </a:solidFill>
-              </a:rPr>
-              <a:t>|</a:t>
-            </a:r>
-            <a:r>
-              <a:rPr lang="de-DE" sz="1800" dirty="0"/>
-              <a:t> </a:t>
-            </a:r>
-            <a:r>
-              <a:rPr lang="de-DE" sz="1800" dirty="0">
-                <a:solidFill>
-                  <a:srgbClr val="FF0000"/>
-                </a:solidFill>
-              </a:rPr>
-              <a:t>V0R2 | V0R4 </a:t>
-            </a:r>
-            <a:r>
-              <a:rPr lang="de-DE" sz="1800" dirty="0" smtClean="0">
-                <a:solidFill>
-                  <a:srgbClr val="FF0000"/>
-                </a:solidFill>
-              </a:rPr>
-              <a:t>| V0R15   </a:t>
-            </a:r>
-            <a:r>
-              <a:rPr lang="de-DE" sz="1800" dirty="0" smtClean="0">
-                <a:solidFill>
-                  <a:schemeClr val="accent1"/>
-                </a:solidFill>
-              </a:rPr>
-              <a:t>     </a:t>
-            </a:r>
-            <a:r>
-              <a:rPr lang="de-DE" sz="1800" dirty="0">
-                <a:solidFill>
-                  <a:schemeClr val="accent1"/>
-                </a:solidFill>
-              </a:rPr>
-              <a:t>V0R3 | V0R9 | V1R18| V1R5</a:t>
-            </a:r>
-          </a:p>
-          <a:p>
-            <a:pPr marL="0" indent="0">
-              <a:buNone/>
-            </a:pPr>
-            <a:endParaRPr lang="de-DE" dirty="0">
-              <a:solidFill>
-                <a:srgbClr val="FF0000"/>
-              </a:solidFill>
-            </a:endParaRPr>
-          </a:p>
-          <a:p>
-            <a:pPr marL="0" indent="0">
-              <a:buNone/>
-            </a:pPr>
-            <a:r>
-              <a:rPr lang="de-DE" dirty="0">
-                <a:solidFill>
-                  <a:srgbClr val="FF0000"/>
-                </a:solidFill>
-              </a:rPr>
-              <a:t>		</a:t>
-            </a:r>
-            <a:r>
-              <a:rPr lang="de-DE" sz="1800" dirty="0"/>
-              <a:t> </a:t>
-            </a:r>
-            <a:r>
-              <a:rPr lang="de-DE" sz="1800" dirty="0">
-                <a:solidFill>
-                  <a:srgbClr val="FF0000"/>
-                </a:solidFill>
-              </a:rPr>
-              <a:t>V1R31 | </a:t>
-            </a:r>
-            <a:r>
-              <a:rPr lang="de-DE" sz="1800" dirty="0">
-                <a:solidFill>
-                  <a:schemeClr val="accent1"/>
-                </a:solidFill>
-              </a:rPr>
-              <a:t>V0R9 | V1R18 |V1R5</a:t>
-            </a:r>
-          </a:p>
-          <a:p>
-            <a:pPr marL="0" indent="0">
-              <a:buNone/>
-            </a:pPr>
-            <a:r>
-              <a:rPr lang="de-DE" sz="1800" dirty="0">
-                <a:solidFill>
-                  <a:schemeClr val="accent1"/>
-                </a:solidFill>
-              </a:rPr>
-              <a:t>		 V0R3 | </a:t>
-            </a:r>
-            <a:r>
-              <a:rPr lang="de-DE" sz="1800" dirty="0">
-                <a:solidFill>
-                  <a:srgbClr val="FF0000"/>
-                </a:solidFill>
-              </a:rPr>
-              <a:t>V0R2 | V0R4 </a:t>
-            </a:r>
-            <a:r>
-              <a:rPr lang="de-DE" sz="1800" dirty="0" smtClean="0">
-                <a:solidFill>
-                  <a:srgbClr val="FF0000"/>
-                </a:solidFill>
-              </a:rPr>
-              <a:t>| V0R15</a:t>
-            </a:r>
-            <a:endParaRPr lang="de-DE" dirty="0">
-              <a:solidFill>
-                <a:srgbClr val="FF0000"/>
-              </a:solidFill>
-            </a:endParaRPr>
-          </a:p>
-          <a:p>
-            <a:pPr marL="0" indent="0">
-              <a:buNone/>
-            </a:pPr>
-            <a:endParaRPr lang="de-DE" dirty="0">
-              <a:solidFill>
-                <a:schemeClr val="accent1"/>
-              </a:solidFill>
-            </a:endParaRPr>
-          </a:p>
-        </p:txBody>
-      </p:sp>
-      <p:sp>
-        <p:nvSpPr>
-          <p:cNvPr id="3" name="Titel 2"/>
-          <p:cNvSpPr>
-            <a:spLocks noGrp="1"/>
-          </p:cNvSpPr>
-          <p:nvPr>
-            <p:ph type="title"/>
-          </p:nvPr>
-        </p:nvSpPr>
-        <p:spPr/>
-        <p:txBody>
-          <a:bodyPr/>
-          <a:lstStyle/>
-          <a:p>
-            <a:r>
-              <a:rPr lang="de-DE" dirty="0"/>
-              <a:t>Genetischer Optimierungsalgorithmus</a:t>
-            </a:r>
-          </a:p>
-        </p:txBody>
-      </p:sp>
-      <p:cxnSp>
-        <p:nvCxnSpPr>
-          <p:cNvPr id="5" name="Gerade Verbindung mit Pfeil 4"/>
-          <p:cNvCxnSpPr/>
-          <p:nvPr/>
-        </p:nvCxnSpPr>
-        <p:spPr bwMode="auto">
-          <a:xfrm>
-            <a:off x="2056769" y="4710545"/>
-            <a:ext cx="803561" cy="526470"/>
-          </a:xfrm>
-          <a:prstGeom prst="straightConnector1">
-            <a:avLst/>
-          </a:prstGeom>
-          <a:solidFill>
-            <a:schemeClr val="accent1"/>
-          </a:solidFill>
-          <a:ln w="9525" cap="flat" cmpd="sng" algn="ctr">
-            <a:solidFill>
-              <a:schemeClr val="tx1"/>
-            </a:solidFill>
-            <a:prstDash val="solid"/>
-            <a:round/>
-            <a:headEnd type="none" w="med" len="med"/>
-            <a:tailEnd type="triangle"/>
-          </a:ln>
-          <a:effectLst/>
-        </p:spPr>
-      </p:cxnSp>
-      <p:cxnSp>
-        <p:nvCxnSpPr>
-          <p:cNvPr id="6" name="Gerade Verbindung mit Pfeil 5"/>
-          <p:cNvCxnSpPr/>
-          <p:nvPr/>
-        </p:nvCxnSpPr>
-        <p:spPr bwMode="auto">
-          <a:xfrm flipH="1">
-            <a:off x="4413861" y="4710545"/>
-            <a:ext cx="794326" cy="544945"/>
-          </a:xfrm>
-          <a:prstGeom prst="straightConnector1">
-            <a:avLst/>
-          </a:prstGeom>
-          <a:solidFill>
-            <a:schemeClr val="accent1"/>
-          </a:solidFill>
-          <a:ln w="9525" cap="flat" cmpd="sng" algn="ctr">
-            <a:solidFill>
-              <a:schemeClr val="tx1"/>
-            </a:solidFill>
-            <a:prstDash val="solid"/>
-            <a:round/>
-            <a:headEnd type="none" w="med" len="med"/>
-            <a:tailEnd type="triangle"/>
-          </a:ln>
-          <a:effectLst/>
-        </p:spPr>
-      </p:cxnSp>
       <p:grpSp>
         <p:nvGrpSpPr>
-          <p:cNvPr id="40" name="Gruppieren 39"/>
+          <p:cNvPr id="53" name="Gruppieren 52">
+            <a:extLst>
+              <a:ext uri="{FF2B5EF4-FFF2-40B4-BE49-F238E27FC236}">
+                <a16:creationId xmlns:a16="http://schemas.microsoft.com/office/drawing/2014/main" id="{9F8412C6-DFA7-4C4F-90B8-31EE82AE7F60}"/>
+              </a:ext>
+            </a:extLst>
+          </p:cNvPr>
           <p:cNvGrpSpPr/>
           <p:nvPr/>
         </p:nvGrpSpPr>
         <p:grpSpPr>
           <a:xfrm>
-            <a:off x="6959452" y="1571795"/>
+            <a:off x="6959446" y="1571795"/>
             <a:ext cx="1556474" cy="4349222"/>
             <a:chOff x="6959452" y="1571795"/>
             <a:chExt cx="1556474" cy="4349222"/>
@@ -19263,7 +18808,13 @@
         </p:grpSpPr>
         <p:sp>
           <p:nvSpPr>
-            <p:cNvPr id="16" name="Abgerundetes Rechteck 15"/>
+            <p:cNvPr id="54" name="Abgerundetes Rechteck 15">
+              <a:extLst>
+                <a:ext uri="{FF2B5EF4-FFF2-40B4-BE49-F238E27FC236}">
+                  <a16:creationId xmlns:a16="http://schemas.microsoft.com/office/drawing/2014/main" id="{5E577537-6EE4-472A-9729-E8EE57198E97}"/>
+                </a:ext>
+              </a:extLst>
+            </p:cNvPr>
             <p:cNvSpPr/>
             <p:nvPr/>
           </p:nvSpPr>
@@ -19276,7 +18827,10 @@
               <a:avLst/>
             </a:prstGeom>
             <a:solidFill>
-              <a:schemeClr val="accent1"/>
+              <a:schemeClr val="accent1">
+                <a:lumMod val="60000"/>
+                <a:lumOff val="40000"/>
+              </a:schemeClr>
             </a:solidFill>
             <a:ln w="9525" cap="flat" cmpd="sng" algn="ctr">
               <a:solidFill>
@@ -19332,7 +18886,13 @@
         </p:sp>
         <p:sp>
           <p:nvSpPr>
-            <p:cNvPr id="17" name="Abgerundetes Rechteck 16"/>
+            <p:cNvPr id="55" name="Abgerundetes Rechteck 16">
+              <a:extLst>
+                <a:ext uri="{FF2B5EF4-FFF2-40B4-BE49-F238E27FC236}">
+                  <a16:creationId xmlns:a16="http://schemas.microsoft.com/office/drawing/2014/main" id="{0C3C7B08-B856-44A9-855E-EC50C7E2C19F}"/>
+                </a:ext>
+              </a:extLst>
+            </p:cNvPr>
             <p:cNvSpPr/>
             <p:nvPr/>
           </p:nvSpPr>
@@ -19401,7 +18961,13 @@
         </p:sp>
         <p:sp>
           <p:nvSpPr>
-            <p:cNvPr id="18" name="Abgerundetes Rechteck 17"/>
+            <p:cNvPr id="56" name="Abgerundetes Rechteck 17">
+              <a:extLst>
+                <a:ext uri="{FF2B5EF4-FFF2-40B4-BE49-F238E27FC236}">
+                  <a16:creationId xmlns:a16="http://schemas.microsoft.com/office/drawing/2014/main" id="{04B47950-DD87-4C5B-9E02-8FFB1490D80B}"/>
+                </a:ext>
+              </a:extLst>
+            </p:cNvPr>
             <p:cNvSpPr/>
             <p:nvPr/>
           </p:nvSpPr>
@@ -19470,7 +19036,13 @@
         </p:sp>
         <p:sp>
           <p:nvSpPr>
-            <p:cNvPr id="19" name="Abgerundetes Rechteck 18"/>
+            <p:cNvPr id="57" name="Abgerundetes Rechteck 18">
+              <a:extLst>
+                <a:ext uri="{FF2B5EF4-FFF2-40B4-BE49-F238E27FC236}">
+                  <a16:creationId xmlns:a16="http://schemas.microsoft.com/office/drawing/2014/main" id="{50B31054-2EA5-4D51-A707-FFB5F3518ACD}"/>
+                </a:ext>
+              </a:extLst>
+            </p:cNvPr>
             <p:cNvSpPr/>
             <p:nvPr/>
           </p:nvSpPr>
@@ -19539,7 +19111,13 @@
         </p:sp>
         <p:sp>
           <p:nvSpPr>
-            <p:cNvPr id="20" name="Abgerundetes Rechteck 19"/>
+            <p:cNvPr id="58" name="Abgerundetes Rechteck 19">
+              <a:extLst>
+                <a:ext uri="{FF2B5EF4-FFF2-40B4-BE49-F238E27FC236}">
+                  <a16:creationId xmlns:a16="http://schemas.microsoft.com/office/drawing/2014/main" id="{DA097E6B-F0E8-4D9C-9570-835F4C9F633A}"/>
+                </a:ext>
+              </a:extLst>
+            </p:cNvPr>
             <p:cNvSpPr/>
             <p:nvPr/>
           </p:nvSpPr>
@@ -19620,11 +19198,17 @@
         </p:sp>
         <p:cxnSp>
           <p:nvCxnSpPr>
-            <p:cNvPr id="31" name="Gerade Verbindung mit Pfeil 30"/>
+            <p:cNvPr id="59" name="Gerade Verbindung mit Pfeil 58">
+              <a:extLst>
+                <a:ext uri="{FF2B5EF4-FFF2-40B4-BE49-F238E27FC236}">
+                  <a16:creationId xmlns:a16="http://schemas.microsoft.com/office/drawing/2014/main" id="{37D58469-57AF-45DB-9A91-01FA6705D446}"/>
+                </a:ext>
+              </a:extLst>
+            </p:cNvPr>
             <p:cNvCxnSpPr>
               <a:cxnSpLocks/>
-              <a:stCxn id="19" idx="2"/>
-              <a:endCxn id="20" idx="0"/>
+              <a:stCxn id="57" idx="2"/>
+              <a:endCxn id="58" idx="0"/>
             </p:cNvCxnSpPr>
             <p:nvPr/>
           </p:nvCxnSpPr>
@@ -19653,10 +19237,16 @@
         </p:cxnSp>
         <p:cxnSp>
           <p:nvCxnSpPr>
-            <p:cNvPr id="32" name="Gerade Verbindung mit Pfeil 31"/>
+            <p:cNvPr id="60" name="Gerade Verbindung mit Pfeil 59">
+              <a:extLst>
+                <a:ext uri="{FF2B5EF4-FFF2-40B4-BE49-F238E27FC236}">
+                  <a16:creationId xmlns:a16="http://schemas.microsoft.com/office/drawing/2014/main" id="{8DCAC128-CFE7-4C12-8E17-7AEDC2C39BB8}"/>
+                </a:ext>
+              </a:extLst>
+            </p:cNvPr>
             <p:cNvCxnSpPr>
-              <a:stCxn id="16" idx="2"/>
-              <a:endCxn id="17" idx="0"/>
+              <a:stCxn id="54" idx="2"/>
+              <a:endCxn id="55" idx="0"/>
             </p:cNvCxnSpPr>
             <p:nvPr/>
           </p:nvCxnSpPr>
@@ -19685,10 +19275,16 @@
         </p:cxnSp>
         <p:cxnSp>
           <p:nvCxnSpPr>
-            <p:cNvPr id="33" name="Gerade Verbindung mit Pfeil 32"/>
+            <p:cNvPr id="61" name="Gerade Verbindung mit Pfeil 60">
+              <a:extLst>
+                <a:ext uri="{FF2B5EF4-FFF2-40B4-BE49-F238E27FC236}">
+                  <a16:creationId xmlns:a16="http://schemas.microsoft.com/office/drawing/2014/main" id="{C8B012CE-ABF6-4654-9898-FC31A4CF6257}"/>
+                </a:ext>
+              </a:extLst>
+            </p:cNvPr>
             <p:cNvCxnSpPr>
-              <a:stCxn id="17" idx="2"/>
-              <a:endCxn id="18" idx="0"/>
+              <a:stCxn id="55" idx="2"/>
+              <a:endCxn id="56" idx="0"/>
             </p:cNvCxnSpPr>
             <p:nvPr/>
           </p:nvCxnSpPr>
@@ -19717,7 +19313,13 @@
         </p:cxnSp>
         <p:sp>
           <p:nvSpPr>
-            <p:cNvPr id="21" name="Abgerundetes Rechteck 20"/>
+            <p:cNvPr id="62" name="Abgerundetes Rechteck 20">
+              <a:extLst>
+                <a:ext uri="{FF2B5EF4-FFF2-40B4-BE49-F238E27FC236}">
+                  <a16:creationId xmlns:a16="http://schemas.microsoft.com/office/drawing/2014/main" id="{265EED2B-2F28-47B7-86D4-37E3333B2BEC}"/>
+                </a:ext>
+              </a:extLst>
+            </p:cNvPr>
             <p:cNvSpPr/>
             <p:nvPr/>
           </p:nvSpPr>
@@ -19768,7 +19370,7 @@
                 <a:tabLst/>
               </a:pPr>
               <a:r>
-                <a:rPr kumimoji="0" lang="de-DE" sz="1800" b="0" i="0" u="none" strike="noStrike" cap="none" normalizeH="0" baseline="0" dirty="0" smtClean="0">
+                <a:rPr kumimoji="0" lang="de-DE" sz="1800" b="0" i="0" u="none" strike="noStrike" cap="none" normalizeH="0" baseline="0" dirty="0">
                   <a:ln>
                     <a:noFill/>
                   </a:ln>
@@ -19781,26 +19383,21 @@
                 </a:rPr>
                 <a:t>Erzeugen </a:t>
               </a:r>
-              <a:endParaRPr kumimoji="0" lang="de-DE" sz="1800" b="0" i="0" u="none" strike="noStrike" cap="none" normalizeH="0" baseline="0" dirty="0">
-                <a:ln>
-                  <a:noFill/>
-                </a:ln>
-                <a:solidFill>
-                  <a:schemeClr val="bg1"/>
-                </a:solidFill>
-                <a:effectLst/>
-                <a:latin typeface="+mn-lt"/>
-                <a:ea typeface="ＭＳ Ｐゴシック" pitchFamily="1" charset="-128"/>
-              </a:endParaRPr>
             </a:p>
           </p:txBody>
         </p:sp>
         <p:cxnSp>
           <p:nvCxnSpPr>
-            <p:cNvPr id="8" name="Gerade Verbindung mit Pfeil 7"/>
+            <p:cNvPr id="63" name="Gerade Verbindung mit Pfeil 62">
+              <a:extLst>
+                <a:ext uri="{FF2B5EF4-FFF2-40B4-BE49-F238E27FC236}">
+                  <a16:creationId xmlns:a16="http://schemas.microsoft.com/office/drawing/2014/main" id="{118AE479-5ADA-48F1-B5CA-C81F6FAC2AF4}"/>
+                </a:ext>
+              </a:extLst>
+            </p:cNvPr>
             <p:cNvCxnSpPr>
-              <a:stCxn id="18" idx="2"/>
-              <a:endCxn id="21" idx="0"/>
+              <a:stCxn id="56" idx="2"/>
+              <a:endCxn id="62" idx="0"/>
             </p:cNvCxnSpPr>
             <p:nvPr/>
           </p:nvCxnSpPr>
@@ -19829,10 +19426,16 @@
         </p:cxnSp>
         <p:cxnSp>
           <p:nvCxnSpPr>
-            <p:cNvPr id="11" name="Gerade Verbindung mit Pfeil 10"/>
+            <p:cNvPr id="64" name="Gerade Verbindung mit Pfeil 63">
+              <a:extLst>
+                <a:ext uri="{FF2B5EF4-FFF2-40B4-BE49-F238E27FC236}">
+                  <a16:creationId xmlns:a16="http://schemas.microsoft.com/office/drawing/2014/main" id="{30ABC9DA-8C95-4695-9416-C37738BF461E}"/>
+                </a:ext>
+              </a:extLst>
+            </p:cNvPr>
             <p:cNvCxnSpPr>
-              <a:stCxn id="21" idx="2"/>
-              <a:endCxn id="19" idx="0"/>
+              <a:stCxn id="62" idx="2"/>
+              <a:endCxn id="57" idx="0"/>
             </p:cNvCxnSpPr>
             <p:nvPr/>
           </p:nvCxnSpPr>
@@ -19861,10 +19464,999 @@
         </p:cxnSp>
         <p:cxnSp>
           <p:nvCxnSpPr>
-            <p:cNvPr id="36" name="Gewinkelter Verbinder 35"/>
+            <p:cNvPr id="65" name="Gewinkelter Verbinder 35">
+              <a:extLst>
+                <a:ext uri="{FF2B5EF4-FFF2-40B4-BE49-F238E27FC236}">
+                  <a16:creationId xmlns:a16="http://schemas.microsoft.com/office/drawing/2014/main" id="{C72FE78F-C1C8-427D-AA59-3A9C43B95060}"/>
+                </a:ext>
+              </a:extLst>
+            </p:cNvPr>
             <p:cNvCxnSpPr>
-              <a:stCxn id="19" idx="1"/>
-              <a:endCxn id="17" idx="1"/>
+              <a:stCxn id="57" idx="1"/>
+              <a:endCxn id="55" idx="1"/>
+            </p:cNvCxnSpPr>
+            <p:nvPr/>
+          </p:nvCxnSpPr>
+          <p:spPr bwMode="auto">
+            <a:xfrm rot="10800000">
+              <a:off x="6959453" y="2447738"/>
+              <a:ext cx="3" cy="2073462"/>
+            </a:xfrm>
+            <a:prstGeom prst="bentConnector3">
+              <a:avLst>
+                <a:gd name="adj1" fmla="val 7620100000"/>
+              </a:avLst>
+            </a:prstGeom>
+            <a:solidFill>
+              <a:schemeClr val="accent1"/>
+            </a:solidFill>
+            <a:ln w="9525" cap="flat" cmpd="sng" algn="ctr">
+              <a:solidFill>
+                <a:schemeClr val="tx1"/>
+              </a:solidFill>
+              <a:prstDash val="solid"/>
+              <a:round/>
+              <a:headEnd type="none" w="med" len="med"/>
+              <a:tailEnd type="triangle"/>
+            </a:ln>
+            <a:effectLst/>
+          </p:spPr>
+        </p:cxnSp>
+      </p:grpSp>
+      <p:sp>
+        <p:nvSpPr>
+          <p:cNvPr id="2" name="Inhaltsplatzhalter 1"/>
+          <p:cNvSpPr>
+            <a:spLocks noGrp="1"/>
+          </p:cNvSpPr>
+          <p:nvPr>
+            <p:ph idx="1"/>
+          </p:nvPr>
+        </p:nvSpPr>
+        <p:spPr>
+          <a:xfrm>
+            <a:off x="503238" y="1353339"/>
+            <a:ext cx="8412162" cy="4659312"/>
+          </a:xfrm>
+        </p:spPr>
+        <p:txBody>
+          <a:bodyPr/>
+          <a:lstStyle/>
+          <a:p>
+            <a:pPr marL="0" indent="0">
+              <a:buNone/>
+            </a:pPr>
+            <a:r>
+              <a:rPr lang="de-DE" b="1" dirty="0"/>
+              <a:t>ADD</a:t>
+            </a:r>
+            <a:r>
+              <a:rPr lang="de-DE" dirty="0"/>
+              <a:t> VxR0 V0R0 V0R2</a:t>
+            </a:r>
+          </a:p>
+          <a:p>
+            <a:pPr marL="0" indent="0">
+              <a:buNone/>
+            </a:pPr>
+            <a:r>
+              <a:rPr lang="de-DE" b="1" dirty="0"/>
+              <a:t>OR</a:t>
+            </a:r>
+            <a:r>
+              <a:rPr lang="de-DE" dirty="0"/>
+              <a:t>   V1R1 VxR0 V1R3</a:t>
+            </a:r>
+          </a:p>
+          <a:p>
+            <a:r>
+              <a:rPr lang="de-DE" dirty="0"/>
+              <a:t>Gene: VxR0-&gt; V0R1</a:t>
+            </a:r>
+          </a:p>
+          <a:p>
+            <a:r>
+              <a:rPr lang="de-DE" dirty="0"/>
+              <a:t>Chromosom: Satz an Genen</a:t>
+            </a:r>
+          </a:p>
+          <a:p>
+            <a:r>
+              <a:rPr lang="de-DE" dirty="0"/>
+              <a:t>Population: Satz an Chromosomen</a:t>
+            </a:r>
+          </a:p>
+          <a:p>
+            <a:r>
+              <a:rPr lang="de-DE" dirty="0"/>
+              <a:t>Crossover</a:t>
+            </a:r>
+          </a:p>
+          <a:p>
+            <a:endParaRPr lang="de-DE" dirty="0"/>
+          </a:p>
+          <a:p>
+            <a:pPr marL="0" indent="0">
+              <a:buNone/>
+            </a:pPr>
+            <a:r>
+              <a:rPr lang="de-DE" sz="1800" dirty="0">
+                <a:solidFill>
+                  <a:srgbClr val="FF0000"/>
+                </a:solidFill>
+              </a:rPr>
+              <a:t>V1R31 |</a:t>
+            </a:r>
+            <a:r>
+              <a:rPr lang="de-DE" sz="1800" dirty="0"/>
+              <a:t> </a:t>
+            </a:r>
+            <a:r>
+              <a:rPr lang="de-DE" sz="1800" dirty="0">
+                <a:solidFill>
+                  <a:srgbClr val="FF0000"/>
+                </a:solidFill>
+              </a:rPr>
+              <a:t>V0R2 | V0R4 | V0R15   </a:t>
+            </a:r>
+            <a:r>
+              <a:rPr lang="de-DE" sz="1800" dirty="0">
+                <a:solidFill>
+                  <a:schemeClr val="accent1"/>
+                </a:solidFill>
+              </a:rPr>
+              <a:t>     V0R3 | V0R9 | V1R18| V1R5</a:t>
+            </a:r>
+          </a:p>
+          <a:p>
+            <a:pPr marL="0" indent="0">
+              <a:buNone/>
+            </a:pPr>
+            <a:endParaRPr lang="de-DE" dirty="0">
+              <a:solidFill>
+                <a:srgbClr val="FF0000"/>
+              </a:solidFill>
+            </a:endParaRPr>
+          </a:p>
+          <a:p>
+            <a:pPr marL="0" indent="0">
+              <a:buNone/>
+            </a:pPr>
+            <a:r>
+              <a:rPr lang="de-DE" dirty="0">
+                <a:solidFill>
+                  <a:srgbClr val="FF0000"/>
+                </a:solidFill>
+              </a:rPr>
+              <a:t>		</a:t>
+            </a:r>
+            <a:r>
+              <a:rPr lang="de-DE" sz="1800" dirty="0"/>
+              <a:t> </a:t>
+            </a:r>
+            <a:r>
+              <a:rPr lang="de-DE" sz="1800" dirty="0">
+                <a:solidFill>
+                  <a:srgbClr val="FF0000"/>
+                </a:solidFill>
+              </a:rPr>
+              <a:t>V1R31 | </a:t>
+            </a:r>
+            <a:r>
+              <a:rPr lang="de-DE" sz="1800" dirty="0">
+                <a:solidFill>
+                  <a:schemeClr val="accent1"/>
+                </a:solidFill>
+              </a:rPr>
+              <a:t>V0R9 | V1R18 |V1R5</a:t>
+            </a:r>
+          </a:p>
+          <a:p>
+            <a:pPr marL="0" indent="0">
+              <a:buNone/>
+            </a:pPr>
+            <a:r>
+              <a:rPr lang="de-DE" sz="1800" dirty="0">
+                <a:solidFill>
+                  <a:schemeClr val="accent1"/>
+                </a:solidFill>
+              </a:rPr>
+              <a:t>		 V0R3 | </a:t>
+            </a:r>
+            <a:r>
+              <a:rPr lang="de-DE" sz="1800" dirty="0">
+                <a:solidFill>
+                  <a:srgbClr val="FF0000"/>
+                </a:solidFill>
+              </a:rPr>
+              <a:t>V0R2 | V0R4 | V0R15</a:t>
+            </a:r>
+            <a:endParaRPr lang="de-DE" dirty="0">
+              <a:solidFill>
+                <a:srgbClr val="FF0000"/>
+              </a:solidFill>
+            </a:endParaRPr>
+          </a:p>
+          <a:p>
+            <a:pPr marL="0" indent="0">
+              <a:buNone/>
+            </a:pPr>
+            <a:endParaRPr lang="de-DE" dirty="0">
+              <a:solidFill>
+                <a:schemeClr val="accent1"/>
+              </a:solidFill>
+            </a:endParaRPr>
+          </a:p>
+        </p:txBody>
+      </p:sp>
+      <p:sp>
+        <p:nvSpPr>
+          <p:cNvPr id="3" name="Titel 2"/>
+          <p:cNvSpPr>
+            <a:spLocks noGrp="1"/>
+          </p:cNvSpPr>
+          <p:nvPr>
+            <p:ph type="title"/>
+          </p:nvPr>
+        </p:nvSpPr>
+        <p:spPr/>
+        <p:txBody>
+          <a:bodyPr/>
+          <a:lstStyle/>
+          <a:p>
+            <a:r>
+              <a:rPr lang="de-DE" dirty="0"/>
+              <a:t>Genetischer Optimierungsalgorithmus</a:t>
+            </a:r>
+          </a:p>
+        </p:txBody>
+      </p:sp>
+      <p:cxnSp>
+        <p:nvCxnSpPr>
+          <p:cNvPr id="5" name="Gerade Verbindung mit Pfeil 4"/>
+          <p:cNvCxnSpPr/>
+          <p:nvPr/>
+        </p:nvCxnSpPr>
+        <p:spPr bwMode="auto">
+          <a:xfrm>
+            <a:off x="2056769" y="4710545"/>
+            <a:ext cx="803561" cy="526470"/>
+          </a:xfrm>
+          <a:prstGeom prst="straightConnector1">
+            <a:avLst/>
+          </a:prstGeom>
+          <a:solidFill>
+            <a:schemeClr val="accent1"/>
+          </a:solidFill>
+          <a:ln w="9525" cap="flat" cmpd="sng" algn="ctr">
+            <a:solidFill>
+              <a:schemeClr val="tx1"/>
+            </a:solidFill>
+            <a:prstDash val="solid"/>
+            <a:round/>
+            <a:headEnd type="none" w="med" len="med"/>
+            <a:tailEnd type="triangle"/>
+          </a:ln>
+          <a:effectLst/>
+        </p:spPr>
+      </p:cxnSp>
+      <p:cxnSp>
+        <p:nvCxnSpPr>
+          <p:cNvPr id="6" name="Gerade Verbindung mit Pfeil 5"/>
+          <p:cNvCxnSpPr/>
+          <p:nvPr/>
+        </p:nvCxnSpPr>
+        <p:spPr bwMode="auto">
+          <a:xfrm flipH="1">
+            <a:off x="4413861" y="4710545"/>
+            <a:ext cx="794326" cy="544945"/>
+          </a:xfrm>
+          <a:prstGeom prst="straightConnector1">
+            <a:avLst/>
+          </a:prstGeom>
+          <a:solidFill>
+            <a:schemeClr val="accent1"/>
+          </a:solidFill>
+          <a:ln w="9525" cap="flat" cmpd="sng" algn="ctr">
+            <a:solidFill>
+              <a:schemeClr val="tx1"/>
+            </a:solidFill>
+            <a:prstDash val="solid"/>
+            <a:round/>
+            <a:headEnd type="none" w="med" len="med"/>
+            <a:tailEnd type="triangle"/>
+          </a:ln>
+          <a:effectLst/>
+        </p:spPr>
+      </p:cxnSp>
+      <p:grpSp>
+        <p:nvGrpSpPr>
+          <p:cNvPr id="39" name="Gruppieren 38">
+            <a:extLst>
+              <a:ext uri="{FF2B5EF4-FFF2-40B4-BE49-F238E27FC236}">
+                <a16:creationId xmlns:a16="http://schemas.microsoft.com/office/drawing/2014/main" id="{3E8113BE-2B8A-4F93-BC73-79AAF7AF32B0}"/>
+              </a:ext>
+            </a:extLst>
+          </p:cNvPr>
+          <p:cNvGrpSpPr/>
+          <p:nvPr/>
+        </p:nvGrpSpPr>
+        <p:grpSpPr>
+          <a:xfrm>
+            <a:off x="6955057" y="1571795"/>
+            <a:ext cx="1556474" cy="4349222"/>
+            <a:chOff x="6959452" y="1571795"/>
+            <a:chExt cx="1556474" cy="4349222"/>
+          </a:xfrm>
+        </p:grpSpPr>
+        <p:sp>
+          <p:nvSpPr>
+            <p:cNvPr id="41" name="Abgerundetes Rechteck 15">
+              <a:extLst>
+                <a:ext uri="{FF2B5EF4-FFF2-40B4-BE49-F238E27FC236}">
+                  <a16:creationId xmlns:a16="http://schemas.microsoft.com/office/drawing/2014/main" id="{C4225346-1526-4A63-9B2E-3BA543918AE6}"/>
+                </a:ext>
+              </a:extLst>
+            </p:cNvPr>
+            <p:cNvSpPr/>
+            <p:nvPr/>
+          </p:nvSpPr>
+          <p:spPr bwMode="auto">
+            <a:xfrm>
+              <a:off x="6959452" y="1571795"/>
+              <a:ext cx="1556471" cy="378691"/>
+            </a:xfrm>
+            <a:prstGeom prst="roundRect">
+              <a:avLst/>
+            </a:prstGeom>
+            <a:solidFill>
+              <a:schemeClr val="accent1"/>
+            </a:solidFill>
+            <a:ln w="9525" cap="flat" cmpd="sng" algn="ctr">
+              <a:solidFill>
+                <a:schemeClr val="tx1"/>
+              </a:solidFill>
+              <a:prstDash val="solid"/>
+              <a:round/>
+              <a:headEnd type="none" w="med" len="med"/>
+              <a:tailEnd type="none" w="med" len="med"/>
+            </a:ln>
+            <a:effectLst/>
+          </p:spPr>
+          <p:txBody>
+            <a:bodyPr vert="horz" wrap="square" lIns="91440" tIns="45720" rIns="91440" bIns="45720" numCol="1" rtlCol="0" anchor="ctr" anchorCtr="0" compatLnSpc="1">
+              <a:prstTxWarp prst="textNoShape">
+                <a:avLst/>
+              </a:prstTxWarp>
+            </a:bodyPr>
+            <a:lstStyle/>
+            <a:p>
+              <a:pPr marL="0" marR="0" indent="0" algn="ctr" defTabSz="914400" rtl="0" eaLnBrk="0" fontAlgn="base" latinLnBrk="0" hangingPunct="0">
+                <a:lnSpc>
+                  <a:spcPct val="100000"/>
+                </a:lnSpc>
+                <a:spcBef>
+                  <a:spcPct val="0"/>
+                </a:spcBef>
+                <a:spcAft>
+                  <a:spcPct val="0"/>
+                </a:spcAft>
+                <a:buClrTx/>
+                <a:buSzTx/>
+                <a:buFontTx/>
+                <a:buNone/>
+                <a:tabLst/>
+              </a:pPr>
+              <a:r>
+                <a:rPr kumimoji="0" lang="de-DE" sz="1800" b="0" i="0" u="none" strike="noStrike" cap="none" normalizeH="0" baseline="0" dirty="0">
+                  <a:ln>
+                    <a:noFill/>
+                  </a:ln>
+                  <a:solidFill>
+                    <a:schemeClr val="bg1"/>
+                  </a:solidFill>
+                  <a:effectLst/>
+                  <a:latin typeface="+mn-lt"/>
+                  <a:ea typeface="ＭＳ Ｐゴシック" pitchFamily="1" charset="-128"/>
+                </a:rPr>
+                <a:t>Initialisierung </a:t>
+              </a:r>
+            </a:p>
+          </p:txBody>
+        </p:sp>
+        <p:sp>
+          <p:nvSpPr>
+            <p:cNvPr id="42" name="Abgerundetes Rechteck 16">
+              <a:extLst>
+                <a:ext uri="{FF2B5EF4-FFF2-40B4-BE49-F238E27FC236}">
+                  <a16:creationId xmlns:a16="http://schemas.microsoft.com/office/drawing/2014/main" id="{E2EFFADA-6EF6-483E-B3E7-CB9343E16313}"/>
+                </a:ext>
+              </a:extLst>
+            </p:cNvPr>
+            <p:cNvSpPr/>
+            <p:nvPr/>
+          </p:nvSpPr>
+          <p:spPr bwMode="auto">
+            <a:xfrm>
+              <a:off x="6959452" y="2258392"/>
+              <a:ext cx="1556471" cy="378691"/>
+            </a:xfrm>
+            <a:prstGeom prst="roundRect">
+              <a:avLst/>
+            </a:prstGeom>
+            <a:solidFill>
+              <a:schemeClr val="accent1">
+                <a:lumMod val="60000"/>
+                <a:lumOff val="40000"/>
+              </a:schemeClr>
+            </a:solidFill>
+            <a:ln w="9525" cap="flat" cmpd="sng" algn="ctr">
+              <a:solidFill>
+                <a:schemeClr val="tx1"/>
+              </a:solidFill>
+              <a:prstDash val="solid"/>
+              <a:round/>
+              <a:headEnd type="none" w="med" len="med"/>
+              <a:tailEnd type="none" w="med" len="med"/>
+            </a:ln>
+            <a:effectLst/>
+          </p:spPr>
+          <p:txBody>
+            <a:bodyPr vert="horz" wrap="square" lIns="91440" tIns="45720" rIns="91440" bIns="45720" numCol="1" rtlCol="0" anchor="ctr" anchorCtr="0" compatLnSpc="1">
+              <a:prstTxWarp prst="textNoShape">
+                <a:avLst/>
+              </a:prstTxWarp>
+            </a:bodyPr>
+            <a:lstStyle/>
+            <a:p>
+              <a:pPr marL="0" marR="0" indent="0" algn="ctr" defTabSz="914400" rtl="0" eaLnBrk="0" fontAlgn="base" latinLnBrk="0" hangingPunct="0">
+                <a:lnSpc>
+                  <a:spcPct val="100000"/>
+                </a:lnSpc>
+                <a:spcBef>
+                  <a:spcPct val="0"/>
+                </a:spcBef>
+                <a:spcAft>
+                  <a:spcPct val="0"/>
+                </a:spcAft>
+                <a:buClrTx/>
+                <a:buSzTx/>
+                <a:buFontTx/>
+                <a:buNone/>
+                <a:tabLst/>
+              </a:pPr>
+              <a:r>
+                <a:rPr kumimoji="0" lang="de-DE" sz="1800" b="0" i="0" u="none" strike="noStrike" cap="none" normalizeH="0" baseline="0" dirty="0">
+                  <a:ln>
+                    <a:noFill/>
+                  </a:ln>
+                  <a:solidFill>
+                    <a:schemeClr val="bg1"/>
+                  </a:solidFill>
+                  <a:effectLst/>
+                  <a:latin typeface="+mn-lt"/>
+                  <a:ea typeface="ＭＳ Ｐゴシック" pitchFamily="1" charset="-128"/>
+                </a:rPr>
+                <a:t>Crossover </a:t>
+              </a:r>
+            </a:p>
+          </p:txBody>
+        </p:sp>
+        <p:sp>
+          <p:nvSpPr>
+            <p:cNvPr id="43" name="Abgerundetes Rechteck 17">
+              <a:extLst>
+                <a:ext uri="{FF2B5EF4-FFF2-40B4-BE49-F238E27FC236}">
+                  <a16:creationId xmlns:a16="http://schemas.microsoft.com/office/drawing/2014/main" id="{7561AE1A-F2FE-41B7-A9EB-D114325DCE71}"/>
+                </a:ext>
+              </a:extLst>
+            </p:cNvPr>
+            <p:cNvSpPr/>
+            <p:nvPr/>
+          </p:nvSpPr>
+          <p:spPr bwMode="auto">
+            <a:xfrm>
+              <a:off x="6959455" y="2949546"/>
+              <a:ext cx="1556471" cy="378691"/>
+            </a:xfrm>
+            <a:prstGeom prst="roundRect">
+              <a:avLst/>
+            </a:prstGeom>
+            <a:solidFill>
+              <a:schemeClr val="accent1"/>
+            </a:solidFill>
+            <a:ln w="9525" cap="flat" cmpd="sng" algn="ctr">
+              <a:solidFill>
+                <a:schemeClr val="tx1"/>
+              </a:solidFill>
+              <a:prstDash val="solid"/>
+              <a:round/>
+              <a:headEnd type="none" w="med" len="med"/>
+              <a:tailEnd type="none" w="med" len="med"/>
+            </a:ln>
+            <a:effectLst/>
+          </p:spPr>
+          <p:txBody>
+            <a:bodyPr vert="horz" wrap="square" lIns="91440" tIns="45720" rIns="91440" bIns="45720" numCol="1" rtlCol="0" anchor="ctr" anchorCtr="0" compatLnSpc="1">
+              <a:prstTxWarp prst="textNoShape">
+                <a:avLst/>
+              </a:prstTxWarp>
+            </a:bodyPr>
+            <a:lstStyle/>
+            <a:p>
+              <a:pPr marL="0" marR="0" indent="0" algn="ctr" defTabSz="914400" rtl="0" eaLnBrk="0" fontAlgn="base" latinLnBrk="0" hangingPunct="0">
+                <a:lnSpc>
+                  <a:spcPct val="100000"/>
+                </a:lnSpc>
+                <a:spcBef>
+                  <a:spcPct val="0"/>
+                </a:spcBef>
+                <a:spcAft>
+                  <a:spcPct val="0"/>
+                </a:spcAft>
+                <a:buClrTx/>
+                <a:buSzTx/>
+                <a:buFontTx/>
+                <a:buNone/>
+                <a:tabLst/>
+              </a:pPr>
+              <a:r>
+                <a:rPr kumimoji="0" lang="de-DE" sz="1800" b="0" i="0" u="none" strike="noStrike" cap="none" normalizeH="0" baseline="0" dirty="0">
+                  <a:ln>
+                    <a:noFill/>
+                  </a:ln>
+                  <a:solidFill>
+                    <a:schemeClr val="bg1"/>
+                  </a:solidFill>
+                  <a:effectLst/>
+                  <a:latin typeface="+mn-lt"/>
+                  <a:ea typeface="ＭＳ Ｐゴシック" pitchFamily="1" charset="-128"/>
+                </a:rPr>
+                <a:t>Mutieren </a:t>
+              </a:r>
+            </a:p>
+          </p:txBody>
+        </p:sp>
+        <p:sp>
+          <p:nvSpPr>
+            <p:cNvPr id="44" name="Abgerundetes Rechteck 18">
+              <a:extLst>
+                <a:ext uri="{FF2B5EF4-FFF2-40B4-BE49-F238E27FC236}">
+                  <a16:creationId xmlns:a16="http://schemas.microsoft.com/office/drawing/2014/main" id="{C1989FBF-36B0-4565-826F-425A0F290BCC}"/>
+                </a:ext>
+              </a:extLst>
+            </p:cNvPr>
+            <p:cNvSpPr/>
+            <p:nvPr/>
+          </p:nvSpPr>
+          <p:spPr bwMode="auto">
+            <a:xfrm>
+              <a:off x="6959455" y="4331854"/>
+              <a:ext cx="1556471" cy="378691"/>
+            </a:xfrm>
+            <a:prstGeom prst="roundRect">
+              <a:avLst/>
+            </a:prstGeom>
+            <a:solidFill>
+              <a:schemeClr val="accent1"/>
+            </a:solidFill>
+            <a:ln w="9525" cap="flat" cmpd="sng" algn="ctr">
+              <a:solidFill>
+                <a:schemeClr val="tx1"/>
+              </a:solidFill>
+              <a:prstDash val="solid"/>
+              <a:round/>
+              <a:headEnd type="none" w="med" len="med"/>
+              <a:tailEnd type="none" w="med" len="med"/>
+            </a:ln>
+            <a:effectLst/>
+          </p:spPr>
+          <p:txBody>
+            <a:bodyPr vert="horz" wrap="square" lIns="91440" tIns="45720" rIns="91440" bIns="45720" numCol="1" rtlCol="0" anchor="ctr" anchorCtr="0" compatLnSpc="1">
+              <a:prstTxWarp prst="textNoShape">
+                <a:avLst/>
+              </a:prstTxWarp>
+            </a:bodyPr>
+            <a:lstStyle/>
+            <a:p>
+              <a:pPr marL="0" marR="0" indent="0" algn="ctr" defTabSz="914400" rtl="0" eaLnBrk="0" fontAlgn="base" latinLnBrk="0" hangingPunct="0">
+                <a:lnSpc>
+                  <a:spcPct val="100000"/>
+                </a:lnSpc>
+                <a:spcBef>
+                  <a:spcPct val="0"/>
+                </a:spcBef>
+                <a:spcAft>
+                  <a:spcPct val="0"/>
+                </a:spcAft>
+                <a:buClrTx/>
+                <a:buSzTx/>
+                <a:buFontTx/>
+                <a:buNone/>
+                <a:tabLst/>
+              </a:pPr>
+              <a:r>
+                <a:rPr kumimoji="0" lang="de-DE" sz="1800" b="0" i="0" u="none" strike="noStrike" cap="none" normalizeH="0" baseline="0" dirty="0">
+                  <a:ln>
+                    <a:noFill/>
+                  </a:ln>
+                  <a:solidFill>
+                    <a:schemeClr val="bg1"/>
+                  </a:solidFill>
+                  <a:effectLst/>
+                  <a:latin typeface="+mn-lt"/>
+                  <a:ea typeface="ＭＳ Ｐゴシック" pitchFamily="1" charset="-128"/>
+                </a:rPr>
+                <a:t>Bewerten </a:t>
+              </a:r>
+            </a:p>
+          </p:txBody>
+        </p:sp>
+        <p:sp>
+          <p:nvSpPr>
+            <p:cNvPr id="45" name="Abgerundetes Rechteck 19">
+              <a:extLst>
+                <a:ext uri="{FF2B5EF4-FFF2-40B4-BE49-F238E27FC236}">
+                  <a16:creationId xmlns:a16="http://schemas.microsoft.com/office/drawing/2014/main" id="{02C592E0-3CB7-433A-8EDB-25BEA7195BD1}"/>
+                </a:ext>
+              </a:extLst>
+            </p:cNvPr>
+            <p:cNvSpPr/>
+            <p:nvPr/>
+          </p:nvSpPr>
+          <p:spPr bwMode="auto">
+            <a:xfrm>
+              <a:off x="6959452" y="5023008"/>
+              <a:ext cx="1556471" cy="898009"/>
+            </a:xfrm>
+            <a:prstGeom prst="roundRect">
+              <a:avLst>
+                <a:gd name="adj" fmla="val 0"/>
+              </a:avLst>
+            </a:prstGeom>
+            <a:solidFill>
+              <a:schemeClr val="accent2"/>
+            </a:solidFill>
+            <a:ln w="9525" cap="flat" cmpd="sng" algn="ctr">
+              <a:solidFill>
+                <a:schemeClr val="tx1"/>
+              </a:solidFill>
+              <a:prstDash val="solid"/>
+              <a:round/>
+              <a:headEnd type="none" w="med" len="med"/>
+              <a:tailEnd type="none" w="med" len="med"/>
+            </a:ln>
+            <a:effectLst/>
+          </p:spPr>
+          <p:txBody>
+            <a:bodyPr vert="horz" wrap="square" lIns="91440" tIns="45720" rIns="91440" bIns="45720" numCol="1" rtlCol="0" anchor="ctr" anchorCtr="0" compatLnSpc="1">
+              <a:prstTxWarp prst="textNoShape">
+                <a:avLst/>
+              </a:prstTxWarp>
+            </a:bodyPr>
+            <a:lstStyle/>
+            <a:p>
+              <a:pPr marL="0" marR="0" indent="0" algn="ctr" defTabSz="914400" rtl="0" eaLnBrk="0" fontAlgn="base" latinLnBrk="0" hangingPunct="0">
+                <a:lnSpc>
+                  <a:spcPct val="100000"/>
+                </a:lnSpc>
+                <a:spcBef>
+                  <a:spcPct val="0"/>
+                </a:spcBef>
+                <a:spcAft>
+                  <a:spcPct val="0"/>
+                </a:spcAft>
+                <a:buClrTx/>
+                <a:buSzTx/>
+                <a:buFontTx/>
+                <a:buNone/>
+                <a:tabLst/>
+              </a:pPr>
+              <a:r>
+                <a:rPr lang="de-DE" sz="1800" dirty="0">
+                  <a:solidFill>
+                    <a:schemeClr val="bg1"/>
+                  </a:solidFill>
+                  <a:latin typeface="+mn-lt"/>
+                  <a:ea typeface="ＭＳ Ｐゴシック" pitchFamily="1" charset="-128"/>
+                </a:rPr>
+                <a:t> optimiertes Register- Mapping</a:t>
+              </a:r>
+              <a:r>
+                <a:rPr kumimoji="0" lang="de-DE" sz="1800" b="0" i="0" u="none" strike="noStrike" cap="none" normalizeH="0" baseline="0" dirty="0">
+                  <a:ln>
+                    <a:noFill/>
+                  </a:ln>
+                  <a:solidFill>
+                    <a:schemeClr val="bg1"/>
+                  </a:solidFill>
+                  <a:effectLst/>
+                  <a:latin typeface="+mn-lt"/>
+                  <a:ea typeface="ＭＳ Ｐゴシック" pitchFamily="1" charset="-128"/>
+                </a:rPr>
+                <a:t> </a:t>
+              </a:r>
+            </a:p>
+          </p:txBody>
+        </p:sp>
+        <p:cxnSp>
+          <p:nvCxnSpPr>
+            <p:cNvPr id="46" name="Gerade Verbindung mit Pfeil 45">
+              <a:extLst>
+                <a:ext uri="{FF2B5EF4-FFF2-40B4-BE49-F238E27FC236}">
+                  <a16:creationId xmlns:a16="http://schemas.microsoft.com/office/drawing/2014/main" id="{ED60469A-C37A-482E-8412-9891E064CDCF}"/>
+                </a:ext>
+              </a:extLst>
+            </p:cNvPr>
+            <p:cNvCxnSpPr>
+              <a:cxnSpLocks/>
+              <a:stCxn id="44" idx="2"/>
+              <a:endCxn id="45" idx="0"/>
+            </p:cNvCxnSpPr>
+            <p:nvPr/>
+          </p:nvCxnSpPr>
+          <p:spPr bwMode="auto">
+            <a:xfrm flipH="1">
+              <a:off x="7737688" y="4710545"/>
+              <a:ext cx="3" cy="312463"/>
+            </a:xfrm>
+            <a:prstGeom prst="straightConnector1">
+              <a:avLst/>
+            </a:prstGeom>
+            <a:solidFill>
+              <a:schemeClr val="accent1"/>
+            </a:solidFill>
+            <a:ln w="9525" cap="flat" cmpd="sng" algn="ctr">
+              <a:solidFill>
+                <a:schemeClr val="tx1"/>
+              </a:solidFill>
+              <a:prstDash val="solid"/>
+              <a:round/>
+              <a:headEnd type="none" w="med" len="med"/>
+              <a:tailEnd type="triangle"/>
+            </a:ln>
+            <a:effectLst/>
+          </p:spPr>
+        </p:cxnSp>
+        <p:cxnSp>
+          <p:nvCxnSpPr>
+            <p:cNvPr id="47" name="Gerade Verbindung mit Pfeil 46">
+              <a:extLst>
+                <a:ext uri="{FF2B5EF4-FFF2-40B4-BE49-F238E27FC236}">
+                  <a16:creationId xmlns:a16="http://schemas.microsoft.com/office/drawing/2014/main" id="{ED17CB2D-AE63-4CA6-AF18-D33F23181077}"/>
+                </a:ext>
+              </a:extLst>
+            </p:cNvPr>
+            <p:cNvCxnSpPr>
+              <a:stCxn id="41" idx="2"/>
+              <a:endCxn id="42" idx="0"/>
+            </p:cNvCxnSpPr>
+            <p:nvPr/>
+          </p:nvCxnSpPr>
+          <p:spPr bwMode="auto">
+            <a:xfrm>
+              <a:off x="7737688" y="1950486"/>
+              <a:ext cx="0" cy="307906"/>
+            </a:xfrm>
+            <a:prstGeom prst="straightConnector1">
+              <a:avLst/>
+            </a:prstGeom>
+            <a:solidFill>
+              <a:schemeClr val="accent1"/>
+            </a:solidFill>
+            <a:ln w="9525" cap="flat" cmpd="sng" algn="ctr">
+              <a:solidFill>
+                <a:schemeClr val="tx1"/>
+              </a:solidFill>
+              <a:prstDash val="solid"/>
+              <a:round/>
+              <a:headEnd type="none" w="med" len="med"/>
+              <a:tailEnd type="triangle"/>
+            </a:ln>
+            <a:effectLst/>
+          </p:spPr>
+        </p:cxnSp>
+        <p:cxnSp>
+          <p:nvCxnSpPr>
+            <p:cNvPr id="48" name="Gerade Verbindung mit Pfeil 47">
+              <a:extLst>
+                <a:ext uri="{FF2B5EF4-FFF2-40B4-BE49-F238E27FC236}">
+                  <a16:creationId xmlns:a16="http://schemas.microsoft.com/office/drawing/2014/main" id="{F771E1B1-0472-48F6-BC39-C14487A26D2B}"/>
+                </a:ext>
+              </a:extLst>
+            </p:cNvPr>
+            <p:cNvCxnSpPr>
+              <a:stCxn id="42" idx="2"/>
+              <a:endCxn id="43" idx="0"/>
+            </p:cNvCxnSpPr>
+            <p:nvPr/>
+          </p:nvCxnSpPr>
+          <p:spPr bwMode="auto">
+            <a:xfrm>
+              <a:off x="7737688" y="2637083"/>
+              <a:ext cx="3" cy="312463"/>
+            </a:xfrm>
+            <a:prstGeom prst="straightConnector1">
+              <a:avLst/>
+            </a:prstGeom>
+            <a:solidFill>
+              <a:schemeClr val="accent1"/>
+            </a:solidFill>
+            <a:ln w="9525" cap="flat" cmpd="sng" algn="ctr">
+              <a:solidFill>
+                <a:schemeClr val="tx1"/>
+              </a:solidFill>
+              <a:prstDash val="solid"/>
+              <a:round/>
+              <a:headEnd type="none" w="med" len="med"/>
+              <a:tailEnd type="triangle"/>
+            </a:ln>
+            <a:effectLst/>
+          </p:spPr>
+        </p:cxnSp>
+        <p:sp>
+          <p:nvSpPr>
+            <p:cNvPr id="49" name="Abgerundetes Rechteck 20">
+              <a:extLst>
+                <a:ext uri="{FF2B5EF4-FFF2-40B4-BE49-F238E27FC236}">
+                  <a16:creationId xmlns:a16="http://schemas.microsoft.com/office/drawing/2014/main" id="{528FCE0F-8AAF-4B3C-BE28-A191DD68854E}"/>
+                </a:ext>
+              </a:extLst>
+            </p:cNvPr>
+            <p:cNvSpPr/>
+            <p:nvPr/>
+          </p:nvSpPr>
+          <p:spPr bwMode="auto">
+            <a:xfrm>
+              <a:off x="6959453" y="3640700"/>
+              <a:ext cx="1556471" cy="378691"/>
+            </a:xfrm>
+            <a:prstGeom prst="roundRect">
+              <a:avLst/>
+            </a:prstGeom>
+            <a:solidFill>
+              <a:schemeClr val="accent1"/>
+            </a:solidFill>
+            <a:ln w="9525" cap="flat" cmpd="sng" algn="ctr">
+              <a:solidFill>
+                <a:schemeClr val="tx1"/>
+              </a:solidFill>
+              <a:prstDash val="solid"/>
+              <a:round/>
+              <a:headEnd type="none" w="med" len="med"/>
+              <a:tailEnd type="none" w="med" len="med"/>
+            </a:ln>
+            <a:effectLst/>
+          </p:spPr>
+          <p:txBody>
+            <a:bodyPr vert="horz" wrap="square" lIns="91440" tIns="45720" rIns="91440" bIns="45720" numCol="1" rtlCol="0" anchor="ctr" anchorCtr="0" compatLnSpc="1">
+              <a:prstTxWarp prst="textNoShape">
+                <a:avLst/>
+              </a:prstTxWarp>
+            </a:bodyPr>
+            <a:lstStyle/>
+            <a:p>
+              <a:pPr marL="0" marR="0" indent="0" algn="ctr" defTabSz="914400" rtl="0" eaLnBrk="0" fontAlgn="base" latinLnBrk="0" hangingPunct="0">
+                <a:lnSpc>
+                  <a:spcPct val="100000"/>
+                </a:lnSpc>
+                <a:spcBef>
+                  <a:spcPct val="0"/>
+                </a:spcBef>
+                <a:spcAft>
+                  <a:spcPct val="0"/>
+                </a:spcAft>
+                <a:buClrTx/>
+                <a:buSzTx/>
+                <a:buFontTx/>
+                <a:buNone/>
+                <a:tabLst/>
+              </a:pPr>
+              <a:r>
+                <a:rPr kumimoji="0" lang="de-DE" sz="1800" b="0" i="0" u="none" strike="noStrike" cap="none" normalizeH="0" baseline="0" dirty="0">
+                  <a:ln>
+                    <a:noFill/>
+                  </a:ln>
+                  <a:solidFill>
+                    <a:schemeClr val="bg1"/>
+                  </a:solidFill>
+                  <a:effectLst/>
+                  <a:latin typeface="+mn-lt"/>
+                  <a:ea typeface="ＭＳ Ｐゴシック" pitchFamily="1" charset="-128"/>
+                </a:rPr>
+                <a:t>Erzeugen </a:t>
+              </a:r>
+            </a:p>
+          </p:txBody>
+        </p:sp>
+        <p:cxnSp>
+          <p:nvCxnSpPr>
+            <p:cNvPr id="50" name="Gerade Verbindung mit Pfeil 49">
+              <a:extLst>
+                <a:ext uri="{FF2B5EF4-FFF2-40B4-BE49-F238E27FC236}">
+                  <a16:creationId xmlns:a16="http://schemas.microsoft.com/office/drawing/2014/main" id="{E903EACA-97E5-428A-B410-F8131F9CAC06}"/>
+                </a:ext>
+              </a:extLst>
+            </p:cNvPr>
+            <p:cNvCxnSpPr>
+              <a:stCxn id="43" idx="2"/>
+              <a:endCxn id="49" idx="0"/>
+            </p:cNvCxnSpPr>
+            <p:nvPr/>
+          </p:nvCxnSpPr>
+          <p:spPr bwMode="auto">
+            <a:xfrm flipH="1">
+              <a:off x="7737689" y="3328237"/>
+              <a:ext cx="2" cy="312463"/>
+            </a:xfrm>
+            <a:prstGeom prst="straightConnector1">
+              <a:avLst/>
+            </a:prstGeom>
+            <a:solidFill>
+              <a:schemeClr val="accent1"/>
+            </a:solidFill>
+            <a:ln w="9525" cap="flat" cmpd="sng" algn="ctr">
+              <a:solidFill>
+                <a:schemeClr val="tx1"/>
+              </a:solidFill>
+              <a:prstDash val="solid"/>
+              <a:round/>
+              <a:headEnd type="none" w="med" len="med"/>
+              <a:tailEnd type="triangle"/>
+            </a:ln>
+            <a:effectLst/>
+          </p:spPr>
+        </p:cxnSp>
+        <p:cxnSp>
+          <p:nvCxnSpPr>
+            <p:cNvPr id="51" name="Gerade Verbindung mit Pfeil 50">
+              <a:extLst>
+                <a:ext uri="{FF2B5EF4-FFF2-40B4-BE49-F238E27FC236}">
+                  <a16:creationId xmlns:a16="http://schemas.microsoft.com/office/drawing/2014/main" id="{BEAC3CD1-023B-4123-BF89-877D0A03A18F}"/>
+                </a:ext>
+              </a:extLst>
+            </p:cNvPr>
+            <p:cNvCxnSpPr>
+              <a:stCxn id="49" idx="2"/>
+              <a:endCxn id="44" idx="0"/>
+            </p:cNvCxnSpPr>
+            <p:nvPr/>
+          </p:nvCxnSpPr>
+          <p:spPr bwMode="auto">
+            <a:xfrm>
+              <a:off x="7737689" y="4019391"/>
+              <a:ext cx="2" cy="312463"/>
+            </a:xfrm>
+            <a:prstGeom prst="straightConnector1">
+              <a:avLst/>
+            </a:prstGeom>
+            <a:solidFill>
+              <a:schemeClr val="accent1"/>
+            </a:solidFill>
+            <a:ln w="9525" cap="flat" cmpd="sng" algn="ctr">
+              <a:solidFill>
+                <a:schemeClr val="tx1"/>
+              </a:solidFill>
+              <a:prstDash val="solid"/>
+              <a:round/>
+              <a:headEnd type="none" w="med" len="med"/>
+              <a:tailEnd type="triangle"/>
+            </a:ln>
+            <a:effectLst/>
+          </p:spPr>
+        </p:cxnSp>
+        <p:cxnSp>
+          <p:nvCxnSpPr>
+            <p:cNvPr id="52" name="Gewinkelter Verbinder 35">
+              <a:extLst>
+                <a:ext uri="{FF2B5EF4-FFF2-40B4-BE49-F238E27FC236}">
+                  <a16:creationId xmlns:a16="http://schemas.microsoft.com/office/drawing/2014/main" id="{34C2B4E1-3176-4E55-948E-77B787BC39A8}"/>
+                </a:ext>
+              </a:extLst>
+            </p:cNvPr>
+            <p:cNvCxnSpPr>
+              <a:stCxn id="44" idx="1"/>
+              <a:endCxn id="42" idx="1"/>
             </p:cNvCxnSpPr>
             <p:nvPr/>
           </p:nvCxnSpPr>
@@ -19938,7 +20530,7 @@
                                           </p:stCondLst>
                                         </p:cTn>
                                         <p:tgtEl>
-                                          <p:spTgt spid="40"/>
+                                          <p:spTgt spid="53"/>
                                         </p:tgtEl>
                                         <p:attrNameLst>
                                           <p:attrName>style.visibility</p:attrName>
@@ -20031,6 +20623,60 @@
                                   </p:childTnLst>
                                 </p:cTn>
                               </p:par>
+                              <p:par>
+                                <p:cTn id="13" presetID="1" presetClass="exit" presetSubtype="0" fill="hold" nodeType="withEffect">
+                                  <p:stCondLst>
+                                    <p:cond delay="0"/>
+                                  </p:stCondLst>
+                                  <p:childTnLst>
+                                    <p:set>
+                                      <p:cBhvr>
+                                        <p:cTn id="14" dur="1" fill="hold">
+                                          <p:stCondLst>
+                                            <p:cond delay="0"/>
+                                          </p:stCondLst>
+                                        </p:cTn>
+                                        <p:tgtEl>
+                                          <p:spTgt spid="53"/>
+                                        </p:tgtEl>
+                                        <p:attrNameLst>
+                                          <p:attrName>style.visibility</p:attrName>
+                                        </p:attrNameLst>
+                                      </p:cBhvr>
+                                      <p:to>
+                                        <p:strVal val="hidden"/>
+                                      </p:to>
+                                    </p:set>
+                                  </p:childTnLst>
+                                </p:cTn>
+                              </p:par>
+                              <p:par>
+                                <p:cTn id="15" presetID="1" presetClass="entr" presetSubtype="0" fill="hold" nodeType="withEffect">
+                                  <p:stCondLst>
+                                    <p:cond delay="0"/>
+                                  </p:stCondLst>
+                                  <p:childTnLst>
+                                    <p:set>
+                                      <p:cBhvr>
+                                        <p:cTn id="16" dur="1" fill="hold">
+                                          <p:stCondLst>
+                                            <p:cond delay="0"/>
+                                          </p:stCondLst>
+                                        </p:cTn>
+                                        <p:tgtEl>
+                                          <p:spTgt spid="39"/>
+                                        </p:tgtEl>
+                                        <p:attrNameLst>
+                                          <p:attrName>style.visibility</p:attrName>
+                                        </p:attrNameLst>
+                                      </p:cBhvr>
+                                      <p:to>
+                                        <p:strVal val="visible"/>
+                                      </p:to>
+                                    </p:set>
+                                  </p:childTnLst>
+                                </p:cTn>
+                              </p:par>
                             </p:childTnLst>
                           </p:cTn>
                         </p:par>
@@ -20038,26 +20684,26 @@
                     </p:cTn>
                   </p:par>
                   <p:par>
-                    <p:cTn id="13" fill="hold">
+                    <p:cTn id="17" fill="hold">
                       <p:stCondLst>
                         <p:cond delay="indefinite"/>
                       </p:stCondLst>
                       <p:childTnLst>
                         <p:par>
-                          <p:cTn id="14" fill="hold">
+                          <p:cTn id="18" fill="hold">
                             <p:stCondLst>
                               <p:cond delay="0"/>
                             </p:stCondLst>
                             <p:childTnLst>
                               <p:par>
-                                <p:cTn id="15" presetID="1" presetClass="entr" presetSubtype="0" fill="hold" nodeType="clickEffect">
+                                <p:cTn id="19" presetID="1" presetClass="entr" presetSubtype="0" fill="hold" nodeType="clickEffect">
                                   <p:stCondLst>
                                     <p:cond delay="0"/>
                                   </p:stCondLst>
                                   <p:childTnLst>
                                     <p:set>
                                       <p:cBhvr>
-                                        <p:cTn id="16" dur="1" fill="hold">
+                                        <p:cTn id="20" dur="1" fill="hold">
                                           <p:stCondLst>
                                             <p:cond delay="0"/>
                                           </p:stCondLst>
@@ -20077,14 +20723,14 @@
                                 </p:cTn>
                               </p:par>
                               <p:par>
-                                <p:cTn id="17" presetID="1" presetClass="entr" presetSubtype="0" fill="hold" nodeType="withEffect">
+                                <p:cTn id="21" presetID="1" presetClass="entr" presetSubtype="0" fill="hold" nodeType="withEffect">
                                   <p:stCondLst>
                                     <p:cond delay="0"/>
                                   </p:stCondLst>
                                   <p:childTnLst>
                                     <p:set>
                                       <p:cBhvr>
-                                        <p:cTn id="18" dur="1" fill="hold">
+                                        <p:cTn id="22" dur="1" fill="hold">
                                           <p:stCondLst>
                                             <p:cond delay="0"/>
                                           </p:stCondLst>
@@ -20110,26 +20756,26 @@
                     </p:cTn>
                   </p:par>
                   <p:par>
-                    <p:cTn id="19" fill="hold">
+                    <p:cTn id="23" fill="hold">
                       <p:stCondLst>
                         <p:cond delay="indefinite"/>
                       </p:stCondLst>
                       <p:childTnLst>
                         <p:par>
-                          <p:cTn id="20" fill="hold">
+                          <p:cTn id="24" fill="hold">
                             <p:stCondLst>
                               <p:cond delay="0"/>
                             </p:stCondLst>
                             <p:childTnLst>
                               <p:par>
-                                <p:cTn id="21" presetID="1" presetClass="entr" presetSubtype="0" fill="hold" nodeType="clickEffect">
+                                <p:cTn id="25" presetID="1" presetClass="entr" presetSubtype="0" fill="hold" nodeType="clickEffect">
                                   <p:stCondLst>
                                     <p:cond delay="0"/>
                                   </p:stCondLst>
                                   <p:childTnLst>
                                     <p:set>
                                       <p:cBhvr>
-                                        <p:cTn id="22" dur="1" fill="hold">
+                                        <p:cTn id="26" dur="1" fill="hold">
                                           <p:stCondLst>
                                             <p:cond delay="0"/>
                                           </p:stCondLst>
@@ -20153,14 +20799,14 @@
                                 </p:cTn>
                               </p:par>
                               <p:par>
-                                <p:cTn id="23" presetID="1" presetClass="entr" presetSubtype="0" fill="hold" nodeType="withEffect">
+                                <p:cTn id="27" presetID="1" presetClass="entr" presetSubtype="0" fill="hold" nodeType="withEffect">
                                   <p:stCondLst>
                                     <p:cond delay="0"/>
                                   </p:stCondLst>
                                   <p:childTnLst>
                                     <p:set>
                                       <p:cBhvr>
-                                        <p:cTn id="24" dur="1" fill="hold">
+                                        <p:cTn id="28" dur="1" fill="hold">
                                           <p:stCondLst>
                                             <p:cond delay="0"/>
                                           </p:stCondLst>
@@ -20312,15 +20958,7 @@
                   <a:schemeClr val="accent1"/>
                 </a:solidFill>
               </a:rPr>
-              <a:t> | V1R18 </a:t>
-            </a:r>
-            <a:r>
-              <a:rPr lang="de-DE" sz="1800" dirty="0" smtClean="0">
-                <a:solidFill>
-                  <a:schemeClr val="accent1"/>
-                </a:solidFill>
-              </a:rPr>
-              <a:t>V1R5</a:t>
+              <a:t> | V1R18 V1R5</a:t>
             </a:r>
           </a:p>
           <a:p>
@@ -20328,7 +20966,6 @@
               <a:rPr lang="de-DE" dirty="0"/>
               <a:t>Erzeugen von neuen Chromosomen</a:t>
             </a:r>
-            <a:endParaRPr lang="de-DE" dirty="0"/>
           </a:p>
           <a:p>
             <a:r>
@@ -20374,13 +21011,7 @@
               <a:rPr lang="de-DE" dirty="0">
                 <a:sym typeface="Wingdings" panose="05000000000000000000" pitchFamily="2" charset="2"/>
               </a:rPr>
-              <a:t>Startchromosom durch </a:t>
-            </a:r>
-            <a:r>
-              <a:rPr lang="de-DE" dirty="0" smtClean="0">
-                <a:sym typeface="Wingdings" panose="05000000000000000000" pitchFamily="2" charset="2"/>
-              </a:rPr>
-              <a:t>Heuristik</a:t>
+              <a:t>Startchromosom durch Heuristik</a:t>
             </a:r>
           </a:p>
           <a:p>
@@ -20463,7 +21094,10 @@
             <a:avLst/>
           </a:prstGeom>
           <a:solidFill>
-            <a:schemeClr val="accent1"/>
+            <a:schemeClr val="accent1">
+              <a:lumMod val="60000"/>
+              <a:lumOff val="40000"/>
+            </a:schemeClr>
           </a:solidFill>
           <a:ln w="9525" cap="flat" cmpd="sng" algn="ctr">
             <a:solidFill>
@@ -20549,638 +21183,2799 @@
           <a:effectLst/>
         </p:spPr>
       </p:cxnSp>
-      <p:sp>
-        <p:nvSpPr>
-          <p:cNvPr id="39" name="Abgerundetes Rechteck 38"/>
-          <p:cNvSpPr/>
+      <p:grpSp>
+        <p:nvGrpSpPr>
+          <p:cNvPr id="4" name="Gruppieren 3">
+            <a:extLst>
+              <a:ext uri="{FF2B5EF4-FFF2-40B4-BE49-F238E27FC236}">
+                <a16:creationId xmlns:a16="http://schemas.microsoft.com/office/drawing/2014/main" id="{87D21163-720A-4E7F-AFE1-BA5FEBBC4751}"/>
+              </a:ext>
+            </a:extLst>
+          </p:cNvPr>
+          <p:cNvGrpSpPr/>
           <p:nvPr/>
-        </p:nvSpPr>
-        <p:spPr bwMode="auto">
+        </p:nvGrpSpPr>
+        <p:grpSpPr>
           <a:xfrm>
             <a:off x="6959452" y="1571795"/>
-            <a:ext cx="1556471" cy="378691"/>
+            <a:ext cx="1556474" cy="4349222"/>
+            <a:chOff x="6959452" y="1571795"/>
+            <a:chExt cx="1556474" cy="4349222"/>
           </a:xfrm>
-          <a:prstGeom prst="roundRect">
-            <a:avLst/>
-          </a:prstGeom>
-          <a:solidFill>
-            <a:schemeClr val="accent1"/>
-          </a:solidFill>
-          <a:ln w="9525" cap="flat" cmpd="sng" algn="ctr">
+        </p:grpSpPr>
+        <p:sp>
+          <p:nvSpPr>
+            <p:cNvPr id="39" name="Abgerundetes Rechteck 38"/>
+            <p:cNvSpPr/>
+            <p:nvPr/>
+          </p:nvSpPr>
+          <p:spPr bwMode="auto">
+            <a:xfrm>
+              <a:off x="6959452" y="1571795"/>
+              <a:ext cx="1556471" cy="378691"/>
+            </a:xfrm>
+            <a:prstGeom prst="roundRect">
+              <a:avLst/>
+            </a:prstGeom>
             <a:solidFill>
-              <a:schemeClr val="tx1"/>
+              <a:schemeClr val="accent1"/>
             </a:solidFill>
-            <a:prstDash val="solid"/>
-            <a:round/>
-            <a:headEnd type="none" w="med" len="med"/>
-            <a:tailEnd type="none" w="med" len="med"/>
-          </a:ln>
-          <a:effectLst/>
-        </p:spPr>
-        <p:txBody>
-          <a:bodyPr vert="horz" wrap="square" lIns="91440" tIns="45720" rIns="91440" bIns="45720" numCol="1" rtlCol="0" anchor="ctr" anchorCtr="0" compatLnSpc="1">
-            <a:prstTxWarp prst="textNoShape">
+            <a:ln w="9525" cap="flat" cmpd="sng" algn="ctr">
+              <a:solidFill>
+                <a:schemeClr val="tx1"/>
+              </a:solidFill>
+              <a:prstDash val="solid"/>
+              <a:round/>
+              <a:headEnd type="none" w="med" len="med"/>
+              <a:tailEnd type="none" w="med" len="med"/>
+            </a:ln>
+            <a:effectLst/>
+          </p:spPr>
+          <p:txBody>
+            <a:bodyPr vert="horz" wrap="square" lIns="91440" tIns="45720" rIns="91440" bIns="45720" numCol="1" rtlCol="0" anchor="ctr" anchorCtr="0" compatLnSpc="1">
+              <a:prstTxWarp prst="textNoShape">
+                <a:avLst/>
+              </a:prstTxWarp>
+            </a:bodyPr>
+            <a:lstStyle/>
+            <a:p>
+              <a:pPr marL="0" marR="0" indent="0" algn="ctr" defTabSz="914400" rtl="0" eaLnBrk="0" fontAlgn="base" latinLnBrk="0" hangingPunct="0">
+                <a:lnSpc>
+                  <a:spcPct val="100000"/>
+                </a:lnSpc>
+                <a:spcBef>
+                  <a:spcPct val="0"/>
+                </a:spcBef>
+                <a:spcAft>
+                  <a:spcPct val="0"/>
+                </a:spcAft>
+                <a:buClrTx/>
+                <a:buSzTx/>
+                <a:buFontTx/>
+                <a:buNone/>
+                <a:tabLst/>
+              </a:pPr>
+              <a:r>
+                <a:rPr kumimoji="0" lang="de-DE" sz="1800" b="0" i="0" u="none" strike="noStrike" cap="none" normalizeH="0" baseline="0" dirty="0">
+                  <a:ln>
+                    <a:noFill/>
+                  </a:ln>
+                  <a:solidFill>
+                    <a:schemeClr val="bg1"/>
+                  </a:solidFill>
+                  <a:effectLst/>
+                  <a:latin typeface="+mn-lt"/>
+                  <a:ea typeface="ＭＳ Ｐゴシック" pitchFamily="1" charset="-128"/>
+                </a:rPr>
+                <a:t>Initialisierung </a:t>
+              </a:r>
+            </a:p>
+          </p:txBody>
+        </p:sp>
+        <p:sp>
+          <p:nvSpPr>
+            <p:cNvPr id="40" name="Abgerundetes Rechteck 39"/>
+            <p:cNvSpPr/>
+            <p:nvPr/>
+          </p:nvSpPr>
+          <p:spPr bwMode="auto">
+            <a:xfrm>
+              <a:off x="6959452" y="2258392"/>
+              <a:ext cx="1556471" cy="378691"/>
+            </a:xfrm>
+            <a:prstGeom prst="roundRect">
               <a:avLst/>
-            </a:prstTxWarp>
-          </a:bodyPr>
-          <a:lstStyle/>
-          <a:p>
-            <a:pPr marL="0" marR="0" indent="0" algn="ctr" defTabSz="914400" rtl="0" eaLnBrk="0" fontAlgn="base" latinLnBrk="0" hangingPunct="0">
-              <a:lnSpc>
-                <a:spcPct val="100000"/>
-              </a:lnSpc>
-              <a:spcBef>
-                <a:spcPct val="0"/>
-              </a:spcBef>
-              <a:spcAft>
-                <a:spcPct val="0"/>
-              </a:spcAft>
-              <a:buClrTx/>
-              <a:buSzTx/>
-              <a:buFontTx/>
-              <a:buNone/>
-              <a:tabLst/>
-            </a:pPr>
-            <a:r>
-              <a:rPr kumimoji="0" lang="de-DE" sz="1800" b="0" i="0" u="none" strike="noStrike" cap="none" normalizeH="0" baseline="0" dirty="0">
-                <a:ln>
-                  <a:noFill/>
-                </a:ln>
-                <a:solidFill>
-                  <a:schemeClr val="bg1"/>
-                </a:solidFill>
-                <a:effectLst/>
-                <a:latin typeface="+mn-lt"/>
-                <a:ea typeface="ＭＳ Ｐゴシック" pitchFamily="1" charset="-128"/>
-              </a:rPr>
-              <a:t>Initialisierung </a:t>
-            </a:r>
-          </a:p>
-        </p:txBody>
-      </p:sp>
-      <p:sp>
-        <p:nvSpPr>
-          <p:cNvPr id="40" name="Abgerundetes Rechteck 39"/>
-          <p:cNvSpPr/>
+            </a:prstGeom>
+            <a:solidFill>
+              <a:schemeClr val="accent1"/>
+            </a:solidFill>
+            <a:ln w="9525" cap="flat" cmpd="sng" algn="ctr">
+              <a:solidFill>
+                <a:schemeClr val="tx1"/>
+              </a:solidFill>
+              <a:prstDash val="solid"/>
+              <a:round/>
+              <a:headEnd type="none" w="med" len="med"/>
+              <a:tailEnd type="none" w="med" len="med"/>
+            </a:ln>
+            <a:effectLst/>
+          </p:spPr>
+          <p:txBody>
+            <a:bodyPr vert="horz" wrap="square" lIns="91440" tIns="45720" rIns="91440" bIns="45720" numCol="1" rtlCol="0" anchor="ctr" anchorCtr="0" compatLnSpc="1">
+              <a:prstTxWarp prst="textNoShape">
+                <a:avLst/>
+              </a:prstTxWarp>
+            </a:bodyPr>
+            <a:lstStyle/>
+            <a:p>
+              <a:pPr marL="0" marR="0" indent="0" algn="ctr" defTabSz="914400" rtl="0" eaLnBrk="0" fontAlgn="base" latinLnBrk="0" hangingPunct="0">
+                <a:lnSpc>
+                  <a:spcPct val="100000"/>
+                </a:lnSpc>
+                <a:spcBef>
+                  <a:spcPct val="0"/>
+                </a:spcBef>
+                <a:spcAft>
+                  <a:spcPct val="0"/>
+                </a:spcAft>
+                <a:buClrTx/>
+                <a:buSzTx/>
+                <a:buFontTx/>
+                <a:buNone/>
+                <a:tabLst/>
+              </a:pPr>
+              <a:r>
+                <a:rPr kumimoji="0" lang="de-DE" sz="1800" b="0" i="0" u="none" strike="noStrike" cap="none" normalizeH="0" baseline="0" dirty="0">
+                  <a:ln>
+                    <a:noFill/>
+                  </a:ln>
+                  <a:solidFill>
+                    <a:schemeClr val="bg1"/>
+                  </a:solidFill>
+                  <a:effectLst/>
+                  <a:latin typeface="+mn-lt"/>
+                  <a:ea typeface="ＭＳ Ｐゴシック" pitchFamily="1" charset="-128"/>
+                </a:rPr>
+                <a:t>Crossover </a:t>
+              </a:r>
+            </a:p>
+          </p:txBody>
+        </p:sp>
+        <p:sp>
+          <p:nvSpPr>
+            <p:cNvPr id="41" name="Abgerundetes Rechteck 40"/>
+            <p:cNvSpPr/>
+            <p:nvPr/>
+          </p:nvSpPr>
+          <p:spPr bwMode="auto">
+            <a:xfrm>
+              <a:off x="6959455" y="2949546"/>
+              <a:ext cx="1556471" cy="378691"/>
+            </a:xfrm>
+            <a:prstGeom prst="roundRect">
+              <a:avLst/>
+            </a:prstGeom>
+            <a:solidFill>
+              <a:schemeClr val="accent1">
+                <a:lumMod val="60000"/>
+                <a:lumOff val="40000"/>
+              </a:schemeClr>
+            </a:solidFill>
+            <a:ln w="9525" cap="flat" cmpd="sng" algn="ctr">
+              <a:solidFill>
+                <a:schemeClr val="tx1"/>
+              </a:solidFill>
+              <a:prstDash val="solid"/>
+              <a:round/>
+              <a:headEnd type="none" w="med" len="med"/>
+              <a:tailEnd type="none" w="med" len="med"/>
+            </a:ln>
+            <a:effectLst/>
+          </p:spPr>
+          <p:txBody>
+            <a:bodyPr vert="horz" wrap="square" lIns="91440" tIns="45720" rIns="91440" bIns="45720" numCol="1" rtlCol="0" anchor="ctr" anchorCtr="0" compatLnSpc="1">
+              <a:prstTxWarp prst="textNoShape">
+                <a:avLst/>
+              </a:prstTxWarp>
+            </a:bodyPr>
+            <a:lstStyle/>
+            <a:p>
+              <a:pPr marL="0" marR="0" indent="0" algn="ctr" defTabSz="914400" rtl="0" eaLnBrk="0" fontAlgn="base" latinLnBrk="0" hangingPunct="0">
+                <a:lnSpc>
+                  <a:spcPct val="100000"/>
+                </a:lnSpc>
+                <a:spcBef>
+                  <a:spcPct val="0"/>
+                </a:spcBef>
+                <a:spcAft>
+                  <a:spcPct val="0"/>
+                </a:spcAft>
+                <a:buClrTx/>
+                <a:buSzTx/>
+                <a:buFontTx/>
+                <a:buNone/>
+                <a:tabLst/>
+              </a:pPr>
+              <a:r>
+                <a:rPr kumimoji="0" lang="de-DE" sz="1800" b="0" i="0" u="none" strike="noStrike" cap="none" normalizeH="0" baseline="0" dirty="0">
+                  <a:ln>
+                    <a:noFill/>
+                  </a:ln>
+                  <a:solidFill>
+                    <a:schemeClr val="bg1"/>
+                  </a:solidFill>
+                  <a:effectLst/>
+                  <a:latin typeface="+mn-lt"/>
+                  <a:ea typeface="ＭＳ Ｐゴシック" pitchFamily="1" charset="-128"/>
+                </a:rPr>
+                <a:t>Mutieren </a:t>
+              </a:r>
+            </a:p>
+          </p:txBody>
+        </p:sp>
+        <p:sp>
+          <p:nvSpPr>
+            <p:cNvPr id="42" name="Abgerundetes Rechteck 41"/>
+            <p:cNvSpPr/>
+            <p:nvPr/>
+          </p:nvSpPr>
+          <p:spPr bwMode="auto">
+            <a:xfrm>
+              <a:off x="6959455" y="4331854"/>
+              <a:ext cx="1556471" cy="378691"/>
+            </a:xfrm>
+            <a:prstGeom prst="roundRect">
+              <a:avLst/>
+            </a:prstGeom>
+            <a:solidFill>
+              <a:schemeClr val="accent1"/>
+            </a:solidFill>
+            <a:ln w="9525" cap="flat" cmpd="sng" algn="ctr">
+              <a:solidFill>
+                <a:schemeClr val="tx1"/>
+              </a:solidFill>
+              <a:prstDash val="solid"/>
+              <a:round/>
+              <a:headEnd type="none" w="med" len="med"/>
+              <a:tailEnd type="none" w="med" len="med"/>
+            </a:ln>
+            <a:effectLst/>
+          </p:spPr>
+          <p:txBody>
+            <a:bodyPr vert="horz" wrap="square" lIns="91440" tIns="45720" rIns="91440" bIns="45720" numCol="1" rtlCol="0" anchor="ctr" anchorCtr="0" compatLnSpc="1">
+              <a:prstTxWarp prst="textNoShape">
+                <a:avLst/>
+              </a:prstTxWarp>
+            </a:bodyPr>
+            <a:lstStyle/>
+            <a:p>
+              <a:pPr marL="0" marR="0" indent="0" algn="ctr" defTabSz="914400" rtl="0" eaLnBrk="0" fontAlgn="base" latinLnBrk="0" hangingPunct="0">
+                <a:lnSpc>
+                  <a:spcPct val="100000"/>
+                </a:lnSpc>
+                <a:spcBef>
+                  <a:spcPct val="0"/>
+                </a:spcBef>
+                <a:spcAft>
+                  <a:spcPct val="0"/>
+                </a:spcAft>
+                <a:buClrTx/>
+                <a:buSzTx/>
+                <a:buFontTx/>
+                <a:buNone/>
+                <a:tabLst/>
+              </a:pPr>
+              <a:r>
+                <a:rPr kumimoji="0" lang="de-DE" sz="1800" b="0" i="0" u="none" strike="noStrike" cap="none" normalizeH="0" baseline="0" dirty="0">
+                  <a:ln>
+                    <a:noFill/>
+                  </a:ln>
+                  <a:solidFill>
+                    <a:schemeClr val="bg1"/>
+                  </a:solidFill>
+                  <a:effectLst/>
+                  <a:latin typeface="+mn-lt"/>
+                  <a:ea typeface="ＭＳ Ｐゴシック" pitchFamily="1" charset="-128"/>
+                </a:rPr>
+                <a:t>Bewerten </a:t>
+              </a:r>
+            </a:p>
+          </p:txBody>
+        </p:sp>
+        <p:sp>
+          <p:nvSpPr>
+            <p:cNvPr id="43" name="Abgerundetes Rechteck 42"/>
+            <p:cNvSpPr/>
+            <p:nvPr/>
+          </p:nvSpPr>
+          <p:spPr bwMode="auto">
+            <a:xfrm>
+              <a:off x="6959452" y="5023008"/>
+              <a:ext cx="1556471" cy="898009"/>
+            </a:xfrm>
+            <a:prstGeom prst="roundRect">
+              <a:avLst>
+                <a:gd name="adj" fmla="val 0"/>
+              </a:avLst>
+            </a:prstGeom>
+            <a:solidFill>
+              <a:schemeClr val="accent2"/>
+            </a:solidFill>
+            <a:ln w="9525" cap="flat" cmpd="sng" algn="ctr">
+              <a:solidFill>
+                <a:schemeClr val="tx1"/>
+              </a:solidFill>
+              <a:prstDash val="solid"/>
+              <a:round/>
+              <a:headEnd type="none" w="med" len="med"/>
+              <a:tailEnd type="none" w="med" len="med"/>
+            </a:ln>
+            <a:effectLst/>
+          </p:spPr>
+          <p:txBody>
+            <a:bodyPr vert="horz" wrap="square" lIns="91440" tIns="45720" rIns="91440" bIns="45720" numCol="1" rtlCol="0" anchor="ctr" anchorCtr="0" compatLnSpc="1">
+              <a:prstTxWarp prst="textNoShape">
+                <a:avLst/>
+              </a:prstTxWarp>
+            </a:bodyPr>
+            <a:lstStyle/>
+            <a:p>
+              <a:pPr marL="0" marR="0" indent="0" algn="ctr" defTabSz="914400" rtl="0" eaLnBrk="0" fontAlgn="base" latinLnBrk="0" hangingPunct="0">
+                <a:lnSpc>
+                  <a:spcPct val="100000"/>
+                </a:lnSpc>
+                <a:spcBef>
+                  <a:spcPct val="0"/>
+                </a:spcBef>
+                <a:spcAft>
+                  <a:spcPct val="0"/>
+                </a:spcAft>
+                <a:buClrTx/>
+                <a:buSzTx/>
+                <a:buFontTx/>
+                <a:buNone/>
+                <a:tabLst/>
+              </a:pPr>
+              <a:r>
+                <a:rPr lang="de-DE" sz="1800" dirty="0">
+                  <a:solidFill>
+                    <a:schemeClr val="bg1"/>
+                  </a:solidFill>
+                  <a:latin typeface="+mn-lt"/>
+                  <a:ea typeface="ＭＳ Ｐゴシック" pitchFamily="1" charset="-128"/>
+                </a:rPr>
+                <a:t> optimiertes Register- Mapping</a:t>
+              </a:r>
+              <a:r>
+                <a:rPr kumimoji="0" lang="de-DE" sz="1800" b="0" i="0" u="none" strike="noStrike" cap="none" normalizeH="0" baseline="0" dirty="0">
+                  <a:ln>
+                    <a:noFill/>
+                  </a:ln>
+                  <a:solidFill>
+                    <a:schemeClr val="bg1"/>
+                  </a:solidFill>
+                  <a:effectLst/>
+                  <a:latin typeface="+mn-lt"/>
+                  <a:ea typeface="ＭＳ Ｐゴシック" pitchFamily="1" charset="-128"/>
+                </a:rPr>
+                <a:t> </a:t>
+              </a:r>
+            </a:p>
+          </p:txBody>
+        </p:sp>
+        <p:cxnSp>
+          <p:nvCxnSpPr>
+            <p:cNvPr id="44" name="Gerade Verbindung mit Pfeil 43"/>
+            <p:cNvCxnSpPr>
+              <a:cxnSpLocks/>
+              <a:stCxn id="42" idx="2"/>
+              <a:endCxn id="43" idx="0"/>
+            </p:cNvCxnSpPr>
+            <p:nvPr/>
+          </p:nvCxnSpPr>
+          <p:spPr bwMode="auto">
+            <a:xfrm flipH="1">
+              <a:off x="7737688" y="4710545"/>
+              <a:ext cx="3" cy="312463"/>
+            </a:xfrm>
+            <a:prstGeom prst="straightConnector1">
+              <a:avLst/>
+            </a:prstGeom>
+            <a:solidFill>
+              <a:schemeClr val="accent1"/>
+            </a:solidFill>
+            <a:ln w="9525" cap="flat" cmpd="sng" algn="ctr">
+              <a:solidFill>
+                <a:schemeClr val="tx1"/>
+              </a:solidFill>
+              <a:prstDash val="solid"/>
+              <a:round/>
+              <a:headEnd type="none" w="med" len="med"/>
+              <a:tailEnd type="triangle"/>
+            </a:ln>
+            <a:effectLst/>
+          </p:spPr>
+        </p:cxnSp>
+        <p:cxnSp>
+          <p:nvCxnSpPr>
+            <p:cNvPr id="45" name="Gerade Verbindung mit Pfeil 44"/>
+            <p:cNvCxnSpPr>
+              <a:stCxn id="39" idx="2"/>
+              <a:endCxn id="40" idx="0"/>
+            </p:cNvCxnSpPr>
+            <p:nvPr/>
+          </p:nvCxnSpPr>
+          <p:spPr bwMode="auto">
+            <a:xfrm>
+              <a:off x="7737688" y="1950486"/>
+              <a:ext cx="0" cy="307906"/>
+            </a:xfrm>
+            <a:prstGeom prst="straightConnector1">
+              <a:avLst/>
+            </a:prstGeom>
+            <a:solidFill>
+              <a:schemeClr val="accent1"/>
+            </a:solidFill>
+            <a:ln w="9525" cap="flat" cmpd="sng" algn="ctr">
+              <a:solidFill>
+                <a:schemeClr val="tx1"/>
+              </a:solidFill>
+              <a:prstDash val="solid"/>
+              <a:round/>
+              <a:headEnd type="none" w="med" len="med"/>
+              <a:tailEnd type="triangle"/>
+            </a:ln>
+            <a:effectLst/>
+          </p:spPr>
+        </p:cxnSp>
+        <p:cxnSp>
+          <p:nvCxnSpPr>
+            <p:cNvPr id="46" name="Gerade Verbindung mit Pfeil 45"/>
+            <p:cNvCxnSpPr>
+              <a:stCxn id="40" idx="2"/>
+              <a:endCxn id="41" idx="0"/>
+            </p:cNvCxnSpPr>
+            <p:nvPr/>
+          </p:nvCxnSpPr>
+          <p:spPr bwMode="auto">
+            <a:xfrm>
+              <a:off x="7737688" y="2637083"/>
+              <a:ext cx="3" cy="312463"/>
+            </a:xfrm>
+            <a:prstGeom prst="straightConnector1">
+              <a:avLst/>
+            </a:prstGeom>
+            <a:solidFill>
+              <a:schemeClr val="accent1"/>
+            </a:solidFill>
+            <a:ln w="9525" cap="flat" cmpd="sng" algn="ctr">
+              <a:solidFill>
+                <a:schemeClr val="tx1"/>
+              </a:solidFill>
+              <a:prstDash val="solid"/>
+              <a:round/>
+              <a:headEnd type="none" w="med" len="med"/>
+              <a:tailEnd type="triangle"/>
+            </a:ln>
+            <a:effectLst/>
+          </p:spPr>
+        </p:cxnSp>
+        <p:sp>
+          <p:nvSpPr>
+            <p:cNvPr id="47" name="Abgerundetes Rechteck 46"/>
+            <p:cNvSpPr/>
+            <p:nvPr/>
+          </p:nvSpPr>
+          <p:spPr bwMode="auto">
+            <a:xfrm>
+              <a:off x="6959453" y="3640700"/>
+              <a:ext cx="1556471" cy="378691"/>
+            </a:xfrm>
+            <a:prstGeom prst="roundRect">
+              <a:avLst/>
+            </a:prstGeom>
+            <a:solidFill>
+              <a:schemeClr val="accent1"/>
+            </a:solidFill>
+            <a:ln w="9525" cap="flat" cmpd="sng" algn="ctr">
+              <a:solidFill>
+                <a:schemeClr val="tx1"/>
+              </a:solidFill>
+              <a:prstDash val="solid"/>
+              <a:round/>
+              <a:headEnd type="none" w="med" len="med"/>
+              <a:tailEnd type="none" w="med" len="med"/>
+            </a:ln>
+            <a:effectLst/>
+          </p:spPr>
+          <p:txBody>
+            <a:bodyPr vert="horz" wrap="square" lIns="91440" tIns="45720" rIns="91440" bIns="45720" numCol="1" rtlCol="0" anchor="ctr" anchorCtr="0" compatLnSpc="1">
+              <a:prstTxWarp prst="textNoShape">
+                <a:avLst/>
+              </a:prstTxWarp>
+            </a:bodyPr>
+            <a:lstStyle/>
+            <a:p>
+              <a:pPr marL="0" marR="0" indent="0" algn="ctr" defTabSz="914400" rtl="0" eaLnBrk="0" fontAlgn="base" latinLnBrk="0" hangingPunct="0">
+                <a:lnSpc>
+                  <a:spcPct val="100000"/>
+                </a:lnSpc>
+                <a:spcBef>
+                  <a:spcPct val="0"/>
+                </a:spcBef>
+                <a:spcAft>
+                  <a:spcPct val="0"/>
+                </a:spcAft>
+                <a:buClrTx/>
+                <a:buSzTx/>
+                <a:buFontTx/>
+                <a:buNone/>
+                <a:tabLst/>
+              </a:pPr>
+              <a:r>
+                <a:rPr kumimoji="0" lang="de-DE" sz="1800" b="0" i="0" u="none" strike="noStrike" cap="none" normalizeH="0" baseline="0" dirty="0">
+                  <a:ln>
+                    <a:noFill/>
+                  </a:ln>
+                  <a:solidFill>
+                    <a:schemeClr val="bg1"/>
+                  </a:solidFill>
+                  <a:effectLst/>
+                  <a:latin typeface="+mn-lt"/>
+                  <a:ea typeface="ＭＳ Ｐゴシック" pitchFamily="1" charset="-128"/>
+                </a:rPr>
+                <a:t>Erzeugen </a:t>
+              </a:r>
+            </a:p>
+          </p:txBody>
+        </p:sp>
+        <p:cxnSp>
+          <p:nvCxnSpPr>
+            <p:cNvPr id="48" name="Gerade Verbindung mit Pfeil 47"/>
+            <p:cNvCxnSpPr>
+              <a:stCxn id="41" idx="2"/>
+              <a:endCxn id="47" idx="0"/>
+            </p:cNvCxnSpPr>
+            <p:nvPr/>
+          </p:nvCxnSpPr>
+          <p:spPr bwMode="auto">
+            <a:xfrm flipH="1">
+              <a:off x="7737689" y="3328237"/>
+              <a:ext cx="2" cy="312463"/>
+            </a:xfrm>
+            <a:prstGeom prst="straightConnector1">
+              <a:avLst/>
+            </a:prstGeom>
+            <a:solidFill>
+              <a:schemeClr val="accent1"/>
+            </a:solidFill>
+            <a:ln w="9525" cap="flat" cmpd="sng" algn="ctr">
+              <a:solidFill>
+                <a:schemeClr val="tx1"/>
+              </a:solidFill>
+              <a:prstDash val="solid"/>
+              <a:round/>
+              <a:headEnd type="none" w="med" len="med"/>
+              <a:tailEnd type="triangle"/>
+            </a:ln>
+            <a:effectLst/>
+          </p:spPr>
+        </p:cxnSp>
+        <p:cxnSp>
+          <p:nvCxnSpPr>
+            <p:cNvPr id="49" name="Gerade Verbindung mit Pfeil 48"/>
+            <p:cNvCxnSpPr>
+              <a:stCxn id="47" idx="2"/>
+              <a:endCxn id="42" idx="0"/>
+            </p:cNvCxnSpPr>
+            <p:nvPr/>
+          </p:nvCxnSpPr>
+          <p:spPr bwMode="auto">
+            <a:xfrm>
+              <a:off x="7737689" y="4019391"/>
+              <a:ext cx="2" cy="312463"/>
+            </a:xfrm>
+            <a:prstGeom prst="straightConnector1">
+              <a:avLst/>
+            </a:prstGeom>
+            <a:solidFill>
+              <a:schemeClr val="accent1"/>
+            </a:solidFill>
+            <a:ln w="9525" cap="flat" cmpd="sng" algn="ctr">
+              <a:solidFill>
+                <a:schemeClr val="tx1"/>
+              </a:solidFill>
+              <a:prstDash val="solid"/>
+              <a:round/>
+              <a:headEnd type="none" w="med" len="med"/>
+              <a:tailEnd type="triangle"/>
+            </a:ln>
+            <a:effectLst/>
+          </p:spPr>
+        </p:cxnSp>
+        <p:cxnSp>
+          <p:nvCxnSpPr>
+            <p:cNvPr id="50" name="Gewinkelter Verbinder 49"/>
+            <p:cNvCxnSpPr>
+              <a:stCxn id="42" idx="1"/>
+              <a:endCxn id="40" idx="1"/>
+            </p:cNvCxnSpPr>
+            <p:nvPr/>
+          </p:nvCxnSpPr>
+          <p:spPr bwMode="auto">
+            <a:xfrm rot="10800000">
+              <a:off x="6959453" y="2447738"/>
+              <a:ext cx="3" cy="2073462"/>
+            </a:xfrm>
+            <a:prstGeom prst="bentConnector3">
+              <a:avLst>
+                <a:gd name="adj1" fmla="val 7620100000"/>
+              </a:avLst>
+            </a:prstGeom>
+            <a:solidFill>
+              <a:schemeClr val="accent1"/>
+            </a:solidFill>
+            <a:ln w="9525" cap="flat" cmpd="sng" algn="ctr">
+              <a:solidFill>
+                <a:schemeClr val="tx1"/>
+              </a:solidFill>
+              <a:prstDash val="solid"/>
+              <a:round/>
+              <a:headEnd type="none" w="med" len="med"/>
+              <a:tailEnd type="triangle"/>
+            </a:ln>
+            <a:effectLst/>
+          </p:spPr>
+        </p:cxnSp>
+      </p:grpSp>
+      <p:grpSp>
+        <p:nvGrpSpPr>
+          <p:cNvPr id="19" name="Gruppieren 18">
+            <a:extLst>
+              <a:ext uri="{FF2B5EF4-FFF2-40B4-BE49-F238E27FC236}">
+                <a16:creationId xmlns:a16="http://schemas.microsoft.com/office/drawing/2014/main" id="{5A63BC7A-97E3-4A2D-B0F1-F11D31E37E38}"/>
+              </a:ext>
+            </a:extLst>
+          </p:cNvPr>
+          <p:cNvGrpSpPr/>
           <p:nvPr/>
-        </p:nvSpPr>
-        <p:spPr bwMode="auto">
+        </p:nvGrpSpPr>
+        <p:grpSpPr>
           <a:xfrm>
-            <a:off x="6959452" y="2258392"/>
-            <a:ext cx="1556471" cy="378691"/>
+            <a:off x="6954916" y="1574798"/>
+            <a:ext cx="1556474" cy="4349222"/>
+            <a:chOff x="6959452" y="1571795"/>
+            <a:chExt cx="1556474" cy="4349222"/>
           </a:xfrm>
-          <a:prstGeom prst="roundRect">
-            <a:avLst/>
-          </a:prstGeom>
-          <a:solidFill>
-            <a:schemeClr val="accent1"/>
-          </a:solidFill>
-          <a:ln w="9525" cap="flat" cmpd="sng" algn="ctr">
+        </p:grpSpPr>
+        <p:sp>
+          <p:nvSpPr>
+            <p:cNvPr id="20" name="Abgerundetes Rechteck 38">
+              <a:extLst>
+                <a:ext uri="{FF2B5EF4-FFF2-40B4-BE49-F238E27FC236}">
+                  <a16:creationId xmlns:a16="http://schemas.microsoft.com/office/drawing/2014/main" id="{CF6FE705-7987-4674-B518-0AC9FA279A4E}"/>
+                </a:ext>
+              </a:extLst>
+            </p:cNvPr>
+            <p:cNvSpPr/>
+            <p:nvPr/>
+          </p:nvSpPr>
+          <p:spPr bwMode="auto">
+            <a:xfrm>
+              <a:off x="6959452" y="1571795"/>
+              <a:ext cx="1556471" cy="378691"/>
+            </a:xfrm>
+            <a:prstGeom prst="roundRect">
+              <a:avLst/>
+            </a:prstGeom>
             <a:solidFill>
-              <a:schemeClr val="tx1"/>
+              <a:schemeClr val="accent1"/>
             </a:solidFill>
-            <a:prstDash val="solid"/>
-            <a:round/>
-            <a:headEnd type="none" w="med" len="med"/>
-            <a:tailEnd type="none" w="med" len="med"/>
-          </a:ln>
-          <a:effectLst/>
-        </p:spPr>
-        <p:txBody>
-          <a:bodyPr vert="horz" wrap="square" lIns="91440" tIns="45720" rIns="91440" bIns="45720" numCol="1" rtlCol="0" anchor="ctr" anchorCtr="0" compatLnSpc="1">
-            <a:prstTxWarp prst="textNoShape">
+            <a:ln w="9525" cap="flat" cmpd="sng" algn="ctr">
+              <a:solidFill>
+                <a:schemeClr val="tx1"/>
+              </a:solidFill>
+              <a:prstDash val="solid"/>
+              <a:round/>
+              <a:headEnd type="none" w="med" len="med"/>
+              <a:tailEnd type="none" w="med" len="med"/>
+            </a:ln>
+            <a:effectLst/>
+          </p:spPr>
+          <p:txBody>
+            <a:bodyPr vert="horz" wrap="square" lIns="91440" tIns="45720" rIns="91440" bIns="45720" numCol="1" rtlCol="0" anchor="ctr" anchorCtr="0" compatLnSpc="1">
+              <a:prstTxWarp prst="textNoShape">
+                <a:avLst/>
+              </a:prstTxWarp>
+            </a:bodyPr>
+            <a:lstStyle/>
+            <a:p>
+              <a:pPr marL="0" marR="0" indent="0" algn="ctr" defTabSz="914400" rtl="0" eaLnBrk="0" fontAlgn="base" latinLnBrk="0" hangingPunct="0">
+                <a:lnSpc>
+                  <a:spcPct val="100000"/>
+                </a:lnSpc>
+                <a:spcBef>
+                  <a:spcPct val="0"/>
+                </a:spcBef>
+                <a:spcAft>
+                  <a:spcPct val="0"/>
+                </a:spcAft>
+                <a:buClrTx/>
+                <a:buSzTx/>
+                <a:buFontTx/>
+                <a:buNone/>
+                <a:tabLst/>
+              </a:pPr>
+              <a:r>
+                <a:rPr kumimoji="0" lang="de-DE" sz="1800" b="0" i="0" u="none" strike="noStrike" cap="none" normalizeH="0" baseline="0" dirty="0">
+                  <a:ln>
+                    <a:noFill/>
+                  </a:ln>
+                  <a:solidFill>
+                    <a:schemeClr val="bg1"/>
+                  </a:solidFill>
+                  <a:effectLst/>
+                  <a:latin typeface="+mn-lt"/>
+                  <a:ea typeface="ＭＳ Ｐゴシック" pitchFamily="1" charset="-128"/>
+                </a:rPr>
+                <a:t>Initialisierung </a:t>
+              </a:r>
+            </a:p>
+          </p:txBody>
+        </p:sp>
+        <p:sp>
+          <p:nvSpPr>
+            <p:cNvPr id="21" name="Abgerundetes Rechteck 39">
+              <a:extLst>
+                <a:ext uri="{FF2B5EF4-FFF2-40B4-BE49-F238E27FC236}">
+                  <a16:creationId xmlns:a16="http://schemas.microsoft.com/office/drawing/2014/main" id="{6C4ED015-761B-4EAB-89EC-404F56D7FE68}"/>
+                </a:ext>
+              </a:extLst>
+            </p:cNvPr>
+            <p:cNvSpPr/>
+            <p:nvPr/>
+          </p:nvSpPr>
+          <p:spPr bwMode="auto">
+            <a:xfrm>
+              <a:off x="6959452" y="2258392"/>
+              <a:ext cx="1556471" cy="378691"/>
+            </a:xfrm>
+            <a:prstGeom prst="roundRect">
               <a:avLst/>
-            </a:prstTxWarp>
-          </a:bodyPr>
-          <a:lstStyle/>
-          <a:p>
-            <a:pPr marL="0" marR="0" indent="0" algn="ctr" defTabSz="914400" rtl="0" eaLnBrk="0" fontAlgn="base" latinLnBrk="0" hangingPunct="0">
-              <a:lnSpc>
-                <a:spcPct val="100000"/>
-              </a:lnSpc>
-              <a:spcBef>
-                <a:spcPct val="0"/>
-              </a:spcBef>
-              <a:spcAft>
-                <a:spcPct val="0"/>
-              </a:spcAft>
-              <a:buClrTx/>
-              <a:buSzTx/>
-              <a:buFontTx/>
-              <a:buNone/>
-              <a:tabLst/>
-            </a:pPr>
-            <a:r>
-              <a:rPr kumimoji="0" lang="de-DE" sz="1800" b="0" i="0" u="none" strike="noStrike" cap="none" normalizeH="0" baseline="0" dirty="0">
-                <a:ln>
-                  <a:noFill/>
-                </a:ln>
-                <a:solidFill>
-                  <a:schemeClr val="bg1"/>
-                </a:solidFill>
-                <a:effectLst/>
-                <a:latin typeface="+mn-lt"/>
-                <a:ea typeface="ＭＳ Ｐゴシック" pitchFamily="1" charset="-128"/>
-              </a:rPr>
-              <a:t>Crossover </a:t>
-            </a:r>
-          </a:p>
-        </p:txBody>
-      </p:sp>
-      <p:sp>
-        <p:nvSpPr>
-          <p:cNvPr id="41" name="Abgerundetes Rechteck 40"/>
-          <p:cNvSpPr/>
+            </a:prstGeom>
+            <a:solidFill>
+              <a:schemeClr val="accent1"/>
+            </a:solidFill>
+            <a:ln w="9525" cap="flat" cmpd="sng" algn="ctr">
+              <a:solidFill>
+                <a:schemeClr val="tx1"/>
+              </a:solidFill>
+              <a:prstDash val="solid"/>
+              <a:round/>
+              <a:headEnd type="none" w="med" len="med"/>
+              <a:tailEnd type="none" w="med" len="med"/>
+            </a:ln>
+            <a:effectLst/>
+          </p:spPr>
+          <p:txBody>
+            <a:bodyPr vert="horz" wrap="square" lIns="91440" tIns="45720" rIns="91440" bIns="45720" numCol="1" rtlCol="0" anchor="ctr" anchorCtr="0" compatLnSpc="1">
+              <a:prstTxWarp prst="textNoShape">
+                <a:avLst/>
+              </a:prstTxWarp>
+            </a:bodyPr>
+            <a:lstStyle/>
+            <a:p>
+              <a:pPr marL="0" marR="0" indent="0" algn="ctr" defTabSz="914400" rtl="0" eaLnBrk="0" fontAlgn="base" latinLnBrk="0" hangingPunct="0">
+                <a:lnSpc>
+                  <a:spcPct val="100000"/>
+                </a:lnSpc>
+                <a:spcBef>
+                  <a:spcPct val="0"/>
+                </a:spcBef>
+                <a:spcAft>
+                  <a:spcPct val="0"/>
+                </a:spcAft>
+                <a:buClrTx/>
+                <a:buSzTx/>
+                <a:buFontTx/>
+                <a:buNone/>
+                <a:tabLst/>
+              </a:pPr>
+              <a:r>
+                <a:rPr kumimoji="0" lang="de-DE" sz="1800" b="0" i="0" u="none" strike="noStrike" cap="none" normalizeH="0" baseline="0" dirty="0">
+                  <a:ln>
+                    <a:noFill/>
+                  </a:ln>
+                  <a:solidFill>
+                    <a:schemeClr val="bg1"/>
+                  </a:solidFill>
+                  <a:effectLst/>
+                  <a:latin typeface="+mn-lt"/>
+                  <a:ea typeface="ＭＳ Ｐゴシック" pitchFamily="1" charset="-128"/>
+                </a:rPr>
+                <a:t>Crossover </a:t>
+              </a:r>
+            </a:p>
+          </p:txBody>
+        </p:sp>
+        <p:sp>
+          <p:nvSpPr>
+            <p:cNvPr id="22" name="Abgerundetes Rechteck 40">
+              <a:extLst>
+                <a:ext uri="{FF2B5EF4-FFF2-40B4-BE49-F238E27FC236}">
+                  <a16:creationId xmlns:a16="http://schemas.microsoft.com/office/drawing/2014/main" id="{2123384B-5CE3-4DCD-97EB-FBDFF130024F}"/>
+                </a:ext>
+              </a:extLst>
+            </p:cNvPr>
+            <p:cNvSpPr/>
+            <p:nvPr/>
+          </p:nvSpPr>
+          <p:spPr bwMode="auto">
+            <a:xfrm>
+              <a:off x="6959455" y="2949546"/>
+              <a:ext cx="1556471" cy="378691"/>
+            </a:xfrm>
+            <a:prstGeom prst="roundRect">
+              <a:avLst/>
+            </a:prstGeom>
+            <a:solidFill>
+              <a:schemeClr val="accent1"/>
+            </a:solidFill>
+            <a:ln w="9525" cap="flat" cmpd="sng" algn="ctr">
+              <a:solidFill>
+                <a:schemeClr val="tx1"/>
+              </a:solidFill>
+              <a:prstDash val="solid"/>
+              <a:round/>
+              <a:headEnd type="none" w="med" len="med"/>
+              <a:tailEnd type="none" w="med" len="med"/>
+            </a:ln>
+            <a:effectLst/>
+          </p:spPr>
+          <p:txBody>
+            <a:bodyPr vert="horz" wrap="square" lIns="91440" tIns="45720" rIns="91440" bIns="45720" numCol="1" rtlCol="0" anchor="ctr" anchorCtr="0" compatLnSpc="1">
+              <a:prstTxWarp prst="textNoShape">
+                <a:avLst/>
+              </a:prstTxWarp>
+            </a:bodyPr>
+            <a:lstStyle/>
+            <a:p>
+              <a:pPr marL="0" marR="0" indent="0" algn="ctr" defTabSz="914400" rtl="0" eaLnBrk="0" fontAlgn="base" latinLnBrk="0" hangingPunct="0">
+                <a:lnSpc>
+                  <a:spcPct val="100000"/>
+                </a:lnSpc>
+                <a:spcBef>
+                  <a:spcPct val="0"/>
+                </a:spcBef>
+                <a:spcAft>
+                  <a:spcPct val="0"/>
+                </a:spcAft>
+                <a:buClrTx/>
+                <a:buSzTx/>
+                <a:buFontTx/>
+                <a:buNone/>
+                <a:tabLst/>
+              </a:pPr>
+              <a:r>
+                <a:rPr kumimoji="0" lang="de-DE" sz="1800" b="0" i="0" u="none" strike="noStrike" cap="none" normalizeH="0" baseline="0" dirty="0">
+                  <a:ln>
+                    <a:noFill/>
+                  </a:ln>
+                  <a:solidFill>
+                    <a:schemeClr val="bg1"/>
+                  </a:solidFill>
+                  <a:effectLst/>
+                  <a:latin typeface="+mn-lt"/>
+                  <a:ea typeface="ＭＳ Ｐゴシック" pitchFamily="1" charset="-128"/>
+                </a:rPr>
+                <a:t>Mutieren </a:t>
+              </a:r>
+            </a:p>
+          </p:txBody>
+        </p:sp>
+        <p:sp>
+          <p:nvSpPr>
+            <p:cNvPr id="23" name="Abgerundetes Rechteck 41">
+              <a:extLst>
+                <a:ext uri="{FF2B5EF4-FFF2-40B4-BE49-F238E27FC236}">
+                  <a16:creationId xmlns:a16="http://schemas.microsoft.com/office/drawing/2014/main" id="{FE69185E-5EBF-472A-8A85-14F8DEB2AE32}"/>
+                </a:ext>
+              </a:extLst>
+            </p:cNvPr>
+            <p:cNvSpPr/>
+            <p:nvPr/>
+          </p:nvSpPr>
+          <p:spPr bwMode="auto">
+            <a:xfrm>
+              <a:off x="6959455" y="4331854"/>
+              <a:ext cx="1556471" cy="378691"/>
+            </a:xfrm>
+            <a:prstGeom prst="roundRect">
+              <a:avLst/>
+            </a:prstGeom>
+            <a:solidFill>
+              <a:schemeClr val="accent1"/>
+            </a:solidFill>
+            <a:ln w="9525" cap="flat" cmpd="sng" algn="ctr">
+              <a:solidFill>
+                <a:schemeClr val="tx1"/>
+              </a:solidFill>
+              <a:prstDash val="solid"/>
+              <a:round/>
+              <a:headEnd type="none" w="med" len="med"/>
+              <a:tailEnd type="none" w="med" len="med"/>
+            </a:ln>
+            <a:effectLst/>
+          </p:spPr>
+          <p:txBody>
+            <a:bodyPr vert="horz" wrap="square" lIns="91440" tIns="45720" rIns="91440" bIns="45720" numCol="1" rtlCol="0" anchor="ctr" anchorCtr="0" compatLnSpc="1">
+              <a:prstTxWarp prst="textNoShape">
+                <a:avLst/>
+              </a:prstTxWarp>
+            </a:bodyPr>
+            <a:lstStyle/>
+            <a:p>
+              <a:pPr marL="0" marR="0" indent="0" algn="ctr" defTabSz="914400" rtl="0" eaLnBrk="0" fontAlgn="base" latinLnBrk="0" hangingPunct="0">
+                <a:lnSpc>
+                  <a:spcPct val="100000"/>
+                </a:lnSpc>
+                <a:spcBef>
+                  <a:spcPct val="0"/>
+                </a:spcBef>
+                <a:spcAft>
+                  <a:spcPct val="0"/>
+                </a:spcAft>
+                <a:buClrTx/>
+                <a:buSzTx/>
+                <a:buFontTx/>
+                <a:buNone/>
+                <a:tabLst/>
+              </a:pPr>
+              <a:r>
+                <a:rPr kumimoji="0" lang="de-DE" sz="1800" b="0" i="0" u="none" strike="noStrike" cap="none" normalizeH="0" baseline="0" dirty="0">
+                  <a:ln>
+                    <a:noFill/>
+                  </a:ln>
+                  <a:solidFill>
+                    <a:schemeClr val="bg1"/>
+                  </a:solidFill>
+                  <a:effectLst/>
+                  <a:latin typeface="+mn-lt"/>
+                  <a:ea typeface="ＭＳ Ｐゴシック" pitchFamily="1" charset="-128"/>
+                </a:rPr>
+                <a:t>Bewerten </a:t>
+              </a:r>
+            </a:p>
+          </p:txBody>
+        </p:sp>
+        <p:sp>
+          <p:nvSpPr>
+            <p:cNvPr id="24" name="Abgerundetes Rechteck 42">
+              <a:extLst>
+                <a:ext uri="{FF2B5EF4-FFF2-40B4-BE49-F238E27FC236}">
+                  <a16:creationId xmlns:a16="http://schemas.microsoft.com/office/drawing/2014/main" id="{2C4165D7-12D4-4485-B81B-46370964324A}"/>
+                </a:ext>
+              </a:extLst>
+            </p:cNvPr>
+            <p:cNvSpPr/>
+            <p:nvPr/>
+          </p:nvSpPr>
+          <p:spPr bwMode="auto">
+            <a:xfrm>
+              <a:off x="6959452" y="5023008"/>
+              <a:ext cx="1556471" cy="898009"/>
+            </a:xfrm>
+            <a:prstGeom prst="roundRect">
+              <a:avLst>
+                <a:gd name="adj" fmla="val 0"/>
+              </a:avLst>
+            </a:prstGeom>
+            <a:solidFill>
+              <a:schemeClr val="accent2"/>
+            </a:solidFill>
+            <a:ln w="9525" cap="flat" cmpd="sng" algn="ctr">
+              <a:solidFill>
+                <a:schemeClr val="tx1"/>
+              </a:solidFill>
+              <a:prstDash val="solid"/>
+              <a:round/>
+              <a:headEnd type="none" w="med" len="med"/>
+              <a:tailEnd type="none" w="med" len="med"/>
+            </a:ln>
+            <a:effectLst/>
+          </p:spPr>
+          <p:txBody>
+            <a:bodyPr vert="horz" wrap="square" lIns="91440" tIns="45720" rIns="91440" bIns="45720" numCol="1" rtlCol="0" anchor="ctr" anchorCtr="0" compatLnSpc="1">
+              <a:prstTxWarp prst="textNoShape">
+                <a:avLst/>
+              </a:prstTxWarp>
+            </a:bodyPr>
+            <a:lstStyle/>
+            <a:p>
+              <a:pPr marL="0" marR="0" indent="0" algn="ctr" defTabSz="914400" rtl="0" eaLnBrk="0" fontAlgn="base" latinLnBrk="0" hangingPunct="0">
+                <a:lnSpc>
+                  <a:spcPct val="100000"/>
+                </a:lnSpc>
+                <a:spcBef>
+                  <a:spcPct val="0"/>
+                </a:spcBef>
+                <a:spcAft>
+                  <a:spcPct val="0"/>
+                </a:spcAft>
+                <a:buClrTx/>
+                <a:buSzTx/>
+                <a:buFontTx/>
+                <a:buNone/>
+                <a:tabLst/>
+              </a:pPr>
+              <a:r>
+                <a:rPr lang="de-DE" sz="1800" dirty="0">
+                  <a:solidFill>
+                    <a:schemeClr val="bg1"/>
+                  </a:solidFill>
+                  <a:latin typeface="+mn-lt"/>
+                  <a:ea typeface="ＭＳ Ｐゴシック" pitchFamily="1" charset="-128"/>
+                </a:rPr>
+                <a:t> optimiertes Register- Mapping</a:t>
+              </a:r>
+              <a:r>
+                <a:rPr kumimoji="0" lang="de-DE" sz="1800" b="0" i="0" u="none" strike="noStrike" cap="none" normalizeH="0" baseline="0" dirty="0">
+                  <a:ln>
+                    <a:noFill/>
+                  </a:ln>
+                  <a:solidFill>
+                    <a:schemeClr val="bg1"/>
+                  </a:solidFill>
+                  <a:effectLst/>
+                  <a:latin typeface="+mn-lt"/>
+                  <a:ea typeface="ＭＳ Ｐゴシック" pitchFamily="1" charset="-128"/>
+                </a:rPr>
+                <a:t> </a:t>
+              </a:r>
+            </a:p>
+          </p:txBody>
+        </p:sp>
+        <p:cxnSp>
+          <p:nvCxnSpPr>
+            <p:cNvPr id="25" name="Gerade Verbindung mit Pfeil 24">
+              <a:extLst>
+                <a:ext uri="{FF2B5EF4-FFF2-40B4-BE49-F238E27FC236}">
+                  <a16:creationId xmlns:a16="http://schemas.microsoft.com/office/drawing/2014/main" id="{07E98E8E-8FDE-4C0E-86EA-6F27516FAFBF}"/>
+                </a:ext>
+              </a:extLst>
+            </p:cNvPr>
+            <p:cNvCxnSpPr>
+              <a:cxnSpLocks/>
+              <a:stCxn id="23" idx="2"/>
+              <a:endCxn id="24" idx="0"/>
+            </p:cNvCxnSpPr>
+            <p:nvPr/>
+          </p:nvCxnSpPr>
+          <p:spPr bwMode="auto">
+            <a:xfrm flipH="1">
+              <a:off x="7737688" y="4710545"/>
+              <a:ext cx="3" cy="312463"/>
+            </a:xfrm>
+            <a:prstGeom prst="straightConnector1">
+              <a:avLst/>
+            </a:prstGeom>
+            <a:solidFill>
+              <a:schemeClr val="accent1"/>
+            </a:solidFill>
+            <a:ln w="9525" cap="flat" cmpd="sng" algn="ctr">
+              <a:solidFill>
+                <a:schemeClr val="tx1"/>
+              </a:solidFill>
+              <a:prstDash val="solid"/>
+              <a:round/>
+              <a:headEnd type="none" w="med" len="med"/>
+              <a:tailEnd type="triangle"/>
+            </a:ln>
+            <a:effectLst/>
+          </p:spPr>
+        </p:cxnSp>
+        <p:cxnSp>
+          <p:nvCxnSpPr>
+            <p:cNvPr id="26" name="Gerade Verbindung mit Pfeil 25">
+              <a:extLst>
+                <a:ext uri="{FF2B5EF4-FFF2-40B4-BE49-F238E27FC236}">
+                  <a16:creationId xmlns:a16="http://schemas.microsoft.com/office/drawing/2014/main" id="{A4ACC885-CEFA-4BA4-A429-89E9764B7B64}"/>
+                </a:ext>
+              </a:extLst>
+            </p:cNvPr>
+            <p:cNvCxnSpPr>
+              <a:stCxn id="20" idx="2"/>
+              <a:endCxn id="21" idx="0"/>
+            </p:cNvCxnSpPr>
+            <p:nvPr/>
+          </p:nvCxnSpPr>
+          <p:spPr bwMode="auto">
+            <a:xfrm>
+              <a:off x="7737688" y="1950486"/>
+              <a:ext cx="0" cy="307906"/>
+            </a:xfrm>
+            <a:prstGeom prst="straightConnector1">
+              <a:avLst/>
+            </a:prstGeom>
+            <a:solidFill>
+              <a:schemeClr val="accent1"/>
+            </a:solidFill>
+            <a:ln w="9525" cap="flat" cmpd="sng" algn="ctr">
+              <a:solidFill>
+                <a:schemeClr val="tx1"/>
+              </a:solidFill>
+              <a:prstDash val="solid"/>
+              <a:round/>
+              <a:headEnd type="none" w="med" len="med"/>
+              <a:tailEnd type="triangle"/>
+            </a:ln>
+            <a:effectLst/>
+          </p:spPr>
+        </p:cxnSp>
+        <p:cxnSp>
+          <p:nvCxnSpPr>
+            <p:cNvPr id="27" name="Gerade Verbindung mit Pfeil 26">
+              <a:extLst>
+                <a:ext uri="{FF2B5EF4-FFF2-40B4-BE49-F238E27FC236}">
+                  <a16:creationId xmlns:a16="http://schemas.microsoft.com/office/drawing/2014/main" id="{CC55063E-F7C1-4158-8889-42C20C50C90F}"/>
+                </a:ext>
+              </a:extLst>
+            </p:cNvPr>
+            <p:cNvCxnSpPr>
+              <a:stCxn id="21" idx="2"/>
+              <a:endCxn id="22" idx="0"/>
+            </p:cNvCxnSpPr>
+            <p:nvPr/>
+          </p:nvCxnSpPr>
+          <p:spPr bwMode="auto">
+            <a:xfrm>
+              <a:off x="7737688" y="2637083"/>
+              <a:ext cx="3" cy="312463"/>
+            </a:xfrm>
+            <a:prstGeom prst="straightConnector1">
+              <a:avLst/>
+            </a:prstGeom>
+            <a:solidFill>
+              <a:schemeClr val="accent1"/>
+            </a:solidFill>
+            <a:ln w="9525" cap="flat" cmpd="sng" algn="ctr">
+              <a:solidFill>
+                <a:schemeClr val="tx1"/>
+              </a:solidFill>
+              <a:prstDash val="solid"/>
+              <a:round/>
+              <a:headEnd type="none" w="med" len="med"/>
+              <a:tailEnd type="triangle"/>
+            </a:ln>
+            <a:effectLst/>
+          </p:spPr>
+        </p:cxnSp>
+        <p:sp>
+          <p:nvSpPr>
+            <p:cNvPr id="28" name="Abgerundetes Rechteck 46">
+              <a:extLst>
+                <a:ext uri="{FF2B5EF4-FFF2-40B4-BE49-F238E27FC236}">
+                  <a16:creationId xmlns:a16="http://schemas.microsoft.com/office/drawing/2014/main" id="{F6D4F339-94D8-4C1F-8143-FEE2183144BF}"/>
+                </a:ext>
+              </a:extLst>
+            </p:cNvPr>
+            <p:cNvSpPr/>
+            <p:nvPr/>
+          </p:nvSpPr>
+          <p:spPr bwMode="auto">
+            <a:xfrm>
+              <a:off x="6959453" y="3640700"/>
+              <a:ext cx="1556471" cy="378691"/>
+            </a:xfrm>
+            <a:prstGeom prst="roundRect">
+              <a:avLst/>
+            </a:prstGeom>
+            <a:solidFill>
+              <a:schemeClr val="accent1">
+                <a:lumMod val="60000"/>
+                <a:lumOff val="40000"/>
+              </a:schemeClr>
+            </a:solidFill>
+            <a:ln w="9525" cap="flat" cmpd="sng" algn="ctr">
+              <a:solidFill>
+                <a:schemeClr val="tx1"/>
+              </a:solidFill>
+              <a:prstDash val="solid"/>
+              <a:round/>
+              <a:headEnd type="none" w="med" len="med"/>
+              <a:tailEnd type="none" w="med" len="med"/>
+            </a:ln>
+            <a:effectLst/>
+          </p:spPr>
+          <p:txBody>
+            <a:bodyPr vert="horz" wrap="square" lIns="91440" tIns="45720" rIns="91440" bIns="45720" numCol="1" rtlCol="0" anchor="ctr" anchorCtr="0" compatLnSpc="1">
+              <a:prstTxWarp prst="textNoShape">
+                <a:avLst/>
+              </a:prstTxWarp>
+            </a:bodyPr>
+            <a:lstStyle/>
+            <a:p>
+              <a:pPr marL="0" marR="0" indent="0" algn="ctr" defTabSz="914400" rtl="0" eaLnBrk="0" fontAlgn="base" latinLnBrk="0" hangingPunct="0">
+                <a:lnSpc>
+                  <a:spcPct val="100000"/>
+                </a:lnSpc>
+                <a:spcBef>
+                  <a:spcPct val="0"/>
+                </a:spcBef>
+                <a:spcAft>
+                  <a:spcPct val="0"/>
+                </a:spcAft>
+                <a:buClrTx/>
+                <a:buSzTx/>
+                <a:buFontTx/>
+                <a:buNone/>
+                <a:tabLst/>
+              </a:pPr>
+              <a:r>
+                <a:rPr kumimoji="0" lang="de-DE" sz="1800" b="0" i="0" u="none" strike="noStrike" cap="none" normalizeH="0" baseline="0" dirty="0">
+                  <a:ln>
+                    <a:noFill/>
+                  </a:ln>
+                  <a:solidFill>
+                    <a:schemeClr val="bg1"/>
+                  </a:solidFill>
+                  <a:effectLst/>
+                  <a:latin typeface="+mn-lt"/>
+                  <a:ea typeface="ＭＳ Ｐゴシック" pitchFamily="1" charset="-128"/>
+                </a:rPr>
+                <a:t>Erzeugen </a:t>
+              </a:r>
+            </a:p>
+          </p:txBody>
+        </p:sp>
+        <p:cxnSp>
+          <p:nvCxnSpPr>
+            <p:cNvPr id="29" name="Gerade Verbindung mit Pfeil 28">
+              <a:extLst>
+                <a:ext uri="{FF2B5EF4-FFF2-40B4-BE49-F238E27FC236}">
+                  <a16:creationId xmlns:a16="http://schemas.microsoft.com/office/drawing/2014/main" id="{987719A8-048A-44B8-930E-98839AB24E74}"/>
+                </a:ext>
+              </a:extLst>
+            </p:cNvPr>
+            <p:cNvCxnSpPr>
+              <a:stCxn id="22" idx="2"/>
+              <a:endCxn id="28" idx="0"/>
+            </p:cNvCxnSpPr>
+            <p:nvPr/>
+          </p:nvCxnSpPr>
+          <p:spPr bwMode="auto">
+            <a:xfrm flipH="1">
+              <a:off x="7737689" y="3328237"/>
+              <a:ext cx="2" cy="312463"/>
+            </a:xfrm>
+            <a:prstGeom prst="straightConnector1">
+              <a:avLst/>
+            </a:prstGeom>
+            <a:solidFill>
+              <a:schemeClr val="accent1"/>
+            </a:solidFill>
+            <a:ln w="9525" cap="flat" cmpd="sng" algn="ctr">
+              <a:solidFill>
+                <a:schemeClr val="tx1"/>
+              </a:solidFill>
+              <a:prstDash val="solid"/>
+              <a:round/>
+              <a:headEnd type="none" w="med" len="med"/>
+              <a:tailEnd type="triangle"/>
+            </a:ln>
+            <a:effectLst/>
+          </p:spPr>
+        </p:cxnSp>
+        <p:cxnSp>
+          <p:nvCxnSpPr>
+            <p:cNvPr id="30" name="Gerade Verbindung mit Pfeil 29">
+              <a:extLst>
+                <a:ext uri="{FF2B5EF4-FFF2-40B4-BE49-F238E27FC236}">
+                  <a16:creationId xmlns:a16="http://schemas.microsoft.com/office/drawing/2014/main" id="{CC9B2F04-9283-4D0B-B764-4BA0CBF3F39F}"/>
+                </a:ext>
+              </a:extLst>
+            </p:cNvPr>
+            <p:cNvCxnSpPr>
+              <a:stCxn id="28" idx="2"/>
+              <a:endCxn id="23" idx="0"/>
+            </p:cNvCxnSpPr>
+            <p:nvPr/>
+          </p:nvCxnSpPr>
+          <p:spPr bwMode="auto">
+            <a:xfrm>
+              <a:off x="7737689" y="4019391"/>
+              <a:ext cx="2" cy="312463"/>
+            </a:xfrm>
+            <a:prstGeom prst="straightConnector1">
+              <a:avLst/>
+            </a:prstGeom>
+            <a:solidFill>
+              <a:schemeClr val="accent1"/>
+            </a:solidFill>
+            <a:ln w="9525" cap="flat" cmpd="sng" algn="ctr">
+              <a:solidFill>
+                <a:schemeClr val="tx1"/>
+              </a:solidFill>
+              <a:prstDash val="solid"/>
+              <a:round/>
+              <a:headEnd type="none" w="med" len="med"/>
+              <a:tailEnd type="triangle"/>
+            </a:ln>
+            <a:effectLst/>
+          </p:spPr>
+        </p:cxnSp>
+        <p:cxnSp>
+          <p:nvCxnSpPr>
+            <p:cNvPr id="31" name="Gewinkelter Verbinder 49">
+              <a:extLst>
+                <a:ext uri="{FF2B5EF4-FFF2-40B4-BE49-F238E27FC236}">
+                  <a16:creationId xmlns:a16="http://schemas.microsoft.com/office/drawing/2014/main" id="{C04440E2-D34D-478E-A20E-CC7864F8BB21}"/>
+                </a:ext>
+              </a:extLst>
+            </p:cNvPr>
+            <p:cNvCxnSpPr>
+              <a:stCxn id="23" idx="1"/>
+              <a:endCxn id="21" idx="1"/>
+            </p:cNvCxnSpPr>
+            <p:nvPr/>
+          </p:nvCxnSpPr>
+          <p:spPr bwMode="auto">
+            <a:xfrm rot="10800000">
+              <a:off x="6959453" y="2447738"/>
+              <a:ext cx="3" cy="2073462"/>
+            </a:xfrm>
+            <a:prstGeom prst="bentConnector3">
+              <a:avLst>
+                <a:gd name="adj1" fmla="val 7620100000"/>
+              </a:avLst>
+            </a:prstGeom>
+            <a:solidFill>
+              <a:schemeClr val="accent1"/>
+            </a:solidFill>
+            <a:ln w="9525" cap="flat" cmpd="sng" algn="ctr">
+              <a:solidFill>
+                <a:schemeClr val="tx1"/>
+              </a:solidFill>
+              <a:prstDash val="solid"/>
+              <a:round/>
+              <a:headEnd type="none" w="med" len="med"/>
+              <a:tailEnd type="triangle"/>
+            </a:ln>
+            <a:effectLst/>
+          </p:spPr>
+        </p:cxnSp>
+      </p:grpSp>
+      <p:grpSp>
+        <p:nvGrpSpPr>
+          <p:cNvPr id="32" name="Gruppieren 31">
+            <a:extLst>
+              <a:ext uri="{FF2B5EF4-FFF2-40B4-BE49-F238E27FC236}">
+                <a16:creationId xmlns:a16="http://schemas.microsoft.com/office/drawing/2014/main" id="{25B534F8-A32D-4AD0-BB0C-8A8098D6BD56}"/>
+              </a:ext>
+            </a:extLst>
+          </p:cNvPr>
+          <p:cNvGrpSpPr/>
           <p:nvPr/>
-        </p:nvSpPr>
-        <p:spPr bwMode="auto">
+        </p:nvGrpSpPr>
+        <p:grpSpPr>
           <a:xfrm>
-            <a:off x="6959455" y="2949546"/>
-            <a:ext cx="1556471" cy="378691"/>
+            <a:off x="6955760" y="1565749"/>
+            <a:ext cx="1556474" cy="4349222"/>
+            <a:chOff x="6959452" y="1571795"/>
+            <a:chExt cx="1556474" cy="4349222"/>
           </a:xfrm>
-          <a:prstGeom prst="roundRect">
-            <a:avLst/>
-          </a:prstGeom>
-          <a:solidFill>
-            <a:schemeClr val="accent1"/>
-          </a:solidFill>
-          <a:ln w="9525" cap="flat" cmpd="sng" algn="ctr">
+        </p:grpSpPr>
+        <p:sp>
+          <p:nvSpPr>
+            <p:cNvPr id="33" name="Abgerundetes Rechteck 38">
+              <a:extLst>
+                <a:ext uri="{FF2B5EF4-FFF2-40B4-BE49-F238E27FC236}">
+                  <a16:creationId xmlns:a16="http://schemas.microsoft.com/office/drawing/2014/main" id="{F2CEA979-E745-4846-83CA-862457209EEE}"/>
+                </a:ext>
+              </a:extLst>
+            </p:cNvPr>
+            <p:cNvSpPr/>
+            <p:nvPr/>
+          </p:nvSpPr>
+          <p:spPr bwMode="auto">
+            <a:xfrm>
+              <a:off x="6959452" y="1571795"/>
+              <a:ext cx="1556471" cy="378691"/>
+            </a:xfrm>
+            <a:prstGeom prst="roundRect">
+              <a:avLst/>
+            </a:prstGeom>
             <a:solidFill>
-              <a:schemeClr val="tx1"/>
+              <a:schemeClr val="accent1"/>
             </a:solidFill>
-            <a:prstDash val="solid"/>
-            <a:round/>
-            <a:headEnd type="none" w="med" len="med"/>
-            <a:tailEnd type="none" w="med" len="med"/>
-          </a:ln>
-          <a:effectLst/>
-        </p:spPr>
-        <p:txBody>
-          <a:bodyPr vert="horz" wrap="square" lIns="91440" tIns="45720" rIns="91440" bIns="45720" numCol="1" rtlCol="0" anchor="ctr" anchorCtr="0" compatLnSpc="1">
-            <a:prstTxWarp prst="textNoShape">
+            <a:ln w="9525" cap="flat" cmpd="sng" algn="ctr">
+              <a:solidFill>
+                <a:schemeClr val="tx1"/>
+              </a:solidFill>
+              <a:prstDash val="solid"/>
+              <a:round/>
+              <a:headEnd type="none" w="med" len="med"/>
+              <a:tailEnd type="none" w="med" len="med"/>
+            </a:ln>
+            <a:effectLst/>
+          </p:spPr>
+          <p:txBody>
+            <a:bodyPr vert="horz" wrap="square" lIns="91440" tIns="45720" rIns="91440" bIns="45720" numCol="1" rtlCol="0" anchor="ctr" anchorCtr="0" compatLnSpc="1">
+              <a:prstTxWarp prst="textNoShape">
+                <a:avLst/>
+              </a:prstTxWarp>
+            </a:bodyPr>
+            <a:lstStyle/>
+            <a:p>
+              <a:pPr marL="0" marR="0" indent="0" algn="ctr" defTabSz="914400" rtl="0" eaLnBrk="0" fontAlgn="base" latinLnBrk="0" hangingPunct="0">
+                <a:lnSpc>
+                  <a:spcPct val="100000"/>
+                </a:lnSpc>
+                <a:spcBef>
+                  <a:spcPct val="0"/>
+                </a:spcBef>
+                <a:spcAft>
+                  <a:spcPct val="0"/>
+                </a:spcAft>
+                <a:buClrTx/>
+                <a:buSzTx/>
+                <a:buFontTx/>
+                <a:buNone/>
+                <a:tabLst/>
+              </a:pPr>
+              <a:r>
+                <a:rPr kumimoji="0" lang="de-DE" sz="1800" b="0" i="0" u="none" strike="noStrike" cap="none" normalizeH="0" baseline="0" dirty="0">
+                  <a:ln>
+                    <a:noFill/>
+                  </a:ln>
+                  <a:solidFill>
+                    <a:schemeClr val="bg1"/>
+                  </a:solidFill>
+                  <a:effectLst/>
+                  <a:latin typeface="+mn-lt"/>
+                  <a:ea typeface="ＭＳ Ｐゴシック" pitchFamily="1" charset="-128"/>
+                </a:rPr>
+                <a:t>Initialisierung </a:t>
+              </a:r>
+            </a:p>
+          </p:txBody>
+        </p:sp>
+        <p:sp>
+          <p:nvSpPr>
+            <p:cNvPr id="34" name="Abgerundetes Rechteck 39">
+              <a:extLst>
+                <a:ext uri="{FF2B5EF4-FFF2-40B4-BE49-F238E27FC236}">
+                  <a16:creationId xmlns:a16="http://schemas.microsoft.com/office/drawing/2014/main" id="{EF86589D-BB1D-456F-93DE-8F20CAF2AD61}"/>
+                </a:ext>
+              </a:extLst>
+            </p:cNvPr>
+            <p:cNvSpPr/>
+            <p:nvPr/>
+          </p:nvSpPr>
+          <p:spPr bwMode="auto">
+            <a:xfrm>
+              <a:off x="6959452" y="2258392"/>
+              <a:ext cx="1556471" cy="378691"/>
+            </a:xfrm>
+            <a:prstGeom prst="roundRect">
               <a:avLst/>
-            </a:prstTxWarp>
-          </a:bodyPr>
-          <a:lstStyle/>
-          <a:p>
-            <a:pPr marL="0" marR="0" indent="0" algn="ctr" defTabSz="914400" rtl="0" eaLnBrk="0" fontAlgn="base" latinLnBrk="0" hangingPunct="0">
-              <a:lnSpc>
-                <a:spcPct val="100000"/>
-              </a:lnSpc>
-              <a:spcBef>
-                <a:spcPct val="0"/>
-              </a:spcBef>
-              <a:spcAft>
-                <a:spcPct val="0"/>
-              </a:spcAft>
-              <a:buClrTx/>
-              <a:buSzTx/>
-              <a:buFontTx/>
-              <a:buNone/>
-              <a:tabLst/>
-            </a:pPr>
-            <a:r>
-              <a:rPr kumimoji="0" lang="de-DE" sz="1800" b="0" i="0" u="none" strike="noStrike" cap="none" normalizeH="0" baseline="0" dirty="0">
-                <a:ln>
-                  <a:noFill/>
-                </a:ln>
-                <a:solidFill>
-                  <a:schemeClr val="bg1"/>
-                </a:solidFill>
-                <a:effectLst/>
-                <a:latin typeface="+mn-lt"/>
-                <a:ea typeface="ＭＳ Ｐゴシック" pitchFamily="1" charset="-128"/>
-              </a:rPr>
-              <a:t>Mutieren </a:t>
-            </a:r>
-          </a:p>
-        </p:txBody>
-      </p:sp>
-      <p:sp>
-        <p:nvSpPr>
-          <p:cNvPr id="42" name="Abgerundetes Rechteck 41"/>
-          <p:cNvSpPr/>
+            </a:prstGeom>
+            <a:solidFill>
+              <a:schemeClr val="accent1"/>
+            </a:solidFill>
+            <a:ln w="9525" cap="flat" cmpd="sng" algn="ctr">
+              <a:solidFill>
+                <a:schemeClr val="tx1"/>
+              </a:solidFill>
+              <a:prstDash val="solid"/>
+              <a:round/>
+              <a:headEnd type="none" w="med" len="med"/>
+              <a:tailEnd type="none" w="med" len="med"/>
+            </a:ln>
+            <a:effectLst/>
+          </p:spPr>
+          <p:txBody>
+            <a:bodyPr vert="horz" wrap="square" lIns="91440" tIns="45720" rIns="91440" bIns="45720" numCol="1" rtlCol="0" anchor="ctr" anchorCtr="0" compatLnSpc="1">
+              <a:prstTxWarp prst="textNoShape">
+                <a:avLst/>
+              </a:prstTxWarp>
+            </a:bodyPr>
+            <a:lstStyle/>
+            <a:p>
+              <a:pPr marL="0" marR="0" indent="0" algn="ctr" defTabSz="914400" rtl="0" eaLnBrk="0" fontAlgn="base" latinLnBrk="0" hangingPunct="0">
+                <a:lnSpc>
+                  <a:spcPct val="100000"/>
+                </a:lnSpc>
+                <a:spcBef>
+                  <a:spcPct val="0"/>
+                </a:spcBef>
+                <a:spcAft>
+                  <a:spcPct val="0"/>
+                </a:spcAft>
+                <a:buClrTx/>
+                <a:buSzTx/>
+                <a:buFontTx/>
+                <a:buNone/>
+                <a:tabLst/>
+              </a:pPr>
+              <a:r>
+                <a:rPr kumimoji="0" lang="de-DE" sz="1800" b="0" i="0" u="none" strike="noStrike" cap="none" normalizeH="0" baseline="0" dirty="0">
+                  <a:ln>
+                    <a:noFill/>
+                  </a:ln>
+                  <a:solidFill>
+                    <a:schemeClr val="bg1"/>
+                  </a:solidFill>
+                  <a:effectLst/>
+                  <a:latin typeface="+mn-lt"/>
+                  <a:ea typeface="ＭＳ Ｐゴシック" pitchFamily="1" charset="-128"/>
+                </a:rPr>
+                <a:t>Crossover </a:t>
+              </a:r>
+            </a:p>
+          </p:txBody>
+        </p:sp>
+        <p:sp>
+          <p:nvSpPr>
+            <p:cNvPr id="35" name="Abgerundetes Rechteck 40">
+              <a:extLst>
+                <a:ext uri="{FF2B5EF4-FFF2-40B4-BE49-F238E27FC236}">
+                  <a16:creationId xmlns:a16="http://schemas.microsoft.com/office/drawing/2014/main" id="{07D5D6EF-BCC3-492D-BFC8-DACFBE61BE1D}"/>
+                </a:ext>
+              </a:extLst>
+            </p:cNvPr>
+            <p:cNvSpPr/>
+            <p:nvPr/>
+          </p:nvSpPr>
+          <p:spPr bwMode="auto">
+            <a:xfrm>
+              <a:off x="6959455" y="2949546"/>
+              <a:ext cx="1556471" cy="378691"/>
+            </a:xfrm>
+            <a:prstGeom prst="roundRect">
+              <a:avLst/>
+            </a:prstGeom>
+            <a:solidFill>
+              <a:schemeClr val="accent1"/>
+            </a:solidFill>
+            <a:ln w="9525" cap="flat" cmpd="sng" algn="ctr">
+              <a:solidFill>
+                <a:schemeClr val="tx1"/>
+              </a:solidFill>
+              <a:prstDash val="solid"/>
+              <a:round/>
+              <a:headEnd type="none" w="med" len="med"/>
+              <a:tailEnd type="none" w="med" len="med"/>
+            </a:ln>
+            <a:effectLst/>
+          </p:spPr>
+          <p:txBody>
+            <a:bodyPr vert="horz" wrap="square" lIns="91440" tIns="45720" rIns="91440" bIns="45720" numCol="1" rtlCol="0" anchor="ctr" anchorCtr="0" compatLnSpc="1">
+              <a:prstTxWarp prst="textNoShape">
+                <a:avLst/>
+              </a:prstTxWarp>
+            </a:bodyPr>
+            <a:lstStyle/>
+            <a:p>
+              <a:pPr marL="0" marR="0" indent="0" algn="ctr" defTabSz="914400" rtl="0" eaLnBrk="0" fontAlgn="base" latinLnBrk="0" hangingPunct="0">
+                <a:lnSpc>
+                  <a:spcPct val="100000"/>
+                </a:lnSpc>
+                <a:spcBef>
+                  <a:spcPct val="0"/>
+                </a:spcBef>
+                <a:spcAft>
+                  <a:spcPct val="0"/>
+                </a:spcAft>
+                <a:buClrTx/>
+                <a:buSzTx/>
+                <a:buFontTx/>
+                <a:buNone/>
+                <a:tabLst/>
+              </a:pPr>
+              <a:r>
+                <a:rPr kumimoji="0" lang="de-DE" sz="1800" b="0" i="0" u="none" strike="noStrike" cap="none" normalizeH="0" baseline="0" dirty="0">
+                  <a:ln>
+                    <a:noFill/>
+                  </a:ln>
+                  <a:solidFill>
+                    <a:schemeClr val="bg1"/>
+                  </a:solidFill>
+                  <a:effectLst/>
+                  <a:latin typeface="+mn-lt"/>
+                  <a:ea typeface="ＭＳ Ｐゴシック" pitchFamily="1" charset="-128"/>
+                </a:rPr>
+                <a:t>Mutieren </a:t>
+              </a:r>
+            </a:p>
+          </p:txBody>
+        </p:sp>
+        <p:sp>
+          <p:nvSpPr>
+            <p:cNvPr id="36" name="Abgerundetes Rechteck 41">
+              <a:extLst>
+                <a:ext uri="{FF2B5EF4-FFF2-40B4-BE49-F238E27FC236}">
+                  <a16:creationId xmlns:a16="http://schemas.microsoft.com/office/drawing/2014/main" id="{FC1E7281-B79D-4E19-9767-E8C9BF8CDAD9}"/>
+                </a:ext>
+              </a:extLst>
+            </p:cNvPr>
+            <p:cNvSpPr/>
+            <p:nvPr/>
+          </p:nvSpPr>
+          <p:spPr bwMode="auto">
+            <a:xfrm>
+              <a:off x="6959455" y="4331854"/>
+              <a:ext cx="1556471" cy="378691"/>
+            </a:xfrm>
+            <a:prstGeom prst="roundRect">
+              <a:avLst/>
+            </a:prstGeom>
+            <a:solidFill>
+              <a:schemeClr val="accent1">
+                <a:lumMod val="60000"/>
+                <a:lumOff val="40000"/>
+              </a:schemeClr>
+            </a:solidFill>
+            <a:ln w="9525" cap="flat" cmpd="sng" algn="ctr">
+              <a:solidFill>
+                <a:schemeClr val="tx1"/>
+              </a:solidFill>
+              <a:prstDash val="solid"/>
+              <a:round/>
+              <a:headEnd type="none" w="med" len="med"/>
+              <a:tailEnd type="none" w="med" len="med"/>
+            </a:ln>
+            <a:effectLst/>
+          </p:spPr>
+          <p:txBody>
+            <a:bodyPr vert="horz" wrap="square" lIns="91440" tIns="45720" rIns="91440" bIns="45720" numCol="1" rtlCol="0" anchor="ctr" anchorCtr="0" compatLnSpc="1">
+              <a:prstTxWarp prst="textNoShape">
+                <a:avLst/>
+              </a:prstTxWarp>
+            </a:bodyPr>
+            <a:lstStyle/>
+            <a:p>
+              <a:pPr marL="0" marR="0" indent="0" algn="ctr" defTabSz="914400" rtl="0" eaLnBrk="0" fontAlgn="base" latinLnBrk="0" hangingPunct="0">
+                <a:lnSpc>
+                  <a:spcPct val="100000"/>
+                </a:lnSpc>
+                <a:spcBef>
+                  <a:spcPct val="0"/>
+                </a:spcBef>
+                <a:spcAft>
+                  <a:spcPct val="0"/>
+                </a:spcAft>
+                <a:buClrTx/>
+                <a:buSzTx/>
+                <a:buFontTx/>
+                <a:buNone/>
+                <a:tabLst/>
+              </a:pPr>
+              <a:r>
+                <a:rPr kumimoji="0" lang="de-DE" sz="1800" b="0" i="0" u="none" strike="noStrike" cap="none" normalizeH="0" baseline="0" dirty="0">
+                  <a:ln>
+                    <a:noFill/>
+                  </a:ln>
+                  <a:solidFill>
+                    <a:schemeClr val="bg1"/>
+                  </a:solidFill>
+                  <a:effectLst/>
+                  <a:latin typeface="+mn-lt"/>
+                  <a:ea typeface="ＭＳ Ｐゴシック" pitchFamily="1" charset="-128"/>
+                </a:rPr>
+                <a:t>Bewerten </a:t>
+              </a:r>
+            </a:p>
+          </p:txBody>
+        </p:sp>
+        <p:sp>
+          <p:nvSpPr>
+            <p:cNvPr id="37" name="Abgerundetes Rechteck 42">
+              <a:extLst>
+                <a:ext uri="{FF2B5EF4-FFF2-40B4-BE49-F238E27FC236}">
+                  <a16:creationId xmlns:a16="http://schemas.microsoft.com/office/drawing/2014/main" id="{7EA275BB-F094-4CEE-B191-26CF9A670C4B}"/>
+                </a:ext>
+              </a:extLst>
+            </p:cNvPr>
+            <p:cNvSpPr/>
+            <p:nvPr/>
+          </p:nvSpPr>
+          <p:spPr bwMode="auto">
+            <a:xfrm>
+              <a:off x="6959452" y="5023008"/>
+              <a:ext cx="1556471" cy="898009"/>
+            </a:xfrm>
+            <a:prstGeom prst="roundRect">
+              <a:avLst>
+                <a:gd name="adj" fmla="val 0"/>
+              </a:avLst>
+            </a:prstGeom>
+            <a:solidFill>
+              <a:schemeClr val="accent2"/>
+            </a:solidFill>
+            <a:ln w="9525" cap="flat" cmpd="sng" algn="ctr">
+              <a:solidFill>
+                <a:schemeClr val="tx1"/>
+              </a:solidFill>
+              <a:prstDash val="solid"/>
+              <a:round/>
+              <a:headEnd type="none" w="med" len="med"/>
+              <a:tailEnd type="none" w="med" len="med"/>
+            </a:ln>
+            <a:effectLst/>
+          </p:spPr>
+          <p:txBody>
+            <a:bodyPr vert="horz" wrap="square" lIns="91440" tIns="45720" rIns="91440" bIns="45720" numCol="1" rtlCol="0" anchor="ctr" anchorCtr="0" compatLnSpc="1">
+              <a:prstTxWarp prst="textNoShape">
+                <a:avLst/>
+              </a:prstTxWarp>
+            </a:bodyPr>
+            <a:lstStyle/>
+            <a:p>
+              <a:pPr marL="0" marR="0" indent="0" algn="ctr" defTabSz="914400" rtl="0" eaLnBrk="0" fontAlgn="base" latinLnBrk="0" hangingPunct="0">
+                <a:lnSpc>
+                  <a:spcPct val="100000"/>
+                </a:lnSpc>
+                <a:spcBef>
+                  <a:spcPct val="0"/>
+                </a:spcBef>
+                <a:spcAft>
+                  <a:spcPct val="0"/>
+                </a:spcAft>
+                <a:buClrTx/>
+                <a:buSzTx/>
+                <a:buFontTx/>
+                <a:buNone/>
+                <a:tabLst/>
+              </a:pPr>
+              <a:r>
+                <a:rPr lang="de-DE" sz="1800" dirty="0">
+                  <a:solidFill>
+                    <a:schemeClr val="bg1"/>
+                  </a:solidFill>
+                  <a:latin typeface="+mn-lt"/>
+                  <a:ea typeface="ＭＳ Ｐゴシック" pitchFamily="1" charset="-128"/>
+                </a:rPr>
+                <a:t> optimiertes Register- Mapping</a:t>
+              </a:r>
+              <a:r>
+                <a:rPr kumimoji="0" lang="de-DE" sz="1800" b="0" i="0" u="none" strike="noStrike" cap="none" normalizeH="0" baseline="0" dirty="0">
+                  <a:ln>
+                    <a:noFill/>
+                  </a:ln>
+                  <a:solidFill>
+                    <a:schemeClr val="bg1"/>
+                  </a:solidFill>
+                  <a:effectLst/>
+                  <a:latin typeface="+mn-lt"/>
+                  <a:ea typeface="ＭＳ Ｐゴシック" pitchFamily="1" charset="-128"/>
+                </a:rPr>
+                <a:t> </a:t>
+              </a:r>
+            </a:p>
+          </p:txBody>
+        </p:sp>
+        <p:cxnSp>
+          <p:nvCxnSpPr>
+            <p:cNvPr id="38" name="Gerade Verbindung mit Pfeil 37">
+              <a:extLst>
+                <a:ext uri="{FF2B5EF4-FFF2-40B4-BE49-F238E27FC236}">
+                  <a16:creationId xmlns:a16="http://schemas.microsoft.com/office/drawing/2014/main" id="{19A8AFFB-4A31-4E42-8C7B-4EFC1780A4DB}"/>
+                </a:ext>
+              </a:extLst>
+            </p:cNvPr>
+            <p:cNvCxnSpPr>
+              <a:cxnSpLocks/>
+              <a:stCxn id="36" idx="2"/>
+              <a:endCxn id="37" idx="0"/>
+            </p:cNvCxnSpPr>
+            <p:nvPr/>
+          </p:nvCxnSpPr>
+          <p:spPr bwMode="auto">
+            <a:xfrm flipH="1">
+              <a:off x="7737688" y="4710545"/>
+              <a:ext cx="3" cy="312463"/>
+            </a:xfrm>
+            <a:prstGeom prst="straightConnector1">
+              <a:avLst/>
+            </a:prstGeom>
+            <a:solidFill>
+              <a:schemeClr val="accent1"/>
+            </a:solidFill>
+            <a:ln w="9525" cap="flat" cmpd="sng" algn="ctr">
+              <a:solidFill>
+                <a:schemeClr val="tx1"/>
+              </a:solidFill>
+              <a:prstDash val="solid"/>
+              <a:round/>
+              <a:headEnd type="none" w="med" len="med"/>
+              <a:tailEnd type="triangle"/>
+            </a:ln>
+            <a:effectLst/>
+          </p:spPr>
+        </p:cxnSp>
+        <p:cxnSp>
+          <p:nvCxnSpPr>
+            <p:cNvPr id="51" name="Gerade Verbindung mit Pfeil 50">
+              <a:extLst>
+                <a:ext uri="{FF2B5EF4-FFF2-40B4-BE49-F238E27FC236}">
+                  <a16:creationId xmlns:a16="http://schemas.microsoft.com/office/drawing/2014/main" id="{A9B1F195-4AF0-48BE-88B5-6CFA64667661}"/>
+                </a:ext>
+              </a:extLst>
+            </p:cNvPr>
+            <p:cNvCxnSpPr>
+              <a:stCxn id="33" idx="2"/>
+              <a:endCxn id="34" idx="0"/>
+            </p:cNvCxnSpPr>
+            <p:nvPr/>
+          </p:nvCxnSpPr>
+          <p:spPr bwMode="auto">
+            <a:xfrm>
+              <a:off x="7737688" y="1950486"/>
+              <a:ext cx="0" cy="307906"/>
+            </a:xfrm>
+            <a:prstGeom prst="straightConnector1">
+              <a:avLst/>
+            </a:prstGeom>
+            <a:solidFill>
+              <a:schemeClr val="accent1"/>
+            </a:solidFill>
+            <a:ln w="9525" cap="flat" cmpd="sng" algn="ctr">
+              <a:solidFill>
+                <a:schemeClr val="tx1"/>
+              </a:solidFill>
+              <a:prstDash val="solid"/>
+              <a:round/>
+              <a:headEnd type="none" w="med" len="med"/>
+              <a:tailEnd type="triangle"/>
+            </a:ln>
+            <a:effectLst/>
+          </p:spPr>
+        </p:cxnSp>
+        <p:cxnSp>
+          <p:nvCxnSpPr>
+            <p:cNvPr id="52" name="Gerade Verbindung mit Pfeil 51">
+              <a:extLst>
+                <a:ext uri="{FF2B5EF4-FFF2-40B4-BE49-F238E27FC236}">
+                  <a16:creationId xmlns:a16="http://schemas.microsoft.com/office/drawing/2014/main" id="{78867B28-F953-4894-B1ED-6A136BA0F5DF}"/>
+                </a:ext>
+              </a:extLst>
+            </p:cNvPr>
+            <p:cNvCxnSpPr>
+              <a:stCxn id="34" idx="2"/>
+              <a:endCxn id="35" idx="0"/>
+            </p:cNvCxnSpPr>
+            <p:nvPr/>
+          </p:nvCxnSpPr>
+          <p:spPr bwMode="auto">
+            <a:xfrm>
+              <a:off x="7737688" y="2637083"/>
+              <a:ext cx="3" cy="312463"/>
+            </a:xfrm>
+            <a:prstGeom prst="straightConnector1">
+              <a:avLst/>
+            </a:prstGeom>
+            <a:solidFill>
+              <a:schemeClr val="accent1"/>
+            </a:solidFill>
+            <a:ln w="9525" cap="flat" cmpd="sng" algn="ctr">
+              <a:solidFill>
+                <a:schemeClr val="tx1"/>
+              </a:solidFill>
+              <a:prstDash val="solid"/>
+              <a:round/>
+              <a:headEnd type="none" w="med" len="med"/>
+              <a:tailEnd type="triangle"/>
+            </a:ln>
+            <a:effectLst/>
+          </p:spPr>
+        </p:cxnSp>
+        <p:sp>
+          <p:nvSpPr>
+            <p:cNvPr id="53" name="Abgerundetes Rechteck 46">
+              <a:extLst>
+                <a:ext uri="{FF2B5EF4-FFF2-40B4-BE49-F238E27FC236}">
+                  <a16:creationId xmlns:a16="http://schemas.microsoft.com/office/drawing/2014/main" id="{ACF35E51-EBEA-4CDB-9B1C-787544A89639}"/>
+                </a:ext>
+              </a:extLst>
+            </p:cNvPr>
+            <p:cNvSpPr/>
+            <p:nvPr/>
+          </p:nvSpPr>
+          <p:spPr bwMode="auto">
+            <a:xfrm>
+              <a:off x="6959453" y="3640700"/>
+              <a:ext cx="1556471" cy="378691"/>
+            </a:xfrm>
+            <a:prstGeom prst="roundRect">
+              <a:avLst/>
+            </a:prstGeom>
+            <a:solidFill>
+              <a:schemeClr val="accent1"/>
+            </a:solidFill>
+            <a:ln w="9525" cap="flat" cmpd="sng" algn="ctr">
+              <a:solidFill>
+                <a:schemeClr val="tx1"/>
+              </a:solidFill>
+              <a:prstDash val="solid"/>
+              <a:round/>
+              <a:headEnd type="none" w="med" len="med"/>
+              <a:tailEnd type="none" w="med" len="med"/>
+            </a:ln>
+            <a:effectLst/>
+          </p:spPr>
+          <p:txBody>
+            <a:bodyPr vert="horz" wrap="square" lIns="91440" tIns="45720" rIns="91440" bIns="45720" numCol="1" rtlCol="0" anchor="ctr" anchorCtr="0" compatLnSpc="1">
+              <a:prstTxWarp prst="textNoShape">
+                <a:avLst/>
+              </a:prstTxWarp>
+            </a:bodyPr>
+            <a:lstStyle/>
+            <a:p>
+              <a:pPr marL="0" marR="0" indent="0" algn="ctr" defTabSz="914400" rtl="0" eaLnBrk="0" fontAlgn="base" latinLnBrk="0" hangingPunct="0">
+                <a:lnSpc>
+                  <a:spcPct val="100000"/>
+                </a:lnSpc>
+                <a:spcBef>
+                  <a:spcPct val="0"/>
+                </a:spcBef>
+                <a:spcAft>
+                  <a:spcPct val="0"/>
+                </a:spcAft>
+                <a:buClrTx/>
+                <a:buSzTx/>
+                <a:buFontTx/>
+                <a:buNone/>
+                <a:tabLst/>
+              </a:pPr>
+              <a:r>
+                <a:rPr kumimoji="0" lang="de-DE" sz="1800" b="0" i="0" u="none" strike="noStrike" cap="none" normalizeH="0" baseline="0" dirty="0">
+                  <a:ln>
+                    <a:noFill/>
+                  </a:ln>
+                  <a:solidFill>
+                    <a:schemeClr val="bg1"/>
+                  </a:solidFill>
+                  <a:effectLst/>
+                  <a:latin typeface="+mn-lt"/>
+                  <a:ea typeface="ＭＳ Ｐゴシック" pitchFamily="1" charset="-128"/>
+                </a:rPr>
+                <a:t>Erzeugen </a:t>
+              </a:r>
+            </a:p>
+          </p:txBody>
+        </p:sp>
+        <p:cxnSp>
+          <p:nvCxnSpPr>
+            <p:cNvPr id="54" name="Gerade Verbindung mit Pfeil 53">
+              <a:extLst>
+                <a:ext uri="{FF2B5EF4-FFF2-40B4-BE49-F238E27FC236}">
+                  <a16:creationId xmlns:a16="http://schemas.microsoft.com/office/drawing/2014/main" id="{C9545AAD-D2B4-428F-AE7E-308966119F25}"/>
+                </a:ext>
+              </a:extLst>
+            </p:cNvPr>
+            <p:cNvCxnSpPr>
+              <a:stCxn id="35" idx="2"/>
+              <a:endCxn id="53" idx="0"/>
+            </p:cNvCxnSpPr>
+            <p:nvPr/>
+          </p:nvCxnSpPr>
+          <p:spPr bwMode="auto">
+            <a:xfrm flipH="1">
+              <a:off x="7737689" y="3328237"/>
+              <a:ext cx="2" cy="312463"/>
+            </a:xfrm>
+            <a:prstGeom prst="straightConnector1">
+              <a:avLst/>
+            </a:prstGeom>
+            <a:solidFill>
+              <a:schemeClr val="accent1"/>
+            </a:solidFill>
+            <a:ln w="9525" cap="flat" cmpd="sng" algn="ctr">
+              <a:solidFill>
+                <a:schemeClr val="tx1"/>
+              </a:solidFill>
+              <a:prstDash val="solid"/>
+              <a:round/>
+              <a:headEnd type="none" w="med" len="med"/>
+              <a:tailEnd type="triangle"/>
+            </a:ln>
+            <a:effectLst/>
+          </p:spPr>
+        </p:cxnSp>
+        <p:cxnSp>
+          <p:nvCxnSpPr>
+            <p:cNvPr id="55" name="Gerade Verbindung mit Pfeil 54">
+              <a:extLst>
+                <a:ext uri="{FF2B5EF4-FFF2-40B4-BE49-F238E27FC236}">
+                  <a16:creationId xmlns:a16="http://schemas.microsoft.com/office/drawing/2014/main" id="{892A7DCD-5D7E-4298-A126-E8C98B5862A4}"/>
+                </a:ext>
+              </a:extLst>
+            </p:cNvPr>
+            <p:cNvCxnSpPr>
+              <a:stCxn id="53" idx="2"/>
+              <a:endCxn id="36" idx="0"/>
+            </p:cNvCxnSpPr>
+            <p:nvPr/>
+          </p:nvCxnSpPr>
+          <p:spPr bwMode="auto">
+            <a:xfrm>
+              <a:off x="7737689" y="4019391"/>
+              <a:ext cx="2" cy="312463"/>
+            </a:xfrm>
+            <a:prstGeom prst="straightConnector1">
+              <a:avLst/>
+            </a:prstGeom>
+            <a:solidFill>
+              <a:schemeClr val="accent1"/>
+            </a:solidFill>
+            <a:ln w="9525" cap="flat" cmpd="sng" algn="ctr">
+              <a:solidFill>
+                <a:schemeClr val="tx1"/>
+              </a:solidFill>
+              <a:prstDash val="solid"/>
+              <a:round/>
+              <a:headEnd type="none" w="med" len="med"/>
+              <a:tailEnd type="triangle"/>
+            </a:ln>
+            <a:effectLst/>
+          </p:spPr>
+        </p:cxnSp>
+        <p:cxnSp>
+          <p:nvCxnSpPr>
+            <p:cNvPr id="56" name="Gewinkelter Verbinder 49">
+              <a:extLst>
+                <a:ext uri="{FF2B5EF4-FFF2-40B4-BE49-F238E27FC236}">
+                  <a16:creationId xmlns:a16="http://schemas.microsoft.com/office/drawing/2014/main" id="{F00E748F-2369-4938-BA33-8293DC37F496}"/>
+                </a:ext>
+              </a:extLst>
+            </p:cNvPr>
+            <p:cNvCxnSpPr>
+              <a:stCxn id="36" idx="1"/>
+              <a:endCxn id="34" idx="1"/>
+            </p:cNvCxnSpPr>
+            <p:nvPr/>
+          </p:nvCxnSpPr>
+          <p:spPr bwMode="auto">
+            <a:xfrm rot="10800000">
+              <a:off x="6959453" y="2447738"/>
+              <a:ext cx="3" cy="2073462"/>
+            </a:xfrm>
+            <a:prstGeom prst="bentConnector3">
+              <a:avLst>
+                <a:gd name="adj1" fmla="val 7620100000"/>
+              </a:avLst>
+            </a:prstGeom>
+            <a:solidFill>
+              <a:schemeClr val="accent1"/>
+            </a:solidFill>
+            <a:ln w="9525" cap="flat" cmpd="sng" algn="ctr">
+              <a:solidFill>
+                <a:schemeClr val="tx1"/>
+              </a:solidFill>
+              <a:prstDash val="solid"/>
+              <a:round/>
+              <a:headEnd type="none" w="med" len="med"/>
+              <a:tailEnd type="triangle"/>
+            </a:ln>
+            <a:effectLst/>
+          </p:spPr>
+        </p:cxnSp>
+      </p:grpSp>
+      <p:grpSp>
+        <p:nvGrpSpPr>
+          <p:cNvPr id="57" name="Gruppieren 56">
+            <a:extLst>
+              <a:ext uri="{FF2B5EF4-FFF2-40B4-BE49-F238E27FC236}">
+                <a16:creationId xmlns:a16="http://schemas.microsoft.com/office/drawing/2014/main" id="{9B63E9F6-C6BE-4E28-AB6B-DFFD3FE98D52}"/>
+              </a:ext>
+            </a:extLst>
+          </p:cNvPr>
+          <p:cNvGrpSpPr/>
           <p:nvPr/>
-        </p:nvSpPr>
-        <p:spPr bwMode="auto">
+        </p:nvGrpSpPr>
+        <p:grpSpPr>
           <a:xfrm>
-            <a:off x="6959455" y="4331854"/>
-            <a:ext cx="1556471" cy="378691"/>
+            <a:off x="6952642" y="1565749"/>
+            <a:ext cx="1556474" cy="4349222"/>
+            <a:chOff x="6959452" y="1571795"/>
+            <a:chExt cx="1556474" cy="4349222"/>
           </a:xfrm>
-          <a:prstGeom prst="roundRect">
-            <a:avLst/>
-          </a:prstGeom>
-          <a:solidFill>
-            <a:schemeClr val="accent1"/>
-          </a:solidFill>
-          <a:ln w="9525" cap="flat" cmpd="sng" algn="ctr">
+        </p:grpSpPr>
+        <p:sp>
+          <p:nvSpPr>
+            <p:cNvPr id="58" name="Abgerundetes Rechteck 38">
+              <a:extLst>
+                <a:ext uri="{FF2B5EF4-FFF2-40B4-BE49-F238E27FC236}">
+                  <a16:creationId xmlns:a16="http://schemas.microsoft.com/office/drawing/2014/main" id="{D5F891F8-B400-414C-8B84-AA2FDC85BC8C}"/>
+                </a:ext>
+              </a:extLst>
+            </p:cNvPr>
+            <p:cNvSpPr/>
+            <p:nvPr/>
+          </p:nvSpPr>
+          <p:spPr bwMode="auto">
+            <a:xfrm>
+              <a:off x="6959452" y="1571795"/>
+              <a:ext cx="1556471" cy="378691"/>
+            </a:xfrm>
+            <a:prstGeom prst="roundRect">
+              <a:avLst/>
+            </a:prstGeom>
             <a:solidFill>
-              <a:schemeClr val="tx1"/>
+              <a:schemeClr val="accent1"/>
             </a:solidFill>
-            <a:prstDash val="solid"/>
-            <a:round/>
-            <a:headEnd type="none" w="med" len="med"/>
-            <a:tailEnd type="none" w="med" len="med"/>
-          </a:ln>
-          <a:effectLst/>
-        </p:spPr>
-        <p:txBody>
-          <a:bodyPr vert="horz" wrap="square" lIns="91440" tIns="45720" rIns="91440" bIns="45720" numCol="1" rtlCol="0" anchor="ctr" anchorCtr="0" compatLnSpc="1">
-            <a:prstTxWarp prst="textNoShape">
+            <a:ln w="9525" cap="flat" cmpd="sng" algn="ctr">
+              <a:solidFill>
+                <a:schemeClr val="tx1"/>
+              </a:solidFill>
+              <a:prstDash val="solid"/>
+              <a:round/>
+              <a:headEnd type="none" w="med" len="med"/>
+              <a:tailEnd type="none" w="med" len="med"/>
+            </a:ln>
+            <a:effectLst/>
+          </p:spPr>
+          <p:txBody>
+            <a:bodyPr vert="horz" wrap="square" lIns="91440" tIns="45720" rIns="91440" bIns="45720" numCol="1" rtlCol="0" anchor="ctr" anchorCtr="0" compatLnSpc="1">
+              <a:prstTxWarp prst="textNoShape">
+                <a:avLst/>
+              </a:prstTxWarp>
+            </a:bodyPr>
+            <a:lstStyle/>
+            <a:p>
+              <a:pPr marL="0" marR="0" indent="0" algn="ctr" defTabSz="914400" rtl="0" eaLnBrk="0" fontAlgn="base" latinLnBrk="0" hangingPunct="0">
+                <a:lnSpc>
+                  <a:spcPct val="100000"/>
+                </a:lnSpc>
+                <a:spcBef>
+                  <a:spcPct val="0"/>
+                </a:spcBef>
+                <a:spcAft>
+                  <a:spcPct val="0"/>
+                </a:spcAft>
+                <a:buClrTx/>
+                <a:buSzTx/>
+                <a:buFontTx/>
+                <a:buNone/>
+                <a:tabLst/>
+              </a:pPr>
+              <a:r>
+                <a:rPr kumimoji="0" lang="de-DE" sz="1800" b="0" i="0" u="none" strike="noStrike" cap="none" normalizeH="0" baseline="0" dirty="0">
+                  <a:ln>
+                    <a:noFill/>
+                  </a:ln>
+                  <a:solidFill>
+                    <a:schemeClr val="bg1"/>
+                  </a:solidFill>
+                  <a:effectLst/>
+                  <a:latin typeface="+mn-lt"/>
+                  <a:ea typeface="ＭＳ Ｐゴシック" pitchFamily="1" charset="-128"/>
+                </a:rPr>
+                <a:t>Initialisierung </a:t>
+              </a:r>
+            </a:p>
+          </p:txBody>
+        </p:sp>
+        <p:sp>
+          <p:nvSpPr>
+            <p:cNvPr id="59" name="Abgerundetes Rechteck 39">
+              <a:extLst>
+                <a:ext uri="{FF2B5EF4-FFF2-40B4-BE49-F238E27FC236}">
+                  <a16:creationId xmlns:a16="http://schemas.microsoft.com/office/drawing/2014/main" id="{A97DB469-EAD5-4443-AD6B-EB28900616A9}"/>
+                </a:ext>
+              </a:extLst>
+            </p:cNvPr>
+            <p:cNvSpPr/>
+            <p:nvPr/>
+          </p:nvSpPr>
+          <p:spPr bwMode="auto">
+            <a:xfrm>
+              <a:off x="6959452" y="2258392"/>
+              <a:ext cx="1556471" cy="378691"/>
+            </a:xfrm>
+            <a:prstGeom prst="roundRect">
               <a:avLst/>
-            </a:prstTxWarp>
-          </a:bodyPr>
-          <a:lstStyle/>
-          <a:p>
-            <a:pPr marL="0" marR="0" indent="0" algn="ctr" defTabSz="914400" rtl="0" eaLnBrk="0" fontAlgn="base" latinLnBrk="0" hangingPunct="0">
-              <a:lnSpc>
-                <a:spcPct val="100000"/>
-              </a:lnSpc>
-              <a:spcBef>
-                <a:spcPct val="0"/>
-              </a:spcBef>
-              <a:spcAft>
-                <a:spcPct val="0"/>
-              </a:spcAft>
-              <a:buClrTx/>
-              <a:buSzTx/>
-              <a:buFontTx/>
-              <a:buNone/>
-              <a:tabLst/>
-            </a:pPr>
-            <a:r>
-              <a:rPr kumimoji="0" lang="de-DE" sz="1800" b="0" i="0" u="none" strike="noStrike" cap="none" normalizeH="0" baseline="0" dirty="0">
-                <a:ln>
-                  <a:noFill/>
-                </a:ln>
-                <a:solidFill>
-                  <a:schemeClr val="bg1"/>
-                </a:solidFill>
-                <a:effectLst/>
-                <a:latin typeface="+mn-lt"/>
-                <a:ea typeface="ＭＳ Ｐゴシック" pitchFamily="1" charset="-128"/>
-              </a:rPr>
-              <a:t>Bewerten </a:t>
-            </a:r>
-          </a:p>
-        </p:txBody>
-      </p:sp>
-      <p:sp>
-        <p:nvSpPr>
-          <p:cNvPr id="43" name="Abgerundetes Rechteck 42"/>
-          <p:cNvSpPr/>
-          <p:nvPr/>
-        </p:nvSpPr>
-        <p:spPr bwMode="auto">
-          <a:xfrm>
-            <a:off x="6959452" y="5023008"/>
-            <a:ext cx="1556471" cy="898009"/>
-          </a:xfrm>
-          <a:prstGeom prst="roundRect">
-            <a:avLst>
-              <a:gd name="adj" fmla="val 0"/>
-            </a:avLst>
-          </a:prstGeom>
-          <a:solidFill>
-            <a:schemeClr val="accent2"/>
-          </a:solidFill>
-          <a:ln w="9525" cap="flat" cmpd="sng" algn="ctr">
+            </a:prstGeom>
             <a:solidFill>
-              <a:schemeClr val="tx1"/>
+              <a:schemeClr val="accent1"/>
             </a:solidFill>
-            <a:prstDash val="solid"/>
-            <a:round/>
-            <a:headEnd type="none" w="med" len="med"/>
-            <a:tailEnd type="none" w="med" len="med"/>
-          </a:ln>
-          <a:effectLst/>
-        </p:spPr>
-        <p:txBody>
-          <a:bodyPr vert="horz" wrap="square" lIns="91440" tIns="45720" rIns="91440" bIns="45720" numCol="1" rtlCol="0" anchor="ctr" anchorCtr="0" compatLnSpc="1">
-            <a:prstTxWarp prst="textNoShape">
+            <a:ln w="9525" cap="flat" cmpd="sng" algn="ctr">
+              <a:solidFill>
+                <a:schemeClr val="tx1"/>
+              </a:solidFill>
+              <a:prstDash val="solid"/>
+              <a:round/>
+              <a:headEnd type="none" w="med" len="med"/>
+              <a:tailEnd type="none" w="med" len="med"/>
+            </a:ln>
+            <a:effectLst/>
+          </p:spPr>
+          <p:txBody>
+            <a:bodyPr vert="horz" wrap="square" lIns="91440" tIns="45720" rIns="91440" bIns="45720" numCol="1" rtlCol="0" anchor="ctr" anchorCtr="0" compatLnSpc="1">
+              <a:prstTxWarp prst="textNoShape">
+                <a:avLst/>
+              </a:prstTxWarp>
+            </a:bodyPr>
+            <a:lstStyle/>
+            <a:p>
+              <a:pPr marL="0" marR="0" indent="0" algn="ctr" defTabSz="914400" rtl="0" eaLnBrk="0" fontAlgn="base" latinLnBrk="0" hangingPunct="0">
+                <a:lnSpc>
+                  <a:spcPct val="100000"/>
+                </a:lnSpc>
+                <a:spcBef>
+                  <a:spcPct val="0"/>
+                </a:spcBef>
+                <a:spcAft>
+                  <a:spcPct val="0"/>
+                </a:spcAft>
+                <a:buClrTx/>
+                <a:buSzTx/>
+                <a:buFontTx/>
+                <a:buNone/>
+                <a:tabLst/>
+              </a:pPr>
+              <a:r>
+                <a:rPr kumimoji="0" lang="de-DE" sz="1800" b="0" i="0" u="none" strike="noStrike" cap="none" normalizeH="0" baseline="0" dirty="0">
+                  <a:ln>
+                    <a:noFill/>
+                  </a:ln>
+                  <a:solidFill>
+                    <a:schemeClr val="bg1"/>
+                  </a:solidFill>
+                  <a:effectLst/>
+                  <a:latin typeface="+mn-lt"/>
+                  <a:ea typeface="ＭＳ Ｐゴシック" pitchFamily="1" charset="-128"/>
+                </a:rPr>
+                <a:t>Crossover </a:t>
+              </a:r>
+            </a:p>
+          </p:txBody>
+        </p:sp>
+        <p:sp>
+          <p:nvSpPr>
+            <p:cNvPr id="60" name="Abgerundetes Rechteck 40">
+              <a:extLst>
+                <a:ext uri="{FF2B5EF4-FFF2-40B4-BE49-F238E27FC236}">
+                  <a16:creationId xmlns:a16="http://schemas.microsoft.com/office/drawing/2014/main" id="{243C8466-2F33-44E6-82DE-825FA37669BD}"/>
+                </a:ext>
+              </a:extLst>
+            </p:cNvPr>
+            <p:cNvSpPr/>
+            <p:nvPr/>
+          </p:nvSpPr>
+          <p:spPr bwMode="auto">
+            <a:xfrm>
+              <a:off x="6959455" y="2949546"/>
+              <a:ext cx="1556471" cy="378691"/>
+            </a:xfrm>
+            <a:prstGeom prst="roundRect">
               <a:avLst/>
-            </a:prstTxWarp>
-          </a:bodyPr>
-          <a:lstStyle/>
-          <a:p>
-            <a:pPr marL="0" marR="0" indent="0" algn="ctr" defTabSz="914400" rtl="0" eaLnBrk="0" fontAlgn="base" latinLnBrk="0" hangingPunct="0">
-              <a:lnSpc>
-                <a:spcPct val="100000"/>
-              </a:lnSpc>
-              <a:spcBef>
-                <a:spcPct val="0"/>
-              </a:spcBef>
-              <a:spcAft>
-                <a:spcPct val="0"/>
-              </a:spcAft>
-              <a:buClrTx/>
-              <a:buSzTx/>
-              <a:buFontTx/>
-              <a:buNone/>
-              <a:tabLst/>
-            </a:pPr>
-            <a:r>
-              <a:rPr lang="de-DE" sz="1800" dirty="0">
-                <a:solidFill>
-                  <a:schemeClr val="bg1"/>
-                </a:solidFill>
-                <a:latin typeface="+mn-lt"/>
-                <a:ea typeface="ＭＳ Ｐゴシック" pitchFamily="1" charset="-128"/>
-              </a:rPr>
-              <a:t> optimiertes Register- Mapping</a:t>
-            </a:r>
-            <a:r>
-              <a:rPr kumimoji="0" lang="de-DE" sz="1800" b="0" i="0" u="none" strike="noStrike" cap="none" normalizeH="0" baseline="0" dirty="0">
-                <a:ln>
-                  <a:noFill/>
-                </a:ln>
-                <a:solidFill>
-                  <a:schemeClr val="bg1"/>
-                </a:solidFill>
-                <a:effectLst/>
-                <a:latin typeface="+mn-lt"/>
-                <a:ea typeface="ＭＳ Ｐゴシック" pitchFamily="1" charset="-128"/>
-              </a:rPr>
-              <a:t> </a:t>
-            </a:r>
-          </a:p>
-        </p:txBody>
-      </p:sp>
-      <p:cxnSp>
-        <p:nvCxnSpPr>
-          <p:cNvPr id="44" name="Gerade Verbindung mit Pfeil 43"/>
-          <p:cNvCxnSpPr>
-            <a:cxnSpLocks/>
-            <a:stCxn id="42" idx="2"/>
-            <a:endCxn id="43" idx="0"/>
-          </p:cNvCxnSpPr>
-          <p:nvPr/>
-        </p:nvCxnSpPr>
-        <p:spPr bwMode="auto">
-          <a:xfrm flipH="1">
-            <a:off x="7737688" y="4710545"/>
-            <a:ext cx="3" cy="312463"/>
-          </a:xfrm>
-          <a:prstGeom prst="straightConnector1">
-            <a:avLst/>
-          </a:prstGeom>
-          <a:solidFill>
-            <a:schemeClr val="accent1"/>
-          </a:solidFill>
-          <a:ln w="9525" cap="flat" cmpd="sng" algn="ctr">
+            </a:prstGeom>
             <a:solidFill>
-              <a:schemeClr val="tx1"/>
+              <a:schemeClr val="accent1"/>
             </a:solidFill>
-            <a:prstDash val="solid"/>
-            <a:round/>
-            <a:headEnd type="none" w="med" len="med"/>
-            <a:tailEnd type="triangle"/>
-          </a:ln>
-          <a:effectLst/>
-        </p:spPr>
-      </p:cxnSp>
-      <p:cxnSp>
-        <p:nvCxnSpPr>
-          <p:cNvPr id="45" name="Gerade Verbindung mit Pfeil 44"/>
-          <p:cNvCxnSpPr>
-            <a:stCxn id="39" idx="2"/>
-            <a:endCxn id="40" idx="0"/>
-          </p:cNvCxnSpPr>
-          <p:nvPr/>
-        </p:nvCxnSpPr>
-        <p:spPr bwMode="auto">
-          <a:xfrm>
-            <a:off x="7737688" y="1950486"/>
-            <a:ext cx="0" cy="307906"/>
-          </a:xfrm>
-          <a:prstGeom prst="straightConnector1">
-            <a:avLst/>
-          </a:prstGeom>
-          <a:solidFill>
-            <a:schemeClr val="accent1"/>
-          </a:solidFill>
-          <a:ln w="9525" cap="flat" cmpd="sng" algn="ctr">
+            <a:ln w="9525" cap="flat" cmpd="sng" algn="ctr">
+              <a:solidFill>
+                <a:schemeClr val="tx1"/>
+              </a:solidFill>
+              <a:prstDash val="solid"/>
+              <a:round/>
+              <a:headEnd type="none" w="med" len="med"/>
+              <a:tailEnd type="none" w="med" len="med"/>
+            </a:ln>
+            <a:effectLst/>
+          </p:spPr>
+          <p:txBody>
+            <a:bodyPr vert="horz" wrap="square" lIns="91440" tIns="45720" rIns="91440" bIns="45720" numCol="1" rtlCol="0" anchor="ctr" anchorCtr="0" compatLnSpc="1">
+              <a:prstTxWarp prst="textNoShape">
+                <a:avLst/>
+              </a:prstTxWarp>
+            </a:bodyPr>
+            <a:lstStyle/>
+            <a:p>
+              <a:pPr marL="0" marR="0" indent="0" algn="ctr" defTabSz="914400" rtl="0" eaLnBrk="0" fontAlgn="base" latinLnBrk="0" hangingPunct="0">
+                <a:lnSpc>
+                  <a:spcPct val="100000"/>
+                </a:lnSpc>
+                <a:spcBef>
+                  <a:spcPct val="0"/>
+                </a:spcBef>
+                <a:spcAft>
+                  <a:spcPct val="0"/>
+                </a:spcAft>
+                <a:buClrTx/>
+                <a:buSzTx/>
+                <a:buFontTx/>
+                <a:buNone/>
+                <a:tabLst/>
+              </a:pPr>
+              <a:r>
+                <a:rPr kumimoji="0" lang="de-DE" sz="1800" b="0" i="0" u="none" strike="noStrike" cap="none" normalizeH="0" baseline="0" dirty="0">
+                  <a:ln>
+                    <a:noFill/>
+                  </a:ln>
+                  <a:solidFill>
+                    <a:schemeClr val="bg1"/>
+                  </a:solidFill>
+                  <a:effectLst/>
+                  <a:latin typeface="+mn-lt"/>
+                  <a:ea typeface="ＭＳ Ｐゴシック" pitchFamily="1" charset="-128"/>
+                </a:rPr>
+                <a:t>Mutieren </a:t>
+              </a:r>
+            </a:p>
+          </p:txBody>
+        </p:sp>
+        <p:sp>
+          <p:nvSpPr>
+            <p:cNvPr id="61" name="Abgerundetes Rechteck 41">
+              <a:extLst>
+                <a:ext uri="{FF2B5EF4-FFF2-40B4-BE49-F238E27FC236}">
+                  <a16:creationId xmlns:a16="http://schemas.microsoft.com/office/drawing/2014/main" id="{CBF2A46B-C85D-4824-9AF8-3BFBCFBD507A}"/>
+                </a:ext>
+              </a:extLst>
+            </p:cNvPr>
+            <p:cNvSpPr/>
+            <p:nvPr/>
+          </p:nvSpPr>
+          <p:spPr bwMode="auto">
+            <a:xfrm>
+              <a:off x="6959455" y="4331854"/>
+              <a:ext cx="1556471" cy="378691"/>
+            </a:xfrm>
+            <a:prstGeom prst="roundRect">
+              <a:avLst/>
+            </a:prstGeom>
             <a:solidFill>
-              <a:schemeClr val="tx1"/>
+              <a:schemeClr val="accent1"/>
             </a:solidFill>
-            <a:prstDash val="solid"/>
-            <a:round/>
-            <a:headEnd type="none" w="med" len="med"/>
-            <a:tailEnd type="triangle"/>
-          </a:ln>
-          <a:effectLst/>
-        </p:spPr>
-      </p:cxnSp>
-      <p:cxnSp>
-        <p:nvCxnSpPr>
-          <p:cNvPr id="46" name="Gerade Verbindung mit Pfeil 45"/>
-          <p:cNvCxnSpPr>
-            <a:stCxn id="40" idx="2"/>
-            <a:endCxn id="41" idx="0"/>
-          </p:cNvCxnSpPr>
-          <p:nvPr/>
-        </p:nvCxnSpPr>
-        <p:spPr bwMode="auto">
-          <a:xfrm>
-            <a:off x="7737688" y="2637083"/>
-            <a:ext cx="3" cy="312463"/>
-          </a:xfrm>
-          <a:prstGeom prst="straightConnector1">
-            <a:avLst/>
-          </a:prstGeom>
-          <a:solidFill>
-            <a:schemeClr val="accent1"/>
-          </a:solidFill>
-          <a:ln w="9525" cap="flat" cmpd="sng" algn="ctr">
+            <a:ln w="9525" cap="flat" cmpd="sng" algn="ctr">
+              <a:solidFill>
+                <a:schemeClr val="tx1"/>
+              </a:solidFill>
+              <a:prstDash val="solid"/>
+              <a:round/>
+              <a:headEnd type="none" w="med" len="med"/>
+              <a:tailEnd type="none" w="med" len="med"/>
+            </a:ln>
+            <a:effectLst/>
+          </p:spPr>
+          <p:txBody>
+            <a:bodyPr vert="horz" wrap="square" lIns="91440" tIns="45720" rIns="91440" bIns="45720" numCol="1" rtlCol="0" anchor="ctr" anchorCtr="0" compatLnSpc="1">
+              <a:prstTxWarp prst="textNoShape">
+                <a:avLst/>
+              </a:prstTxWarp>
+            </a:bodyPr>
+            <a:lstStyle/>
+            <a:p>
+              <a:pPr marL="0" marR="0" indent="0" algn="ctr" defTabSz="914400" rtl="0" eaLnBrk="0" fontAlgn="base" latinLnBrk="0" hangingPunct="0">
+                <a:lnSpc>
+                  <a:spcPct val="100000"/>
+                </a:lnSpc>
+                <a:spcBef>
+                  <a:spcPct val="0"/>
+                </a:spcBef>
+                <a:spcAft>
+                  <a:spcPct val="0"/>
+                </a:spcAft>
+                <a:buClrTx/>
+                <a:buSzTx/>
+                <a:buFontTx/>
+                <a:buNone/>
+                <a:tabLst/>
+              </a:pPr>
+              <a:r>
+                <a:rPr kumimoji="0" lang="de-DE" sz="1800" b="0" i="0" u="none" strike="noStrike" cap="none" normalizeH="0" baseline="0" dirty="0">
+                  <a:ln>
+                    <a:noFill/>
+                  </a:ln>
+                  <a:solidFill>
+                    <a:schemeClr val="bg1"/>
+                  </a:solidFill>
+                  <a:effectLst/>
+                  <a:latin typeface="+mn-lt"/>
+                  <a:ea typeface="ＭＳ Ｐゴシック" pitchFamily="1" charset="-128"/>
+                </a:rPr>
+                <a:t>Bewerten </a:t>
+              </a:r>
+            </a:p>
+          </p:txBody>
+        </p:sp>
+        <p:sp>
+          <p:nvSpPr>
+            <p:cNvPr id="62" name="Abgerundetes Rechteck 42">
+              <a:extLst>
+                <a:ext uri="{FF2B5EF4-FFF2-40B4-BE49-F238E27FC236}">
+                  <a16:creationId xmlns:a16="http://schemas.microsoft.com/office/drawing/2014/main" id="{37CFF0CA-E05C-4FCE-82D5-30BFD0046A16}"/>
+                </a:ext>
+              </a:extLst>
+            </p:cNvPr>
+            <p:cNvSpPr/>
+            <p:nvPr/>
+          </p:nvSpPr>
+          <p:spPr bwMode="auto">
+            <a:xfrm>
+              <a:off x="6959452" y="5023008"/>
+              <a:ext cx="1556471" cy="898009"/>
+            </a:xfrm>
+            <a:prstGeom prst="roundRect">
+              <a:avLst>
+                <a:gd name="adj" fmla="val 0"/>
+              </a:avLst>
+            </a:prstGeom>
             <a:solidFill>
-              <a:schemeClr val="tx1"/>
+              <a:schemeClr val="accent2"/>
             </a:solidFill>
-            <a:prstDash val="solid"/>
-            <a:round/>
-            <a:headEnd type="none" w="med" len="med"/>
-            <a:tailEnd type="triangle"/>
-          </a:ln>
-          <a:effectLst/>
-        </p:spPr>
-      </p:cxnSp>
-      <p:sp>
-        <p:nvSpPr>
-          <p:cNvPr id="47" name="Abgerundetes Rechteck 46"/>
-          <p:cNvSpPr/>
-          <p:nvPr/>
-        </p:nvSpPr>
-        <p:spPr bwMode="auto">
-          <a:xfrm>
-            <a:off x="6959453" y="3640700"/>
-            <a:ext cx="1556471" cy="378691"/>
-          </a:xfrm>
-          <a:prstGeom prst="roundRect">
-            <a:avLst/>
-          </a:prstGeom>
-          <a:solidFill>
-            <a:schemeClr val="accent1"/>
-          </a:solidFill>
-          <a:ln w="9525" cap="flat" cmpd="sng" algn="ctr">
+            <a:ln w="9525" cap="flat" cmpd="sng" algn="ctr">
+              <a:solidFill>
+                <a:schemeClr val="tx1"/>
+              </a:solidFill>
+              <a:prstDash val="solid"/>
+              <a:round/>
+              <a:headEnd type="none" w="med" len="med"/>
+              <a:tailEnd type="none" w="med" len="med"/>
+            </a:ln>
+            <a:effectLst/>
+          </p:spPr>
+          <p:txBody>
+            <a:bodyPr vert="horz" wrap="square" lIns="91440" tIns="45720" rIns="91440" bIns="45720" numCol="1" rtlCol="0" anchor="ctr" anchorCtr="0" compatLnSpc="1">
+              <a:prstTxWarp prst="textNoShape">
+                <a:avLst/>
+              </a:prstTxWarp>
+            </a:bodyPr>
+            <a:lstStyle/>
+            <a:p>
+              <a:pPr marL="0" marR="0" indent="0" algn="ctr" defTabSz="914400" rtl="0" eaLnBrk="0" fontAlgn="base" latinLnBrk="0" hangingPunct="0">
+                <a:lnSpc>
+                  <a:spcPct val="100000"/>
+                </a:lnSpc>
+                <a:spcBef>
+                  <a:spcPct val="0"/>
+                </a:spcBef>
+                <a:spcAft>
+                  <a:spcPct val="0"/>
+                </a:spcAft>
+                <a:buClrTx/>
+                <a:buSzTx/>
+                <a:buFontTx/>
+                <a:buNone/>
+                <a:tabLst/>
+              </a:pPr>
+              <a:r>
+                <a:rPr lang="de-DE" sz="1800" dirty="0">
+                  <a:solidFill>
+                    <a:schemeClr val="bg1"/>
+                  </a:solidFill>
+                  <a:latin typeface="+mn-lt"/>
+                  <a:ea typeface="ＭＳ Ｐゴシック" pitchFamily="1" charset="-128"/>
+                </a:rPr>
+                <a:t> optimiertes Register- Mapping</a:t>
+              </a:r>
+              <a:r>
+                <a:rPr kumimoji="0" lang="de-DE" sz="1800" b="0" i="0" u="none" strike="noStrike" cap="none" normalizeH="0" baseline="0" dirty="0">
+                  <a:ln>
+                    <a:noFill/>
+                  </a:ln>
+                  <a:solidFill>
+                    <a:schemeClr val="bg1"/>
+                  </a:solidFill>
+                  <a:effectLst/>
+                  <a:latin typeface="+mn-lt"/>
+                  <a:ea typeface="ＭＳ Ｐゴシック" pitchFamily="1" charset="-128"/>
+                </a:rPr>
+                <a:t> </a:t>
+              </a:r>
+            </a:p>
+          </p:txBody>
+        </p:sp>
+        <p:cxnSp>
+          <p:nvCxnSpPr>
+            <p:cNvPr id="63" name="Gerade Verbindung mit Pfeil 62">
+              <a:extLst>
+                <a:ext uri="{FF2B5EF4-FFF2-40B4-BE49-F238E27FC236}">
+                  <a16:creationId xmlns:a16="http://schemas.microsoft.com/office/drawing/2014/main" id="{87D0CB85-A9BB-4683-A6C5-53A6B002909E}"/>
+                </a:ext>
+              </a:extLst>
+            </p:cNvPr>
+            <p:cNvCxnSpPr>
+              <a:cxnSpLocks/>
+              <a:stCxn id="61" idx="2"/>
+              <a:endCxn id="62" idx="0"/>
+            </p:cNvCxnSpPr>
+            <p:nvPr/>
+          </p:nvCxnSpPr>
+          <p:spPr bwMode="auto">
+            <a:xfrm flipH="1">
+              <a:off x="7737688" y="4710545"/>
+              <a:ext cx="3" cy="312463"/>
+            </a:xfrm>
+            <a:prstGeom prst="straightConnector1">
+              <a:avLst/>
+            </a:prstGeom>
             <a:solidFill>
-              <a:schemeClr val="tx1"/>
+              <a:schemeClr val="accent1"/>
             </a:solidFill>
-            <a:prstDash val="solid"/>
-            <a:round/>
-            <a:headEnd type="none" w="med" len="med"/>
-            <a:tailEnd type="none" w="med" len="med"/>
-          </a:ln>
-          <a:effectLst/>
-        </p:spPr>
-        <p:txBody>
-          <a:bodyPr vert="horz" wrap="square" lIns="91440" tIns="45720" rIns="91440" bIns="45720" numCol="1" rtlCol="0" anchor="ctr" anchorCtr="0" compatLnSpc="1">
-            <a:prstTxWarp prst="textNoShape">
+            <a:ln w="9525" cap="flat" cmpd="sng" algn="ctr">
+              <a:solidFill>
+                <a:schemeClr val="tx1"/>
+              </a:solidFill>
+              <a:prstDash val="solid"/>
+              <a:round/>
+              <a:headEnd type="none" w="med" len="med"/>
+              <a:tailEnd type="triangle"/>
+            </a:ln>
+            <a:effectLst/>
+          </p:spPr>
+        </p:cxnSp>
+        <p:cxnSp>
+          <p:nvCxnSpPr>
+            <p:cNvPr id="64" name="Gerade Verbindung mit Pfeil 63">
+              <a:extLst>
+                <a:ext uri="{FF2B5EF4-FFF2-40B4-BE49-F238E27FC236}">
+                  <a16:creationId xmlns:a16="http://schemas.microsoft.com/office/drawing/2014/main" id="{F6B3E528-F276-42D3-8B2E-3A802424AA84}"/>
+                </a:ext>
+              </a:extLst>
+            </p:cNvPr>
+            <p:cNvCxnSpPr>
+              <a:stCxn id="58" idx="2"/>
+              <a:endCxn id="59" idx="0"/>
+            </p:cNvCxnSpPr>
+            <p:nvPr/>
+          </p:nvCxnSpPr>
+          <p:spPr bwMode="auto">
+            <a:xfrm>
+              <a:off x="7737688" y="1950486"/>
+              <a:ext cx="0" cy="307906"/>
+            </a:xfrm>
+            <a:prstGeom prst="straightConnector1">
               <a:avLst/>
-            </a:prstTxWarp>
-          </a:bodyPr>
-          <a:lstStyle/>
-          <a:p>
-            <a:pPr marL="0" marR="0" indent="0" algn="ctr" defTabSz="914400" rtl="0" eaLnBrk="0" fontAlgn="base" latinLnBrk="0" hangingPunct="0">
-              <a:lnSpc>
-                <a:spcPct val="100000"/>
-              </a:lnSpc>
-              <a:spcBef>
-                <a:spcPct val="0"/>
-              </a:spcBef>
-              <a:spcAft>
-                <a:spcPct val="0"/>
-              </a:spcAft>
-              <a:buClrTx/>
-              <a:buSzTx/>
-              <a:buFontTx/>
-              <a:buNone/>
-              <a:tabLst/>
-            </a:pPr>
-            <a:r>
-              <a:rPr kumimoji="0" lang="de-DE" sz="1800" b="0" i="0" u="none" strike="noStrike" cap="none" normalizeH="0" baseline="0" dirty="0" smtClean="0">
-                <a:ln>
-                  <a:noFill/>
-                </a:ln>
-                <a:solidFill>
-                  <a:schemeClr val="bg1"/>
-                </a:solidFill>
-                <a:effectLst/>
-                <a:latin typeface="+mn-lt"/>
-                <a:ea typeface="ＭＳ Ｐゴシック" pitchFamily="1" charset="-128"/>
-              </a:rPr>
-              <a:t>Erzeugen </a:t>
-            </a:r>
-            <a:endParaRPr kumimoji="0" lang="de-DE" sz="1800" b="0" i="0" u="none" strike="noStrike" cap="none" normalizeH="0" baseline="0" dirty="0">
-              <a:ln>
-                <a:noFill/>
-              </a:ln>
+            </a:prstGeom>
+            <a:solidFill>
+              <a:schemeClr val="accent1"/>
+            </a:solidFill>
+            <a:ln w="9525" cap="flat" cmpd="sng" algn="ctr">
               <a:solidFill>
-                <a:schemeClr val="bg1"/>
+                <a:schemeClr val="tx1"/>
               </a:solidFill>
-              <a:effectLst/>
-              <a:latin typeface="+mn-lt"/>
-              <a:ea typeface="ＭＳ Ｐゴシック" pitchFamily="1" charset="-128"/>
-            </a:endParaRPr>
-          </a:p>
-        </p:txBody>
-      </p:sp>
-      <p:cxnSp>
-        <p:nvCxnSpPr>
-          <p:cNvPr id="48" name="Gerade Verbindung mit Pfeil 47"/>
-          <p:cNvCxnSpPr>
-            <a:stCxn id="41" idx="2"/>
-            <a:endCxn id="47" idx="0"/>
-          </p:cNvCxnSpPr>
-          <p:nvPr/>
-        </p:nvCxnSpPr>
-        <p:spPr bwMode="auto">
-          <a:xfrm flipH="1">
-            <a:off x="7737689" y="3328237"/>
-            <a:ext cx="2" cy="312463"/>
-          </a:xfrm>
-          <a:prstGeom prst="straightConnector1">
-            <a:avLst/>
-          </a:prstGeom>
-          <a:solidFill>
-            <a:schemeClr val="accent1"/>
-          </a:solidFill>
-          <a:ln w="9525" cap="flat" cmpd="sng" algn="ctr">
+              <a:prstDash val="solid"/>
+              <a:round/>
+              <a:headEnd type="none" w="med" len="med"/>
+              <a:tailEnd type="triangle"/>
+            </a:ln>
+            <a:effectLst/>
+          </p:spPr>
+        </p:cxnSp>
+        <p:cxnSp>
+          <p:nvCxnSpPr>
+            <p:cNvPr id="65" name="Gerade Verbindung mit Pfeil 64">
+              <a:extLst>
+                <a:ext uri="{FF2B5EF4-FFF2-40B4-BE49-F238E27FC236}">
+                  <a16:creationId xmlns:a16="http://schemas.microsoft.com/office/drawing/2014/main" id="{AF031C00-8C14-4368-9F32-23FDF46FCCBF}"/>
+                </a:ext>
+              </a:extLst>
+            </p:cNvPr>
+            <p:cNvCxnSpPr>
+              <a:stCxn id="59" idx="2"/>
+              <a:endCxn id="60" idx="0"/>
+            </p:cNvCxnSpPr>
+            <p:nvPr/>
+          </p:nvCxnSpPr>
+          <p:spPr bwMode="auto">
+            <a:xfrm>
+              <a:off x="7737688" y="2637083"/>
+              <a:ext cx="3" cy="312463"/>
+            </a:xfrm>
+            <a:prstGeom prst="straightConnector1">
+              <a:avLst/>
+            </a:prstGeom>
             <a:solidFill>
-              <a:schemeClr val="tx1"/>
+              <a:schemeClr val="accent1"/>
             </a:solidFill>
-            <a:prstDash val="solid"/>
-            <a:round/>
-            <a:headEnd type="none" w="med" len="med"/>
-            <a:tailEnd type="triangle"/>
-          </a:ln>
-          <a:effectLst/>
-        </p:spPr>
-      </p:cxnSp>
-      <p:cxnSp>
-        <p:nvCxnSpPr>
-          <p:cNvPr id="49" name="Gerade Verbindung mit Pfeil 48"/>
-          <p:cNvCxnSpPr>
-            <a:stCxn id="47" idx="2"/>
-            <a:endCxn id="42" idx="0"/>
-          </p:cNvCxnSpPr>
-          <p:nvPr/>
-        </p:nvCxnSpPr>
-        <p:spPr bwMode="auto">
-          <a:xfrm>
-            <a:off x="7737689" y="4019391"/>
-            <a:ext cx="2" cy="312463"/>
-          </a:xfrm>
-          <a:prstGeom prst="straightConnector1">
-            <a:avLst/>
-          </a:prstGeom>
-          <a:solidFill>
-            <a:schemeClr val="accent1"/>
-          </a:solidFill>
-          <a:ln w="9525" cap="flat" cmpd="sng" algn="ctr">
+            <a:ln w="9525" cap="flat" cmpd="sng" algn="ctr">
+              <a:solidFill>
+                <a:schemeClr val="tx1"/>
+              </a:solidFill>
+              <a:prstDash val="solid"/>
+              <a:round/>
+              <a:headEnd type="none" w="med" len="med"/>
+              <a:tailEnd type="triangle"/>
+            </a:ln>
+            <a:effectLst/>
+          </p:spPr>
+        </p:cxnSp>
+        <p:sp>
+          <p:nvSpPr>
+            <p:cNvPr id="66" name="Abgerundetes Rechteck 46">
+              <a:extLst>
+                <a:ext uri="{FF2B5EF4-FFF2-40B4-BE49-F238E27FC236}">
+                  <a16:creationId xmlns:a16="http://schemas.microsoft.com/office/drawing/2014/main" id="{8F233D03-3A07-425F-BAC0-7157870B098B}"/>
+                </a:ext>
+              </a:extLst>
+            </p:cNvPr>
+            <p:cNvSpPr/>
+            <p:nvPr/>
+          </p:nvSpPr>
+          <p:spPr bwMode="auto">
+            <a:xfrm>
+              <a:off x="6959453" y="3640700"/>
+              <a:ext cx="1556471" cy="378691"/>
+            </a:xfrm>
+            <a:prstGeom prst="roundRect">
+              <a:avLst/>
+            </a:prstGeom>
             <a:solidFill>
-              <a:schemeClr val="tx1"/>
+              <a:schemeClr val="accent1"/>
             </a:solidFill>
-            <a:prstDash val="solid"/>
-            <a:round/>
-            <a:headEnd type="none" w="med" len="med"/>
-            <a:tailEnd type="triangle"/>
-          </a:ln>
-          <a:effectLst/>
-        </p:spPr>
-      </p:cxnSp>
-      <p:cxnSp>
-        <p:nvCxnSpPr>
-          <p:cNvPr id="50" name="Gewinkelter Verbinder 49"/>
-          <p:cNvCxnSpPr>
-            <a:stCxn id="42" idx="1"/>
-            <a:endCxn id="40" idx="1"/>
-          </p:cNvCxnSpPr>
-          <p:nvPr/>
-        </p:nvCxnSpPr>
-        <p:spPr bwMode="auto">
-          <a:xfrm rot="10800000">
-            <a:off x="6959453" y="2447738"/>
-            <a:ext cx="3" cy="2073462"/>
-          </a:xfrm>
-          <a:prstGeom prst="bentConnector3">
-            <a:avLst>
-              <a:gd name="adj1" fmla="val 7620100000"/>
-            </a:avLst>
-          </a:prstGeom>
-          <a:solidFill>
-            <a:schemeClr val="accent1"/>
-          </a:solidFill>
-          <a:ln w="9525" cap="flat" cmpd="sng" algn="ctr">
+            <a:ln w="9525" cap="flat" cmpd="sng" algn="ctr">
+              <a:solidFill>
+                <a:schemeClr val="tx1"/>
+              </a:solidFill>
+              <a:prstDash val="solid"/>
+              <a:round/>
+              <a:headEnd type="none" w="med" len="med"/>
+              <a:tailEnd type="none" w="med" len="med"/>
+            </a:ln>
+            <a:effectLst/>
+          </p:spPr>
+          <p:txBody>
+            <a:bodyPr vert="horz" wrap="square" lIns="91440" tIns="45720" rIns="91440" bIns="45720" numCol="1" rtlCol="0" anchor="ctr" anchorCtr="0" compatLnSpc="1">
+              <a:prstTxWarp prst="textNoShape">
+                <a:avLst/>
+              </a:prstTxWarp>
+            </a:bodyPr>
+            <a:lstStyle/>
+            <a:p>
+              <a:pPr marL="0" marR="0" indent="0" algn="ctr" defTabSz="914400" rtl="0" eaLnBrk="0" fontAlgn="base" latinLnBrk="0" hangingPunct="0">
+                <a:lnSpc>
+                  <a:spcPct val="100000"/>
+                </a:lnSpc>
+                <a:spcBef>
+                  <a:spcPct val="0"/>
+                </a:spcBef>
+                <a:spcAft>
+                  <a:spcPct val="0"/>
+                </a:spcAft>
+                <a:buClrTx/>
+                <a:buSzTx/>
+                <a:buFontTx/>
+                <a:buNone/>
+                <a:tabLst/>
+              </a:pPr>
+              <a:r>
+                <a:rPr kumimoji="0" lang="de-DE" sz="1800" b="0" i="0" u="none" strike="noStrike" cap="none" normalizeH="0" baseline="0" dirty="0">
+                  <a:ln>
+                    <a:noFill/>
+                  </a:ln>
+                  <a:solidFill>
+                    <a:schemeClr val="bg1"/>
+                  </a:solidFill>
+                  <a:effectLst/>
+                  <a:latin typeface="+mn-lt"/>
+                  <a:ea typeface="ＭＳ Ｐゴシック" pitchFamily="1" charset="-128"/>
+                </a:rPr>
+                <a:t>Erzeugen </a:t>
+              </a:r>
+            </a:p>
+          </p:txBody>
+        </p:sp>
+        <p:cxnSp>
+          <p:nvCxnSpPr>
+            <p:cNvPr id="67" name="Gerade Verbindung mit Pfeil 66">
+              <a:extLst>
+                <a:ext uri="{FF2B5EF4-FFF2-40B4-BE49-F238E27FC236}">
+                  <a16:creationId xmlns:a16="http://schemas.microsoft.com/office/drawing/2014/main" id="{64034252-6162-406C-83C9-8E83EE1DF005}"/>
+                </a:ext>
+              </a:extLst>
+            </p:cNvPr>
+            <p:cNvCxnSpPr>
+              <a:stCxn id="60" idx="2"/>
+              <a:endCxn id="66" idx="0"/>
+            </p:cNvCxnSpPr>
+            <p:nvPr/>
+          </p:nvCxnSpPr>
+          <p:spPr bwMode="auto">
+            <a:xfrm flipH="1">
+              <a:off x="7737689" y="3328237"/>
+              <a:ext cx="2" cy="312463"/>
+            </a:xfrm>
+            <a:prstGeom prst="straightConnector1">
+              <a:avLst/>
+            </a:prstGeom>
             <a:solidFill>
-              <a:schemeClr val="tx1"/>
+              <a:schemeClr val="accent1"/>
             </a:solidFill>
-            <a:prstDash val="solid"/>
-            <a:round/>
-            <a:headEnd type="none" w="med" len="med"/>
-            <a:tailEnd type="triangle"/>
-          </a:ln>
-          <a:effectLst/>
-        </p:spPr>
-      </p:cxnSp>
+            <a:ln w="9525" cap="flat" cmpd="sng" algn="ctr">
+              <a:solidFill>
+                <a:schemeClr val="tx1"/>
+              </a:solidFill>
+              <a:prstDash val="solid"/>
+              <a:round/>
+              <a:headEnd type="none" w="med" len="med"/>
+              <a:tailEnd type="triangle"/>
+            </a:ln>
+            <a:effectLst/>
+          </p:spPr>
+        </p:cxnSp>
+        <p:cxnSp>
+          <p:nvCxnSpPr>
+            <p:cNvPr id="68" name="Gerade Verbindung mit Pfeil 67">
+              <a:extLst>
+                <a:ext uri="{FF2B5EF4-FFF2-40B4-BE49-F238E27FC236}">
+                  <a16:creationId xmlns:a16="http://schemas.microsoft.com/office/drawing/2014/main" id="{851814FD-FE5E-4840-9A77-4EBBFD26CE10}"/>
+                </a:ext>
+              </a:extLst>
+            </p:cNvPr>
+            <p:cNvCxnSpPr>
+              <a:stCxn id="66" idx="2"/>
+              <a:endCxn id="61" idx="0"/>
+            </p:cNvCxnSpPr>
+            <p:nvPr/>
+          </p:nvCxnSpPr>
+          <p:spPr bwMode="auto">
+            <a:xfrm>
+              <a:off x="7737689" y="4019391"/>
+              <a:ext cx="2" cy="312463"/>
+            </a:xfrm>
+            <a:prstGeom prst="straightConnector1">
+              <a:avLst/>
+            </a:prstGeom>
+            <a:solidFill>
+              <a:schemeClr val="accent1"/>
+            </a:solidFill>
+            <a:ln w="9525" cap="flat" cmpd="sng" algn="ctr">
+              <a:solidFill>
+                <a:schemeClr val="tx1"/>
+              </a:solidFill>
+              <a:prstDash val="solid"/>
+              <a:round/>
+              <a:headEnd type="none" w="med" len="med"/>
+              <a:tailEnd type="triangle"/>
+            </a:ln>
+            <a:effectLst/>
+          </p:spPr>
+        </p:cxnSp>
+        <p:cxnSp>
+          <p:nvCxnSpPr>
+            <p:cNvPr id="69" name="Gewinkelter Verbinder 49">
+              <a:extLst>
+                <a:ext uri="{FF2B5EF4-FFF2-40B4-BE49-F238E27FC236}">
+                  <a16:creationId xmlns:a16="http://schemas.microsoft.com/office/drawing/2014/main" id="{3CE78E61-91D3-47A2-A1C1-4B4F2602EF68}"/>
+                </a:ext>
+              </a:extLst>
+            </p:cNvPr>
+            <p:cNvCxnSpPr>
+              <a:stCxn id="61" idx="1"/>
+              <a:endCxn id="59" idx="1"/>
+            </p:cNvCxnSpPr>
+            <p:nvPr/>
+          </p:nvCxnSpPr>
+          <p:spPr bwMode="auto">
+            <a:xfrm rot="10800000">
+              <a:off x="6959453" y="2447738"/>
+              <a:ext cx="3" cy="2073462"/>
+            </a:xfrm>
+            <a:prstGeom prst="bentConnector3">
+              <a:avLst>
+                <a:gd name="adj1" fmla="val 7620100000"/>
+              </a:avLst>
+            </a:prstGeom>
+            <a:solidFill>
+              <a:schemeClr val="accent1"/>
+            </a:solidFill>
+            <a:ln w="9525" cap="flat" cmpd="sng" algn="ctr">
+              <a:solidFill>
+                <a:schemeClr val="tx1"/>
+              </a:solidFill>
+              <a:prstDash val="solid"/>
+              <a:round/>
+              <a:headEnd type="none" w="med" len="med"/>
+              <a:tailEnd type="triangle"/>
+            </a:ln>
+            <a:effectLst/>
+          </p:spPr>
+        </p:cxnSp>
+      </p:grpSp>
     </p:spTree>
     <p:extLst>
       <p:ext uri="{BB962C8B-B14F-4D97-AF65-F5344CB8AC3E}">
@@ -21227,7 +24022,7 @@
                                         <p:tgtEl>
                                           <p:spTgt spid="2">
                                             <p:txEl>
-                                              <p:pRg st="0" end="0"/>
+                                              <p:pRg st="2" end="2"/>
                                             </p:txEl>
                                           </p:spTgt>
                                         </p:tgtEl>
@@ -21243,7 +24038,7 @@
                                 </p:cTn>
                               </p:par>
                               <p:par>
-                                <p:cTn id="7" presetID="1" presetClass="entr" presetSubtype="0" fill="hold" nodeType="withEffect">
+                                <p:cTn id="7" presetID="1" presetClass="exit" presetSubtype="0" fill="hold" nodeType="withEffect">
                                   <p:stCondLst>
                                     <p:cond delay="0"/>
                                   </p:stCondLst>
@@ -21256,11 +24051,34 @@
                                           </p:stCondLst>
                                         </p:cTn>
                                         <p:tgtEl>
-                                          <p:spTgt spid="2">
-                                            <p:txEl>
-                                              <p:pRg st="1" end="1"/>
-                                            </p:txEl>
-                                          </p:spTgt>
+                                          <p:spTgt spid="4"/>
+                                        </p:tgtEl>
+                                        <p:attrNameLst>
+                                          <p:attrName>style.visibility</p:attrName>
+                                        </p:attrNameLst>
+                                      </p:cBhvr>
+                                      <p:to>
+                                        <p:strVal val="hidden"/>
+                                      </p:to>
+                                    </p:set>
+                                  </p:childTnLst>
+                                </p:cTn>
+                              </p:par>
+                              <p:par>
+                                <p:cTn id="9" presetID="1" presetClass="entr" presetSubtype="0" fill="hold" nodeType="withEffect">
+                                  <p:stCondLst>
+                                    <p:cond delay="0"/>
+                                  </p:stCondLst>
+                                  <p:childTnLst>
+                                    <p:set>
+                                      <p:cBhvr>
+                                        <p:cTn id="10" dur="1" fill="hold">
+                                          <p:stCondLst>
+                                            <p:cond delay="0"/>
+                                          </p:stCondLst>
+                                        </p:cTn>
+                                        <p:tgtEl>
+                                          <p:spTgt spid="19"/>
                                         </p:tgtEl>
                                         <p:attrNameLst>
                                           <p:attrName>style.visibility</p:attrName>
@@ -21280,75 +24098,26 @@
                     </p:cTn>
                   </p:par>
                   <p:par>
-                    <p:cTn id="9" fill="hold">
+                    <p:cTn id="11" fill="hold">
                       <p:stCondLst>
                         <p:cond delay="indefinite"/>
                       </p:stCondLst>
                       <p:childTnLst>
                         <p:par>
-                          <p:cTn id="10" fill="hold">
+                          <p:cTn id="12" fill="hold">
                             <p:stCondLst>
                               <p:cond delay="0"/>
                             </p:stCondLst>
                             <p:childTnLst>
                               <p:par>
-                                <p:cTn id="11" presetID="1" presetClass="entr" presetSubtype="0" fill="hold" nodeType="clickEffect">
+                                <p:cTn id="13" presetID="1" presetClass="entr" presetSubtype="0" fill="hold" nodeType="clickEffect">
                                   <p:stCondLst>
                                     <p:cond delay="0"/>
                                   </p:stCondLst>
                                   <p:childTnLst>
                                     <p:set>
                                       <p:cBhvr>
-                                        <p:cTn id="12" dur="1" fill="hold">
-                                          <p:stCondLst>
-                                            <p:cond delay="0"/>
-                                          </p:stCondLst>
-                                        </p:cTn>
-                                        <p:tgtEl>
-                                          <p:spTgt spid="2">
-                                            <p:txEl>
-                                              <p:pRg st="2" end="2"/>
-                                            </p:txEl>
-                                          </p:spTgt>
-                                        </p:tgtEl>
-                                        <p:attrNameLst>
-                                          <p:attrName>style.visibility</p:attrName>
-                                        </p:attrNameLst>
-                                      </p:cBhvr>
-                                      <p:to>
-                                        <p:strVal val="visible"/>
-                                      </p:to>
-                                    </p:set>
-                                  </p:childTnLst>
-                                </p:cTn>
-                              </p:par>
-                            </p:childTnLst>
-                          </p:cTn>
-                        </p:par>
-                      </p:childTnLst>
-                    </p:cTn>
-                  </p:par>
-                  <p:par>
-                    <p:cTn id="13" fill="hold">
-                      <p:stCondLst>
-                        <p:cond delay="indefinite"/>
-                      </p:stCondLst>
-                      <p:childTnLst>
-                        <p:par>
-                          <p:cTn id="14" fill="hold">
-                            <p:stCondLst>
-                              <p:cond delay="0"/>
-                            </p:stCondLst>
-                            <p:childTnLst>
-                              <p:par>
-                                <p:cTn id="15" presetID="1" presetClass="entr" presetSubtype="0" fill="hold" nodeType="clickEffect">
-                                  <p:stCondLst>
-                                    <p:cond delay="0"/>
-                                  </p:stCondLst>
-                                  <p:childTnLst>
-                                    <p:set>
-                                      <p:cBhvr>
-                                        <p:cTn id="16" dur="1" fill="hold">
+                                        <p:cTn id="14" dur="1" fill="hold">
                                           <p:stCondLst>
                                             <p:cond delay="0"/>
                                           </p:stCondLst>
@@ -21366,6 +24135,33 @@
                                       </p:cBhvr>
                                       <p:to>
                                         <p:strVal val="visible"/>
+                                      </p:to>
+                                    </p:set>
+                                  </p:childTnLst>
+                                </p:cTn>
+                              </p:par>
+                              <p:par>
+                                <p:cTn id="15" presetID="1" presetClass="exit" presetSubtype="0" fill="hold" nodeType="withEffect">
+                                  <p:stCondLst>
+                                    <p:cond delay="0"/>
+                                  </p:stCondLst>
+                                  <p:childTnLst>
+                                    <p:set>
+                                      <p:cBhvr>
+                                        <p:cTn id="16" dur="1" fill="hold">
+                                          <p:stCondLst>
+                                            <p:cond delay="0"/>
+                                          </p:stCondLst>
+                                        </p:cTn>
+                                        <p:tgtEl>
+                                          <p:spTgt spid="19"/>
+                                        </p:tgtEl>
+                                        <p:attrNameLst>
+                                          <p:attrName>style.visibility</p:attrName>
+                                        </p:attrNameLst>
+                                      </p:cBhvr>
+                                      <p:to>
+                                        <p:strVal val="hidden"/>
                                       </p:to>
                                     </p:set>
                                   </p:childTnLst>
@@ -21464,6 +24260,33 @@
                                   </p:childTnLst>
                                 </p:cTn>
                               </p:par>
+                              <p:par>
+                                <p:cTn id="23" presetID="1" presetClass="entr" presetSubtype="0" fill="hold" nodeType="withEffect">
+                                  <p:stCondLst>
+                                    <p:cond delay="0"/>
+                                  </p:stCondLst>
+                                  <p:childTnLst>
+                                    <p:set>
+                                      <p:cBhvr>
+                                        <p:cTn id="24" dur="1" fill="hold">
+                                          <p:stCondLst>
+                                            <p:cond delay="0"/>
+                                          </p:stCondLst>
+                                        </p:cTn>
+                                        <p:tgtEl>
+                                          <p:spTgt spid="32"/>
+                                        </p:tgtEl>
+                                        <p:attrNameLst>
+                                          <p:attrName>style.visibility</p:attrName>
+                                        </p:attrNameLst>
+                                      </p:cBhvr>
+                                      <p:to>
+                                        <p:strVal val="visible"/>
+                                      </p:to>
+                                    </p:set>
+                                  </p:childTnLst>
+                                </p:cTn>
+                              </p:par>
                             </p:childTnLst>
                           </p:cTn>
                         </p:par>
@@ -21471,26 +24294,26 @@
                     </p:cTn>
                   </p:par>
                   <p:par>
-                    <p:cTn id="23" fill="hold">
+                    <p:cTn id="25" fill="hold">
                       <p:stCondLst>
                         <p:cond delay="indefinite"/>
                       </p:stCondLst>
                       <p:childTnLst>
                         <p:par>
-                          <p:cTn id="24" fill="hold">
+                          <p:cTn id="26" fill="hold">
                             <p:stCondLst>
                               <p:cond delay="0"/>
                             </p:stCondLst>
                             <p:childTnLst>
                               <p:par>
-                                <p:cTn id="25" presetID="1" presetClass="entr" presetSubtype="0" fill="hold" nodeType="clickEffect">
+                                <p:cTn id="27" presetID="1" presetClass="entr" presetSubtype="0" fill="hold" nodeType="clickEffect">
                                   <p:stCondLst>
                                     <p:cond delay="0"/>
                                   </p:stCondLst>
                                   <p:childTnLst>
                                     <p:set>
                                       <p:cBhvr>
-                                        <p:cTn id="26" dur="1" fill="hold">
+                                        <p:cTn id="28" dur="1" fill="hold">
                                           <p:stCondLst>
                                             <p:cond delay="0"/>
                                           </p:stCondLst>
@@ -21513,15 +24336,60 @@
                                   </p:childTnLst>
                                 </p:cTn>
                               </p:par>
+                            </p:childTnLst>
+                          </p:cTn>
+                        </p:par>
+                      </p:childTnLst>
+                    </p:cTn>
+                  </p:par>
+                  <p:par>
+                    <p:cTn id="29" fill="hold">
+                      <p:stCondLst>
+                        <p:cond delay="indefinite"/>
+                      </p:stCondLst>
+                      <p:childTnLst>
+                        <p:par>
+                          <p:cTn id="30" fill="hold">
+                            <p:stCondLst>
+                              <p:cond delay="0"/>
+                            </p:stCondLst>
+                            <p:childTnLst>
                               <p:par>
-                                <p:cTn id="27" presetID="1" presetClass="entr" presetSubtype="0" fill="hold" grpId="0" nodeType="withEffect">
+                                <p:cTn id="31" presetID="1" presetClass="exit" presetSubtype="0" fill="hold" nodeType="clickEffect">
                                   <p:stCondLst>
                                     <p:cond delay="0"/>
                                   </p:stCondLst>
                                   <p:childTnLst>
                                     <p:set>
                                       <p:cBhvr>
-                                        <p:cTn id="28" dur="1" fill="hold">
+                                        <p:cTn id="32" dur="1" fill="hold">
+                                          <p:stCondLst>
+                                            <p:cond delay="0"/>
+                                          </p:stCondLst>
+                                        </p:cTn>
+                                        <p:tgtEl>
+                                          <p:spTgt spid="32"/>
+                                        </p:tgtEl>
+                                        <p:attrNameLst>
+                                          <p:attrName>style.visibility</p:attrName>
+                                        </p:attrNameLst>
+                                      </p:cBhvr>
+                                      <p:to>
+                                        <p:strVal val="hidden"/>
+                                      </p:to>
+                                    </p:set>
+                                  </p:childTnLst>
+                                </p:cTn>
+                              </p:par>
+                              <p:par>
+                                <p:cTn id="33" presetID="1" presetClass="entr" presetSubtype="0" fill="hold" grpId="0" nodeType="withEffect">
+                                  <p:stCondLst>
+                                    <p:cond delay="0"/>
+                                  </p:stCondLst>
+                                  <p:childTnLst>
+                                    <p:set>
+                                      <p:cBhvr>
+                                        <p:cTn id="34" dur="1" fill="hold">
                                           <p:stCondLst>
                                             <p:cond delay="0"/>
                                           </p:stCondLst>
@@ -21541,20 +24409,47 @@
                                 </p:cTn>
                               </p:par>
                               <p:par>
-                                <p:cTn id="29" presetID="1" presetClass="entr" presetSubtype="0" fill="hold" nodeType="withEffect">
+                                <p:cTn id="35" presetID="1" presetClass="entr" presetSubtype="0" fill="hold" nodeType="withEffect">
                                   <p:stCondLst>
                                     <p:cond delay="0"/>
                                   </p:stCondLst>
                                   <p:childTnLst>
                                     <p:set>
                                       <p:cBhvr>
-                                        <p:cTn id="30" dur="1" fill="hold">
+                                        <p:cTn id="36" dur="1" fill="hold">
                                           <p:stCondLst>
                                             <p:cond delay="0"/>
                                           </p:stCondLst>
                                         </p:cTn>
                                         <p:tgtEl>
                                           <p:spTgt spid="11"/>
+                                        </p:tgtEl>
+                                        <p:attrNameLst>
+                                          <p:attrName>style.visibility</p:attrName>
+                                        </p:attrNameLst>
+                                      </p:cBhvr>
+                                      <p:to>
+                                        <p:strVal val="visible"/>
+                                      </p:to>
+                                    </p:set>
+                                  </p:childTnLst>
+                                </p:cTn>
+                              </p:par>
+                              <p:par>
+                                <p:cTn id="37" presetID="1" presetClass="entr" presetSubtype="0" fill="hold" nodeType="withEffect">
+                                  <p:stCondLst>
+                                    <p:cond delay="0"/>
+                                  </p:stCondLst>
+                                  <p:childTnLst>
+                                    <p:set>
+                                      <p:cBhvr>
+                                        <p:cTn id="38" dur="1" fill="hold">
+                                          <p:stCondLst>
+                                            <p:cond delay="0"/>
+                                          </p:stCondLst>
+                                        </p:cTn>
+                                        <p:tgtEl>
+                                          <p:spTgt spid="57"/>
                                         </p:tgtEl>
                                         <p:attrNameLst>
                                           <p:attrName>style.visibility</p:attrName>
@@ -21574,26 +24469,26 @@
                     </p:cTn>
                   </p:par>
                   <p:par>
-                    <p:cTn id="31" fill="hold">
+                    <p:cTn id="39" fill="hold">
                       <p:stCondLst>
                         <p:cond delay="indefinite"/>
                       </p:stCondLst>
                       <p:childTnLst>
                         <p:par>
-                          <p:cTn id="32" fill="hold">
+                          <p:cTn id="40" fill="hold">
                             <p:stCondLst>
                               <p:cond delay="0"/>
                             </p:stCondLst>
                             <p:childTnLst>
                               <p:par>
-                                <p:cTn id="33" presetID="1" presetClass="entr" presetSubtype="0" fill="hold" nodeType="clickEffect">
+                                <p:cTn id="41" presetID="1" presetClass="entr" presetSubtype="0" fill="hold" nodeType="clickEffect">
                                   <p:stCondLst>
                                     <p:cond delay="0"/>
                                   </p:stCondLst>
                                   <p:childTnLst>
                                     <p:set>
                                       <p:cBhvr>
-                                        <p:cTn id="34" dur="1" fill="hold">
+                                        <p:cTn id="42" dur="1" fill="hold">
                                           <p:stCondLst>
                                             <p:cond delay="0"/>
                                           </p:stCondLst>
@@ -21683,10 +24578,9 @@
           <a:lstStyle/>
           <a:p>
             <a:r>
-              <a:rPr lang="de-DE" dirty="0" smtClean="0"/>
+              <a:rPr lang="de-DE" dirty="0"/>
               <a:t>Verlustleistungsanalyse</a:t>
             </a:r>
-            <a:endParaRPr lang="de-DE" dirty="0"/>
           </a:p>
         </p:txBody>
       </p:sp>
@@ -21704,10 +24598,10 @@
         </p:nvGrpSpPr>
         <p:grpSpPr>
           <a:xfrm>
-            <a:off x="554630" y="1467510"/>
-            <a:ext cx="3592846" cy="3438598"/>
-            <a:chOff x="420451" y="1266546"/>
-            <a:chExt cx="5529627" cy="4896423"/>
+            <a:off x="554632" y="1467510"/>
+            <a:ext cx="3592845" cy="3438598"/>
+            <a:chOff x="420453" y="1266546"/>
+            <a:chExt cx="5529625" cy="4896423"/>
           </a:xfrm>
         </p:grpSpPr>
         <p:sp>
@@ -21995,8 +24889,8 @@
           </p:nvSpPr>
           <p:spPr bwMode="auto">
             <a:xfrm>
-              <a:off x="2496632" y="3228837"/>
-              <a:ext cx="1584000" cy="271423"/>
+              <a:off x="2496631" y="3228837"/>
+              <a:ext cx="1662191" cy="271424"/>
             </a:xfrm>
             <a:prstGeom prst="roundRect">
               <a:avLst/>
@@ -22071,8 +24965,8 @@
           </p:nvSpPr>
           <p:spPr bwMode="auto">
             <a:xfrm>
-              <a:off x="2496632" y="4451755"/>
-              <a:ext cx="1584000" cy="271423"/>
+              <a:off x="2496631" y="4451755"/>
+              <a:ext cx="1662191" cy="271424"/>
             </a:xfrm>
             <a:prstGeom prst="roundRect">
               <a:avLst/>
@@ -22147,8 +25041,8 @@
           </p:nvSpPr>
           <p:spPr bwMode="auto">
             <a:xfrm>
-              <a:off x="4366078" y="3946362"/>
-              <a:ext cx="1584000" cy="271423"/>
+              <a:off x="4366078" y="3894962"/>
+              <a:ext cx="1584000" cy="271424"/>
             </a:xfrm>
             <a:prstGeom prst="roundRect">
               <a:avLst/>
@@ -22223,8 +25117,8 @@
           </p:nvSpPr>
           <p:spPr bwMode="auto">
             <a:xfrm>
-              <a:off x="2496632" y="4897287"/>
-              <a:ext cx="1584000" cy="678556"/>
+              <a:off x="2496631" y="4897287"/>
+              <a:ext cx="1662191" cy="678556"/>
             </a:xfrm>
             <a:prstGeom prst="roundRect">
               <a:avLst/>
@@ -22299,8 +25193,8 @@
           </p:nvSpPr>
           <p:spPr bwMode="auto">
             <a:xfrm>
-              <a:off x="2496632" y="5891546"/>
-              <a:ext cx="1584000" cy="271423"/>
+              <a:off x="2496631" y="5891545"/>
+              <a:ext cx="1662191" cy="271424"/>
             </a:xfrm>
             <a:prstGeom prst="roundRect">
               <a:avLst/>
@@ -22445,8 +25339,8 @@
           </p:nvCxnSpPr>
           <p:spPr bwMode="auto">
             <a:xfrm>
-              <a:off x="3288632" y="3008670"/>
-              <a:ext cx="0" cy="220167"/>
+              <a:off x="3288633" y="3008670"/>
+              <a:ext cx="39094" cy="220167"/>
             </a:xfrm>
             <a:prstGeom prst="straightConnector1">
               <a:avLst/>
@@ -22477,8 +25371,8 @@
           </p:nvCxnSpPr>
           <p:spPr bwMode="auto">
             <a:xfrm>
-              <a:off x="3288632" y="5575843"/>
-              <a:ext cx="0" cy="315703"/>
+              <a:off x="3327727" y="5575844"/>
+              <a:ext cx="0" cy="315702"/>
             </a:xfrm>
             <a:prstGeom prst="straightConnector1">
               <a:avLst/>
@@ -22535,7 +25429,7 @@
           </p:nvSpPr>
           <p:spPr>
             <a:xfrm rot="16200000">
-              <a:off x="-146118" y="4946243"/>
+              <a:off x="-146117" y="4946243"/>
               <a:ext cx="1606832" cy="473689"/>
             </a:xfrm>
             <a:prstGeom prst="rect">
@@ -22566,7 +25460,7 @@
           </p:nvSpPr>
           <p:spPr>
             <a:xfrm rot="16200000">
-              <a:off x="-146120" y="2491138"/>
+              <a:off x="-146118" y="2491139"/>
               <a:ext cx="1606832" cy="473689"/>
             </a:xfrm>
             <a:prstGeom prst="rect">
@@ -22603,8 +25497,8 @@
           </p:nvSpPr>
           <p:spPr bwMode="auto">
             <a:xfrm>
-              <a:off x="2496632" y="3866990"/>
-              <a:ext cx="1584000" cy="428054"/>
+              <a:off x="2496631" y="3766696"/>
+              <a:ext cx="1662189" cy="528347"/>
             </a:xfrm>
             <a:prstGeom prst="roundRect">
               <a:avLst/>
@@ -22689,8 +25583,8 @@
           </p:nvCxnSpPr>
           <p:spPr bwMode="auto">
             <a:xfrm>
-              <a:off x="3288632" y="3500260"/>
-              <a:ext cx="0" cy="366730"/>
+              <a:off x="3327727" y="3500261"/>
+              <a:ext cx="0" cy="266436"/>
             </a:xfrm>
             <a:prstGeom prst="straightConnector1">
               <a:avLst/>
@@ -22720,6 +25614,7 @@
               </a:extLst>
             </p:cNvPr>
             <p:cNvCxnSpPr>
+              <a:cxnSpLocks/>
               <a:stCxn id="45" idx="2"/>
               <a:endCxn id="11" idx="0"/>
             </p:cNvCxnSpPr>
@@ -22727,7 +25622,7 @@
           </p:nvCxnSpPr>
           <p:spPr bwMode="auto">
             <a:xfrm>
-              <a:off x="3288632" y="4295044"/>
+              <a:off x="3327727" y="4295044"/>
               <a:ext cx="0" cy="156711"/>
             </a:xfrm>
             <a:prstGeom prst="straightConnector1">
@@ -22765,7 +25660,7 @@
           </p:nvCxnSpPr>
           <p:spPr bwMode="auto">
             <a:xfrm>
-              <a:off x="3288632" y="4723178"/>
+              <a:off x="3327727" y="4723178"/>
               <a:ext cx="0" cy="174109"/>
             </a:xfrm>
             <a:prstGeom prst="straightConnector1">
@@ -22796,15 +25691,16 @@
               </a:extLst>
             </p:cNvPr>
             <p:cNvCxnSpPr>
+              <a:cxnSpLocks/>
               <a:stCxn id="12" idx="1"/>
               <a:endCxn id="45" idx="3"/>
             </p:cNvCxnSpPr>
             <p:nvPr/>
           </p:nvCxnSpPr>
           <p:spPr bwMode="auto">
-            <a:xfrm flipH="1" flipV="1">
-              <a:off x="4080632" y="4081017"/>
-              <a:ext cx="285446" cy="1057"/>
+            <a:xfrm flipH="1">
+              <a:off x="4158821" y="4030674"/>
+              <a:ext cx="207257" cy="197"/>
             </a:xfrm>
             <a:prstGeom prst="straightConnector1">
               <a:avLst/>
@@ -22841,8 +25737,8 @@
           </p:nvCxnSpPr>
           <p:spPr bwMode="auto">
             <a:xfrm flipH="1">
-              <a:off x="4080632" y="4217785"/>
-              <a:ext cx="1077446" cy="1018780"/>
+              <a:off x="4158822" y="4166386"/>
+              <a:ext cx="999255" cy="1070179"/>
             </a:xfrm>
             <a:prstGeom prst="straightConnector1">
               <a:avLst/>
@@ -22863,12 +25759,135 @@
           </p:spPr>
         </p:cxnSp>
       </p:grpSp>
+      <p:cxnSp>
+        <p:nvCxnSpPr>
+          <p:cNvPr id="18" name="Gerader Verbinder 17"/>
+          <p:cNvCxnSpPr/>
+          <p:nvPr/>
+        </p:nvCxnSpPr>
+        <p:spPr bwMode="auto">
+          <a:xfrm>
+            <a:off x="430823" y="5213838"/>
+            <a:ext cx="8044962" cy="8793"/>
+          </a:xfrm>
+          <a:prstGeom prst="line">
+            <a:avLst/>
+          </a:prstGeom>
+          <a:solidFill>
+            <a:schemeClr val="accent1"/>
+          </a:solidFill>
+          <a:ln w="9525" cap="flat" cmpd="sng" algn="ctr">
+            <a:solidFill>
+              <a:schemeClr val="tx1"/>
+            </a:solidFill>
+            <a:prstDash val="solid"/>
+            <a:round/>
+            <a:headEnd type="none" w="med" len="med"/>
+            <a:tailEnd type="none" w="med" len="med"/>
+          </a:ln>
+          <a:effectLst/>
+        </p:spPr>
+      </p:cxnSp>
+      <p:sp>
+        <p:nvSpPr>
+          <p:cNvPr id="22" name="Textfeld 21"/>
+          <p:cNvSpPr txBox="1"/>
+          <p:nvPr/>
+        </p:nvSpPr>
+        <p:spPr>
+          <a:xfrm>
+            <a:off x="3720139" y="5639366"/>
+            <a:ext cx="1644253" cy="461665"/>
+          </a:xfrm>
+          <a:prstGeom prst="rect">
+            <a:avLst/>
+          </a:prstGeom>
+          <a:noFill/>
+        </p:spPr>
+        <p:txBody>
+          <a:bodyPr wrap="square" rtlCol="0">
+            <a:spAutoFit/>
+          </a:bodyPr>
+          <a:lstStyle/>
+          <a:p>
+            <a:r>
+              <a:rPr lang="de-DE" dirty="0"/>
+              <a:t>Evaluation</a:t>
+            </a:r>
+          </a:p>
+        </p:txBody>
+      </p:sp>
+      <p:cxnSp>
+        <p:nvCxnSpPr>
+          <p:cNvPr id="24" name="Gerade Verbindung mit Pfeil 23"/>
+          <p:cNvCxnSpPr>
+            <a:cxnSpLocks/>
+            <a:stCxn id="14" idx="2"/>
+            <a:endCxn id="22" idx="1"/>
+          </p:cNvCxnSpPr>
+          <p:nvPr/>
+        </p:nvCxnSpPr>
+        <p:spPr bwMode="auto">
+          <a:xfrm>
+            <a:off x="2443618" y="4906108"/>
+            <a:ext cx="1276521" cy="964091"/>
+          </a:xfrm>
+          <a:prstGeom prst="straightConnector1">
+            <a:avLst/>
+          </a:prstGeom>
+          <a:solidFill>
+            <a:schemeClr val="accent1"/>
+          </a:solidFill>
+          <a:ln w="9525" cap="flat" cmpd="sng" algn="ctr">
+            <a:solidFill>
+              <a:schemeClr val="tx1"/>
+            </a:solidFill>
+            <a:prstDash val="solid"/>
+            <a:round/>
+            <a:headEnd type="none" w="med" len="med"/>
+            <a:tailEnd type="triangle"/>
+          </a:ln>
+          <a:effectLst/>
+        </p:spPr>
+      </p:cxnSp>
+      <p:cxnSp>
+        <p:nvCxnSpPr>
+          <p:cNvPr id="27" name="Gerade Verbindung mit Pfeil 26"/>
+          <p:cNvCxnSpPr>
+            <a:cxnSpLocks/>
+            <a:endCxn id="22" idx="3"/>
+          </p:cNvCxnSpPr>
+          <p:nvPr/>
+        </p:nvCxnSpPr>
+        <p:spPr bwMode="auto">
+          <a:xfrm flipH="1">
+            <a:off x="5364392" y="4906108"/>
+            <a:ext cx="1257116" cy="964091"/>
+          </a:xfrm>
+          <a:prstGeom prst="straightConnector1">
+            <a:avLst/>
+          </a:prstGeom>
+          <a:solidFill>
+            <a:schemeClr val="accent1"/>
+          </a:solidFill>
+          <a:ln w="9525" cap="flat" cmpd="sng" algn="ctr">
+            <a:solidFill>
+              <a:schemeClr val="tx1"/>
+            </a:solidFill>
+            <a:prstDash val="solid"/>
+            <a:round/>
+            <a:headEnd type="none" w="med" len="med"/>
+            <a:tailEnd type="triangle"/>
+          </a:ln>
+          <a:effectLst/>
+        </p:spPr>
+      </p:cxnSp>
       <p:grpSp>
         <p:nvGrpSpPr>
-          <p:cNvPr id="62" name="Gruppieren 61">
+          <p:cNvPr id="54" name="Gruppieren 53">
             <a:extLst>
               <a:ext uri="{FF2B5EF4-FFF2-40B4-BE49-F238E27FC236}">
-                <a16:creationId xmlns:a16="http://schemas.microsoft.com/office/drawing/2014/main" id="{8042AF72-2A3A-4C3B-B725-86361CFAB36C}"/>
+                <a16:creationId xmlns:a16="http://schemas.microsoft.com/office/drawing/2014/main" id="{8B8F42F4-DF61-4BF4-8B5E-57F0362AA911}"/>
               </a:ext>
             </a:extLst>
           </p:cNvPr>
@@ -22877,15 +25896,21 @@
         </p:nvGrpSpPr>
         <p:grpSpPr>
           <a:xfrm>
-            <a:off x="4757921" y="1467510"/>
-            <a:ext cx="3592846" cy="3438598"/>
-            <a:chOff x="420451" y="1266546"/>
-            <a:chExt cx="5529627" cy="4896423"/>
+            <a:off x="4748946" y="1467510"/>
+            <a:ext cx="3592845" cy="3438598"/>
+            <a:chOff x="420453" y="1266546"/>
+            <a:chExt cx="5529625" cy="4896423"/>
           </a:xfrm>
         </p:grpSpPr>
         <p:sp>
           <p:nvSpPr>
-            <p:cNvPr id="63" name="Rechteck: abgerundete Ecken 4"/>
+            <p:cNvPr id="55" name="Rechteck: abgerundete Ecken 54">
+              <a:extLst>
+                <a:ext uri="{FF2B5EF4-FFF2-40B4-BE49-F238E27FC236}">
+                  <a16:creationId xmlns:a16="http://schemas.microsoft.com/office/drawing/2014/main" id="{EB4F3214-8E44-4CAF-B710-BB0BC82BB17D}"/>
+                </a:ext>
+              </a:extLst>
+            </p:cNvPr>
             <p:cNvSpPr/>
             <p:nvPr/>
           </p:nvSpPr>
@@ -22954,7 +25979,13 @@
         </p:sp>
         <p:sp>
           <p:nvSpPr>
-            <p:cNvPr id="64" name="Rechteck: abgerundete Ecken 5"/>
+            <p:cNvPr id="56" name="Rechteck: abgerundete Ecken 55">
+              <a:extLst>
+                <a:ext uri="{FF2B5EF4-FFF2-40B4-BE49-F238E27FC236}">
+                  <a16:creationId xmlns:a16="http://schemas.microsoft.com/office/drawing/2014/main" id="{CD353ECA-3A06-4451-A632-03A5D6B5533D}"/>
+                </a:ext>
+              </a:extLst>
+            </p:cNvPr>
             <p:cNvSpPr/>
             <p:nvPr/>
           </p:nvSpPr>
@@ -23062,7 +26093,13 @@
         </p:sp>
         <p:sp>
           <p:nvSpPr>
-            <p:cNvPr id="65" name="Rechteck: abgerundete Ecken 6"/>
+            <p:cNvPr id="61" name="Rechteck: abgerundete Ecken 60">
+              <a:extLst>
+                <a:ext uri="{FF2B5EF4-FFF2-40B4-BE49-F238E27FC236}">
+                  <a16:creationId xmlns:a16="http://schemas.microsoft.com/office/drawing/2014/main" id="{DF0C2376-DD77-4A4B-AD98-7FA4C67C1D54}"/>
+                </a:ext>
+              </a:extLst>
+            </p:cNvPr>
             <p:cNvSpPr/>
             <p:nvPr/>
           </p:nvSpPr>
@@ -23079,7 +26116,7 @@
             </a:solidFill>
             <a:ln w="9525" cap="flat" cmpd="sng" algn="ctr">
               <a:solidFill>
-                <a:schemeClr val="tx2"/>
+                <a:schemeClr val="tx1"/>
               </a:solidFill>
               <a:prstDash val="solid"/>
               <a:round/>
@@ -23159,14 +26196,20 @@
         </p:sp>
         <p:sp>
           <p:nvSpPr>
-            <p:cNvPr id="66" name="Rechteck: abgerundete Ecken 7"/>
+            <p:cNvPr id="84" name="Rechteck: abgerundete Ecken 83">
+              <a:extLst>
+                <a:ext uri="{FF2B5EF4-FFF2-40B4-BE49-F238E27FC236}">
+                  <a16:creationId xmlns:a16="http://schemas.microsoft.com/office/drawing/2014/main" id="{2F9A727D-473F-47FA-A9D9-1DA7E2CA1D14}"/>
+                </a:ext>
+              </a:extLst>
+            </p:cNvPr>
             <p:cNvSpPr/>
             <p:nvPr/>
           </p:nvSpPr>
           <p:spPr bwMode="auto">
             <a:xfrm>
-              <a:off x="2496632" y="3228837"/>
-              <a:ext cx="1584000" cy="271423"/>
+              <a:off x="2496631" y="3228837"/>
+              <a:ext cx="1662191" cy="271424"/>
             </a:xfrm>
             <a:prstGeom prst="roundRect">
               <a:avLst/>
@@ -23235,14 +26278,20 @@
         </p:sp>
         <p:sp>
           <p:nvSpPr>
-            <p:cNvPr id="67" name="Rechteck: abgerundete Ecken 10"/>
+            <p:cNvPr id="85" name="Rechteck: abgerundete Ecken 84">
+              <a:extLst>
+                <a:ext uri="{FF2B5EF4-FFF2-40B4-BE49-F238E27FC236}">
+                  <a16:creationId xmlns:a16="http://schemas.microsoft.com/office/drawing/2014/main" id="{B93465D1-339B-409B-A1F2-E8ED9BE3E78B}"/>
+                </a:ext>
+              </a:extLst>
+            </p:cNvPr>
             <p:cNvSpPr/>
             <p:nvPr/>
           </p:nvSpPr>
           <p:spPr bwMode="auto">
             <a:xfrm>
-              <a:off x="2496632" y="4451755"/>
-              <a:ext cx="1584000" cy="271423"/>
+              <a:off x="2496631" y="4451755"/>
+              <a:ext cx="1662191" cy="271424"/>
             </a:xfrm>
             <a:prstGeom prst="roundRect">
               <a:avLst/>
@@ -23311,14 +26360,20 @@
         </p:sp>
         <p:sp>
           <p:nvSpPr>
-            <p:cNvPr id="68" name="Rechteck: abgerundete Ecken 11"/>
+            <p:cNvPr id="86" name="Rechteck: abgerundete Ecken 85">
+              <a:extLst>
+                <a:ext uri="{FF2B5EF4-FFF2-40B4-BE49-F238E27FC236}">
+                  <a16:creationId xmlns:a16="http://schemas.microsoft.com/office/drawing/2014/main" id="{1E785155-217C-4045-B4EA-C074C329517B}"/>
+                </a:ext>
+              </a:extLst>
+            </p:cNvPr>
             <p:cNvSpPr/>
             <p:nvPr/>
           </p:nvSpPr>
           <p:spPr bwMode="auto">
             <a:xfrm>
-              <a:off x="4366078" y="3946362"/>
-              <a:ext cx="1584000" cy="271423"/>
+              <a:off x="4366078" y="3894962"/>
+              <a:ext cx="1584000" cy="271424"/>
             </a:xfrm>
             <a:prstGeom prst="roundRect">
               <a:avLst/>
@@ -23387,14 +26442,20 @@
         </p:sp>
         <p:sp>
           <p:nvSpPr>
-            <p:cNvPr id="69" name="Rechteck: abgerundete Ecken 12"/>
+            <p:cNvPr id="87" name="Rechteck: abgerundete Ecken 86">
+              <a:extLst>
+                <a:ext uri="{FF2B5EF4-FFF2-40B4-BE49-F238E27FC236}">
+                  <a16:creationId xmlns:a16="http://schemas.microsoft.com/office/drawing/2014/main" id="{702C01FF-E0FD-449C-9DCB-5648BAB2BC3F}"/>
+                </a:ext>
+              </a:extLst>
+            </p:cNvPr>
             <p:cNvSpPr/>
             <p:nvPr/>
           </p:nvSpPr>
           <p:spPr bwMode="auto">
             <a:xfrm>
-              <a:off x="2496632" y="4897287"/>
-              <a:ext cx="1584000" cy="678556"/>
+              <a:off x="2496631" y="4897287"/>
+              <a:ext cx="1662191" cy="678556"/>
             </a:xfrm>
             <a:prstGeom prst="roundRect">
               <a:avLst/>
@@ -23463,14 +26524,20 @@
         </p:sp>
         <p:sp>
           <p:nvSpPr>
-            <p:cNvPr id="70" name="Rechteck: abgerundete Ecken 13"/>
+            <p:cNvPr id="88" name="Rechteck: abgerundete Ecken 87">
+              <a:extLst>
+                <a:ext uri="{FF2B5EF4-FFF2-40B4-BE49-F238E27FC236}">
+                  <a16:creationId xmlns:a16="http://schemas.microsoft.com/office/drawing/2014/main" id="{D6F2EB07-26A0-4856-9B0B-589DF520A3AA}"/>
+                </a:ext>
+              </a:extLst>
+            </p:cNvPr>
             <p:cNvSpPr/>
             <p:nvPr/>
           </p:nvSpPr>
           <p:spPr bwMode="auto">
             <a:xfrm>
-              <a:off x="2496632" y="5891546"/>
-              <a:ext cx="1584000" cy="271423"/>
+              <a:off x="2496631" y="5891545"/>
+              <a:ext cx="1662191" cy="271424"/>
             </a:xfrm>
             <a:prstGeom prst="roundRect">
               <a:avLst/>
@@ -23539,11 +26606,17 @@
         </p:sp>
         <p:cxnSp>
           <p:nvCxnSpPr>
-            <p:cNvPr id="71" name="Gerade Verbindung mit Pfeil 70"/>
+            <p:cNvPr id="89" name="Gerade Verbindung mit Pfeil 88">
+              <a:extLst>
+                <a:ext uri="{FF2B5EF4-FFF2-40B4-BE49-F238E27FC236}">
+                  <a16:creationId xmlns:a16="http://schemas.microsoft.com/office/drawing/2014/main" id="{170DC79A-FEB8-46C1-8FBA-61B992146AA2}"/>
+                </a:ext>
+              </a:extLst>
+            </p:cNvPr>
             <p:cNvCxnSpPr>
               <a:cxnSpLocks/>
-              <a:stCxn id="63" idx="2"/>
-              <a:endCxn id="65" idx="1"/>
+              <a:stCxn id="55" idx="2"/>
+              <a:endCxn id="61" idx="1"/>
             </p:cNvCxnSpPr>
             <p:nvPr/>
           </p:nvCxnSpPr>
@@ -23572,11 +26645,17 @@
         </p:cxnSp>
         <p:cxnSp>
           <p:nvCxnSpPr>
-            <p:cNvPr id="72" name="Gerade Verbindung mit Pfeil 71"/>
+            <p:cNvPr id="90" name="Gerade Verbindung mit Pfeil 89">
+              <a:extLst>
+                <a:ext uri="{FF2B5EF4-FFF2-40B4-BE49-F238E27FC236}">
+                  <a16:creationId xmlns:a16="http://schemas.microsoft.com/office/drawing/2014/main" id="{6DDEF765-C423-4E8A-9287-5F7A51A9BE6D}"/>
+                </a:ext>
+              </a:extLst>
+            </p:cNvPr>
             <p:cNvCxnSpPr>
               <a:cxnSpLocks/>
-              <a:stCxn id="64" idx="2"/>
-              <a:endCxn id="65" idx="3"/>
+              <a:stCxn id="56" idx="2"/>
+              <a:endCxn id="61" idx="3"/>
             </p:cNvCxnSpPr>
             <p:nvPr/>
           </p:nvCxnSpPr>
@@ -23605,18 +26684,24 @@
         </p:cxnSp>
         <p:cxnSp>
           <p:nvCxnSpPr>
-            <p:cNvPr id="73" name="Gerade Verbindung mit Pfeil 72"/>
+            <p:cNvPr id="91" name="Gerade Verbindung mit Pfeil 90">
+              <a:extLst>
+                <a:ext uri="{FF2B5EF4-FFF2-40B4-BE49-F238E27FC236}">
+                  <a16:creationId xmlns:a16="http://schemas.microsoft.com/office/drawing/2014/main" id="{7F20643C-8BC6-4398-B308-CAB1C270E778}"/>
+                </a:ext>
+              </a:extLst>
+            </p:cNvPr>
             <p:cNvCxnSpPr>
               <a:cxnSpLocks/>
-              <a:stCxn id="65" idx="2"/>
-              <a:endCxn id="66" idx="0"/>
+              <a:stCxn id="61" idx="2"/>
+              <a:endCxn id="84" idx="0"/>
             </p:cNvCxnSpPr>
             <p:nvPr/>
           </p:nvCxnSpPr>
           <p:spPr bwMode="auto">
             <a:xfrm>
-              <a:off x="3288632" y="3008670"/>
-              <a:ext cx="0" cy="220167"/>
+              <a:off x="3288633" y="3008670"/>
+              <a:ext cx="39094" cy="220167"/>
             </a:xfrm>
             <a:prstGeom prst="straightConnector1">
               <a:avLst/>
@@ -23638,17 +26723,23 @@
         </p:cxnSp>
         <p:cxnSp>
           <p:nvCxnSpPr>
-            <p:cNvPr id="74" name="Gerade Verbindung mit Pfeil 73"/>
+            <p:cNvPr id="92" name="Gerade Verbindung mit Pfeil 91">
+              <a:extLst>
+                <a:ext uri="{FF2B5EF4-FFF2-40B4-BE49-F238E27FC236}">
+                  <a16:creationId xmlns:a16="http://schemas.microsoft.com/office/drawing/2014/main" id="{F5B1593E-E599-44E3-A456-B9853B6D8A99}"/>
+                </a:ext>
+              </a:extLst>
+            </p:cNvPr>
             <p:cNvCxnSpPr>
-              <a:stCxn id="69" idx="2"/>
-              <a:endCxn id="70" idx="0"/>
+              <a:stCxn id="87" idx="2"/>
+              <a:endCxn id="88" idx="0"/>
             </p:cNvCxnSpPr>
             <p:nvPr/>
           </p:nvCxnSpPr>
           <p:spPr bwMode="auto">
             <a:xfrm>
-              <a:off x="3288632" y="5575843"/>
-              <a:ext cx="0" cy="315703"/>
+              <a:off x="3327727" y="5575844"/>
+              <a:ext cx="0" cy="315702"/>
             </a:xfrm>
             <a:prstGeom prst="straightConnector1">
               <a:avLst/>
@@ -23670,7 +26761,13 @@
         </p:cxnSp>
         <p:cxnSp>
           <p:nvCxnSpPr>
-            <p:cNvPr id="75" name="Gerader Verbinder 74"/>
+            <p:cNvPr id="93" name="Gerader Verbinder 92">
+              <a:extLst>
+                <a:ext uri="{FF2B5EF4-FFF2-40B4-BE49-F238E27FC236}">
+                  <a16:creationId xmlns:a16="http://schemas.microsoft.com/office/drawing/2014/main" id="{36F2981C-C9E9-49E5-8735-43A565CE4142}"/>
+                </a:ext>
+              </a:extLst>
+            </p:cNvPr>
             <p:cNvCxnSpPr/>
             <p:nvPr/>
           </p:nvCxnSpPr>
@@ -23699,13 +26796,19 @@
         </p:cxnSp>
         <p:sp>
           <p:nvSpPr>
-            <p:cNvPr id="76" name="Textfeld 75"/>
+            <p:cNvPr id="94" name="Textfeld 93">
+              <a:extLst>
+                <a:ext uri="{FF2B5EF4-FFF2-40B4-BE49-F238E27FC236}">
+                  <a16:creationId xmlns:a16="http://schemas.microsoft.com/office/drawing/2014/main" id="{CDCF86E8-A231-406A-9086-8072108A3ECD}"/>
+                </a:ext>
+              </a:extLst>
+            </p:cNvPr>
             <p:cNvSpPr txBox="1"/>
             <p:nvPr/>
           </p:nvSpPr>
           <p:spPr>
             <a:xfrm rot="16200000">
-              <a:off x="-146118" y="4946243"/>
+              <a:off x="-146117" y="4946243"/>
               <a:ext cx="1606832" cy="473689"/>
             </a:xfrm>
             <a:prstGeom prst="rect">
@@ -23730,13 +26833,19 @@
         </p:sp>
         <p:sp>
           <p:nvSpPr>
-            <p:cNvPr id="77" name="Textfeld 76"/>
+            <p:cNvPr id="95" name="Textfeld 94">
+              <a:extLst>
+                <a:ext uri="{FF2B5EF4-FFF2-40B4-BE49-F238E27FC236}">
+                  <a16:creationId xmlns:a16="http://schemas.microsoft.com/office/drawing/2014/main" id="{893093CB-41FE-4225-A964-3E4FC888E93C}"/>
+                </a:ext>
+              </a:extLst>
+            </p:cNvPr>
             <p:cNvSpPr txBox="1"/>
             <p:nvPr/>
           </p:nvSpPr>
           <p:spPr>
             <a:xfrm rot="16200000">
-              <a:off x="-146120" y="2491138"/>
+              <a:off x="-146118" y="2491139"/>
               <a:ext cx="1606832" cy="473689"/>
             </a:xfrm>
             <a:prstGeom prst="rect">
@@ -23761,10 +26870,10 @@
         </p:sp>
         <p:sp>
           <p:nvSpPr>
-            <p:cNvPr id="78" name="Rechteck: abgerundete Ecken 44">
+            <p:cNvPr id="96" name="Rechteck: abgerundete Ecken 95">
               <a:extLst>
                 <a:ext uri="{FF2B5EF4-FFF2-40B4-BE49-F238E27FC236}">
-                  <a16:creationId xmlns:a16="http://schemas.microsoft.com/office/drawing/2014/main" id="{D1E9B3F3-84F1-4A5C-83EC-E88C7D700856}"/>
+                  <a16:creationId xmlns:a16="http://schemas.microsoft.com/office/drawing/2014/main" id="{7E1F1832-19EA-4E12-B677-9AE9DF4E5A00}"/>
                 </a:ext>
               </a:extLst>
             </p:cNvPr>
@@ -23773,8 +26882,8 @@
           </p:nvSpPr>
           <p:spPr bwMode="auto">
             <a:xfrm>
-              <a:off x="2496632" y="3866990"/>
-              <a:ext cx="1584000" cy="428054"/>
+              <a:off x="2496631" y="3766696"/>
+              <a:ext cx="1662189" cy="528347"/>
             </a:xfrm>
             <a:prstGeom prst="roundRect">
               <a:avLst/>
@@ -23843,24 +26952,24 @@
         </p:sp>
         <p:cxnSp>
           <p:nvCxnSpPr>
-            <p:cNvPr id="79" name="Gerade Verbindung mit Pfeil 78">
+            <p:cNvPr id="97" name="Gerade Verbindung mit Pfeil 96">
               <a:extLst>
                 <a:ext uri="{FF2B5EF4-FFF2-40B4-BE49-F238E27FC236}">
-                  <a16:creationId xmlns:a16="http://schemas.microsoft.com/office/drawing/2014/main" id="{D6CCBF1A-5AC4-4CE1-9C40-065D31BB54E1}"/>
+                  <a16:creationId xmlns:a16="http://schemas.microsoft.com/office/drawing/2014/main" id="{ACB2E9B7-4FE4-4B04-B9A9-64A257866CE3}"/>
                 </a:ext>
               </a:extLst>
             </p:cNvPr>
             <p:cNvCxnSpPr>
               <a:cxnSpLocks/>
-              <a:stCxn id="66" idx="2"/>
-              <a:endCxn id="78" idx="0"/>
+              <a:stCxn id="84" idx="2"/>
+              <a:endCxn id="96" idx="0"/>
             </p:cNvCxnSpPr>
             <p:nvPr/>
           </p:nvCxnSpPr>
           <p:spPr bwMode="auto">
             <a:xfrm>
-              <a:off x="3288632" y="3500260"/>
-              <a:ext cx="0" cy="366730"/>
+              <a:off x="3327727" y="3500261"/>
+              <a:ext cx="0" cy="266436"/>
             </a:xfrm>
             <a:prstGeom prst="straightConnector1">
               <a:avLst/>
@@ -23882,22 +26991,23 @@
         </p:cxnSp>
         <p:cxnSp>
           <p:nvCxnSpPr>
-            <p:cNvPr id="80" name="Gerade Verbindung mit Pfeil 79">
+            <p:cNvPr id="98" name="Gerade Verbindung mit Pfeil 97">
               <a:extLst>
                 <a:ext uri="{FF2B5EF4-FFF2-40B4-BE49-F238E27FC236}">
-                  <a16:creationId xmlns:a16="http://schemas.microsoft.com/office/drawing/2014/main" id="{0A49FD0C-A8E8-40C6-AE52-B9DB5997CD31}"/>
+                  <a16:creationId xmlns:a16="http://schemas.microsoft.com/office/drawing/2014/main" id="{2E5D9A0F-EBE8-468F-AECF-69967B66799D}"/>
                 </a:ext>
               </a:extLst>
             </p:cNvPr>
             <p:cNvCxnSpPr>
-              <a:stCxn id="78" idx="2"/>
-              <a:endCxn id="67" idx="0"/>
+              <a:cxnSpLocks/>
+              <a:stCxn id="96" idx="2"/>
+              <a:endCxn id="85" idx="0"/>
             </p:cNvCxnSpPr>
             <p:nvPr/>
           </p:nvCxnSpPr>
           <p:spPr bwMode="auto">
             <a:xfrm>
-              <a:off x="3288632" y="4295044"/>
+              <a:off x="3327727" y="4295044"/>
               <a:ext cx="0" cy="156711"/>
             </a:xfrm>
             <a:prstGeom prst="straightConnector1">
@@ -23920,22 +27030,22 @@
         </p:cxnSp>
         <p:cxnSp>
           <p:nvCxnSpPr>
-            <p:cNvPr id="81" name="Gerade Verbindung mit Pfeil 80">
+            <p:cNvPr id="99" name="Gerade Verbindung mit Pfeil 98">
               <a:extLst>
                 <a:ext uri="{FF2B5EF4-FFF2-40B4-BE49-F238E27FC236}">
-                  <a16:creationId xmlns:a16="http://schemas.microsoft.com/office/drawing/2014/main" id="{6CC5C67E-8C46-4636-89A6-62270EA0BCDB}"/>
+                  <a16:creationId xmlns:a16="http://schemas.microsoft.com/office/drawing/2014/main" id="{6EE08434-42DC-4FC7-8AA7-7AC99B392827}"/>
                 </a:ext>
               </a:extLst>
             </p:cNvPr>
             <p:cNvCxnSpPr>
-              <a:stCxn id="67" idx="2"/>
-              <a:endCxn id="69" idx="0"/>
+              <a:stCxn id="85" idx="2"/>
+              <a:endCxn id="87" idx="0"/>
             </p:cNvCxnSpPr>
             <p:nvPr/>
           </p:nvCxnSpPr>
           <p:spPr bwMode="auto">
             <a:xfrm>
-              <a:off x="3288632" y="4723178"/>
+              <a:off x="3327727" y="4723178"/>
               <a:ext cx="0" cy="174109"/>
             </a:xfrm>
             <a:prstGeom prst="straightConnector1">
@@ -23958,23 +27068,24 @@
         </p:cxnSp>
         <p:cxnSp>
           <p:nvCxnSpPr>
-            <p:cNvPr id="82" name="Gerade Verbindung mit Pfeil 81">
+            <p:cNvPr id="100" name="Gerade Verbindung mit Pfeil 99">
               <a:extLst>
                 <a:ext uri="{FF2B5EF4-FFF2-40B4-BE49-F238E27FC236}">
-                  <a16:creationId xmlns:a16="http://schemas.microsoft.com/office/drawing/2014/main" id="{014BD456-6B8F-4546-8652-55938D5A8D94}"/>
+                  <a16:creationId xmlns:a16="http://schemas.microsoft.com/office/drawing/2014/main" id="{151831C2-FCB8-4ED2-8BA4-E970121DA369}"/>
                 </a:ext>
               </a:extLst>
             </p:cNvPr>
             <p:cNvCxnSpPr>
-              <a:stCxn id="68" idx="1"/>
-              <a:endCxn id="78" idx="3"/>
+              <a:cxnSpLocks/>
+              <a:stCxn id="86" idx="1"/>
+              <a:endCxn id="96" idx="3"/>
             </p:cNvCxnSpPr>
             <p:nvPr/>
           </p:nvCxnSpPr>
           <p:spPr bwMode="auto">
-            <a:xfrm flipH="1" flipV="1">
-              <a:off x="4080632" y="4081017"/>
-              <a:ext cx="285446" cy="1057"/>
+            <a:xfrm flipH="1">
+              <a:off x="4158821" y="4030674"/>
+              <a:ext cx="207257" cy="197"/>
             </a:xfrm>
             <a:prstGeom prst="straightConnector1">
               <a:avLst/>
@@ -23996,23 +27107,23 @@
         </p:cxnSp>
         <p:cxnSp>
           <p:nvCxnSpPr>
-            <p:cNvPr id="83" name="Gerade Verbindung mit Pfeil 82">
+            <p:cNvPr id="101" name="Gerade Verbindung mit Pfeil 100">
               <a:extLst>
                 <a:ext uri="{FF2B5EF4-FFF2-40B4-BE49-F238E27FC236}">
-                  <a16:creationId xmlns:a16="http://schemas.microsoft.com/office/drawing/2014/main" id="{E24B0B97-B474-44E0-9B37-9BAFF3B61B40}"/>
+                  <a16:creationId xmlns:a16="http://schemas.microsoft.com/office/drawing/2014/main" id="{3B99C20E-0A9C-48F9-AA9D-26019032312F}"/>
                 </a:ext>
               </a:extLst>
             </p:cNvPr>
             <p:cNvCxnSpPr>
-              <a:stCxn id="68" idx="2"/>
-              <a:endCxn id="69" idx="3"/>
+              <a:stCxn id="86" idx="2"/>
+              <a:endCxn id="87" idx="3"/>
             </p:cNvCxnSpPr>
             <p:nvPr/>
           </p:nvCxnSpPr>
           <p:spPr bwMode="auto">
             <a:xfrm flipH="1">
-              <a:off x="4080632" y="4217785"/>
-              <a:ext cx="1077446" cy="1018780"/>
+              <a:off x="4158822" y="4166386"/>
+              <a:ext cx="999255" cy="1070179"/>
             </a:xfrm>
             <a:prstGeom prst="straightConnector1">
               <a:avLst/>
@@ -24033,127 +27144,6 @@
           </p:spPr>
         </p:cxnSp>
       </p:grpSp>
-      <p:cxnSp>
-        <p:nvCxnSpPr>
-          <p:cNvPr id="18" name="Gerader Verbinder 17"/>
-          <p:cNvCxnSpPr/>
-          <p:nvPr/>
-        </p:nvCxnSpPr>
-        <p:spPr bwMode="auto">
-          <a:xfrm>
-            <a:off x="430823" y="5213838"/>
-            <a:ext cx="8044962" cy="8793"/>
-          </a:xfrm>
-          <a:prstGeom prst="line">
-            <a:avLst/>
-          </a:prstGeom>
-          <a:solidFill>
-            <a:schemeClr val="accent1"/>
-          </a:solidFill>
-          <a:ln w="9525" cap="flat" cmpd="sng" algn="ctr">
-            <a:solidFill>
-              <a:schemeClr val="tx1"/>
-            </a:solidFill>
-            <a:prstDash val="solid"/>
-            <a:round/>
-            <a:headEnd type="none" w="med" len="med"/>
-            <a:tailEnd type="none" w="med" len="med"/>
-          </a:ln>
-          <a:effectLst/>
-        </p:spPr>
-      </p:cxnSp>
-      <p:sp>
-        <p:nvSpPr>
-          <p:cNvPr id="22" name="Textfeld 21"/>
-          <p:cNvSpPr txBox="1"/>
-          <p:nvPr/>
-        </p:nvSpPr>
-        <p:spPr>
-          <a:xfrm>
-            <a:off x="3720139" y="5639366"/>
-            <a:ext cx="1644253" cy="461665"/>
-          </a:xfrm>
-          <a:prstGeom prst="rect">
-            <a:avLst/>
-          </a:prstGeom>
-          <a:noFill/>
-        </p:spPr>
-        <p:txBody>
-          <a:bodyPr wrap="square" rtlCol="0">
-            <a:spAutoFit/>
-          </a:bodyPr>
-          <a:lstStyle/>
-          <a:p>
-            <a:r>
-              <a:rPr lang="de-DE" dirty="0" smtClean="0"/>
-              <a:t>Evaluation</a:t>
-            </a:r>
-            <a:endParaRPr lang="de-DE" dirty="0"/>
-          </a:p>
-        </p:txBody>
-      </p:sp>
-      <p:cxnSp>
-        <p:nvCxnSpPr>
-          <p:cNvPr id="24" name="Gerade Verbindung mit Pfeil 23"/>
-          <p:cNvCxnSpPr>
-            <a:stCxn id="14" idx="2"/>
-          </p:cNvCxnSpPr>
-          <p:nvPr/>
-        </p:nvCxnSpPr>
-        <p:spPr bwMode="auto">
-          <a:xfrm>
-            <a:off x="2418216" y="4906108"/>
-            <a:ext cx="1318515" cy="748178"/>
-          </a:xfrm>
-          <a:prstGeom prst="straightConnector1">
-            <a:avLst/>
-          </a:prstGeom>
-          <a:solidFill>
-            <a:schemeClr val="accent1"/>
-          </a:solidFill>
-          <a:ln w="9525" cap="flat" cmpd="sng" algn="ctr">
-            <a:solidFill>
-              <a:schemeClr val="tx1"/>
-            </a:solidFill>
-            <a:prstDash val="solid"/>
-            <a:round/>
-            <a:headEnd type="none" w="med" len="med"/>
-            <a:tailEnd type="triangle"/>
-          </a:ln>
-          <a:effectLst/>
-        </p:spPr>
-      </p:cxnSp>
-      <p:cxnSp>
-        <p:nvCxnSpPr>
-          <p:cNvPr id="27" name="Gerade Verbindung mit Pfeil 26"/>
-          <p:cNvCxnSpPr>
-            <a:stCxn id="70" idx="2"/>
-          </p:cNvCxnSpPr>
-          <p:nvPr/>
-        </p:nvCxnSpPr>
-        <p:spPr bwMode="auto">
-          <a:xfrm flipH="1">
-            <a:off x="5257800" y="4906108"/>
-            <a:ext cx="1363707" cy="817684"/>
-          </a:xfrm>
-          <a:prstGeom prst="straightConnector1">
-            <a:avLst/>
-          </a:prstGeom>
-          <a:solidFill>
-            <a:schemeClr val="accent1"/>
-          </a:solidFill>
-          <a:ln w="9525" cap="flat" cmpd="sng" algn="ctr">
-            <a:solidFill>
-              <a:schemeClr val="tx1"/>
-            </a:solidFill>
-            <a:prstDash val="solid"/>
-            <a:round/>
-            <a:headEnd type="none" w="med" len="med"/>
-            <a:tailEnd type="triangle"/>
-          </a:ln>
-          <a:effectLst/>
-        </p:spPr>
-      </p:cxnSp>
     </p:spTree>
     <p:extLst>
       <p:ext uri="{BB962C8B-B14F-4D97-AF65-F5344CB8AC3E}">
@@ -24198,7 +27188,7 @@
                                           </p:stCondLst>
                                         </p:cTn>
                                         <p:tgtEl>
-                                          <p:spTgt spid="62"/>
+                                          <p:spTgt spid="54"/>
                                         </p:tgtEl>
                                         <p:attrNameLst>
                                           <p:attrName>style.visibility</p:attrName>
@@ -24620,35 +27610,35 @@
             </a:lvl9pPr>
           </a:lstStyle>
           <a:p>
-            <a:endParaRPr lang="de-DE" dirty="0" smtClean="0">
+            <a:endParaRPr lang="de-DE" sz="2000" dirty="0">
               <a:solidFill>
                 <a:srgbClr val="555555"/>
               </a:solidFill>
             </a:endParaRPr>
           </a:p>
           <a:p>
-            <a:endParaRPr lang="de-DE" dirty="0">
+            <a:endParaRPr lang="de-DE" sz="2000" dirty="0">
               <a:solidFill>
                 <a:srgbClr val="555555"/>
               </a:solidFill>
             </a:endParaRPr>
           </a:p>
           <a:p>
-            <a:endParaRPr lang="de-DE" dirty="0" smtClean="0">
+            <a:endParaRPr lang="de-DE" sz="2000" dirty="0">
               <a:solidFill>
                 <a:srgbClr val="555555"/>
               </a:solidFill>
             </a:endParaRPr>
           </a:p>
           <a:p>
-            <a:endParaRPr lang="de-DE" dirty="0">
+            <a:endParaRPr lang="de-DE" sz="2000" dirty="0">
               <a:solidFill>
                 <a:srgbClr val="555555"/>
               </a:solidFill>
             </a:endParaRPr>
           </a:p>
           <a:p>
-            <a:endParaRPr lang="de-DE" dirty="0" smtClean="0">
+            <a:endParaRPr lang="de-DE" sz="2000" dirty="0">
               <a:solidFill>
                 <a:srgbClr val="555555"/>
               </a:solidFill>
@@ -24658,7 +27648,7 @@
             <a:pPr marL="0" indent="0">
               <a:buNone/>
             </a:pPr>
-            <a:endParaRPr lang="de-DE" dirty="0" smtClean="0">
+            <a:endParaRPr lang="de-DE" sz="2000" dirty="0">
               <a:solidFill>
                 <a:srgbClr val="555555"/>
               </a:solidFill>
@@ -24669,7 +27659,7 @@
               <a:buNone/>
             </a:pPr>
             <a:r>
-              <a:rPr lang="de-DE" dirty="0" smtClean="0">
+              <a:rPr lang="de-DE" sz="1800" dirty="0">
                 <a:solidFill>
                   <a:srgbClr val="555555"/>
                 </a:solidFill>
@@ -24677,62 +27667,74 @@
               <a:t>				</a:t>
             </a:r>
             <a:r>
-              <a:rPr lang="de-DE" kern="0" dirty="0" smtClean="0"/>
-              <a:t> </a:t>
-            </a:r>
-            <a:r>
-              <a:rPr lang="de-DE" kern="0" dirty="0"/>
-              <a:t>[1]</a:t>
-            </a:r>
-            <a:endParaRPr lang="de-DE" dirty="0">
+              <a:rPr lang="de-DE" sz="1800" kern="0" dirty="0"/>
+              <a:t> [1]</a:t>
+            </a:r>
+            <a:endParaRPr lang="de-DE" sz="1800" dirty="0">
               <a:solidFill>
                 <a:srgbClr val="555555"/>
               </a:solidFill>
             </a:endParaRPr>
           </a:p>
           <a:p>
-            <a:r>
-              <a:rPr lang="de-DE" dirty="0" smtClean="0">
-                <a:solidFill>
-                  <a:srgbClr val="555555"/>
-                </a:solidFill>
-              </a:rPr>
-              <a:t>1,88 Mio. Hörgeräteträger und 1,39 Mio. die aus medizinischer Sicht auf eine Hörhilfe eingewiesen wären</a:t>
-            </a:r>
-          </a:p>
-          <a:p>
-            <a:r>
-              <a:rPr lang="de-DE" dirty="0" smtClean="0">
-                <a:solidFill>
-                  <a:srgbClr val="555555"/>
-                </a:solidFill>
-              </a:rPr>
-              <a:t>Kompromiss zwischen Funktionalität und Akkulaufzeit muss gefunden werden</a:t>
-            </a:r>
-          </a:p>
-          <a:p>
-            <a:pPr marL="0" indent="0">
-              <a:buNone/>
-            </a:pPr>
-            <a:endParaRPr lang="de-DE" b="1" dirty="0" smtClean="0">
+            <a:endParaRPr lang="de-DE" sz="2000" dirty="0">
               <a:solidFill>
                 <a:srgbClr val="555555"/>
               </a:solidFill>
             </a:endParaRPr>
           </a:p>
           <a:p>
+            <a:r>
+              <a:rPr lang="de-DE" sz="2000" dirty="0"/>
+              <a:t>1,88 Mio. Hörgeräteträger und 1,39 Mio. die aus medizinischer Sicht auf eine Hörhilfe eingewiesen wären</a:t>
+            </a:r>
+          </a:p>
+          <a:p>
+            <a:r>
+              <a:rPr lang="de-DE" sz="2000" dirty="0"/>
+              <a:t>Kompromiss zwischen Funktionalität und Akkulaufzeit muss gefunden werden</a:t>
+            </a:r>
+          </a:p>
+          <a:p>
+            <a:pPr marL="0" indent="0">
+              <a:buNone/>
+            </a:pPr>
+            <a:r>
+              <a:rPr lang="de-DE" sz="2000" dirty="0">
+                <a:solidFill>
+                  <a:schemeClr val="bg2"/>
+                </a:solidFill>
+                <a:sym typeface="Wingdings" panose="05000000000000000000" pitchFamily="2" charset="2"/>
+              </a:rPr>
+              <a:t></a:t>
+            </a:r>
+            <a:r>
+              <a:rPr lang="de-DE" sz="2000" dirty="0">
+                <a:solidFill>
+                  <a:srgbClr val="555555"/>
+                </a:solidFill>
+                <a:sym typeface="Wingdings" panose="05000000000000000000" pitchFamily="2" charset="2"/>
+              </a:rPr>
+              <a:t> </a:t>
+            </a:r>
+            <a:r>
+              <a:rPr lang="de-DE" sz="2000" dirty="0"/>
+              <a:t>Optimierung der Verlustleistung </a:t>
+            </a:r>
+          </a:p>
+          <a:p>
             <a:pPr marL="3657600" lvl="8" indent="0">
               <a:buNone/>
             </a:pPr>
             <a:r>
-              <a:rPr lang="de-DE" b="1" kern="0" dirty="0" smtClean="0">
+              <a:rPr lang="de-DE" sz="1800" b="1" kern="0" dirty="0">
                 <a:solidFill>
                   <a:srgbClr val="555555"/>
                 </a:solidFill>
               </a:rPr>
               <a:t>				</a:t>
             </a:r>
-            <a:endParaRPr lang="de-DE" kern="0" dirty="0"/>
+            <a:endParaRPr lang="de-DE" sz="1800" kern="0" dirty="0"/>
           </a:p>
         </p:txBody>
       </p:sp>
@@ -24752,10 +27754,9 @@
           <a:lstStyle/>
           <a:p>
             <a:r>
-              <a:rPr lang="de-DE" dirty="0" smtClean="0"/>
+              <a:rPr lang="de-DE" dirty="0"/>
               <a:t>Motivation</a:t>
             </a:r>
-            <a:endParaRPr lang="de-DE" dirty="0"/>
           </a:p>
         </p:txBody>
       </p:sp>
@@ -24794,13 +27795,6 @@
   <p:clrMapOvr>
     <a:masterClrMapping/>
   </p:clrMapOvr>
-  <p:timing>
-    <p:tnLst>
-      <p:par>
-        <p:cTn id="1" dur="indefinite" restart="never" nodeType="tmRoot"/>
-      </p:par>
-    </p:tnLst>
-  </p:timing>
 </p:sld>
 </file>
 
@@ -25500,16 +28494,16 @@
               <a:buNone/>
             </a:pPr>
             <a:r>
-              <a:rPr lang="de-DE" dirty="0" err="1" smtClean="0">
+              <a:rPr lang="de-DE" u="sng" dirty="0" err="1">
                 <a:latin typeface="+mn-lt"/>
               </a:rPr>
               <a:t>Worst</a:t>
             </a:r>
             <a:r>
-              <a:rPr lang="de-DE" dirty="0" smtClean="0">
+              <a:rPr lang="de-DE" u="sng" dirty="0">
                 <a:latin typeface="+mn-lt"/>
               </a:rPr>
-              <a:t>-Case</a:t>
+              <a:t>-Case:</a:t>
             </a:r>
           </a:p>
           <a:p>
@@ -25517,192 +28511,28 @@
               <a:buNone/>
             </a:pPr>
             <a:r>
-              <a:rPr lang="de-DE" dirty="0" err="1" smtClean="0">
+              <a:rPr lang="de-DE" dirty="0">
                 <a:latin typeface="+mn-lt"/>
               </a:rPr>
-              <a:t>Worst</a:t>
-            </a:r>
-            <a:r>
-              <a:rPr lang="de-DE" dirty="0" smtClean="0">
-                <a:latin typeface="+mn-lt"/>
-              </a:rPr>
-              <a:t> </a:t>
-            </a:r>
-            <a:r>
-              <a:rPr lang="de-DE" dirty="0" err="1" smtClean="0">
-                <a:latin typeface="+mn-lt"/>
-              </a:rPr>
-              <a:t>adress</a:t>
-            </a:r>
-            <a:r>
-              <a:rPr lang="de-DE" dirty="0" smtClean="0">
-                <a:latin typeface="+mn-lt"/>
-              </a:rPr>
-              <a:t> </a:t>
-            </a:r>
-            <a:r>
-              <a:rPr lang="de-DE" dirty="0" err="1" smtClean="0">
-                <a:latin typeface="+mn-lt"/>
-              </a:rPr>
-              <a:t>toggel</a:t>
-            </a:r>
-            <a:endParaRPr lang="de-DE" dirty="0">
-              <a:latin typeface="+mn-lt"/>
-            </a:endParaRPr>
+              <a:t>Maximaler Adresssprung an allen Ports</a:t>
+            </a:r>
           </a:p>
           <a:p>
             <a:pPr marL="0" indent="0">
               <a:buNone/>
             </a:pPr>
             <a:r>
-              <a:rPr lang="de-DE" b="1" dirty="0">
-                <a:latin typeface="+mn-lt"/>
-              </a:rPr>
-              <a:t>ADD</a:t>
-            </a:r>
-            <a:r>
               <a:rPr lang="de-DE" dirty="0">
                 <a:latin typeface="+mn-lt"/>
               </a:rPr>
-              <a:t> V0R31 </a:t>
-            </a:r>
-            <a:r>
-              <a:rPr lang="de-DE" dirty="0" err="1">
-                <a:latin typeface="+mn-lt"/>
-              </a:rPr>
-              <a:t>V0R31</a:t>
+              <a:t>0</a:t>
             </a:r>
             <a:r>
               <a:rPr lang="de-DE" dirty="0">
                 <a:latin typeface="+mn-lt"/>
+                <a:sym typeface="Wingdings" panose="05000000000000000000" pitchFamily="2" charset="2"/>
               </a:rPr>
-              <a:t> </a:t>
-            </a:r>
-            <a:r>
-              <a:rPr lang="de-DE" dirty="0" err="1">
-                <a:latin typeface="+mn-lt"/>
-              </a:rPr>
-              <a:t>V0R31</a:t>
-            </a:r>
-            <a:r>
-              <a:rPr lang="de-DE" dirty="0">
-                <a:latin typeface="+mn-lt"/>
-              </a:rPr>
-              <a:t>	</a:t>
-            </a:r>
-          </a:p>
-          <a:p>
-            <a:pPr marL="0" indent="0">
-              <a:buNone/>
-            </a:pPr>
-            <a:r>
-              <a:rPr lang="de-DE" b="1" dirty="0">
-                <a:latin typeface="+mn-lt"/>
-              </a:rPr>
-              <a:t>OR</a:t>
-            </a:r>
-            <a:r>
-              <a:rPr lang="de-DE" dirty="0">
-                <a:latin typeface="+mn-lt"/>
-              </a:rPr>
-              <a:t>   V1R31 </a:t>
-            </a:r>
-            <a:r>
-              <a:rPr lang="de-DE" dirty="0" err="1">
-                <a:latin typeface="+mn-lt"/>
-              </a:rPr>
-              <a:t>V1R31</a:t>
-            </a:r>
-            <a:r>
-              <a:rPr lang="de-DE" dirty="0">
-                <a:latin typeface="+mn-lt"/>
-              </a:rPr>
-              <a:t> </a:t>
-            </a:r>
-            <a:r>
-              <a:rPr lang="de-DE" dirty="0" err="1">
-                <a:latin typeface="+mn-lt"/>
-              </a:rPr>
-              <a:t>V1R31</a:t>
-            </a:r>
-            <a:endParaRPr lang="de-DE" dirty="0">
-              <a:latin typeface="+mn-lt"/>
-            </a:endParaRPr>
-          </a:p>
-          <a:p>
-            <a:pPr marL="0" indent="0">
-              <a:buNone/>
-            </a:pPr>
-            <a:r>
-              <a:rPr lang="de-DE" b="1" dirty="0">
-                <a:latin typeface="+mn-lt"/>
-              </a:rPr>
-              <a:t>ADD</a:t>
-            </a:r>
-            <a:r>
-              <a:rPr lang="de-DE" dirty="0">
-                <a:latin typeface="+mn-lt"/>
-              </a:rPr>
-              <a:t> V0R0 </a:t>
-            </a:r>
-            <a:r>
-              <a:rPr lang="de-DE" dirty="0" err="1">
-                <a:latin typeface="+mn-lt"/>
-              </a:rPr>
-              <a:t>V0R0</a:t>
-            </a:r>
-            <a:r>
-              <a:rPr lang="de-DE" dirty="0">
-                <a:latin typeface="+mn-lt"/>
-              </a:rPr>
-              <a:t> </a:t>
-            </a:r>
-            <a:r>
-              <a:rPr lang="de-DE" dirty="0" err="1">
-                <a:latin typeface="+mn-lt"/>
-              </a:rPr>
-              <a:t>V0R0</a:t>
-            </a:r>
-            <a:r>
-              <a:rPr lang="de-DE" dirty="0">
-                <a:latin typeface="+mn-lt"/>
-              </a:rPr>
-              <a:t>	</a:t>
-            </a:r>
-          </a:p>
-          <a:p>
-            <a:pPr marL="0" indent="0">
-              <a:buNone/>
-            </a:pPr>
-            <a:r>
-              <a:rPr lang="de-DE" b="1" dirty="0">
-                <a:latin typeface="+mn-lt"/>
-              </a:rPr>
-              <a:t>OR</a:t>
-            </a:r>
-            <a:r>
-              <a:rPr lang="de-DE" dirty="0">
-                <a:latin typeface="+mn-lt"/>
-              </a:rPr>
-              <a:t>   V1R0 </a:t>
-            </a:r>
-            <a:r>
-              <a:rPr lang="de-DE" dirty="0" err="1">
-                <a:latin typeface="+mn-lt"/>
-              </a:rPr>
-              <a:t>V1R0</a:t>
-            </a:r>
-            <a:r>
-              <a:rPr lang="de-DE" dirty="0">
-                <a:latin typeface="+mn-lt"/>
-              </a:rPr>
-              <a:t> </a:t>
-            </a:r>
-            <a:r>
-              <a:rPr lang="de-DE" dirty="0" err="1">
-                <a:latin typeface="+mn-lt"/>
-              </a:rPr>
-              <a:t>V1R0</a:t>
+              <a:t>31</a:t>
             </a:r>
             <a:endParaRPr lang="de-DE" dirty="0">
               <a:latin typeface="+mn-lt"/>
@@ -25717,11 +28547,30 @@
             </a:endParaRPr>
           </a:p>
           <a:p>
+            <a:pPr marL="0" indent="0">
+              <a:buNone/>
+            </a:pPr>
+            <a:endParaRPr lang="de-DE" dirty="0">
+              <a:latin typeface="+mn-lt"/>
+            </a:endParaRPr>
+          </a:p>
+          <a:p>
+            <a:r>
+              <a:rPr lang="de-DE" u="sng" dirty="0">
+                <a:latin typeface="+mn-lt"/>
+              </a:rPr>
+              <a:t>Best-Case:</a:t>
+            </a:r>
+          </a:p>
+          <a:p>
+            <a:pPr marL="0" indent="0">
+              <a:buNone/>
+            </a:pPr>
             <a:r>
               <a:rPr lang="de-DE" dirty="0">
                 <a:latin typeface="+mn-lt"/>
               </a:rPr>
-              <a:t>Best-Case</a:t>
+              <a:t>Kein Adresswechsel</a:t>
             </a:r>
           </a:p>
           <a:p>
@@ -25729,148 +28578,17 @@
               <a:buNone/>
             </a:pPr>
             <a:r>
-              <a:rPr lang="de-DE" b="1" dirty="0">
-                <a:latin typeface="+mn-lt"/>
-              </a:rPr>
-              <a:t>ADD</a:t>
-            </a:r>
-            <a:r>
               <a:rPr lang="de-DE" dirty="0">
                 <a:latin typeface="+mn-lt"/>
               </a:rPr>
-              <a:t> V0R0 </a:t>
-            </a:r>
-            <a:r>
-              <a:rPr lang="de-DE" dirty="0" err="1">
-                <a:latin typeface="+mn-lt"/>
-              </a:rPr>
-              <a:t>V0R0</a:t>
+              <a:t>0</a:t>
             </a:r>
             <a:r>
               <a:rPr lang="de-DE" dirty="0">
                 <a:latin typeface="+mn-lt"/>
+                <a:sym typeface="Wingdings" panose="05000000000000000000" pitchFamily="2" charset="2"/>
               </a:rPr>
-              <a:t> </a:t>
-            </a:r>
-            <a:r>
-              <a:rPr lang="de-DE" dirty="0" err="1">
-                <a:latin typeface="+mn-lt"/>
-              </a:rPr>
-              <a:t>V0R0</a:t>
-            </a:r>
-            <a:endParaRPr lang="de-DE" dirty="0">
-              <a:latin typeface="+mn-lt"/>
-            </a:endParaRPr>
-          </a:p>
-          <a:p>
-            <a:pPr marL="0" indent="0">
-              <a:buNone/>
-            </a:pPr>
-            <a:r>
-              <a:rPr lang="de-DE" b="1" dirty="0">
-                <a:latin typeface="+mn-lt"/>
-              </a:rPr>
-              <a:t>OR</a:t>
-            </a:r>
-            <a:r>
-              <a:rPr lang="de-DE" dirty="0">
-                <a:latin typeface="+mn-lt"/>
-              </a:rPr>
-              <a:t>   V1R0 </a:t>
-            </a:r>
-            <a:r>
-              <a:rPr lang="de-DE" dirty="0" err="1">
-                <a:latin typeface="+mn-lt"/>
-              </a:rPr>
-              <a:t>V1R0</a:t>
-            </a:r>
-            <a:r>
-              <a:rPr lang="de-DE" dirty="0">
-                <a:latin typeface="+mn-lt"/>
-              </a:rPr>
-              <a:t> </a:t>
-            </a:r>
-            <a:r>
-              <a:rPr lang="de-DE" dirty="0" err="1">
-                <a:latin typeface="+mn-lt"/>
-              </a:rPr>
-              <a:t>V1R0</a:t>
-            </a:r>
-            <a:endParaRPr lang="de-DE" dirty="0">
-              <a:latin typeface="+mn-lt"/>
-            </a:endParaRPr>
-          </a:p>
-          <a:p>
-            <a:pPr marL="0" indent="0">
-              <a:buNone/>
-            </a:pPr>
-            <a:r>
-              <a:rPr lang="de-DE" b="1" dirty="0">
-                <a:latin typeface="+mn-lt"/>
-              </a:rPr>
-              <a:t>ADD</a:t>
-            </a:r>
-            <a:r>
-              <a:rPr lang="de-DE" dirty="0">
-                <a:latin typeface="+mn-lt"/>
-              </a:rPr>
-              <a:t> V0R0 </a:t>
-            </a:r>
-            <a:r>
-              <a:rPr lang="de-DE" dirty="0" err="1">
-                <a:latin typeface="+mn-lt"/>
-              </a:rPr>
-              <a:t>V0R0</a:t>
-            </a:r>
-            <a:r>
-              <a:rPr lang="de-DE" dirty="0">
-                <a:latin typeface="+mn-lt"/>
-              </a:rPr>
-              <a:t> </a:t>
-            </a:r>
-            <a:r>
-              <a:rPr lang="de-DE" dirty="0" err="1">
-                <a:latin typeface="+mn-lt"/>
-              </a:rPr>
-              <a:t>V0R0</a:t>
-            </a:r>
-            <a:endParaRPr lang="de-DE" dirty="0">
-              <a:latin typeface="+mn-lt"/>
-            </a:endParaRPr>
-          </a:p>
-          <a:p>
-            <a:pPr marL="0" indent="0">
-              <a:buNone/>
-            </a:pPr>
-            <a:r>
-              <a:rPr lang="de-DE" b="1" dirty="0">
-                <a:latin typeface="+mn-lt"/>
-              </a:rPr>
-              <a:t>OR</a:t>
-            </a:r>
-            <a:r>
-              <a:rPr lang="de-DE" dirty="0">
-                <a:latin typeface="+mn-lt"/>
-              </a:rPr>
-              <a:t>   V1R0 </a:t>
-            </a:r>
-            <a:r>
-              <a:rPr lang="de-DE" dirty="0" err="1">
-                <a:latin typeface="+mn-lt"/>
-              </a:rPr>
-              <a:t>V1R0</a:t>
-            </a:r>
-            <a:r>
-              <a:rPr lang="de-DE" dirty="0">
-                <a:latin typeface="+mn-lt"/>
-              </a:rPr>
-              <a:t> </a:t>
-            </a:r>
-            <a:r>
-              <a:rPr lang="de-DE" dirty="0" err="1">
-                <a:latin typeface="+mn-lt"/>
-              </a:rPr>
-              <a:t>V1R0</a:t>
+              <a:t>0</a:t>
             </a:r>
             <a:endParaRPr lang="de-DE" dirty="0">
               <a:latin typeface="+mn-lt"/>
@@ -25891,9 +28609,191 @@
   <p:timing>
     <p:tnLst>
       <p:par>
-        <p:cTn id="1" dur="indefinite" restart="never" nodeType="tmRoot"/>
+        <p:cTn id="1" dur="indefinite" restart="never" nodeType="tmRoot">
+          <p:childTnLst>
+            <p:seq concurrent="1" nextAc="seek">
+              <p:cTn id="2" dur="indefinite" nodeType="mainSeq">
+                <p:childTnLst>
+                  <p:par>
+                    <p:cTn id="3" fill="hold">
+                      <p:stCondLst>
+                        <p:cond delay="indefinite"/>
+                      </p:stCondLst>
+                      <p:childTnLst>
+                        <p:par>
+                          <p:cTn id="4" fill="hold">
+                            <p:stCondLst>
+                              <p:cond delay="0"/>
+                            </p:stCondLst>
+                            <p:childTnLst>
+                              <p:par>
+                                <p:cTn id="5" presetID="1" presetClass="entr" presetSubtype="0" fill="hold" grpId="0" nodeType="clickEffect">
+                                  <p:stCondLst>
+                                    <p:cond delay="0"/>
+                                  </p:stCondLst>
+                                  <p:childTnLst>
+                                    <p:set>
+                                      <p:cBhvr>
+                                        <p:cTn id="6" dur="1" fill="hold">
+                                          <p:stCondLst>
+                                            <p:cond delay="0"/>
+                                          </p:stCondLst>
+                                        </p:cTn>
+                                        <p:tgtEl>
+                                          <p:spTgt spid="4"/>
+                                        </p:tgtEl>
+                                        <p:attrNameLst>
+                                          <p:attrName>style.visibility</p:attrName>
+                                        </p:attrNameLst>
+                                      </p:cBhvr>
+                                      <p:to>
+                                        <p:strVal val="visible"/>
+                                      </p:to>
+                                    </p:set>
+                                  </p:childTnLst>
+                                </p:cTn>
+                              </p:par>
+                            </p:childTnLst>
+                          </p:cTn>
+                        </p:par>
+                      </p:childTnLst>
+                    </p:cTn>
+                  </p:par>
+                  <p:par>
+                    <p:cTn id="7" fill="hold">
+                      <p:stCondLst>
+                        <p:cond delay="indefinite"/>
+                      </p:stCondLst>
+                      <p:childTnLst>
+                        <p:par>
+                          <p:cTn id="8" fill="hold">
+                            <p:stCondLst>
+                              <p:cond delay="0"/>
+                            </p:stCondLst>
+                            <p:childTnLst>
+                              <p:par>
+                                <p:cTn id="9" presetID="1" presetClass="entr" presetSubtype="0" fill="hold" nodeType="clickEffect">
+                                  <p:stCondLst>
+                                    <p:cond delay="0"/>
+                                  </p:stCondLst>
+                                  <p:childTnLst>
+                                    <p:set>
+                                      <p:cBhvr>
+                                        <p:cTn id="10" dur="1" fill="hold">
+                                          <p:stCondLst>
+                                            <p:cond delay="0"/>
+                                          </p:stCondLst>
+                                        </p:cTn>
+                                        <p:tgtEl>
+                                          <p:spTgt spid="2">
+                                            <p:txEl>
+                                              <p:pRg st="8" end="8"/>
+                                            </p:txEl>
+                                          </p:spTgt>
+                                        </p:tgtEl>
+                                        <p:attrNameLst>
+                                          <p:attrName>style.visibility</p:attrName>
+                                        </p:attrNameLst>
+                                      </p:cBhvr>
+                                      <p:to>
+                                        <p:strVal val="visible"/>
+                                      </p:to>
+                                    </p:set>
+                                  </p:childTnLst>
+                                </p:cTn>
+                              </p:par>
+                              <p:par>
+                                <p:cTn id="11" presetID="1" presetClass="entr" presetSubtype="0" fill="hold" nodeType="withEffect">
+                                  <p:stCondLst>
+                                    <p:cond delay="0"/>
+                                  </p:stCondLst>
+                                  <p:childTnLst>
+                                    <p:set>
+                                      <p:cBhvr>
+                                        <p:cTn id="12" dur="1" fill="hold">
+                                          <p:stCondLst>
+                                            <p:cond delay="0"/>
+                                          </p:stCondLst>
+                                        </p:cTn>
+                                        <p:tgtEl>
+                                          <p:spTgt spid="2">
+                                            <p:txEl>
+                                              <p:pRg st="9" end="9"/>
+                                            </p:txEl>
+                                          </p:spTgt>
+                                        </p:tgtEl>
+                                        <p:attrNameLst>
+                                          <p:attrName>style.visibility</p:attrName>
+                                        </p:attrNameLst>
+                                      </p:cBhvr>
+                                      <p:to>
+                                        <p:strVal val="visible"/>
+                                      </p:to>
+                                    </p:set>
+                                  </p:childTnLst>
+                                </p:cTn>
+                              </p:par>
+                              <p:par>
+                                <p:cTn id="13" presetID="1" presetClass="entr" presetSubtype="0" fill="hold" nodeType="withEffect">
+                                  <p:stCondLst>
+                                    <p:cond delay="0"/>
+                                  </p:stCondLst>
+                                  <p:childTnLst>
+                                    <p:set>
+                                      <p:cBhvr>
+                                        <p:cTn id="14" dur="1" fill="hold">
+                                          <p:stCondLst>
+                                            <p:cond delay="0"/>
+                                          </p:stCondLst>
+                                        </p:cTn>
+                                        <p:tgtEl>
+                                          <p:spTgt spid="2">
+                                            <p:txEl>
+                                              <p:pRg st="10" end="10"/>
+                                            </p:txEl>
+                                          </p:spTgt>
+                                        </p:tgtEl>
+                                        <p:attrNameLst>
+                                          <p:attrName>style.visibility</p:attrName>
+                                        </p:attrNameLst>
+                                      </p:cBhvr>
+                                      <p:to>
+                                        <p:strVal val="visible"/>
+                                      </p:to>
+                                    </p:set>
+                                  </p:childTnLst>
+                                </p:cTn>
+                              </p:par>
+                            </p:childTnLst>
+                          </p:cTn>
+                        </p:par>
+                      </p:childTnLst>
+                    </p:cTn>
+                  </p:par>
+                </p:childTnLst>
+              </p:cTn>
+              <p:prevCondLst>
+                <p:cond evt="onPrev" delay="0">
+                  <p:tgtEl>
+                    <p:sldTgt/>
+                  </p:tgtEl>
+                </p:cond>
+              </p:prevCondLst>
+              <p:nextCondLst>
+                <p:cond evt="onNext" delay="0">
+                  <p:tgtEl>
+                    <p:sldTgt/>
+                  </p:tgtEl>
+                </p:cond>
+              </p:nextCondLst>
+            </p:seq>
+          </p:childTnLst>
+        </p:cTn>
       </p:par>
     </p:tnLst>
+    <p:bldLst>
+      <p:bldP spid="4" grpId="0"/>
+    </p:bldLst>
   </p:timing>
 </p:sld>
 </file>
@@ -26058,13 +28958,6 @@
   <p:clrMapOvr>
     <a:masterClrMapping/>
   </p:clrMapOvr>
-  <p:timing>
-    <p:tnLst>
-      <p:par>
-        <p:cTn id="1" dur="indefinite" restart="never" nodeType="tmRoot"/>
-      </p:par>
-    </p:tnLst>
-  </p:timing>
 </p:sld>
 </file>
 
@@ -26334,6 +29227,13 @@
           </a:p>
           <a:p>
             <a:pPr marL="0" indent="0">
+              <a:buFont typeface="Wingdings" pitchFamily="2" charset="2"/>
+              <a:buNone/>
+            </a:pPr>
+            <a:endParaRPr lang="de-DE" kern="0" dirty="0"/>
+          </a:p>
+          <a:p>
+            <a:pPr marL="0" indent="0">
               <a:buNone/>
             </a:pPr>
             <a:r>
@@ -26355,15 +29255,41 @@
           </a:p>
         </p:txBody>
       </p:sp>
+      <p:sp>
+        <p:nvSpPr>
+          <p:cNvPr id="3" name="Titel 2"/>
+          <p:cNvSpPr>
+            <a:spLocks noGrp="1"/>
+          </p:cNvSpPr>
+          <p:nvPr>
+            <p:ph type="title"/>
+          </p:nvPr>
+        </p:nvSpPr>
+        <p:spPr/>
+        <p:txBody>
+          <a:bodyPr/>
+          <a:lstStyle/>
+          <a:p>
+            <a:r>
+              <a:rPr lang="de-DE" dirty="0"/>
+              <a:t>Einfluss der Lastkapazität auf die Verlustleistung</a:t>
+            </a:r>
+          </a:p>
+        </p:txBody>
+      </p:sp>
       <p:pic>
         <p:nvPicPr>
-          <p:cNvPr id="11" name="Inhaltsplatzhalter 10"/>
+          <p:cNvPr id="5" name="Grafik 4">
+            <a:extLst>
+              <a:ext uri="{FF2B5EF4-FFF2-40B4-BE49-F238E27FC236}">
+                <a16:creationId xmlns:a16="http://schemas.microsoft.com/office/drawing/2014/main" id="{6DFCA9CF-B9B4-4DC3-BE21-9EFE43C23A32}"/>
+              </a:ext>
+            </a:extLst>
+          </p:cNvPr>
           <p:cNvPicPr>
-            <a:picLocks noGrp="1" noChangeAspect="1"/>
+            <a:picLocks noChangeAspect="1"/>
           </p:cNvPicPr>
-          <p:nvPr>
-            <p:ph idx="1"/>
-          </p:nvPr>
+          <p:nvPr/>
         </p:nvPicPr>
         <p:blipFill>
           <a:blip r:embed="rId2">
@@ -26379,33 +29305,14 @@
         </p:blipFill>
         <p:spPr>
           <a:xfrm>
-            <a:off x="782710" y="2273903"/>
-            <a:ext cx="7853218" cy="3074940"/>
+            <a:off x="2525399" y="1986152"/>
+            <a:ext cx="4107414" cy="3933511"/>
           </a:xfrm>
+          <a:prstGeom prst="rect">
+            <a:avLst/>
+          </a:prstGeom>
         </p:spPr>
       </p:pic>
-      <p:sp>
-        <p:nvSpPr>
-          <p:cNvPr id="3" name="Titel 2"/>
-          <p:cNvSpPr>
-            <a:spLocks noGrp="1"/>
-          </p:cNvSpPr>
-          <p:nvPr>
-            <p:ph type="title"/>
-          </p:nvPr>
-        </p:nvSpPr>
-        <p:spPr/>
-        <p:txBody>
-          <a:bodyPr/>
-          <a:lstStyle/>
-          <a:p>
-            <a:r>
-              <a:rPr lang="de-DE" dirty="0"/>
-              <a:t>Einfluss der Lastkapazität auf die Verlustleistung</a:t>
-            </a:r>
-          </a:p>
-        </p:txBody>
-      </p:sp>
     </p:spTree>
     <p:extLst>
       <p:ext uri="{BB962C8B-B14F-4D97-AF65-F5344CB8AC3E}">
@@ -26416,13 +29323,6 @@
   <p:clrMapOvr>
     <a:masterClrMapping/>
   </p:clrMapOvr>
-  <p:timing>
-    <p:tnLst>
-      <p:par>
-        <p:cTn id="1" dur="indefinite" restart="never" nodeType="tmRoot"/>
-      </p:par>
-    </p:tnLst>
-  </p:timing>
 </p:sld>
 </file>
 
@@ -26665,25 +29565,8 @@
           <a:p>
             <a:r>
               <a:rPr lang="de-DE" dirty="0"/>
-              <a:t>Mehrfaches Ausführen der </a:t>
-            </a:r>
-            <a:r>
-              <a:rPr lang="de-DE" dirty="0" smtClean="0"/>
-              <a:t>Register-Allokationen </a:t>
-            </a:r>
-            <a:r>
-              <a:rPr lang="de-DE" dirty="0" smtClean="0">
-                <a:solidFill>
-                  <a:srgbClr val="FF0000"/>
-                </a:solidFill>
-              </a:rPr>
-              <a:t>punkte kleiner</a:t>
-            </a:r>
-            <a:endParaRPr lang="de-DE" dirty="0">
-              <a:solidFill>
-                <a:srgbClr val="FF0000"/>
-              </a:solidFill>
-            </a:endParaRPr>
+              <a:t>Mehrfaches Ausführen der Register-Allokationen</a:t>
+            </a:r>
           </a:p>
           <a:p>
             <a:endParaRPr lang="de-DE" kern="0" dirty="0"/>
@@ -26792,13 +29675,6 @@
   <p:clrMapOvr>
     <a:masterClrMapping/>
   </p:clrMapOvr>
-  <p:timing>
-    <p:tnLst>
-      <p:par>
-        <p:cTn id="1" dur="indefinite" restart="never" nodeType="tmRoot"/>
-      </p:par>
-    </p:tnLst>
-  </p:timing>
 </p:sld>
 </file>
 
@@ -27195,10 +30071,9 @@
           </a:p>
           <a:p>
             <a:r>
-              <a:rPr lang="de-DE" sz="2000" kern="0" dirty="0" smtClean="0"/>
+              <a:rPr lang="de-DE" sz="2000" kern="0" dirty="0"/>
               <a:t>Blockieren des Register-Files um Testszenarien zu generieren</a:t>
             </a:r>
-            <a:endParaRPr lang="de-DE" sz="2000" kern="0" dirty="0"/>
           </a:p>
           <a:p>
             <a:endParaRPr lang="de-DE" sz="2000" kern="0" dirty="0"/>
@@ -27794,13 +30669,6 @@
   <p:clrMapOvr>
     <a:masterClrMapping/>
   </p:clrMapOvr>
-  <p:timing>
-    <p:tnLst>
-      <p:par>
-        <p:cTn id="1" dur="indefinite" restart="never" nodeType="tmRoot"/>
-      </p:par>
-    </p:tnLst>
-  </p:timing>
 </p:sld>
 </file>
 
@@ -28176,13 +31044,6 @@
   <p:clrMapOvr>
     <a:masterClrMapping/>
   </p:clrMapOvr>
-  <p:timing>
-    <p:tnLst>
-      <p:par>
-        <p:cTn id="1" dur="indefinite" restart="never" nodeType="tmRoot"/>
-      </p:par>
-    </p:tnLst>
-  </p:timing>
 </p:sld>
 </file>
 
@@ -28300,13 +31161,6 @@
   <p:clrMapOvr>
     <a:masterClrMapping/>
   </p:clrMapOvr>
-  <p:timing>
-    <p:tnLst>
-      <p:par>
-        <p:cTn id="1" dur="indefinite" restart="never" nodeType="tmRoot"/>
-      </p:par>
-    </p:tnLst>
-  </p:timing>
 </p:sld>
 </file>
 
@@ -29244,14 +32098,6 @@
   <p:clrMapOvr>
     <a:masterClrMapping/>
   </p:clrMapOvr>
-  <mc:AlternateContent xmlns:mc="http://schemas.openxmlformats.org/markup-compatibility/2006">
-    <mc:Choice xmlns:p14="http://schemas.microsoft.com/office/powerpoint/2010/main" Requires="p14">
-      <p:transition spd="slow" p14:dur="2000"/>
-    </mc:Choice>
-    <mc:Fallback>
-      <p:transition spd="slow"/>
-    </mc:Fallback>
-  </mc:AlternateContent>
   <p:timing>
     <p:tnLst>
       <p:par>
@@ -29638,13 +32484,6 @@
   <p:clrMapOvr>
     <a:masterClrMapping/>
   </p:clrMapOvr>
-  <p:timing>
-    <p:tnLst>
-      <p:par>
-        <p:cTn id="1" dur="indefinite" restart="never" nodeType="tmRoot"/>
-      </p:par>
-    </p:tnLst>
-  </p:timing>
 </p:sld>
 </file>
 
@@ -30777,14 +33616,6 @@
   <p:clrMapOvr>
     <a:masterClrMapping/>
   </p:clrMapOvr>
-  <mc:AlternateContent xmlns:mc="http://schemas.openxmlformats.org/markup-compatibility/2006">
-    <mc:Choice xmlns:p14="http://schemas.microsoft.com/office/powerpoint/2010/main" Requires="p14">
-      <p:transition spd="slow" p14:dur="2000"/>
-    </mc:Choice>
-    <mc:Fallback>
-      <p:transition spd="slow"/>
-    </mc:Fallback>
-  </mc:AlternateContent>
   <p:timing>
     <p:tnLst>
       <p:par>
@@ -31132,14 +33963,6 @@
   <p:clrMapOvr>
     <a:masterClrMapping/>
   </p:clrMapOvr>
-  <mc:AlternateContent xmlns:mc="http://schemas.openxmlformats.org/markup-compatibility/2006">
-    <mc:Choice xmlns:p14="http://schemas.microsoft.com/office/powerpoint/2010/main" Requires="p14">
-      <p:transition spd="slow" p14:dur="2000"/>
-    </mc:Choice>
-    <mc:Fallback>
-      <p:transition spd="slow"/>
-    </mc:Fallback>
-  </mc:AlternateContent>
 </p:sld>
 </file>
 
@@ -31252,14 +34075,6 @@
   <p:clrMapOvr>
     <a:masterClrMapping/>
   </p:clrMapOvr>
-  <mc:AlternateContent xmlns:mc="http://schemas.openxmlformats.org/markup-compatibility/2006">
-    <mc:Choice xmlns:p14="http://schemas.microsoft.com/office/powerpoint/2010/main" Requires="p14">
-      <p:transition spd="slow" p14:dur="2000"/>
-    </mc:Choice>
-    <mc:Fallback>
-      <p:transition spd="slow"/>
-    </mc:Fallback>
-  </mc:AlternateContent>
 </p:sld>
 </file>
 
@@ -32618,14 +35433,6 @@
   <p:clrMapOvr>
     <a:masterClrMapping/>
   </p:clrMapOvr>
-  <mc:AlternateContent xmlns:mc="http://schemas.openxmlformats.org/markup-compatibility/2006">
-    <mc:Choice xmlns:p14="http://schemas.microsoft.com/office/powerpoint/2010/main" Requires="p14">
-      <p:transition spd="slow" p14:dur="2000"/>
-    </mc:Choice>
-    <mc:Fallback>
-      <p:transition spd="slow"/>
-    </mc:Fallback>
-  </mc:AlternateContent>
 </p:sld>
 </file>
 
@@ -32662,35 +35469,65 @@
           <a:lstStyle/>
           <a:p>
             <a:r>
-              <a:rPr lang="de-DE" dirty="0"/>
+              <a:rPr lang="de-DE" sz="2000" dirty="0"/>
               <a:t>Prozessor: KAVUAKA ASIP VLIW-SIMD</a:t>
             </a:r>
           </a:p>
           <a:p>
             <a:r>
-              <a:rPr lang="de-DE" dirty="0"/>
+              <a:rPr lang="de-DE" sz="2000" dirty="0"/>
+              <a:t>Optimierung durch Software </a:t>
+            </a:r>
+          </a:p>
+          <a:p>
+            <a:pPr marL="457200" lvl="1" indent="0">
+              <a:buNone/>
+            </a:pPr>
+            <a:r>
+              <a:rPr lang="de-DE" sz="2000" dirty="0">
+                <a:solidFill>
+                  <a:schemeClr val="bg2"/>
+                </a:solidFill>
+                <a:sym typeface="Wingdings" panose="05000000000000000000" pitchFamily="2" charset="2"/>
+              </a:rPr>
+              <a:t></a:t>
+            </a:r>
+            <a:r>
+              <a:rPr lang="de-DE" sz="2000" dirty="0">
+                <a:sym typeface="Wingdings" panose="05000000000000000000" pitchFamily="2" charset="2"/>
+              </a:rPr>
+              <a:t> </a:t>
+            </a:r>
+            <a:r>
+              <a:rPr lang="de-DE" sz="2000" dirty="0"/>
+              <a:t>Keine Hardware-Anpassung + Performance-Einbuße</a:t>
+            </a:r>
+          </a:p>
+          <a:p>
+            <a:r>
+              <a:rPr lang="de-DE" sz="2000" dirty="0"/>
               <a:t>Register-File Anteil von ca. 65% an der Gesamtleistung</a:t>
             </a:r>
           </a:p>
           <a:p>
             <a:pPr lvl="1"/>
             <a:r>
-              <a:rPr lang="de-DE" dirty="0"/>
+              <a:rPr lang="de-DE" sz="2000" dirty="0"/>
               <a:t>64 Register als </a:t>
             </a:r>
             <a:r>
-              <a:rPr lang="de-DE" dirty="0" err="1"/>
+              <a:rPr lang="de-DE" sz="2000" dirty="0" err="1"/>
               <a:t>Multishared</a:t>
             </a:r>
             <a:r>
-              <a:rPr lang="de-DE" dirty="0"/>
+              <a:rPr lang="de-DE" sz="2000" dirty="0"/>
               <a:t>-Register-Organisation</a:t>
             </a:r>
           </a:p>
           <a:p>
             <a:pPr lvl="1"/>
             <a:r>
-              <a:rPr lang="de-DE" dirty="0"/>
+              <a:rPr lang="de-DE" sz="2000" dirty="0"/>
               <a:t>8 Lese-Ports und 4 Schreib-Ports</a:t>
             </a:r>
           </a:p>
@@ -32740,7 +35577,7 @@
         </p:blipFill>
         <p:spPr>
           <a:xfrm>
-            <a:off x="2029054" y="3475039"/>
+            <a:off x="1511695" y="3962401"/>
             <a:ext cx="5360530" cy="2362199"/>
           </a:xfrm>
           <a:prstGeom prst="rect">
@@ -32756,7 +35593,7 @@
         </p:nvSpPr>
         <p:spPr bwMode="auto">
           <a:xfrm>
-            <a:off x="4010526" y="3507123"/>
+            <a:off x="3525730" y="3994944"/>
             <a:ext cx="1260267" cy="2362199"/>
           </a:xfrm>
           <a:prstGeom prst="rect">
@@ -32944,36 +35781,32 @@
             </a:r>
             <a:r>
               <a:rPr lang="de-DE" dirty="0"/>
+              <a:t> V0R0 </a:t>
+            </a:r>
+            <a:r>
+              <a:rPr lang="de-DE" dirty="0" err="1"/>
+              <a:t>V0R0</a:t>
+            </a:r>
+            <a:r>
+              <a:rPr lang="de-DE" dirty="0"/>
               <a:t> </a:t>
             </a:r>
             <a:r>
-              <a:rPr lang="de-DE" dirty="0" smtClean="0"/>
-              <a:t>V0R0 </a:t>
-            </a:r>
-            <a:r>
-              <a:rPr lang="de-DE" dirty="0" err="1" smtClean="0"/>
+              <a:rPr lang="de-DE" dirty="0" err="1"/>
               <a:t>V0R0</a:t>
             </a:r>
-            <a:r>
-              <a:rPr lang="de-DE" dirty="0" smtClean="0"/>
-              <a:t> </a:t>
-            </a:r>
-            <a:r>
-              <a:rPr lang="de-DE" dirty="0" err="1" smtClean="0"/>
-              <a:t>V0R0</a:t>
-            </a:r>
-            <a:endParaRPr lang="de-DE" b="1" dirty="0" smtClean="0"/>
+            <a:endParaRPr lang="de-DE" b="1" dirty="0"/>
           </a:p>
           <a:p>
             <a:pPr marL="0" indent="0">
               <a:buNone/>
             </a:pPr>
             <a:r>
-              <a:rPr lang="de-DE" b="1" dirty="0" smtClean="0"/>
+              <a:rPr lang="de-DE" b="1" dirty="0"/>
               <a:t>ADD</a:t>
             </a:r>
             <a:r>
-              <a:rPr lang="de-DE" dirty="0" smtClean="0"/>
+              <a:rPr lang="de-DE" dirty="0"/>
               <a:t> </a:t>
             </a:r>
             <a:r>
@@ -33652,13 +36485,6 @@
   <p:clrMapOvr>
     <a:masterClrMapping/>
   </p:clrMapOvr>
-  <p:timing>
-    <p:tnLst>
-      <p:par>
-        <p:cTn id="1" dur="indefinite" restart="never" nodeType="tmRoot"/>
-      </p:par>
-    </p:tnLst>
-  </p:timing>
 </p:sld>
 </file>
 
@@ -34422,13 +37248,6 @@
       <p:transition spd="slow" advClick="0" advTm="500"/>
     </mc:Fallback>
   </mc:AlternateContent>
-  <p:timing>
-    <p:tnLst>
-      <p:par>
-        <p:cTn id="1" dur="indefinite" restart="never" nodeType="tmRoot"/>
-      </p:par>
-    </p:tnLst>
-  </p:timing>
 </p:sld>
 </file>
 
@@ -35192,13 +38011,6 @@
       <p:transition spd="slow" advClick="0" advTm="500"/>
     </mc:Fallback>
   </mc:AlternateContent>
-  <p:timing>
-    <p:tnLst>
-      <p:par>
-        <p:cTn id="1" dur="indefinite" restart="never" nodeType="tmRoot"/>
-      </p:par>
-    </p:tnLst>
-  </p:timing>
 </p:sld>
 </file>
 
@@ -35962,13 +38774,6 @@
       <p:transition spd="slow" advClick="0" advTm="500"/>
     </mc:Fallback>
   </mc:AlternateContent>
-  <p:timing>
-    <p:tnLst>
-      <p:par>
-        <p:cTn id="1" dur="indefinite" restart="never" nodeType="tmRoot"/>
-      </p:par>
-    </p:tnLst>
-  </p:timing>
 </p:sld>
 </file>
 
@@ -36732,13 +39537,6 @@
       <p:transition spd="slow" advClick="0" advTm="500"/>
     </mc:Fallback>
   </mc:AlternateContent>
-  <p:timing>
-    <p:tnLst>
-      <p:par>
-        <p:cTn id="1" dur="indefinite" restart="never" nodeType="tmRoot"/>
-      </p:par>
-    </p:tnLst>
-  </p:timing>
 </p:sld>
 </file>
 

--- a/Presentation_Rene_Weinmann.pptx
+++ b/Presentation_Rene_Weinmann.pptx
@@ -5,10 +5,10 @@
     <p:sldMasterId id="2147483648" r:id="rId1"/>
   </p:sldMasterIdLst>
   <p:notesMasterIdLst>
-    <p:notesMasterId r:id="rId35"/>
+    <p:notesMasterId r:id="rId36"/>
   </p:notesMasterIdLst>
   <p:handoutMasterIdLst>
-    <p:handoutMasterId r:id="rId36"/>
+    <p:handoutMasterId r:id="rId37"/>
   </p:handoutMasterIdLst>
   <p:sldIdLst>
     <p:sldId id="256" r:id="rId2"/>
@@ -36,14 +36,15 @@
     <p:sldId id="273" r:id="rId24"/>
     <p:sldId id="260" r:id="rId25"/>
     <p:sldId id="300" r:id="rId26"/>
-    <p:sldId id="292" r:id="rId27"/>
-    <p:sldId id="280" r:id="rId28"/>
-    <p:sldId id="282" r:id="rId29"/>
-    <p:sldId id="283" r:id="rId30"/>
-    <p:sldId id="284" r:id="rId31"/>
-    <p:sldId id="286" r:id="rId32"/>
-    <p:sldId id="288" r:id="rId33"/>
-    <p:sldId id="289" r:id="rId34"/>
+    <p:sldId id="301" r:id="rId27"/>
+    <p:sldId id="292" r:id="rId28"/>
+    <p:sldId id="280" r:id="rId29"/>
+    <p:sldId id="282" r:id="rId30"/>
+    <p:sldId id="283" r:id="rId31"/>
+    <p:sldId id="284" r:id="rId32"/>
+    <p:sldId id="286" r:id="rId33"/>
+    <p:sldId id="288" r:id="rId34"/>
+    <p:sldId id="289" r:id="rId35"/>
   </p:sldIdLst>
   <p:sldSz cx="9144000" cy="6858000" type="screen4x3"/>
   <p:notesSz cx="6797675" cy="9926638"/>
@@ -228,14 +229,14 @@
         <c:grouping val="clustered"/>
         <c:varyColors val="0"/>
         <c:ser>
-          <c:idx val="0"/>
-          <c:order val="0"/>
+          <c:idx val="1"/>
+          <c:order val="1"/>
           <c:tx>
-            <c:v>Gesamtleistung</c:v>
+            <c:v>Register-File</c:v>
           </c:tx>
           <c:spPr>
             <a:solidFill>
-              <a:schemeClr val="accent1"/>
+              <a:schemeClr val="accent2"/>
             </a:solidFill>
             <a:ln>
               <a:noFill/>
@@ -245,13 +246,19 @@
           <c:invertIfNegative val="0"/>
           <c:cat>
             <c:strRef>
-              <c:f>Sheet25!$H$26:$I$26</c:f>
+              <c:f>[register_eval_excel.xlsx]Sheet25!$H$26:$K$26</c:f>
               <c:strCache>
-                <c:ptCount val="2"/>
+                <c:ptCount val="4"/>
                 <c:pt idx="0">
                   <c:v>Worst-Case</c:v>
                 </c:pt>
                 <c:pt idx="1">
+                  <c:v>Best-Case</c:v>
+                </c:pt>
+                <c:pt idx="2">
+                  <c:v>Worst-Case</c:v>
+                </c:pt>
+                <c:pt idx="3">
                   <c:v>Best-Case</c:v>
                 </c:pt>
               </c:strCache>
@@ -259,22 +266,22 @@
           </c:cat>
           <c:val>
             <c:numRef>
-              <c:f>Sheet25!$H$24:$I$24</c:f>
+              <c:f>[register_eval_excel.xlsx]Sheet25!$J$25:$M$25</c:f>
               <c:numCache>
-                <c:formatCode>0.00000E+00</c:formatCode>
-                <c:ptCount val="2"/>
+                <c:formatCode>General</c:formatCode>
+                <c:ptCount val="4"/>
                 <c:pt idx="0">
-                  <c:v>1.883356265</c:v>
+                  <c:v>95.021639899999997</c:v>
                 </c:pt>
                 <c:pt idx="1">
-                  <c:v>1.7459500000000001</c:v>
+                  <c:v>80.3</c:v>
                 </c:pt>
               </c:numCache>
             </c:numRef>
           </c:val>
           <c:extLst>
             <c:ext xmlns:c16="http://schemas.microsoft.com/office/drawing/2014/chart" uri="{C3380CC4-5D6E-409C-BE32-E72D297353CC}">
-              <c16:uniqueId val="{00000000-D6AC-43C6-AE20-F307E7B97123}"/>
+              <c16:uniqueId val="{00000000-5DC8-4269-8F10-06D7CFEC1681}"/>
             </c:ext>
           </c:extLst>
         </c:ser>
@@ -295,14 +302,14 @@
         <c:grouping val="clustered"/>
         <c:varyColors val="0"/>
         <c:ser>
-          <c:idx val="1"/>
-          <c:order val="1"/>
+          <c:idx val="0"/>
+          <c:order val="0"/>
           <c:tx>
-            <c:v>Register-File</c:v>
+            <c:v>Gesamtleistung</c:v>
           </c:tx>
           <c:spPr>
             <a:solidFill>
-              <a:schemeClr val="accent2"/>
+              <a:schemeClr val="accent1"/>
             </a:solidFill>
             <a:ln>
               <a:noFill/>
@@ -312,13 +319,19 @@
           <c:invertIfNegative val="0"/>
           <c:cat>
             <c:strRef>
-              <c:f>Sheet25!$H$26:$I$26</c:f>
+              <c:f>[register_eval_excel.xlsx]Sheet25!$H$26:$K$26</c:f>
               <c:strCache>
-                <c:ptCount val="2"/>
+                <c:ptCount val="4"/>
                 <c:pt idx="0">
                   <c:v>Worst-Case</c:v>
                 </c:pt>
                 <c:pt idx="1">
+                  <c:v>Best-Case</c:v>
+                </c:pt>
+                <c:pt idx="2">
+                  <c:v>Worst-Case</c:v>
+                </c:pt>
+                <c:pt idx="3">
                   <c:v>Best-Case</c:v>
                 </c:pt>
               </c:strCache>
@@ -326,22 +339,22 @@
           </c:cat>
           <c:val>
             <c:numRef>
-              <c:f>Sheet25!$H$25:$I$25</c:f>
+              <c:f>[register_eval_excel.xlsx]Sheet25!$H$24:$K$24</c:f>
               <c:numCache>
                 <c:formatCode>General</c:formatCode>
-                <c:ptCount val="2"/>
-                <c:pt idx="0">
-                  <c:v>95.021639899999997</c:v>
+                <c:ptCount val="4"/>
+                <c:pt idx="2" formatCode="0.00000E+00">
+                  <c:v>1.883356265</c:v>
                 </c:pt>
-                <c:pt idx="1">
-                  <c:v>80.3</c:v>
+                <c:pt idx="3" formatCode="0.00000E+00">
+                  <c:v>1.7459500000000001</c:v>
                 </c:pt>
               </c:numCache>
             </c:numRef>
           </c:val>
           <c:extLst>
             <c:ext xmlns:c16="http://schemas.microsoft.com/office/drawing/2014/chart" uri="{C3380CC4-5D6E-409C-BE32-E72D297353CC}">
-              <c16:uniqueId val="{00000001-D6AC-43C6-AE20-F307E7B97123}"/>
+              <c16:uniqueId val="{00000001-5DC8-4269-8F10-06D7CFEC1681}"/>
             </c:ext>
           </c:extLst>
         </c:ser>
@@ -354,8 +367,8 @@
           <c:showBubbleSize val="0"/>
         </c:dLbls>
         <c:gapWidth val="150"/>
-        <c:axId val="460451168"/>
-        <c:axId val="347575880"/>
+        <c:axId val="275711984"/>
+        <c:axId val="275712968"/>
       </c:barChart>
       <c:catAx>
         <c:axId val="499531400"/>
@@ -386,7 +399,7 @@
           <a:lstStyle/>
           <a:p>
             <a:pPr>
-              <a:defRPr sz="900" b="0" i="0" u="none" strike="noStrike" kern="1200" baseline="0">
+              <a:defRPr sz="1100" b="0" i="0" u="none" strike="noStrike" kern="1200" baseline="0">
                 <a:solidFill>
                   <a:schemeClr val="tx1">
                     <a:lumMod val="65000"/>
@@ -437,7 +450,7 @@
               <a:lstStyle/>
               <a:p>
                 <a:pPr>
-                  <a:defRPr sz="1000" b="0" i="0" u="none" strike="noStrike" kern="1200" baseline="0">
+                  <a:defRPr sz="1100" b="0" i="0" u="none" strike="noStrike" kern="1200" baseline="0">
                     <a:solidFill>
                       <a:schemeClr val="tx1">
                         <a:lumMod val="65000"/>
@@ -450,17 +463,28 @@
                   </a:defRPr>
                 </a:pPr>
                 <a:r>
-                  <a:rPr lang="de-DE" dirty="0" smtClean="0"/>
-                  <a:t>Gesamtleistung [</a:t>
+                  <a:rPr lang="de-DE" sz="1100" dirty="0"/>
+                  <a:t>Schaltleistung </a:t>
                 </a:r>
                 <a:r>
-                  <a:rPr lang="de-DE" dirty="0" smtClean="0">
+                  <a:rPr lang="de-DE" sz="1100" dirty="0" smtClean="0"/>
+                  <a:t>[</a:t>
+                </a:r>
+                <a:r>
+                  <a:rPr lang="de-DE" sz="1100" dirty="0" smtClean="0">
                     <a:latin typeface="Times New Roman" panose="02020603050405020304" pitchFamily="18" charset="0"/>
                     <a:cs typeface="Times New Roman" panose="02020603050405020304" pitchFamily="18" charset="0"/>
                   </a:rPr>
-                  <a:t>mW]</a:t>
+                  <a:t>µ</a:t>
                 </a:r>
-                <a:endParaRPr lang="de-DE" dirty="0"/>
+                <a:r>
+                  <a:rPr lang="de-DE" sz="1100" dirty="0" smtClean="0"/>
+                  <a:t>W</a:t>
+                </a:r>
+                <a:r>
+                  <a:rPr lang="de-DE" sz="1100" dirty="0"/>
+                  <a:t>]</a:t>
+                </a:r>
               </a:p>
             </c:rich>
           </c:tx>
@@ -478,7 +502,7 @@
             <a:lstStyle/>
             <a:p>
               <a:pPr>
-                <a:defRPr sz="1000" b="0" i="0" u="none" strike="noStrike" kern="1200" baseline="0">
+                <a:defRPr sz="1100" b="0" i="0" u="none" strike="noStrike" kern="1200" baseline="0">
                   <a:solidFill>
                     <a:schemeClr val="tx1">
                       <a:lumMod val="65000"/>
@@ -510,7 +534,7 @@
           <a:lstStyle/>
           <a:p>
             <a:pPr>
-              <a:defRPr sz="900" b="0" i="0" u="none" strike="noStrike" kern="1200" baseline="0">
+              <a:defRPr sz="1100" b="0" i="0" u="none" strike="noStrike" kern="1200" baseline="0">
                 <a:solidFill>
                   <a:schemeClr val="tx1">
                     <a:lumMod val="65000"/>
@@ -530,9 +554,10 @@
         <c:crossBetween val="between"/>
       </c:valAx>
       <c:valAx>
-        <c:axId val="347575880"/>
+        <c:axId val="275712968"/>
         <c:scaling>
           <c:orientation val="minMax"/>
+          <c:min val="0"/>
         </c:scaling>
         <c:delete val="0"/>
         <c:axPos val="r"/>
@@ -556,17 +581,9 @@
                   </a:defRPr>
                 </a:pPr>
                 <a:r>
-                  <a:rPr lang="de-DE" dirty="0" smtClean="0"/>
-                  <a:t>Schaltleistung [</a:t>
+                  <a:rPr lang="de-DE"/>
+                  <a:t>Gesamtleistung [mW]</a:t>
                 </a:r>
-                <a:r>
-                  <a:rPr lang="de-DE" dirty="0" smtClean="0">
-                    <a:latin typeface="Times New Roman" panose="02020603050405020304" pitchFamily="18" charset="0"/>
-                    <a:cs typeface="Times New Roman" panose="02020603050405020304" pitchFamily="18" charset="0"/>
-                  </a:rPr>
-                  <a:t>µW]</a:t>
-                </a:r>
-                <a:endParaRPr lang="de-DE" dirty="0"/>
               </a:p>
             </c:rich>
           </c:tx>
@@ -616,7 +633,7 @@
           <a:lstStyle/>
           <a:p>
             <a:pPr>
-              <a:defRPr sz="900" b="0" i="0" u="none" strike="noStrike" kern="1200" baseline="0">
+              <a:defRPr sz="1100" b="0" i="0" u="none" strike="noStrike" kern="1200" baseline="0">
                 <a:solidFill>
                   <a:schemeClr val="tx1">
                     <a:lumMod val="65000"/>
@@ -631,12 +648,12 @@
             <a:endParaRPr lang="de-DE"/>
           </a:p>
         </c:txPr>
-        <c:crossAx val="460451168"/>
+        <c:crossAx val="275711984"/>
         <c:crosses val="max"/>
         <c:crossBetween val="between"/>
       </c:valAx>
       <c:catAx>
-        <c:axId val="460451168"/>
+        <c:axId val="275711984"/>
         <c:scaling>
           <c:orientation val="minMax"/>
         </c:scaling>
@@ -646,7 +663,7 @@
         <c:majorTickMark val="out"/>
         <c:minorTickMark val="none"/>
         <c:tickLblPos val="nextTo"/>
-        <c:crossAx val="347575880"/>
+        <c:crossAx val="275712968"/>
         <c:crosses val="autoZero"/>
         <c:auto val="1"/>
         <c:lblAlgn val="ctr"/>
@@ -677,7 +694,7 @@
         <a:lstStyle/>
         <a:p>
           <a:pPr>
-            <a:defRPr sz="900" b="0" i="0" u="none" strike="noStrike" kern="1200" baseline="0">
+            <a:defRPr sz="1100" b="0" i="0" u="none" strike="noStrike" kern="1200" baseline="0">
               <a:solidFill>
                 <a:schemeClr val="tx1">
                   <a:lumMod val="65000"/>
@@ -1074,14 +1091,14 @@
     </mc:Fallback>
   </mc:AlternateContent>
   <c:chart>
-    <c:autoTitleDeleted val="1"/>
+    <c:autoTitleDeleted val="0"/>
     <c:plotArea>
       <c:layout/>
       <c:scatterChart>
-        <c:scatterStyle val="lineMarker"/>
+        <c:scatterStyle val="smoothMarker"/>
         <c:varyColors val="0"/>
         <c:ser>
-          <c:idx val="0"/>
+          <c:idx val="2"/>
           <c:order val="0"/>
           <c:tx>
             <c:strRef>
@@ -1089,273 +1106,33 @@
               <c:strCache>
                 <c:ptCount val="1"/>
                 <c:pt idx="0">
-                  <c:v>Summe der Schaltleistungen</c:v>
+                  <c:v>Summe Schaltleistung</c:v>
                 </c:pt>
               </c:strCache>
             </c:strRef>
           </c:tx>
           <c:spPr>
-            <a:ln w="28800">
+            <a:ln w="19050" cap="rnd">
               <a:solidFill>
-                <a:srgbClr val="004586"/>
+                <a:srgbClr val="860000"/>
               </a:solidFill>
+              <a:round/>
             </a:ln>
+            <a:effectLst/>
           </c:spPr>
           <c:marker>
-            <c:symbol val="square"/>
-            <c:size val="7"/>
-          </c:marker>
-          <c:xVal>
-            <c:numRef>
-              <c:f>'Target+Source1+Source2'!$F$4:$F$20</c:f>
-              <c:numCache>
-                <c:formatCode>General</c:formatCode>
-                <c:ptCount val="15"/>
-                <c:pt idx="0">
-                  <c:v>96</c:v>
-                </c:pt>
-                <c:pt idx="1">
-                  <c:v>192</c:v>
-                </c:pt>
-                <c:pt idx="2">
-                  <c:v>192</c:v>
-                </c:pt>
-                <c:pt idx="3">
-                  <c:v>288</c:v>
-                </c:pt>
-                <c:pt idx="4">
-                  <c:v>384</c:v>
-                </c:pt>
-                <c:pt idx="5">
-                  <c:v>480</c:v>
-                </c:pt>
-              </c:numCache>
-            </c:numRef>
-          </c:xVal>
-          <c:yVal>
-            <c:numRef>
-              <c:f>'Target+Source1+Source2'!$C$4:$C$20</c:f>
-              <c:numCache>
-                <c:formatCode>General</c:formatCode>
-                <c:ptCount val="15"/>
-                <c:pt idx="0">
-                  <c:v>0.67359099999999994</c:v>
-                </c:pt>
-                <c:pt idx="1">
-                  <c:v>1.5470110000000001</c:v>
-                </c:pt>
-                <c:pt idx="2">
-                  <c:v>1.6852400000000001</c:v>
-                </c:pt>
-                <c:pt idx="3">
-                  <c:v>2.234661</c:v>
-                </c:pt>
-                <c:pt idx="4">
-                  <c:v>2.9082520000000001</c:v>
-                </c:pt>
-                <c:pt idx="5">
-                  <c:v>3.9058419999999998</c:v>
-                </c:pt>
-                <c:pt idx="7">
-                  <c:v>6.7359099999999996E-7</c:v>
-                </c:pt>
-                <c:pt idx="8">
-                  <c:v>1.5470110000000001E-6</c:v>
-                </c:pt>
-                <c:pt idx="9">
-                  <c:v>1.68524E-6</c:v>
-                </c:pt>
-                <c:pt idx="10">
-                  <c:v>2.2346609999999999E-6</c:v>
-                </c:pt>
-                <c:pt idx="11">
-                  <c:v>2.9082520000000001E-6</c:v>
-                </c:pt>
-                <c:pt idx="12">
-                  <c:v>3.9058419999999998E-6</c:v>
-                </c:pt>
-              </c:numCache>
-            </c:numRef>
-          </c:yVal>
-          <c:smooth val="0"/>
-          <c:extLst>
-            <c:ext xmlns:c16="http://schemas.microsoft.com/office/drawing/2014/chart" uri="{C3380CC4-5D6E-409C-BE32-E72D297353CC}">
-              <c16:uniqueId val="{00000000-1233-4263-BB18-56D56F4E2CA0}"/>
-            </c:ext>
-          </c:extLst>
-        </c:ser>
-        <c:ser>
-          <c:idx val="2"/>
-          <c:order val="1"/>
-          <c:tx>
-            <c:strRef>
-              <c:f>'Target+Source1+Source2'!$E$3</c:f>
-              <c:strCache>
-                <c:ptCount val="1"/>
-                <c:pt idx="0">
-                  <c:v>Schaltleistung Source-Ports</c:v>
-                </c:pt>
-              </c:strCache>
-            </c:strRef>
-          </c:tx>
-          <c:spPr>
-            <a:ln w="28800">
-              <a:solidFill>
-                <a:srgbClr val="83CAFF"/>
-              </a:solidFill>
-            </a:ln>
-          </c:spPr>
-          <c:marker>
-            <c:symbol val="triangle"/>
+            <c:symbol val="circle"/>
             <c:size val="5"/>
-            <c:spPr>
-              <a:solidFill>
-                <a:schemeClr val="accent1">
-                  <a:lumMod val="40000"/>
-                  <a:lumOff val="60000"/>
-                </a:schemeClr>
-              </a:solidFill>
-              <a:ln>
-                <a:solidFill>
-                  <a:schemeClr val="accent1">
-                    <a:lumMod val="40000"/>
-                    <a:lumOff val="60000"/>
-                  </a:schemeClr>
-                </a:solidFill>
-              </a:ln>
-            </c:spPr>
-          </c:marker>
-          <c:dPt>
-            <c:idx val="3"/>
-            <c:bubble3D val="0"/>
-            <c:spPr>
-              <a:ln w="28800">
-                <a:solidFill>
-                  <a:schemeClr val="accent1">
-                    <a:lumMod val="40000"/>
-                    <a:lumOff val="60000"/>
-                  </a:schemeClr>
-                </a:solidFill>
-              </a:ln>
-            </c:spPr>
-            <c:extLst>
-              <c:ext xmlns:c16="http://schemas.microsoft.com/office/drawing/2014/chart" uri="{C3380CC4-5D6E-409C-BE32-E72D297353CC}">
-                <c16:uniqueId val="{00000000-2585-47AE-8A67-901D7B64095C}"/>
-              </c:ext>
-            </c:extLst>
-          </c:dPt>
-          <c:xVal>
-            <c:numRef>
-              <c:f>'Target+Source1+Source2'!$F$4:$F$25</c:f>
-              <c:numCache>
-                <c:formatCode>General</c:formatCode>
-                <c:ptCount val="16"/>
-                <c:pt idx="0">
-                  <c:v>96</c:v>
-                </c:pt>
-                <c:pt idx="1">
-                  <c:v>192</c:v>
-                </c:pt>
-                <c:pt idx="2">
-                  <c:v>192</c:v>
-                </c:pt>
-                <c:pt idx="3">
-                  <c:v>288</c:v>
-                </c:pt>
-                <c:pt idx="4">
-                  <c:v>384</c:v>
-                </c:pt>
-                <c:pt idx="5">
-                  <c:v>480</c:v>
-                </c:pt>
-              </c:numCache>
-            </c:numRef>
-          </c:xVal>
-          <c:yVal>
-            <c:numRef>
-              <c:f>'Target+Source1+Source2'!$E$4:$E$22</c:f>
-              <c:numCache>
-                <c:formatCode>General</c:formatCode>
-                <c:ptCount val="15"/>
-                <c:pt idx="0">
-                  <c:v>0.35753099999999999</c:v>
-                </c:pt>
-                <c:pt idx="1">
-                  <c:v>0.94815099999999997</c:v>
-                </c:pt>
-                <c:pt idx="2">
-                  <c:v>1.1807000000000001</c:v>
-                </c:pt>
-                <c:pt idx="3">
-                  <c:v>1.5384909999999998</c:v>
-                </c:pt>
-                <c:pt idx="4">
-                  <c:v>1.8960219999999999</c:v>
-                </c:pt>
-                <c:pt idx="5">
-                  <c:v>2.4863819999999999</c:v>
-                </c:pt>
-                <c:pt idx="7">
-                  <c:v>3.5753099999999997E-7</c:v>
-                </c:pt>
-                <c:pt idx="8">
-                  <c:v>9.48151E-7</c:v>
-                </c:pt>
-                <c:pt idx="9">
-                  <c:v>1.1807E-6</c:v>
-                </c:pt>
-                <c:pt idx="10">
-                  <c:v>1.5384909999999999E-6</c:v>
-                </c:pt>
-                <c:pt idx="11">
-                  <c:v>1.8960219999999999E-6</c:v>
-                </c:pt>
-                <c:pt idx="12">
-                  <c:v>2.486382E-6</c:v>
-                </c:pt>
-              </c:numCache>
-            </c:numRef>
-          </c:yVal>
-          <c:smooth val="0"/>
-          <c:extLst>
-            <c:ext xmlns:c16="http://schemas.microsoft.com/office/drawing/2014/chart" uri="{C3380CC4-5D6E-409C-BE32-E72D297353CC}">
-              <c16:uniqueId val="{00000001-1233-4263-BB18-56D56F4E2CA0}"/>
-            </c:ext>
-          </c:extLst>
-        </c:ser>
-        <c:ser>
-          <c:idx val="1"/>
-          <c:order val="2"/>
-          <c:tx>
-            <c:strRef>
-              <c:f>'Target+Source1+Source2'!$D$3</c:f>
-              <c:strCache>
-                <c:ptCount val="1"/>
-                <c:pt idx="0">
-                  <c:v>Schaltleistung Target-Ports</c:v>
-                </c:pt>
-              </c:strCache>
-            </c:strRef>
-          </c:tx>
-          <c:spPr>
-            <a:ln w="28800">
-              <a:solidFill>
-                <a:srgbClr val="7E0021"/>
-              </a:solidFill>
-            </a:ln>
-          </c:spPr>
-          <c:marker>
-            <c:symbol val="square"/>
-            <c:size val="7"/>
             <c:spPr>
               <a:solidFill>
                 <a:srgbClr val="860000"/>
               </a:solidFill>
-              <a:ln>
+              <a:ln w="9525">
                 <a:solidFill>
                   <a:srgbClr val="860000"/>
                 </a:solidFill>
               </a:ln>
+              <a:effectLst/>
             </c:spPr>
           </c:marker>
           <c:xVal>
@@ -1387,10 +1164,208 @@
           </c:xVal>
           <c:yVal>
             <c:numRef>
-              <c:f>'Target+Source1+Source2'!$D$4:$D$20</c:f>
+              <c:f>'Target+Source1+Source2'!$C$4:$C$9</c:f>
               <c:numCache>
                 <c:formatCode>General</c:formatCode>
-                <c:ptCount val="15"/>
+                <c:ptCount val="6"/>
+                <c:pt idx="0">
+                  <c:v>0.67359099999999994</c:v>
+                </c:pt>
+                <c:pt idx="1">
+                  <c:v>1.5470110000000001</c:v>
+                </c:pt>
+                <c:pt idx="2">
+                  <c:v>1.6852400000000001</c:v>
+                </c:pt>
+                <c:pt idx="3">
+                  <c:v>2.234661</c:v>
+                </c:pt>
+                <c:pt idx="4">
+                  <c:v>2.9082520000000001</c:v>
+                </c:pt>
+                <c:pt idx="5">
+                  <c:v>3.9058419999999998</c:v>
+                </c:pt>
+              </c:numCache>
+            </c:numRef>
+          </c:yVal>
+          <c:smooth val="1"/>
+          <c:extLst>
+            <c:ext xmlns:c16="http://schemas.microsoft.com/office/drawing/2014/chart" uri="{C3380CC4-5D6E-409C-BE32-E72D297353CC}">
+              <c16:uniqueId val="{00000000-B57E-462F-84B6-27BCB9BA93B2}"/>
+            </c:ext>
+          </c:extLst>
+        </c:ser>
+        <c:ser>
+          <c:idx val="0"/>
+          <c:order val="1"/>
+          <c:tx>
+            <c:strRef>
+              <c:f>'Target+Source1+Source2'!$E$3</c:f>
+              <c:strCache>
+                <c:ptCount val="1"/>
+                <c:pt idx="0">
+                  <c:v>Schaltleistung Read-Ports</c:v>
+                </c:pt>
+              </c:strCache>
+            </c:strRef>
+          </c:tx>
+          <c:spPr>
+            <a:ln w="19050" cap="rnd">
+              <a:solidFill>
+                <a:schemeClr val="accent1"/>
+              </a:solidFill>
+              <a:round/>
+            </a:ln>
+            <a:effectLst/>
+          </c:spPr>
+          <c:marker>
+            <c:symbol val="circle"/>
+            <c:size val="5"/>
+            <c:spPr>
+              <a:solidFill>
+                <a:schemeClr val="accent1"/>
+              </a:solidFill>
+              <a:ln w="9525">
+                <a:solidFill>
+                  <a:schemeClr val="accent1"/>
+                </a:solidFill>
+              </a:ln>
+              <a:effectLst/>
+            </c:spPr>
+          </c:marker>
+          <c:xVal>
+            <c:numRef>
+              <c:f>'Target+Source1+Source2'!$F$4:$F$9</c:f>
+              <c:numCache>
+                <c:formatCode>General</c:formatCode>
+                <c:ptCount val="6"/>
+                <c:pt idx="0">
+                  <c:v>96</c:v>
+                </c:pt>
+                <c:pt idx="1">
+                  <c:v>192</c:v>
+                </c:pt>
+                <c:pt idx="2">
+                  <c:v>192</c:v>
+                </c:pt>
+                <c:pt idx="3">
+                  <c:v>288</c:v>
+                </c:pt>
+                <c:pt idx="4">
+                  <c:v>384</c:v>
+                </c:pt>
+                <c:pt idx="5">
+                  <c:v>480</c:v>
+                </c:pt>
+              </c:numCache>
+            </c:numRef>
+          </c:xVal>
+          <c:yVal>
+            <c:numRef>
+              <c:f>'Target+Source1+Source2'!$E$4:$E$9</c:f>
+              <c:numCache>
+                <c:formatCode>General</c:formatCode>
+                <c:ptCount val="6"/>
+                <c:pt idx="0">
+                  <c:v>0.35753099999999999</c:v>
+                </c:pt>
+                <c:pt idx="1">
+                  <c:v>0.94815099999999997</c:v>
+                </c:pt>
+                <c:pt idx="2">
+                  <c:v>1.1807000000000001</c:v>
+                </c:pt>
+                <c:pt idx="3">
+                  <c:v>1.5384909999999998</c:v>
+                </c:pt>
+                <c:pt idx="4">
+                  <c:v>1.8960219999999999</c:v>
+                </c:pt>
+                <c:pt idx="5">
+                  <c:v>2.4863819999999999</c:v>
+                </c:pt>
+              </c:numCache>
+            </c:numRef>
+          </c:yVal>
+          <c:smooth val="1"/>
+          <c:extLst>
+            <c:ext xmlns:c16="http://schemas.microsoft.com/office/drawing/2014/chart" uri="{C3380CC4-5D6E-409C-BE32-E72D297353CC}">
+              <c16:uniqueId val="{00000001-B57E-462F-84B6-27BCB9BA93B2}"/>
+            </c:ext>
+          </c:extLst>
+        </c:ser>
+        <c:ser>
+          <c:idx val="3"/>
+          <c:order val="2"/>
+          <c:tx>
+            <c:strRef>
+              <c:f>'Target+Source1+Source2'!$D$3</c:f>
+              <c:strCache>
+                <c:ptCount val="1"/>
+                <c:pt idx="0">
+                  <c:v>Schaltleistung Write-Ports</c:v>
+                </c:pt>
+              </c:strCache>
+            </c:strRef>
+          </c:tx>
+          <c:spPr>
+            <a:ln w="19050" cap="rnd">
+              <a:solidFill>
+                <a:schemeClr val="accent2"/>
+              </a:solidFill>
+              <a:round/>
+            </a:ln>
+            <a:effectLst/>
+          </c:spPr>
+          <c:marker>
+            <c:symbol val="circle"/>
+            <c:size val="5"/>
+            <c:spPr>
+              <a:solidFill>
+                <a:schemeClr val="accent2"/>
+              </a:solidFill>
+              <a:ln w="9525">
+                <a:solidFill>
+                  <a:schemeClr val="accent2"/>
+                </a:solidFill>
+              </a:ln>
+              <a:effectLst/>
+            </c:spPr>
+          </c:marker>
+          <c:xVal>
+            <c:numRef>
+              <c:f>'Target+Source1+Source2'!$F$4:$F$9</c:f>
+              <c:numCache>
+                <c:formatCode>General</c:formatCode>
+                <c:ptCount val="6"/>
+                <c:pt idx="0">
+                  <c:v>96</c:v>
+                </c:pt>
+                <c:pt idx="1">
+                  <c:v>192</c:v>
+                </c:pt>
+                <c:pt idx="2">
+                  <c:v>192</c:v>
+                </c:pt>
+                <c:pt idx="3">
+                  <c:v>288</c:v>
+                </c:pt>
+                <c:pt idx="4">
+                  <c:v>384</c:v>
+                </c:pt>
+                <c:pt idx="5">
+                  <c:v>480</c:v>
+                </c:pt>
+              </c:numCache>
+            </c:numRef>
+          </c:xVal>
+          <c:yVal>
+            <c:numRef>
+              <c:f>'Target+Source1+Source2'!$D$4:$D$9</c:f>
+              <c:numCache>
+                <c:formatCode>General</c:formatCode>
+                <c:ptCount val="6"/>
                 <c:pt idx="0">
                   <c:v>0.31606000000000001</c:v>
                 </c:pt>
@@ -1409,31 +1384,13 @@
                 <c:pt idx="5">
                   <c:v>1.4194600000000002</c:v>
                 </c:pt>
-                <c:pt idx="7">
-                  <c:v>3.1605999999999999E-7</c:v>
-                </c:pt>
-                <c:pt idx="8">
-                  <c:v>5.9885999999999995E-7</c:v>
-                </c:pt>
-                <c:pt idx="9">
-                  <c:v>5.0454000000000004E-7</c:v>
-                </c:pt>
-                <c:pt idx="10">
-                  <c:v>6.9617000000000002E-7</c:v>
-                </c:pt>
-                <c:pt idx="11">
-                  <c:v>1.01223E-6</c:v>
-                </c:pt>
-                <c:pt idx="12">
-                  <c:v>1.4194600000000001E-6</c:v>
-                </c:pt>
               </c:numCache>
             </c:numRef>
           </c:yVal>
-          <c:smooth val="0"/>
+          <c:smooth val="1"/>
           <c:extLst>
             <c:ext xmlns:c16="http://schemas.microsoft.com/office/drawing/2014/chart" uri="{C3380CC4-5D6E-409C-BE32-E72D297353CC}">
-              <c16:uniqueId val="{00000002-1233-4263-BB18-56D56F4E2CA0}"/>
+              <c16:uniqueId val="{00000002-B57E-462F-84B6-27BCB9BA93B2}"/>
             </c:ext>
           </c:extLst>
         </c:ser>
@@ -1445,11 +1402,129 @@
           <c:showPercent val="0"/>
           <c:showBubbleSize val="0"/>
         </c:dLbls>
-        <c:axId val="317676952"/>
-        <c:axId val="317677280"/>
+        <c:axId val="473263560"/>
+        <c:axId val="473265200"/>
       </c:scatterChart>
       <c:valAx>
-        <c:axId val="317677280"/>
+        <c:axId val="473263560"/>
+        <c:scaling>
+          <c:orientation val="minMax"/>
+        </c:scaling>
+        <c:delete val="0"/>
+        <c:axPos val="b"/>
+        <c:majorGridlines>
+          <c:spPr>
+            <a:ln w="9525" cap="flat" cmpd="sng" algn="ctr">
+              <a:solidFill>
+                <a:schemeClr val="tx1">
+                  <a:lumMod val="15000"/>
+                  <a:lumOff val="85000"/>
+                </a:schemeClr>
+              </a:solidFill>
+              <a:round/>
+            </a:ln>
+            <a:effectLst/>
+          </c:spPr>
+        </c:majorGridlines>
+        <c:title>
+          <c:tx>
+            <c:rich>
+              <a:bodyPr rot="0" spcFirstLastPara="1" vertOverflow="ellipsis" vert="horz" wrap="square" anchor="ctr" anchorCtr="1"/>
+              <a:lstStyle/>
+              <a:p>
+                <a:pPr>
+                  <a:defRPr sz="1400" b="0" i="0" u="none" strike="noStrike" kern="1200" baseline="0">
+                    <a:solidFill>
+                      <a:schemeClr val="tx1">
+                        <a:lumMod val="65000"/>
+                        <a:lumOff val="35000"/>
+                      </a:schemeClr>
+                    </a:solidFill>
+                    <a:latin typeface="+mn-lt"/>
+                    <a:ea typeface="+mn-ea"/>
+                    <a:cs typeface="+mn-cs"/>
+                  </a:defRPr>
+                </a:pPr>
+                <a:r>
+                  <a:rPr lang="de-DE" sz="1400"/>
+                  <a:t>Hamming-Distanz</a:t>
+                </a:r>
+              </a:p>
+            </c:rich>
+          </c:tx>
+          <c:layout/>
+          <c:overlay val="0"/>
+          <c:spPr>
+            <a:noFill/>
+            <a:ln>
+              <a:noFill/>
+            </a:ln>
+            <a:effectLst/>
+          </c:spPr>
+          <c:txPr>
+            <a:bodyPr rot="0" spcFirstLastPara="1" vertOverflow="ellipsis" vert="horz" wrap="square" anchor="ctr" anchorCtr="1"/>
+            <a:lstStyle/>
+            <a:p>
+              <a:pPr>
+                <a:defRPr sz="1400" b="0" i="0" u="none" strike="noStrike" kern="1200" baseline="0">
+                  <a:solidFill>
+                    <a:schemeClr val="tx1">
+                      <a:lumMod val="65000"/>
+                      <a:lumOff val="35000"/>
+                    </a:schemeClr>
+                  </a:solidFill>
+                  <a:latin typeface="+mn-lt"/>
+                  <a:ea typeface="+mn-ea"/>
+                  <a:cs typeface="+mn-cs"/>
+                </a:defRPr>
+              </a:pPr>
+              <a:endParaRPr lang="de-DE"/>
+            </a:p>
+          </c:txPr>
+        </c:title>
+        <c:numFmt formatCode="General" sourceLinked="1"/>
+        <c:majorTickMark val="none"/>
+        <c:minorTickMark val="none"/>
+        <c:tickLblPos val="nextTo"/>
+        <c:spPr>
+          <a:noFill/>
+          <a:ln w="9525" cap="flat" cmpd="sng" algn="ctr">
+            <a:solidFill>
+              <a:schemeClr val="tx1">
+                <a:lumMod val="25000"/>
+                <a:lumOff val="75000"/>
+              </a:schemeClr>
+            </a:solidFill>
+            <a:round/>
+          </a:ln>
+          <a:effectLst/>
+        </c:spPr>
+        <c:txPr>
+          <a:bodyPr rot="-60000000" spcFirstLastPara="1" vertOverflow="ellipsis" vert="horz" wrap="square" anchor="ctr" anchorCtr="1"/>
+          <a:lstStyle/>
+          <a:p>
+            <a:pPr>
+              <a:defRPr sz="1400" b="0" i="0" u="none" strike="noStrike" kern="1200" baseline="0">
+                <a:solidFill>
+                  <a:schemeClr val="tx1">
+                    <a:lumMod val="65000"/>
+                    <a:lumOff val="35000"/>
+                  </a:schemeClr>
+                </a:solidFill>
+                <a:latin typeface="+mn-lt"/>
+                <a:ea typeface="+mn-ea"/>
+                <a:cs typeface="+mn-cs"/>
+              </a:defRPr>
+            </a:pPr>
+            <a:endParaRPr lang="de-DE"/>
+          </a:p>
+        </c:txPr>
+        <c:crossAx val="473265200"/>
+        <c:crosses val="autoZero"/>
+        <c:crossBetween val="midCat"/>
+      </c:valAx>
+      <c:valAx>
+        <c:axId val="473265200"/>
         <c:scaling>
           <c:orientation val="minMax"/>
         </c:scaling>
@@ -1457,157 +1532,148 @@
         <c:axPos val="l"/>
         <c:majorGridlines>
           <c:spPr>
-            <a:ln w="6480">
+            <a:ln w="9525" cap="flat" cmpd="sng" algn="ctr">
               <a:solidFill>
-                <a:srgbClr val="B3B3B3"/>
+                <a:schemeClr val="tx1">
+                  <a:lumMod val="15000"/>
+                  <a:lumOff val="85000"/>
+                </a:schemeClr>
               </a:solidFill>
+              <a:round/>
             </a:ln>
+            <a:effectLst/>
           </c:spPr>
         </c:majorGridlines>
         <c:title>
           <c:tx>
             <c:rich>
-              <a:bodyPr/>
+              <a:bodyPr rot="-5400000" spcFirstLastPara="1" vertOverflow="ellipsis" vert="horz" wrap="square" anchor="ctr" anchorCtr="1"/>
               <a:lstStyle/>
               <a:p>
                 <a:pPr>
-                  <a:defRPr b="0">
+                  <a:defRPr sz="1400" b="0" i="0" u="none" strike="noStrike" kern="1200" baseline="0">
+                    <a:solidFill>
+                      <a:schemeClr val="tx1">
+                        <a:lumMod val="65000"/>
+                        <a:lumOff val="35000"/>
+                      </a:schemeClr>
+                    </a:solidFill>
                     <a:latin typeface="+mn-lt"/>
+                    <a:ea typeface="+mn-ea"/>
+                    <a:cs typeface="+mn-cs"/>
                   </a:defRPr>
                 </a:pPr>
                 <a:r>
-                  <a:rPr lang="de-DE" b="0">
+                  <a:rPr lang="de-DE" sz="1400" dirty="0">
                     <a:latin typeface="+mn-lt"/>
                   </a:rPr>
-                  <a:t>Schaltleistung</a:t>
+                  <a:t>Schaltleistung </a:t>
                 </a:r>
                 <a:r>
-                  <a:rPr lang="de-DE" b="0" baseline="0">
+                  <a:rPr lang="de-DE" sz="1400" dirty="0" smtClean="0">
                     <a:latin typeface="+mn-lt"/>
                   </a:rPr>
-                  <a:t> [</a:t>
+                  <a:t>[</a:t>
                 </a:r>
                 <a:r>
-                  <a:rPr lang="de-DE" b="0" baseline="0">
+                  <a:rPr lang="de-DE" sz="1400" dirty="0" smtClean="0">
                     <a:latin typeface="+mn-lt"/>
                     <a:cs typeface="Times New Roman" panose="02020603050405020304" pitchFamily="18" charset="0"/>
                   </a:rPr>
                   <a:t>µ</a:t>
                 </a:r>
                 <a:r>
-                  <a:rPr lang="de-DE" b="0" baseline="0">
+                  <a:rPr lang="de-DE" sz="1400" dirty="0" smtClean="0">
                     <a:latin typeface="+mn-lt"/>
                   </a:rPr>
-                  <a:t>W]</a:t>
+                  <a:t>W</a:t>
                 </a:r>
-                <a:endParaRPr lang="de-DE" b="0">
-                  <a:latin typeface="+mn-lt"/>
-                </a:endParaRPr>
+                <a:r>
+                  <a:rPr lang="de-DE" sz="1400" dirty="0">
+                    <a:latin typeface="+mn-lt"/>
+                  </a:rPr>
+                  <a:t>]</a:t>
+                </a:r>
               </a:p>
             </c:rich>
           </c:tx>
           <c:layout/>
           <c:overlay val="0"/>
+          <c:spPr>
+            <a:noFill/>
+            <a:ln>
+              <a:noFill/>
+            </a:ln>
+            <a:effectLst/>
+          </c:spPr>
+          <c:txPr>
+            <a:bodyPr rot="-5400000" spcFirstLastPara="1" vertOverflow="ellipsis" vert="horz" wrap="square" anchor="ctr" anchorCtr="1"/>
+            <a:lstStyle/>
+            <a:p>
+              <a:pPr>
+                <a:defRPr sz="1400" b="0" i="0" u="none" strike="noStrike" kern="1200" baseline="0">
+                  <a:solidFill>
+                    <a:schemeClr val="tx1">
+                      <a:lumMod val="65000"/>
+                      <a:lumOff val="35000"/>
+                    </a:schemeClr>
+                  </a:solidFill>
+                  <a:latin typeface="+mn-lt"/>
+                  <a:ea typeface="+mn-ea"/>
+                  <a:cs typeface="+mn-cs"/>
+                </a:defRPr>
+              </a:pPr>
+              <a:endParaRPr lang="de-DE"/>
+            </a:p>
+          </c:txPr>
         </c:title>
         <c:numFmt formatCode="General" sourceLinked="0"/>
         <c:majorTickMark val="none"/>
         <c:minorTickMark val="none"/>
-        <c:tickLblPos val="low"/>
+        <c:tickLblPos val="nextTo"/>
         <c:spPr>
-          <a:ln w="6480">
+          <a:noFill/>
+          <a:ln w="9525" cap="flat" cmpd="sng" algn="ctr">
             <a:solidFill>
-              <a:srgbClr val="B3B3B3"/>
+              <a:schemeClr val="tx1">
+                <a:lumMod val="25000"/>
+                <a:lumOff val="75000"/>
+              </a:schemeClr>
             </a:solidFill>
+            <a:round/>
           </a:ln>
+          <a:effectLst/>
         </c:spPr>
         <c:txPr>
-          <a:bodyPr/>
+          <a:bodyPr rot="-60000000" spcFirstLastPara="1" vertOverflow="ellipsis" vert="horz" wrap="square" anchor="ctr" anchorCtr="1"/>
           <a:lstStyle/>
           <a:p>
             <a:pPr>
-              <a:defRPr sz="1000" b="0" baseline="0">
+              <a:defRPr sz="1400" b="0" i="0" u="none" strike="noStrike" kern="1200" baseline="0">
                 <a:solidFill>
-                  <a:srgbClr val="000000"/>
+                  <a:schemeClr val="tx1">
+                    <a:lumMod val="65000"/>
+                    <a:lumOff val="35000"/>
+                  </a:schemeClr>
                 </a:solidFill>
-                <a:latin typeface="Calibri"/>
+                <a:latin typeface="+mn-lt"/>
+                <a:ea typeface="+mn-ea"/>
+                <a:cs typeface="+mn-cs"/>
               </a:defRPr>
             </a:pPr>
             <a:endParaRPr lang="de-DE"/>
           </a:p>
         </c:txPr>
-        <c:crossAx val="317676952"/>
-        <c:crossesAt val="0"/>
-        <c:crossBetween val="midCat"/>
-      </c:valAx>
-      <c:valAx>
-        <c:axId val="317676952"/>
-        <c:scaling>
-          <c:orientation val="minMax"/>
-        </c:scaling>
-        <c:delete val="0"/>
-        <c:axPos val="b"/>
-        <c:title>
-          <c:tx>
-            <c:rich>
-              <a:bodyPr/>
-              <a:lstStyle/>
-              <a:p>
-                <a:pPr>
-                  <a:defRPr b="0"/>
-                </a:pPr>
-                <a:r>
-                  <a:rPr lang="de-DE" dirty="0" err="1" smtClean="0"/>
-                  <a:t>Hamming</a:t>
-                </a:r>
-                <a:r>
-                  <a:rPr lang="de-DE" dirty="0" smtClean="0"/>
-                  <a:t>-Distanz</a:t>
-                </a:r>
-                <a:endParaRPr lang="de-DE" dirty="0"/>
-              </a:p>
-            </c:rich>
-          </c:tx>
-          <c:layout/>
-          <c:overlay val="0"/>
-        </c:title>
-        <c:numFmt formatCode="General" sourceLinked="1"/>
-        <c:majorTickMark val="none"/>
-        <c:minorTickMark val="none"/>
-        <c:tickLblPos val="low"/>
-        <c:spPr>
-          <a:ln w="6480">
-            <a:solidFill>
-              <a:srgbClr val="B3B3B3"/>
-            </a:solidFill>
-          </a:ln>
-        </c:spPr>
-        <c:txPr>
-          <a:bodyPr/>
-          <a:lstStyle/>
-          <a:p>
-            <a:pPr>
-              <a:defRPr sz="1000" b="0" baseline="0">
-                <a:solidFill>
-                  <a:srgbClr val="000000"/>
-                </a:solidFill>
-                <a:latin typeface="Calibri"/>
-              </a:defRPr>
-            </a:pPr>
-            <a:endParaRPr lang="de-DE"/>
-          </a:p>
-        </c:txPr>
-        <c:crossAx val="317677280"/>
-        <c:crossesAt val="0"/>
+        <c:crossAx val="473263560"/>
+        <c:crosses val="autoZero"/>
         <c:crossBetween val="midCat"/>
       </c:valAx>
       <c:spPr>
         <a:noFill/>
-        <a:ln w="9360">
-          <a:solidFill>
-            <a:srgbClr val="B3B3B3"/>
-          </a:solidFill>
-          <a:prstDash val="solid"/>
+        <a:ln>
+          <a:noFill/>
         </a:ln>
+        <a:effectLst/>
       </c:spPr>
     </c:plotArea>
     <c:legend>
@@ -1619,17 +1685,23 @@
         <a:ln>
           <a:noFill/>
         </a:ln>
+        <a:effectLst/>
       </c:spPr>
       <c:txPr>
-        <a:bodyPr/>
+        <a:bodyPr rot="0" spcFirstLastPara="1" vertOverflow="ellipsis" vert="horz" wrap="square" anchor="ctr" anchorCtr="1"/>
         <a:lstStyle/>
         <a:p>
           <a:pPr>
-            <a:defRPr sz="1000" b="0" baseline="0">
+            <a:defRPr sz="1400" b="0" i="0" u="none" strike="noStrike" kern="1200" baseline="0">
               <a:solidFill>
-                <a:srgbClr val="000000"/>
+                <a:schemeClr val="tx1">
+                  <a:lumMod val="65000"/>
+                  <a:lumOff val="35000"/>
+                </a:schemeClr>
               </a:solidFill>
-              <a:latin typeface="Calibri"/>
+              <a:latin typeface="+mn-lt"/>
+              <a:ea typeface="+mn-ea"/>
+              <a:cs typeface="+mn-cs"/>
             </a:defRPr>
           </a:pPr>
           <a:endParaRPr lang="de-DE"/>
@@ -1641,11 +1713,23 @@
     <c:showDLblsOverMax val="0"/>
   </c:chart>
   <c:spPr>
+    <a:noFill/>
     <a:ln>
       <a:noFill/>
     </a:ln>
+    <a:effectLst/>
   </c:spPr>
-  <c:externalData r:id="rId1">
+  <c:txPr>
+    <a:bodyPr/>
+    <a:lstStyle/>
+    <a:p>
+      <a:pPr>
+        <a:defRPr/>
+      </a:pPr>
+      <a:endParaRPr lang="de-DE"/>
+    </a:p>
+  </c:txPr>
+  <c:externalData r:id="rId3">
     <c:autoUpdate val="0"/>
   </c:externalData>
 </c:chartSpace>
@@ -5539,18 +5623,22 @@
                   </a:defRPr>
                 </a:pPr>
                 <a:r>
-                  <a:rPr lang="de-DE" sz="1400" dirty="0"/>
+                  <a:rPr lang="de-DE" sz="1400" dirty="0">
+                    <a:latin typeface="+mn-lt"/>
+                  </a:rPr>
                   <a:t>Schaltleistung [</a:t>
                 </a:r>
                 <a:r>
                   <a:rPr lang="de-DE" sz="1400" dirty="0">
-                    <a:latin typeface="Times New Roman" panose="02020603050405020304" pitchFamily="18" charset="0"/>
+                    <a:latin typeface="+mn-lt"/>
                     <a:cs typeface="Times New Roman" panose="02020603050405020304" pitchFamily="18" charset="0"/>
                   </a:rPr>
                   <a:t>µ</a:t>
                 </a:r>
                 <a:r>
-                  <a:rPr lang="de-DE" sz="1400" dirty="0"/>
+                  <a:rPr lang="de-DE" sz="1400" dirty="0">
+                    <a:latin typeface="+mn-lt"/>
+                  </a:rPr>
                   <a:t>W]</a:t>
                 </a:r>
               </a:p>
@@ -7014,6 +7102,46 @@
 </cs:colorStyle>
 </file>
 
+<file path=ppt/charts/colors9.xml><?xml version="1.0" encoding="utf-8"?>
+<cs:colorStyle xmlns:cs="http://schemas.microsoft.com/office/drawing/2012/chartStyle" xmlns:a="http://schemas.openxmlformats.org/drawingml/2006/main" meth="cycle" id="10">
+  <a:schemeClr val="accent1"/>
+  <a:schemeClr val="accent2"/>
+  <a:schemeClr val="accent3"/>
+  <a:schemeClr val="accent4"/>
+  <a:schemeClr val="accent5"/>
+  <a:schemeClr val="accent6"/>
+  <cs:variation/>
+  <cs:variation>
+    <a:lumMod val="60000"/>
+  </cs:variation>
+  <cs:variation>
+    <a:lumMod val="80000"/>
+    <a:lumOff val="20000"/>
+  </cs:variation>
+  <cs:variation>
+    <a:lumMod val="80000"/>
+  </cs:variation>
+  <cs:variation>
+    <a:lumMod val="60000"/>
+    <a:lumOff val="40000"/>
+  </cs:variation>
+  <cs:variation>
+    <a:lumMod val="50000"/>
+  </cs:variation>
+  <cs:variation>
+    <a:lumMod val="70000"/>
+    <a:lumOff val="30000"/>
+  </cs:variation>
+  <cs:variation>
+    <a:lumMod val="70000"/>
+  </cs:variation>
+  <cs:variation>
+    <a:lumMod val="50000"/>
+    <a:lumOff val="50000"/>
+  </cs:variation>
+</cs:colorStyle>
+</file>
+
 <file path=ppt/charts/style1.xml><?xml version="1.0" encoding="utf-8"?>
 <cs:chartStyle xmlns:cs="http://schemas.microsoft.com/office/drawing/2012/chartStyle" xmlns:a="http://schemas.openxmlformats.org/drawingml/2006/main" id="297">
   <cs:axisTitle>
@@ -7520,509 +7648,6 @@
 </file>
 
 <file path=ppt/charts/style2.xml><?xml version="1.0" encoding="utf-8"?>
-<cs:chartStyle xmlns:cs="http://schemas.microsoft.com/office/drawing/2012/chartStyle" xmlns:a="http://schemas.openxmlformats.org/drawingml/2006/main" id="201">
-  <cs:axisTitle>
-    <cs:lnRef idx="0"/>
-    <cs:fillRef idx="0"/>
-    <cs:effectRef idx="0"/>
-    <cs:fontRef idx="minor">
-      <a:schemeClr val="tx1">
-        <a:lumMod val="65000"/>
-        <a:lumOff val="35000"/>
-      </a:schemeClr>
-    </cs:fontRef>
-    <cs:defRPr sz="1000" kern="1200"/>
-  </cs:axisTitle>
-  <cs:categoryAxis>
-    <cs:lnRef idx="0"/>
-    <cs:fillRef idx="0"/>
-    <cs:effectRef idx="0"/>
-    <cs:fontRef idx="minor">
-      <a:schemeClr val="tx1">
-        <a:lumMod val="65000"/>
-        <a:lumOff val="35000"/>
-      </a:schemeClr>
-    </cs:fontRef>
-    <cs:spPr>
-      <a:ln w="9525" cap="flat" cmpd="sng" algn="ctr">
-        <a:solidFill>
-          <a:schemeClr val="tx1">
-            <a:lumMod val="15000"/>
-            <a:lumOff val="85000"/>
-          </a:schemeClr>
-        </a:solidFill>
-        <a:round/>
-      </a:ln>
-    </cs:spPr>
-    <cs:defRPr sz="900" kern="1200"/>
-  </cs:categoryAxis>
-  <cs:chartArea mods="allowNoFillOverride allowNoLineOverride">
-    <cs:lnRef idx="0"/>
-    <cs:fillRef idx="0"/>
-    <cs:effectRef idx="0"/>
-    <cs:fontRef idx="minor">
-      <a:schemeClr val="tx1"/>
-    </cs:fontRef>
-    <cs:spPr>
-      <a:solidFill>
-        <a:schemeClr val="bg1"/>
-      </a:solidFill>
-      <a:ln w="9525" cap="flat" cmpd="sng" algn="ctr">
-        <a:solidFill>
-          <a:schemeClr val="tx1">
-            <a:lumMod val="15000"/>
-            <a:lumOff val="85000"/>
-          </a:schemeClr>
-        </a:solidFill>
-        <a:round/>
-      </a:ln>
-    </cs:spPr>
-    <cs:defRPr sz="1000" kern="1200"/>
-  </cs:chartArea>
-  <cs:dataLabel>
-    <cs:lnRef idx="0"/>
-    <cs:fillRef idx="0"/>
-    <cs:effectRef idx="0"/>
-    <cs:fontRef idx="minor">
-      <a:schemeClr val="tx1">
-        <a:lumMod val="75000"/>
-        <a:lumOff val="25000"/>
-      </a:schemeClr>
-    </cs:fontRef>
-    <cs:defRPr sz="900" kern="1200"/>
-  </cs:dataLabel>
-  <cs:dataLabelCallout>
-    <cs:lnRef idx="0"/>
-    <cs:fillRef idx="0"/>
-    <cs:effectRef idx="0"/>
-    <cs:fontRef idx="minor">
-      <a:schemeClr val="dk1">
-        <a:lumMod val="65000"/>
-        <a:lumOff val="35000"/>
-      </a:schemeClr>
-    </cs:fontRef>
-    <cs:spPr>
-      <a:solidFill>
-        <a:schemeClr val="lt1"/>
-      </a:solidFill>
-      <a:ln>
-        <a:solidFill>
-          <a:schemeClr val="dk1">
-            <a:lumMod val="25000"/>
-            <a:lumOff val="75000"/>
-          </a:schemeClr>
-        </a:solidFill>
-      </a:ln>
-    </cs:spPr>
-    <cs:defRPr sz="900" kern="1200"/>
-    <cs:bodyPr rot="0" spcFirstLastPara="1" vertOverflow="clip" horzOverflow="clip" vert="horz" wrap="square" lIns="36576" tIns="18288" rIns="36576" bIns="18288" anchor="ctr" anchorCtr="1">
-      <a:spAutoFit/>
-    </cs:bodyPr>
-  </cs:dataLabelCallout>
-  <cs:dataPoint>
-    <cs:lnRef idx="0"/>
-    <cs:fillRef idx="1">
-      <cs:styleClr val="auto"/>
-    </cs:fillRef>
-    <cs:effectRef idx="0"/>
-    <cs:fontRef idx="minor">
-      <a:schemeClr val="tx1"/>
-    </cs:fontRef>
-  </cs:dataPoint>
-  <cs:dataPoint3D>
-    <cs:lnRef idx="0"/>
-    <cs:fillRef idx="1">
-      <cs:styleClr val="auto"/>
-    </cs:fillRef>
-    <cs:effectRef idx="0"/>
-    <cs:fontRef idx="minor">
-      <a:schemeClr val="tx1"/>
-    </cs:fontRef>
-  </cs:dataPoint3D>
-  <cs:dataPointLine>
-    <cs:lnRef idx="0">
-      <cs:styleClr val="auto"/>
-    </cs:lnRef>
-    <cs:fillRef idx="1"/>
-    <cs:effectRef idx="0"/>
-    <cs:fontRef idx="minor">
-      <a:schemeClr val="tx1"/>
-    </cs:fontRef>
-    <cs:spPr>
-      <a:ln w="28575" cap="rnd">
-        <a:solidFill>
-          <a:schemeClr val="phClr"/>
-        </a:solidFill>
-        <a:round/>
-      </a:ln>
-    </cs:spPr>
-  </cs:dataPointLine>
-  <cs:dataPointMarker>
-    <cs:lnRef idx="0">
-      <cs:styleClr val="auto"/>
-    </cs:lnRef>
-    <cs:fillRef idx="1">
-      <cs:styleClr val="auto"/>
-    </cs:fillRef>
-    <cs:effectRef idx="0"/>
-    <cs:fontRef idx="minor">
-      <a:schemeClr val="tx1"/>
-    </cs:fontRef>
-    <cs:spPr>
-      <a:ln w="9525">
-        <a:solidFill>
-          <a:schemeClr val="phClr"/>
-        </a:solidFill>
-      </a:ln>
-    </cs:spPr>
-  </cs:dataPointMarker>
-  <cs:dataPointMarkerLayout symbol="circle" size="5"/>
-  <cs:dataPointWireframe>
-    <cs:lnRef idx="0">
-      <cs:styleClr val="auto"/>
-    </cs:lnRef>
-    <cs:fillRef idx="1"/>
-    <cs:effectRef idx="0"/>
-    <cs:fontRef idx="minor">
-      <a:schemeClr val="tx1"/>
-    </cs:fontRef>
-    <cs:spPr>
-      <a:ln w="9525" cap="rnd">
-        <a:solidFill>
-          <a:schemeClr val="phClr"/>
-        </a:solidFill>
-        <a:round/>
-      </a:ln>
-    </cs:spPr>
-  </cs:dataPointWireframe>
-  <cs:dataTable>
-    <cs:lnRef idx="0"/>
-    <cs:fillRef idx="0"/>
-    <cs:effectRef idx="0"/>
-    <cs:fontRef idx="minor">
-      <a:schemeClr val="tx1">
-        <a:lumMod val="65000"/>
-        <a:lumOff val="35000"/>
-      </a:schemeClr>
-    </cs:fontRef>
-    <cs:spPr>
-      <a:noFill/>
-      <a:ln w="9525" cap="flat" cmpd="sng" algn="ctr">
-        <a:solidFill>
-          <a:schemeClr val="tx1">
-            <a:lumMod val="15000"/>
-            <a:lumOff val="85000"/>
-          </a:schemeClr>
-        </a:solidFill>
-        <a:round/>
-      </a:ln>
-    </cs:spPr>
-    <cs:defRPr sz="900" kern="1200"/>
-  </cs:dataTable>
-  <cs:downBar>
-    <cs:lnRef idx="0"/>
-    <cs:fillRef idx="0"/>
-    <cs:effectRef idx="0"/>
-    <cs:fontRef idx="minor">
-      <a:schemeClr val="dk1"/>
-    </cs:fontRef>
-    <cs:spPr>
-      <a:solidFill>
-        <a:schemeClr val="dk1">
-          <a:lumMod val="65000"/>
-          <a:lumOff val="35000"/>
-        </a:schemeClr>
-      </a:solidFill>
-      <a:ln w="9525">
-        <a:solidFill>
-          <a:schemeClr val="tx1">
-            <a:lumMod val="65000"/>
-            <a:lumOff val="35000"/>
-          </a:schemeClr>
-        </a:solidFill>
-      </a:ln>
-    </cs:spPr>
-  </cs:downBar>
-  <cs:dropLine>
-    <cs:lnRef idx="0"/>
-    <cs:fillRef idx="0"/>
-    <cs:effectRef idx="0"/>
-    <cs:fontRef idx="minor">
-      <a:schemeClr val="tx1"/>
-    </cs:fontRef>
-    <cs:spPr>
-      <a:ln w="9525" cap="flat" cmpd="sng" algn="ctr">
-        <a:solidFill>
-          <a:schemeClr val="tx1">
-            <a:lumMod val="35000"/>
-            <a:lumOff val="65000"/>
-          </a:schemeClr>
-        </a:solidFill>
-        <a:round/>
-      </a:ln>
-    </cs:spPr>
-  </cs:dropLine>
-  <cs:errorBar>
-    <cs:lnRef idx="0"/>
-    <cs:fillRef idx="0"/>
-    <cs:effectRef idx="0"/>
-    <cs:fontRef idx="minor">
-      <a:schemeClr val="tx1"/>
-    </cs:fontRef>
-    <cs:spPr>
-      <a:ln w="9525" cap="flat" cmpd="sng" algn="ctr">
-        <a:solidFill>
-          <a:schemeClr val="tx1">
-            <a:lumMod val="65000"/>
-            <a:lumOff val="35000"/>
-          </a:schemeClr>
-        </a:solidFill>
-        <a:round/>
-      </a:ln>
-    </cs:spPr>
-  </cs:errorBar>
-  <cs:floor>
-    <cs:lnRef idx="0"/>
-    <cs:fillRef idx="0"/>
-    <cs:effectRef idx="0"/>
-    <cs:fontRef idx="minor">
-      <a:schemeClr val="tx1"/>
-    </cs:fontRef>
-    <cs:spPr>
-      <a:noFill/>
-      <a:ln>
-        <a:noFill/>
-      </a:ln>
-    </cs:spPr>
-  </cs:floor>
-  <cs:gridlineMajor>
-    <cs:lnRef idx="0"/>
-    <cs:fillRef idx="0"/>
-    <cs:effectRef idx="0"/>
-    <cs:fontRef idx="minor">
-      <a:schemeClr val="tx1"/>
-    </cs:fontRef>
-    <cs:spPr>
-      <a:ln w="9525" cap="flat" cmpd="sng" algn="ctr">
-        <a:solidFill>
-          <a:schemeClr val="tx1">
-            <a:lumMod val="15000"/>
-            <a:lumOff val="85000"/>
-          </a:schemeClr>
-        </a:solidFill>
-        <a:round/>
-      </a:ln>
-    </cs:spPr>
-  </cs:gridlineMajor>
-  <cs:gridlineMinor>
-    <cs:lnRef idx="0"/>
-    <cs:fillRef idx="0"/>
-    <cs:effectRef idx="0"/>
-    <cs:fontRef idx="minor">
-      <a:schemeClr val="tx1"/>
-    </cs:fontRef>
-    <cs:spPr>
-      <a:ln w="9525" cap="flat" cmpd="sng" algn="ctr">
-        <a:solidFill>
-          <a:schemeClr val="tx1">
-            <a:lumMod val="5000"/>
-            <a:lumOff val="95000"/>
-          </a:schemeClr>
-        </a:solidFill>
-        <a:round/>
-      </a:ln>
-    </cs:spPr>
-  </cs:gridlineMinor>
-  <cs:hiLoLine>
-    <cs:lnRef idx="0"/>
-    <cs:fillRef idx="0"/>
-    <cs:effectRef idx="0"/>
-    <cs:fontRef idx="minor">
-      <a:schemeClr val="tx1"/>
-    </cs:fontRef>
-    <cs:spPr>
-      <a:ln w="9525" cap="flat" cmpd="sng" algn="ctr">
-        <a:solidFill>
-          <a:schemeClr val="tx1">
-            <a:lumMod val="75000"/>
-            <a:lumOff val="25000"/>
-          </a:schemeClr>
-        </a:solidFill>
-        <a:round/>
-      </a:ln>
-    </cs:spPr>
-  </cs:hiLoLine>
-  <cs:leaderLine>
-    <cs:lnRef idx="0"/>
-    <cs:fillRef idx="0"/>
-    <cs:effectRef idx="0"/>
-    <cs:fontRef idx="minor">
-      <a:schemeClr val="tx1"/>
-    </cs:fontRef>
-    <cs:spPr>
-      <a:ln w="9525" cap="flat" cmpd="sng" algn="ctr">
-        <a:solidFill>
-          <a:schemeClr val="tx1">
-            <a:lumMod val="35000"/>
-            <a:lumOff val="65000"/>
-          </a:schemeClr>
-        </a:solidFill>
-        <a:round/>
-      </a:ln>
-    </cs:spPr>
-  </cs:leaderLine>
-  <cs:legend>
-    <cs:lnRef idx="0"/>
-    <cs:fillRef idx="0"/>
-    <cs:effectRef idx="0"/>
-    <cs:fontRef idx="minor">
-      <a:schemeClr val="tx1">
-        <a:lumMod val="65000"/>
-        <a:lumOff val="35000"/>
-      </a:schemeClr>
-    </cs:fontRef>
-    <cs:defRPr sz="900" kern="1200"/>
-  </cs:legend>
-  <cs:plotArea mods="allowNoFillOverride allowNoLineOverride">
-    <cs:lnRef idx="0"/>
-    <cs:fillRef idx="0"/>
-    <cs:effectRef idx="0"/>
-    <cs:fontRef idx="minor">
-      <a:schemeClr val="tx1"/>
-    </cs:fontRef>
-  </cs:plotArea>
-  <cs:plotArea3D mods="allowNoFillOverride allowNoLineOverride">
-    <cs:lnRef idx="0"/>
-    <cs:fillRef idx="0"/>
-    <cs:effectRef idx="0"/>
-    <cs:fontRef idx="minor">
-      <a:schemeClr val="tx1"/>
-    </cs:fontRef>
-  </cs:plotArea3D>
-  <cs:seriesAxis>
-    <cs:lnRef idx="0"/>
-    <cs:fillRef idx="0"/>
-    <cs:effectRef idx="0"/>
-    <cs:fontRef idx="minor">
-      <a:schemeClr val="tx1">
-        <a:lumMod val="65000"/>
-        <a:lumOff val="35000"/>
-      </a:schemeClr>
-    </cs:fontRef>
-    <cs:defRPr sz="900" kern="1200"/>
-  </cs:seriesAxis>
-  <cs:seriesLine>
-    <cs:lnRef idx="0"/>
-    <cs:fillRef idx="0"/>
-    <cs:effectRef idx="0"/>
-    <cs:fontRef idx="minor">
-      <a:schemeClr val="tx1"/>
-    </cs:fontRef>
-    <cs:spPr>
-      <a:ln w="9525" cap="flat" cmpd="sng" algn="ctr">
-        <a:solidFill>
-          <a:schemeClr val="tx1">
-            <a:lumMod val="35000"/>
-            <a:lumOff val="65000"/>
-          </a:schemeClr>
-        </a:solidFill>
-        <a:round/>
-      </a:ln>
-    </cs:spPr>
-  </cs:seriesLine>
-  <cs:title>
-    <cs:lnRef idx="0"/>
-    <cs:fillRef idx="0"/>
-    <cs:effectRef idx="0"/>
-    <cs:fontRef idx="minor">
-      <a:schemeClr val="tx1">
-        <a:lumMod val="65000"/>
-        <a:lumOff val="35000"/>
-      </a:schemeClr>
-    </cs:fontRef>
-    <cs:defRPr sz="1400" b="0" kern="1200" spc="0" baseline="0"/>
-  </cs:title>
-  <cs:trendline>
-    <cs:lnRef idx="0">
-      <cs:styleClr val="auto"/>
-    </cs:lnRef>
-    <cs:fillRef idx="0"/>
-    <cs:effectRef idx="0"/>
-    <cs:fontRef idx="minor">
-      <a:schemeClr val="tx1"/>
-    </cs:fontRef>
-    <cs:spPr>
-      <a:ln w="19050" cap="rnd">
-        <a:solidFill>
-          <a:schemeClr val="phClr"/>
-        </a:solidFill>
-        <a:prstDash val="sysDot"/>
-      </a:ln>
-    </cs:spPr>
-  </cs:trendline>
-  <cs:trendlineLabel>
-    <cs:lnRef idx="0"/>
-    <cs:fillRef idx="0"/>
-    <cs:effectRef idx="0"/>
-    <cs:fontRef idx="minor">
-      <a:schemeClr val="tx1">
-        <a:lumMod val="65000"/>
-        <a:lumOff val="35000"/>
-      </a:schemeClr>
-    </cs:fontRef>
-    <cs:defRPr sz="900" kern="1200"/>
-  </cs:trendlineLabel>
-  <cs:upBar>
-    <cs:lnRef idx="0"/>
-    <cs:fillRef idx="0"/>
-    <cs:effectRef idx="0"/>
-    <cs:fontRef idx="minor">
-      <a:schemeClr val="dk1"/>
-    </cs:fontRef>
-    <cs:spPr>
-      <a:solidFill>
-        <a:schemeClr val="lt1"/>
-      </a:solidFill>
-      <a:ln w="9525">
-        <a:solidFill>
-          <a:schemeClr val="tx1">
-            <a:lumMod val="15000"/>
-            <a:lumOff val="85000"/>
-          </a:schemeClr>
-        </a:solidFill>
-      </a:ln>
-    </cs:spPr>
-  </cs:upBar>
-  <cs:valueAxis>
-    <cs:lnRef idx="0"/>
-    <cs:fillRef idx="0"/>
-    <cs:effectRef idx="0"/>
-    <cs:fontRef idx="minor">
-      <a:schemeClr val="tx1">
-        <a:lumMod val="65000"/>
-        <a:lumOff val="35000"/>
-      </a:schemeClr>
-    </cs:fontRef>
-    <cs:defRPr sz="900" kern="1200"/>
-  </cs:valueAxis>
-  <cs:wall>
-    <cs:lnRef idx="0"/>
-    <cs:fillRef idx="0"/>
-    <cs:effectRef idx="0"/>
-    <cs:fontRef idx="minor">
-      <a:schemeClr val="tx1"/>
-    </cs:fontRef>
-    <cs:spPr>
-      <a:noFill/>
-      <a:ln>
-        <a:noFill/>
-      </a:ln>
-    </cs:spPr>
-  </cs:wall>
-</cs:chartStyle>
-</file>
-
-<file path=ppt/charts/style3.xml><?xml version="1.0" encoding="utf-8"?>
 <cs:chartStyle xmlns:cs="http://schemas.microsoft.com/office/drawing/2012/chartStyle" xmlns:a="http://schemas.openxmlformats.org/drawingml/2006/main" id="240">
   <cs:axisTitle>
     <cs:lnRef idx="0"/>
@@ -8519,6 +8144,509 @@
         <a:round/>
       </a:ln>
     </cs:spPr>
+    <cs:defRPr sz="900" kern="1200"/>
+  </cs:valueAxis>
+  <cs:wall>
+    <cs:lnRef idx="0"/>
+    <cs:fillRef idx="0"/>
+    <cs:effectRef idx="0"/>
+    <cs:fontRef idx="minor">
+      <a:schemeClr val="tx1"/>
+    </cs:fontRef>
+    <cs:spPr>
+      <a:noFill/>
+      <a:ln>
+        <a:noFill/>
+      </a:ln>
+    </cs:spPr>
+  </cs:wall>
+</cs:chartStyle>
+</file>
+
+<file path=ppt/charts/style3.xml><?xml version="1.0" encoding="utf-8"?>
+<cs:chartStyle xmlns:cs="http://schemas.microsoft.com/office/drawing/2012/chartStyle" xmlns:a="http://schemas.openxmlformats.org/drawingml/2006/main" id="201">
+  <cs:axisTitle>
+    <cs:lnRef idx="0"/>
+    <cs:fillRef idx="0"/>
+    <cs:effectRef idx="0"/>
+    <cs:fontRef idx="minor">
+      <a:schemeClr val="tx1">
+        <a:lumMod val="65000"/>
+        <a:lumOff val="35000"/>
+      </a:schemeClr>
+    </cs:fontRef>
+    <cs:defRPr sz="1000" kern="1200"/>
+  </cs:axisTitle>
+  <cs:categoryAxis>
+    <cs:lnRef idx="0"/>
+    <cs:fillRef idx="0"/>
+    <cs:effectRef idx="0"/>
+    <cs:fontRef idx="minor">
+      <a:schemeClr val="tx1">
+        <a:lumMod val="65000"/>
+        <a:lumOff val="35000"/>
+      </a:schemeClr>
+    </cs:fontRef>
+    <cs:spPr>
+      <a:ln w="9525" cap="flat" cmpd="sng" algn="ctr">
+        <a:solidFill>
+          <a:schemeClr val="tx1">
+            <a:lumMod val="15000"/>
+            <a:lumOff val="85000"/>
+          </a:schemeClr>
+        </a:solidFill>
+        <a:round/>
+      </a:ln>
+    </cs:spPr>
+    <cs:defRPr sz="900" kern="1200"/>
+  </cs:categoryAxis>
+  <cs:chartArea mods="allowNoFillOverride allowNoLineOverride">
+    <cs:lnRef idx="0"/>
+    <cs:fillRef idx="0"/>
+    <cs:effectRef idx="0"/>
+    <cs:fontRef idx="minor">
+      <a:schemeClr val="tx1"/>
+    </cs:fontRef>
+    <cs:spPr>
+      <a:solidFill>
+        <a:schemeClr val="bg1"/>
+      </a:solidFill>
+      <a:ln w="9525" cap="flat" cmpd="sng" algn="ctr">
+        <a:solidFill>
+          <a:schemeClr val="tx1">
+            <a:lumMod val="15000"/>
+            <a:lumOff val="85000"/>
+          </a:schemeClr>
+        </a:solidFill>
+        <a:round/>
+      </a:ln>
+    </cs:spPr>
+    <cs:defRPr sz="1000" kern="1200"/>
+  </cs:chartArea>
+  <cs:dataLabel>
+    <cs:lnRef idx="0"/>
+    <cs:fillRef idx="0"/>
+    <cs:effectRef idx="0"/>
+    <cs:fontRef idx="minor">
+      <a:schemeClr val="tx1">
+        <a:lumMod val="75000"/>
+        <a:lumOff val="25000"/>
+      </a:schemeClr>
+    </cs:fontRef>
+    <cs:defRPr sz="900" kern="1200"/>
+  </cs:dataLabel>
+  <cs:dataLabelCallout>
+    <cs:lnRef idx="0"/>
+    <cs:fillRef idx="0"/>
+    <cs:effectRef idx="0"/>
+    <cs:fontRef idx="minor">
+      <a:schemeClr val="dk1">
+        <a:lumMod val="65000"/>
+        <a:lumOff val="35000"/>
+      </a:schemeClr>
+    </cs:fontRef>
+    <cs:spPr>
+      <a:solidFill>
+        <a:schemeClr val="lt1"/>
+      </a:solidFill>
+      <a:ln>
+        <a:solidFill>
+          <a:schemeClr val="dk1">
+            <a:lumMod val="25000"/>
+            <a:lumOff val="75000"/>
+          </a:schemeClr>
+        </a:solidFill>
+      </a:ln>
+    </cs:spPr>
+    <cs:defRPr sz="900" kern="1200"/>
+    <cs:bodyPr rot="0" spcFirstLastPara="1" vertOverflow="clip" horzOverflow="clip" vert="horz" wrap="square" lIns="36576" tIns="18288" rIns="36576" bIns="18288" anchor="ctr" anchorCtr="1">
+      <a:spAutoFit/>
+    </cs:bodyPr>
+  </cs:dataLabelCallout>
+  <cs:dataPoint>
+    <cs:lnRef idx="0"/>
+    <cs:fillRef idx="1">
+      <cs:styleClr val="auto"/>
+    </cs:fillRef>
+    <cs:effectRef idx="0"/>
+    <cs:fontRef idx="minor">
+      <a:schemeClr val="tx1"/>
+    </cs:fontRef>
+  </cs:dataPoint>
+  <cs:dataPoint3D>
+    <cs:lnRef idx="0"/>
+    <cs:fillRef idx="1">
+      <cs:styleClr val="auto"/>
+    </cs:fillRef>
+    <cs:effectRef idx="0"/>
+    <cs:fontRef idx="minor">
+      <a:schemeClr val="tx1"/>
+    </cs:fontRef>
+  </cs:dataPoint3D>
+  <cs:dataPointLine>
+    <cs:lnRef idx="0">
+      <cs:styleClr val="auto"/>
+    </cs:lnRef>
+    <cs:fillRef idx="1"/>
+    <cs:effectRef idx="0"/>
+    <cs:fontRef idx="minor">
+      <a:schemeClr val="tx1"/>
+    </cs:fontRef>
+    <cs:spPr>
+      <a:ln w="28575" cap="rnd">
+        <a:solidFill>
+          <a:schemeClr val="phClr"/>
+        </a:solidFill>
+        <a:round/>
+      </a:ln>
+    </cs:spPr>
+  </cs:dataPointLine>
+  <cs:dataPointMarker>
+    <cs:lnRef idx="0">
+      <cs:styleClr val="auto"/>
+    </cs:lnRef>
+    <cs:fillRef idx="1">
+      <cs:styleClr val="auto"/>
+    </cs:fillRef>
+    <cs:effectRef idx="0"/>
+    <cs:fontRef idx="minor">
+      <a:schemeClr val="tx1"/>
+    </cs:fontRef>
+    <cs:spPr>
+      <a:ln w="9525">
+        <a:solidFill>
+          <a:schemeClr val="phClr"/>
+        </a:solidFill>
+      </a:ln>
+    </cs:spPr>
+  </cs:dataPointMarker>
+  <cs:dataPointMarkerLayout symbol="circle" size="5"/>
+  <cs:dataPointWireframe>
+    <cs:lnRef idx="0">
+      <cs:styleClr val="auto"/>
+    </cs:lnRef>
+    <cs:fillRef idx="1"/>
+    <cs:effectRef idx="0"/>
+    <cs:fontRef idx="minor">
+      <a:schemeClr val="tx1"/>
+    </cs:fontRef>
+    <cs:spPr>
+      <a:ln w="9525" cap="rnd">
+        <a:solidFill>
+          <a:schemeClr val="phClr"/>
+        </a:solidFill>
+        <a:round/>
+      </a:ln>
+    </cs:spPr>
+  </cs:dataPointWireframe>
+  <cs:dataTable>
+    <cs:lnRef idx="0"/>
+    <cs:fillRef idx="0"/>
+    <cs:effectRef idx="0"/>
+    <cs:fontRef idx="minor">
+      <a:schemeClr val="tx1">
+        <a:lumMod val="65000"/>
+        <a:lumOff val="35000"/>
+      </a:schemeClr>
+    </cs:fontRef>
+    <cs:spPr>
+      <a:noFill/>
+      <a:ln w="9525" cap="flat" cmpd="sng" algn="ctr">
+        <a:solidFill>
+          <a:schemeClr val="tx1">
+            <a:lumMod val="15000"/>
+            <a:lumOff val="85000"/>
+          </a:schemeClr>
+        </a:solidFill>
+        <a:round/>
+      </a:ln>
+    </cs:spPr>
+    <cs:defRPr sz="900" kern="1200"/>
+  </cs:dataTable>
+  <cs:downBar>
+    <cs:lnRef idx="0"/>
+    <cs:fillRef idx="0"/>
+    <cs:effectRef idx="0"/>
+    <cs:fontRef idx="minor">
+      <a:schemeClr val="dk1"/>
+    </cs:fontRef>
+    <cs:spPr>
+      <a:solidFill>
+        <a:schemeClr val="dk1">
+          <a:lumMod val="65000"/>
+          <a:lumOff val="35000"/>
+        </a:schemeClr>
+      </a:solidFill>
+      <a:ln w="9525">
+        <a:solidFill>
+          <a:schemeClr val="tx1">
+            <a:lumMod val="65000"/>
+            <a:lumOff val="35000"/>
+          </a:schemeClr>
+        </a:solidFill>
+      </a:ln>
+    </cs:spPr>
+  </cs:downBar>
+  <cs:dropLine>
+    <cs:lnRef idx="0"/>
+    <cs:fillRef idx="0"/>
+    <cs:effectRef idx="0"/>
+    <cs:fontRef idx="minor">
+      <a:schemeClr val="tx1"/>
+    </cs:fontRef>
+    <cs:spPr>
+      <a:ln w="9525" cap="flat" cmpd="sng" algn="ctr">
+        <a:solidFill>
+          <a:schemeClr val="tx1">
+            <a:lumMod val="35000"/>
+            <a:lumOff val="65000"/>
+          </a:schemeClr>
+        </a:solidFill>
+        <a:round/>
+      </a:ln>
+    </cs:spPr>
+  </cs:dropLine>
+  <cs:errorBar>
+    <cs:lnRef idx="0"/>
+    <cs:fillRef idx="0"/>
+    <cs:effectRef idx="0"/>
+    <cs:fontRef idx="minor">
+      <a:schemeClr val="tx1"/>
+    </cs:fontRef>
+    <cs:spPr>
+      <a:ln w="9525" cap="flat" cmpd="sng" algn="ctr">
+        <a:solidFill>
+          <a:schemeClr val="tx1">
+            <a:lumMod val="65000"/>
+            <a:lumOff val="35000"/>
+          </a:schemeClr>
+        </a:solidFill>
+        <a:round/>
+      </a:ln>
+    </cs:spPr>
+  </cs:errorBar>
+  <cs:floor>
+    <cs:lnRef idx="0"/>
+    <cs:fillRef idx="0"/>
+    <cs:effectRef idx="0"/>
+    <cs:fontRef idx="minor">
+      <a:schemeClr val="tx1"/>
+    </cs:fontRef>
+    <cs:spPr>
+      <a:noFill/>
+      <a:ln>
+        <a:noFill/>
+      </a:ln>
+    </cs:spPr>
+  </cs:floor>
+  <cs:gridlineMajor>
+    <cs:lnRef idx="0"/>
+    <cs:fillRef idx="0"/>
+    <cs:effectRef idx="0"/>
+    <cs:fontRef idx="minor">
+      <a:schemeClr val="tx1"/>
+    </cs:fontRef>
+    <cs:spPr>
+      <a:ln w="9525" cap="flat" cmpd="sng" algn="ctr">
+        <a:solidFill>
+          <a:schemeClr val="tx1">
+            <a:lumMod val="15000"/>
+            <a:lumOff val="85000"/>
+          </a:schemeClr>
+        </a:solidFill>
+        <a:round/>
+      </a:ln>
+    </cs:spPr>
+  </cs:gridlineMajor>
+  <cs:gridlineMinor>
+    <cs:lnRef idx="0"/>
+    <cs:fillRef idx="0"/>
+    <cs:effectRef idx="0"/>
+    <cs:fontRef idx="minor">
+      <a:schemeClr val="tx1"/>
+    </cs:fontRef>
+    <cs:spPr>
+      <a:ln w="9525" cap="flat" cmpd="sng" algn="ctr">
+        <a:solidFill>
+          <a:schemeClr val="tx1">
+            <a:lumMod val="5000"/>
+            <a:lumOff val="95000"/>
+          </a:schemeClr>
+        </a:solidFill>
+        <a:round/>
+      </a:ln>
+    </cs:spPr>
+  </cs:gridlineMinor>
+  <cs:hiLoLine>
+    <cs:lnRef idx="0"/>
+    <cs:fillRef idx="0"/>
+    <cs:effectRef idx="0"/>
+    <cs:fontRef idx="minor">
+      <a:schemeClr val="tx1"/>
+    </cs:fontRef>
+    <cs:spPr>
+      <a:ln w="9525" cap="flat" cmpd="sng" algn="ctr">
+        <a:solidFill>
+          <a:schemeClr val="tx1">
+            <a:lumMod val="75000"/>
+            <a:lumOff val="25000"/>
+          </a:schemeClr>
+        </a:solidFill>
+        <a:round/>
+      </a:ln>
+    </cs:spPr>
+  </cs:hiLoLine>
+  <cs:leaderLine>
+    <cs:lnRef idx="0"/>
+    <cs:fillRef idx="0"/>
+    <cs:effectRef idx="0"/>
+    <cs:fontRef idx="minor">
+      <a:schemeClr val="tx1"/>
+    </cs:fontRef>
+    <cs:spPr>
+      <a:ln w="9525" cap="flat" cmpd="sng" algn="ctr">
+        <a:solidFill>
+          <a:schemeClr val="tx1">
+            <a:lumMod val="35000"/>
+            <a:lumOff val="65000"/>
+          </a:schemeClr>
+        </a:solidFill>
+        <a:round/>
+      </a:ln>
+    </cs:spPr>
+  </cs:leaderLine>
+  <cs:legend>
+    <cs:lnRef idx="0"/>
+    <cs:fillRef idx="0"/>
+    <cs:effectRef idx="0"/>
+    <cs:fontRef idx="minor">
+      <a:schemeClr val="tx1">
+        <a:lumMod val="65000"/>
+        <a:lumOff val="35000"/>
+      </a:schemeClr>
+    </cs:fontRef>
+    <cs:defRPr sz="900" kern="1200"/>
+  </cs:legend>
+  <cs:plotArea mods="allowNoFillOverride allowNoLineOverride">
+    <cs:lnRef idx="0"/>
+    <cs:fillRef idx="0"/>
+    <cs:effectRef idx="0"/>
+    <cs:fontRef idx="minor">
+      <a:schemeClr val="tx1"/>
+    </cs:fontRef>
+  </cs:plotArea>
+  <cs:plotArea3D mods="allowNoFillOverride allowNoLineOverride">
+    <cs:lnRef idx="0"/>
+    <cs:fillRef idx="0"/>
+    <cs:effectRef idx="0"/>
+    <cs:fontRef idx="minor">
+      <a:schemeClr val="tx1"/>
+    </cs:fontRef>
+  </cs:plotArea3D>
+  <cs:seriesAxis>
+    <cs:lnRef idx="0"/>
+    <cs:fillRef idx="0"/>
+    <cs:effectRef idx="0"/>
+    <cs:fontRef idx="minor">
+      <a:schemeClr val="tx1">
+        <a:lumMod val="65000"/>
+        <a:lumOff val="35000"/>
+      </a:schemeClr>
+    </cs:fontRef>
+    <cs:defRPr sz="900" kern="1200"/>
+  </cs:seriesAxis>
+  <cs:seriesLine>
+    <cs:lnRef idx="0"/>
+    <cs:fillRef idx="0"/>
+    <cs:effectRef idx="0"/>
+    <cs:fontRef idx="minor">
+      <a:schemeClr val="tx1"/>
+    </cs:fontRef>
+    <cs:spPr>
+      <a:ln w="9525" cap="flat" cmpd="sng" algn="ctr">
+        <a:solidFill>
+          <a:schemeClr val="tx1">
+            <a:lumMod val="35000"/>
+            <a:lumOff val="65000"/>
+          </a:schemeClr>
+        </a:solidFill>
+        <a:round/>
+      </a:ln>
+    </cs:spPr>
+  </cs:seriesLine>
+  <cs:title>
+    <cs:lnRef idx="0"/>
+    <cs:fillRef idx="0"/>
+    <cs:effectRef idx="0"/>
+    <cs:fontRef idx="minor">
+      <a:schemeClr val="tx1">
+        <a:lumMod val="65000"/>
+        <a:lumOff val="35000"/>
+      </a:schemeClr>
+    </cs:fontRef>
+    <cs:defRPr sz="1400" b="0" kern="1200" spc="0" baseline="0"/>
+  </cs:title>
+  <cs:trendline>
+    <cs:lnRef idx="0">
+      <cs:styleClr val="auto"/>
+    </cs:lnRef>
+    <cs:fillRef idx="0"/>
+    <cs:effectRef idx="0"/>
+    <cs:fontRef idx="minor">
+      <a:schemeClr val="tx1"/>
+    </cs:fontRef>
+    <cs:spPr>
+      <a:ln w="19050" cap="rnd">
+        <a:solidFill>
+          <a:schemeClr val="phClr"/>
+        </a:solidFill>
+        <a:prstDash val="sysDot"/>
+      </a:ln>
+    </cs:spPr>
+  </cs:trendline>
+  <cs:trendlineLabel>
+    <cs:lnRef idx="0"/>
+    <cs:fillRef idx="0"/>
+    <cs:effectRef idx="0"/>
+    <cs:fontRef idx="minor">
+      <a:schemeClr val="tx1">
+        <a:lumMod val="65000"/>
+        <a:lumOff val="35000"/>
+      </a:schemeClr>
+    </cs:fontRef>
+    <cs:defRPr sz="900" kern="1200"/>
+  </cs:trendlineLabel>
+  <cs:upBar>
+    <cs:lnRef idx="0"/>
+    <cs:fillRef idx="0"/>
+    <cs:effectRef idx="0"/>
+    <cs:fontRef idx="minor">
+      <a:schemeClr val="dk1"/>
+    </cs:fontRef>
+    <cs:spPr>
+      <a:solidFill>
+        <a:schemeClr val="lt1"/>
+      </a:solidFill>
+      <a:ln w="9525">
+        <a:solidFill>
+          <a:schemeClr val="tx1">
+            <a:lumMod val="15000"/>
+            <a:lumOff val="85000"/>
+          </a:schemeClr>
+        </a:solidFill>
+      </a:ln>
+    </cs:spPr>
+  </cs:upBar>
+  <cs:valueAxis>
+    <cs:lnRef idx="0"/>
+    <cs:fillRef idx="0"/>
+    <cs:effectRef idx="0"/>
+    <cs:fontRef idx="minor">
+      <a:schemeClr val="tx1">
+        <a:lumMod val="65000"/>
+        <a:lumOff val="35000"/>
+      </a:schemeClr>
+    </cs:fontRef>
     <cs:defRPr sz="900" kern="1200"/>
   </cs:valueAxis>
   <cs:wall>
@@ -9571,7 +9699,7 @@
 </file>
 
 <file path=ppt/charts/style6.xml><?xml version="1.0" encoding="utf-8"?>
-<cs:chartStyle xmlns:cs="http://schemas.microsoft.com/office/drawing/2012/chartStyle" xmlns:a="http://schemas.openxmlformats.org/drawingml/2006/main" id="201">
+<cs:chartStyle xmlns:cs="http://schemas.microsoft.com/office/drawing/2012/chartStyle" xmlns:a="http://schemas.openxmlformats.org/drawingml/2006/main" id="240">
   <cs:axisTitle>
     <cs:lnRef idx="0"/>
     <cs:fillRef idx="0"/>
@@ -9598,8 +9726,8 @@
       <a:ln w="9525" cap="flat" cmpd="sng" algn="ctr">
         <a:solidFill>
           <a:schemeClr val="tx1">
-            <a:lumMod val="15000"/>
-            <a:lumOff val="85000"/>
+            <a:lumMod val="25000"/>
+            <a:lumOff val="75000"/>
           </a:schemeClr>
         </a:solidFill>
         <a:round/>
@@ -9700,7 +9828,7 @@
       <a:schemeClr val="tx1"/>
     </cs:fontRef>
     <cs:spPr>
-      <a:ln w="28575" cap="rnd">
+      <a:ln w="19050" cap="rnd">
         <a:solidFill>
           <a:schemeClr val="phClr"/>
         </a:solidFill>
@@ -9732,10 +9860,10 @@
     <cs:lnRef idx="0">
       <cs:styleClr val="auto"/>
     </cs:lnRef>
-    <cs:fillRef idx="1"/>
+    <cs:fillRef idx="0"/>
     <cs:effectRef idx="0"/>
     <cs:fontRef idx="minor">
-      <a:schemeClr val="tx1"/>
+      <a:schemeClr val="dk1"/>
     </cs:fontRef>
     <cs:spPr>
       <a:ln w="9525" cap="rnd">
@@ -9775,22 +9903,23 @@
     <cs:fillRef idx="0"/>
     <cs:effectRef idx="0"/>
     <cs:fontRef idx="minor">
-      <a:schemeClr val="dk1"/>
+      <a:schemeClr val="tx1"/>
     </cs:fontRef>
     <cs:spPr>
       <a:solidFill>
         <a:schemeClr val="dk1">
-          <a:lumMod val="65000"/>
-          <a:lumOff val="35000"/>
+          <a:lumMod val="75000"/>
+          <a:lumOff val="25000"/>
         </a:schemeClr>
       </a:solidFill>
-      <a:ln w="9525">
+      <a:ln w="9525" cap="flat" cmpd="sng" algn="ctr">
         <a:solidFill>
           <a:schemeClr val="tx1">
             <a:lumMod val="65000"/>
             <a:lumOff val="35000"/>
           </a:schemeClr>
         </a:solidFill>
+        <a:round/>
       </a:ln>
     </cs:spPr>
   </cs:downBar>
@@ -9895,8 +10024,8 @@
       <a:ln w="9525" cap="flat" cmpd="sng" algn="ctr">
         <a:solidFill>
           <a:schemeClr val="tx1">
-            <a:lumMod val="75000"/>
-            <a:lumOff val="25000"/>
+            <a:lumMod val="50000"/>
+            <a:lumOff val="50000"/>
           </a:schemeClr>
         </a:solidFill>
         <a:round/>
@@ -10028,19 +10157,20 @@
     <cs:fillRef idx="0"/>
     <cs:effectRef idx="0"/>
     <cs:fontRef idx="minor">
-      <a:schemeClr val="dk1"/>
+      <a:schemeClr val="tx1"/>
     </cs:fontRef>
     <cs:spPr>
       <a:solidFill>
         <a:schemeClr val="lt1"/>
       </a:solidFill>
-      <a:ln w="9525">
+      <a:ln w="9525" cap="flat" cmpd="sng" algn="ctr">
         <a:solidFill>
           <a:schemeClr val="tx1">
-            <a:lumMod val="15000"/>
-            <a:lumOff val="85000"/>
+            <a:lumMod val="65000"/>
+            <a:lumOff val="35000"/>
           </a:schemeClr>
         </a:solidFill>
+        <a:round/>
       </a:ln>
     </cs:spPr>
   </cs:upBar>
@@ -10054,6 +10184,17 @@
         <a:lumOff val="35000"/>
       </a:schemeClr>
     </cs:fontRef>
+    <cs:spPr>
+      <a:ln w="9525" cap="flat" cmpd="sng" algn="ctr">
+        <a:solidFill>
+          <a:schemeClr val="tx1">
+            <a:lumMod val="25000"/>
+            <a:lumOff val="75000"/>
+          </a:schemeClr>
+        </a:solidFill>
+        <a:round/>
+      </a:ln>
+    </cs:spPr>
     <cs:defRPr sz="900" kern="1200"/>
   </cs:valueAxis>
   <cs:wall>
@@ -11079,6 +11220,509 @@
 </cs:chartStyle>
 </file>
 
+<file path=ppt/charts/style9.xml><?xml version="1.0" encoding="utf-8"?>
+<cs:chartStyle xmlns:cs="http://schemas.microsoft.com/office/drawing/2012/chartStyle" xmlns:a="http://schemas.openxmlformats.org/drawingml/2006/main" id="201">
+  <cs:axisTitle>
+    <cs:lnRef idx="0"/>
+    <cs:fillRef idx="0"/>
+    <cs:effectRef idx="0"/>
+    <cs:fontRef idx="minor">
+      <a:schemeClr val="tx1">
+        <a:lumMod val="65000"/>
+        <a:lumOff val="35000"/>
+      </a:schemeClr>
+    </cs:fontRef>
+    <cs:defRPr sz="1000" kern="1200"/>
+  </cs:axisTitle>
+  <cs:categoryAxis>
+    <cs:lnRef idx="0"/>
+    <cs:fillRef idx="0"/>
+    <cs:effectRef idx="0"/>
+    <cs:fontRef idx="minor">
+      <a:schemeClr val="tx1">
+        <a:lumMod val="65000"/>
+        <a:lumOff val="35000"/>
+      </a:schemeClr>
+    </cs:fontRef>
+    <cs:spPr>
+      <a:ln w="9525" cap="flat" cmpd="sng" algn="ctr">
+        <a:solidFill>
+          <a:schemeClr val="tx1">
+            <a:lumMod val="15000"/>
+            <a:lumOff val="85000"/>
+          </a:schemeClr>
+        </a:solidFill>
+        <a:round/>
+      </a:ln>
+    </cs:spPr>
+    <cs:defRPr sz="900" kern="1200"/>
+  </cs:categoryAxis>
+  <cs:chartArea mods="allowNoFillOverride allowNoLineOverride">
+    <cs:lnRef idx="0"/>
+    <cs:fillRef idx="0"/>
+    <cs:effectRef idx="0"/>
+    <cs:fontRef idx="minor">
+      <a:schemeClr val="tx1"/>
+    </cs:fontRef>
+    <cs:spPr>
+      <a:solidFill>
+        <a:schemeClr val="bg1"/>
+      </a:solidFill>
+      <a:ln w="9525" cap="flat" cmpd="sng" algn="ctr">
+        <a:solidFill>
+          <a:schemeClr val="tx1">
+            <a:lumMod val="15000"/>
+            <a:lumOff val="85000"/>
+          </a:schemeClr>
+        </a:solidFill>
+        <a:round/>
+      </a:ln>
+    </cs:spPr>
+    <cs:defRPr sz="1000" kern="1200"/>
+  </cs:chartArea>
+  <cs:dataLabel>
+    <cs:lnRef idx="0"/>
+    <cs:fillRef idx="0"/>
+    <cs:effectRef idx="0"/>
+    <cs:fontRef idx="minor">
+      <a:schemeClr val="tx1">
+        <a:lumMod val="75000"/>
+        <a:lumOff val="25000"/>
+      </a:schemeClr>
+    </cs:fontRef>
+    <cs:defRPr sz="900" kern="1200"/>
+  </cs:dataLabel>
+  <cs:dataLabelCallout>
+    <cs:lnRef idx="0"/>
+    <cs:fillRef idx="0"/>
+    <cs:effectRef idx="0"/>
+    <cs:fontRef idx="minor">
+      <a:schemeClr val="dk1">
+        <a:lumMod val="65000"/>
+        <a:lumOff val="35000"/>
+      </a:schemeClr>
+    </cs:fontRef>
+    <cs:spPr>
+      <a:solidFill>
+        <a:schemeClr val="lt1"/>
+      </a:solidFill>
+      <a:ln>
+        <a:solidFill>
+          <a:schemeClr val="dk1">
+            <a:lumMod val="25000"/>
+            <a:lumOff val="75000"/>
+          </a:schemeClr>
+        </a:solidFill>
+      </a:ln>
+    </cs:spPr>
+    <cs:defRPr sz="900" kern="1200"/>
+    <cs:bodyPr rot="0" spcFirstLastPara="1" vertOverflow="clip" horzOverflow="clip" vert="horz" wrap="square" lIns="36576" tIns="18288" rIns="36576" bIns="18288" anchor="ctr" anchorCtr="1">
+      <a:spAutoFit/>
+    </cs:bodyPr>
+  </cs:dataLabelCallout>
+  <cs:dataPoint>
+    <cs:lnRef idx="0"/>
+    <cs:fillRef idx="1">
+      <cs:styleClr val="auto"/>
+    </cs:fillRef>
+    <cs:effectRef idx="0"/>
+    <cs:fontRef idx="minor">
+      <a:schemeClr val="tx1"/>
+    </cs:fontRef>
+  </cs:dataPoint>
+  <cs:dataPoint3D>
+    <cs:lnRef idx="0"/>
+    <cs:fillRef idx="1">
+      <cs:styleClr val="auto"/>
+    </cs:fillRef>
+    <cs:effectRef idx="0"/>
+    <cs:fontRef idx="minor">
+      <a:schemeClr val="tx1"/>
+    </cs:fontRef>
+  </cs:dataPoint3D>
+  <cs:dataPointLine>
+    <cs:lnRef idx="0">
+      <cs:styleClr val="auto"/>
+    </cs:lnRef>
+    <cs:fillRef idx="1"/>
+    <cs:effectRef idx="0"/>
+    <cs:fontRef idx="minor">
+      <a:schemeClr val="tx1"/>
+    </cs:fontRef>
+    <cs:spPr>
+      <a:ln w="28575" cap="rnd">
+        <a:solidFill>
+          <a:schemeClr val="phClr"/>
+        </a:solidFill>
+        <a:round/>
+      </a:ln>
+    </cs:spPr>
+  </cs:dataPointLine>
+  <cs:dataPointMarker>
+    <cs:lnRef idx="0">
+      <cs:styleClr val="auto"/>
+    </cs:lnRef>
+    <cs:fillRef idx="1">
+      <cs:styleClr val="auto"/>
+    </cs:fillRef>
+    <cs:effectRef idx="0"/>
+    <cs:fontRef idx="minor">
+      <a:schemeClr val="tx1"/>
+    </cs:fontRef>
+    <cs:spPr>
+      <a:ln w="9525">
+        <a:solidFill>
+          <a:schemeClr val="phClr"/>
+        </a:solidFill>
+      </a:ln>
+    </cs:spPr>
+  </cs:dataPointMarker>
+  <cs:dataPointMarkerLayout symbol="circle" size="5"/>
+  <cs:dataPointWireframe>
+    <cs:lnRef idx="0">
+      <cs:styleClr val="auto"/>
+    </cs:lnRef>
+    <cs:fillRef idx="1"/>
+    <cs:effectRef idx="0"/>
+    <cs:fontRef idx="minor">
+      <a:schemeClr val="tx1"/>
+    </cs:fontRef>
+    <cs:spPr>
+      <a:ln w="9525" cap="rnd">
+        <a:solidFill>
+          <a:schemeClr val="phClr"/>
+        </a:solidFill>
+        <a:round/>
+      </a:ln>
+    </cs:spPr>
+  </cs:dataPointWireframe>
+  <cs:dataTable>
+    <cs:lnRef idx="0"/>
+    <cs:fillRef idx="0"/>
+    <cs:effectRef idx="0"/>
+    <cs:fontRef idx="minor">
+      <a:schemeClr val="tx1">
+        <a:lumMod val="65000"/>
+        <a:lumOff val="35000"/>
+      </a:schemeClr>
+    </cs:fontRef>
+    <cs:spPr>
+      <a:noFill/>
+      <a:ln w="9525" cap="flat" cmpd="sng" algn="ctr">
+        <a:solidFill>
+          <a:schemeClr val="tx1">
+            <a:lumMod val="15000"/>
+            <a:lumOff val="85000"/>
+          </a:schemeClr>
+        </a:solidFill>
+        <a:round/>
+      </a:ln>
+    </cs:spPr>
+    <cs:defRPr sz="900" kern="1200"/>
+  </cs:dataTable>
+  <cs:downBar>
+    <cs:lnRef idx="0"/>
+    <cs:fillRef idx="0"/>
+    <cs:effectRef idx="0"/>
+    <cs:fontRef idx="minor">
+      <a:schemeClr val="dk1"/>
+    </cs:fontRef>
+    <cs:spPr>
+      <a:solidFill>
+        <a:schemeClr val="dk1">
+          <a:lumMod val="65000"/>
+          <a:lumOff val="35000"/>
+        </a:schemeClr>
+      </a:solidFill>
+      <a:ln w="9525">
+        <a:solidFill>
+          <a:schemeClr val="tx1">
+            <a:lumMod val="65000"/>
+            <a:lumOff val="35000"/>
+          </a:schemeClr>
+        </a:solidFill>
+      </a:ln>
+    </cs:spPr>
+  </cs:downBar>
+  <cs:dropLine>
+    <cs:lnRef idx="0"/>
+    <cs:fillRef idx="0"/>
+    <cs:effectRef idx="0"/>
+    <cs:fontRef idx="minor">
+      <a:schemeClr val="tx1"/>
+    </cs:fontRef>
+    <cs:spPr>
+      <a:ln w="9525" cap="flat" cmpd="sng" algn="ctr">
+        <a:solidFill>
+          <a:schemeClr val="tx1">
+            <a:lumMod val="35000"/>
+            <a:lumOff val="65000"/>
+          </a:schemeClr>
+        </a:solidFill>
+        <a:round/>
+      </a:ln>
+    </cs:spPr>
+  </cs:dropLine>
+  <cs:errorBar>
+    <cs:lnRef idx="0"/>
+    <cs:fillRef idx="0"/>
+    <cs:effectRef idx="0"/>
+    <cs:fontRef idx="minor">
+      <a:schemeClr val="tx1"/>
+    </cs:fontRef>
+    <cs:spPr>
+      <a:ln w="9525" cap="flat" cmpd="sng" algn="ctr">
+        <a:solidFill>
+          <a:schemeClr val="tx1">
+            <a:lumMod val="65000"/>
+            <a:lumOff val="35000"/>
+          </a:schemeClr>
+        </a:solidFill>
+        <a:round/>
+      </a:ln>
+    </cs:spPr>
+  </cs:errorBar>
+  <cs:floor>
+    <cs:lnRef idx="0"/>
+    <cs:fillRef idx="0"/>
+    <cs:effectRef idx="0"/>
+    <cs:fontRef idx="minor">
+      <a:schemeClr val="tx1"/>
+    </cs:fontRef>
+    <cs:spPr>
+      <a:noFill/>
+      <a:ln>
+        <a:noFill/>
+      </a:ln>
+    </cs:spPr>
+  </cs:floor>
+  <cs:gridlineMajor>
+    <cs:lnRef idx="0"/>
+    <cs:fillRef idx="0"/>
+    <cs:effectRef idx="0"/>
+    <cs:fontRef idx="minor">
+      <a:schemeClr val="tx1"/>
+    </cs:fontRef>
+    <cs:spPr>
+      <a:ln w="9525" cap="flat" cmpd="sng" algn="ctr">
+        <a:solidFill>
+          <a:schemeClr val="tx1">
+            <a:lumMod val="15000"/>
+            <a:lumOff val="85000"/>
+          </a:schemeClr>
+        </a:solidFill>
+        <a:round/>
+      </a:ln>
+    </cs:spPr>
+  </cs:gridlineMajor>
+  <cs:gridlineMinor>
+    <cs:lnRef idx="0"/>
+    <cs:fillRef idx="0"/>
+    <cs:effectRef idx="0"/>
+    <cs:fontRef idx="minor">
+      <a:schemeClr val="tx1"/>
+    </cs:fontRef>
+    <cs:spPr>
+      <a:ln w="9525" cap="flat" cmpd="sng" algn="ctr">
+        <a:solidFill>
+          <a:schemeClr val="tx1">
+            <a:lumMod val="5000"/>
+            <a:lumOff val="95000"/>
+          </a:schemeClr>
+        </a:solidFill>
+        <a:round/>
+      </a:ln>
+    </cs:spPr>
+  </cs:gridlineMinor>
+  <cs:hiLoLine>
+    <cs:lnRef idx="0"/>
+    <cs:fillRef idx="0"/>
+    <cs:effectRef idx="0"/>
+    <cs:fontRef idx="minor">
+      <a:schemeClr val="tx1"/>
+    </cs:fontRef>
+    <cs:spPr>
+      <a:ln w="9525" cap="flat" cmpd="sng" algn="ctr">
+        <a:solidFill>
+          <a:schemeClr val="tx1">
+            <a:lumMod val="75000"/>
+            <a:lumOff val="25000"/>
+          </a:schemeClr>
+        </a:solidFill>
+        <a:round/>
+      </a:ln>
+    </cs:spPr>
+  </cs:hiLoLine>
+  <cs:leaderLine>
+    <cs:lnRef idx="0"/>
+    <cs:fillRef idx="0"/>
+    <cs:effectRef idx="0"/>
+    <cs:fontRef idx="minor">
+      <a:schemeClr val="tx1"/>
+    </cs:fontRef>
+    <cs:spPr>
+      <a:ln w="9525" cap="flat" cmpd="sng" algn="ctr">
+        <a:solidFill>
+          <a:schemeClr val="tx1">
+            <a:lumMod val="35000"/>
+            <a:lumOff val="65000"/>
+          </a:schemeClr>
+        </a:solidFill>
+        <a:round/>
+      </a:ln>
+    </cs:spPr>
+  </cs:leaderLine>
+  <cs:legend>
+    <cs:lnRef idx="0"/>
+    <cs:fillRef idx="0"/>
+    <cs:effectRef idx="0"/>
+    <cs:fontRef idx="minor">
+      <a:schemeClr val="tx1">
+        <a:lumMod val="65000"/>
+        <a:lumOff val="35000"/>
+      </a:schemeClr>
+    </cs:fontRef>
+    <cs:defRPr sz="900" kern="1200"/>
+  </cs:legend>
+  <cs:plotArea mods="allowNoFillOverride allowNoLineOverride">
+    <cs:lnRef idx="0"/>
+    <cs:fillRef idx="0"/>
+    <cs:effectRef idx="0"/>
+    <cs:fontRef idx="minor">
+      <a:schemeClr val="tx1"/>
+    </cs:fontRef>
+  </cs:plotArea>
+  <cs:plotArea3D mods="allowNoFillOverride allowNoLineOverride">
+    <cs:lnRef idx="0"/>
+    <cs:fillRef idx="0"/>
+    <cs:effectRef idx="0"/>
+    <cs:fontRef idx="minor">
+      <a:schemeClr val="tx1"/>
+    </cs:fontRef>
+  </cs:plotArea3D>
+  <cs:seriesAxis>
+    <cs:lnRef idx="0"/>
+    <cs:fillRef idx="0"/>
+    <cs:effectRef idx="0"/>
+    <cs:fontRef idx="minor">
+      <a:schemeClr val="tx1">
+        <a:lumMod val="65000"/>
+        <a:lumOff val="35000"/>
+      </a:schemeClr>
+    </cs:fontRef>
+    <cs:defRPr sz="900" kern="1200"/>
+  </cs:seriesAxis>
+  <cs:seriesLine>
+    <cs:lnRef idx="0"/>
+    <cs:fillRef idx="0"/>
+    <cs:effectRef idx="0"/>
+    <cs:fontRef idx="minor">
+      <a:schemeClr val="tx1"/>
+    </cs:fontRef>
+    <cs:spPr>
+      <a:ln w="9525" cap="flat" cmpd="sng" algn="ctr">
+        <a:solidFill>
+          <a:schemeClr val="tx1">
+            <a:lumMod val="35000"/>
+            <a:lumOff val="65000"/>
+          </a:schemeClr>
+        </a:solidFill>
+        <a:round/>
+      </a:ln>
+    </cs:spPr>
+  </cs:seriesLine>
+  <cs:title>
+    <cs:lnRef idx="0"/>
+    <cs:fillRef idx="0"/>
+    <cs:effectRef idx="0"/>
+    <cs:fontRef idx="minor">
+      <a:schemeClr val="tx1">
+        <a:lumMod val="65000"/>
+        <a:lumOff val="35000"/>
+      </a:schemeClr>
+    </cs:fontRef>
+    <cs:defRPr sz="1400" b="0" kern="1200" spc="0" baseline="0"/>
+  </cs:title>
+  <cs:trendline>
+    <cs:lnRef idx="0">
+      <cs:styleClr val="auto"/>
+    </cs:lnRef>
+    <cs:fillRef idx="0"/>
+    <cs:effectRef idx="0"/>
+    <cs:fontRef idx="minor">
+      <a:schemeClr val="tx1"/>
+    </cs:fontRef>
+    <cs:spPr>
+      <a:ln w="19050" cap="rnd">
+        <a:solidFill>
+          <a:schemeClr val="phClr"/>
+        </a:solidFill>
+        <a:prstDash val="sysDot"/>
+      </a:ln>
+    </cs:spPr>
+  </cs:trendline>
+  <cs:trendlineLabel>
+    <cs:lnRef idx="0"/>
+    <cs:fillRef idx="0"/>
+    <cs:effectRef idx="0"/>
+    <cs:fontRef idx="minor">
+      <a:schemeClr val="tx1">
+        <a:lumMod val="65000"/>
+        <a:lumOff val="35000"/>
+      </a:schemeClr>
+    </cs:fontRef>
+    <cs:defRPr sz="900" kern="1200"/>
+  </cs:trendlineLabel>
+  <cs:upBar>
+    <cs:lnRef idx="0"/>
+    <cs:fillRef idx="0"/>
+    <cs:effectRef idx="0"/>
+    <cs:fontRef idx="minor">
+      <a:schemeClr val="dk1"/>
+    </cs:fontRef>
+    <cs:spPr>
+      <a:solidFill>
+        <a:schemeClr val="lt1"/>
+      </a:solidFill>
+      <a:ln w="9525">
+        <a:solidFill>
+          <a:schemeClr val="tx1">
+            <a:lumMod val="15000"/>
+            <a:lumOff val="85000"/>
+          </a:schemeClr>
+        </a:solidFill>
+      </a:ln>
+    </cs:spPr>
+  </cs:upBar>
+  <cs:valueAxis>
+    <cs:lnRef idx="0"/>
+    <cs:fillRef idx="0"/>
+    <cs:effectRef idx="0"/>
+    <cs:fontRef idx="minor">
+      <a:schemeClr val="tx1">
+        <a:lumMod val="65000"/>
+        <a:lumOff val="35000"/>
+      </a:schemeClr>
+    </cs:fontRef>
+    <cs:defRPr sz="900" kern="1200"/>
+  </cs:valueAxis>
+  <cs:wall>
+    <cs:lnRef idx="0"/>
+    <cs:fillRef idx="0"/>
+    <cs:effectRef idx="0"/>
+    <cs:fontRef idx="minor">
+      <a:schemeClr val="tx1"/>
+    </cs:fontRef>
+    <cs:spPr>
+      <a:noFill/>
+      <a:ln>
+        <a:noFill/>
+      </a:ln>
+    </cs:spPr>
+  </cs:wall>
+</cs:chartStyle>
+</file>
+
 <file path=ppt/handoutMasters/handoutMaster1.xml><?xml version="1.0" encoding="utf-8"?>
 <p:handoutMaster xmlns:a="http://schemas.openxmlformats.org/drawingml/2006/main" xmlns:r="http://schemas.openxmlformats.org/officeDocument/2006/relationships" xmlns:p="http://schemas.openxmlformats.org/presentationml/2006/main">
   <p:cSld>
@@ -11162,7 +11806,7 @@
             <a:fld id="{78A3FABC-3780-4F68-84BD-39BD54B294EC}" type="datetimeFigureOut">
               <a:rPr lang="en-US" smtClean="0"/>
               <a:pPr/>
-              <a:t>11/8/2017</a:t>
+              <a:t>11/9/2017</a:t>
             </a:fld>
             <a:endParaRPr lang="en-US"/>
           </a:p>
@@ -11329,7 +11973,7 @@
             <a:fld id="{962D6903-D881-4FA6-A21E-ABC873CB4FE8}" type="datetimeFigureOut">
               <a:rPr lang="en-US" smtClean="0"/>
               <a:pPr/>
-              <a:t>11/8/2017</a:t>
+              <a:t>11/9/2017</a:t>
             </a:fld>
             <a:endParaRPr lang="en-US"/>
           </a:p>
@@ -11727,6 +12371,125 @@
           <a:bodyPr/>
           <a:lstStyle/>
           <a:p>
+            <a:r>
+              <a:rPr lang="de-DE" dirty="0" smtClean="0"/>
+              <a:t>Es</a:t>
+            </a:r>
+            <a:r>
+              <a:rPr lang="de-DE" baseline="0" dirty="0" smtClean="0"/>
+              <a:t> entstanden in der </a:t>
+            </a:r>
+            <a:r>
+              <a:rPr lang="de-DE" dirty="0" err="1" smtClean="0"/>
+              <a:t>Execution</a:t>
+            </a:r>
+            <a:r>
+              <a:rPr lang="de-DE" dirty="0" smtClean="0"/>
+              <a:t> </a:t>
+            </a:r>
+            <a:r>
+              <a:rPr lang="de-DE" dirty="0" err="1" smtClean="0"/>
+              <a:t>stage</a:t>
+            </a:r>
+            <a:r>
+              <a:rPr lang="de-DE" dirty="0" smtClean="0"/>
+              <a:t> in der eigentlich</a:t>
+            </a:r>
+            <a:r>
+              <a:rPr lang="de-DE" baseline="0" dirty="0" smtClean="0"/>
+              <a:t> nur Daten anliegen sollten Abhängigkeiten</a:t>
+            </a:r>
+          </a:p>
+          <a:p>
+            <a:r>
+              <a:rPr lang="de-DE" baseline="0" dirty="0" smtClean="0"/>
+              <a:t>Verlustleistung der Standardzellen bekannt</a:t>
+            </a:r>
+            <a:endParaRPr lang="de-DE" dirty="0"/>
+          </a:p>
+        </p:txBody>
+      </p:sp>
+      <p:sp>
+        <p:nvSpPr>
+          <p:cNvPr id="4" name="Foliennummernplatzhalter 3"/>
+          <p:cNvSpPr>
+            <a:spLocks noGrp="1"/>
+          </p:cNvSpPr>
+          <p:nvPr>
+            <p:ph type="sldNum" sz="quarter" idx="10"/>
+          </p:nvPr>
+        </p:nvSpPr>
+        <p:spPr/>
+        <p:txBody>
+          <a:bodyPr/>
+          <a:lstStyle/>
+          <a:p>
+            <a:fld id="{869E2870-AA96-4A2A-B012-8930BFB0F7BD}" type="slidenum">
+              <a:rPr lang="en-US" smtClean="0"/>
+              <a:pPr/>
+              <a:t>11</a:t>
+            </a:fld>
+            <a:endParaRPr lang="en-US"/>
+          </a:p>
+        </p:txBody>
+      </p:sp>
+    </p:spTree>
+    <p:extLst>
+      <p:ext uri="{BB962C8B-B14F-4D97-AF65-F5344CB8AC3E}">
+        <p14:creationId xmlns:p14="http://schemas.microsoft.com/office/powerpoint/2010/main" val="420471562"/>
+      </p:ext>
+    </p:extLst>
+  </p:cSld>
+  <p:clrMapOvr>
+    <a:masterClrMapping/>
+  </p:clrMapOvr>
+</p:notes>
+</file>
+
+<file path=ppt/notesSlides/notesSlide11.xml><?xml version="1.0" encoding="utf-8"?>
+<p:notes xmlns:a="http://schemas.openxmlformats.org/drawingml/2006/main" xmlns:r="http://schemas.openxmlformats.org/officeDocument/2006/relationships" xmlns:p="http://schemas.openxmlformats.org/presentationml/2006/main">
+  <p:cSld>
+    <p:spTree>
+      <p:nvGrpSpPr>
+        <p:cNvPr id="1" name=""/>
+        <p:cNvGrpSpPr/>
+        <p:nvPr/>
+      </p:nvGrpSpPr>
+      <p:grpSpPr>
+        <a:xfrm>
+          <a:off x="0" y="0"/>
+          <a:ext cx="0" cy="0"/>
+          <a:chOff x="0" y="0"/>
+          <a:chExt cx="0" cy="0"/>
+        </a:xfrm>
+      </p:grpSpPr>
+      <p:sp>
+        <p:nvSpPr>
+          <p:cNvPr id="2" name="Folienbildplatzhalter 1"/>
+          <p:cNvSpPr>
+            <a:spLocks noGrp="1" noRot="1" noChangeAspect="1"/>
+          </p:cNvSpPr>
+          <p:nvPr>
+            <p:ph type="sldImg"/>
+          </p:nvPr>
+        </p:nvSpPr>
+        <p:spPr/>
+      </p:sp>
+      <p:sp>
+        <p:nvSpPr>
+          <p:cNvPr id="3" name="Notizenplatzhalter 2"/>
+          <p:cNvSpPr>
+            <a:spLocks noGrp="1"/>
+          </p:cNvSpPr>
+          <p:nvPr>
+            <p:ph type="body" idx="1"/>
+          </p:nvPr>
+        </p:nvSpPr>
+        <p:spPr/>
+        <p:txBody>
+          <a:bodyPr/>
+          <a:lstStyle/>
+          <a:p>
             <a:endParaRPr lang="de-DE" dirty="0"/>
           </a:p>
         </p:txBody>
@@ -11768,7 +12531,7 @@
 </p:notes>
 </file>
 
-<file path=ppt/notesSlides/notesSlide11.xml><?xml version="1.0" encoding="utf-8"?>
+<file path=ppt/notesSlides/notesSlide12.xml><?xml version="1.0" encoding="utf-8"?>
 <p:notes xmlns:a="http://schemas.openxmlformats.org/drawingml/2006/main" xmlns:r="http://schemas.openxmlformats.org/officeDocument/2006/relationships" xmlns:p="http://schemas.openxmlformats.org/presentationml/2006/main">
   <p:cSld>
     <p:spTree>
@@ -11853,7 +12616,7 @@
 </p:notes>
 </file>
 
-<file path=ppt/notesSlides/notesSlide12.xml><?xml version="1.0" encoding="utf-8"?>
+<file path=ppt/notesSlides/notesSlide13.xml><?xml version="1.0" encoding="utf-8"?>
 <p:notes xmlns:a="http://schemas.openxmlformats.org/drawingml/2006/main" xmlns:r="http://schemas.openxmlformats.org/officeDocument/2006/relationships" xmlns:p="http://schemas.openxmlformats.org/presentationml/2006/main">
   <p:cSld>
     <p:spTree>
@@ -11938,7 +12701,7 @@
 </p:notes>
 </file>
 
-<file path=ppt/notesSlides/notesSlide13.xml><?xml version="1.0" encoding="utf-8"?>
+<file path=ppt/notesSlides/notesSlide14.xml><?xml version="1.0" encoding="utf-8"?>
 <p:notes xmlns:a="http://schemas.openxmlformats.org/drawingml/2006/main" xmlns:r="http://schemas.openxmlformats.org/officeDocument/2006/relationships" xmlns:p="http://schemas.openxmlformats.org/presentationml/2006/main">
   <p:cSld>
     <p:spTree>
@@ -12023,7 +12786,7 @@
 </p:notes>
 </file>
 
-<file path=ppt/notesSlides/notesSlide14.xml><?xml version="1.0" encoding="utf-8"?>
+<file path=ppt/notesSlides/notesSlide15.xml><?xml version="1.0" encoding="utf-8"?>
 <p:notes xmlns:a="http://schemas.openxmlformats.org/drawingml/2006/main" xmlns:r="http://schemas.openxmlformats.org/officeDocument/2006/relationships" xmlns:p="http://schemas.openxmlformats.org/presentationml/2006/main">
   <p:cSld>
     <p:spTree>
@@ -12108,7 +12871,7 @@
 </p:notes>
 </file>
 
-<file path=ppt/notesSlides/notesSlide15.xml><?xml version="1.0" encoding="utf-8"?>
+<file path=ppt/notesSlides/notesSlide16.xml><?xml version="1.0" encoding="utf-8"?>
 <p:notes xmlns:a="http://schemas.openxmlformats.org/drawingml/2006/main" xmlns:r="http://schemas.openxmlformats.org/officeDocument/2006/relationships" xmlns:p="http://schemas.openxmlformats.org/presentationml/2006/main">
   <p:cSld>
     <p:spTree>
@@ -12193,7 +12956,7 @@
 </p:notes>
 </file>
 
-<file path=ppt/notesSlides/notesSlide16.xml><?xml version="1.0" encoding="utf-8"?>
+<file path=ppt/notesSlides/notesSlide17.xml><?xml version="1.0" encoding="utf-8"?>
 <p:notes xmlns:a="http://schemas.openxmlformats.org/drawingml/2006/main" xmlns:r="http://schemas.openxmlformats.org/officeDocument/2006/relationships" xmlns:p="http://schemas.openxmlformats.org/presentationml/2006/main">
   <p:cSld>
     <p:spTree>
@@ -12278,7 +13041,7 @@
 </p:notes>
 </file>
 
-<file path=ppt/notesSlides/notesSlide17.xml><?xml version="1.0" encoding="utf-8"?>
+<file path=ppt/notesSlides/notesSlide18.xml><?xml version="1.0" encoding="utf-8"?>
 <p:notes xmlns:a="http://schemas.openxmlformats.org/drawingml/2006/main" xmlns:r="http://schemas.openxmlformats.org/officeDocument/2006/relationships" xmlns:p="http://schemas.openxmlformats.org/presentationml/2006/main">
   <p:cSld>
     <p:spTree>
@@ -12363,107 +13126,6 @@
 </p:notes>
 </file>
 
-<file path=ppt/notesSlides/notesSlide18.xml><?xml version="1.0" encoding="utf-8"?>
-<p:notes xmlns:a="http://schemas.openxmlformats.org/drawingml/2006/main" xmlns:r="http://schemas.openxmlformats.org/officeDocument/2006/relationships" xmlns:p="http://schemas.openxmlformats.org/presentationml/2006/main">
-  <p:cSld>
-    <p:spTree>
-      <p:nvGrpSpPr>
-        <p:cNvPr id="1" name=""/>
-        <p:cNvGrpSpPr/>
-        <p:nvPr/>
-      </p:nvGrpSpPr>
-      <p:grpSpPr>
-        <a:xfrm>
-          <a:off x="0" y="0"/>
-          <a:ext cx="0" cy="0"/>
-          <a:chOff x="0" y="0"/>
-          <a:chExt cx="0" cy="0"/>
-        </a:xfrm>
-      </p:grpSpPr>
-      <p:sp>
-        <p:nvSpPr>
-          <p:cNvPr id="2" name="Folienbildplatzhalter 1"/>
-          <p:cNvSpPr>
-            <a:spLocks noGrp="1" noRot="1" noChangeAspect="1"/>
-          </p:cNvSpPr>
-          <p:nvPr>
-            <p:ph type="sldImg"/>
-          </p:nvPr>
-        </p:nvSpPr>
-        <p:spPr/>
-      </p:sp>
-      <p:sp>
-        <p:nvSpPr>
-          <p:cNvPr id="3" name="Notizenplatzhalter 2"/>
-          <p:cNvSpPr>
-            <a:spLocks noGrp="1"/>
-          </p:cNvSpPr>
-          <p:nvPr>
-            <p:ph type="body" idx="1"/>
-          </p:nvPr>
-        </p:nvSpPr>
-        <p:spPr/>
-        <p:txBody>
-          <a:bodyPr/>
-          <a:lstStyle/>
-          <a:p>
-            <a:r>
-              <a:rPr lang="de-DE" dirty="0"/>
-              <a:t>Gewichtete </a:t>
-            </a:r>
-            <a:r>
-              <a:rPr lang="de-DE" dirty="0" err="1"/>
-              <a:t>Hamming</a:t>
-            </a:r>
-            <a:r>
-              <a:rPr lang="de-DE" dirty="0"/>
-              <a:t>-Distanz</a:t>
-            </a:r>
-            <a:r>
-              <a:rPr lang="de-DE" baseline="0" dirty="0"/>
-              <a:t> raus</a:t>
-            </a:r>
-            <a:endParaRPr lang="de-DE" dirty="0"/>
-          </a:p>
-        </p:txBody>
-      </p:sp>
-      <p:sp>
-        <p:nvSpPr>
-          <p:cNvPr id="4" name="Foliennummernplatzhalter 3"/>
-          <p:cNvSpPr>
-            <a:spLocks noGrp="1"/>
-          </p:cNvSpPr>
-          <p:nvPr>
-            <p:ph type="sldNum" sz="quarter" idx="10"/>
-          </p:nvPr>
-        </p:nvSpPr>
-        <p:spPr/>
-        <p:txBody>
-          <a:bodyPr/>
-          <a:lstStyle/>
-          <a:p>
-            <a:fld id="{869E2870-AA96-4A2A-B012-8930BFB0F7BD}" type="slidenum">
-              <a:rPr lang="en-US" smtClean="0"/>
-              <a:pPr/>
-              <a:t>25</a:t>
-            </a:fld>
-            <a:endParaRPr lang="en-US"/>
-          </a:p>
-        </p:txBody>
-      </p:sp>
-    </p:spTree>
-    <p:extLst>
-      <p:ext uri="{BB962C8B-B14F-4D97-AF65-F5344CB8AC3E}">
-        <p14:creationId xmlns:p14="http://schemas.microsoft.com/office/powerpoint/2010/main" val="911735847"/>
-      </p:ext>
-    </p:extLst>
-  </p:cSld>
-  <p:clrMapOvr>
-    <a:masterClrMapping/>
-  </p:clrMapOvr>
-</p:notes>
-</file>
-
 <file path=ppt/notesSlides/notesSlide19.xml><?xml version="1.0" encoding="utf-8"?>
 <p:notes xmlns:a="http://schemas.openxmlformats.org/drawingml/2006/main" xmlns:r="http://schemas.openxmlformats.org/officeDocument/2006/relationships" xmlns:p="http://schemas.openxmlformats.org/presentationml/2006/main">
   <p:cSld>
@@ -12546,7 +13208,7 @@
             <a:fld id="{869E2870-AA96-4A2A-B012-8930BFB0F7BD}" type="slidenum">
               <a:rPr lang="en-US" smtClean="0"/>
               <a:pPr/>
-              <a:t>26</a:t>
+              <a:t>25</a:t>
             </a:fld>
             <a:endParaRPr lang="en-US"/>
           </a:p>
@@ -12555,7 +13217,7 @@
     </p:spTree>
     <p:extLst>
       <p:ext uri="{BB962C8B-B14F-4D97-AF65-F5344CB8AC3E}">
-        <p14:creationId xmlns:p14="http://schemas.microsoft.com/office/powerpoint/2010/main" val="889532797"/>
+        <p14:creationId xmlns:p14="http://schemas.microsoft.com/office/powerpoint/2010/main" val="911735847"/>
       </p:ext>
     </p:extLst>
   </p:cSld>
@@ -12694,6 +13356,22 @@
           <a:bodyPr/>
           <a:lstStyle/>
           <a:p>
+            <a:r>
+              <a:rPr lang="de-DE" dirty="0"/>
+              <a:t>Gewichtete </a:t>
+            </a:r>
+            <a:r>
+              <a:rPr lang="de-DE" dirty="0" err="1"/>
+              <a:t>Hamming</a:t>
+            </a:r>
+            <a:r>
+              <a:rPr lang="de-DE" dirty="0"/>
+              <a:t>-Distanz</a:t>
+            </a:r>
+            <a:r>
+              <a:rPr lang="de-DE" baseline="0" dirty="0"/>
+              <a:t> raus</a:t>
+            </a:r>
             <a:endParaRPr lang="de-DE" dirty="0"/>
           </a:p>
         </p:txBody>
@@ -12725,7 +13403,7 @@
     </p:spTree>
     <p:extLst>
       <p:ext uri="{BB962C8B-B14F-4D97-AF65-F5344CB8AC3E}">
-        <p14:creationId xmlns:p14="http://schemas.microsoft.com/office/powerpoint/2010/main" val="2744240112"/>
+        <p14:creationId xmlns:p14="http://schemas.microsoft.com/office/powerpoint/2010/main" val="889532797"/>
       </p:ext>
     </p:extLst>
   </p:cSld>
@@ -12810,7 +13488,7 @@
     </p:spTree>
     <p:extLst>
       <p:ext uri="{BB962C8B-B14F-4D97-AF65-F5344CB8AC3E}">
-        <p14:creationId xmlns:p14="http://schemas.microsoft.com/office/powerpoint/2010/main" val="3282979929"/>
+        <p14:creationId xmlns:p14="http://schemas.microsoft.com/office/powerpoint/2010/main" val="2744240112"/>
       </p:ext>
     </p:extLst>
   </p:cSld>
@@ -12895,7 +13573,7 @@
     </p:spTree>
     <p:extLst>
       <p:ext uri="{BB962C8B-B14F-4D97-AF65-F5344CB8AC3E}">
-        <p14:creationId xmlns:p14="http://schemas.microsoft.com/office/powerpoint/2010/main" val="3214113363"/>
+        <p14:creationId xmlns:p14="http://schemas.microsoft.com/office/powerpoint/2010/main" val="3282979929"/>
       </p:ext>
     </p:extLst>
   </p:cSld>
@@ -12980,7 +13658,7 @@
     </p:spTree>
     <p:extLst>
       <p:ext uri="{BB962C8B-B14F-4D97-AF65-F5344CB8AC3E}">
-        <p14:creationId xmlns:p14="http://schemas.microsoft.com/office/powerpoint/2010/main" val="1057312806"/>
+        <p14:creationId xmlns:p14="http://schemas.microsoft.com/office/powerpoint/2010/main" val="3214113363"/>
       </p:ext>
     </p:extLst>
   </p:cSld>
@@ -13065,7 +13743,7 @@
     </p:spTree>
     <p:extLst>
       <p:ext uri="{BB962C8B-B14F-4D97-AF65-F5344CB8AC3E}">
-        <p14:creationId xmlns:p14="http://schemas.microsoft.com/office/powerpoint/2010/main" val="1861576134"/>
+        <p14:creationId xmlns:p14="http://schemas.microsoft.com/office/powerpoint/2010/main" val="1057312806"/>
       </p:ext>
     </p:extLst>
   </p:cSld>
@@ -13150,7 +13828,7 @@
     </p:spTree>
     <p:extLst>
       <p:ext uri="{BB962C8B-B14F-4D97-AF65-F5344CB8AC3E}">
-        <p14:creationId xmlns:p14="http://schemas.microsoft.com/office/powerpoint/2010/main" val="1988651604"/>
+        <p14:creationId xmlns:p14="http://schemas.microsoft.com/office/powerpoint/2010/main" val="1861576134"/>
       </p:ext>
     </p:extLst>
   </p:cSld>
@@ -13235,6 +13913,91 @@
     </p:spTree>
     <p:extLst>
       <p:ext uri="{BB962C8B-B14F-4D97-AF65-F5344CB8AC3E}">
+        <p14:creationId xmlns:p14="http://schemas.microsoft.com/office/powerpoint/2010/main" val="1988651604"/>
+      </p:ext>
+    </p:extLst>
+  </p:cSld>
+  <p:clrMapOvr>
+    <a:masterClrMapping/>
+  </p:clrMapOvr>
+</p:notes>
+</file>
+
+<file path=ppt/notesSlides/notesSlide27.xml><?xml version="1.0" encoding="utf-8"?>
+<p:notes xmlns:a="http://schemas.openxmlformats.org/drawingml/2006/main" xmlns:r="http://schemas.openxmlformats.org/officeDocument/2006/relationships" xmlns:p="http://schemas.openxmlformats.org/presentationml/2006/main">
+  <p:cSld>
+    <p:spTree>
+      <p:nvGrpSpPr>
+        <p:cNvPr id="1" name=""/>
+        <p:cNvGrpSpPr/>
+        <p:nvPr/>
+      </p:nvGrpSpPr>
+      <p:grpSpPr>
+        <a:xfrm>
+          <a:off x="0" y="0"/>
+          <a:ext cx="0" cy="0"/>
+          <a:chOff x="0" y="0"/>
+          <a:chExt cx="0" cy="0"/>
+        </a:xfrm>
+      </p:grpSpPr>
+      <p:sp>
+        <p:nvSpPr>
+          <p:cNvPr id="2" name="Folienbildplatzhalter 1"/>
+          <p:cNvSpPr>
+            <a:spLocks noGrp="1" noRot="1" noChangeAspect="1"/>
+          </p:cNvSpPr>
+          <p:nvPr>
+            <p:ph type="sldImg"/>
+          </p:nvPr>
+        </p:nvSpPr>
+        <p:spPr/>
+      </p:sp>
+      <p:sp>
+        <p:nvSpPr>
+          <p:cNvPr id="3" name="Notizenplatzhalter 2"/>
+          <p:cNvSpPr>
+            <a:spLocks noGrp="1"/>
+          </p:cNvSpPr>
+          <p:nvPr>
+            <p:ph type="body" idx="1"/>
+          </p:nvPr>
+        </p:nvSpPr>
+        <p:spPr/>
+        <p:txBody>
+          <a:bodyPr/>
+          <a:lstStyle/>
+          <a:p>
+            <a:endParaRPr lang="de-DE" dirty="0"/>
+          </a:p>
+        </p:txBody>
+      </p:sp>
+      <p:sp>
+        <p:nvSpPr>
+          <p:cNvPr id="4" name="Foliennummernplatzhalter 3"/>
+          <p:cNvSpPr>
+            <a:spLocks noGrp="1"/>
+          </p:cNvSpPr>
+          <p:nvPr>
+            <p:ph type="sldNum" sz="quarter" idx="10"/>
+          </p:nvPr>
+        </p:nvSpPr>
+        <p:spPr/>
+        <p:txBody>
+          <a:bodyPr/>
+          <a:lstStyle/>
+          <a:p>
+            <a:fld id="{869E2870-AA96-4A2A-B012-8930BFB0F7BD}" type="slidenum">
+              <a:rPr lang="en-US" smtClean="0"/>
+              <a:pPr/>
+              <a:t>34</a:t>
+            </a:fld>
+            <a:endParaRPr lang="en-US"/>
+          </a:p>
+        </p:txBody>
+      </p:sp>
+    </p:spTree>
+    <p:extLst>
+      <p:ext uri="{BB962C8B-B14F-4D97-AF65-F5344CB8AC3E}">
         <p14:creationId xmlns:p14="http://schemas.microsoft.com/office/powerpoint/2010/main" val="3657271302"/>
       </p:ext>
     </p:extLst>
@@ -13291,8 +14054,24 @@
           <a:p>
             <a:r>
               <a:rPr lang="de-DE" dirty="0" smtClean="0"/>
-              <a:t>Nur Adressen werden beeinflusst nicht Daten</a:t>
-            </a:r>
+              <a:t>Adressleitungen des Prozessors</a:t>
+            </a:r>
+          </a:p>
+          <a:p>
+            <a:r>
+              <a:rPr lang="de-DE" dirty="0" smtClean="0"/>
+              <a:t>Nur </a:t>
+            </a:r>
+            <a:r>
+              <a:rPr lang="de-DE" dirty="0" smtClean="0"/>
+              <a:t>Adressen werden beeinflusst </a:t>
+            </a:r>
+            <a:r>
+              <a:rPr lang="de-DE" dirty="0" smtClean="0"/>
+              <a:t>nicht Daten</a:t>
+            </a:r>
+          </a:p>
+          <a:p>
             <a:endParaRPr lang="de-DE" dirty="0"/>
           </a:p>
         </p:txBody>
@@ -13386,6 +14165,11 @@
               <a:rPr lang="de-DE" baseline="0" dirty="0"/>
               <a:t> </a:t>
             </a:r>
+            <a:r>
+              <a:rPr lang="de-DE" baseline="0" dirty="0" smtClean="0"/>
+              <a:t>wird ausgenutzt</a:t>
+            </a:r>
+            <a:endParaRPr lang="de-DE" baseline="0" dirty="0"/>
           </a:p>
           <a:p>
             <a:r>
@@ -13840,6 +14624,20 @@
           <a:bodyPr/>
           <a:lstStyle/>
           <a:p>
+            <a:r>
+              <a:rPr lang="de-DE" dirty="0" smtClean="0"/>
+              <a:t>Unterschiedliche</a:t>
+            </a:r>
+            <a:r>
+              <a:rPr lang="de-DE" baseline="0" dirty="0" smtClean="0"/>
+              <a:t> Gewichte durch Lastkapazität</a:t>
+            </a:r>
+          </a:p>
+          <a:p>
+            <a:r>
+              <a:rPr lang="de-DE" baseline="0" dirty="0" smtClean="0"/>
+              <a:t>Adress-Bits weißen unterschiedliche Lasten auf aufgrund der Multiplexer Anordnung</a:t>
+            </a:r>
             <a:endParaRPr lang="de-DE" dirty="0"/>
           </a:p>
         </p:txBody>
@@ -13862,7 +14660,7 @@
             <a:fld id="{869E2870-AA96-4A2A-B012-8930BFB0F7BD}" type="slidenum">
               <a:rPr lang="en-US" smtClean="0"/>
               <a:pPr/>
-              <a:t>11</a:t>
+              <a:t>10</a:t>
             </a:fld>
             <a:endParaRPr lang="en-US"/>
           </a:p>
@@ -13871,7 +14669,7 @@
     </p:spTree>
     <p:extLst>
       <p:ext uri="{BB962C8B-B14F-4D97-AF65-F5344CB8AC3E}">
-        <p14:creationId xmlns:p14="http://schemas.microsoft.com/office/powerpoint/2010/main" val="420471562"/>
+        <p14:creationId xmlns:p14="http://schemas.microsoft.com/office/powerpoint/2010/main" val="4271821564"/>
       </p:ext>
     </p:extLst>
   </p:cSld>
@@ -16752,7 +17550,7 @@
           <p:nvPr/>
         </p:nvPicPr>
         <p:blipFill>
-          <a:blip r:embed="rId2">
+          <a:blip r:embed="rId3">
             <a:extLst>
               <a:ext uri="{28A0092B-C50C-407E-A947-70E740481C1C}">
                 <a14:useLocalDpi xmlns:a14="http://schemas.microsoft.com/office/drawing/2010/main" val="0"/>
@@ -19695,6 +20493,231 @@
           </p:spPr>
         </p:cxnSp>
       </p:grpSp>
+      <mc:AlternateContent xmlns:mc="http://schemas.openxmlformats.org/markup-compatibility/2006">
+        <mc:Choice xmlns:a14="http://schemas.microsoft.com/office/drawing/2010/main" Requires="a14">
+          <p:sp>
+            <p:nvSpPr>
+              <p:cNvPr id="71" name="Textfeld 70"/>
+              <p:cNvSpPr txBox="1"/>
+              <p:nvPr/>
+            </p:nvSpPr>
+            <p:spPr>
+              <a:xfrm>
+                <a:off x="1268600" y="3027926"/>
+                <a:ext cx="2644698" cy="433388"/>
+              </a:xfrm>
+              <a:prstGeom prst="rect">
+                <a:avLst/>
+              </a:prstGeom>
+              <a:noFill/>
+            </p:spPr>
+            <p:txBody>
+              <a:bodyPr wrap="none" lIns="0" tIns="0" rIns="0" bIns="0" rtlCol="0">
+                <a:spAutoFit/>
+              </a:bodyPr>
+              <a:lstStyle/>
+              <a:p>
+                <a:pPr/>
+                <a14:m>
+                  <m:oMathPara xmlns:m="http://schemas.openxmlformats.org/officeDocument/2006/math">
+                    <m:oMathParaPr>
+                      <m:jc m:val="centerGroup"/>
+                    </m:oMathParaPr>
+                    <m:oMath xmlns:m="http://schemas.openxmlformats.org/officeDocument/2006/math">
+                      <m:sSub>
+                        <m:sSubPr>
+                          <m:ctrlPr>
+                            <a:rPr lang="de-DE" smtClean="0">
+                              <a:latin typeface="+mn-lt"/>
+                            </a:rPr>
+                          </m:ctrlPr>
+                        </m:sSubPr>
+                        <m:e>
+                          <m:r>
+                            <m:rPr>
+                              <m:sty m:val="p"/>
+                            </m:rPr>
+                            <a:rPr lang="de-DE" b="0" i="0" smtClean="0">
+                              <a:latin typeface="+mn-lt"/>
+                            </a:rPr>
+                            <m:t>P</m:t>
+                          </m:r>
+                        </m:e>
+                        <m:sub>
+                          <m:r>
+                            <m:rPr>
+                              <m:sty m:val="p"/>
+                            </m:rPr>
+                            <a:rPr lang="de-DE" b="0" i="0" smtClean="0">
+                              <a:latin typeface="+mn-lt"/>
+                            </a:rPr>
+                            <m:t>dyn</m:t>
+                          </m:r>
+                        </m:sub>
+                      </m:sSub>
+                      <m:r>
+                        <a:rPr lang="de-DE" b="0" i="0" smtClean="0">
+                          <a:latin typeface="+mn-lt"/>
+                        </a:rPr>
+                        <m:t>= </m:t>
+                      </m:r>
+                      <m:r>
+                        <a:rPr lang="de-DE" b="0" i="0" smtClean="0">
+                          <a:latin typeface="+mn-lt"/>
+                          <a:ea typeface="Cambria Math" panose="02040503050406030204" pitchFamily="18" charset="0"/>
+                        </a:rPr>
+                        <m:t>∝ ∙</m:t>
+                      </m:r>
+                      <m:r>
+                        <m:rPr>
+                          <m:sty m:val="p"/>
+                        </m:rPr>
+                        <a:rPr lang="de-DE" b="0" i="0" smtClean="0">
+                          <a:latin typeface="+mn-lt"/>
+                          <a:ea typeface="Cambria Math" panose="02040503050406030204" pitchFamily="18" charset="0"/>
+                        </a:rPr>
+                        <m:t>f</m:t>
+                      </m:r>
+                      <m:r>
+                        <a:rPr lang="de-DE" b="0" i="0" smtClean="0">
+                          <a:latin typeface="+mn-lt"/>
+                          <a:ea typeface="Cambria Math" panose="02040503050406030204" pitchFamily="18" charset="0"/>
+                        </a:rPr>
+                        <m:t>∙</m:t>
+                      </m:r>
+                      <m:sSub>
+                        <m:sSubPr>
+                          <m:ctrlPr>
+                            <a:rPr lang="de-DE" b="0" smtClean="0">
+                              <a:latin typeface="+mn-lt"/>
+                              <a:ea typeface="Cambria Math" panose="02040503050406030204" pitchFamily="18" charset="0"/>
+                            </a:rPr>
+                          </m:ctrlPr>
+                        </m:sSubPr>
+                        <m:e>
+                          <m:r>
+                            <m:rPr>
+                              <m:sty m:val="p"/>
+                            </m:rPr>
+                            <a:rPr lang="de-DE" b="0" i="0" smtClean="0">
+                              <a:latin typeface="+mn-lt"/>
+                              <a:ea typeface="Cambria Math" panose="02040503050406030204" pitchFamily="18" charset="0"/>
+                            </a:rPr>
+                            <m:t>C</m:t>
+                          </m:r>
+                        </m:e>
+                        <m:sub>
+                          <m:r>
+                            <m:rPr>
+                              <m:sty m:val="p"/>
+                            </m:rPr>
+                            <a:rPr lang="de-DE" b="0" i="0" smtClean="0">
+                              <a:latin typeface="+mn-lt"/>
+                              <a:ea typeface="Cambria Math" panose="02040503050406030204" pitchFamily="18" charset="0"/>
+                            </a:rPr>
+                            <m:t>L</m:t>
+                          </m:r>
+                        </m:sub>
+                      </m:sSub>
+                      <m:r>
+                        <a:rPr lang="de-DE" b="0" i="0" smtClean="0">
+                          <a:latin typeface="+mn-lt"/>
+                          <a:ea typeface="Cambria Math" panose="02040503050406030204" pitchFamily="18" charset="0"/>
+                        </a:rPr>
+                        <m:t>∙</m:t>
+                      </m:r>
+                      <m:sSubSup>
+                        <m:sSubSupPr>
+                          <m:ctrlPr>
+                            <a:rPr lang="de-DE" b="0" smtClean="0">
+                              <a:latin typeface="+mn-lt"/>
+                              <a:ea typeface="Cambria Math" panose="02040503050406030204" pitchFamily="18" charset="0"/>
+                            </a:rPr>
+                          </m:ctrlPr>
+                        </m:sSubSupPr>
+                        <m:e>
+                          <m:r>
+                            <m:rPr>
+                              <m:sty m:val="p"/>
+                            </m:rPr>
+                            <a:rPr lang="de-DE" b="0" i="0" smtClean="0">
+                              <a:latin typeface="+mn-lt"/>
+                              <a:ea typeface="Cambria Math" panose="02040503050406030204" pitchFamily="18" charset="0"/>
+                            </a:rPr>
+                            <m:t>V</m:t>
+                          </m:r>
+                        </m:e>
+                        <m:sub>
+                          <m:r>
+                            <m:rPr>
+                              <m:sty m:val="p"/>
+                            </m:rPr>
+                            <a:rPr lang="de-DE" b="0" i="0" smtClean="0">
+                              <a:latin typeface="+mn-lt"/>
+                              <a:ea typeface="Cambria Math" panose="02040503050406030204" pitchFamily="18" charset="0"/>
+                            </a:rPr>
+                            <m:t>dd</m:t>
+                          </m:r>
+                        </m:sub>
+                        <m:sup>
+                          <m:r>
+                            <a:rPr lang="de-DE" b="0" i="0" smtClean="0">
+                              <a:latin typeface="+mn-lt"/>
+                              <a:ea typeface="Cambria Math" panose="02040503050406030204" pitchFamily="18" charset="0"/>
+                            </a:rPr>
+                            <m:t>2</m:t>
+                          </m:r>
+                        </m:sup>
+                      </m:sSubSup>
+                    </m:oMath>
+                  </m:oMathPara>
+                </a14:m>
+                <a:endParaRPr lang="de-DE" dirty="0">
+                  <a:latin typeface="+mn-lt"/>
+                </a:endParaRPr>
+              </a:p>
+            </p:txBody>
+          </p:sp>
+        </mc:Choice>
+        <mc:Fallback>
+          <p:sp>
+            <p:nvSpPr>
+              <p:cNvPr id="71" name="Textfeld 70"/>
+              <p:cNvSpPr txBox="1">
+                <a:spLocks noRot="1" noChangeAspect="1" noMove="1" noResize="1" noEditPoints="1" noAdjustHandles="1" noChangeArrowheads="1" noChangeShapeType="1" noTextEdit="1"/>
+              </p:cNvSpPr>
+              <p:nvPr/>
+            </p:nvSpPr>
+            <p:spPr>
+              <a:xfrm>
+                <a:off x="1268600" y="3027926"/>
+                <a:ext cx="2644698" cy="433388"/>
+              </a:xfrm>
+              <a:prstGeom prst="rect">
+                <a:avLst/>
+              </a:prstGeom>
+              <a:blipFill>
+                <a:blip r:embed="rId4"/>
+                <a:stretch>
+                  <a:fillRect/>
+                </a:stretch>
+              </a:blipFill>
+            </p:spPr>
+            <p:txBody>
+              <a:bodyPr/>
+              <a:lstStyle/>
+              <a:p>
+                <a:r>
+                  <a:rPr lang="de-DE">
+                    <a:noFill/>
+                  </a:rPr>
+                  <a:t> </a:t>
+                </a:r>
+              </a:p>
+            </p:txBody>
+          </p:sp>
+        </mc:Fallback>
+      </mc:AlternateContent>
     </p:spTree>
     <p:extLst>
       <p:ext uri="{BB962C8B-B14F-4D97-AF65-F5344CB8AC3E}">
@@ -20019,6 +21042,33 @@
                                   </p:childTnLst>
                                 </p:cTn>
                               </p:par>
+                              <p:par>
+                                <p:cTn id="27" presetID="1" presetClass="entr" presetSubtype="0" fill="hold" grpId="0" nodeType="withEffect">
+                                  <p:stCondLst>
+                                    <p:cond delay="0"/>
+                                  </p:stCondLst>
+                                  <p:childTnLst>
+                                    <p:set>
+                                      <p:cBhvr>
+                                        <p:cTn id="28" dur="1" fill="hold">
+                                          <p:stCondLst>
+                                            <p:cond delay="0"/>
+                                          </p:stCondLst>
+                                        </p:cTn>
+                                        <p:tgtEl>
+                                          <p:spTgt spid="71"/>
+                                        </p:tgtEl>
+                                        <p:attrNameLst>
+                                          <p:attrName>style.visibility</p:attrName>
+                                        </p:attrNameLst>
+                                      </p:cBhvr>
+                                      <p:to>
+                                        <p:strVal val="visible"/>
+                                      </p:to>
+                                    </p:set>
+                                  </p:childTnLst>
+                                </p:cTn>
+                              </p:par>
                             </p:childTnLst>
                           </p:cTn>
                         </p:par>
@@ -20026,26 +21076,26 @@
                     </p:cTn>
                   </p:par>
                   <p:par>
-                    <p:cTn id="27" fill="hold">
+                    <p:cTn id="29" fill="hold">
                       <p:stCondLst>
                         <p:cond delay="indefinite"/>
                       </p:stCondLst>
                       <p:childTnLst>
                         <p:par>
-                          <p:cTn id="28" fill="hold">
+                          <p:cTn id="30" fill="hold">
                             <p:stCondLst>
                               <p:cond delay="0"/>
                             </p:stCondLst>
                             <p:childTnLst>
                               <p:par>
-                                <p:cTn id="29" presetID="1" presetClass="entr" presetSubtype="0" fill="hold" nodeType="clickEffect">
+                                <p:cTn id="31" presetID="1" presetClass="entr" presetSubtype="0" fill="hold" nodeType="clickEffect">
                                   <p:stCondLst>
                                     <p:cond delay="0"/>
                                   </p:stCondLst>
                                   <p:childTnLst>
                                     <p:set>
                                       <p:cBhvr>
-                                        <p:cTn id="30" dur="1" fill="hold">
+                                        <p:cTn id="32" dur="1" fill="hold">
                                           <p:stCondLst>
                                             <p:cond delay="0"/>
                                           </p:stCondLst>
@@ -20065,14 +21115,41 @@
                                 </p:cTn>
                               </p:par>
                               <p:par>
-                                <p:cTn id="31" presetID="1" presetClass="exit" presetSubtype="0" fill="hold" nodeType="withEffect">
+                                <p:cTn id="33" presetID="1" presetClass="exit" presetSubtype="0" fill="hold" grpId="1" nodeType="withEffect">
                                   <p:stCondLst>
                                     <p:cond delay="0"/>
                                   </p:stCondLst>
                                   <p:childTnLst>
                                     <p:set>
                                       <p:cBhvr>
-                                        <p:cTn id="32" dur="1" fill="hold">
+                                        <p:cTn id="34" dur="1" fill="hold">
+                                          <p:stCondLst>
+                                            <p:cond delay="0"/>
+                                          </p:stCondLst>
+                                        </p:cTn>
+                                        <p:tgtEl>
+                                          <p:spTgt spid="71"/>
+                                        </p:tgtEl>
+                                        <p:attrNameLst>
+                                          <p:attrName>style.visibility</p:attrName>
+                                        </p:attrNameLst>
+                                      </p:cBhvr>
+                                      <p:to>
+                                        <p:strVal val="hidden"/>
+                                      </p:to>
+                                    </p:set>
+                                  </p:childTnLst>
+                                </p:cTn>
+                              </p:par>
+                              <p:par>
+                                <p:cTn id="35" presetID="1" presetClass="exit" presetSubtype="0" fill="hold" nodeType="withEffect">
+                                  <p:stCondLst>
+                                    <p:cond delay="0"/>
+                                  </p:stCondLst>
+                                  <p:childTnLst>
+                                    <p:set>
+                                      <p:cBhvr>
+                                        <p:cTn id="36" dur="1" fill="hold">
                                           <p:stCondLst>
                                             <p:cond delay="0"/>
                                           </p:stCondLst>
@@ -20092,14 +21169,14 @@
                                 </p:cTn>
                               </p:par>
                               <p:par>
-                                <p:cTn id="33" presetID="1" presetClass="entr" presetSubtype="0" fill="hold" nodeType="withEffect">
+                                <p:cTn id="37" presetID="1" presetClass="entr" presetSubtype="0" fill="hold" nodeType="withEffect">
                                   <p:stCondLst>
                                     <p:cond delay="0"/>
                                   </p:stCondLst>
                                   <p:childTnLst>
                                     <p:set>
                                       <p:cBhvr>
-                                        <p:cTn id="34" dur="1" fill="hold">
+                                        <p:cTn id="38" dur="1" fill="hold">
                                           <p:stCondLst>
                                             <p:cond delay="0"/>
                                           </p:stCondLst>
@@ -20129,26 +21206,26 @@
                     </p:cTn>
                   </p:par>
                   <p:par>
-                    <p:cTn id="35" fill="hold">
+                    <p:cTn id="39" fill="hold">
                       <p:stCondLst>
                         <p:cond delay="indefinite"/>
                       </p:stCondLst>
                       <p:childTnLst>
                         <p:par>
-                          <p:cTn id="36" fill="hold">
+                          <p:cTn id="40" fill="hold">
                             <p:stCondLst>
                               <p:cond delay="0"/>
                             </p:stCondLst>
                             <p:childTnLst>
                               <p:par>
-                                <p:cTn id="37" presetID="1" presetClass="entr" presetSubtype="0" fill="hold" nodeType="clickEffect">
+                                <p:cTn id="41" presetID="1" presetClass="entr" presetSubtype="0" fill="hold" nodeType="clickEffect">
                                   <p:stCondLst>
                                     <p:cond delay="0"/>
                                   </p:stCondLst>
                                   <p:childTnLst>
                                     <p:set>
                                       <p:cBhvr>
-                                        <p:cTn id="38" dur="1" fill="hold">
+                                        <p:cTn id="42" dur="1" fill="hold">
                                           <p:stCondLst>
                                             <p:cond delay="0"/>
                                           </p:stCondLst>
@@ -20198,6 +21275,10 @@
         </p:cTn>
       </p:par>
     </p:tnLst>
+    <p:bldLst>
+      <p:bldP spid="71" grpId="0"/>
+      <p:bldP spid="71" grpId="1"/>
+    </p:bldLst>
   </p:timing>
 </p:sld>
 </file>
@@ -20260,8 +21341,8 @@
         </p:nvGrpSpPr>
         <p:grpSpPr>
           <a:xfrm>
-            <a:off x="2316361" y="1593850"/>
-            <a:ext cx="4824976" cy="4594624"/>
+            <a:off x="2316361" y="1274618"/>
+            <a:ext cx="4824976" cy="4913856"/>
             <a:chOff x="464857" y="1266546"/>
             <a:chExt cx="5485221" cy="4896423"/>
           </a:xfrm>
@@ -20455,7 +21536,7 @@
           </p:nvSpPr>
           <p:spPr bwMode="auto">
             <a:xfrm>
-              <a:off x="2117558" y="2053389"/>
+              <a:off x="2117558" y="1952153"/>
               <a:ext cx="2342148" cy="955281"/>
             </a:xfrm>
             <a:prstGeom prst="roundRect">
@@ -20555,7 +21636,7 @@
           </p:nvSpPr>
           <p:spPr bwMode="auto">
             <a:xfrm>
-              <a:off x="2457537" y="3228837"/>
+              <a:off x="2457537" y="3053966"/>
               <a:ext cx="1662191" cy="271424"/>
             </a:xfrm>
             <a:prstGeom prst="roundRect">
@@ -20633,8 +21714,8 @@
           </p:nvSpPr>
           <p:spPr bwMode="auto">
             <a:xfrm>
-              <a:off x="2457537" y="4451755"/>
-              <a:ext cx="1662191" cy="271424"/>
+              <a:off x="2457537" y="4307025"/>
+              <a:ext cx="1662191" cy="605442"/>
             </a:xfrm>
             <a:prstGeom prst="roundRect">
               <a:avLst>
@@ -20680,16 +21761,16 @@
                 <a:tabLst/>
               </a:pPr>
               <a:r>
-                <a:rPr lang="de-DE" sz="1400" dirty="0">
+                <a:rPr lang="de-DE" sz="1200" dirty="0" smtClean="0">
                   <a:solidFill>
                     <a:schemeClr val="bg1"/>
                   </a:solidFill>
                   <a:latin typeface="+mn-lt"/>
                   <a:ea typeface="ＭＳ Ｐゴシック" pitchFamily="1" charset="-128"/>
                 </a:rPr>
-                <a:t>Schaltaktivität</a:t>
+                <a:t>Schaltaktivität in der ASIC-Implementierung </a:t>
               </a:r>
-              <a:endParaRPr kumimoji="0" lang="de-DE" sz="1400" b="0" i="0" u="none" strike="noStrike" cap="none" normalizeH="0" baseline="0" dirty="0">
+              <a:endParaRPr kumimoji="0" lang="de-DE" sz="1200" b="0" i="0" u="none" strike="noStrike" cap="none" normalizeH="0" baseline="0" dirty="0">
                 <a:ln>
                   <a:noFill/>
                 </a:ln>
@@ -20711,7 +21792,7 @@
           </p:nvSpPr>
           <p:spPr bwMode="auto">
             <a:xfrm>
-              <a:off x="4366078" y="3894962"/>
+              <a:off x="4366078" y="3747700"/>
               <a:ext cx="1584000" cy="271424"/>
             </a:xfrm>
             <a:prstGeom prst="roundRect">
@@ -20789,7 +21870,7 @@
           </p:nvSpPr>
           <p:spPr bwMode="auto">
             <a:xfrm>
-              <a:off x="2457537" y="4897287"/>
+              <a:off x="2457537" y="5053746"/>
               <a:ext cx="1662191" cy="678556"/>
             </a:xfrm>
             <a:prstGeom prst="roundRect">
@@ -20951,7 +22032,7 @@
           <p:spPr bwMode="auto">
             <a:xfrm>
               <a:off x="1448574" y="1803813"/>
-              <a:ext cx="668984" cy="727217"/>
+              <a:ext cx="668984" cy="625980"/>
             </a:xfrm>
             <a:prstGeom prst="straightConnector1">
               <a:avLst/>
@@ -20984,7 +22065,7 @@
           <p:spPr bwMode="auto">
             <a:xfrm flipH="1">
               <a:off x="4459706" y="1809391"/>
-              <a:ext cx="698373" cy="721639"/>
+              <a:ext cx="698373" cy="620402"/>
             </a:xfrm>
             <a:prstGeom prst="straightConnector1">
               <a:avLst/>
@@ -21016,8 +22097,8 @@
           </p:nvCxnSpPr>
           <p:spPr bwMode="auto">
             <a:xfrm>
-              <a:off x="3288632" y="3008671"/>
-              <a:ext cx="0" cy="220166"/>
+              <a:off x="3288632" y="2907434"/>
+              <a:ext cx="0" cy="146532"/>
             </a:xfrm>
             <a:prstGeom prst="straightConnector1">
               <a:avLst/>
@@ -21048,8 +22129,8 @@
           </p:nvCxnSpPr>
           <p:spPr bwMode="auto">
             <a:xfrm>
-              <a:off x="3288632" y="5575843"/>
-              <a:ext cx="0" cy="315703"/>
+              <a:off x="3288632" y="5732302"/>
+              <a:ext cx="0" cy="159243"/>
             </a:xfrm>
             <a:prstGeom prst="straightConnector1">
               <a:avLst/>
@@ -21077,7 +22158,7 @@
           </p:nvCxnSpPr>
           <p:spPr bwMode="auto">
             <a:xfrm>
-              <a:off x="744695" y="3676801"/>
+              <a:off x="744694" y="3501929"/>
               <a:ext cx="4973824" cy="3125"/>
             </a:xfrm>
             <a:prstGeom prst="line">
@@ -21176,7 +22257,7 @@
           </p:nvSpPr>
           <p:spPr bwMode="auto">
             <a:xfrm>
-              <a:off x="2457538" y="3766696"/>
+              <a:off x="2457538" y="3619435"/>
               <a:ext cx="1662189" cy="528346"/>
             </a:xfrm>
             <a:prstGeom prst="roundRect">
@@ -21265,8 +22346,8 @@
           </p:nvCxnSpPr>
           <p:spPr bwMode="auto">
             <a:xfrm>
-              <a:off x="3288632" y="3500261"/>
-              <a:ext cx="1" cy="266435"/>
+              <a:off x="3288632" y="3325390"/>
+              <a:ext cx="1" cy="294045"/>
             </a:xfrm>
             <a:prstGeom prst="straightConnector1">
               <a:avLst/>
@@ -21304,8 +22385,8 @@
           </p:nvCxnSpPr>
           <p:spPr bwMode="auto">
             <a:xfrm flipH="1">
-              <a:off x="3288632" y="4295042"/>
-              <a:ext cx="1" cy="156712"/>
+              <a:off x="3288632" y="4147781"/>
+              <a:ext cx="1" cy="159244"/>
             </a:xfrm>
             <a:prstGeom prst="straightConnector1">
               <a:avLst/>
@@ -21342,8 +22423,8 @@
           </p:nvCxnSpPr>
           <p:spPr bwMode="auto">
             <a:xfrm>
-              <a:off x="3288632" y="4723178"/>
-              <a:ext cx="0" cy="174108"/>
+              <a:off x="3288632" y="4912467"/>
+              <a:ext cx="0" cy="141279"/>
             </a:xfrm>
             <a:prstGeom prst="straightConnector1">
               <a:avLst/>
@@ -21381,7 +22462,7 @@
           </p:nvCxnSpPr>
           <p:spPr bwMode="auto">
             <a:xfrm flipH="1">
-              <a:off x="4119727" y="4030673"/>
+              <a:off x="4119727" y="3883412"/>
               <a:ext cx="246351" cy="196"/>
             </a:xfrm>
             <a:prstGeom prst="straightConnector1">
@@ -21419,8 +22500,8 @@
           </p:nvCxnSpPr>
           <p:spPr bwMode="auto">
             <a:xfrm flipH="1">
-              <a:off x="4119727" y="4166385"/>
-              <a:ext cx="1038351" cy="1070179"/>
+              <a:off x="4119727" y="4019124"/>
+              <a:ext cx="1038351" cy="1373900"/>
             </a:xfrm>
             <a:prstGeom prst="straightConnector1">
               <a:avLst/>
@@ -21462,7 +22543,7 @@
         </p:blipFill>
         <p:spPr>
           <a:xfrm>
-            <a:off x="7349013" y="2495606"/>
+            <a:off x="7349013" y="2107681"/>
             <a:ext cx="866727" cy="862294"/>
           </a:xfrm>
           <a:prstGeom prst="rect">
@@ -21478,7 +22559,7 @@
         </p:nvSpPr>
         <p:spPr>
           <a:xfrm>
-            <a:off x="7244629" y="3357900"/>
+            <a:off x="7244629" y="2969975"/>
             <a:ext cx="2438399" cy="646331"/>
           </a:xfrm>
           <a:prstGeom prst="rect">
@@ -21508,7 +22589,7 @@
         </p:nvSpPr>
         <p:spPr bwMode="auto">
           <a:xfrm rot="10800000">
-            <a:off x="6013009" y="2727758"/>
+            <a:off x="6013009" y="2339833"/>
             <a:ext cx="1153352" cy="397990"/>
           </a:xfrm>
           <a:prstGeom prst="rightArrow">
@@ -22241,131 +23322,6 @@
           <a:chExt cx="0" cy="0"/>
         </a:xfrm>
       </p:grpSpPr>
-      <p:graphicFrame>
-        <p:nvGraphicFramePr>
-          <p:cNvPr id="7" name="Diagramm 6"/>
-          <p:cNvGraphicFramePr>
-            <a:graphicFrameLocks/>
-          </p:cNvGraphicFramePr>
-          <p:nvPr>
-            <p:extLst>
-              <p:ext uri="{D42A27DB-BD31-4B8C-83A1-F6EECF244321}">
-                <p14:modId xmlns:p14="http://schemas.microsoft.com/office/powerpoint/2010/main" val="2834448892"/>
-              </p:ext>
-            </p:extLst>
-          </p:nvPr>
-        </p:nvGraphicFramePr>
-        <p:xfrm>
-          <a:off x="2005276" y="4451927"/>
-          <a:ext cx="5565865" cy="2036918"/>
-        </p:xfrm>
-        <a:graphic>
-          <a:graphicData uri="http://schemas.openxmlformats.org/drawingml/2006/chart">
-            <c:chart xmlns:c="http://schemas.openxmlformats.org/drawingml/2006/chart" xmlns:r="http://schemas.openxmlformats.org/officeDocument/2006/relationships" r:id="rId3"/>
-          </a:graphicData>
-        </a:graphic>
-      </p:graphicFrame>
-      <p:sp>
-        <p:nvSpPr>
-          <p:cNvPr id="2" name="Inhaltsplatzhalter 1"/>
-          <p:cNvSpPr>
-            <a:spLocks noGrp="1"/>
-          </p:cNvSpPr>
-          <p:nvPr>
-            <p:ph idx="1"/>
-          </p:nvPr>
-        </p:nvSpPr>
-        <p:spPr>
-          <a:xfrm>
-            <a:off x="503238" y="1378685"/>
-            <a:ext cx="8412162" cy="4659312"/>
-          </a:xfrm>
-        </p:spPr>
-        <p:txBody>
-          <a:bodyPr/>
-          <a:lstStyle/>
-          <a:p>
-            <a:r>
-              <a:rPr lang="de-DE" dirty="0"/>
-              <a:t>Initialisieren der Register mit Nullen</a:t>
-            </a:r>
-          </a:p>
-          <a:p>
-            <a:r>
-              <a:rPr lang="de-DE" dirty="0"/>
-              <a:t>Zwei Testfälle mit schlechtester und bester Adressierung</a:t>
-            </a:r>
-          </a:p>
-          <a:p>
-            <a:r>
-              <a:rPr lang="de-DE" dirty="0" err="1"/>
-              <a:t>Worst</a:t>
-            </a:r>
-            <a:r>
-              <a:rPr lang="de-DE" dirty="0"/>
-              <a:t>-Best-Case Einsparungspotential</a:t>
-            </a:r>
-          </a:p>
-          <a:p>
-            <a:endParaRPr lang="de-DE" dirty="0"/>
-          </a:p>
-          <a:p>
-            <a:pPr marL="0" indent="0">
-              <a:buNone/>
-            </a:pPr>
-            <a:endParaRPr lang="de-DE" dirty="0"/>
-          </a:p>
-          <a:p>
-            <a:pPr marL="0" indent="0">
-              <a:buNone/>
-            </a:pPr>
-            <a:endParaRPr lang="de-DE" dirty="0"/>
-          </a:p>
-          <a:p>
-            <a:pPr marL="0" indent="0">
-              <a:buNone/>
-            </a:pPr>
-            <a:endParaRPr lang="de-DE" dirty="0"/>
-          </a:p>
-          <a:p>
-            <a:pPr marL="0" indent="0">
-              <a:buNone/>
-            </a:pPr>
-            <a:endParaRPr lang="de-DE" dirty="0"/>
-          </a:p>
-        </p:txBody>
-      </p:sp>
-      <p:sp>
-        <p:nvSpPr>
-          <p:cNvPr id="3" name="Titel 2"/>
-          <p:cNvSpPr>
-            <a:spLocks noGrp="1"/>
-          </p:cNvSpPr>
-          <p:nvPr>
-            <p:ph type="title"/>
-          </p:nvPr>
-        </p:nvSpPr>
-        <p:spPr>
-          <a:xfrm>
-            <a:off x="503238" y="765175"/>
-            <a:ext cx="8412162" cy="828675"/>
-          </a:xfrm>
-        </p:spPr>
-        <p:txBody>
-          <a:bodyPr/>
-          <a:lstStyle/>
-          <a:p>
-            <a:r>
-              <a:rPr lang="de-DE" dirty="0" err="1"/>
-              <a:t>Worst</a:t>
-            </a:r>
-            <a:r>
-              <a:rPr lang="de-DE" dirty="0"/>
-              <a:t>-Best-Case Analyse</a:t>
-            </a:r>
-          </a:p>
-        </p:txBody>
-      </p:sp>
       <p:sp>
         <p:nvSpPr>
           <p:cNvPr id="4" name="Textfeld 3">
@@ -22509,13 +23465,138 @@
       </p:sp>
       <p:sp>
         <p:nvSpPr>
+          <p:cNvPr id="2" name="Inhaltsplatzhalter 1"/>
+          <p:cNvSpPr>
+            <a:spLocks noGrp="1"/>
+          </p:cNvSpPr>
+          <p:nvPr>
+            <p:ph idx="1"/>
+          </p:nvPr>
+        </p:nvSpPr>
+        <p:spPr>
+          <a:xfrm>
+            <a:off x="503238" y="1378685"/>
+            <a:ext cx="8412162" cy="4659312"/>
+          </a:xfrm>
+        </p:spPr>
+        <p:txBody>
+          <a:bodyPr/>
+          <a:lstStyle/>
+          <a:p>
+            <a:r>
+              <a:rPr lang="de-DE" dirty="0"/>
+              <a:t>Initialisieren der Register mit Nullen</a:t>
+            </a:r>
+          </a:p>
+          <a:p>
+            <a:r>
+              <a:rPr lang="de-DE" dirty="0"/>
+              <a:t>Zwei Testfälle mit schlechtester und bester Adressierung</a:t>
+            </a:r>
+          </a:p>
+          <a:p>
+            <a:r>
+              <a:rPr lang="de-DE" dirty="0" err="1"/>
+              <a:t>Worst</a:t>
+            </a:r>
+            <a:r>
+              <a:rPr lang="de-DE" dirty="0"/>
+              <a:t>-Best-Case Einsparungspotential</a:t>
+            </a:r>
+          </a:p>
+          <a:p>
+            <a:endParaRPr lang="de-DE" dirty="0"/>
+          </a:p>
+          <a:p>
+            <a:pPr marL="0" indent="0">
+              <a:buNone/>
+            </a:pPr>
+            <a:endParaRPr lang="de-DE" dirty="0"/>
+          </a:p>
+          <a:p>
+            <a:pPr marL="0" indent="0">
+              <a:buNone/>
+            </a:pPr>
+            <a:endParaRPr lang="de-DE" dirty="0"/>
+          </a:p>
+          <a:p>
+            <a:pPr marL="0" indent="0">
+              <a:buNone/>
+            </a:pPr>
+            <a:endParaRPr lang="de-DE" dirty="0"/>
+          </a:p>
+          <a:p>
+            <a:pPr marL="0" indent="0">
+              <a:buNone/>
+            </a:pPr>
+            <a:endParaRPr lang="de-DE" dirty="0"/>
+          </a:p>
+        </p:txBody>
+      </p:sp>
+      <p:graphicFrame>
+        <p:nvGraphicFramePr>
+          <p:cNvPr id="9" name="Diagramm 8"/>
+          <p:cNvGraphicFramePr>
+            <a:graphicFrameLocks/>
+          </p:cNvGraphicFramePr>
+          <p:nvPr>
+            <p:extLst>
+              <p:ext uri="{D42A27DB-BD31-4B8C-83A1-F6EECF244321}">
+                <p14:modId xmlns:p14="http://schemas.microsoft.com/office/powerpoint/2010/main" val="3324875089"/>
+              </p:ext>
+            </p:extLst>
+          </p:nvPr>
+        </p:nvGraphicFramePr>
+        <p:xfrm>
+          <a:off x="2185194" y="4211781"/>
+          <a:ext cx="5048250" cy="2239759"/>
+        </p:xfrm>
+        <a:graphic>
+          <a:graphicData uri="http://schemas.openxmlformats.org/drawingml/2006/chart">
+            <c:chart xmlns:c="http://schemas.openxmlformats.org/drawingml/2006/chart" xmlns:r="http://schemas.openxmlformats.org/officeDocument/2006/relationships" r:id="rId3"/>
+          </a:graphicData>
+        </a:graphic>
+      </p:graphicFrame>
+      <p:sp>
+        <p:nvSpPr>
+          <p:cNvPr id="3" name="Titel 2"/>
+          <p:cNvSpPr>
+            <a:spLocks noGrp="1"/>
+          </p:cNvSpPr>
+          <p:nvPr>
+            <p:ph type="title"/>
+          </p:nvPr>
+        </p:nvSpPr>
+        <p:spPr>
+          <a:xfrm>
+            <a:off x="503238" y="765175"/>
+            <a:ext cx="8412162" cy="828675"/>
+          </a:xfrm>
+        </p:spPr>
+        <p:txBody>
+          <a:bodyPr/>
+          <a:lstStyle/>
+          <a:p>
+            <a:r>
+              <a:rPr lang="de-DE" dirty="0" err="1"/>
+              <a:t>Worst</a:t>
+            </a:r>
+            <a:r>
+              <a:rPr lang="de-DE" dirty="0"/>
+              <a:t>-Best-Case Analyse</a:t>
+            </a:r>
+          </a:p>
+        </p:txBody>
+      </p:sp>
+      <p:sp>
+        <p:nvSpPr>
           <p:cNvPr id="6" name="Pfeil nach rechts 5"/>
           <p:cNvSpPr/>
           <p:nvPr/>
         </p:nvSpPr>
         <p:spPr bwMode="auto">
           <a:xfrm rot="1422849">
-            <a:off x="3889025" y="5308117"/>
+            <a:off x="3180917" y="5033914"/>
             <a:ext cx="791442" cy="701963"/>
           </a:xfrm>
           <a:prstGeom prst="rightArrow">
@@ -22608,18 +23689,10 @@
           </a:lstStyle>
           <a:p>
             <a:r>
-              <a:rPr lang="de-DE" dirty="0" smtClean="0">
-                <a:solidFill>
-                  <a:schemeClr val="bg1"/>
-                </a:solidFill>
-              </a:rPr>
+              <a:rPr lang="de-DE" dirty="0" smtClean="0"/>
               <a:t>18,33%</a:t>
             </a:r>
-            <a:endParaRPr lang="de-DE" dirty="0">
-              <a:solidFill>
-                <a:schemeClr val="bg1"/>
-              </a:solidFill>
-            </a:endParaRPr>
+            <a:endParaRPr lang="de-DE" dirty="0"/>
           </a:p>
         </p:txBody>
       </p:sp>
@@ -22631,7 +23704,7 @@
         </p:nvSpPr>
         <p:spPr bwMode="auto">
           <a:xfrm rot="1422849">
-            <a:off x="3994571" y="4581440"/>
+            <a:off x="4462239" y="5033915"/>
             <a:ext cx="791442" cy="701963"/>
           </a:xfrm>
           <a:prstGeom prst="rightArrow">
@@ -22796,60 +23869,15 @@
                                   </p:childTnLst>
                                 </p:cTn>
                               </p:par>
-                            </p:childTnLst>
-                          </p:cTn>
-                        </p:par>
-                      </p:childTnLst>
-                    </p:cTn>
-                  </p:par>
-                  <p:par>
-                    <p:cTn id="7" fill="hold">
-                      <p:stCondLst>
-                        <p:cond delay="indefinite"/>
-                      </p:stCondLst>
-                      <p:childTnLst>
-                        <p:par>
-                          <p:cTn id="8" fill="hold">
-                            <p:stCondLst>
-                              <p:cond delay="0"/>
-                            </p:stCondLst>
-                            <p:childTnLst>
                               <p:par>
-                                <p:cTn id="9" presetID="1" presetClass="entr" presetSubtype="0" fill="hold" grpId="0" nodeType="clickEffect">
+                                <p:cTn id="7" presetID="1" presetClass="entr" presetSubtype="0" fill="hold" grpId="0" nodeType="withEffect">
                                   <p:stCondLst>
                                     <p:cond delay="0"/>
                                   </p:stCondLst>
                                   <p:childTnLst>
                                     <p:set>
                                       <p:cBhvr>
-                                        <p:cTn id="10" dur="1" fill="hold">
-                                          <p:stCondLst>
-                                            <p:cond delay="0"/>
-                                          </p:stCondLst>
-                                        </p:cTn>
-                                        <p:tgtEl>
-                                          <p:spTgt spid="7"/>
-                                        </p:tgtEl>
-                                        <p:attrNameLst>
-                                          <p:attrName>style.visibility</p:attrName>
-                                        </p:attrNameLst>
-                                      </p:cBhvr>
-                                      <p:to>
-                                        <p:strVal val="visible"/>
-                                      </p:to>
-                                    </p:set>
-                                  </p:childTnLst>
-                                </p:cTn>
-                              </p:par>
-                              <p:par>
-                                <p:cTn id="11" presetID="1" presetClass="entr" presetSubtype="0" fill="hold" grpId="0" nodeType="withEffect">
-                                  <p:stCondLst>
-                                    <p:cond delay="0"/>
-                                  </p:stCondLst>
-                                  <p:childTnLst>
-                                    <p:set>
-                                      <p:cBhvr>
-                                        <p:cTn id="12" dur="1" fill="hold">
+                                        <p:cTn id="8" dur="1" fill="hold">
                                           <p:stCondLst>
                                             <p:cond delay="0"/>
                                           </p:stCondLst>
@@ -22869,14 +23897,14 @@
                                 </p:cTn>
                               </p:par>
                               <p:par>
-                                <p:cTn id="13" presetID="1" presetClass="entr" presetSubtype="0" fill="hold" grpId="0" nodeType="withEffect">
+                                <p:cTn id="9" presetID="1" presetClass="entr" presetSubtype="0" fill="hold" grpId="0" nodeType="withEffect">
                                   <p:stCondLst>
                                     <p:cond delay="0"/>
                                   </p:stCondLst>
                                   <p:childTnLst>
                                     <p:set>
                                       <p:cBhvr>
-                                        <p:cTn id="14" dur="1" fill="hold">
+                                        <p:cTn id="10" dur="1" fill="hold">
                                           <p:stCondLst>
                                             <p:cond delay="0"/>
                                           </p:stCondLst>
@@ -22923,9 +23951,6 @@
       </p:par>
     </p:tnLst>
     <p:bldLst>
-      <p:bldGraphic spid="7" grpId="0">
-        <p:bldAsOne/>
-      </p:bldGraphic>
       <p:bldP spid="4" grpId="0"/>
       <p:bldP spid="6" grpId="0" animBg="1"/>
       <p:bldP spid="8" grpId="0" animBg="1"/>
@@ -23066,13 +24091,7 @@
       </p:sp>
       <p:graphicFrame>
         <p:nvGraphicFramePr>
-          <p:cNvPr id="8" name="Inhaltsplatzhalter 7">
-            <a:extLst>
-              <a:ext uri="{FF2B5EF4-FFF2-40B4-BE49-F238E27FC236}">
-                <a16:creationId xmlns:a16="http://schemas.microsoft.com/office/drawing/2014/main" id="{00000000-0008-0000-1200-000002000000}"/>
-              </a:ext>
-            </a:extLst>
-          </p:cNvPr>
+          <p:cNvPr id="10" name="Inhaltsplatzhalter 9"/>
           <p:cNvGraphicFramePr>
             <a:graphicFrameLocks noGrp="1"/>
           </p:cNvGraphicFramePr>
@@ -23080,14 +24099,14 @@
             <p:ph sz="half" idx="2"/>
             <p:extLst>
               <p:ext uri="{D42A27DB-BD31-4B8C-83A1-F6EECF244321}">
-                <p14:modId xmlns:p14="http://schemas.microsoft.com/office/powerpoint/2010/main" val="2084514158"/>
+                <p14:modId xmlns:p14="http://schemas.microsoft.com/office/powerpoint/2010/main" val="717452955"/>
               </p:ext>
             </p:extLst>
           </p:nvPr>
         </p:nvGraphicFramePr>
         <p:xfrm>
           <a:off x="4301067" y="1665288"/>
-          <a:ext cx="4614333" cy="4786312"/>
+          <a:ext cx="4614333" cy="4659312"/>
         </p:xfrm>
         <a:graphic>
           <a:graphicData uri="http://schemas.openxmlformats.org/drawingml/2006/chart">
@@ -23535,7 +24554,15 @@
           <a:p>
             <a:r>
               <a:rPr lang="de-DE" sz="2000" kern="0" dirty="0" smtClean="0"/>
-              <a:t>Initialisieren von Registern um Testfälle zu generieren </a:t>
+              <a:t>Initialisieren von Registern um </a:t>
+            </a:r>
+            <a:r>
+              <a:rPr lang="de-DE" sz="2000" kern="0" dirty="0" smtClean="0"/>
+              <a:t>Testfälle </a:t>
+            </a:r>
+            <a:r>
+              <a:rPr lang="de-DE" sz="2000" kern="0" dirty="0" smtClean="0"/>
+              <a:t>zu generieren </a:t>
             </a:r>
             <a:endParaRPr lang="de-DE" sz="2000" kern="0" dirty="0"/>
           </a:p>
@@ -23686,8 +24713,8 @@
         </p:nvSpPr>
         <p:spPr bwMode="auto">
           <a:xfrm rot="16200000">
-            <a:off x="5852889" y="1801506"/>
-            <a:ext cx="191068" cy="968988"/>
+            <a:off x="5822509" y="1831886"/>
+            <a:ext cx="191068" cy="908228"/>
           </a:xfrm>
           <a:prstGeom prst="rightBrace">
             <a:avLst/>
@@ -23756,7 +24783,7 @@
         </p:nvSpPr>
         <p:spPr bwMode="auto">
           <a:xfrm rot="16200000">
-            <a:off x="7306562" y="1294724"/>
+            <a:off x="7404266" y="1294724"/>
             <a:ext cx="208341" cy="1965278"/>
           </a:xfrm>
           <a:prstGeom prst="rightBrace">
@@ -24024,26 +25051,10 @@
           </a:lstStyle>
           <a:p>
             <a:r>
-              <a:rPr lang="de-DE" sz="1200" b="1" dirty="0" smtClean="0">
-                <a:solidFill>
-                  <a:schemeClr val="bg1"/>
-                </a:solidFill>
-              </a:rPr>
-              <a:t>8,54</a:t>
-            </a:r>
-            <a:r>
-              <a:rPr lang="de-DE" sz="1200" b="1" dirty="0" smtClean="0">
-                <a:solidFill>
-                  <a:schemeClr val="bg1"/>
-                </a:solidFill>
-              </a:rPr>
-              <a:t>%</a:t>
-            </a:r>
-            <a:endParaRPr lang="de-DE" sz="1200" b="1" dirty="0">
-              <a:solidFill>
-                <a:schemeClr val="bg1"/>
-              </a:solidFill>
-            </a:endParaRPr>
+              <a:rPr lang="de-DE" sz="1200" b="1" dirty="0" smtClean="0"/>
+              <a:t>8,54%</a:t>
+            </a:r>
+            <a:endParaRPr lang="de-DE" sz="1200" b="1" dirty="0"/>
           </a:p>
         </p:txBody>
       </p:sp>
@@ -24153,15 +25164,7 @@
                   <a:schemeClr val="bg1"/>
                 </a:solidFill>
               </a:rPr>
-              <a:t>2,56</a:t>
-            </a:r>
-            <a:r>
-              <a:rPr lang="de-DE" sz="1200" b="1" dirty="0" smtClean="0">
-                <a:solidFill>
-                  <a:schemeClr val="bg1"/>
-                </a:solidFill>
-              </a:rPr>
-              <a:t>%</a:t>
+              <a:t>2,56%</a:t>
             </a:r>
             <a:endParaRPr lang="de-DE" sz="1200" b="1" dirty="0">
               <a:solidFill>
@@ -24592,7 +25595,7 @@
             <p:ph sz="half" idx="2"/>
             <p:extLst>
               <p:ext uri="{D42A27DB-BD31-4B8C-83A1-F6EECF244321}">
-                <p14:modId xmlns:p14="http://schemas.microsoft.com/office/powerpoint/2010/main" val="4129521308"/>
+                <p14:modId xmlns:p14="http://schemas.microsoft.com/office/powerpoint/2010/main" val="3335062243"/>
               </p:ext>
             </p:extLst>
           </p:nvPr>
@@ -24831,7 +25834,31 @@
           <a:p>
             <a:r>
               <a:rPr lang="de-DE" sz="2000" kern="0" dirty="0"/>
-              <a:t>Vergleich von alter und neuer Heuristik sowie genetischer Algorithmen mit </a:t>
+              <a:t>Vergleich von </a:t>
+            </a:r>
+            <a:r>
+              <a:rPr lang="de-DE" sz="2000" kern="0" dirty="0" err="1" smtClean="0"/>
+              <a:t>default</a:t>
+            </a:r>
+            <a:r>
+              <a:rPr lang="de-DE" sz="2000" kern="0" dirty="0" smtClean="0"/>
+              <a:t> </a:t>
+            </a:r>
+            <a:r>
+              <a:rPr lang="de-DE" sz="2000" kern="0" dirty="0"/>
+              <a:t>und </a:t>
+            </a:r>
+            <a:r>
+              <a:rPr lang="de-DE" sz="2000" dirty="0" smtClean="0"/>
+              <a:t>verlustleistungsoptimierte</a:t>
+            </a:r>
+            <a:r>
+              <a:rPr lang="de-DE" sz="2000" kern="0" dirty="0" smtClean="0"/>
+              <a:t> </a:t>
+            </a:r>
+            <a:r>
+              <a:rPr lang="de-DE" sz="2000" kern="0" dirty="0"/>
+              <a:t>Heuristik sowie genetischer Algorithmen mit </a:t>
             </a:r>
             <a:r>
               <a:rPr lang="de-DE" sz="2000" kern="0" dirty="0" err="1"/>
@@ -24860,14 +25887,14 @@
           <p:nvPr>
             <p:extLst>
               <p:ext uri="{D42A27DB-BD31-4B8C-83A1-F6EECF244321}">
-                <p14:modId xmlns:p14="http://schemas.microsoft.com/office/powerpoint/2010/main" val="2272577477"/>
+                <p14:modId xmlns:p14="http://schemas.microsoft.com/office/powerpoint/2010/main" val="3884596508"/>
               </p:ext>
             </p:extLst>
           </p:nvPr>
         </p:nvGraphicFramePr>
         <p:xfrm>
-          <a:off x="503238" y="3205019"/>
-          <a:ext cx="3723290" cy="3334786"/>
+          <a:off x="503238" y="3583709"/>
+          <a:ext cx="3723290" cy="2956096"/>
         </p:xfrm>
         <a:graphic>
           <a:graphicData uri="http://schemas.openxmlformats.org/drawingml/2006/chart">
@@ -24976,34 +26003,14 @@
           </a:lstStyle>
           <a:p>
             <a:r>
-              <a:rPr lang="de-DE" sz="1200" b="1" dirty="0">
-                <a:solidFill>
-                  <a:schemeClr val="bg1"/>
-                </a:solidFill>
-              </a:rPr>
+              <a:rPr lang="de-DE" sz="1200" b="1" dirty="0"/>
               <a:t>9</a:t>
             </a:r>
             <a:r>
-              <a:rPr lang="de-DE" sz="1200" b="1" dirty="0" smtClean="0">
-                <a:solidFill>
-                  <a:schemeClr val="bg1"/>
-                </a:solidFill>
-              </a:rPr>
-              <a:t>,04</a:t>
-            </a:r>
-            <a:r>
-              <a:rPr lang="de-DE" sz="1200" b="1" dirty="0" smtClean="0">
-                <a:solidFill>
-                  <a:schemeClr val="bg1"/>
-                </a:solidFill>
-              </a:rPr>
-              <a:t>%</a:t>
-            </a:r>
-            <a:endParaRPr lang="de-DE" sz="1200" b="1" dirty="0">
-              <a:solidFill>
-                <a:schemeClr val="bg1"/>
-              </a:solidFill>
-            </a:endParaRPr>
+              <a:rPr lang="de-DE" sz="1200" b="1" dirty="0" smtClean="0"/>
+              <a:t>,04%</a:t>
+            </a:r>
+            <a:endParaRPr lang="de-DE" sz="1200" b="1" dirty="0"/>
           </a:p>
         </p:txBody>
       </p:sp>
@@ -25113,15 +26120,7 @@
                   <a:schemeClr val="bg1"/>
                 </a:solidFill>
               </a:rPr>
-              <a:t>2,56</a:t>
-            </a:r>
-            <a:r>
-              <a:rPr lang="de-DE" sz="1200" b="1" dirty="0" smtClean="0">
-                <a:solidFill>
-                  <a:schemeClr val="bg1"/>
-                </a:solidFill>
-              </a:rPr>
-              <a:t>%</a:t>
+              <a:t>2,56%</a:t>
             </a:r>
             <a:endParaRPr lang="de-DE" sz="1200" b="1" dirty="0">
               <a:solidFill>
@@ -25360,11 +26359,7 @@
           <a:p>
             <a:r>
               <a:rPr lang="de-DE" dirty="0"/>
-              <a:t>Im Best-Case ist eine Einsparung der Leistung von 18,33</a:t>
-            </a:r>
-            <a:r>
-              <a:rPr lang="de-DE" dirty="0"/>
-              <a:t>% im Register-File und </a:t>
+              <a:t>Im Best-Case ist eine Einsparung der Leistung von 18,33% im Register-File und </a:t>
             </a:r>
             <a:r>
               <a:rPr lang="de-DE" dirty="0" smtClean="0"/>
@@ -26374,11 +27369,11 @@
   <p:clrMapOvr>
     <a:masterClrMapping/>
   </p:clrMapOvr>
-  <mc:AlternateContent xmlns:mc="http://schemas.openxmlformats.org/markup-compatibility/2006">
-    <mc:Choice xmlns:p14="http://schemas.microsoft.com/office/powerpoint/2010/main" Requires="p14">
+  <mc:AlternateContent xmlns:mc="http://schemas.openxmlformats.org/markup-compatibility/2006" xmlns:p14="http://schemas.microsoft.com/office/powerpoint/2010/main">
+    <mc:Choice Requires="p14">
       <p:transition spd="slow" p14:dur="2000"/>
     </mc:Choice>
-    <mc:Fallback>
+    <mc:Fallback xmlns="">
       <p:transition spd="slow"/>
     </mc:Fallback>
   </mc:AlternateContent>
@@ -28148,11 +29143,11 @@
   <p:clrMapOvr>
     <a:masterClrMapping/>
   </p:clrMapOvr>
-  <mc:AlternateContent xmlns:mc="http://schemas.openxmlformats.org/markup-compatibility/2006">
-    <mc:Choice xmlns:p14="http://schemas.microsoft.com/office/powerpoint/2010/main" Requires="p14">
+  <mc:AlternateContent xmlns:mc="http://schemas.openxmlformats.org/markup-compatibility/2006" xmlns:p14="http://schemas.microsoft.com/office/powerpoint/2010/main">
+    <mc:Choice Requires="p14">
       <p:transition spd="slow" p14:dur="2000"/>
     </mc:Choice>
-    <mc:Fallback>
+    <mc:Fallback xmlns="">
       <p:transition spd="slow"/>
     </mc:Fallback>
   </mc:AlternateContent>
@@ -28508,14 +29503,21 @@
   <p:clrMapOvr>
     <a:masterClrMapping/>
   </p:clrMapOvr>
-  <mc:AlternateContent xmlns:mc="http://schemas.openxmlformats.org/markup-compatibility/2006">
-    <mc:Choice xmlns:p14="http://schemas.microsoft.com/office/powerpoint/2010/main" Requires="p14">
+  <mc:AlternateContent xmlns:mc="http://schemas.openxmlformats.org/markup-compatibility/2006" xmlns:p14="http://schemas.microsoft.com/office/powerpoint/2010/main">
+    <mc:Choice Requires="p14">
       <p:transition spd="slow" p14:dur="2000"/>
     </mc:Choice>
-    <mc:Fallback>
+    <mc:Fallback xmlns="">
       <p:transition spd="slow"/>
     </mc:Fallback>
   </mc:AlternateContent>
+  <p:timing>
+    <p:tnLst>
+      <p:par>
+        <p:cTn id="1" dur="indefinite" restart="never" nodeType="tmRoot"/>
+      </p:par>
+    </p:tnLst>
+  </p:timing>
 </p:sld>
 </file>
 
@@ -28633,11 +29635,11 @@
   <p:clrMapOvr>
     <a:masterClrMapping/>
   </p:clrMapOvr>
-  <mc:AlternateContent xmlns:mc="http://schemas.openxmlformats.org/markup-compatibility/2006">
-    <mc:Choice xmlns:p14="http://schemas.microsoft.com/office/powerpoint/2010/main" Requires="p14">
+  <mc:AlternateContent xmlns:mc="http://schemas.openxmlformats.org/markup-compatibility/2006" xmlns:p14="http://schemas.microsoft.com/office/powerpoint/2010/main">
+    <mc:Choice Requires="p14">
       <p:transition spd="slow" p14:dur="2000"/>
     </mc:Choice>
-    <mc:Fallback>
+    <mc:Fallback xmlns="">
       <p:transition spd="slow"/>
     </mc:Fallback>
   </mc:AlternateContent>
@@ -30388,11 +31390,11 @@
   <p:clrMapOvr>
     <a:masterClrMapping/>
   </p:clrMapOvr>
-  <mc:AlternateContent xmlns:mc="http://schemas.openxmlformats.org/markup-compatibility/2006">
-    <mc:Choice xmlns:p14="http://schemas.microsoft.com/office/powerpoint/2010/main" Requires="p14">
+  <mc:AlternateContent xmlns:mc="http://schemas.openxmlformats.org/markup-compatibility/2006" xmlns:p14="http://schemas.microsoft.com/office/powerpoint/2010/main">
+    <mc:Choice Requires="p14">
       <p:transition spd="slow" p14:dur="2000"/>
     </mc:Choice>
-    <mc:Fallback>
+    <mc:Fallback xmlns="">
       <p:transition spd="slow"/>
     </mc:Fallback>
   </mc:AlternateContent>
@@ -30569,6 +31571,95 @@
 </file>
 
 <file path=ppt/slides/slide26.xml><?xml version="1.0" encoding="utf-8"?>
+<p:sld xmlns:a="http://schemas.openxmlformats.org/drawingml/2006/main" xmlns:r="http://schemas.openxmlformats.org/officeDocument/2006/relationships" xmlns:p="http://schemas.openxmlformats.org/presentationml/2006/main">
+  <p:cSld>
+    <p:spTree>
+      <p:nvGrpSpPr>
+        <p:cNvPr id="1" name=""/>
+        <p:cNvGrpSpPr/>
+        <p:nvPr/>
+      </p:nvGrpSpPr>
+      <p:grpSpPr>
+        <a:xfrm>
+          <a:off x="0" y="0"/>
+          <a:ext cx="0" cy="0"/>
+          <a:chOff x="0" y="0"/>
+          <a:chExt cx="0" cy="0"/>
+        </a:xfrm>
+      </p:grpSpPr>
+      <p:sp>
+        <p:nvSpPr>
+          <p:cNvPr id="2" name="Titel 1"/>
+          <p:cNvSpPr>
+            <a:spLocks noGrp="1"/>
+          </p:cNvSpPr>
+          <p:nvPr>
+            <p:ph type="title"/>
+          </p:nvPr>
+        </p:nvSpPr>
+        <p:spPr/>
+        <p:txBody>
+          <a:bodyPr/>
+          <a:lstStyle/>
+          <a:p>
+            <a:r>
+              <a:rPr lang="de-DE" dirty="0" smtClean="0"/>
+              <a:t>Ermitteln der maximalen Durchlaufzahl</a:t>
+            </a:r>
+            <a:endParaRPr lang="de-DE" dirty="0"/>
+          </a:p>
+        </p:txBody>
+      </p:sp>
+      <p:pic>
+        <p:nvPicPr>
+          <p:cNvPr id="5" name="Inhaltsplatzhalter 4" descr="Bildschirmausschnitt"/>
+          <p:cNvPicPr>
+            <a:picLocks noGrp="1" noChangeAspect="1"/>
+          </p:cNvPicPr>
+          <p:nvPr>
+            <p:ph sz="half" idx="2"/>
+          </p:nvPr>
+        </p:nvPicPr>
+        <p:blipFill>
+          <a:blip r:embed="rId2" cstate="print">
+            <a:extLst>
+              <a:ext uri="{28A0092B-C50C-407E-A947-70E740481C1C}">
+                <a14:useLocalDpi xmlns:a14="http://schemas.microsoft.com/office/drawing/2010/main" val="0"/>
+              </a:ext>
+            </a:extLst>
+          </a:blip>
+          <a:stretch>
+            <a:fillRect/>
+          </a:stretch>
+        </p:blipFill>
+        <p:spPr>
+          <a:xfrm>
+            <a:off x="911153" y="2178821"/>
+            <a:ext cx="7272265" cy="3142529"/>
+          </a:xfrm>
+        </p:spPr>
+      </p:pic>
+    </p:spTree>
+    <p:extLst>
+      <p:ext uri="{BB962C8B-B14F-4D97-AF65-F5344CB8AC3E}">
+        <p14:creationId xmlns:p14="http://schemas.microsoft.com/office/powerpoint/2010/main" val="3369500843"/>
+      </p:ext>
+    </p:extLst>
+  </p:cSld>
+  <p:clrMapOvr>
+    <a:masterClrMapping/>
+  </p:clrMapOvr>
+  <p:timing>
+    <p:tnLst>
+      <p:par>
+        <p:cTn id="1" dur="indefinite" restart="never" nodeType="tmRoot"/>
+      </p:par>
+    </p:tnLst>
+  </p:timing>
+</p:sld>
+</file>
+
+<file path=ppt/slides/slide27.xml><?xml version="1.0" encoding="utf-8"?>
 <p:sld xmlns:a="http://schemas.openxmlformats.org/drawingml/2006/main" xmlns:r="http://schemas.openxmlformats.org/officeDocument/2006/relationships" xmlns:p="http://schemas.openxmlformats.org/presentationml/2006/main" show="0">
   <p:cSld>
     <p:spTree>
@@ -30729,11 +31820,11 @@
   <p:clrMapOvr>
     <a:masterClrMapping/>
   </p:clrMapOvr>
-  <mc:AlternateContent xmlns:mc="http://schemas.openxmlformats.org/markup-compatibility/2006">
-    <mc:Choice xmlns:p14="http://schemas.microsoft.com/office/powerpoint/2010/main" Requires="p14">
+  <mc:AlternateContent xmlns:mc="http://schemas.openxmlformats.org/markup-compatibility/2006" xmlns:p14="http://schemas.microsoft.com/office/powerpoint/2010/main">
+    <mc:Choice Requires="p14">
       <p:transition spd="slow" p14:dur="2000"/>
     </mc:Choice>
-    <mc:Fallback>
+    <mc:Fallback xmlns="">
       <p:transition spd="slow"/>
     </mc:Fallback>
   </mc:AlternateContent>
@@ -30747,7 +31838,7 @@
 </p:sld>
 </file>
 
-<file path=ppt/slides/slide27.xml><?xml version="1.0" encoding="utf-8"?>
+<file path=ppt/slides/slide28.xml><?xml version="1.0" encoding="utf-8"?>
 <p:sld xmlns:a="http://schemas.openxmlformats.org/drawingml/2006/main" xmlns:r="http://schemas.openxmlformats.org/officeDocument/2006/relationships" xmlns:p="http://schemas.openxmlformats.org/presentationml/2006/main">
   <p:cSld>
     <p:spTree>
@@ -31514,7 +32605,7 @@
 </p:sld>
 </file>
 
-<file path=ppt/slides/slide28.xml><?xml version="1.0" encoding="utf-8"?>
+<file path=ppt/slides/slide29.xml><?xml version="1.0" encoding="utf-8"?>
 <p:sld xmlns:a="http://schemas.openxmlformats.org/drawingml/2006/main" xmlns:r="http://schemas.openxmlformats.org/officeDocument/2006/relationships" xmlns:p="http://schemas.openxmlformats.org/presentationml/2006/main">
   <p:cSld>
     <p:spTree>
@@ -32281,7 +33372,137 @@
 </p:sld>
 </file>
 
-<file path=ppt/slides/slide29.xml><?xml version="1.0" encoding="utf-8"?>
+<file path=ppt/slides/slide3.xml><?xml version="1.0" encoding="utf-8"?>
+<p:sld xmlns:a="http://schemas.openxmlformats.org/drawingml/2006/main" xmlns:r="http://schemas.openxmlformats.org/officeDocument/2006/relationships" xmlns:p="http://schemas.openxmlformats.org/presentationml/2006/main">
+  <p:cSld>
+    <p:spTree>
+      <p:nvGrpSpPr>
+        <p:cNvPr id="1" name=""/>
+        <p:cNvGrpSpPr/>
+        <p:nvPr/>
+      </p:nvGrpSpPr>
+      <p:grpSpPr>
+        <a:xfrm>
+          <a:off x="0" y="0"/>
+          <a:ext cx="0" cy="0"/>
+          <a:chOff x="0" y="0"/>
+          <a:chExt cx="0" cy="0"/>
+        </a:xfrm>
+      </p:grpSpPr>
+      <p:sp>
+        <p:nvSpPr>
+          <p:cNvPr id="2" name="Inhaltsplatzhalter 1"/>
+          <p:cNvSpPr>
+            <a:spLocks noGrp="1"/>
+          </p:cNvSpPr>
+          <p:nvPr>
+            <p:ph idx="1"/>
+          </p:nvPr>
+        </p:nvSpPr>
+        <p:spPr/>
+        <p:txBody>
+          <a:bodyPr/>
+          <a:lstStyle/>
+          <a:p>
+            <a:r>
+              <a:rPr lang="de-DE" dirty="0"/>
+              <a:t>Register-Files</a:t>
+            </a:r>
+          </a:p>
+          <a:p>
+            <a:r>
+              <a:rPr lang="de-DE" dirty="0"/>
+              <a:t>Register-Allokation</a:t>
+            </a:r>
+          </a:p>
+          <a:p>
+            <a:r>
+              <a:rPr lang="de-DE" dirty="0"/>
+              <a:t>Optimierte Register-Allokation:</a:t>
+            </a:r>
+          </a:p>
+          <a:p>
+            <a:pPr lvl="1"/>
+            <a:r>
+              <a:rPr lang="de-DE" dirty="0"/>
+              <a:t>Mittels Heuristik</a:t>
+            </a:r>
+          </a:p>
+          <a:p>
+            <a:pPr lvl="1"/>
+            <a:r>
+              <a:rPr lang="de-DE" dirty="0"/>
+              <a:t>Mittels genetischen Algorithmen</a:t>
+            </a:r>
+          </a:p>
+          <a:p>
+            <a:r>
+              <a:rPr lang="de-DE" dirty="0"/>
+              <a:t>Analyse</a:t>
+            </a:r>
+          </a:p>
+          <a:p>
+            <a:r>
+              <a:rPr lang="de-DE" dirty="0"/>
+              <a:t>Evaluation</a:t>
+            </a:r>
+          </a:p>
+          <a:p>
+            <a:r>
+              <a:rPr lang="de-DE" dirty="0"/>
+              <a:t>Fazit</a:t>
+            </a:r>
+          </a:p>
+        </p:txBody>
+      </p:sp>
+      <p:sp>
+        <p:nvSpPr>
+          <p:cNvPr id="3" name="Titel 2"/>
+          <p:cNvSpPr>
+            <a:spLocks noGrp="1"/>
+          </p:cNvSpPr>
+          <p:nvPr>
+            <p:ph type="title"/>
+          </p:nvPr>
+        </p:nvSpPr>
+        <p:spPr>
+          <a:xfrm>
+            <a:off x="503238" y="765175"/>
+            <a:ext cx="8412162" cy="828675"/>
+          </a:xfrm>
+        </p:spPr>
+        <p:txBody>
+          <a:bodyPr/>
+          <a:lstStyle/>
+          <a:p>
+            <a:r>
+              <a:rPr lang="de-DE" dirty="0"/>
+              <a:t>Gliederung</a:t>
+            </a:r>
+          </a:p>
+        </p:txBody>
+      </p:sp>
+    </p:spTree>
+    <p:extLst>
+      <p:ext uri="{BB962C8B-B14F-4D97-AF65-F5344CB8AC3E}">
+        <p14:creationId xmlns:p14="http://schemas.microsoft.com/office/powerpoint/2010/main" val="1619734859"/>
+      </p:ext>
+    </p:extLst>
+  </p:cSld>
+  <p:clrMapOvr>
+    <a:masterClrMapping/>
+  </p:clrMapOvr>
+  <p:timing>
+    <p:tnLst>
+      <p:par>
+        <p:cTn id="1" dur="indefinite" restart="never" nodeType="tmRoot"/>
+      </p:par>
+    </p:tnLst>
+  </p:timing>
+</p:sld>
+</file>
+
+<file path=ppt/slides/slide30.xml><?xml version="1.0" encoding="utf-8"?>
 <p:sld xmlns:a="http://schemas.openxmlformats.org/drawingml/2006/main" xmlns:r="http://schemas.openxmlformats.org/officeDocument/2006/relationships" xmlns:p="http://schemas.openxmlformats.org/presentationml/2006/main">
   <p:cSld>
     <p:spTree>
@@ -33048,137 +34269,7 @@
 </p:sld>
 </file>
 
-<file path=ppt/slides/slide3.xml><?xml version="1.0" encoding="utf-8"?>
-<p:sld xmlns:a="http://schemas.openxmlformats.org/drawingml/2006/main" xmlns:r="http://schemas.openxmlformats.org/officeDocument/2006/relationships" xmlns:p="http://schemas.openxmlformats.org/presentationml/2006/main">
-  <p:cSld>
-    <p:spTree>
-      <p:nvGrpSpPr>
-        <p:cNvPr id="1" name=""/>
-        <p:cNvGrpSpPr/>
-        <p:nvPr/>
-      </p:nvGrpSpPr>
-      <p:grpSpPr>
-        <a:xfrm>
-          <a:off x="0" y="0"/>
-          <a:ext cx="0" cy="0"/>
-          <a:chOff x="0" y="0"/>
-          <a:chExt cx="0" cy="0"/>
-        </a:xfrm>
-      </p:grpSpPr>
-      <p:sp>
-        <p:nvSpPr>
-          <p:cNvPr id="2" name="Inhaltsplatzhalter 1"/>
-          <p:cNvSpPr>
-            <a:spLocks noGrp="1"/>
-          </p:cNvSpPr>
-          <p:nvPr>
-            <p:ph idx="1"/>
-          </p:nvPr>
-        </p:nvSpPr>
-        <p:spPr/>
-        <p:txBody>
-          <a:bodyPr/>
-          <a:lstStyle/>
-          <a:p>
-            <a:r>
-              <a:rPr lang="de-DE" dirty="0"/>
-              <a:t>Register-Files</a:t>
-            </a:r>
-          </a:p>
-          <a:p>
-            <a:r>
-              <a:rPr lang="de-DE" dirty="0"/>
-              <a:t>Register-Allokation</a:t>
-            </a:r>
-          </a:p>
-          <a:p>
-            <a:r>
-              <a:rPr lang="de-DE" dirty="0"/>
-              <a:t>Optimierte Register-Allokation:</a:t>
-            </a:r>
-          </a:p>
-          <a:p>
-            <a:pPr lvl="1"/>
-            <a:r>
-              <a:rPr lang="de-DE" dirty="0"/>
-              <a:t>Mittels Heuristik</a:t>
-            </a:r>
-          </a:p>
-          <a:p>
-            <a:pPr lvl="1"/>
-            <a:r>
-              <a:rPr lang="de-DE" dirty="0"/>
-              <a:t>Mittels genetischen Algorithmen</a:t>
-            </a:r>
-          </a:p>
-          <a:p>
-            <a:r>
-              <a:rPr lang="de-DE" dirty="0"/>
-              <a:t>Analyse</a:t>
-            </a:r>
-          </a:p>
-          <a:p>
-            <a:r>
-              <a:rPr lang="de-DE" dirty="0"/>
-              <a:t>Evaluation</a:t>
-            </a:r>
-          </a:p>
-          <a:p>
-            <a:r>
-              <a:rPr lang="de-DE" dirty="0"/>
-              <a:t>Fazit</a:t>
-            </a:r>
-          </a:p>
-        </p:txBody>
-      </p:sp>
-      <p:sp>
-        <p:nvSpPr>
-          <p:cNvPr id="3" name="Titel 2"/>
-          <p:cNvSpPr>
-            <a:spLocks noGrp="1"/>
-          </p:cNvSpPr>
-          <p:nvPr>
-            <p:ph type="title"/>
-          </p:nvPr>
-        </p:nvSpPr>
-        <p:spPr>
-          <a:xfrm>
-            <a:off x="503238" y="765175"/>
-            <a:ext cx="8412162" cy="828675"/>
-          </a:xfrm>
-        </p:spPr>
-        <p:txBody>
-          <a:bodyPr/>
-          <a:lstStyle/>
-          <a:p>
-            <a:r>
-              <a:rPr lang="de-DE" dirty="0"/>
-              <a:t>Gliederung</a:t>
-            </a:r>
-          </a:p>
-        </p:txBody>
-      </p:sp>
-    </p:spTree>
-    <p:extLst>
-      <p:ext uri="{BB962C8B-B14F-4D97-AF65-F5344CB8AC3E}">
-        <p14:creationId xmlns:p14="http://schemas.microsoft.com/office/powerpoint/2010/main" val="1619734859"/>
-      </p:ext>
-    </p:extLst>
-  </p:cSld>
-  <p:clrMapOvr>
-    <a:masterClrMapping/>
-  </p:clrMapOvr>
-  <p:timing>
-    <p:tnLst>
-      <p:par>
-        <p:cTn id="1" dur="indefinite" restart="never" nodeType="tmRoot"/>
-      </p:par>
-    </p:tnLst>
-  </p:timing>
-</p:sld>
-</file>
-
-<file path=ppt/slides/slide30.xml><?xml version="1.0" encoding="utf-8"?>
+<file path=ppt/slides/slide31.xml><?xml version="1.0" encoding="utf-8"?>
 <p:sld xmlns:a="http://schemas.openxmlformats.org/drawingml/2006/main" xmlns:r="http://schemas.openxmlformats.org/officeDocument/2006/relationships" xmlns:p="http://schemas.openxmlformats.org/presentationml/2006/main">
   <p:cSld>
     <p:spTree>
@@ -33945,7 +35036,7 @@
 </p:sld>
 </file>
 
-<file path=ppt/slides/slide31.xml><?xml version="1.0" encoding="utf-8"?>
+<file path=ppt/slides/slide32.xml><?xml version="1.0" encoding="utf-8"?>
 <p:sld xmlns:a="http://schemas.openxmlformats.org/drawingml/2006/main" xmlns:r="http://schemas.openxmlformats.org/officeDocument/2006/relationships" xmlns:p="http://schemas.openxmlformats.org/presentationml/2006/main">
   <p:cSld>
     <p:spTree>
@@ -34716,7 +35807,7 @@
 </p:sld>
 </file>
 
-<file path=ppt/slides/slide32.xml><?xml version="1.0" encoding="utf-8"?>
+<file path=ppt/slides/slide33.xml><?xml version="1.0" encoding="utf-8"?>
 <p:sld xmlns:a="http://schemas.openxmlformats.org/drawingml/2006/main" xmlns:r="http://schemas.openxmlformats.org/officeDocument/2006/relationships" xmlns:p="http://schemas.openxmlformats.org/presentationml/2006/main">
   <p:cSld>
     <p:spTree>
@@ -35476,7 +36567,7 @@
 </p:sld>
 </file>
 
-<file path=ppt/slides/slide33.xml><?xml version="1.0" encoding="utf-8"?>
+<file path=ppt/slides/slide34.xml><?xml version="1.0" encoding="utf-8"?>
 <p:sld xmlns:a="http://schemas.openxmlformats.org/drawingml/2006/main" xmlns:r="http://schemas.openxmlformats.org/officeDocument/2006/relationships" xmlns:p="http://schemas.openxmlformats.org/presentationml/2006/main">
   <p:cSld>
     <p:spTree>
@@ -36303,15 +37394,12 @@
           </a:p>
           <a:p>
             <a:r>
-              <a:rPr lang="de-DE" sz="2000" dirty="0"/>
-              <a:t>Optimierung durch Software </a:t>
-            </a:r>
-            <a:endParaRPr lang="de-DE" sz="2000" dirty="0" smtClean="0"/>
-          </a:p>
-          <a:p>
-            <a:r>
               <a:rPr lang="de-DE" sz="2000" dirty="0" smtClean="0"/>
-              <a:t>Register-File Anteil von ca. 65% an der Gesamtleistungsaufnahme</a:t>
+              <a:t>Register-File </a:t>
+            </a:r>
+            <a:r>
+              <a:rPr lang="de-DE" sz="2000" dirty="0" smtClean="0"/>
+              <a:t>Anteil von ca. 65% an der Gesamtleistungsaufnahme</a:t>
             </a:r>
           </a:p>
           <a:p>
@@ -36429,6 +37517,172 @@
           </a:prstGeom>
         </p:spPr>
       </p:pic>
+      <p:graphicFrame>
+        <p:nvGraphicFramePr>
+          <p:cNvPr id="6" name="Tabelle 5"/>
+          <p:cNvGraphicFramePr>
+            <a:graphicFrameLocks noGrp="1"/>
+          </p:cNvGraphicFramePr>
+          <p:nvPr>
+            <p:extLst>
+              <p:ext uri="{D42A27DB-BD31-4B8C-83A1-F6EECF244321}">
+                <p14:modId xmlns:p14="http://schemas.microsoft.com/office/powerpoint/2010/main" val="923837435"/>
+              </p:ext>
+            </p:extLst>
+          </p:nvPr>
+        </p:nvGraphicFramePr>
+        <p:xfrm>
+          <a:off x="5892798" y="5576687"/>
+          <a:ext cx="3408218" cy="881353"/>
+        </p:xfrm>
+        <a:graphic>
+          <a:graphicData uri="http://schemas.openxmlformats.org/drawingml/2006/table">
+            <a:tbl>
+              <a:tblPr firstRow="1" bandRow="1">
+                <a:tableStyleId>{5C22544A-7EE6-4342-B048-85BDC9FD1C3A}</a:tableStyleId>
+              </a:tblPr>
+              <a:tblGrid>
+                <a:gridCol w="480291">
+                  <a:extLst>
+                    <a:ext uri="{9D8B030D-6E8A-4147-A177-3AD203B41FA5}">
+                      <a16:colId xmlns:a16="http://schemas.microsoft.com/office/drawing/2014/main" val="747793643"/>
+                    </a:ext>
+                  </a:extLst>
+                </a:gridCol>
+                <a:gridCol w="2927927">
+                  <a:extLst>
+                    <a:ext uri="{9D8B030D-6E8A-4147-A177-3AD203B41FA5}">
+                      <a16:colId xmlns:a16="http://schemas.microsoft.com/office/drawing/2014/main" val="4013010285"/>
+                    </a:ext>
+                  </a:extLst>
+                </a:gridCol>
+              </a:tblGrid>
+              <a:tr h="426952">
+                <a:tc>
+                  <a:txBody>
+                    <a:bodyPr/>
+                    <a:lstStyle/>
+                    <a:p>
+                      <a:endParaRPr lang="de-DE" sz="1200" dirty="0"/>
+                    </a:p>
+                  </a:txBody>
+                  <a:tcPr>
+                    <a:solidFill>
+                      <a:srgbClr val="FFFF00"/>
+                    </a:solidFill>
+                  </a:tcPr>
+                </a:tc>
+                <a:tc>
+                  <a:txBody>
+                    <a:bodyPr/>
+                    <a:lstStyle/>
+                    <a:p>
+                      <a:r>
+                        <a:rPr lang="de-DE" sz="1200" b="0" dirty="0" smtClean="0">
+                          <a:solidFill>
+                            <a:sysClr val="windowText" lastClr="000000"/>
+                          </a:solidFill>
+                          <a:latin typeface="+mn-lt"/>
+                        </a:rPr>
+                        <a:t>Register-File</a:t>
+                      </a:r>
+                      <a:endParaRPr lang="de-DE" sz="1200" b="0" dirty="0">
+                        <a:solidFill>
+                          <a:sysClr val="windowText" lastClr="000000"/>
+                        </a:solidFill>
+                        <a:latin typeface="+mn-lt"/>
+                      </a:endParaRPr>
+                    </a:p>
+                  </a:txBody>
+                  <a:tcPr>
+                    <a:solidFill>
+                      <a:schemeClr val="bg1"/>
+                    </a:solidFill>
+                  </a:tcPr>
+                </a:tc>
+                <a:extLst>
+                  <a:ext uri="{0D108BD9-81ED-4DB2-BD59-A6C34878D82A}">
+                    <a16:rowId xmlns:a16="http://schemas.microsoft.com/office/drawing/2014/main" val="4096233519"/>
+                  </a:ext>
+                </a:extLst>
+              </a:tr>
+              <a:tr h="454401">
+                <a:tc>
+                  <a:txBody>
+                    <a:bodyPr/>
+                    <a:lstStyle/>
+                    <a:p>
+                      <a:endParaRPr lang="de-DE" sz="1200" dirty="0"/>
+                    </a:p>
+                  </a:txBody>
+                  <a:tcPr>
+                    <a:solidFill>
+                      <a:srgbClr val="18A6A5"/>
+                    </a:solidFill>
+                  </a:tcPr>
+                </a:tc>
+                <a:tc>
+                  <a:txBody>
+                    <a:bodyPr/>
+                    <a:lstStyle/>
+                    <a:p>
+                      <a:r>
+                        <a:rPr lang="de-DE" sz="1200" b="0" dirty="0" smtClean="0">
+                          <a:latin typeface="+mn-lt"/>
+                        </a:rPr>
+                        <a:t>Andere Komponenten des Prozessors</a:t>
+                      </a:r>
+                      <a:endParaRPr lang="de-DE" sz="1200" b="0" dirty="0">
+                        <a:latin typeface="+mn-lt"/>
+                      </a:endParaRPr>
+                    </a:p>
+                  </a:txBody>
+                  <a:tcPr>
+                    <a:solidFill>
+                      <a:schemeClr val="bg1"/>
+                    </a:solidFill>
+                  </a:tcPr>
+                </a:tc>
+                <a:extLst>
+                  <a:ext uri="{0D108BD9-81ED-4DB2-BD59-A6C34878D82A}">
+                    <a16:rowId xmlns:a16="http://schemas.microsoft.com/office/drawing/2014/main" val="1283250774"/>
+                  </a:ext>
+                </a:extLst>
+              </a:tr>
+            </a:tbl>
+          </a:graphicData>
+        </a:graphic>
+      </p:graphicFrame>
+      <p:sp>
+        <p:nvSpPr>
+          <p:cNvPr id="8" name="Textfeld 7"/>
+          <p:cNvSpPr txBox="1"/>
+          <p:nvPr/>
+        </p:nvSpPr>
+        <p:spPr>
+          <a:xfrm>
+            <a:off x="6331858" y="3220788"/>
+            <a:ext cx="2115451" cy="338554"/>
+          </a:xfrm>
+          <a:prstGeom prst="rect">
+            <a:avLst/>
+          </a:prstGeom>
+          <a:noFill/>
+        </p:spPr>
+        <p:txBody>
+          <a:bodyPr wrap="none" rtlCol="0">
+            <a:spAutoFit/>
+          </a:bodyPr>
+          <a:lstStyle/>
+          <a:p>
+            <a:r>
+              <a:rPr lang="de-DE" sz="1600" dirty="0" smtClean="0"/>
+              <a:t>Platzierter KAVUAKA</a:t>
+            </a:r>
+            <a:endParaRPr lang="de-DE" sz="1600" dirty="0"/>
+          </a:p>
+        </p:txBody>
+      </p:sp>
     </p:spTree>
     <p:extLst>
       <p:ext uri="{BB962C8B-B14F-4D97-AF65-F5344CB8AC3E}">
@@ -36442,7 +37696,75 @@
   <p:timing>
     <p:tnLst>
       <p:par>
-        <p:cTn id="1" dur="indefinite" restart="never" nodeType="tmRoot"/>
+        <p:cTn id="1" dur="indefinite" restart="never" nodeType="tmRoot">
+          <p:childTnLst>
+            <p:seq concurrent="1" nextAc="seek">
+              <p:cTn id="2" dur="indefinite" nodeType="mainSeq">
+                <p:childTnLst>
+                  <p:par>
+                    <p:cTn id="3" fill="hold">
+                      <p:stCondLst>
+                        <p:cond delay="indefinite"/>
+                      </p:stCondLst>
+                      <p:childTnLst>
+                        <p:par>
+                          <p:cTn id="4" fill="hold">
+                            <p:stCondLst>
+                              <p:cond delay="0"/>
+                            </p:stCondLst>
+                            <p:childTnLst>
+                              <p:par>
+                                <p:cTn id="5" presetID="1" presetClass="entr" presetSubtype="0" fill="hold" nodeType="clickEffect">
+                                  <p:stCondLst>
+                                    <p:cond delay="0"/>
+                                  </p:stCondLst>
+                                  <p:childTnLst>
+                                    <p:set>
+                                      <p:cBhvr>
+                                        <p:cTn id="6" dur="1" fill="hold">
+                                          <p:stCondLst>
+                                            <p:cond delay="0"/>
+                                          </p:stCondLst>
+                                        </p:cTn>
+                                        <p:tgtEl>
+                                          <p:spTgt spid="7"/>
+                                        </p:tgtEl>
+                                        <p:attrNameLst>
+                                          <p:attrName>style.visibility</p:attrName>
+                                        </p:attrNameLst>
+                                      </p:cBhvr>
+                                      <p:to>
+                                        <p:strVal val="visible"/>
+                                      </p:to>
+                                    </p:set>
+                                  </p:childTnLst>
+                                </p:cTn>
+                              </p:par>
+                            </p:childTnLst>
+                          </p:cTn>
+                        </p:par>
+                      </p:childTnLst>
+                    </p:cTn>
+                  </p:par>
+                </p:childTnLst>
+              </p:cTn>
+              <p:prevCondLst>
+                <p:cond evt="onPrev" delay="0">
+                  <p:tgtEl>
+                    <p:sldTgt/>
+                  </p:tgtEl>
+                </p:cond>
+              </p:prevCondLst>
+              <p:nextCondLst>
+                <p:cond evt="onNext" delay="0">
+                  <p:tgtEl>
+                    <p:sldTgt/>
+                  </p:tgtEl>
+                </p:cond>
+              </p:nextCondLst>
+            </p:seq>
+          </p:childTnLst>
+        </p:cTn>
       </p:par>
     </p:tnLst>
   </p:timing>
@@ -37541,17 +38863,6 @@
               </a:rPr>
               <a:t>Assembler-Programm</a:t>
             </a:r>
-            <a:endParaRPr kumimoji="0" lang="de-DE" sz="1800" b="0" i="0" u="none" strike="noStrike" cap="none" normalizeH="0" baseline="0" dirty="0" smtClean="0">
-              <a:ln>
-                <a:noFill/>
-              </a:ln>
-              <a:solidFill>
-                <a:schemeClr val="bg1"/>
-              </a:solidFill>
-              <a:effectLst/>
-              <a:latin typeface="Arial" charset="0"/>
-              <a:ea typeface="ＭＳ Ｐゴシック" pitchFamily="1" charset="-128"/>
-            </a:endParaRPr>
           </a:p>
         </p:txBody>
       </p:sp>
@@ -37621,17 +38932,6 @@
               </a:rPr>
               <a:t>Scheduler</a:t>
             </a:r>
-            <a:endParaRPr kumimoji="0" lang="de-DE" sz="1800" b="0" i="0" u="none" strike="noStrike" cap="none" normalizeH="0" baseline="0" dirty="0" smtClean="0">
-              <a:ln>
-                <a:noFill/>
-              </a:ln>
-              <a:solidFill>
-                <a:schemeClr val="bg1"/>
-              </a:solidFill>
-              <a:effectLst/>
-              <a:latin typeface="Arial" charset="0"/>
-              <a:ea typeface="ＭＳ Ｐゴシック" pitchFamily="1" charset="-128"/>
-            </a:endParaRPr>
           </a:p>
         </p:txBody>
       </p:sp>
@@ -37701,17 +39001,6 @@
               </a:rPr>
               <a:t>Register-Allokation</a:t>
             </a:r>
-            <a:endParaRPr kumimoji="0" lang="de-DE" sz="1800" b="0" i="0" u="none" strike="noStrike" cap="none" normalizeH="0" baseline="0" dirty="0" smtClean="0">
-              <a:ln>
-                <a:noFill/>
-              </a:ln>
-              <a:solidFill>
-                <a:schemeClr val="bg1"/>
-              </a:solidFill>
-              <a:effectLst/>
-              <a:latin typeface="Arial" charset="0"/>
-              <a:ea typeface="ＭＳ Ｐゴシック" pitchFamily="1" charset="-128"/>
-            </a:endParaRPr>
           </a:p>
         </p:txBody>
       </p:sp>
@@ -37786,17 +39075,6 @@
               </a:rPr>
               <a:t>Binary-Datei</a:t>
             </a:r>
-            <a:endParaRPr kumimoji="0" lang="de-DE" sz="1800" b="0" i="0" u="none" strike="noStrike" cap="none" normalizeH="0" baseline="0" dirty="0" smtClean="0">
-              <a:ln>
-                <a:noFill/>
-              </a:ln>
-              <a:solidFill>
-                <a:schemeClr val="bg1"/>
-              </a:solidFill>
-              <a:effectLst/>
-              <a:latin typeface="Arial" charset="0"/>
-              <a:ea typeface="ＭＳ Ｐゴシック" pitchFamily="1" charset="-128"/>
-            </a:endParaRPr>
           </a:p>
         </p:txBody>
       </p:sp>
@@ -38031,17 +39309,6 @@
               </a:rPr>
               <a:t>Assembler-Programm</a:t>
             </a:r>
-            <a:endParaRPr kumimoji="0" lang="de-DE" sz="1800" b="0" i="0" u="none" strike="noStrike" cap="none" normalizeH="0" baseline="0" dirty="0" smtClean="0">
-              <a:ln>
-                <a:noFill/>
-              </a:ln>
-              <a:solidFill>
-                <a:schemeClr val="bg1"/>
-              </a:solidFill>
-              <a:effectLst/>
-              <a:latin typeface="Arial" charset="0"/>
-              <a:ea typeface="ＭＳ Ｐゴシック" pitchFamily="1" charset="-128"/>
-            </a:endParaRPr>
           </a:p>
         </p:txBody>
       </p:sp>
@@ -38111,17 +39378,6 @@
               </a:rPr>
               <a:t>Scheduler</a:t>
             </a:r>
-            <a:endParaRPr kumimoji="0" lang="de-DE" sz="1800" b="0" i="0" u="none" strike="noStrike" cap="none" normalizeH="0" baseline="0" dirty="0" smtClean="0">
-              <a:ln>
-                <a:noFill/>
-              </a:ln>
-              <a:solidFill>
-                <a:schemeClr val="bg1"/>
-              </a:solidFill>
-              <a:effectLst/>
-              <a:latin typeface="Arial" charset="0"/>
-              <a:ea typeface="ＭＳ Ｐゴシック" pitchFamily="1" charset="-128"/>
-            </a:endParaRPr>
           </a:p>
         </p:txBody>
       </p:sp>
@@ -38191,17 +39447,6 @@
               </a:rPr>
               <a:t>Register-Allokation</a:t>
             </a:r>
-            <a:endParaRPr kumimoji="0" lang="de-DE" sz="1800" b="0" i="0" u="none" strike="noStrike" cap="none" normalizeH="0" baseline="0" dirty="0" smtClean="0">
-              <a:ln>
-                <a:noFill/>
-              </a:ln>
-              <a:solidFill>
-                <a:schemeClr val="bg1"/>
-              </a:solidFill>
-              <a:effectLst/>
-              <a:latin typeface="Arial" charset="0"/>
-              <a:ea typeface="ＭＳ Ｐゴシック" pitchFamily="1" charset="-128"/>
-            </a:endParaRPr>
           </a:p>
         </p:txBody>
       </p:sp>
@@ -38276,17 +39521,6 @@
               </a:rPr>
               <a:t>Binary-Datei</a:t>
             </a:r>
-            <a:endParaRPr kumimoji="0" lang="de-DE" sz="1800" b="0" i="0" u="none" strike="noStrike" cap="none" normalizeH="0" baseline="0" dirty="0" smtClean="0">
-              <a:ln>
-                <a:noFill/>
-              </a:ln>
-              <a:solidFill>
-                <a:schemeClr val="bg1"/>
-              </a:solidFill>
-              <a:effectLst/>
-              <a:latin typeface="Arial" charset="0"/>
-              <a:ea typeface="ＭＳ Ｐゴシック" pitchFamily="1" charset="-128"/>
-            </a:endParaRPr>
           </a:p>
         </p:txBody>
       </p:sp>
@@ -38397,7 +39631,7 @@
             <p:spPr>
               <a:xfrm>
                 <a:off x="868483" y="3678165"/>
-                <a:ext cx="2907014" cy="415563"/>
+                <a:ext cx="2208169" cy="361189"/>
               </a:xfrm>
               <a:prstGeom prst="rect">
                 <a:avLst/>
@@ -38410,6 +39644,7 @@
               </a:bodyPr>
               <a:lstStyle/>
               <a:p>
+                <a:pPr/>
                 <a14:m>
                   <m:oMathPara xmlns:m="http://schemas.openxmlformats.org/officeDocument/2006/math">
                     <m:oMathParaPr>
@@ -38419,51 +39654,79 @@
                       <m:sSub>
                         <m:sSubPr>
                           <m:ctrlPr>
-                            <a:rPr lang="de-DE" i="1" smtClean="0">
-                              <a:latin typeface="Cambria Math" panose="02040503050406030204" pitchFamily="18" charset="0"/>
+                            <a:rPr lang="de-DE" sz="2000" smtClean="0">
+                              <a:latin typeface="+mn-lt"/>
                             </a:rPr>
                           </m:ctrlPr>
                         </m:sSubPr>
                         <m:e>
                           <m:r>
-                            <a:rPr lang="de-DE" b="0" i="1" smtClean="0">
-                              <a:latin typeface="Cambria Math" panose="02040503050406030204" pitchFamily="18" charset="0"/>
+                            <m:rPr>
+                              <m:sty m:val="p"/>
+                            </m:rPr>
+                            <a:rPr lang="de-DE" sz="2000" b="0" i="0" smtClean="0">
+                              <a:latin typeface="+mn-lt"/>
                             </a:rPr>
-                            <m:t>𝑃</m:t>
+                            <m:t>P</m:t>
                           </m:r>
                         </m:e>
                         <m:sub>
                           <m:r>
-                            <a:rPr lang="de-DE" b="0" i="1" smtClean="0">
-                              <a:latin typeface="Cambria Math" panose="02040503050406030204" pitchFamily="18" charset="0"/>
+                            <m:rPr>
+                              <m:sty m:val="p"/>
+                            </m:rPr>
+                            <a:rPr lang="de-DE" sz="2000" b="0" i="0" smtClean="0">
+                              <a:latin typeface="+mn-lt"/>
                             </a:rPr>
-                            <m:t>𝑑𝑦𝑛</m:t>
+                            <m:t>dyn</m:t>
                           </m:r>
                         </m:sub>
                       </m:sSub>
                       <m:r>
-                        <a:rPr lang="de-DE" b="0" i="1" smtClean="0">
-                          <a:latin typeface="Cambria Math" panose="02040503050406030204" pitchFamily="18" charset="0"/>
+                        <a:rPr lang="de-DE" sz="2000" b="0" i="0" smtClean="0">
+                          <a:latin typeface="+mn-lt"/>
                         </a:rPr>
-                        <m:t>= </m:t>
+                        <m:t>=</m:t>
                       </m:r>
                       <m:r>
-                        <a:rPr lang="de-DE" b="0" i="1" smtClean="0">
-                          <a:latin typeface="Cambria Math" panose="02040503050406030204" pitchFamily="18" charset="0"/>
+                        <a:rPr lang="de-DE" sz="2000" b="0" i="0" smtClean="0">
+                          <a:solidFill>
+                            <a:srgbClr val="FF0000"/>
+                          </a:solidFill>
+                          <a:latin typeface="+mn-lt"/>
+                        </a:rPr>
+                        <m:t> </m:t>
+                      </m:r>
+                      <m:r>
+                        <a:rPr lang="de-DE" sz="2000" b="0" i="0" smtClean="0">
+                          <a:solidFill>
+                            <a:srgbClr val="FF0000"/>
+                          </a:solidFill>
+                          <a:latin typeface="+mn-lt"/>
                           <a:ea typeface="Cambria Math" panose="02040503050406030204" pitchFamily="18" charset="0"/>
                         </a:rPr>
-                        <m:t>∝ ∙</m:t>
+                        <m:t>∝ </m:t>
                       </m:r>
                       <m:r>
-                        <a:rPr lang="de-DE" b="0" i="1" smtClean="0">
-                          <a:latin typeface="Cambria Math" panose="02040503050406030204" pitchFamily="18" charset="0"/>
+                        <a:rPr lang="de-DE" sz="2000" b="0" i="0" smtClean="0">
+                          <a:latin typeface="+mn-lt"/>
                           <a:ea typeface="Cambria Math" panose="02040503050406030204" pitchFamily="18" charset="0"/>
                         </a:rPr>
-                        <m:t>𝑓</m:t>
+                        <m:t>∙</m:t>
                       </m:r>
                       <m:r>
-                        <a:rPr lang="de-DE" b="0" i="1" smtClean="0">
-                          <a:latin typeface="Cambria Math" panose="02040503050406030204" pitchFamily="18" charset="0"/>
+                        <m:rPr>
+                          <m:sty m:val="p"/>
+                        </m:rPr>
+                        <a:rPr lang="de-DE" sz="2000" b="0" i="0" smtClean="0">
+                          <a:latin typeface="+mn-lt"/>
+                          <a:ea typeface="Cambria Math" panose="02040503050406030204" pitchFamily="18" charset="0"/>
+                        </a:rPr>
+                        <m:t>f</m:t>
+                      </m:r>
+                      <m:r>
+                        <a:rPr lang="de-DE" sz="2000" b="0" i="0" smtClean="0">
+                          <a:latin typeface="+mn-lt"/>
                           <a:ea typeface="Cambria Math" panose="02040503050406030204" pitchFamily="18" charset="0"/>
                         </a:rPr>
                         <m:t>∙</m:t>
@@ -38471,34 +39734,40 @@
                       <m:sSub>
                         <m:sSubPr>
                           <m:ctrlPr>
-                            <a:rPr lang="de-DE" b="0" i="1" smtClean="0">
-                              <a:latin typeface="Cambria Math" panose="02040503050406030204" pitchFamily="18" charset="0"/>
+                            <a:rPr lang="de-DE" sz="2000" b="0" smtClean="0">
+                              <a:latin typeface="+mn-lt"/>
                               <a:ea typeface="Cambria Math" panose="02040503050406030204" pitchFamily="18" charset="0"/>
                             </a:rPr>
                           </m:ctrlPr>
                         </m:sSubPr>
                         <m:e>
                           <m:r>
-                            <a:rPr lang="de-DE" b="0" i="1" smtClean="0">
-                              <a:latin typeface="Cambria Math" panose="02040503050406030204" pitchFamily="18" charset="0"/>
+                            <m:rPr>
+                              <m:sty m:val="p"/>
+                            </m:rPr>
+                            <a:rPr lang="de-DE" sz="2000" b="0" i="0" smtClean="0">
+                              <a:latin typeface="+mn-lt"/>
                               <a:ea typeface="Cambria Math" panose="02040503050406030204" pitchFamily="18" charset="0"/>
                             </a:rPr>
-                            <m:t>𝐶</m:t>
+                            <m:t>C</m:t>
                           </m:r>
                         </m:e>
                         <m:sub>
                           <m:r>
-                            <a:rPr lang="de-DE" b="0" i="1" smtClean="0">
-                              <a:latin typeface="Cambria Math" panose="02040503050406030204" pitchFamily="18" charset="0"/>
+                            <m:rPr>
+                              <m:sty m:val="p"/>
+                            </m:rPr>
+                            <a:rPr lang="de-DE" sz="2000" b="0" i="0" smtClean="0">
+                              <a:latin typeface="+mn-lt"/>
                               <a:ea typeface="Cambria Math" panose="02040503050406030204" pitchFamily="18" charset="0"/>
                             </a:rPr>
-                            <m:t>𝐿</m:t>
+                            <m:t>L</m:t>
                           </m:r>
                         </m:sub>
                       </m:sSub>
                       <m:r>
-                        <a:rPr lang="de-DE" b="0" i="1" smtClean="0">
-                          <a:latin typeface="Cambria Math" panose="02040503050406030204" pitchFamily="18" charset="0"/>
+                        <a:rPr lang="de-DE" sz="2000" b="0" i="0" smtClean="0">
+                          <a:latin typeface="+mn-lt"/>
                           <a:ea typeface="Cambria Math" panose="02040503050406030204" pitchFamily="18" charset="0"/>
                         </a:rPr>
                         <m:t>∙</m:t>
@@ -38506,34 +39775,40 @@
                       <m:sSubSup>
                         <m:sSubSupPr>
                           <m:ctrlPr>
-                            <a:rPr lang="de-DE" b="0" i="1" smtClean="0">
-                              <a:latin typeface="Cambria Math" panose="02040503050406030204" pitchFamily="18" charset="0"/>
+                            <a:rPr lang="de-DE" sz="2000" b="0" smtClean="0">
+                              <a:latin typeface="+mn-lt"/>
                               <a:ea typeface="Cambria Math" panose="02040503050406030204" pitchFamily="18" charset="0"/>
                             </a:rPr>
                           </m:ctrlPr>
                         </m:sSubSupPr>
                         <m:e>
                           <m:r>
-                            <a:rPr lang="de-DE" b="0" i="1" smtClean="0">
-                              <a:latin typeface="Cambria Math" panose="02040503050406030204" pitchFamily="18" charset="0"/>
+                            <m:rPr>
+                              <m:sty m:val="p"/>
+                            </m:rPr>
+                            <a:rPr lang="de-DE" sz="2000" b="0" i="0" smtClean="0">
+                              <a:latin typeface="+mn-lt"/>
                               <a:ea typeface="Cambria Math" panose="02040503050406030204" pitchFamily="18" charset="0"/>
                             </a:rPr>
-                            <m:t>𝑉</m:t>
+                            <m:t>V</m:t>
                           </m:r>
                         </m:e>
                         <m:sub>
                           <m:r>
-                            <a:rPr lang="de-DE" b="0" i="1" smtClean="0">
-                              <a:latin typeface="Cambria Math" panose="02040503050406030204" pitchFamily="18" charset="0"/>
+                            <m:rPr>
+                              <m:sty m:val="p"/>
+                            </m:rPr>
+                            <a:rPr lang="de-DE" sz="2000" b="0" i="0" smtClean="0">
+                              <a:latin typeface="+mn-lt"/>
                               <a:ea typeface="Cambria Math" panose="02040503050406030204" pitchFamily="18" charset="0"/>
                             </a:rPr>
-                            <m:t>𝑑𝑑</m:t>
+                            <m:t>dd</m:t>
                           </m:r>
                         </m:sub>
                         <m:sup>
                           <m:r>
-                            <a:rPr lang="de-DE" b="0" i="1" smtClean="0">
-                              <a:latin typeface="Cambria Math" panose="02040503050406030204" pitchFamily="18" charset="0"/>
+                            <a:rPr lang="de-DE" sz="2000" b="0" i="0" smtClean="0">
+                              <a:latin typeface="+mn-lt"/>
                               <a:ea typeface="Cambria Math" panose="02040503050406030204" pitchFamily="18" charset="0"/>
                             </a:rPr>
                             <m:t>2</m:t>
@@ -38543,7 +39818,9 @@
                     </m:oMath>
                   </m:oMathPara>
                 </a14:m>
-                <a:endParaRPr lang="de-DE" dirty="0"/>
+                <a:endParaRPr lang="de-DE" sz="2000" dirty="0">
+                  <a:latin typeface="+mn-lt"/>
+                </a:endParaRPr>
               </a:p>
             </p:txBody>
           </p:sp>
@@ -38560,7 +39837,7 @@
             <p:spPr>
               <a:xfrm>
                 <a:off x="868483" y="3678165"/>
-                <a:ext cx="2907014" cy="415563"/>
+                <a:ext cx="2208169" cy="361189"/>
               </a:xfrm>
               <a:prstGeom prst="rect">
                 <a:avLst/>
@@ -38568,7 +39845,7 @@
               <a:blipFill>
                 <a:blip r:embed="rId3"/>
                 <a:stretch>
-                  <a:fillRect/>
+                  <a:fillRect l="-1928" r="-551" b="-25000"/>
                 </a:stretch>
               </a:blipFill>
             </p:spPr>
@@ -39673,8 +40950,8 @@
           </a:p>
         </p:txBody>
       </p:sp>
-      <mc:AlternateContent xmlns:mc="http://schemas.openxmlformats.org/markup-compatibility/2006">
-        <mc:Choice xmlns:a14="http://schemas.microsoft.com/office/drawing/2010/main" Requires="a14">
+      <mc:AlternateContent xmlns:mc="http://schemas.openxmlformats.org/markup-compatibility/2006" xmlns:a14="http://schemas.microsoft.com/office/drawing/2010/main">
+        <mc:Choice Requires="a14">
           <p:sp>
             <p:nvSpPr>
               <p:cNvPr id="22" name="Textfeld 21">
@@ -39927,7 +41204,7 @@
             </p:txBody>
           </p:sp>
         </mc:Choice>
-        <mc:Fallback>
+        <mc:Fallback xmlns="">
           <p:sp>
             <p:nvSpPr>
               <p:cNvPr id="22" name="Textfeld 21">
@@ -40804,8 +42081,8 @@
         </p:nvSpPr>
         <p:spPr bwMode="auto">
           <a:xfrm>
-            <a:off x="1198027" y="1365291"/>
-            <a:ext cx="686953" cy="810012"/>
+            <a:off x="1179555" y="1365291"/>
+            <a:ext cx="686953" cy="731364"/>
           </a:xfrm>
           <a:prstGeom prst="rect">
             <a:avLst/>
@@ -41088,7 +42365,7 @@
         <p:spPr>
           <a:xfrm>
             <a:off x="503237" y="1637354"/>
-            <a:ext cx="5206428" cy="3564053"/>
+            <a:ext cx="5206428" cy="3637919"/>
           </a:xfrm>
           <a:prstGeom prst="rect">
             <a:avLst/>
@@ -41155,11 +42432,6 @@
               </a:rPr>
               <a:t>V1R3</a:t>
             </a:r>
-          </a:p>
-          <a:p>
-            <a:pPr marL="0" indent="0">
-              <a:buNone/>
-            </a:pPr>
             <a:endParaRPr lang="de-DE" dirty="0">
               <a:latin typeface="+mn-lt"/>
             </a:endParaRPr>
@@ -41179,13 +42451,49 @@
               <a:rPr lang="de-DE" dirty="0">
                 <a:latin typeface="+mn-lt"/>
               </a:rPr>
-              <a:t>Register-Files werden </a:t>
+              <a:t>Erweiterung der </a:t>
             </a:r>
             <a:r>
               <a:rPr lang="de-DE" dirty="0" err="1">
                 <a:latin typeface="+mn-lt"/>
               </a:rPr>
-              <a:t>gebalanced</a:t>
+              <a:t>default</a:t>
+            </a:r>
+            <a:r>
+              <a:rPr lang="de-DE" dirty="0">
+                <a:latin typeface="+mn-lt"/>
+              </a:rPr>
+              <a:t> </a:t>
+            </a:r>
+            <a:r>
+              <a:rPr lang="de-DE" dirty="0" smtClean="0">
+                <a:latin typeface="+mn-lt"/>
+              </a:rPr>
+              <a:t>Heuristik</a:t>
+            </a:r>
+          </a:p>
+          <a:p>
+            <a:pPr marL="342900" indent="-342900" eaLnBrk="1" hangingPunct="1">
+              <a:spcBef>
+                <a:spcPct val="20000"/>
+              </a:spcBef>
+              <a:buClr>
+                <a:schemeClr val="bg2"/>
+              </a:buClr>
+              <a:buFont typeface="Wingdings" pitchFamily="2" charset="2"/>
+              <a:buChar char="§"/>
+            </a:pPr>
+            <a:r>
+              <a:rPr lang="de-DE" dirty="0" err="1" smtClean="0">
+                <a:latin typeface="+mn-lt"/>
+              </a:rPr>
+              <a:t>Balancing</a:t>
+            </a:r>
+            <a:r>
+              <a:rPr lang="de-DE" dirty="0" smtClean="0">
+                <a:latin typeface="+mn-lt"/>
+              </a:rPr>
+              <a:t> noch vorhanden </a:t>
             </a:r>
             <a:endParaRPr lang="de-DE" dirty="0">
               <a:latin typeface="+mn-lt"/>
@@ -41203,10 +42511,16 @@
               <a:buChar char="§"/>
             </a:pPr>
             <a:r>
+              <a:rPr lang="de-DE" dirty="0" smtClean="0">
+                <a:latin typeface="+mn-lt"/>
+              </a:rPr>
+              <a:t>Vorherige </a:t>
+            </a:r>
+            <a:r>
               <a:rPr lang="de-DE" dirty="0">
                 <a:latin typeface="+mn-lt"/>
               </a:rPr>
-              <a:t>Vorherige Adresse wird berücksichtigt, um die Schaltaktivität an den Ports zu minimieren </a:t>
+              <a:t>Adresse wird berücksichtigt, um die Schaltaktivität an den Ports zu minimieren </a:t>
             </a:r>
           </a:p>
           <a:p>
@@ -41233,8 +42547,8 @@
         </p:nvSpPr>
         <p:spPr>
           <a:xfrm>
-            <a:off x="506395" y="1637353"/>
-            <a:ext cx="5241075" cy="3564053"/>
+            <a:off x="510090" y="1637353"/>
+            <a:ext cx="5241075" cy="3637919"/>
           </a:xfrm>
           <a:prstGeom prst="rect">
             <a:avLst/>
@@ -41301,11 +42615,6 @@
               </a:rPr>
               <a:t>V1R3</a:t>
             </a:r>
-          </a:p>
-          <a:p>
-            <a:pPr marL="0" indent="0">
-              <a:buNone/>
-            </a:pPr>
             <a:endParaRPr lang="de-DE" dirty="0">
               <a:latin typeface="+mn-lt"/>
             </a:endParaRPr>
@@ -41325,13 +42634,43 @@
               <a:rPr lang="de-DE" dirty="0" smtClean="0">
                 <a:latin typeface="+mn-lt"/>
               </a:rPr>
-              <a:t>Register-Files werden </a:t>
+              <a:t>Erweiterung der </a:t>
             </a:r>
             <a:r>
               <a:rPr lang="de-DE" dirty="0" err="1" smtClean="0">
                 <a:latin typeface="+mn-lt"/>
               </a:rPr>
-              <a:t>gebalanced</a:t>
+              <a:t>default</a:t>
+            </a:r>
+            <a:r>
+              <a:rPr lang="de-DE" dirty="0" smtClean="0">
+                <a:latin typeface="+mn-lt"/>
+              </a:rPr>
+              <a:t> Heuristik</a:t>
+            </a:r>
+          </a:p>
+          <a:p>
+            <a:pPr marL="342900" indent="-342900" eaLnBrk="1" hangingPunct="1">
+              <a:spcBef>
+                <a:spcPct val="20000"/>
+              </a:spcBef>
+              <a:buClr>
+                <a:schemeClr val="bg2"/>
+              </a:buClr>
+              <a:buFont typeface="Wingdings" pitchFamily="2" charset="2"/>
+              <a:buChar char="§"/>
+            </a:pPr>
+            <a:r>
+              <a:rPr lang="de-DE" dirty="0" err="1">
+                <a:latin typeface="+mn-lt"/>
+              </a:rPr>
+              <a:t>Balancing</a:t>
+            </a:r>
+            <a:r>
+              <a:rPr lang="de-DE" dirty="0">
+                <a:latin typeface="+mn-lt"/>
+              </a:rPr>
+              <a:t> noch vorhanden </a:t>
             </a:r>
             <a:endParaRPr lang="de-DE" dirty="0" smtClean="0">
               <a:latin typeface="+mn-lt"/>
@@ -41365,8 +42704,8 @@
           </a:p>
         </p:txBody>
       </p:sp>
-      <mc:AlternateContent xmlns:mc="http://schemas.openxmlformats.org/markup-compatibility/2006">
-        <mc:Choice xmlns:a14="http://schemas.microsoft.com/office/drawing/2010/main" Requires="a14">
+      <mc:AlternateContent xmlns:mc="http://schemas.openxmlformats.org/markup-compatibility/2006" xmlns:a14="http://schemas.microsoft.com/office/drawing/2010/main">
+        <mc:Choice Requires="a14">
           <p:sp>
             <p:nvSpPr>
               <p:cNvPr id="13" name="Textfeld 12">
@@ -41545,14 +42884,7 @@
                     <a:latin typeface="+mn-lt"/>
                     <a:sym typeface="Wingdings" panose="05000000000000000000" pitchFamily="2" charset="2"/>
                   </a:rPr>
-                  <a:t>	</a:t>
-                </a:r>
-                <a:r>
-                  <a:rPr lang="de-DE" dirty="0">
-                    <a:latin typeface="+mn-lt"/>
-                    <a:sym typeface="Wingdings" panose="05000000000000000000" pitchFamily="2" charset="2"/>
-                  </a:rPr>
-                  <a:t>0</a:t>
+                  <a:t>	0</a:t>
                 </a:r>
                 <a14:m>
                   <m:oMath xmlns:m="http://schemas.openxmlformats.org/officeDocument/2006/math">
@@ -41626,7 +42958,7 @@
             </p:txBody>
           </p:sp>
         </mc:Choice>
-        <mc:Fallback>
+        <mc:Fallback xmlns="">
           <p:sp>
             <p:nvSpPr>
               <p:cNvPr id="13" name="Textfeld 12">
@@ -42362,8 +43694,8 @@
         </p:nvSpPr>
         <p:spPr bwMode="auto">
           <a:xfrm>
-            <a:off x="1179554" y="1646404"/>
-            <a:ext cx="686953" cy="810012"/>
+            <a:off x="1179554" y="1674112"/>
+            <a:ext cx="686953" cy="690396"/>
           </a:xfrm>
           <a:prstGeom prst="rect">
             <a:avLst/>
@@ -43920,7 +45252,7 @@
                 <a14:useLocalDpi xmlns:a14="http://schemas.microsoft.com/office/drawing/2010/main" val="0"/>
               </a:ext>
               <a:ext uri="{96DAC541-7B7A-43D3-8B79-37D633B846F1}">
-                <asvg:svgBlip xmlns:asvg="http://schemas.microsoft.com/office/drawing/2016/SVG/main" xmlns="" r:embed="rId4"/>
+                <asvg:svgBlip xmlns="" xmlns:asvg="http://schemas.microsoft.com/office/drawing/2016/SVG/main" r:embed="rId4"/>
               </a:ext>
             </a:extLst>
           </a:blip>
@@ -44512,6 +45844,74 @@
           </a:p>
         </p:txBody>
       </p:sp>
+      <p:sp>
+        <p:nvSpPr>
+          <p:cNvPr id="36" name="Textfeld 35">
+            <a:extLst>
+              <a:ext uri="{FF2B5EF4-FFF2-40B4-BE49-F238E27FC236}">
+                <a16:creationId xmlns:a16="http://schemas.microsoft.com/office/drawing/2014/main" id="{1EB8E0D1-9257-4CC5-8ACC-A6575057DF4E}"/>
+              </a:ext>
+            </a:extLst>
+          </p:cNvPr>
+          <p:cNvSpPr txBox="1"/>
+          <p:nvPr/>
+        </p:nvSpPr>
+        <p:spPr>
+          <a:xfrm>
+            <a:off x="55165" y="3750110"/>
+            <a:ext cx="1376866" cy="338554"/>
+          </a:xfrm>
+          <a:prstGeom prst="rect">
+            <a:avLst/>
+          </a:prstGeom>
+          <a:noFill/>
+        </p:spPr>
+        <p:txBody>
+          <a:bodyPr wrap="square" rtlCol="0">
+            <a:spAutoFit/>
+          </a:bodyPr>
+          <a:lstStyle/>
+          <a:p>
+            <a:r>
+              <a:rPr lang="de-DE" sz="1600" dirty="0" smtClean="0"/>
+              <a:t>Chromosom</a:t>
+            </a:r>
+            <a:endParaRPr lang="de-DE" sz="1600" dirty="0"/>
+          </a:p>
+        </p:txBody>
+      </p:sp>
+      <p:cxnSp>
+        <p:nvCxnSpPr>
+          <p:cNvPr id="4" name="Gerader Verbinder 3"/>
+          <p:cNvCxnSpPr>
+            <a:stCxn id="36" idx="2"/>
+            <a:endCxn id="9" idx="1"/>
+          </p:cNvCxnSpPr>
+          <p:nvPr/>
+        </p:nvCxnSpPr>
+        <p:spPr bwMode="auto">
+          <a:xfrm>
+            <a:off x="743598" y="4088664"/>
+            <a:ext cx="356437" cy="185772"/>
+          </a:xfrm>
+          <a:prstGeom prst="line">
+            <a:avLst/>
+          </a:prstGeom>
+          <a:solidFill>
+            <a:schemeClr val="accent1"/>
+          </a:solidFill>
+          <a:ln w="9525" cap="flat" cmpd="sng" algn="ctr">
+            <a:solidFill>
+              <a:schemeClr val="tx1"/>
+            </a:solidFill>
+            <a:prstDash val="solid"/>
+            <a:round/>
+            <a:headEnd type="none" w="med" len="med"/>
+            <a:tailEnd type="none" w="med" len="med"/>
+          </a:ln>
+          <a:effectLst/>
+        </p:spPr>
+      </p:cxnSp>
     </p:spTree>
     <p:extLst>
       <p:ext uri="{BB962C8B-B14F-4D97-AF65-F5344CB8AC3E}">
@@ -44785,6 +46185,60 @@
                                   </p:childTnLst>
                                 </p:cTn>
                               </p:par>
+                              <p:par>
+                                <p:cTn id="23" presetID="1" presetClass="entr" presetSubtype="0" fill="hold" nodeType="withEffect">
+                                  <p:stCondLst>
+                                    <p:cond delay="0"/>
+                                  </p:stCondLst>
+                                  <p:childTnLst>
+                                    <p:set>
+                                      <p:cBhvr>
+                                        <p:cTn id="24" dur="1" fill="hold">
+                                          <p:stCondLst>
+                                            <p:cond delay="0"/>
+                                          </p:stCondLst>
+                                        </p:cTn>
+                                        <p:tgtEl>
+                                          <p:spTgt spid="4"/>
+                                        </p:tgtEl>
+                                        <p:attrNameLst>
+                                          <p:attrName>style.visibility</p:attrName>
+                                        </p:attrNameLst>
+                                      </p:cBhvr>
+                                      <p:to>
+                                        <p:strVal val="visible"/>
+                                      </p:to>
+                                    </p:set>
+                                  </p:childTnLst>
+                                </p:cTn>
+                              </p:par>
+                              <p:par>
+                                <p:cTn id="25" presetID="1" presetClass="entr" presetSubtype="0" fill="hold" grpId="0" nodeType="withEffect">
+                                  <p:stCondLst>
+                                    <p:cond delay="0"/>
+                                  </p:stCondLst>
+                                  <p:childTnLst>
+                                    <p:set>
+                                      <p:cBhvr>
+                                        <p:cTn id="26" dur="1" fill="hold">
+                                          <p:stCondLst>
+                                            <p:cond delay="0"/>
+                                          </p:stCondLst>
+                                        </p:cTn>
+                                        <p:tgtEl>
+                                          <p:spTgt spid="36"/>
+                                        </p:tgtEl>
+                                        <p:attrNameLst>
+                                          <p:attrName>style.visibility</p:attrName>
+                                        </p:attrNameLst>
+                                      </p:cBhvr>
+                                      <p:to>
+                                        <p:strVal val="visible"/>
+                                      </p:to>
+                                    </p:set>
+                                  </p:childTnLst>
+                                </p:cTn>
+                              </p:par>
                             </p:childTnLst>
                           </p:cTn>
                         </p:par>
@@ -44792,26 +46246,26 @@
                     </p:cTn>
                   </p:par>
                   <p:par>
-                    <p:cTn id="23" fill="hold">
+                    <p:cTn id="27" fill="hold">
                       <p:stCondLst>
                         <p:cond delay="indefinite"/>
                       </p:stCondLst>
                       <p:childTnLst>
                         <p:par>
-                          <p:cTn id="24" fill="hold">
+                          <p:cTn id="28" fill="hold">
                             <p:stCondLst>
                               <p:cond delay="0"/>
                             </p:stCondLst>
                             <p:childTnLst>
                               <p:par>
-                                <p:cTn id="25" presetID="1" presetClass="entr" presetSubtype="0" fill="hold" nodeType="clickEffect">
+                                <p:cTn id="29" presetID="1" presetClass="entr" presetSubtype="0" fill="hold" nodeType="clickEffect">
                                   <p:stCondLst>
                                     <p:cond delay="0"/>
                                   </p:stCondLst>
                                   <p:childTnLst>
                                     <p:set>
                                       <p:cBhvr>
-                                        <p:cTn id="26" dur="1" fill="hold">
+                                        <p:cTn id="30" dur="1" fill="hold">
                                           <p:stCondLst>
                                             <p:cond delay="0"/>
                                           </p:stCondLst>
@@ -44831,61 +46285,7 @@
                                 </p:cTn>
                               </p:par>
                               <p:par>
-                                <p:cTn id="27" presetID="1" presetClass="entr" presetSubtype="0" fill="hold" nodeType="withEffect">
-                                  <p:stCondLst>
-                                    <p:cond delay="0"/>
-                                  </p:stCondLst>
-                                  <p:childTnLst>
-                                    <p:set>
-                                      <p:cBhvr>
-                                        <p:cTn id="28" dur="1" fill="hold">
-                                          <p:stCondLst>
-                                            <p:cond delay="0"/>
-                                          </p:stCondLst>
-                                        </p:cTn>
-                                        <p:tgtEl>
-                                          <p:spTgt spid="31"/>
-                                        </p:tgtEl>
-                                        <p:attrNameLst>
-                                          <p:attrName>style.visibility</p:attrName>
-                                        </p:attrNameLst>
-                                      </p:cBhvr>
-                                      <p:to>
-                                        <p:strVal val="visible"/>
-                                      </p:to>
-                                    </p:set>
-                                  </p:childTnLst>
-                                </p:cTn>
-                              </p:par>
-                              <p:par>
-                                <p:cTn id="29" presetID="1" presetClass="entr" presetSubtype="0" fill="hold" grpId="0" nodeType="withEffect">
-                                  <p:stCondLst>
-                                    <p:cond delay="0"/>
-                                  </p:stCondLst>
-                                  <p:childTnLst>
-                                    <p:set>
-                                      <p:cBhvr>
-                                        <p:cTn id="30" dur="1" fill="hold">
-                                          <p:stCondLst>
-                                            <p:cond delay="0"/>
-                                          </p:stCondLst>
-                                        </p:cTn>
-                                        <p:tgtEl>
-                                          <p:spTgt spid="23"/>
-                                        </p:tgtEl>
-                                        <p:attrNameLst>
-                                          <p:attrName>style.visibility</p:attrName>
-                                        </p:attrNameLst>
-                                      </p:cBhvr>
-                                      <p:to>
-                                        <p:strVal val="visible"/>
-                                      </p:to>
-                                    </p:set>
-                                  </p:childTnLst>
-                                </p:cTn>
-                              </p:par>
-                              <p:par>
-                                <p:cTn id="31" presetID="1" presetClass="entr" presetSubtype="0" fill="hold" grpId="0" nodeType="withEffect">
+                                <p:cTn id="31" presetID="1" presetClass="entr" presetSubtype="0" fill="hold" nodeType="withEffect">
                                   <p:stCondLst>
                                     <p:cond delay="0"/>
                                   </p:stCondLst>
@@ -44898,7 +46298,7 @@
                                           </p:stCondLst>
                                         </p:cTn>
                                         <p:tgtEl>
-                                          <p:spTgt spid="22"/>
+                                          <p:spTgt spid="31"/>
                                         </p:tgtEl>
                                         <p:attrNameLst>
                                           <p:attrName>style.visibility</p:attrName>
@@ -44925,6 +46325,60 @@
                                           </p:stCondLst>
                                         </p:cTn>
                                         <p:tgtEl>
+                                          <p:spTgt spid="23"/>
+                                        </p:tgtEl>
+                                        <p:attrNameLst>
+                                          <p:attrName>style.visibility</p:attrName>
+                                        </p:attrNameLst>
+                                      </p:cBhvr>
+                                      <p:to>
+                                        <p:strVal val="visible"/>
+                                      </p:to>
+                                    </p:set>
+                                  </p:childTnLst>
+                                </p:cTn>
+                              </p:par>
+                              <p:par>
+                                <p:cTn id="35" presetID="1" presetClass="entr" presetSubtype="0" fill="hold" grpId="0" nodeType="withEffect">
+                                  <p:stCondLst>
+                                    <p:cond delay="0"/>
+                                  </p:stCondLst>
+                                  <p:childTnLst>
+                                    <p:set>
+                                      <p:cBhvr>
+                                        <p:cTn id="36" dur="1" fill="hold">
+                                          <p:stCondLst>
+                                            <p:cond delay="0"/>
+                                          </p:stCondLst>
+                                        </p:cTn>
+                                        <p:tgtEl>
+                                          <p:spTgt spid="22"/>
+                                        </p:tgtEl>
+                                        <p:attrNameLst>
+                                          <p:attrName>style.visibility</p:attrName>
+                                        </p:attrNameLst>
+                                      </p:cBhvr>
+                                      <p:to>
+                                        <p:strVal val="visible"/>
+                                      </p:to>
+                                    </p:set>
+                                  </p:childTnLst>
+                                </p:cTn>
+                              </p:par>
+                              <p:par>
+                                <p:cTn id="37" presetID="1" presetClass="entr" presetSubtype="0" fill="hold" grpId="0" nodeType="withEffect">
+                                  <p:stCondLst>
+                                    <p:cond delay="0"/>
+                                  </p:stCondLst>
+                                  <p:childTnLst>
+                                    <p:set>
+                                      <p:cBhvr>
+                                        <p:cTn id="38" dur="1" fill="hold">
+                                          <p:stCondLst>
+                                            <p:cond delay="0"/>
+                                          </p:stCondLst>
+                                        </p:cTn>
+                                        <p:tgtEl>
                                           <p:spTgt spid="48"/>
                                         </p:tgtEl>
                                         <p:attrNameLst>
@@ -44945,73 +46399,19 @@
                     </p:cTn>
                   </p:par>
                   <p:par>
-                    <p:cTn id="35" fill="hold">
+                    <p:cTn id="39" fill="hold">
                       <p:stCondLst>
                         <p:cond delay="indefinite"/>
                       </p:stCondLst>
                       <p:childTnLst>
                         <p:par>
-                          <p:cTn id="36" fill="hold">
+                          <p:cTn id="40" fill="hold">
                             <p:stCondLst>
                               <p:cond delay="0"/>
                             </p:stCondLst>
                             <p:childTnLst>
                               <p:par>
-                                <p:cTn id="37" presetID="1" presetClass="entr" presetSubtype="0" fill="hold" nodeType="clickEffect">
-                                  <p:stCondLst>
-                                    <p:cond delay="0"/>
-                                  </p:stCondLst>
-                                  <p:childTnLst>
-                                    <p:set>
-                                      <p:cBhvr>
-                                        <p:cTn id="38" dur="1" fill="hold">
-                                          <p:stCondLst>
-                                            <p:cond delay="0"/>
-                                          </p:stCondLst>
-                                        </p:cTn>
-                                        <p:tgtEl>
-                                          <p:spTgt spid="35"/>
-                                        </p:tgtEl>
-                                        <p:attrNameLst>
-                                          <p:attrName>style.visibility</p:attrName>
-                                        </p:attrNameLst>
-                                      </p:cBhvr>
-                                      <p:to>
-                                        <p:strVal val="visible"/>
-                                      </p:to>
-                                    </p:set>
-                                  </p:childTnLst>
-                                </p:cTn>
-                              </p:par>
-                              <p:par>
-                                <p:cTn id="39" presetID="1" presetClass="entr" presetSubtype="0" fill="hold" grpId="0" nodeType="withEffect">
-                                  <p:stCondLst>
-                                    <p:cond delay="0"/>
-                                  </p:stCondLst>
-                                  <p:childTnLst>
-                                    <p:set>
-                                      <p:cBhvr>
-                                        <p:cTn id="40" dur="1" fill="hold">
-                                          <p:stCondLst>
-                                            <p:cond delay="0"/>
-                                          </p:stCondLst>
-                                        </p:cTn>
-                                        <p:tgtEl>
-                                          <p:spTgt spid="24"/>
-                                        </p:tgtEl>
-                                        <p:attrNameLst>
-                                          <p:attrName>style.visibility</p:attrName>
-                                        </p:attrNameLst>
-                                      </p:cBhvr>
-                                      <p:to>
-                                        <p:strVal val="visible"/>
-                                      </p:to>
-                                    </p:set>
-                                  </p:childTnLst>
-                                </p:cTn>
-                              </p:par>
-                              <p:par>
-                                <p:cTn id="41" presetID="1" presetClass="entr" presetSubtype="0" fill="hold" grpId="0" nodeType="withEffect">
+                                <p:cTn id="41" presetID="1" presetClass="entr" presetSubtype="0" fill="hold" nodeType="clickEffect">
                                   <p:stCondLst>
                                     <p:cond delay="0"/>
                                   </p:stCondLst>
@@ -45024,7 +46424,7 @@
                                           </p:stCondLst>
                                         </p:cTn>
                                         <p:tgtEl>
-                                          <p:spTgt spid="6"/>
+                                          <p:spTgt spid="35"/>
                                         </p:tgtEl>
                                         <p:attrNameLst>
                                           <p:attrName>style.visibility</p:attrName>
@@ -45051,6 +46451,60 @@
                                           </p:stCondLst>
                                         </p:cTn>
                                         <p:tgtEl>
+                                          <p:spTgt spid="24"/>
+                                        </p:tgtEl>
+                                        <p:attrNameLst>
+                                          <p:attrName>style.visibility</p:attrName>
+                                        </p:attrNameLst>
+                                      </p:cBhvr>
+                                      <p:to>
+                                        <p:strVal val="visible"/>
+                                      </p:to>
+                                    </p:set>
+                                  </p:childTnLst>
+                                </p:cTn>
+                              </p:par>
+                              <p:par>
+                                <p:cTn id="45" presetID="1" presetClass="entr" presetSubtype="0" fill="hold" grpId="0" nodeType="withEffect">
+                                  <p:stCondLst>
+                                    <p:cond delay="0"/>
+                                  </p:stCondLst>
+                                  <p:childTnLst>
+                                    <p:set>
+                                      <p:cBhvr>
+                                        <p:cTn id="46" dur="1" fill="hold">
+                                          <p:stCondLst>
+                                            <p:cond delay="0"/>
+                                          </p:stCondLst>
+                                        </p:cTn>
+                                        <p:tgtEl>
+                                          <p:spTgt spid="6"/>
+                                        </p:tgtEl>
+                                        <p:attrNameLst>
+                                          <p:attrName>style.visibility</p:attrName>
+                                        </p:attrNameLst>
+                                      </p:cBhvr>
+                                      <p:to>
+                                        <p:strVal val="visible"/>
+                                      </p:to>
+                                    </p:set>
+                                  </p:childTnLst>
+                                </p:cTn>
+                              </p:par>
+                              <p:par>
+                                <p:cTn id="47" presetID="1" presetClass="entr" presetSubtype="0" fill="hold" grpId="0" nodeType="withEffect">
+                                  <p:stCondLst>
+                                    <p:cond delay="0"/>
+                                  </p:stCondLst>
+                                  <p:childTnLst>
+                                    <p:set>
+                                      <p:cBhvr>
+                                        <p:cTn id="48" dur="1" fill="hold">
+                                          <p:stCondLst>
+                                            <p:cond delay="0"/>
+                                          </p:stCondLst>
+                                        </p:cTn>
+                                        <p:tgtEl>
                                           <p:spTgt spid="49"/>
                                         </p:tgtEl>
                                         <p:attrNameLst>
@@ -45071,73 +46525,19 @@
                     </p:cTn>
                   </p:par>
                   <p:par>
-                    <p:cTn id="45" fill="hold">
+                    <p:cTn id="49" fill="hold">
                       <p:stCondLst>
                         <p:cond delay="indefinite"/>
                       </p:stCondLst>
                       <p:childTnLst>
                         <p:par>
-                          <p:cTn id="46" fill="hold">
+                          <p:cTn id="50" fill="hold">
                             <p:stCondLst>
                               <p:cond delay="0"/>
                             </p:stCondLst>
                             <p:childTnLst>
                               <p:par>
-                                <p:cTn id="47" presetID="1" presetClass="entr" presetSubtype="0" fill="hold" grpId="0" nodeType="clickEffect">
-                                  <p:stCondLst>
-                                    <p:cond delay="0"/>
-                                  </p:stCondLst>
-                                  <p:childTnLst>
-                                    <p:set>
-                                      <p:cBhvr>
-                                        <p:cTn id="48" dur="1" fill="hold">
-                                          <p:stCondLst>
-                                            <p:cond delay="0"/>
-                                          </p:stCondLst>
-                                        </p:cTn>
-                                        <p:tgtEl>
-                                          <p:spTgt spid="42"/>
-                                        </p:tgtEl>
-                                        <p:attrNameLst>
-                                          <p:attrName>style.visibility</p:attrName>
-                                        </p:attrNameLst>
-                                      </p:cBhvr>
-                                      <p:to>
-                                        <p:strVal val="visible"/>
-                                      </p:to>
-                                    </p:set>
-                                  </p:childTnLst>
-                                </p:cTn>
-                              </p:par>
-                              <p:par>
-                                <p:cTn id="49" presetID="1" presetClass="entr" presetSubtype="0" fill="hold" grpId="0" nodeType="withEffect">
-                                  <p:stCondLst>
-                                    <p:cond delay="0"/>
-                                  </p:stCondLst>
-                                  <p:childTnLst>
-                                    <p:set>
-                                      <p:cBhvr>
-                                        <p:cTn id="50" dur="1" fill="hold">
-                                          <p:stCondLst>
-                                            <p:cond delay="0"/>
-                                          </p:stCondLst>
-                                        </p:cTn>
-                                        <p:tgtEl>
-                                          <p:spTgt spid="17"/>
-                                        </p:tgtEl>
-                                        <p:attrNameLst>
-                                          <p:attrName>style.visibility</p:attrName>
-                                        </p:attrNameLst>
-                                      </p:cBhvr>
-                                      <p:to>
-                                        <p:strVal val="visible"/>
-                                      </p:to>
-                                    </p:set>
-                                  </p:childTnLst>
-                                </p:cTn>
-                              </p:par>
-                              <p:par>
-                                <p:cTn id="51" presetID="1" presetClass="entr" presetSubtype="0" fill="hold" grpId="0" nodeType="withEffect">
+                                <p:cTn id="51" presetID="1" presetClass="entr" presetSubtype="0" fill="hold" grpId="0" nodeType="clickEffect">
                                   <p:stCondLst>
                                     <p:cond delay="0"/>
                                   </p:stCondLst>
@@ -45150,7 +46550,7 @@
                                           </p:stCondLst>
                                         </p:cTn>
                                         <p:tgtEl>
-                                          <p:spTgt spid="18"/>
+                                          <p:spTgt spid="42"/>
                                         </p:tgtEl>
                                         <p:attrNameLst>
                                           <p:attrName>style.visibility</p:attrName>
@@ -45177,7 +46577,7 @@
                                           </p:stCondLst>
                                         </p:cTn>
                                         <p:tgtEl>
-                                          <p:spTgt spid="21"/>
+                                          <p:spTgt spid="17"/>
                                         </p:tgtEl>
                                         <p:attrNameLst>
                                           <p:attrName>style.visibility</p:attrName>
@@ -45204,7 +46604,7 @@
                                           </p:stCondLst>
                                         </p:cTn>
                                         <p:tgtEl>
-                                          <p:spTgt spid="15"/>
+                                          <p:spTgt spid="18"/>
                                         </p:tgtEl>
                                         <p:attrNameLst>
                                           <p:attrName>style.visibility</p:attrName>
@@ -45231,7 +46631,7 @@
                                           </p:stCondLst>
                                         </p:cTn>
                                         <p:tgtEl>
-                                          <p:spTgt spid="20"/>
+                                          <p:spTgt spid="21"/>
                                         </p:tgtEl>
                                         <p:attrNameLst>
                                           <p:attrName>style.visibility</p:attrName>
@@ -45258,6 +46658,60 @@
                                           </p:stCondLst>
                                         </p:cTn>
                                         <p:tgtEl>
+                                          <p:spTgt spid="15"/>
+                                        </p:tgtEl>
+                                        <p:attrNameLst>
+                                          <p:attrName>style.visibility</p:attrName>
+                                        </p:attrNameLst>
+                                      </p:cBhvr>
+                                      <p:to>
+                                        <p:strVal val="visible"/>
+                                      </p:to>
+                                    </p:set>
+                                  </p:childTnLst>
+                                </p:cTn>
+                              </p:par>
+                              <p:par>
+                                <p:cTn id="61" presetID="1" presetClass="entr" presetSubtype="0" fill="hold" grpId="0" nodeType="withEffect">
+                                  <p:stCondLst>
+                                    <p:cond delay="0"/>
+                                  </p:stCondLst>
+                                  <p:childTnLst>
+                                    <p:set>
+                                      <p:cBhvr>
+                                        <p:cTn id="62" dur="1" fill="hold">
+                                          <p:stCondLst>
+                                            <p:cond delay="0"/>
+                                          </p:stCondLst>
+                                        </p:cTn>
+                                        <p:tgtEl>
+                                          <p:spTgt spid="20"/>
+                                        </p:tgtEl>
+                                        <p:attrNameLst>
+                                          <p:attrName>style.visibility</p:attrName>
+                                        </p:attrNameLst>
+                                      </p:cBhvr>
+                                      <p:to>
+                                        <p:strVal val="visible"/>
+                                      </p:to>
+                                    </p:set>
+                                  </p:childTnLst>
+                                </p:cTn>
+                              </p:par>
+                              <p:par>
+                                <p:cTn id="63" presetID="1" presetClass="entr" presetSubtype="0" fill="hold" grpId="0" nodeType="withEffect">
+                                  <p:stCondLst>
+                                    <p:cond delay="0"/>
+                                  </p:stCondLst>
+                                  <p:childTnLst>
+                                    <p:set>
+                                      <p:cBhvr>
+                                        <p:cTn id="64" dur="1" fill="hold">
+                                          <p:stCondLst>
+                                            <p:cond delay="0"/>
+                                          </p:stCondLst>
+                                        </p:cTn>
+                                        <p:tgtEl>
                                           <p:spTgt spid="47"/>
                                         </p:tgtEl>
                                         <p:attrNameLst>
@@ -45272,14 +46726,14 @@
                                 </p:cTn>
                               </p:par>
                               <p:par>
-                                <p:cTn id="61" presetID="1" presetClass="entr" presetSubtype="0" fill="hold" nodeType="withEffect">
+                                <p:cTn id="65" presetID="1" presetClass="entr" presetSubtype="0" fill="hold" nodeType="withEffect">
                                   <p:stCondLst>
                                     <p:cond delay="0"/>
                                   </p:stCondLst>
                                   <p:childTnLst>
                                     <p:set>
                                       <p:cBhvr>
-                                        <p:cTn id="62" dur="1" fill="hold">
+                                        <p:cTn id="66" dur="1" fill="hold">
                                           <p:stCondLst>
                                             <p:cond delay="0"/>
                                           </p:stCondLst>
@@ -45305,26 +46759,26 @@
                     </p:cTn>
                   </p:par>
                   <p:par>
-                    <p:cTn id="63" fill="hold">
+                    <p:cTn id="67" fill="hold">
                       <p:stCondLst>
                         <p:cond delay="indefinite"/>
                       </p:stCondLst>
                       <p:childTnLst>
                         <p:par>
-                          <p:cTn id="64" fill="hold">
+                          <p:cTn id="68" fill="hold">
                             <p:stCondLst>
                               <p:cond delay="0"/>
                             </p:stCondLst>
                             <p:childTnLst>
                               <p:par>
-                                <p:cTn id="65" presetID="1" presetClass="entr" presetSubtype="0" fill="hold" grpId="0" nodeType="clickEffect">
+                                <p:cTn id="69" presetID="1" presetClass="entr" presetSubtype="0" fill="hold" grpId="0" nodeType="clickEffect">
                                   <p:stCondLst>
                                     <p:cond delay="0"/>
                                   </p:stCondLst>
                                   <p:childTnLst>
                                     <p:set>
                                       <p:cBhvr>
-                                        <p:cTn id="66" dur="1" fill="hold">
+                                        <p:cTn id="70" dur="1" fill="hold">
                                           <p:stCondLst>
                                             <p:cond delay="0"/>
                                           </p:stCondLst>
@@ -45344,14 +46798,14 @@
                                 </p:cTn>
                               </p:par>
                               <p:par>
-                                <p:cTn id="67" presetID="1" presetClass="entr" presetSubtype="0" fill="hold" grpId="0" nodeType="withEffect">
+                                <p:cTn id="71" presetID="1" presetClass="entr" presetSubtype="0" fill="hold" grpId="0" nodeType="withEffect">
                                   <p:stCondLst>
                                     <p:cond delay="0"/>
                                   </p:stCondLst>
                                   <p:childTnLst>
                                     <p:set>
                                       <p:cBhvr>
-                                        <p:cTn id="68" dur="1" fill="hold">
+                                        <p:cTn id="72" dur="1" fill="hold">
                                           <p:stCondLst>
                                             <p:cond delay="0"/>
                                           </p:stCondLst>
@@ -45371,14 +46825,14 @@
                                 </p:cTn>
                               </p:par>
                               <p:par>
-                                <p:cTn id="69" presetID="1" presetClass="entr" presetSubtype="0" fill="hold" nodeType="withEffect">
+                                <p:cTn id="73" presetID="1" presetClass="entr" presetSubtype="0" fill="hold" nodeType="withEffect">
                                   <p:stCondLst>
                                     <p:cond delay="0"/>
                                   </p:stCondLst>
                                   <p:childTnLst>
                                     <p:set>
                                       <p:cBhvr>
-                                        <p:cTn id="70" dur="1" fill="hold">
+                                        <p:cTn id="74" dur="1" fill="hold">
                                           <p:stCondLst>
                                             <p:cond delay="0"/>
                                           </p:stCondLst>
@@ -45404,26 +46858,26 @@
                     </p:cTn>
                   </p:par>
                   <p:par>
-                    <p:cTn id="71" fill="hold">
+                    <p:cTn id="75" fill="hold">
                       <p:stCondLst>
                         <p:cond delay="indefinite"/>
                       </p:stCondLst>
                       <p:childTnLst>
                         <p:par>
-                          <p:cTn id="72" fill="hold">
+                          <p:cTn id="76" fill="hold">
                             <p:stCondLst>
                               <p:cond delay="0"/>
                             </p:stCondLst>
                             <p:childTnLst>
                               <p:par>
-                                <p:cTn id="73" presetID="1" presetClass="entr" presetSubtype="0" fill="hold" grpId="0" nodeType="clickEffect">
+                                <p:cTn id="77" presetID="1" presetClass="entr" presetSubtype="0" fill="hold" grpId="0" nodeType="clickEffect">
                                   <p:stCondLst>
                                     <p:cond delay="0"/>
                                   </p:stCondLst>
                                   <p:childTnLst>
                                     <p:set>
                                       <p:cBhvr>
-                                        <p:cTn id="74" dur="1" fill="hold">
+                                        <p:cTn id="78" dur="1" fill="hold">
                                           <p:stCondLst>
                                             <p:cond delay="0"/>
                                           </p:stCondLst>
@@ -45443,14 +46897,14 @@
                                 </p:cTn>
                               </p:par>
                               <p:par>
-                                <p:cTn id="75" presetID="1" presetClass="entr" presetSubtype="0" fill="hold" nodeType="withEffect">
+                                <p:cTn id="79" presetID="1" presetClass="entr" presetSubtype="0" fill="hold" nodeType="withEffect">
                                   <p:stCondLst>
                                     <p:cond delay="0"/>
                                   </p:stCondLst>
                                   <p:childTnLst>
                                     <p:set>
                                       <p:cBhvr>
-                                        <p:cTn id="76" dur="1" fill="hold">
+                                        <p:cTn id="80" dur="1" fill="hold">
                                           <p:stCondLst>
                                             <p:cond delay="0"/>
                                           </p:stCondLst>
@@ -45470,14 +46924,14 @@
                                 </p:cTn>
                               </p:par>
                               <p:par>
-                                <p:cTn id="77" presetID="1" presetClass="entr" presetSubtype="0" fill="hold" nodeType="withEffect">
+                                <p:cTn id="81" presetID="1" presetClass="entr" presetSubtype="0" fill="hold" nodeType="withEffect">
                                   <p:stCondLst>
                                     <p:cond delay="0"/>
                                   </p:stCondLst>
                                   <p:childTnLst>
                                     <p:set>
                                       <p:cBhvr>
-                                        <p:cTn id="78" dur="1" fill="hold">
+                                        <p:cTn id="82" dur="1" fill="hold">
                                           <p:stCondLst>
                                             <p:cond delay="0"/>
                                           </p:stCondLst>
@@ -45549,6 +47003,7 @@
       <p:bldP spid="49" grpId="0"/>
       <p:bldP spid="50" grpId="0"/>
       <p:bldP spid="51" grpId="0"/>
+      <p:bldP spid="36" grpId="0"/>
     </p:bldLst>
   </p:timing>
 </p:sld>
@@ -47357,6 +48812,723 @@
           </p:spPr>
         </p:cxnSp>
       </p:grpSp>
+      <p:grpSp>
+        <p:nvGrpSpPr>
+          <p:cNvPr id="32" name="Gruppieren 31">
+            <a:extLst>
+              <a:ext uri="{FF2B5EF4-FFF2-40B4-BE49-F238E27FC236}">
+                <a16:creationId xmlns:a16="http://schemas.microsoft.com/office/drawing/2014/main" id="{3E8113BE-2B8A-4F93-BC73-79AAF7AF32B0}"/>
+              </a:ext>
+            </a:extLst>
+          </p:cNvPr>
+          <p:cNvGrpSpPr/>
+          <p:nvPr/>
+        </p:nvGrpSpPr>
+        <p:grpSpPr>
+          <a:xfrm>
+            <a:off x="6950668" y="1569180"/>
+            <a:ext cx="1556474" cy="4349222"/>
+            <a:chOff x="6959452" y="1571795"/>
+            <a:chExt cx="1556474" cy="4349222"/>
+          </a:xfrm>
+        </p:grpSpPr>
+        <p:sp>
+          <p:nvSpPr>
+            <p:cNvPr id="33" name="Abgerundetes Rechteck 15">
+              <a:extLst>
+                <a:ext uri="{FF2B5EF4-FFF2-40B4-BE49-F238E27FC236}">
+                  <a16:creationId xmlns:a16="http://schemas.microsoft.com/office/drawing/2014/main" id="{C4225346-1526-4A63-9B2E-3BA543918AE6}"/>
+                </a:ext>
+              </a:extLst>
+            </p:cNvPr>
+            <p:cNvSpPr/>
+            <p:nvPr/>
+          </p:nvSpPr>
+          <p:spPr bwMode="auto">
+            <a:xfrm>
+              <a:off x="6959452" y="1571795"/>
+              <a:ext cx="1556471" cy="378691"/>
+            </a:xfrm>
+            <a:prstGeom prst="roundRect">
+              <a:avLst/>
+            </a:prstGeom>
+            <a:solidFill>
+              <a:schemeClr val="accent1"/>
+            </a:solidFill>
+            <a:ln w="9525" cap="flat" cmpd="sng" algn="ctr">
+              <a:solidFill>
+                <a:schemeClr val="tx1"/>
+              </a:solidFill>
+              <a:prstDash val="solid"/>
+              <a:round/>
+              <a:headEnd type="none" w="med" len="med"/>
+              <a:tailEnd type="none" w="med" len="med"/>
+            </a:ln>
+            <a:effectLst/>
+          </p:spPr>
+          <p:txBody>
+            <a:bodyPr vert="horz" wrap="square" lIns="91440" tIns="45720" rIns="91440" bIns="45720" numCol="1" rtlCol="0" anchor="ctr" anchorCtr="0" compatLnSpc="1">
+              <a:prstTxWarp prst="textNoShape">
+                <a:avLst/>
+              </a:prstTxWarp>
+            </a:bodyPr>
+            <a:lstStyle/>
+            <a:p>
+              <a:pPr marL="0" marR="0" indent="0" algn="ctr" defTabSz="914400" rtl="0" eaLnBrk="0" fontAlgn="base" latinLnBrk="0" hangingPunct="0">
+                <a:lnSpc>
+                  <a:spcPct val="100000"/>
+                </a:lnSpc>
+                <a:spcBef>
+                  <a:spcPct val="0"/>
+                </a:spcBef>
+                <a:spcAft>
+                  <a:spcPct val="0"/>
+                </a:spcAft>
+                <a:buClrTx/>
+                <a:buSzTx/>
+                <a:buFontTx/>
+                <a:buNone/>
+                <a:tabLst/>
+              </a:pPr>
+              <a:r>
+                <a:rPr kumimoji="0" lang="de-DE" sz="1800" b="0" i="0" u="none" strike="noStrike" cap="none" normalizeH="0" baseline="0" dirty="0">
+                  <a:ln>
+                    <a:noFill/>
+                  </a:ln>
+                  <a:solidFill>
+                    <a:schemeClr val="bg1"/>
+                  </a:solidFill>
+                  <a:effectLst/>
+                  <a:latin typeface="+mn-lt"/>
+                  <a:ea typeface="ＭＳ Ｐゴシック" pitchFamily="1" charset="-128"/>
+                </a:rPr>
+                <a:t>Initialisierung </a:t>
+              </a:r>
+            </a:p>
+          </p:txBody>
+        </p:sp>
+        <p:sp>
+          <p:nvSpPr>
+            <p:cNvPr id="34" name="Abgerundetes Rechteck 16">
+              <a:extLst>
+                <a:ext uri="{FF2B5EF4-FFF2-40B4-BE49-F238E27FC236}">
+                  <a16:creationId xmlns:a16="http://schemas.microsoft.com/office/drawing/2014/main" id="{E2EFFADA-6EF6-483E-B3E7-CB9343E16313}"/>
+                </a:ext>
+              </a:extLst>
+            </p:cNvPr>
+            <p:cNvSpPr/>
+            <p:nvPr/>
+          </p:nvSpPr>
+          <p:spPr bwMode="auto">
+            <a:xfrm>
+              <a:off x="6959452" y="2258392"/>
+              <a:ext cx="1556471" cy="378691"/>
+            </a:xfrm>
+            <a:prstGeom prst="roundRect">
+              <a:avLst/>
+            </a:prstGeom>
+            <a:solidFill>
+              <a:schemeClr val="accent1"/>
+            </a:solidFill>
+            <a:ln w="9525" cap="flat" cmpd="sng" algn="ctr">
+              <a:solidFill>
+                <a:schemeClr val="tx1"/>
+              </a:solidFill>
+              <a:prstDash val="solid"/>
+              <a:round/>
+              <a:headEnd type="none" w="med" len="med"/>
+              <a:tailEnd type="none" w="med" len="med"/>
+            </a:ln>
+            <a:effectLst/>
+          </p:spPr>
+          <p:txBody>
+            <a:bodyPr vert="horz" wrap="square" lIns="91440" tIns="45720" rIns="91440" bIns="45720" numCol="1" rtlCol="0" anchor="ctr" anchorCtr="0" compatLnSpc="1">
+              <a:prstTxWarp prst="textNoShape">
+                <a:avLst/>
+              </a:prstTxWarp>
+            </a:bodyPr>
+            <a:lstStyle/>
+            <a:p>
+              <a:pPr marL="0" marR="0" indent="0" algn="ctr" defTabSz="914400" rtl="0" eaLnBrk="0" fontAlgn="base" latinLnBrk="0" hangingPunct="0">
+                <a:lnSpc>
+                  <a:spcPct val="100000"/>
+                </a:lnSpc>
+                <a:spcBef>
+                  <a:spcPct val="0"/>
+                </a:spcBef>
+                <a:spcAft>
+                  <a:spcPct val="0"/>
+                </a:spcAft>
+                <a:buClrTx/>
+                <a:buSzTx/>
+                <a:buFontTx/>
+                <a:buNone/>
+                <a:tabLst/>
+              </a:pPr>
+              <a:r>
+                <a:rPr kumimoji="0" lang="de-DE" sz="1800" b="0" i="0" u="none" strike="noStrike" cap="none" normalizeH="0" baseline="0" dirty="0">
+                  <a:ln>
+                    <a:noFill/>
+                  </a:ln>
+                  <a:solidFill>
+                    <a:schemeClr val="bg1"/>
+                  </a:solidFill>
+                  <a:effectLst/>
+                  <a:latin typeface="+mn-lt"/>
+                  <a:ea typeface="ＭＳ Ｐゴシック" pitchFamily="1" charset="-128"/>
+                </a:rPr>
+                <a:t>Crossover </a:t>
+              </a:r>
+            </a:p>
+          </p:txBody>
+        </p:sp>
+        <p:sp>
+          <p:nvSpPr>
+            <p:cNvPr id="35" name="Abgerundetes Rechteck 17">
+              <a:extLst>
+                <a:ext uri="{FF2B5EF4-FFF2-40B4-BE49-F238E27FC236}">
+                  <a16:creationId xmlns:a16="http://schemas.microsoft.com/office/drawing/2014/main" id="{7561AE1A-F2FE-41B7-A9EB-D114325DCE71}"/>
+                </a:ext>
+              </a:extLst>
+            </p:cNvPr>
+            <p:cNvSpPr/>
+            <p:nvPr/>
+          </p:nvSpPr>
+          <p:spPr bwMode="auto">
+            <a:xfrm>
+              <a:off x="6959455" y="2949546"/>
+              <a:ext cx="1556471" cy="378691"/>
+            </a:xfrm>
+            <a:prstGeom prst="roundRect">
+              <a:avLst/>
+            </a:prstGeom>
+            <a:solidFill>
+              <a:schemeClr val="accent1">
+                <a:lumMod val="60000"/>
+                <a:lumOff val="40000"/>
+              </a:schemeClr>
+            </a:solidFill>
+            <a:ln w="9525" cap="flat" cmpd="sng" algn="ctr">
+              <a:solidFill>
+                <a:schemeClr val="tx1"/>
+              </a:solidFill>
+              <a:prstDash val="solid"/>
+              <a:round/>
+              <a:headEnd type="none" w="med" len="med"/>
+              <a:tailEnd type="none" w="med" len="med"/>
+            </a:ln>
+            <a:effectLst/>
+          </p:spPr>
+          <p:txBody>
+            <a:bodyPr vert="horz" wrap="square" lIns="91440" tIns="45720" rIns="91440" bIns="45720" numCol="1" rtlCol="0" anchor="ctr" anchorCtr="0" compatLnSpc="1">
+              <a:prstTxWarp prst="textNoShape">
+                <a:avLst/>
+              </a:prstTxWarp>
+            </a:bodyPr>
+            <a:lstStyle/>
+            <a:p>
+              <a:pPr marL="0" marR="0" indent="0" algn="ctr" defTabSz="914400" rtl="0" eaLnBrk="0" fontAlgn="base" latinLnBrk="0" hangingPunct="0">
+                <a:lnSpc>
+                  <a:spcPct val="100000"/>
+                </a:lnSpc>
+                <a:spcBef>
+                  <a:spcPct val="0"/>
+                </a:spcBef>
+                <a:spcAft>
+                  <a:spcPct val="0"/>
+                </a:spcAft>
+                <a:buClrTx/>
+                <a:buSzTx/>
+                <a:buFontTx/>
+                <a:buNone/>
+                <a:tabLst/>
+              </a:pPr>
+              <a:r>
+                <a:rPr kumimoji="0" lang="de-DE" sz="1800" b="0" i="0" u="none" strike="noStrike" cap="none" normalizeH="0" baseline="0" dirty="0">
+                  <a:ln>
+                    <a:noFill/>
+                  </a:ln>
+                  <a:solidFill>
+                    <a:schemeClr val="bg1"/>
+                  </a:solidFill>
+                  <a:effectLst/>
+                  <a:latin typeface="+mn-lt"/>
+                  <a:ea typeface="ＭＳ Ｐゴシック" pitchFamily="1" charset="-128"/>
+                </a:rPr>
+                <a:t>Mutieren </a:t>
+              </a:r>
+            </a:p>
+          </p:txBody>
+        </p:sp>
+        <p:sp>
+          <p:nvSpPr>
+            <p:cNvPr id="36" name="Abgerundetes Rechteck 18">
+              <a:extLst>
+                <a:ext uri="{FF2B5EF4-FFF2-40B4-BE49-F238E27FC236}">
+                  <a16:creationId xmlns:a16="http://schemas.microsoft.com/office/drawing/2014/main" id="{C1989FBF-36B0-4565-826F-425A0F290BCC}"/>
+                </a:ext>
+              </a:extLst>
+            </p:cNvPr>
+            <p:cNvSpPr/>
+            <p:nvPr/>
+          </p:nvSpPr>
+          <p:spPr bwMode="auto">
+            <a:xfrm>
+              <a:off x="6959455" y="4331854"/>
+              <a:ext cx="1556471" cy="378691"/>
+            </a:xfrm>
+            <a:prstGeom prst="roundRect">
+              <a:avLst/>
+            </a:prstGeom>
+            <a:solidFill>
+              <a:schemeClr val="accent1"/>
+            </a:solidFill>
+            <a:ln w="9525" cap="flat" cmpd="sng" algn="ctr">
+              <a:solidFill>
+                <a:schemeClr val="tx1"/>
+              </a:solidFill>
+              <a:prstDash val="solid"/>
+              <a:round/>
+              <a:headEnd type="none" w="med" len="med"/>
+              <a:tailEnd type="none" w="med" len="med"/>
+            </a:ln>
+            <a:effectLst/>
+          </p:spPr>
+          <p:txBody>
+            <a:bodyPr vert="horz" wrap="square" lIns="91440" tIns="45720" rIns="91440" bIns="45720" numCol="1" rtlCol="0" anchor="ctr" anchorCtr="0" compatLnSpc="1">
+              <a:prstTxWarp prst="textNoShape">
+                <a:avLst/>
+              </a:prstTxWarp>
+            </a:bodyPr>
+            <a:lstStyle/>
+            <a:p>
+              <a:pPr marL="0" marR="0" indent="0" algn="ctr" defTabSz="914400" rtl="0" eaLnBrk="0" fontAlgn="base" latinLnBrk="0" hangingPunct="0">
+                <a:lnSpc>
+                  <a:spcPct val="100000"/>
+                </a:lnSpc>
+                <a:spcBef>
+                  <a:spcPct val="0"/>
+                </a:spcBef>
+                <a:spcAft>
+                  <a:spcPct val="0"/>
+                </a:spcAft>
+                <a:buClrTx/>
+                <a:buSzTx/>
+                <a:buFontTx/>
+                <a:buNone/>
+                <a:tabLst/>
+              </a:pPr>
+              <a:r>
+                <a:rPr kumimoji="0" lang="de-DE" sz="1800" b="0" i="0" u="none" strike="noStrike" cap="none" normalizeH="0" baseline="0" dirty="0">
+                  <a:ln>
+                    <a:noFill/>
+                  </a:ln>
+                  <a:solidFill>
+                    <a:schemeClr val="bg1"/>
+                  </a:solidFill>
+                  <a:effectLst/>
+                  <a:latin typeface="+mn-lt"/>
+                  <a:ea typeface="ＭＳ Ｐゴシック" pitchFamily="1" charset="-128"/>
+                </a:rPr>
+                <a:t>Bewerten </a:t>
+              </a:r>
+            </a:p>
+          </p:txBody>
+        </p:sp>
+        <p:sp>
+          <p:nvSpPr>
+            <p:cNvPr id="37" name="Abgerundetes Rechteck 19">
+              <a:extLst>
+                <a:ext uri="{FF2B5EF4-FFF2-40B4-BE49-F238E27FC236}">
+                  <a16:creationId xmlns:a16="http://schemas.microsoft.com/office/drawing/2014/main" id="{02C592E0-3CB7-433A-8EDB-25BEA7195BD1}"/>
+                </a:ext>
+              </a:extLst>
+            </p:cNvPr>
+            <p:cNvSpPr/>
+            <p:nvPr/>
+          </p:nvSpPr>
+          <p:spPr bwMode="auto">
+            <a:xfrm>
+              <a:off x="6959452" y="5023008"/>
+              <a:ext cx="1556471" cy="898009"/>
+            </a:xfrm>
+            <a:prstGeom prst="roundRect">
+              <a:avLst>
+                <a:gd name="adj" fmla="val 0"/>
+              </a:avLst>
+            </a:prstGeom>
+            <a:solidFill>
+              <a:schemeClr val="accent2"/>
+            </a:solidFill>
+            <a:ln w="9525" cap="flat" cmpd="sng" algn="ctr">
+              <a:solidFill>
+                <a:schemeClr val="tx1"/>
+              </a:solidFill>
+              <a:prstDash val="solid"/>
+              <a:round/>
+              <a:headEnd type="none" w="med" len="med"/>
+              <a:tailEnd type="none" w="med" len="med"/>
+            </a:ln>
+            <a:effectLst/>
+          </p:spPr>
+          <p:txBody>
+            <a:bodyPr vert="horz" wrap="square" lIns="91440" tIns="45720" rIns="91440" bIns="45720" numCol="1" rtlCol="0" anchor="ctr" anchorCtr="0" compatLnSpc="1">
+              <a:prstTxWarp prst="textNoShape">
+                <a:avLst/>
+              </a:prstTxWarp>
+            </a:bodyPr>
+            <a:lstStyle/>
+            <a:p>
+              <a:pPr marL="0" marR="0" indent="0" algn="ctr" defTabSz="914400" rtl="0" eaLnBrk="0" fontAlgn="base" latinLnBrk="0" hangingPunct="0">
+                <a:lnSpc>
+                  <a:spcPct val="100000"/>
+                </a:lnSpc>
+                <a:spcBef>
+                  <a:spcPct val="0"/>
+                </a:spcBef>
+                <a:spcAft>
+                  <a:spcPct val="0"/>
+                </a:spcAft>
+                <a:buClrTx/>
+                <a:buSzTx/>
+                <a:buFontTx/>
+                <a:buNone/>
+                <a:tabLst/>
+              </a:pPr>
+              <a:r>
+                <a:rPr lang="de-DE" sz="1800" dirty="0">
+                  <a:solidFill>
+                    <a:schemeClr val="bg1"/>
+                  </a:solidFill>
+                  <a:latin typeface="+mn-lt"/>
+                  <a:ea typeface="ＭＳ Ｐゴシック" pitchFamily="1" charset="-128"/>
+                </a:rPr>
+                <a:t> optimiertes Register- Mapping</a:t>
+              </a:r>
+              <a:r>
+                <a:rPr kumimoji="0" lang="de-DE" sz="1800" b="0" i="0" u="none" strike="noStrike" cap="none" normalizeH="0" baseline="0" dirty="0">
+                  <a:ln>
+                    <a:noFill/>
+                  </a:ln>
+                  <a:solidFill>
+                    <a:schemeClr val="bg1"/>
+                  </a:solidFill>
+                  <a:effectLst/>
+                  <a:latin typeface="+mn-lt"/>
+                  <a:ea typeface="ＭＳ Ｐゴシック" pitchFamily="1" charset="-128"/>
+                </a:rPr>
+                <a:t> </a:t>
+              </a:r>
+            </a:p>
+          </p:txBody>
+        </p:sp>
+        <p:cxnSp>
+          <p:nvCxnSpPr>
+            <p:cNvPr id="38" name="Gerade Verbindung mit Pfeil 37">
+              <a:extLst>
+                <a:ext uri="{FF2B5EF4-FFF2-40B4-BE49-F238E27FC236}">
+                  <a16:creationId xmlns:a16="http://schemas.microsoft.com/office/drawing/2014/main" id="{ED60469A-C37A-482E-8412-9891E064CDCF}"/>
+                </a:ext>
+              </a:extLst>
+            </p:cNvPr>
+            <p:cNvCxnSpPr>
+              <a:cxnSpLocks/>
+              <a:stCxn id="36" idx="2"/>
+              <a:endCxn id="37" idx="0"/>
+            </p:cNvCxnSpPr>
+            <p:nvPr/>
+          </p:nvCxnSpPr>
+          <p:spPr bwMode="auto">
+            <a:xfrm flipH="1">
+              <a:off x="7737688" y="4710545"/>
+              <a:ext cx="3" cy="312463"/>
+            </a:xfrm>
+            <a:prstGeom prst="straightConnector1">
+              <a:avLst/>
+            </a:prstGeom>
+            <a:solidFill>
+              <a:schemeClr val="accent1"/>
+            </a:solidFill>
+            <a:ln w="9525" cap="flat" cmpd="sng" algn="ctr">
+              <a:solidFill>
+                <a:schemeClr val="tx1"/>
+              </a:solidFill>
+              <a:prstDash val="solid"/>
+              <a:round/>
+              <a:headEnd type="none" w="med" len="med"/>
+              <a:tailEnd type="triangle"/>
+            </a:ln>
+            <a:effectLst/>
+          </p:spPr>
+        </p:cxnSp>
+        <p:cxnSp>
+          <p:nvCxnSpPr>
+            <p:cNvPr id="40" name="Gerade Verbindung mit Pfeil 39">
+              <a:extLst>
+                <a:ext uri="{FF2B5EF4-FFF2-40B4-BE49-F238E27FC236}">
+                  <a16:creationId xmlns:a16="http://schemas.microsoft.com/office/drawing/2014/main" id="{ED17CB2D-AE63-4CA6-AF18-D33F23181077}"/>
+                </a:ext>
+              </a:extLst>
+            </p:cNvPr>
+            <p:cNvCxnSpPr>
+              <a:stCxn id="33" idx="2"/>
+              <a:endCxn id="34" idx="0"/>
+            </p:cNvCxnSpPr>
+            <p:nvPr/>
+          </p:nvCxnSpPr>
+          <p:spPr bwMode="auto">
+            <a:xfrm>
+              <a:off x="7737688" y="1950486"/>
+              <a:ext cx="0" cy="307906"/>
+            </a:xfrm>
+            <a:prstGeom prst="straightConnector1">
+              <a:avLst/>
+            </a:prstGeom>
+            <a:solidFill>
+              <a:schemeClr val="accent1"/>
+            </a:solidFill>
+            <a:ln w="9525" cap="flat" cmpd="sng" algn="ctr">
+              <a:solidFill>
+                <a:schemeClr val="tx1"/>
+              </a:solidFill>
+              <a:prstDash val="solid"/>
+              <a:round/>
+              <a:headEnd type="none" w="med" len="med"/>
+              <a:tailEnd type="triangle"/>
+            </a:ln>
+            <a:effectLst/>
+          </p:spPr>
+        </p:cxnSp>
+        <p:cxnSp>
+          <p:nvCxnSpPr>
+            <p:cNvPr id="66" name="Gerade Verbindung mit Pfeil 65">
+              <a:extLst>
+                <a:ext uri="{FF2B5EF4-FFF2-40B4-BE49-F238E27FC236}">
+                  <a16:creationId xmlns:a16="http://schemas.microsoft.com/office/drawing/2014/main" id="{F771E1B1-0472-48F6-BC39-C14487A26D2B}"/>
+                </a:ext>
+              </a:extLst>
+            </p:cNvPr>
+            <p:cNvCxnSpPr>
+              <a:stCxn id="34" idx="2"/>
+              <a:endCxn id="35" idx="0"/>
+            </p:cNvCxnSpPr>
+            <p:nvPr/>
+          </p:nvCxnSpPr>
+          <p:spPr bwMode="auto">
+            <a:xfrm>
+              <a:off x="7737688" y="2637083"/>
+              <a:ext cx="3" cy="312463"/>
+            </a:xfrm>
+            <a:prstGeom prst="straightConnector1">
+              <a:avLst/>
+            </a:prstGeom>
+            <a:solidFill>
+              <a:schemeClr val="accent1"/>
+            </a:solidFill>
+            <a:ln w="9525" cap="flat" cmpd="sng" algn="ctr">
+              <a:solidFill>
+                <a:schemeClr val="tx1"/>
+              </a:solidFill>
+              <a:prstDash val="solid"/>
+              <a:round/>
+              <a:headEnd type="none" w="med" len="med"/>
+              <a:tailEnd type="triangle"/>
+            </a:ln>
+            <a:effectLst/>
+          </p:spPr>
+        </p:cxnSp>
+        <p:sp>
+          <p:nvSpPr>
+            <p:cNvPr id="67" name="Abgerundetes Rechteck 20">
+              <a:extLst>
+                <a:ext uri="{FF2B5EF4-FFF2-40B4-BE49-F238E27FC236}">
+                  <a16:creationId xmlns:a16="http://schemas.microsoft.com/office/drawing/2014/main" id="{528FCE0F-8AAF-4B3C-BE28-A191DD68854E}"/>
+                </a:ext>
+              </a:extLst>
+            </p:cNvPr>
+            <p:cNvSpPr/>
+            <p:nvPr/>
+          </p:nvSpPr>
+          <p:spPr bwMode="auto">
+            <a:xfrm>
+              <a:off x="6959453" y="3640700"/>
+              <a:ext cx="1556471" cy="378691"/>
+            </a:xfrm>
+            <a:prstGeom prst="roundRect">
+              <a:avLst/>
+            </a:prstGeom>
+            <a:solidFill>
+              <a:schemeClr val="accent1"/>
+            </a:solidFill>
+            <a:ln w="9525" cap="flat" cmpd="sng" algn="ctr">
+              <a:solidFill>
+                <a:schemeClr val="tx1"/>
+              </a:solidFill>
+              <a:prstDash val="solid"/>
+              <a:round/>
+              <a:headEnd type="none" w="med" len="med"/>
+              <a:tailEnd type="none" w="med" len="med"/>
+            </a:ln>
+            <a:effectLst/>
+          </p:spPr>
+          <p:txBody>
+            <a:bodyPr vert="horz" wrap="square" lIns="91440" tIns="45720" rIns="91440" bIns="45720" numCol="1" rtlCol="0" anchor="ctr" anchorCtr="0" compatLnSpc="1">
+              <a:prstTxWarp prst="textNoShape">
+                <a:avLst/>
+              </a:prstTxWarp>
+            </a:bodyPr>
+            <a:lstStyle/>
+            <a:p>
+              <a:pPr marL="0" marR="0" indent="0" algn="ctr" defTabSz="914400" rtl="0" eaLnBrk="0" fontAlgn="base" latinLnBrk="0" hangingPunct="0">
+                <a:lnSpc>
+                  <a:spcPct val="100000"/>
+                </a:lnSpc>
+                <a:spcBef>
+                  <a:spcPct val="0"/>
+                </a:spcBef>
+                <a:spcAft>
+                  <a:spcPct val="0"/>
+                </a:spcAft>
+                <a:buClrTx/>
+                <a:buSzTx/>
+                <a:buFontTx/>
+                <a:buNone/>
+                <a:tabLst/>
+              </a:pPr>
+              <a:r>
+                <a:rPr kumimoji="0" lang="de-DE" sz="1800" b="0" i="0" u="none" strike="noStrike" cap="none" normalizeH="0" baseline="0" dirty="0">
+                  <a:ln>
+                    <a:noFill/>
+                  </a:ln>
+                  <a:solidFill>
+                    <a:schemeClr val="bg1"/>
+                  </a:solidFill>
+                  <a:effectLst/>
+                  <a:latin typeface="+mn-lt"/>
+                  <a:ea typeface="ＭＳ Ｐゴシック" pitchFamily="1" charset="-128"/>
+                </a:rPr>
+                <a:t>Erzeugen </a:t>
+              </a:r>
+            </a:p>
+          </p:txBody>
+        </p:sp>
+        <p:cxnSp>
+          <p:nvCxnSpPr>
+            <p:cNvPr id="68" name="Gerade Verbindung mit Pfeil 67">
+              <a:extLst>
+                <a:ext uri="{FF2B5EF4-FFF2-40B4-BE49-F238E27FC236}">
+                  <a16:creationId xmlns:a16="http://schemas.microsoft.com/office/drawing/2014/main" id="{E903EACA-97E5-428A-B410-F8131F9CAC06}"/>
+                </a:ext>
+              </a:extLst>
+            </p:cNvPr>
+            <p:cNvCxnSpPr>
+              <a:stCxn id="35" idx="2"/>
+              <a:endCxn id="67" idx="0"/>
+            </p:cNvCxnSpPr>
+            <p:nvPr/>
+          </p:nvCxnSpPr>
+          <p:spPr bwMode="auto">
+            <a:xfrm flipH="1">
+              <a:off x="7737689" y="3328237"/>
+              <a:ext cx="2" cy="312463"/>
+            </a:xfrm>
+            <a:prstGeom prst="straightConnector1">
+              <a:avLst/>
+            </a:prstGeom>
+            <a:solidFill>
+              <a:schemeClr val="accent1"/>
+            </a:solidFill>
+            <a:ln w="9525" cap="flat" cmpd="sng" algn="ctr">
+              <a:solidFill>
+                <a:schemeClr val="tx1"/>
+              </a:solidFill>
+              <a:prstDash val="solid"/>
+              <a:round/>
+              <a:headEnd type="none" w="med" len="med"/>
+              <a:tailEnd type="triangle"/>
+            </a:ln>
+            <a:effectLst/>
+          </p:spPr>
+        </p:cxnSp>
+        <p:cxnSp>
+          <p:nvCxnSpPr>
+            <p:cNvPr id="69" name="Gerade Verbindung mit Pfeil 68">
+              <a:extLst>
+                <a:ext uri="{FF2B5EF4-FFF2-40B4-BE49-F238E27FC236}">
+                  <a16:creationId xmlns:a16="http://schemas.microsoft.com/office/drawing/2014/main" id="{BEAC3CD1-023B-4123-BF89-877D0A03A18F}"/>
+                </a:ext>
+              </a:extLst>
+            </p:cNvPr>
+            <p:cNvCxnSpPr>
+              <a:stCxn id="67" idx="2"/>
+              <a:endCxn id="36" idx="0"/>
+            </p:cNvCxnSpPr>
+            <p:nvPr/>
+          </p:nvCxnSpPr>
+          <p:spPr bwMode="auto">
+            <a:xfrm>
+              <a:off x="7737689" y="4019391"/>
+              <a:ext cx="2" cy="312463"/>
+            </a:xfrm>
+            <a:prstGeom prst="straightConnector1">
+              <a:avLst/>
+            </a:prstGeom>
+            <a:solidFill>
+              <a:schemeClr val="accent1"/>
+            </a:solidFill>
+            <a:ln w="9525" cap="flat" cmpd="sng" algn="ctr">
+              <a:solidFill>
+                <a:schemeClr val="tx1"/>
+              </a:solidFill>
+              <a:prstDash val="solid"/>
+              <a:round/>
+              <a:headEnd type="none" w="med" len="med"/>
+              <a:tailEnd type="triangle"/>
+            </a:ln>
+            <a:effectLst/>
+          </p:spPr>
+        </p:cxnSp>
+        <p:cxnSp>
+          <p:nvCxnSpPr>
+            <p:cNvPr id="70" name="Gewinkelter Verbinder 35">
+              <a:extLst>
+                <a:ext uri="{FF2B5EF4-FFF2-40B4-BE49-F238E27FC236}">
+                  <a16:creationId xmlns:a16="http://schemas.microsoft.com/office/drawing/2014/main" id="{34C2B4E1-3176-4E55-948E-77B787BC39A8}"/>
+                </a:ext>
+              </a:extLst>
+            </p:cNvPr>
+            <p:cNvCxnSpPr>
+              <a:stCxn id="36" idx="1"/>
+              <a:endCxn id="34" idx="1"/>
+            </p:cNvCxnSpPr>
+            <p:nvPr/>
+          </p:nvCxnSpPr>
+          <p:spPr bwMode="auto">
+            <a:xfrm rot="10800000">
+              <a:off x="6959453" y="2447738"/>
+              <a:ext cx="3" cy="2073462"/>
+            </a:xfrm>
+            <a:prstGeom prst="bentConnector3">
+              <a:avLst>
+                <a:gd name="adj1" fmla="val 7620100000"/>
+              </a:avLst>
+            </a:prstGeom>
+            <a:solidFill>
+              <a:schemeClr val="accent1"/>
+            </a:solidFill>
+            <a:ln w="9525" cap="flat" cmpd="sng" algn="ctr">
+              <a:solidFill>
+                <a:schemeClr val="tx1"/>
+              </a:solidFill>
+              <a:prstDash val="solid"/>
+              <a:round/>
+              <a:headEnd type="none" w="med" len="med"/>
+              <a:tailEnd type="triangle"/>
+            </a:ln>
+            <a:effectLst/>
+          </p:spPr>
+        </p:cxnSp>
+      </p:grpSp>
     </p:spTree>
     <p:extLst>
       <p:ext uri="{BB962C8B-B14F-4D97-AF65-F5344CB8AC3E}">
@@ -47700,15 +49872,33 @@
                                   </p:childTnLst>
                                 </p:cTn>
                               </p:par>
+                            </p:childTnLst>
+                          </p:cTn>
+                        </p:par>
+                      </p:childTnLst>
+                    </p:cTn>
+                  </p:par>
+                  <p:par>
+                    <p:cTn id="29" fill="hold">
+                      <p:stCondLst>
+                        <p:cond delay="indefinite"/>
+                      </p:stCondLst>
+                      <p:childTnLst>
+                        <p:par>
+                          <p:cTn id="30" fill="hold">
+                            <p:stCondLst>
+                              <p:cond delay="0"/>
+                            </p:stCondLst>
+                            <p:childTnLst>
                               <p:par>
-                                <p:cTn id="29" presetID="1" presetClass="entr" presetSubtype="0" fill="hold" nodeType="withEffect">
+                                <p:cTn id="31" presetID="1" presetClass="entr" presetSubtype="0" fill="hold" nodeType="clickEffect">
                                   <p:stCondLst>
                                     <p:cond delay="0"/>
                                   </p:stCondLst>
                                   <p:childTnLst>
                                     <p:set>
                                       <p:cBhvr>
-                                        <p:cTn id="30" dur="1" fill="hold">
+                                        <p:cTn id="32" dur="1" fill="hold">
                                           <p:stCondLst>
                                             <p:cond delay="0"/>
                                           </p:stCondLst>
@@ -47732,14 +49922,14 @@
                                 </p:cTn>
                               </p:par>
                               <p:par>
-                                <p:cTn id="31" presetID="1" presetClass="entr" presetSubtype="0" fill="hold" nodeType="withEffect">
+                                <p:cTn id="33" presetID="1" presetClass="entr" presetSubtype="0" fill="hold" nodeType="withEffect">
                                   <p:stCondLst>
                                     <p:cond delay="0"/>
                                   </p:stCondLst>
                                   <p:childTnLst>
                                     <p:set>
                                       <p:cBhvr>
-                                        <p:cTn id="32" dur="1" fill="hold">
+                                        <p:cTn id="34" dur="1" fill="hold">
                                           <p:stCondLst>
                                             <p:cond delay="0"/>
                                           </p:stCondLst>
@@ -47750,6 +49940,33 @@
                                               <p:pRg st="10" end="10"/>
                                             </p:txEl>
                                           </p:spTgt>
+                                        </p:tgtEl>
+                                        <p:attrNameLst>
+                                          <p:attrName>style.visibility</p:attrName>
+                                        </p:attrNameLst>
+                                      </p:cBhvr>
+                                      <p:to>
+                                        <p:strVal val="visible"/>
+                                      </p:to>
+                                    </p:set>
+                                  </p:childTnLst>
+                                </p:cTn>
+                              </p:par>
+                              <p:par>
+                                <p:cTn id="35" presetID="1" presetClass="entr" presetSubtype="0" fill="hold" nodeType="withEffect">
+                                  <p:stCondLst>
+                                    <p:cond delay="0"/>
+                                  </p:stCondLst>
+                                  <p:childTnLst>
+                                    <p:set>
+                                      <p:cBhvr>
+                                        <p:cTn id="36" dur="1" fill="hold">
+                                          <p:stCondLst>
+                                            <p:cond delay="0"/>
+                                          </p:stCondLst>
+                                        </p:cTn>
+                                        <p:tgtEl>
+                                          <p:spTgt spid="32"/>
                                         </p:tgtEl>
                                         <p:attrNameLst>
                                           <p:attrName>style.visibility</p:attrName>

--- a/Presentation_Rene_Weinmann.pptx
+++ b/Presentation_Rene_Weinmann.pptx
@@ -464,31 +464,22 @@
                 </a:pPr>
                 <a:r>
                   <a:rPr lang="de-DE" sz="1100" dirty="0"/>
-                  <a:t>Schaltleistung </a:t>
+                  <a:t>Schaltleistung [</a:t>
                 </a:r>
                 <a:r>
-                  <a:rPr lang="de-DE" sz="1100" dirty="0" smtClean="0"/>
-                  <a:t>[</a:t>
-                </a:r>
-                <a:r>
-                  <a:rPr lang="de-DE" sz="1100" dirty="0" smtClean="0">
+                  <a:rPr lang="de-DE" sz="1100" dirty="0">
                     <a:latin typeface="Times New Roman" panose="02020603050405020304" pitchFamily="18" charset="0"/>
                     <a:cs typeface="Times New Roman" panose="02020603050405020304" pitchFamily="18" charset="0"/>
                   </a:rPr>
                   <a:t>µ</a:t>
                 </a:r>
                 <a:r>
-                  <a:rPr lang="de-DE" sz="1100" dirty="0" smtClean="0"/>
-                  <a:t>W</a:t>
-                </a:r>
-                <a:r>
                   <a:rPr lang="de-DE" sz="1100" dirty="0"/>
-                  <a:t>]</a:t>
+                  <a:t>W]</a:t>
                 </a:r>
               </a:p>
             </c:rich>
           </c:tx>
-          <c:layout/>
           <c:overlay val="0"/>
           <c:spPr>
             <a:noFill/>
@@ -587,7 +578,6 @@
               </a:p>
             </c:rich>
           </c:tx>
-          <c:layout/>
           <c:overlay val="0"/>
           <c:spPr>
             <a:noFill/>
@@ -680,7 +670,6 @@
     </c:plotArea>
     <c:legend>
       <c:legendPos val="r"/>
-      <c:layout/>
       <c:overlay val="0"/>
       <c:spPr>
         <a:noFill/>
@@ -945,7 +934,6 @@
               </a:p>
             </c:rich>
           </c:tx>
-          <c:layout/>
           <c:overlay val="0"/>
           <c:spPr>
             <a:noFill/>
@@ -1020,7 +1008,6 @@
     </c:plotArea>
     <c:legend>
       <c:legendPos val="r"/>
-      <c:layout/>
       <c:overlay val="0"/>
       <c:spPr>
         <a:noFill/>
@@ -1452,7 +1439,6 @@
               </a:p>
             </c:rich>
           </c:tx>
-          <c:layout/>
           <c:overlay val="0"/>
           <c:spPr>
             <a:noFill/>
@@ -1567,37 +1553,24 @@
                   <a:rPr lang="de-DE" sz="1400" dirty="0">
                     <a:latin typeface="+mn-lt"/>
                   </a:rPr>
-                  <a:t>Schaltleistung </a:t>
+                  <a:t>Schaltleistung [</a:t>
                 </a:r>
                 <a:r>
-                  <a:rPr lang="de-DE" sz="1400" dirty="0" smtClean="0">
-                    <a:latin typeface="+mn-lt"/>
-                  </a:rPr>
-                  <a:t>[</a:t>
-                </a:r>
-                <a:r>
-                  <a:rPr lang="de-DE" sz="1400" dirty="0" smtClean="0">
+                  <a:rPr lang="de-DE" sz="1400" dirty="0">
                     <a:latin typeface="+mn-lt"/>
                     <a:cs typeface="Times New Roman" panose="02020603050405020304" pitchFamily="18" charset="0"/>
                   </a:rPr>
                   <a:t>µ</a:t>
                 </a:r>
                 <a:r>
-                  <a:rPr lang="de-DE" sz="1400" dirty="0" smtClean="0">
-                    <a:latin typeface="+mn-lt"/>
-                  </a:rPr>
-                  <a:t>W</a:t>
-                </a:r>
-                <a:r>
                   <a:rPr lang="de-DE" sz="1400" dirty="0">
                     <a:latin typeface="+mn-lt"/>
                   </a:rPr>
-                  <a:t>]</a:t>
+                  <a:t>W]</a:t>
                 </a:r>
               </a:p>
             </c:rich>
           </c:tx>
-          <c:layout/>
           <c:overlay val="0"/>
           <c:spPr>
             <a:noFill/>
@@ -1678,7 +1651,6 @@
     </c:plotArea>
     <c:legend>
       <c:legendPos val="b"/>
-      <c:layout/>
       <c:overlay val="0"/>
       <c:spPr>
         <a:noFill/>
@@ -2116,7 +2088,6 @@
               </a:p>
             </c:rich>
           </c:tx>
-          <c:layout/>
           <c:overlay val="0"/>
         </c:title>
         <c:numFmt formatCode="General" sourceLinked="0"/>
@@ -2167,7 +2138,6 @@
               </a:p>
             </c:rich>
           </c:tx>
-          <c:layout/>
           <c:overlay val="0"/>
         </c:title>
         <c:numFmt formatCode="General" sourceLinked="1"/>
@@ -2207,7 +2177,6 @@
     </c:plotArea>
     <c:legend>
       <c:legendPos val="b"/>
-      <c:layout/>
       <c:overlay val="0"/>
       <c:spPr>
         <a:noFill/>
@@ -2557,7 +2526,6 @@
               </a:p>
             </c:rich>
           </c:tx>
-          <c:layout/>
           <c:overlay val="0"/>
           <c:spPr>
             <a:noFill/>
@@ -2661,7 +2629,6 @@
               </a:p>
             </c:rich>
           </c:tx>
-          <c:layout/>
           <c:overlay val="0"/>
           <c:spPr>
             <a:noFill/>
@@ -2754,7 +2721,6 @@
     </c:plotArea>
     <c:legend>
       <c:legendPos val="b"/>
-      <c:layout/>
       <c:overlay val="0"/>
       <c:spPr>
         <a:noFill/>
@@ -3528,7 +3494,6 @@
               </a:p>
             </c:rich>
           </c:tx>
-          <c:layout/>
           <c:overlay val="0"/>
           <c:spPr>
             <a:noFill/>
@@ -3651,7 +3616,6 @@
               </a:p>
             </c:rich>
           </c:tx>
-          <c:layout/>
           <c:overlay val="0"/>
           <c:spPr>
             <a:noFill/>
@@ -4531,7 +4495,6 @@
               </a:p>
             </c:rich>
           </c:tx>
-          <c:layout/>
           <c:overlay val="0"/>
           <c:spPr>
             <a:noFill/>
@@ -4654,7 +4617,6 @@
               </a:p>
             </c:rich>
           </c:tx>
-          <c:layout/>
           <c:overlay val="0"/>
           <c:spPr>
             <a:noFill/>
@@ -6130,7 +6092,6 @@
               </a:p>
             </c:rich>
           </c:tx>
-          <c:layout/>
           <c:overlay val="0"/>
           <c:spPr>
             <a:noFill/>
@@ -6234,7 +6195,6 @@
               </a:p>
             </c:rich>
           </c:tx>
-          <c:layout/>
           <c:overlay val="0"/>
           <c:spPr>
             <a:noFill/>
@@ -6327,7 +6287,6 @@
     </c:plotArea>
     <c:legend>
       <c:legendPos val="b"/>
-      <c:layout/>
       <c:overlay val="0"/>
       <c:spPr>
         <a:noFill/>
@@ -6650,7 +6609,6 @@
               </a:p>
             </c:rich>
           </c:tx>
-          <c:layout/>
           <c:overlay val="0"/>
           <c:spPr>
             <a:noFill/>
@@ -6725,7 +6683,6 @@
     </c:plotArea>
     <c:legend>
       <c:legendPos val="r"/>
-      <c:layout/>
       <c:overlay val="0"/>
       <c:spPr>
         <a:noFill/>
@@ -12372,37 +12329,37 @@
           <a:lstStyle/>
           <a:p>
             <a:r>
-              <a:rPr lang="de-DE" dirty="0" smtClean="0"/>
+              <a:rPr lang="de-DE" dirty="0"/>
               <a:t>Es</a:t>
             </a:r>
             <a:r>
-              <a:rPr lang="de-DE" baseline="0" dirty="0" smtClean="0"/>
+              <a:rPr lang="de-DE" baseline="0" dirty="0"/>
               <a:t> entstanden in der </a:t>
             </a:r>
             <a:r>
-              <a:rPr lang="de-DE" dirty="0" err="1" smtClean="0"/>
+              <a:rPr lang="de-DE" dirty="0" err="1"/>
               <a:t>Execution</a:t>
             </a:r>
             <a:r>
-              <a:rPr lang="de-DE" dirty="0" smtClean="0"/>
+              <a:rPr lang="de-DE" dirty="0"/>
               <a:t> </a:t>
             </a:r>
             <a:r>
-              <a:rPr lang="de-DE" dirty="0" err="1" smtClean="0"/>
+              <a:rPr lang="de-DE" dirty="0" err="1"/>
               <a:t>stage</a:t>
             </a:r>
             <a:r>
-              <a:rPr lang="de-DE" dirty="0" smtClean="0"/>
+              <a:rPr lang="de-DE" dirty="0"/>
               <a:t> in der eigentlich</a:t>
             </a:r>
             <a:r>
-              <a:rPr lang="de-DE" baseline="0" dirty="0" smtClean="0"/>
+              <a:rPr lang="de-DE" baseline="0" dirty="0"/>
               <a:t> nur Daten anliegen sollten Abhängigkeiten</a:t>
             </a:r>
           </a:p>
           <a:p>
             <a:r>
-              <a:rPr lang="de-DE" baseline="0" dirty="0" smtClean="0"/>
+              <a:rPr lang="de-DE" baseline="0" dirty="0"/>
               <a:t>Verlustleistung der Standardzellen bekannt</a:t>
             </a:r>
             <a:endParaRPr lang="de-DE" dirty="0"/>
@@ -14053,22 +14010,14 @@
           <a:lstStyle/>
           <a:p>
             <a:r>
-              <a:rPr lang="de-DE" dirty="0" smtClean="0"/>
+              <a:rPr lang="de-DE" dirty="0"/>
               <a:t>Adressleitungen des Prozessors</a:t>
             </a:r>
           </a:p>
           <a:p>
             <a:r>
-              <a:rPr lang="de-DE" dirty="0" smtClean="0"/>
-              <a:t>Nur </a:t>
-            </a:r>
-            <a:r>
-              <a:rPr lang="de-DE" dirty="0" smtClean="0"/>
-              <a:t>Adressen werden beeinflusst </a:t>
-            </a:r>
-            <a:r>
-              <a:rPr lang="de-DE" dirty="0" smtClean="0"/>
-              <a:t>nicht Daten</a:t>
+              <a:rPr lang="de-DE" dirty="0"/>
+              <a:t>Nur Adressen werden beeinflusst nicht Daten</a:t>
             </a:r>
           </a:p>
           <a:p>
@@ -14163,13 +14112,8 @@
             </a:r>
             <a:r>
               <a:rPr lang="de-DE" baseline="0" dirty="0"/>
-              <a:t> </a:t>
+              <a:t> wird ausgenutzt</a:t>
             </a:r>
-            <a:r>
-              <a:rPr lang="de-DE" baseline="0" dirty="0" smtClean="0"/>
-              <a:t>wird ausgenutzt</a:t>
-            </a:r>
-            <a:endParaRPr lang="de-DE" baseline="0" dirty="0"/>
           </a:p>
           <a:p>
             <a:r>
@@ -14625,17 +14569,17 @@
           <a:lstStyle/>
           <a:p>
             <a:r>
-              <a:rPr lang="de-DE" dirty="0" smtClean="0"/>
+              <a:rPr lang="de-DE" dirty="0"/>
               <a:t>Unterschiedliche</a:t>
             </a:r>
             <a:r>
-              <a:rPr lang="de-DE" baseline="0" dirty="0" smtClean="0"/>
+              <a:rPr lang="de-DE" baseline="0" dirty="0"/>
               <a:t> Gewichte durch Lastkapazität</a:t>
             </a:r>
           </a:p>
           <a:p>
             <a:r>
-              <a:rPr lang="de-DE" baseline="0" dirty="0" smtClean="0"/>
+              <a:rPr lang="de-DE" baseline="0" dirty="0"/>
               <a:t>Adress-Bits weißen unterschiedliche Lasten auf aufgrund der Multiplexer Anordnung</a:t>
             </a:r>
             <a:endParaRPr lang="de-DE" dirty="0"/>
@@ -17508,13 +17452,6 @@
   <p:clrMapOvr>
     <a:masterClrMapping/>
   </p:clrMapOvr>
-  <p:timing>
-    <p:tnLst>
-      <p:par>
-        <p:cTn id="1" dur="indefinite" restart="never" nodeType="tmRoot"/>
-      </p:par>
-    </p:tnLst>
-  </p:timing>
 </p:sld>
 </file>
 
@@ -20493,8 +20430,8 @@
           </p:spPr>
         </p:cxnSp>
       </p:grpSp>
-      <mc:AlternateContent xmlns:mc="http://schemas.openxmlformats.org/markup-compatibility/2006">
-        <mc:Choice xmlns:a14="http://schemas.microsoft.com/office/drawing/2010/main" Requires="a14">
+      <mc:AlternateContent xmlns:mc="http://schemas.openxmlformats.org/markup-compatibility/2006" xmlns:a14="http://schemas.microsoft.com/office/drawing/2010/main">
+        <mc:Choice Requires="a14">
           <p:sp>
             <p:nvSpPr>
               <p:cNvPr id="71" name="Textfeld 70"/>
@@ -20527,8 +20464,8 @@
                       <m:sSub>
                         <m:sSubPr>
                           <m:ctrlPr>
-                            <a:rPr lang="de-DE" smtClean="0">
-                              <a:latin typeface="+mn-lt"/>
+                            <a:rPr lang="de-DE" i="1" smtClean="0">
+                              <a:latin typeface="Cambria Math" panose="02040503050406030204" pitchFamily="18" charset="0"/>
                             </a:rPr>
                           </m:ctrlPr>
                         </m:sSubPr>
@@ -20538,7 +20475,7 @@
                               <m:sty m:val="p"/>
                             </m:rPr>
                             <a:rPr lang="de-DE" b="0" i="0" smtClean="0">
-                              <a:latin typeface="+mn-lt"/>
+                              <a:latin typeface="Cambria Math" panose="02040503050406030204" pitchFamily="18" charset="0"/>
                             </a:rPr>
                             <m:t>P</m:t>
                           </m:r>
@@ -20549,7 +20486,7 @@
                               <m:sty m:val="p"/>
                             </m:rPr>
                             <a:rPr lang="de-DE" b="0" i="0" smtClean="0">
-                              <a:latin typeface="+mn-lt"/>
+                              <a:latin typeface="Cambria Math" panose="02040503050406030204" pitchFamily="18" charset="0"/>
                             </a:rPr>
                             <m:t>dyn</m:t>
                           </m:r>
@@ -20557,13 +20494,13 @@
                       </m:sSub>
                       <m:r>
                         <a:rPr lang="de-DE" b="0" i="0" smtClean="0">
-                          <a:latin typeface="+mn-lt"/>
+                          <a:latin typeface="Cambria Math" panose="02040503050406030204" pitchFamily="18" charset="0"/>
                         </a:rPr>
                         <m:t>= </m:t>
                       </m:r>
                       <m:r>
                         <a:rPr lang="de-DE" b="0" i="0" smtClean="0">
-                          <a:latin typeface="+mn-lt"/>
+                          <a:latin typeface="Cambria Math" panose="02040503050406030204" pitchFamily="18" charset="0"/>
                           <a:ea typeface="Cambria Math" panose="02040503050406030204" pitchFamily="18" charset="0"/>
                         </a:rPr>
                         <m:t>∝ ∙</m:t>
@@ -20573,14 +20510,14 @@
                           <m:sty m:val="p"/>
                         </m:rPr>
                         <a:rPr lang="de-DE" b="0" i="0" smtClean="0">
-                          <a:latin typeface="+mn-lt"/>
+                          <a:latin typeface="Cambria Math" panose="02040503050406030204" pitchFamily="18" charset="0"/>
                           <a:ea typeface="Cambria Math" panose="02040503050406030204" pitchFamily="18" charset="0"/>
                         </a:rPr>
                         <m:t>f</m:t>
                       </m:r>
                       <m:r>
                         <a:rPr lang="de-DE" b="0" i="0" smtClean="0">
-                          <a:latin typeface="+mn-lt"/>
+                          <a:latin typeface="Cambria Math" panose="02040503050406030204" pitchFamily="18" charset="0"/>
                           <a:ea typeface="Cambria Math" panose="02040503050406030204" pitchFamily="18" charset="0"/>
                         </a:rPr>
                         <m:t>∙</m:t>
@@ -20588,8 +20525,8 @@
                       <m:sSub>
                         <m:sSubPr>
                           <m:ctrlPr>
-                            <a:rPr lang="de-DE" b="0" smtClean="0">
-                              <a:latin typeface="+mn-lt"/>
+                            <a:rPr lang="de-DE" b="0" i="1" smtClean="0">
+                              <a:latin typeface="Cambria Math" panose="02040503050406030204" pitchFamily="18" charset="0"/>
                               <a:ea typeface="Cambria Math" panose="02040503050406030204" pitchFamily="18" charset="0"/>
                             </a:rPr>
                           </m:ctrlPr>
@@ -20600,7 +20537,7 @@
                               <m:sty m:val="p"/>
                             </m:rPr>
                             <a:rPr lang="de-DE" b="0" i="0" smtClean="0">
-                              <a:latin typeface="+mn-lt"/>
+                              <a:latin typeface="Cambria Math" panose="02040503050406030204" pitchFamily="18" charset="0"/>
                               <a:ea typeface="Cambria Math" panose="02040503050406030204" pitchFamily="18" charset="0"/>
                             </a:rPr>
                             <m:t>C</m:t>
@@ -20612,7 +20549,7 @@
                               <m:sty m:val="p"/>
                             </m:rPr>
                             <a:rPr lang="de-DE" b="0" i="0" smtClean="0">
-                              <a:latin typeface="+mn-lt"/>
+                              <a:latin typeface="Cambria Math" panose="02040503050406030204" pitchFamily="18" charset="0"/>
                               <a:ea typeface="Cambria Math" panose="02040503050406030204" pitchFamily="18" charset="0"/>
                             </a:rPr>
                             <m:t>L</m:t>
@@ -20621,7 +20558,7 @@
                       </m:sSub>
                       <m:r>
                         <a:rPr lang="de-DE" b="0" i="0" smtClean="0">
-                          <a:latin typeface="+mn-lt"/>
+                          <a:latin typeface="Cambria Math" panose="02040503050406030204" pitchFamily="18" charset="0"/>
                           <a:ea typeface="Cambria Math" panose="02040503050406030204" pitchFamily="18" charset="0"/>
                         </a:rPr>
                         <m:t>∙</m:t>
@@ -20629,8 +20566,8 @@
                       <m:sSubSup>
                         <m:sSubSupPr>
                           <m:ctrlPr>
-                            <a:rPr lang="de-DE" b="0" smtClean="0">
-                              <a:latin typeface="+mn-lt"/>
+                            <a:rPr lang="de-DE" b="0" i="1" smtClean="0">
+                              <a:latin typeface="Cambria Math" panose="02040503050406030204" pitchFamily="18" charset="0"/>
                               <a:ea typeface="Cambria Math" panose="02040503050406030204" pitchFamily="18" charset="0"/>
                             </a:rPr>
                           </m:ctrlPr>
@@ -20641,7 +20578,7 @@
                               <m:sty m:val="p"/>
                             </m:rPr>
                             <a:rPr lang="de-DE" b="0" i="0" smtClean="0">
-                              <a:latin typeface="+mn-lt"/>
+                              <a:latin typeface="Cambria Math" panose="02040503050406030204" pitchFamily="18" charset="0"/>
                               <a:ea typeface="Cambria Math" panose="02040503050406030204" pitchFamily="18" charset="0"/>
                             </a:rPr>
                             <m:t>V</m:t>
@@ -20653,7 +20590,7 @@
                               <m:sty m:val="p"/>
                             </m:rPr>
                             <a:rPr lang="de-DE" b="0" i="0" smtClean="0">
-                              <a:latin typeface="+mn-lt"/>
+                              <a:latin typeface="Cambria Math" panose="02040503050406030204" pitchFamily="18" charset="0"/>
                               <a:ea typeface="Cambria Math" panose="02040503050406030204" pitchFamily="18" charset="0"/>
                             </a:rPr>
                             <m:t>dd</m:t>
@@ -20662,7 +20599,7 @@
                         <m:sup>
                           <m:r>
                             <a:rPr lang="de-DE" b="0" i="0" smtClean="0">
-                              <a:latin typeface="+mn-lt"/>
+                              <a:latin typeface="Cambria Math" panose="02040503050406030204" pitchFamily="18" charset="0"/>
                               <a:ea typeface="Cambria Math" panose="02040503050406030204" pitchFamily="18" charset="0"/>
                             </a:rPr>
                             <m:t>2</m:t>
@@ -20679,7 +20616,7 @@
             </p:txBody>
           </p:sp>
         </mc:Choice>
-        <mc:Fallback>
+        <mc:Fallback xmlns="">
           <p:sp>
             <p:nvSpPr>
               <p:cNvPr id="71" name="Textfeld 70"/>
@@ -21761,7 +21698,7 @@
                 <a:tabLst/>
               </a:pPr>
               <a:r>
-                <a:rPr lang="de-DE" sz="1200" dirty="0" smtClean="0">
+                <a:rPr lang="de-DE" sz="1200" dirty="0">
                   <a:solidFill>
                     <a:schemeClr val="bg1"/>
                   </a:solidFill>
@@ -22574,10 +22511,9 @@
           <a:lstStyle/>
           <a:p>
             <a:r>
-              <a:rPr lang="de-DE" sz="1800" dirty="0" smtClean="0"/>
+              <a:rPr lang="de-DE" sz="1800" dirty="0"/>
               <a:t>Register-Adressierung</a:t>
             </a:r>
-            <a:endParaRPr lang="de-DE" sz="1800" dirty="0"/>
           </a:p>
         </p:txBody>
       </p:sp>
@@ -22633,7 +22569,7 @@
               <a:buNone/>
               <a:tabLst/>
             </a:pPr>
-            <a:endParaRPr kumimoji="0" lang="de-DE" sz="2400" b="0" i="0" u="none" strike="noStrike" cap="none" normalizeH="0" baseline="0" smtClean="0">
+            <a:endParaRPr kumimoji="0" lang="de-DE" sz="2400" b="0" i="0" u="none" strike="noStrike" cap="none" normalizeH="0" baseline="0">
               <a:ln>
                 <a:noFill/>
               </a:ln>
@@ -23448,14 +23384,7 @@
                 <a:latin typeface="+mn-lt"/>
                 <a:sym typeface="Wingdings" panose="05000000000000000000" pitchFamily="2" charset="2"/>
               </a:rPr>
-              <a:t></a:t>
-            </a:r>
-            <a:r>
-              <a:rPr lang="de-DE" dirty="0" smtClean="0">
-                <a:latin typeface="+mn-lt"/>
-                <a:sym typeface="Wingdings" panose="05000000000000000000" pitchFamily="2" charset="2"/>
-              </a:rPr>
-              <a:t>0</a:t>
+              <a:t>0</a:t>
             </a:r>
             <a:endParaRPr lang="de-DE" dirty="0">
               <a:latin typeface="+mn-lt"/>
@@ -23689,10 +23618,9 @@
           </a:lstStyle>
           <a:p>
             <a:r>
-              <a:rPr lang="de-DE" dirty="0" smtClean="0"/>
+              <a:rPr lang="de-DE" dirty="0"/>
               <a:t>18,33%</a:t>
             </a:r>
-            <a:endParaRPr lang="de-DE" dirty="0"/>
           </a:p>
         </p:txBody>
       </p:sp>
@@ -23797,18 +23725,13 @@
           </a:lstStyle>
           <a:p>
             <a:r>
-              <a:rPr lang="de-DE" dirty="0" smtClean="0">
+              <a:rPr lang="de-DE" dirty="0">
                 <a:solidFill>
                   <a:schemeClr val="bg1"/>
                 </a:solidFill>
               </a:rPr>
               <a:t>7,87%</a:t>
             </a:r>
-            <a:endParaRPr lang="de-DE" dirty="0">
-              <a:solidFill>
-                <a:schemeClr val="bg1"/>
-              </a:solidFill>
-            </a:endParaRPr>
           </a:p>
         </p:txBody>
       </p:sp>
@@ -24029,12 +23952,8 @@
           </a:p>
           <a:p>
             <a:r>
-              <a:rPr lang="de-DE" sz="2400" dirty="0" smtClean="0"/>
-              <a:t>Verlauf </a:t>
-            </a:r>
-            <a:r>
               <a:rPr lang="de-DE" sz="2400" dirty="0"/>
-              <a:t>der Schaltleistungen über der </a:t>
+              <a:t>Verlauf der Schaltleistungen über der </a:t>
             </a:r>
             <a:r>
               <a:rPr lang="de-DE" sz="2400" dirty="0" err="1"/>
@@ -24124,13 +24043,6 @@
   <p:clrMapOvr>
     <a:masterClrMapping/>
   </p:clrMapOvr>
-  <p:timing>
-    <p:tnLst>
-      <p:par>
-        <p:cTn id="1" dur="indefinite" restart="never" nodeType="tmRoot"/>
-      </p:par>
-    </p:tnLst>
-  </p:timing>
 </p:sld>
 </file>
 
@@ -24201,13 +24113,8 @@
           <a:p>
             <a:r>
               <a:rPr lang="de-DE" sz="2400" dirty="0"/>
-              <a:t>Mehrfaches Ausführen der </a:t>
+              <a:t>Mehrfaches Ausführen der Register-Allokation</a:t>
             </a:r>
-            <a:r>
-              <a:rPr lang="de-DE" sz="2400" dirty="0" smtClean="0"/>
-              <a:t>Register-Allokation</a:t>
-            </a:r>
-            <a:endParaRPr lang="de-DE" sz="2400" dirty="0"/>
           </a:p>
           <a:p>
             <a:endParaRPr lang="de-DE" sz="2400" dirty="0"/>
@@ -24226,13 +24133,13 @@
               <a:t> </a:t>
             </a:r>
             <a:r>
-              <a:rPr lang="de-DE" sz="2400" dirty="0" smtClean="0">
+              <a:rPr lang="de-DE" sz="2400" dirty="0">
                 <a:sym typeface="Wingdings" panose="05000000000000000000" pitchFamily="2" charset="2"/>
               </a:rPr>
               <a:t>Steigender</a:t>
             </a:r>
             <a:r>
-              <a:rPr lang="de-DE" sz="2400" dirty="0" smtClean="0">
+              <a:rPr lang="de-DE" sz="2400" dirty="0">
                 <a:solidFill>
                   <a:schemeClr val="bg2"/>
                 </a:solidFill>
@@ -24241,16 +24148,10 @@
               <a:t> </a:t>
             </a:r>
             <a:r>
-              <a:rPr lang="de-DE" sz="2400" dirty="0" smtClean="0">
-                <a:sym typeface="Wingdings" panose="05000000000000000000" pitchFamily="2" charset="2"/>
-              </a:rPr>
-              <a:t>Verlauf </a:t>
-            </a:r>
-            <a:r>
               <a:rPr lang="de-DE" sz="2400" dirty="0">
                 <a:sym typeface="Wingdings" panose="05000000000000000000" pitchFamily="2" charset="2"/>
               </a:rPr>
-              <a:t>trotz Einfluss der Register-Daten erkennbar</a:t>
+              <a:t>Verlauf trotz Einfluss der Register-Daten erkennbar</a:t>
             </a:r>
             <a:endParaRPr lang="de-DE" sz="2400" dirty="0"/>
           </a:p>
@@ -24300,13 +24201,6 @@
   <p:clrMapOvr>
     <a:masterClrMapping/>
   </p:clrMapOvr>
-  <p:timing>
-    <p:tnLst>
-      <p:par>
-        <p:cTn id="1" dur="indefinite" restart="never" nodeType="tmRoot"/>
-      </p:par>
-    </p:tnLst>
-  </p:timing>
 </p:sld>
 </file>
 
@@ -24546,25 +24440,16 @@
           </a:lstStyle>
           <a:p>
             <a:r>
-              <a:rPr lang="de-DE" sz="2000" kern="0" dirty="0" smtClean="0"/>
+              <a:rPr lang="de-DE" sz="2000" kern="0" dirty="0"/>
               <a:t>Anwendungsszenario mit festen und variablen Adressen</a:t>
             </a:r>
             <a:endParaRPr lang="de-DE" sz="2000" dirty="0"/>
           </a:p>
           <a:p>
             <a:r>
-              <a:rPr lang="de-DE" sz="2000" kern="0" dirty="0" smtClean="0"/>
-              <a:t>Initialisieren von Registern um </a:t>
+              <a:rPr lang="de-DE" sz="2000" kern="0" dirty="0"/>
+              <a:t>Initialisieren von Registern um Testfälle zu generieren </a:t>
             </a:r>
-            <a:r>
-              <a:rPr lang="de-DE" sz="2000" kern="0" dirty="0" smtClean="0"/>
-              <a:t>Testfälle </a:t>
-            </a:r>
-            <a:r>
-              <a:rPr lang="de-DE" sz="2000" kern="0" dirty="0" smtClean="0"/>
-              <a:t>zu generieren </a:t>
-            </a:r>
-            <a:endParaRPr lang="de-DE" sz="2000" kern="0" dirty="0"/>
           </a:p>
           <a:p>
             <a:endParaRPr lang="de-DE" sz="2000" kern="0" dirty="0"/>
@@ -25051,10 +24936,9 @@
           </a:lstStyle>
           <a:p>
             <a:r>
-              <a:rPr lang="de-DE" sz="1200" b="1" dirty="0" smtClean="0"/>
+              <a:rPr lang="de-DE" sz="1200" b="1" dirty="0"/>
               <a:t>8,54%</a:t>
             </a:r>
-            <a:endParaRPr lang="de-DE" sz="1200" b="1" dirty="0"/>
           </a:p>
         </p:txBody>
       </p:sp>
@@ -25159,18 +25043,13 @@
           </a:lstStyle>
           <a:p>
             <a:r>
-              <a:rPr lang="de-DE" sz="1200" b="1" dirty="0" smtClean="0">
+              <a:rPr lang="de-DE" sz="1200" b="1" dirty="0">
                 <a:solidFill>
                   <a:schemeClr val="bg1"/>
                 </a:solidFill>
               </a:rPr>
               <a:t>2,56%</a:t>
             </a:r>
-            <a:endParaRPr lang="de-DE" sz="1200" b="1" dirty="0">
-              <a:solidFill>
-                <a:schemeClr val="bg1"/>
-              </a:solidFill>
-            </a:endParaRPr>
           </a:p>
         </p:txBody>
       </p:sp>
@@ -25837,28 +25716,20 @@
               <a:t>Vergleich von </a:t>
             </a:r>
             <a:r>
-              <a:rPr lang="de-DE" sz="2000" kern="0" dirty="0" err="1" smtClean="0"/>
+              <a:rPr lang="de-DE" sz="2000" kern="0" dirty="0" err="1"/>
               <a:t>default</a:t>
             </a:r>
             <a:r>
-              <a:rPr lang="de-DE" sz="2000" kern="0" dirty="0" smtClean="0"/>
-              <a:t> </a:t>
+              <a:rPr lang="de-DE" sz="2000" kern="0" dirty="0"/>
+              <a:t> und </a:t>
+            </a:r>
+            <a:r>
+              <a:rPr lang="de-DE" sz="2000" dirty="0"/>
+              <a:t>verlustleistungsoptimierte</a:t>
             </a:r>
             <a:r>
               <a:rPr lang="de-DE" sz="2000" kern="0" dirty="0"/>
-              <a:t>und </a:t>
-            </a:r>
-            <a:r>
-              <a:rPr lang="de-DE" sz="2000" dirty="0" smtClean="0"/>
-              <a:t>verlustleistungsoptimierte</a:t>
-            </a:r>
-            <a:r>
-              <a:rPr lang="de-DE" sz="2000" kern="0" dirty="0" smtClean="0"/>
-              <a:t> </a:t>
-            </a:r>
-            <a:r>
-              <a:rPr lang="de-DE" sz="2000" kern="0" dirty="0"/>
-              <a:t>Heuristik sowie genetischer Algorithmen mit </a:t>
+              <a:t> Heuristik sowie genetischer Algorithmen mit </a:t>
             </a:r>
             <a:r>
               <a:rPr lang="de-DE" sz="2000" kern="0" dirty="0" err="1"/>
@@ -25866,11 +25737,7 @@
             </a:r>
             <a:r>
               <a:rPr lang="de-DE" sz="2000" kern="0" dirty="0"/>
-              <a:t>-Distanz und Lastkapazität als </a:t>
-            </a:r>
-            <a:r>
-              <a:rPr lang="de-DE" sz="2000" kern="0" dirty="0" smtClean="0"/>
-              <a:t>Fitness</a:t>
+              <a:t>-Distanz und Lastkapazität als Fitness</a:t>
             </a:r>
             <a:endParaRPr lang="de-DE" sz="2000" dirty="0">
               <a:sym typeface="Wingdings" panose="05000000000000000000" pitchFamily="2" charset="2"/>
@@ -26004,13 +25871,8 @@
           <a:p>
             <a:r>
               <a:rPr lang="de-DE" sz="1200" b="1" dirty="0"/>
-              <a:t>9</a:t>
+              <a:t>9,04%</a:t>
             </a:r>
-            <a:r>
-              <a:rPr lang="de-DE" sz="1200" b="1" dirty="0" smtClean="0"/>
-              <a:t>,04%</a:t>
-            </a:r>
-            <a:endParaRPr lang="de-DE" sz="1200" b="1" dirty="0"/>
           </a:p>
         </p:txBody>
       </p:sp>
@@ -26115,18 +25977,13 @@
           </a:lstStyle>
           <a:p>
             <a:r>
-              <a:rPr lang="de-DE" sz="1200" b="1" dirty="0" smtClean="0">
+              <a:rPr lang="de-DE" sz="1200" b="1" dirty="0">
                 <a:solidFill>
                   <a:schemeClr val="bg1"/>
                 </a:solidFill>
               </a:rPr>
               <a:t>2,56%</a:t>
             </a:r>
-            <a:endParaRPr lang="de-DE" sz="1200" b="1" dirty="0">
-              <a:solidFill>
-                <a:schemeClr val="bg1"/>
-              </a:solidFill>
-            </a:endParaRPr>
           </a:p>
         </p:txBody>
       </p:sp>
@@ -26345,27 +26202,14 @@
           <a:p>
             <a:r>
               <a:rPr lang="de-DE" dirty="0"/>
-              <a:t>Optimieren der </a:t>
-            </a:r>
-            <a:r>
-              <a:rPr lang="de-DE" dirty="0" smtClean="0"/>
-              <a:t>Registeradressierung </a:t>
-            </a:r>
-            <a:r>
-              <a:rPr lang="de-DE" dirty="0"/>
-              <a:t>zur Verlustleistungsoptimierung sinnvoll</a:t>
+              <a:t>Optimieren der Registeradressierung zur Verlustleistungsoptimierung sinnvoll</a:t>
             </a:r>
           </a:p>
           <a:p>
             <a:r>
               <a:rPr lang="de-DE" dirty="0"/>
-              <a:t>Im Best-Case ist eine Einsparung der Leistung von 18,33% im Register-File und </a:t>
+              <a:t>Im Best-Case ist eine Einsparung der Leistung von 18,33% im Register-File und bei den realen Testfall um 9,04% möglich</a:t>
             </a:r>
-            <a:r>
-              <a:rPr lang="de-DE" dirty="0" smtClean="0"/>
-              <a:t>bei den realen Testfall um 9,04% möglich</a:t>
-            </a:r>
-            <a:endParaRPr lang="de-DE" dirty="0"/>
           </a:p>
           <a:p>
             <a:r>
@@ -26378,13 +26222,8 @@
             </a:r>
             <a:r>
               <a:rPr lang="de-DE" dirty="0"/>
-              <a:t>-Distanz als Fitness-Wert </a:t>
+              <a:t>-Distanz als Fitness-Wert sinnvoll</a:t>
             </a:r>
-            <a:r>
-              <a:rPr lang="de-DE" dirty="0" smtClean="0"/>
-              <a:t>sinnvoll</a:t>
-            </a:r>
-            <a:endParaRPr lang="de-DE" dirty="0"/>
           </a:p>
           <a:p>
             <a:r>
@@ -26394,12 +26233,8 @@
           </a:p>
           <a:p>
             <a:r>
-              <a:rPr lang="de-DE" dirty="0" smtClean="0"/>
-              <a:t>Prinzip der Register-Adressoptimierung </a:t>
-            </a:r>
-            <a:r>
               <a:rPr lang="de-DE" dirty="0"/>
-              <a:t>ist auf andere DSPs übertragbar</a:t>
+              <a:t>Prinzip der Register-Adressoptimierung ist auf andere DSPs übertragbar</a:t>
             </a:r>
           </a:p>
           <a:p>
@@ -26420,13 +26255,6 @@
   <p:clrMapOvr>
     <a:masterClrMapping/>
   </p:clrMapOvr>
-  <p:timing>
-    <p:tnLst>
-      <p:par>
-        <p:cTn id="1" dur="indefinite" restart="never" nodeType="tmRoot"/>
-      </p:par>
-    </p:tnLst>
-  </p:timing>
 </p:sld>
 </file>
 
@@ -27369,14 +27197,6 @@
   <p:clrMapOvr>
     <a:masterClrMapping/>
   </p:clrMapOvr>
-  <mc:AlternateContent xmlns:mc="http://schemas.openxmlformats.org/markup-compatibility/2006" xmlns:p14="http://schemas.microsoft.com/office/powerpoint/2010/main">
-    <mc:Choice Requires="p14">
-      <p:transition spd="slow" p14:dur="2000"/>
-    </mc:Choice>
-    <mc:Fallback xmlns="">
-      <p:transition spd="slow"/>
-    </mc:Fallback>
-  </mc:AlternateContent>
   <p:timing>
     <p:tnLst>
       <p:par>
@@ -27999,13 +27819,6 @@
   <p:clrMapOvr>
     <a:masterClrMapping/>
   </p:clrMapOvr>
-  <p:timing>
-    <p:tnLst>
-      <p:par>
-        <p:cTn id="1" dur="indefinite" restart="never" nodeType="tmRoot"/>
-      </p:par>
-    </p:tnLst>
-  </p:timing>
 </p:sld>
 </file>
 
@@ -29143,14 +28956,6 @@
   <p:clrMapOvr>
     <a:masterClrMapping/>
   </p:clrMapOvr>
-  <mc:AlternateContent xmlns:mc="http://schemas.openxmlformats.org/markup-compatibility/2006" xmlns:p14="http://schemas.microsoft.com/office/powerpoint/2010/main">
-    <mc:Choice Requires="p14">
-      <p:transition spd="slow" p14:dur="2000"/>
-    </mc:Choice>
-    <mc:Fallback xmlns="">
-      <p:transition spd="slow"/>
-    </mc:Fallback>
-  </mc:AlternateContent>
   <p:timing>
     <p:tnLst>
       <p:par>
@@ -29503,21 +29308,6 @@
   <p:clrMapOvr>
     <a:masterClrMapping/>
   </p:clrMapOvr>
-  <mc:AlternateContent xmlns:mc="http://schemas.openxmlformats.org/markup-compatibility/2006" xmlns:p14="http://schemas.microsoft.com/office/powerpoint/2010/main">
-    <mc:Choice Requires="p14">
-      <p:transition spd="slow" p14:dur="2000"/>
-    </mc:Choice>
-    <mc:Fallback xmlns="">
-      <p:transition spd="slow"/>
-    </mc:Fallback>
-  </mc:AlternateContent>
-  <p:timing>
-    <p:tnLst>
-      <p:par>
-        <p:cTn id="1" dur="indefinite" restart="never" nodeType="tmRoot"/>
-      </p:par>
-    </p:tnLst>
-  </p:timing>
 </p:sld>
 </file>
 
@@ -29635,21 +29425,6 @@
   <p:clrMapOvr>
     <a:masterClrMapping/>
   </p:clrMapOvr>
-  <mc:AlternateContent xmlns:mc="http://schemas.openxmlformats.org/markup-compatibility/2006" xmlns:p14="http://schemas.microsoft.com/office/powerpoint/2010/main">
-    <mc:Choice Requires="p14">
-      <p:transition spd="slow" p14:dur="2000"/>
-    </mc:Choice>
-    <mc:Fallback xmlns="">
-      <p:transition spd="slow"/>
-    </mc:Fallback>
-  </mc:AlternateContent>
-  <p:timing>
-    <p:tnLst>
-      <p:par>
-        <p:cTn id="1" dur="indefinite" restart="never" nodeType="tmRoot"/>
-      </p:par>
-    </p:tnLst>
-  </p:timing>
 </p:sld>
 </file>
 
@@ -30020,13 +29795,6 @@
   <p:clrMapOvr>
     <a:masterClrMapping/>
   </p:clrMapOvr>
-  <p:timing>
-    <p:tnLst>
-      <p:par>
-        <p:cTn id="1" dur="indefinite" restart="never" nodeType="tmRoot"/>
-      </p:par>
-    </p:tnLst>
-  </p:timing>
 </p:sld>
 </file>
 
@@ -31390,21 +31158,6 @@
   <p:clrMapOvr>
     <a:masterClrMapping/>
   </p:clrMapOvr>
-  <mc:AlternateContent xmlns:mc="http://schemas.openxmlformats.org/markup-compatibility/2006" xmlns:p14="http://schemas.microsoft.com/office/powerpoint/2010/main">
-    <mc:Choice Requires="p14">
-      <p:transition spd="slow" p14:dur="2000"/>
-    </mc:Choice>
-    <mc:Fallback xmlns="">
-      <p:transition spd="slow"/>
-    </mc:Fallback>
-  </mc:AlternateContent>
-  <p:timing>
-    <p:tnLst>
-      <p:par>
-        <p:cTn id="1" dur="indefinite" restart="never" nodeType="tmRoot"/>
-      </p:par>
-    </p:tnLst>
-  </p:timing>
 </p:sld>
 </file>
 
@@ -31450,21 +31203,8 @@
             </a:r>
             <a:r>
               <a:rPr lang="de-DE" sz="2400" dirty="0"/>
-              <a:t> und unterschiedlichen </a:t>
+              <a:t> und unterschiedlichen Fitness-Ansätzen, bei gleicher Laufzeit</a:t>
             </a:r>
-            <a:r>
-              <a:rPr lang="de-DE" sz="2400" dirty="0" smtClean="0"/>
-              <a:t>Fitness-Ansätzen, </a:t>
-            </a:r>
-            <a:r>
-              <a:rPr lang="de-DE" sz="2400" dirty="0"/>
-              <a:t>bei gleicher </a:t>
-            </a:r>
-            <a:r>
-              <a:rPr lang="de-DE" sz="2400" dirty="0" smtClean="0"/>
-              <a:t>Laufzeit</a:t>
-            </a:r>
-            <a:endParaRPr lang="de-DE" sz="2400" dirty="0"/>
           </a:p>
           <a:p>
             <a:pPr marL="0" indent="0">
@@ -31560,13 +31300,6 @@
   <p:clrMapOvr>
     <a:masterClrMapping/>
   </p:clrMapOvr>
-  <p:timing>
-    <p:tnLst>
-      <p:par>
-        <p:cTn id="1" dur="indefinite" restart="never" nodeType="tmRoot"/>
-      </p:par>
-    </p:tnLst>
-  </p:timing>
 </p:sld>
 </file>
 
@@ -31603,10 +31336,9 @@
           <a:lstStyle/>
           <a:p>
             <a:r>
-              <a:rPr lang="de-DE" dirty="0" smtClean="0"/>
+              <a:rPr lang="de-DE" dirty="0"/>
               <a:t>Ermitteln der maximalen Durchlaufzahl</a:t>
             </a:r>
-            <a:endParaRPr lang="de-DE" dirty="0"/>
           </a:p>
         </p:txBody>
       </p:sp>
@@ -31649,13 +31381,6 @@
   <p:clrMapOvr>
     <a:masterClrMapping/>
   </p:clrMapOvr>
-  <p:timing>
-    <p:tnLst>
-      <p:par>
-        <p:cTn id="1" dur="indefinite" restart="never" nodeType="tmRoot"/>
-      </p:par>
-    </p:tnLst>
-  </p:timing>
 </p:sld>
 </file>
 
@@ -31693,27 +31418,15 @@
           <a:p>
             <a:r>
               <a:rPr lang="de-DE" dirty="0"/>
-              <a:t>Ausführen des selben Testfalls </a:t>
+              <a:t>Ausführen des selben Testfalls mit identischem </a:t>
             </a:r>
             <a:r>
-              <a:rPr lang="de-DE" dirty="0" smtClean="0"/>
-              <a:t>mit identischem </a:t>
-            </a:r>
-            <a:r>
-              <a:rPr lang="de-DE" dirty="0" err="1" smtClean="0"/>
+              <a:rPr lang="de-DE" dirty="0" err="1"/>
               <a:t>Seed</a:t>
             </a:r>
             <a:r>
-              <a:rPr lang="de-DE" dirty="0" smtClean="0"/>
-              <a:t> </a:t>
-            </a:r>
-            <a:r>
               <a:rPr lang="de-DE" dirty="0"/>
-              <a:t>und unterschiedlichen </a:t>
-            </a:r>
-            <a:r>
-              <a:rPr lang="de-DE" dirty="0" smtClean="0"/>
-              <a:t>Fitness-Ansätzen</a:t>
+              <a:t> und unterschiedlichen Fitness-Ansätzen</a:t>
             </a:r>
           </a:p>
           <a:p>
@@ -31726,7 +31439,7 @@
           </a:p>
           <a:p>
             <a:r>
-              <a:rPr lang="de-DE" dirty="0" smtClean="0">
+              <a:rPr lang="de-DE" dirty="0">
                 <a:solidFill>
                   <a:schemeClr val="bg2"/>
                 </a:solidFill>
@@ -31735,25 +31448,19 @@
               <a:t></a:t>
             </a:r>
             <a:r>
-              <a:rPr lang="de-DE" dirty="0" smtClean="0">
-                <a:sym typeface="Wingdings" panose="05000000000000000000" pitchFamily="2" charset="2"/>
-              </a:rPr>
-              <a:t> </a:t>
-            </a:r>
-            <a:r>
               <a:rPr lang="de-DE" dirty="0">
                 <a:sym typeface="Wingdings" panose="05000000000000000000" pitchFamily="2" charset="2"/>
               </a:rPr>
-              <a:t>Fitness-Wert mit </a:t>
+              <a:t> Fitness-Wert mit </a:t>
             </a:r>
             <a:r>
-              <a:rPr lang="de-DE" dirty="0" err="1" smtClean="0">
+              <a:rPr lang="de-DE" dirty="0" err="1">
                 <a:sym typeface="Wingdings" panose="05000000000000000000" pitchFamily="2" charset="2"/>
               </a:rPr>
               <a:t>Hamming</a:t>
             </a:r>
             <a:r>
-              <a:rPr lang="de-DE" dirty="0" smtClean="0">
+              <a:rPr lang="de-DE" dirty="0">
                 <a:sym typeface="Wingdings" panose="05000000000000000000" pitchFamily="2" charset="2"/>
               </a:rPr>
               <a:t>-Distanz und Lastkapazität </a:t>
@@ -31778,10 +31485,9 @@
           <a:lstStyle/>
           <a:p>
             <a:r>
-              <a:rPr lang="de-DE" dirty="0" smtClean="0"/>
+              <a:rPr lang="de-DE" dirty="0"/>
               <a:t>Einfluss der Lastkapazität in der Fitnessfunktion</a:t>
             </a:r>
-            <a:endParaRPr lang="de-DE" dirty="0"/>
           </a:p>
         </p:txBody>
       </p:sp>
@@ -31820,21 +31526,6 @@
   <p:clrMapOvr>
     <a:masterClrMapping/>
   </p:clrMapOvr>
-  <mc:AlternateContent xmlns:mc="http://schemas.openxmlformats.org/markup-compatibility/2006" xmlns:p14="http://schemas.microsoft.com/office/powerpoint/2010/main">
-    <mc:Choice Requires="p14">
-      <p:transition spd="slow" p14:dur="2000"/>
-    </mc:Choice>
-    <mc:Fallback xmlns="">
-      <p:transition spd="slow"/>
-    </mc:Fallback>
-  </mc:AlternateContent>
-  <p:timing>
-    <p:tnLst>
-      <p:par>
-        <p:cTn id="1" dur="indefinite" restart="never" nodeType="tmRoot"/>
-      </p:par>
-    </p:tnLst>
-  </p:timing>
 </p:sld>
 </file>
 
@@ -32595,13 +32286,6 @@
       <p:transition spd="slow" advClick="0" advTm="500"/>
     </mc:Fallback>
   </mc:AlternateContent>
-  <p:timing>
-    <p:tnLst>
-      <p:par>
-        <p:cTn id="1" dur="indefinite" restart="never" nodeType="tmRoot"/>
-      </p:par>
-    </p:tnLst>
-  </p:timing>
 </p:sld>
 </file>
 
@@ -33362,13 +33046,6 @@
       <p:transition spd="slow" advClick="0" advTm="500"/>
     </mc:Fallback>
   </mc:AlternateContent>
-  <p:timing>
-    <p:tnLst>
-      <p:par>
-        <p:cTn id="1" dur="indefinite" restart="never" nodeType="tmRoot"/>
-      </p:par>
-    </p:tnLst>
-  </p:timing>
 </p:sld>
 </file>
 
@@ -33492,13 +33169,6 @@
   <p:clrMapOvr>
     <a:masterClrMapping/>
   </p:clrMapOvr>
-  <p:timing>
-    <p:tnLst>
-      <p:par>
-        <p:cTn id="1" dur="indefinite" restart="never" nodeType="tmRoot"/>
-      </p:par>
-    </p:tnLst>
-  </p:timing>
 </p:sld>
 </file>
 
@@ -34259,13 +33929,6 @@
       <p:transition spd="slow" advClick="0" advTm="500"/>
     </mc:Fallback>
   </mc:AlternateContent>
-  <p:timing>
-    <p:tnLst>
-      <p:par>
-        <p:cTn id="1" dur="indefinite" restart="never" nodeType="tmRoot"/>
-      </p:par>
-    </p:tnLst>
-  </p:timing>
 </p:sld>
 </file>
 
@@ -35026,13 +34689,6 @@
       <p:transition spd="slow" advClick="0" advTm="500"/>
     </mc:Fallback>
   </mc:AlternateContent>
-  <p:timing>
-    <p:tnLst>
-      <p:par>
-        <p:cTn id="1" dur="indefinite" restart="never" nodeType="tmRoot"/>
-      </p:par>
-    </p:tnLst>
-  </p:timing>
 </p:sld>
 </file>
 
@@ -37394,23 +37050,15 @@
           </a:p>
           <a:p>
             <a:r>
-              <a:rPr lang="de-DE" sz="2000" dirty="0" smtClean="0"/>
-              <a:t>Register-File </a:t>
-            </a:r>
-            <a:r>
-              <a:rPr lang="de-DE" sz="2000" dirty="0" smtClean="0"/>
-              <a:t>Anteil von ca. 65% an der Gesamtleistungsaufnahme</a:t>
+              <a:rPr lang="de-DE" sz="2000" dirty="0"/>
+              <a:t>Register-File Anteil von ca. 65% an der Gesamtleistungsaufnahme</a:t>
             </a:r>
           </a:p>
           <a:p>
             <a:pPr lvl="1"/>
             <a:r>
-              <a:rPr lang="de-DE" sz="2000" dirty="0" smtClean="0"/>
-              <a:t>64 </a:t>
-            </a:r>
-            <a:r>
               <a:rPr lang="de-DE" sz="2000" dirty="0"/>
-              <a:t>Register als </a:t>
+              <a:t>64 Register als </a:t>
             </a:r>
             <a:r>
               <a:rPr lang="de-DE" sz="2000" dirty="0" err="1"/>
@@ -37578,7 +37226,7 @@
                     <a:lstStyle/>
                     <a:p>
                       <a:r>
-                        <a:rPr lang="de-DE" sz="1200" b="0" dirty="0" smtClean="0">
+                        <a:rPr lang="de-DE" sz="1200" b="0" dirty="0">
                           <a:solidFill>
                             <a:sysClr val="windowText" lastClr="000000"/>
                           </a:solidFill>
@@ -37586,12 +37234,6 @@
                         </a:rPr>
                         <a:t>Register-File</a:t>
                       </a:r>
-                      <a:endParaRPr lang="de-DE" sz="1200" b="0" dirty="0">
-                        <a:solidFill>
-                          <a:sysClr val="windowText" lastClr="000000"/>
-                        </a:solidFill>
-                        <a:latin typeface="+mn-lt"/>
-                      </a:endParaRPr>
                     </a:p>
                   </a:txBody>
                   <a:tcPr>
@@ -37627,14 +37269,11 @@
                     <a:lstStyle/>
                     <a:p>
                       <a:r>
-                        <a:rPr lang="de-DE" sz="1200" b="0" dirty="0" smtClean="0">
+                        <a:rPr lang="de-DE" sz="1200" b="0" dirty="0">
                           <a:latin typeface="+mn-lt"/>
                         </a:rPr>
                         <a:t>Andere Komponenten des Prozessors</a:t>
                       </a:r>
-                      <a:endParaRPr lang="de-DE" sz="1200" b="0" dirty="0">
-                        <a:latin typeface="+mn-lt"/>
-                      </a:endParaRPr>
                     </a:p>
                   </a:txBody>
                   <a:tcPr>
@@ -37662,7 +37301,7 @@
         <p:spPr>
           <a:xfrm>
             <a:off x="6331858" y="3220788"/>
-            <a:ext cx="2115451" cy="338554"/>
+            <a:ext cx="1898405" cy="338554"/>
           </a:xfrm>
           <a:prstGeom prst="rect">
             <a:avLst/>
@@ -37676,10 +37315,11 @@
           <a:lstStyle/>
           <a:p>
             <a:r>
-              <a:rPr lang="de-DE" sz="1600" dirty="0" smtClean="0"/>
+              <a:rPr lang="de-DE" sz="1600" dirty="0">
+                <a:latin typeface="+mn-lt"/>
+              </a:rPr>
               <a:t>Platzierter KAVUAKA</a:t>
             </a:r>
-            <a:endParaRPr lang="de-DE" sz="1600" dirty="0"/>
           </a:p>
         </p:txBody>
       </p:sp>
@@ -37821,7 +37461,7 @@
               <a:buChar char="§"/>
             </a:pPr>
             <a:r>
-              <a:rPr lang="de-DE" sz="2000" dirty="0" smtClean="0">
+              <a:rPr lang="de-DE" sz="2000" dirty="0">
                 <a:latin typeface="+mn-lt"/>
               </a:rPr>
               <a:t>Verlustleistung minimieren durch optimierte Registeradressierung mittels genetischem Algorithmus</a:t>
@@ -37854,7 +37494,7 @@
               <a:buChar char="§"/>
             </a:pPr>
             <a:r>
-              <a:rPr lang="de-DE" sz="2000" dirty="0" smtClean="0">
+              <a:rPr lang="de-DE" sz="2000" dirty="0">
                 <a:latin typeface="+mn-lt"/>
               </a:rPr>
               <a:t> </a:t>
@@ -37872,7 +37512,7 @@
               <a:buChar char="§"/>
             </a:pPr>
             <a:r>
-              <a:rPr lang="de-DE" sz="2000" dirty="0" smtClean="0">
+              <a:rPr lang="de-DE" sz="2000" dirty="0">
                 <a:latin typeface="+mn-lt"/>
               </a:rPr>
               <a:t>Register-Daten bleiben unbeeinflusst</a:t>
@@ -37895,10 +37535,9 @@
           </a:p>
           <a:p>
             <a:r>
-              <a:rPr lang="de-DE" dirty="0" smtClean="0"/>
+              <a:rPr lang="de-DE" dirty="0"/>
               <a:t> </a:t>
             </a:r>
-            <a:endParaRPr lang="de-DE" dirty="0"/>
           </a:p>
         </p:txBody>
       </p:sp>
@@ -38778,7 +38417,7 @@
               <a:buNone/>
               <a:tabLst/>
             </a:pPr>
-            <a:endParaRPr kumimoji="0" lang="de-DE" sz="2400" b="0" i="0" u="none" strike="noStrike" cap="none" normalizeH="0" baseline="0" smtClean="0">
+            <a:endParaRPr kumimoji="0" lang="de-DE" sz="2400" b="0" i="0" u="none" strike="noStrike" cap="none" normalizeH="0" baseline="0">
               <a:ln>
                 <a:noFill/>
               </a:ln>
@@ -38850,7 +38489,7 @@
               <a:tabLst/>
             </a:pPr>
             <a:r>
-              <a:rPr kumimoji="0" lang="de-DE" sz="1800" b="0" i="0" u="none" strike="noStrike" cap="none" normalizeH="0" baseline="0" dirty="0" smtClean="0">
+              <a:rPr kumimoji="0" lang="de-DE" sz="1800" b="0" i="0" u="none" strike="noStrike" cap="none" normalizeH="0" baseline="0" dirty="0">
                 <a:ln>
                   <a:noFill/>
                 </a:ln>
@@ -38919,7 +38558,7 @@
               <a:tabLst/>
             </a:pPr>
             <a:r>
-              <a:rPr kumimoji="0" lang="de-DE" sz="1800" b="0" i="0" u="none" strike="noStrike" cap="none" normalizeH="0" baseline="0" dirty="0" smtClean="0">
+              <a:rPr kumimoji="0" lang="de-DE" sz="1800" b="0" i="0" u="none" strike="noStrike" cap="none" normalizeH="0" baseline="0" dirty="0">
                 <a:ln>
                   <a:noFill/>
                 </a:ln>
@@ -38988,7 +38627,7 @@
               <a:tabLst/>
             </a:pPr>
             <a:r>
-              <a:rPr kumimoji="0" lang="de-DE" sz="1800" b="0" i="0" u="none" strike="noStrike" cap="none" normalizeH="0" baseline="0" dirty="0" smtClean="0">
+              <a:rPr kumimoji="0" lang="de-DE" sz="1800" b="0" i="0" u="none" strike="noStrike" cap="none" normalizeH="0" baseline="0" dirty="0">
                 <a:ln>
                   <a:noFill/>
                 </a:ln>
@@ -39062,7 +38701,7 @@
               <a:tabLst/>
             </a:pPr>
             <a:r>
-              <a:rPr kumimoji="0" lang="de-DE" sz="1800" b="0" i="0" u="none" strike="noStrike" cap="none" normalizeH="0" baseline="0" dirty="0" smtClean="0">
+              <a:rPr kumimoji="0" lang="de-DE" sz="1800" b="0" i="0" u="none" strike="noStrike" cap="none" normalizeH="0" baseline="0" dirty="0">
                 <a:ln>
                   <a:noFill/>
                 </a:ln>
@@ -39224,7 +38863,7 @@
               <a:buNone/>
               <a:tabLst/>
             </a:pPr>
-            <a:endParaRPr kumimoji="0" lang="de-DE" sz="2400" b="0" i="0" u="none" strike="noStrike" cap="none" normalizeH="0" baseline="0" smtClean="0">
+            <a:endParaRPr kumimoji="0" lang="de-DE" sz="2400" b="0" i="0" u="none" strike="noStrike" cap="none" normalizeH="0" baseline="0">
               <a:ln>
                 <a:noFill/>
               </a:ln>
@@ -39296,7 +38935,7 @@
               <a:tabLst/>
             </a:pPr>
             <a:r>
-              <a:rPr kumimoji="0" lang="de-DE" sz="1800" b="0" i="0" u="none" strike="noStrike" cap="none" normalizeH="0" baseline="0" dirty="0" smtClean="0">
+              <a:rPr kumimoji="0" lang="de-DE" sz="1800" b="0" i="0" u="none" strike="noStrike" cap="none" normalizeH="0" baseline="0" dirty="0">
                 <a:ln>
                   <a:noFill/>
                 </a:ln>
@@ -39365,7 +39004,7 @@
               <a:tabLst/>
             </a:pPr>
             <a:r>
-              <a:rPr kumimoji="0" lang="de-DE" sz="1800" b="0" i="0" u="none" strike="noStrike" cap="none" normalizeH="0" baseline="0" dirty="0" smtClean="0">
+              <a:rPr kumimoji="0" lang="de-DE" sz="1800" b="0" i="0" u="none" strike="noStrike" cap="none" normalizeH="0" baseline="0" dirty="0">
                 <a:ln>
                   <a:noFill/>
                 </a:ln>
@@ -39434,7 +39073,7 @@
               <a:tabLst/>
             </a:pPr>
             <a:r>
-              <a:rPr kumimoji="0" lang="de-DE" sz="1800" b="0" i="0" u="none" strike="noStrike" cap="none" normalizeH="0" baseline="0" dirty="0" smtClean="0">
+              <a:rPr kumimoji="0" lang="de-DE" sz="1800" b="0" i="0" u="none" strike="noStrike" cap="none" normalizeH="0" baseline="0" dirty="0">
                 <a:ln>
                   <a:noFill/>
                 </a:ln>
@@ -39508,7 +39147,7 @@
               <a:tabLst/>
             </a:pPr>
             <a:r>
-              <a:rPr kumimoji="0" lang="de-DE" sz="1800" b="0" i="0" u="none" strike="noStrike" cap="none" normalizeH="0" baseline="0" dirty="0" smtClean="0">
+              <a:rPr kumimoji="0" lang="de-DE" sz="1800" b="0" i="0" u="none" strike="noStrike" cap="none" normalizeH="0" baseline="0" dirty="0">
                 <a:ln>
                   <a:noFill/>
                 </a:ln>
@@ -39620,8 +39259,8 @@
           <a:effectLst/>
         </p:spPr>
       </p:cxnSp>
-      <mc:AlternateContent xmlns:mc="http://schemas.openxmlformats.org/markup-compatibility/2006">
-        <mc:Choice xmlns:a14="http://schemas.microsoft.com/office/drawing/2010/main" Requires="a14">
+      <mc:AlternateContent xmlns:mc="http://schemas.openxmlformats.org/markup-compatibility/2006" xmlns:a14="http://schemas.microsoft.com/office/drawing/2010/main">
+        <mc:Choice Requires="a14">
           <p:sp>
             <p:nvSpPr>
               <p:cNvPr id="30" name="Textfeld 29"/>
@@ -39654,8 +39293,8 @@
                       <m:sSub>
                         <m:sSubPr>
                           <m:ctrlPr>
-                            <a:rPr lang="de-DE" sz="2000" smtClean="0">
-                              <a:latin typeface="+mn-lt"/>
+                            <a:rPr lang="de-DE" sz="2000" i="1" smtClean="0">
+                              <a:latin typeface="Cambria Math" panose="02040503050406030204" pitchFamily="18" charset="0"/>
                             </a:rPr>
                           </m:ctrlPr>
                         </m:sSubPr>
@@ -39665,7 +39304,7 @@
                               <m:sty m:val="p"/>
                             </m:rPr>
                             <a:rPr lang="de-DE" sz="2000" b="0" i="0" smtClean="0">
-                              <a:latin typeface="+mn-lt"/>
+                              <a:latin typeface="Cambria Math" panose="02040503050406030204" pitchFamily="18" charset="0"/>
                             </a:rPr>
                             <m:t>P</m:t>
                           </m:r>
@@ -39676,7 +39315,7 @@
                               <m:sty m:val="p"/>
                             </m:rPr>
                             <a:rPr lang="de-DE" sz="2000" b="0" i="0" smtClean="0">
-                              <a:latin typeface="+mn-lt"/>
+                              <a:latin typeface="Cambria Math" panose="02040503050406030204" pitchFamily="18" charset="0"/>
                             </a:rPr>
                             <m:t>dyn</m:t>
                           </m:r>
@@ -39684,7 +39323,7 @@
                       </m:sSub>
                       <m:r>
                         <a:rPr lang="de-DE" sz="2000" b="0" i="0" smtClean="0">
-                          <a:latin typeface="+mn-lt"/>
+                          <a:latin typeface="Cambria Math" panose="02040503050406030204" pitchFamily="18" charset="0"/>
                         </a:rPr>
                         <m:t>=</m:t>
                       </m:r>
@@ -39693,7 +39332,7 @@
                           <a:solidFill>
                             <a:srgbClr val="FF0000"/>
                           </a:solidFill>
-                          <a:latin typeface="+mn-lt"/>
+                          <a:latin typeface="Cambria Math" panose="02040503050406030204" pitchFamily="18" charset="0"/>
                         </a:rPr>
                         <m:t> </m:t>
                       </m:r>
@@ -39702,14 +39341,14 @@
                           <a:solidFill>
                             <a:srgbClr val="FF0000"/>
                           </a:solidFill>
-                          <a:latin typeface="+mn-lt"/>
+                          <a:latin typeface="Cambria Math" panose="02040503050406030204" pitchFamily="18" charset="0"/>
                           <a:ea typeface="Cambria Math" panose="02040503050406030204" pitchFamily="18" charset="0"/>
                         </a:rPr>
                         <m:t>∝ </m:t>
                       </m:r>
                       <m:r>
                         <a:rPr lang="de-DE" sz="2000" b="0" i="0" smtClean="0">
-                          <a:latin typeface="+mn-lt"/>
+                          <a:latin typeface="Cambria Math" panose="02040503050406030204" pitchFamily="18" charset="0"/>
                           <a:ea typeface="Cambria Math" panose="02040503050406030204" pitchFamily="18" charset="0"/>
                         </a:rPr>
                         <m:t>∙</m:t>
@@ -39719,14 +39358,14 @@
                           <m:sty m:val="p"/>
                         </m:rPr>
                         <a:rPr lang="de-DE" sz="2000" b="0" i="0" smtClean="0">
-                          <a:latin typeface="+mn-lt"/>
+                          <a:latin typeface="Cambria Math" panose="02040503050406030204" pitchFamily="18" charset="0"/>
                           <a:ea typeface="Cambria Math" panose="02040503050406030204" pitchFamily="18" charset="0"/>
                         </a:rPr>
                         <m:t>f</m:t>
                       </m:r>
                       <m:r>
                         <a:rPr lang="de-DE" sz="2000" b="0" i="0" smtClean="0">
-                          <a:latin typeface="+mn-lt"/>
+                          <a:latin typeface="Cambria Math" panose="02040503050406030204" pitchFamily="18" charset="0"/>
                           <a:ea typeface="Cambria Math" panose="02040503050406030204" pitchFamily="18" charset="0"/>
                         </a:rPr>
                         <m:t>∙</m:t>
@@ -39734,8 +39373,8 @@
                       <m:sSub>
                         <m:sSubPr>
                           <m:ctrlPr>
-                            <a:rPr lang="de-DE" sz="2000" b="0" smtClean="0">
-                              <a:latin typeface="+mn-lt"/>
+                            <a:rPr lang="de-DE" sz="2000" b="0" i="1" smtClean="0">
+                              <a:latin typeface="Cambria Math" panose="02040503050406030204" pitchFamily="18" charset="0"/>
                               <a:ea typeface="Cambria Math" panose="02040503050406030204" pitchFamily="18" charset="0"/>
                             </a:rPr>
                           </m:ctrlPr>
@@ -39746,7 +39385,7 @@
                               <m:sty m:val="p"/>
                             </m:rPr>
                             <a:rPr lang="de-DE" sz="2000" b="0" i="0" smtClean="0">
-                              <a:latin typeface="+mn-lt"/>
+                              <a:latin typeface="Cambria Math" panose="02040503050406030204" pitchFamily="18" charset="0"/>
                               <a:ea typeface="Cambria Math" panose="02040503050406030204" pitchFamily="18" charset="0"/>
                             </a:rPr>
                             <m:t>C</m:t>
@@ -39758,7 +39397,7 @@
                               <m:sty m:val="p"/>
                             </m:rPr>
                             <a:rPr lang="de-DE" sz="2000" b="0" i="0" smtClean="0">
-                              <a:latin typeface="+mn-lt"/>
+                              <a:latin typeface="Cambria Math" panose="02040503050406030204" pitchFamily="18" charset="0"/>
                               <a:ea typeface="Cambria Math" panose="02040503050406030204" pitchFamily="18" charset="0"/>
                             </a:rPr>
                             <m:t>L</m:t>
@@ -39767,7 +39406,7 @@
                       </m:sSub>
                       <m:r>
                         <a:rPr lang="de-DE" sz="2000" b="0" i="0" smtClean="0">
-                          <a:latin typeface="+mn-lt"/>
+                          <a:latin typeface="Cambria Math" panose="02040503050406030204" pitchFamily="18" charset="0"/>
                           <a:ea typeface="Cambria Math" panose="02040503050406030204" pitchFamily="18" charset="0"/>
                         </a:rPr>
                         <m:t>∙</m:t>
@@ -39775,8 +39414,8 @@
                       <m:sSubSup>
                         <m:sSubSupPr>
                           <m:ctrlPr>
-                            <a:rPr lang="de-DE" sz="2000" b="0" smtClean="0">
-                              <a:latin typeface="+mn-lt"/>
+                            <a:rPr lang="de-DE" sz="2000" b="0" i="1" smtClean="0">
+                              <a:latin typeface="Cambria Math" panose="02040503050406030204" pitchFamily="18" charset="0"/>
                               <a:ea typeface="Cambria Math" panose="02040503050406030204" pitchFamily="18" charset="0"/>
                             </a:rPr>
                           </m:ctrlPr>
@@ -39787,7 +39426,7 @@
                               <m:sty m:val="p"/>
                             </m:rPr>
                             <a:rPr lang="de-DE" sz="2000" b="0" i="0" smtClean="0">
-                              <a:latin typeface="+mn-lt"/>
+                              <a:latin typeface="Cambria Math" panose="02040503050406030204" pitchFamily="18" charset="0"/>
                               <a:ea typeface="Cambria Math" panose="02040503050406030204" pitchFamily="18" charset="0"/>
                             </a:rPr>
                             <m:t>V</m:t>
@@ -39799,7 +39438,7 @@
                               <m:sty m:val="p"/>
                             </m:rPr>
                             <a:rPr lang="de-DE" sz="2000" b="0" i="0" smtClean="0">
-                              <a:latin typeface="+mn-lt"/>
+                              <a:latin typeface="Cambria Math" panose="02040503050406030204" pitchFamily="18" charset="0"/>
                               <a:ea typeface="Cambria Math" panose="02040503050406030204" pitchFamily="18" charset="0"/>
                             </a:rPr>
                             <m:t>dd</m:t>
@@ -39808,7 +39447,7 @@
                         <m:sup>
                           <m:r>
                             <a:rPr lang="de-DE" sz="2000" b="0" i="0" smtClean="0">
-                              <a:latin typeface="+mn-lt"/>
+                              <a:latin typeface="Cambria Math" panose="02040503050406030204" pitchFamily="18" charset="0"/>
                               <a:ea typeface="Cambria Math" panose="02040503050406030204" pitchFamily="18" charset="0"/>
                             </a:rPr>
                             <m:t>2</m:t>
@@ -39825,7 +39464,7 @@
             </p:txBody>
           </p:sp>
         </mc:Choice>
-        <mc:Fallback>
+        <mc:Fallback xmlns="">
           <p:sp>
             <p:nvSpPr>
               <p:cNvPr id="30" name="Textfeld 29"/>
@@ -40878,13 +40517,7 @@
               <a:rPr lang="de-DE" dirty="0">
                 <a:latin typeface="+mn-lt"/>
               </a:rPr>
-              <a:t>    V1R1 VxR0 </a:t>
-            </a:r>
-            <a:r>
-              <a:rPr lang="de-DE" dirty="0" smtClean="0">
-                <a:latin typeface="+mn-lt"/>
-              </a:rPr>
-              <a:t>V1R3</a:t>
+              <a:t>    V1R1 VxR0 V1R3</a:t>
             </a:r>
           </a:p>
           <a:p>
@@ -40981,7 +40614,7 @@
               <a:lstStyle/>
               <a:p>
                 <a:r>
-                  <a:rPr lang="de-DE" dirty="0" smtClean="0">
+                  <a:rPr lang="de-DE" dirty="0">
                     <a:latin typeface="+mn-lt"/>
                   </a:rPr>
                   <a:t>Adresse  </a:t>
@@ -41119,25 +40752,11 @@
                   <a:t> </a:t>
                 </a:r>
                 <a:r>
-                  <a:rPr lang="de-DE" dirty="0" smtClean="0">
-                    <a:latin typeface="+mn-lt"/>
-                    <a:sym typeface="Wingdings" panose="05000000000000000000" pitchFamily="2" charset="2"/>
-                  </a:rPr>
-                  <a:t></a:t>
-                </a:r>
-                <a:r>
                   <a:rPr lang="de-DE" dirty="0">
                     <a:latin typeface="+mn-lt"/>
                     <a:sym typeface="Wingdings" panose="05000000000000000000" pitchFamily="2" charset="2"/>
                   </a:rPr>
-                  <a:t>	</a:t>
-                </a:r>
-                <a:r>
-                  <a:rPr lang="de-DE" dirty="0" smtClean="0">
-                    <a:latin typeface="+mn-lt"/>
-                    <a:sym typeface="Wingdings" panose="05000000000000000000" pitchFamily="2" charset="2"/>
-                  </a:rPr>
-                  <a:t>1</a:t>
+                  <a:t>	1</a:t>
                 </a:r>
                 <a14:m>
                   <m:oMath xmlns:m="http://schemas.openxmlformats.org/officeDocument/2006/math">
@@ -41316,18 +40935,13 @@
                     <a:lstStyle/>
                     <a:p>
                       <a:r>
-                        <a:rPr lang="de-DE" sz="1600" b="0" dirty="0" smtClean="0">
+                        <a:rPr lang="de-DE" sz="1600" b="0" dirty="0">
                           <a:solidFill>
                             <a:schemeClr val="tx1"/>
                           </a:solidFill>
                         </a:rPr>
                         <a:t>blockierte Register </a:t>
                       </a:r>
-                      <a:endParaRPr lang="de-DE" sz="1600" b="0" dirty="0">
-                        <a:solidFill>
-                          <a:schemeClr val="tx1"/>
-                        </a:solidFill>
-                      </a:endParaRPr>
                     </a:p>
                   </a:txBody>
                   <a:tcPr>
@@ -41380,7 +40994,7 @@
                         <a:defRPr/>
                       </a:pPr>
                       <a:r>
-                        <a:rPr lang="de-DE" sz="1600" b="0" dirty="0" smtClean="0">
+                        <a:rPr lang="de-DE" sz="1600" b="0" dirty="0">
                           <a:solidFill>
                             <a:schemeClr val="tx1"/>
                           </a:solidFill>
@@ -41538,13 +41152,7 @@
               <a:rPr lang="de-DE" dirty="0">
                 <a:latin typeface="+mn-lt"/>
               </a:rPr>
-              <a:t>    V1R1 V0R5 </a:t>
-            </a:r>
-            <a:r>
-              <a:rPr lang="de-DE" dirty="0" smtClean="0">
-                <a:latin typeface="+mn-lt"/>
-              </a:rPr>
-              <a:t>V1R3</a:t>
+              <a:t>    V1R1 V0R5 V1R3</a:t>
             </a:r>
           </a:p>
           <a:p>
@@ -41567,18 +41175,18 @@
               <a:buChar char="§"/>
             </a:pPr>
             <a:r>
-              <a:rPr lang="de-DE" dirty="0" smtClean="0">
+              <a:rPr lang="de-DE" dirty="0">
                 <a:latin typeface="+mn-lt"/>
               </a:rPr>
               <a:t>Register-Files werden </a:t>
             </a:r>
             <a:r>
-              <a:rPr lang="de-DE" dirty="0" err="1" smtClean="0">
+              <a:rPr lang="de-DE" dirty="0" err="1">
                 <a:latin typeface="+mn-lt"/>
               </a:rPr>
               <a:t>gebalanced</a:t>
             </a:r>
-            <a:endParaRPr lang="de-DE" dirty="0" smtClean="0">
+            <a:endParaRPr lang="de-DE" dirty="0">
               <a:latin typeface="+mn-lt"/>
             </a:endParaRPr>
           </a:p>
@@ -41594,14 +41202,11 @@
               <a:buChar char="§"/>
             </a:pPr>
             <a:r>
-              <a:rPr lang="de-DE" dirty="0" smtClean="0">
+              <a:rPr lang="de-DE" dirty="0">
                 <a:latin typeface="+mn-lt"/>
               </a:rPr>
               <a:t>Register werden von hinten aufgefüllt</a:t>
             </a:r>
-            <a:endParaRPr lang="de-DE" dirty="0">
-              <a:latin typeface="+mn-lt"/>
-            </a:endParaRPr>
           </a:p>
         </p:txBody>
       </p:sp>
@@ -42424,17 +42029,8 @@
               <a:rPr lang="de-DE" dirty="0">
                 <a:latin typeface="+mn-lt"/>
               </a:rPr>
-              <a:t>    V1R1 VxR0 </a:t>
+              <a:t>    V1R1 VxR0 V1R3</a:t>
             </a:r>
-            <a:r>
-              <a:rPr lang="de-DE" dirty="0" smtClean="0">
-                <a:latin typeface="+mn-lt"/>
-              </a:rPr>
-              <a:t>V1R3</a:t>
-            </a:r>
-            <a:endParaRPr lang="de-DE" dirty="0">
-              <a:latin typeface="+mn-lt"/>
-            </a:endParaRPr>
           </a:p>
           <a:p>
             <a:pPr marL="342900" indent="-342900" eaLnBrk="1" hangingPunct="1">
@@ -42463,13 +42059,7 @@
               <a:rPr lang="de-DE" dirty="0">
                 <a:latin typeface="+mn-lt"/>
               </a:rPr>
-              <a:t> </a:t>
-            </a:r>
-            <a:r>
-              <a:rPr lang="de-DE" dirty="0" smtClean="0">
-                <a:latin typeface="+mn-lt"/>
-              </a:rPr>
-              <a:t>Heuristik</a:t>
+              <a:t> Heuristik</a:t>
             </a:r>
           </a:p>
           <a:p>
@@ -42484,20 +42074,17 @@
               <a:buChar char="§"/>
             </a:pPr>
             <a:r>
-              <a:rPr lang="de-DE" dirty="0" err="1" smtClean="0">
+              <a:rPr lang="de-DE" dirty="0" err="1">
                 <a:latin typeface="+mn-lt"/>
               </a:rPr>
               <a:t>Balancing</a:t>
             </a:r>
             <a:r>
-              <a:rPr lang="de-DE" dirty="0" smtClean="0">
+              <a:rPr lang="de-DE" dirty="0">
                 <a:latin typeface="+mn-lt"/>
               </a:rPr>
               <a:t> noch vorhanden </a:t>
             </a:r>
-            <a:endParaRPr lang="de-DE" dirty="0">
-              <a:latin typeface="+mn-lt"/>
-            </a:endParaRPr>
           </a:p>
           <a:p>
             <a:pPr marL="342900" indent="-342900" eaLnBrk="1" hangingPunct="1">
@@ -42511,16 +42098,10 @@
               <a:buChar char="§"/>
             </a:pPr>
             <a:r>
-              <a:rPr lang="de-DE" dirty="0" smtClean="0">
-                <a:latin typeface="+mn-lt"/>
-              </a:rPr>
-              <a:t>Vorherige </a:t>
-            </a:r>
-            <a:r>
               <a:rPr lang="de-DE" dirty="0">
                 <a:latin typeface="+mn-lt"/>
               </a:rPr>
-              <a:t>Adresse wird berücksichtigt, um die Schaltaktivität an den Ports zu minimieren </a:t>
+              <a:t>Vorherige Adresse wird berücksichtigt, um die Schaltaktivität an den Ports zu minimieren </a:t>
             </a:r>
           </a:p>
           <a:p>
@@ -42607,17 +42188,8 @@
               <a:rPr lang="de-DE" dirty="0">
                 <a:latin typeface="+mn-lt"/>
               </a:rPr>
-              <a:t>    V1R1 V0R1 </a:t>
+              <a:t>    V1R1 V0R1 V1R3</a:t>
             </a:r>
-            <a:r>
-              <a:rPr lang="de-DE" dirty="0" smtClean="0">
-                <a:latin typeface="+mn-lt"/>
-              </a:rPr>
-              <a:t>V1R3</a:t>
-            </a:r>
-            <a:endParaRPr lang="de-DE" dirty="0">
-              <a:latin typeface="+mn-lt"/>
-            </a:endParaRPr>
           </a:p>
           <a:p>
             <a:pPr marL="342900" indent="-342900" eaLnBrk="1" hangingPunct="1">
@@ -42631,19 +42203,19 @@
               <a:buChar char="§"/>
             </a:pPr>
             <a:r>
-              <a:rPr lang="de-DE" dirty="0" smtClean="0">
+              <a:rPr lang="de-DE" dirty="0">
                 <a:latin typeface="+mn-lt"/>
               </a:rPr>
               <a:t>Erweiterung der </a:t>
             </a:r>
             <a:r>
-              <a:rPr lang="de-DE" dirty="0" err="1" smtClean="0">
+              <a:rPr lang="de-DE" dirty="0" err="1">
                 <a:latin typeface="+mn-lt"/>
               </a:rPr>
               <a:t>default</a:t>
             </a:r>
             <a:r>
-              <a:rPr lang="de-DE" dirty="0" smtClean="0">
+              <a:rPr lang="de-DE" dirty="0">
                 <a:latin typeface="+mn-lt"/>
               </a:rPr>
               <a:t> Heuristik</a:t>
@@ -42672,9 +42244,6 @@
               </a:rPr>
               <a:t> noch vorhanden </a:t>
             </a:r>
-            <a:endParaRPr lang="de-DE" dirty="0" smtClean="0">
-              <a:latin typeface="+mn-lt"/>
-            </a:endParaRPr>
           </a:p>
           <a:p>
             <a:pPr marL="342900" indent="-342900" eaLnBrk="1" hangingPunct="1">
@@ -42688,7 +42257,7 @@
               <a:buChar char="§"/>
             </a:pPr>
             <a:r>
-              <a:rPr lang="de-DE" dirty="0" smtClean="0">
+              <a:rPr lang="de-DE" dirty="0">
                 <a:latin typeface="+mn-lt"/>
               </a:rPr>
               <a:t>Vorherige Adresse wird berücksichtigt, um die Schaltaktivität an den Ports zu minimieren </a:t>
@@ -42735,7 +42304,7 @@
               <a:lstStyle/>
               <a:p>
                 <a:r>
-                  <a:rPr lang="de-DE" dirty="0" smtClean="0">
+                  <a:rPr lang="de-DE" dirty="0">
                     <a:latin typeface="+mn-lt"/>
                   </a:rPr>
                   <a:t>Adresse  </a:t>
@@ -42776,7 +42345,7 @@
                   <a:t> 	</a:t>
                 </a:r>
                 <a:r>
-                  <a:rPr lang="de-DE" dirty="0" smtClean="0">
+                  <a:rPr lang="de-DE" dirty="0">
                     <a:latin typeface="+mn-lt"/>
                     <a:sym typeface="Wingdings" panose="05000000000000000000" pitchFamily="2" charset="2"/>
                   </a:rPr>
@@ -42873,18 +42442,11 @@
                   <a:t> </a:t>
                 </a:r>
                 <a:r>
-                  <a:rPr lang="de-DE" dirty="0" smtClean="0">
-                    <a:latin typeface="+mn-lt"/>
-                    <a:sym typeface="Wingdings" panose="05000000000000000000" pitchFamily="2" charset="2"/>
-                  </a:rPr>
-                  <a:t></a:t>
-                </a:r>
-                <a:r>
                   <a:rPr lang="de-DE" dirty="0">
                     <a:latin typeface="+mn-lt"/>
                     <a:sym typeface="Wingdings" panose="05000000000000000000" pitchFamily="2" charset="2"/>
                   </a:rPr>
-                  <a:t>	0</a:t>
+                  <a:t>	0</a:t>
                 </a:r>
                 <a14:m>
                   <m:oMath xmlns:m="http://schemas.openxmlformats.org/officeDocument/2006/math">
@@ -42942,14 +42504,7 @@
                     <a:latin typeface="+mn-lt"/>
                     <a:sym typeface="Wingdings" panose="05000000000000000000" pitchFamily="2" charset="2"/>
                   </a:rPr>
-                  <a:t>-Distanz = </a:t>
-                </a:r>
-                <a:r>
-                  <a:rPr lang="de-DE" dirty="0" smtClean="0">
-                    <a:latin typeface="+mn-lt"/>
-                    <a:sym typeface="Wingdings" panose="05000000000000000000" pitchFamily="2" charset="2"/>
-                  </a:rPr>
-                  <a:t>1</a:t>
+                  <a:t>-Distanz = 1</a:t>
                 </a:r>
                 <a:endParaRPr lang="de-DE" dirty="0">
                   <a:latin typeface="+mn-lt"/>
@@ -43538,18 +43093,13 @@
                     <a:lstStyle/>
                     <a:p>
                       <a:r>
-                        <a:rPr lang="de-DE" sz="1600" b="0" dirty="0" smtClean="0">
+                        <a:rPr lang="de-DE" sz="1600" b="0" dirty="0">
                           <a:solidFill>
                             <a:schemeClr val="tx1"/>
                           </a:solidFill>
                         </a:rPr>
                         <a:t>blockierte Register </a:t>
                       </a:r>
-                      <a:endParaRPr lang="de-DE" sz="1600" b="0" dirty="0">
-                        <a:solidFill>
-                          <a:schemeClr val="tx1"/>
-                        </a:solidFill>
-                      </a:endParaRPr>
                     </a:p>
                   </a:txBody>
                   <a:tcPr>
@@ -43602,7 +43152,7 @@
                         <a:defRPr/>
                       </a:pPr>
                       <a:r>
-                        <a:rPr lang="de-DE" sz="1600" b="0" dirty="0" smtClean="0">
+                        <a:rPr lang="de-DE" sz="1600" b="0" dirty="0">
                           <a:solidFill>
                             <a:schemeClr val="tx1"/>
                           </a:solidFill>
@@ -45252,7 +44802,7 @@
                 <a14:useLocalDpi xmlns:a14="http://schemas.microsoft.com/office/drawing/2010/main" val="0"/>
               </a:ext>
               <a:ext uri="{96DAC541-7B7A-43D3-8B79-37D633B846F1}">
-                <asvg:svgBlip xmlns="" xmlns:asvg="http://schemas.microsoft.com/office/drawing/2016/SVG/main" r:embed="rId4"/>
+                <asvg:svgBlip xmlns:asvg="http://schemas.microsoft.com/office/drawing/2016/SVG/main" r:embed="rId4"/>
               </a:ext>
             </a:extLst>
           </a:blip>
@@ -45873,10 +45423,9 @@
           <a:lstStyle/>
           <a:p>
             <a:r>
-              <a:rPr lang="de-DE" sz="1600" dirty="0" smtClean="0"/>
+              <a:rPr lang="de-DE" sz="1600" dirty="0"/>
               <a:t>Chromosom</a:t>
             </a:r>
-            <a:endParaRPr lang="de-DE" sz="1600" dirty="0"/>
           </a:p>
         </p:txBody>
       </p:sp>
